--- a/Hospital.pptx
+++ b/Hospital.pptx
@@ -119,6 +119,11 @@
       </a:defRPr>
     </a:lvl9pPr>
   </p:defaultTextStyle>
+  <p:extLst>
+    <p:ext uri="{EFAFB233-063F-42B5-8137-9DF3F51BA10A}">
+      <p15:sldGuideLst xmlns:p15="http://schemas.microsoft.com/office/powerpoint/2012/main"/>
+    </p:ext>
+  </p:extLst>
 </p:presentation>
 </file>
 
@@ -867,7 +872,7 @@
           <a:p>
             <a:fld id="{A633F804-39DA-4C49-979B-E138C523399E}" type="datetimeFigureOut">
               <a:rPr lang="en-US" smtClean="0"/>
-              <a:t>08-04-2018</a:t>
+              <a:t>4/8/18</a:t>
             </a:fld>
             <a:endParaRPr lang="en-US"/>
           </a:p>
@@ -1118,7 +1123,7 @@
           <a:p>
             <a:fld id="{A633F804-39DA-4C49-979B-E138C523399E}" type="datetimeFigureOut">
               <a:rPr lang="en-US" smtClean="0"/>
-              <a:t>08-04-2018</a:t>
+              <a:t>4/8/18</a:t>
             </a:fld>
             <a:endParaRPr lang="en-US"/>
           </a:p>
@@ -1432,7 +1437,7 @@
           <a:p>
             <a:fld id="{A633F804-39DA-4C49-979B-E138C523399E}" type="datetimeFigureOut">
               <a:rPr lang="en-US" smtClean="0"/>
-              <a:t>08-04-2018</a:t>
+              <a:t>4/8/18</a:t>
             </a:fld>
             <a:endParaRPr lang="en-US"/>
           </a:p>
@@ -1765,7 +1770,7 @@
           <a:p>
             <a:fld id="{A633F804-39DA-4C49-979B-E138C523399E}" type="datetimeFigureOut">
               <a:rPr lang="en-US" smtClean="0"/>
-              <a:t>08-04-2018</a:t>
+              <a:t>4/8/18</a:t>
             </a:fld>
             <a:endParaRPr lang="en-US"/>
           </a:p>
@@ -2079,7 +2084,7 @@
           <a:p>
             <a:fld id="{A633F804-39DA-4C49-979B-E138C523399E}" type="datetimeFigureOut">
               <a:rPr lang="en-US" smtClean="0"/>
-              <a:t>08-04-2018</a:t>
+              <a:t>4/8/18</a:t>
             </a:fld>
             <a:endParaRPr lang="en-US"/>
           </a:p>
@@ -2472,7 +2477,7 @@
           <a:p>
             <a:fld id="{A633F804-39DA-4C49-979B-E138C523399E}" type="datetimeFigureOut">
               <a:rPr lang="en-US" smtClean="0"/>
-              <a:t>08-04-2018</a:t>
+              <a:t>4/8/18</a:t>
             </a:fld>
             <a:endParaRPr lang="en-US"/>
           </a:p>
@@ -2642,7 +2647,7 @@
           <a:p>
             <a:fld id="{A633F804-39DA-4C49-979B-E138C523399E}" type="datetimeFigureOut">
               <a:rPr lang="en-US" smtClean="0"/>
-              <a:t>08-04-2018</a:t>
+              <a:t>4/8/18</a:t>
             </a:fld>
             <a:endParaRPr lang="en-US"/>
           </a:p>
@@ -2822,7 +2827,7 @@
           <a:p>
             <a:fld id="{A633F804-39DA-4C49-979B-E138C523399E}" type="datetimeFigureOut">
               <a:rPr lang="en-US" smtClean="0"/>
-              <a:t>08-04-2018</a:t>
+              <a:t>4/8/18</a:t>
             </a:fld>
             <a:endParaRPr lang="en-US"/>
           </a:p>
@@ -2992,7 +2997,7 @@
           <a:p>
             <a:fld id="{A633F804-39DA-4C49-979B-E138C523399E}" type="datetimeFigureOut">
               <a:rPr lang="en-US" smtClean="0"/>
-              <a:t>08-04-2018</a:t>
+              <a:t>4/8/18</a:t>
             </a:fld>
             <a:endParaRPr lang="en-US"/>
           </a:p>
@@ -3239,7 +3244,7 @@
           <a:p>
             <a:fld id="{A633F804-39DA-4C49-979B-E138C523399E}" type="datetimeFigureOut">
               <a:rPr lang="en-US" smtClean="0"/>
-              <a:t>08-04-2018</a:t>
+              <a:t>4/8/18</a:t>
             </a:fld>
             <a:endParaRPr lang="en-US"/>
           </a:p>
@@ -3471,7 +3476,7 @@
           <a:p>
             <a:fld id="{A633F804-39DA-4C49-979B-E138C523399E}" type="datetimeFigureOut">
               <a:rPr lang="en-US" smtClean="0"/>
-              <a:t>08-04-2018</a:t>
+              <a:t>4/8/18</a:t>
             </a:fld>
             <a:endParaRPr lang="en-US"/>
           </a:p>
@@ -3845,7 +3850,7 @@
           <a:p>
             <a:fld id="{A633F804-39DA-4C49-979B-E138C523399E}" type="datetimeFigureOut">
               <a:rPr lang="en-US" smtClean="0"/>
-              <a:t>08-04-2018</a:t>
+              <a:t>4/8/18</a:t>
             </a:fld>
             <a:endParaRPr lang="en-US"/>
           </a:p>
@@ -3968,7 +3973,7 @@
           <a:p>
             <a:fld id="{A633F804-39DA-4C49-979B-E138C523399E}" type="datetimeFigureOut">
               <a:rPr lang="en-US" smtClean="0"/>
-              <a:t>08-04-2018</a:t>
+              <a:t>4/8/18</a:t>
             </a:fld>
             <a:endParaRPr lang="en-US"/>
           </a:p>
@@ -4063,7 +4068,7 @@
           <a:p>
             <a:fld id="{A633F804-39DA-4C49-979B-E138C523399E}" type="datetimeFigureOut">
               <a:rPr lang="en-US" smtClean="0"/>
-              <a:t>08-04-2018</a:t>
+              <a:t>4/8/18</a:t>
             </a:fld>
             <a:endParaRPr lang="en-US"/>
           </a:p>
@@ -4318,7 +4323,7 @@
           <a:p>
             <a:fld id="{A633F804-39DA-4C49-979B-E138C523399E}" type="datetimeFigureOut">
               <a:rPr lang="en-US" smtClean="0"/>
-              <a:t>08-04-2018</a:t>
+              <a:t>4/8/18</a:t>
             </a:fld>
             <a:endParaRPr lang="en-US"/>
           </a:p>
@@ -4623,7 +4628,7 @@
           <a:p>
             <a:fld id="{A633F804-39DA-4C49-979B-E138C523399E}" type="datetimeFigureOut">
               <a:rPr lang="en-US" smtClean="0"/>
-              <a:t>08-04-2018</a:t>
+              <a:t>4/8/18</a:t>
             </a:fld>
             <a:endParaRPr lang="en-US"/>
           </a:p>
@@ -5325,7 +5330,7 @@
           <a:p>
             <a:fld id="{A633F804-39DA-4C49-979B-E138C523399E}" type="datetimeFigureOut">
               <a:rPr lang="en-US" smtClean="0"/>
-              <a:t>08-04-2018</a:t>
+              <a:t>4/8/18</a:t>
             </a:fld>
             <a:endParaRPr lang="en-US"/>
           </a:p>
@@ -8605,6 +8610,61 @@
           <a:chExt cx="0" cy="0"/>
         </a:xfrm>
       </p:grpSpPr>
+      <p:sp>
+        <p:nvSpPr>
+          <p:cNvPr id="2" name="Rectangle 1"/>
+          <p:cNvSpPr/>
+          <p:nvPr/>
+        </p:nvSpPr>
+        <p:spPr>
+          <a:xfrm>
+            <a:off x="717716" y="211072"/>
+            <a:ext cx="4022256" cy="923330"/>
+          </a:xfrm>
+          <a:prstGeom prst="rect">
+            <a:avLst/>
+          </a:prstGeom>
+          <a:noFill/>
+        </p:spPr>
+        <p:txBody>
+          <a:bodyPr wrap="none" lIns="91440" tIns="45720" rIns="91440" bIns="45720">
+            <a:spAutoFit/>
+          </a:bodyPr>
+          <a:lstStyle/>
+          <a:p>
+            <a:pPr algn="ctr"/>
+            <a:r>
+              <a:rPr lang="en-US" sz="5400" dirty="0" smtClean="0">
+                <a:ln w="0"/>
+                <a:solidFill>
+                  <a:srgbClr val="0070C0"/>
+                </a:solidFill>
+                <a:effectLst>
+                  <a:outerShdw blurRad="38100" dist="25400" dir="5400000" algn="ctr" rotWithShape="0">
+                    <a:srgbClr val="6E747A">
+                      <a:alpha val="43000"/>
+                    </a:srgbClr>
+                  </a:outerShdw>
+                </a:effectLst>
+              </a:rPr>
+              <a:t>Manage user</a:t>
+            </a:r>
+            <a:endParaRPr lang="en-US" sz="5400" dirty="0">
+              <a:ln w="0"/>
+              <a:solidFill>
+                <a:srgbClr val="0070C0"/>
+              </a:solidFill>
+              <a:effectLst>
+                <a:outerShdw blurRad="38100" dist="25400" dir="5400000" algn="ctr" rotWithShape="0">
+                  <a:srgbClr val="6E747A">
+                    <a:alpha val="43000"/>
+                  </a:srgbClr>
+                </a:outerShdw>
+              </a:effectLst>
+            </a:endParaRPr>
+          </a:p>
+        </p:txBody>
+      </p:sp>
     </p:spTree>
     <p:extLst>
       <p:ext uri="{BB962C8B-B14F-4D97-AF65-F5344CB8AC3E}">

--- a/Hospital.pptx
+++ b/Hospital.pptx
@@ -21,6 +21,8 @@
     <p:sldId id="269" r:id="rId15"/>
     <p:sldId id="270" r:id="rId16"/>
     <p:sldId id="271" r:id="rId17"/>
+    <p:sldId id="272" r:id="rId18"/>
+    <p:sldId id="273" r:id="rId19"/>
   </p:sldIdLst>
   <p:sldSz cx="12192000" cy="6858000"/>
   <p:notesSz cx="6858000" cy="9144000"/>
@@ -8665,6 +8667,36 @@
           </a:p>
         </p:txBody>
       </p:sp>
+      <p:pic>
+        <p:nvPicPr>
+          <p:cNvPr id="4" name="Picture 3"/>
+          <p:cNvPicPr>
+            <a:picLocks noChangeAspect="1"/>
+          </p:cNvPicPr>
+          <p:nvPr/>
+        </p:nvPicPr>
+        <p:blipFill>
+          <a:blip r:embed="rId2">
+            <a:extLst>
+              <a:ext uri="{28A0092B-C50C-407E-A947-70E740481C1C}">
+                <a14:useLocalDpi xmlns:a14="http://schemas.microsoft.com/office/drawing/2010/main" val="0"/>
+              </a:ext>
+            </a:extLst>
+          </a:blip>
+          <a:stretch>
+            <a:fillRect/>
+          </a:stretch>
+        </p:blipFill>
+        <p:spPr>
+          <a:xfrm>
+            <a:off x="1122636" y="1362404"/>
+            <a:ext cx="9715500" cy="4343400"/>
+          </a:xfrm>
+          <a:prstGeom prst="rect">
+            <a:avLst/>
+          </a:prstGeom>
+        </p:spPr>
+      </p:pic>
     </p:spTree>
     <p:extLst>
       <p:ext uri="{BB962C8B-B14F-4D97-AF65-F5344CB8AC3E}">
@@ -8682,6 +8714,204 @@
       </p:par>
     </p:tnLst>
   </p:timing>
+</p:sld>
+</file>
+
+<file path=ppt/slides/slide17.xml><?xml version="1.0" encoding="utf-8"?>
+<p:sld xmlns:a="http://schemas.openxmlformats.org/drawingml/2006/main" xmlns:r="http://schemas.openxmlformats.org/officeDocument/2006/relationships" xmlns:p="http://schemas.openxmlformats.org/presentationml/2006/main">
+  <p:cSld>
+    <p:spTree>
+      <p:nvGrpSpPr>
+        <p:cNvPr id="1" name=""/>
+        <p:cNvGrpSpPr/>
+        <p:nvPr/>
+      </p:nvGrpSpPr>
+      <p:grpSpPr>
+        <a:xfrm>
+          <a:off x="0" y="0"/>
+          <a:ext cx="0" cy="0"/>
+          <a:chOff x="0" y="0"/>
+          <a:chExt cx="0" cy="0"/>
+        </a:xfrm>
+      </p:grpSpPr>
+      <p:sp>
+        <p:nvSpPr>
+          <p:cNvPr id="4" name="Rectangle 3"/>
+          <p:cNvSpPr/>
+          <p:nvPr/>
+        </p:nvSpPr>
+        <p:spPr>
+          <a:xfrm>
+            <a:off x="474130" y="316176"/>
+            <a:ext cx="6380273" cy="923330"/>
+          </a:xfrm>
+          <a:prstGeom prst="rect">
+            <a:avLst/>
+          </a:prstGeom>
+          <a:noFill/>
+        </p:spPr>
+        <p:txBody>
+          <a:bodyPr wrap="none" lIns="91440" tIns="45720" rIns="91440" bIns="45720">
+            <a:spAutoFit/>
+          </a:bodyPr>
+          <a:lstStyle/>
+          <a:p>
+            <a:pPr algn="ctr"/>
+            <a:r>
+              <a:rPr lang="en-US" sz="5400" dirty="0" smtClean="0">
+                <a:ln w="0"/>
+                <a:solidFill>
+                  <a:srgbClr val="0070C0"/>
+                </a:solidFill>
+                <a:effectLst>
+                  <a:outerShdw blurRad="38100" dist="25400" dir="5400000" algn="ctr" rotWithShape="0">
+                    <a:srgbClr val="6E747A">
+                      <a:alpha val="43000"/>
+                    </a:srgbClr>
+                  </a:outerShdw>
+                </a:effectLst>
+              </a:rPr>
+              <a:t>Manage </a:t>
+            </a:r>
+            <a:r>
+              <a:rPr lang="en-US" sz="5400" dirty="0" smtClean="0">
+                <a:ln w="0"/>
+                <a:solidFill>
+                  <a:srgbClr val="0070C0"/>
+                </a:solidFill>
+                <a:effectLst>
+                  <a:outerShdw blurRad="38100" dist="25400" dir="5400000" algn="ctr" rotWithShape="0">
+                    <a:srgbClr val="6E747A">
+                      <a:alpha val="43000"/>
+                    </a:srgbClr>
+                  </a:outerShdw>
+                </a:effectLst>
+              </a:rPr>
+              <a:t>department</a:t>
+            </a:r>
+            <a:endParaRPr lang="en-US" sz="5400" dirty="0">
+              <a:ln w="0"/>
+              <a:solidFill>
+                <a:srgbClr val="0070C0"/>
+              </a:solidFill>
+              <a:effectLst>
+                <a:outerShdw blurRad="38100" dist="25400" dir="5400000" algn="ctr" rotWithShape="0">
+                  <a:srgbClr val="6E747A">
+                    <a:alpha val="43000"/>
+                  </a:srgbClr>
+                </a:outerShdw>
+              </a:effectLst>
+            </a:endParaRPr>
+          </a:p>
+        </p:txBody>
+      </p:sp>
+      <p:pic>
+        <p:nvPicPr>
+          <p:cNvPr id="7" name="Content Placeholder 6"/>
+          <p:cNvPicPr>
+            <a:picLocks noGrp="1" noChangeAspect="1"/>
+          </p:cNvPicPr>
+          <p:nvPr>
+            <p:ph idx="1"/>
+          </p:nvPr>
+        </p:nvPicPr>
+        <p:blipFill>
+          <a:blip r:embed="rId2">
+            <a:extLst>
+              <a:ext uri="{28A0092B-C50C-407E-A947-70E740481C1C}">
+                <a14:useLocalDpi xmlns:a14="http://schemas.microsoft.com/office/drawing/2010/main" val="0"/>
+              </a:ext>
+            </a:extLst>
+          </a:blip>
+          <a:stretch>
+            <a:fillRect/>
+          </a:stretch>
+        </p:blipFill>
+        <p:spPr>
+          <a:xfrm>
+            <a:off x="1657378" y="2091560"/>
+            <a:ext cx="6736388" cy="3273124"/>
+          </a:xfrm>
+        </p:spPr>
+      </p:pic>
+    </p:spTree>
+    <p:extLst>
+      <p:ext uri="{BB962C8B-B14F-4D97-AF65-F5344CB8AC3E}">
+        <p14:creationId xmlns:p14="http://schemas.microsoft.com/office/powerpoint/2010/main" val="3193329485"/>
+      </p:ext>
+    </p:extLst>
+  </p:cSld>
+  <p:clrMapOvr>
+    <a:masterClrMapping/>
+  </p:clrMapOvr>
+</p:sld>
+</file>
+
+<file path=ppt/slides/slide18.xml><?xml version="1.0" encoding="utf-8"?>
+<p:sld xmlns:a="http://schemas.openxmlformats.org/drawingml/2006/main" xmlns:r="http://schemas.openxmlformats.org/officeDocument/2006/relationships" xmlns:p="http://schemas.openxmlformats.org/presentationml/2006/main">
+  <p:cSld>
+    <p:spTree>
+      <p:nvGrpSpPr>
+        <p:cNvPr id="1" name=""/>
+        <p:cNvGrpSpPr/>
+        <p:nvPr/>
+      </p:nvGrpSpPr>
+      <p:grpSpPr>
+        <a:xfrm>
+          <a:off x="0" y="0"/>
+          <a:ext cx="0" cy="0"/>
+          <a:chOff x="0" y="0"/>
+          <a:chExt cx="0" cy="0"/>
+        </a:xfrm>
+      </p:grpSpPr>
+      <p:sp>
+        <p:nvSpPr>
+          <p:cNvPr id="2" name="Title 1"/>
+          <p:cNvSpPr>
+            <a:spLocks noGrp="1"/>
+          </p:cNvSpPr>
+          <p:nvPr>
+            <p:ph type="title"/>
+          </p:nvPr>
+        </p:nvSpPr>
+        <p:spPr/>
+        <p:txBody>
+          <a:bodyPr/>
+          <a:lstStyle/>
+          <a:p>
+            <a:endParaRPr lang="en-US"/>
+          </a:p>
+        </p:txBody>
+      </p:sp>
+      <p:sp>
+        <p:nvSpPr>
+          <p:cNvPr id="3" name="Content Placeholder 2"/>
+          <p:cNvSpPr>
+            <a:spLocks noGrp="1"/>
+          </p:cNvSpPr>
+          <p:nvPr>
+            <p:ph idx="1"/>
+          </p:nvPr>
+        </p:nvSpPr>
+        <p:spPr/>
+        <p:txBody>
+          <a:bodyPr/>
+          <a:lstStyle/>
+          <a:p>
+            <a:endParaRPr lang="en-US" dirty="0"/>
+          </a:p>
+        </p:txBody>
+      </p:sp>
+    </p:spTree>
+    <p:extLst>
+      <p:ext uri="{BB962C8B-B14F-4D97-AF65-F5344CB8AC3E}">
+        <p14:creationId xmlns:p14="http://schemas.microsoft.com/office/powerpoint/2010/main" val="1127937807"/>
+      </p:ext>
+    </p:extLst>
+  </p:cSld>
+  <p:clrMapOvr>
+    <a:masterClrMapping/>
+  </p:clrMapOvr>
 </p:sld>
 </file>
 

--- a/Hospital.pptx
+++ b/Hospital.pptx
@@ -23,6 +23,12 @@
     <p:sldId id="271" r:id="rId17"/>
     <p:sldId id="272" r:id="rId18"/>
     <p:sldId id="273" r:id="rId19"/>
+    <p:sldId id="274" r:id="rId20"/>
+    <p:sldId id="275" r:id="rId21"/>
+    <p:sldId id="276" r:id="rId22"/>
+    <p:sldId id="278" r:id="rId23"/>
+    <p:sldId id="277" r:id="rId24"/>
+    <p:sldId id="279" r:id="rId25"/>
   </p:sldIdLst>
   <p:sldSz cx="12192000" cy="6858000"/>
   <p:notesSz cx="6858000" cy="9144000"/>
@@ -874,7 +880,7 @@
           <a:p>
             <a:fld id="{A633F804-39DA-4C49-979B-E138C523399E}" type="datetimeFigureOut">
               <a:rPr lang="en-US" smtClean="0"/>
-              <a:t>4/8/18</a:t>
+              <a:t>4/9/18</a:t>
             </a:fld>
             <a:endParaRPr lang="en-US"/>
           </a:p>
@@ -1125,7 +1131,7 @@
           <a:p>
             <a:fld id="{A633F804-39DA-4C49-979B-E138C523399E}" type="datetimeFigureOut">
               <a:rPr lang="en-US" smtClean="0"/>
-              <a:t>4/8/18</a:t>
+              <a:t>4/9/18</a:t>
             </a:fld>
             <a:endParaRPr lang="en-US"/>
           </a:p>
@@ -1439,7 +1445,7 @@
           <a:p>
             <a:fld id="{A633F804-39DA-4C49-979B-E138C523399E}" type="datetimeFigureOut">
               <a:rPr lang="en-US" smtClean="0"/>
-              <a:t>4/8/18</a:t>
+              <a:t>4/9/18</a:t>
             </a:fld>
             <a:endParaRPr lang="en-US"/>
           </a:p>
@@ -1772,7 +1778,7 @@
           <a:p>
             <a:fld id="{A633F804-39DA-4C49-979B-E138C523399E}" type="datetimeFigureOut">
               <a:rPr lang="en-US" smtClean="0"/>
-              <a:t>4/8/18</a:t>
+              <a:t>4/9/18</a:t>
             </a:fld>
             <a:endParaRPr lang="en-US"/>
           </a:p>
@@ -2086,7 +2092,7 @@
           <a:p>
             <a:fld id="{A633F804-39DA-4C49-979B-E138C523399E}" type="datetimeFigureOut">
               <a:rPr lang="en-US" smtClean="0"/>
-              <a:t>4/8/18</a:t>
+              <a:t>4/9/18</a:t>
             </a:fld>
             <a:endParaRPr lang="en-US"/>
           </a:p>
@@ -2479,7 +2485,7 @@
           <a:p>
             <a:fld id="{A633F804-39DA-4C49-979B-E138C523399E}" type="datetimeFigureOut">
               <a:rPr lang="en-US" smtClean="0"/>
-              <a:t>4/8/18</a:t>
+              <a:t>4/9/18</a:t>
             </a:fld>
             <a:endParaRPr lang="en-US"/>
           </a:p>
@@ -2649,7 +2655,7 @@
           <a:p>
             <a:fld id="{A633F804-39DA-4C49-979B-E138C523399E}" type="datetimeFigureOut">
               <a:rPr lang="en-US" smtClean="0"/>
-              <a:t>4/8/18</a:t>
+              <a:t>4/9/18</a:t>
             </a:fld>
             <a:endParaRPr lang="en-US"/>
           </a:p>
@@ -2829,7 +2835,7 @@
           <a:p>
             <a:fld id="{A633F804-39DA-4C49-979B-E138C523399E}" type="datetimeFigureOut">
               <a:rPr lang="en-US" smtClean="0"/>
-              <a:t>4/8/18</a:t>
+              <a:t>4/9/18</a:t>
             </a:fld>
             <a:endParaRPr lang="en-US"/>
           </a:p>
@@ -2999,7 +3005,7 @@
           <a:p>
             <a:fld id="{A633F804-39DA-4C49-979B-E138C523399E}" type="datetimeFigureOut">
               <a:rPr lang="en-US" smtClean="0"/>
-              <a:t>4/8/18</a:t>
+              <a:t>4/9/18</a:t>
             </a:fld>
             <a:endParaRPr lang="en-US"/>
           </a:p>
@@ -3246,7 +3252,7 @@
           <a:p>
             <a:fld id="{A633F804-39DA-4C49-979B-E138C523399E}" type="datetimeFigureOut">
               <a:rPr lang="en-US" smtClean="0"/>
-              <a:t>4/8/18</a:t>
+              <a:t>4/9/18</a:t>
             </a:fld>
             <a:endParaRPr lang="en-US"/>
           </a:p>
@@ -3478,7 +3484,7 @@
           <a:p>
             <a:fld id="{A633F804-39DA-4C49-979B-E138C523399E}" type="datetimeFigureOut">
               <a:rPr lang="en-US" smtClean="0"/>
-              <a:t>4/8/18</a:t>
+              <a:t>4/9/18</a:t>
             </a:fld>
             <a:endParaRPr lang="en-US"/>
           </a:p>
@@ -3852,7 +3858,7 @@
           <a:p>
             <a:fld id="{A633F804-39DA-4C49-979B-E138C523399E}" type="datetimeFigureOut">
               <a:rPr lang="en-US" smtClean="0"/>
-              <a:t>4/8/18</a:t>
+              <a:t>4/9/18</a:t>
             </a:fld>
             <a:endParaRPr lang="en-US"/>
           </a:p>
@@ -3975,7 +3981,7 @@
           <a:p>
             <a:fld id="{A633F804-39DA-4C49-979B-E138C523399E}" type="datetimeFigureOut">
               <a:rPr lang="en-US" smtClean="0"/>
-              <a:t>4/8/18</a:t>
+              <a:t>4/9/18</a:t>
             </a:fld>
             <a:endParaRPr lang="en-US"/>
           </a:p>
@@ -4070,7 +4076,7 @@
           <a:p>
             <a:fld id="{A633F804-39DA-4C49-979B-E138C523399E}" type="datetimeFigureOut">
               <a:rPr lang="en-US" smtClean="0"/>
-              <a:t>4/8/18</a:t>
+              <a:t>4/9/18</a:t>
             </a:fld>
             <a:endParaRPr lang="en-US"/>
           </a:p>
@@ -4325,7 +4331,7 @@
           <a:p>
             <a:fld id="{A633F804-39DA-4C49-979B-E138C523399E}" type="datetimeFigureOut">
               <a:rPr lang="en-US" smtClean="0"/>
-              <a:t>4/8/18</a:t>
+              <a:t>4/9/18</a:t>
             </a:fld>
             <a:endParaRPr lang="en-US"/>
           </a:p>
@@ -4630,7 +4636,7 @@
           <a:p>
             <a:fld id="{A633F804-39DA-4C49-979B-E138C523399E}" type="datetimeFigureOut">
               <a:rPr lang="en-US" smtClean="0"/>
-              <a:t>4/8/18</a:t>
+              <a:t>4/9/18</a:t>
             </a:fld>
             <a:endParaRPr lang="en-US"/>
           </a:p>
@@ -5332,7 +5338,7 @@
           <a:p>
             <a:fld id="{A633F804-39DA-4C49-979B-E138C523399E}" type="datetimeFigureOut">
               <a:rPr lang="en-US" smtClean="0"/>
-              <a:t>4/8/18</a:t>
+              <a:t>4/9/18</a:t>
             </a:fld>
             <a:endParaRPr lang="en-US"/>
           </a:p>
@@ -8771,23 +8777,7 @@
                   </a:outerShdw>
                 </a:effectLst>
               </a:rPr>
-              <a:t>Manage </a:t>
-            </a:r>
-            <a:r>
-              <a:rPr lang="en-US" sz="5400" dirty="0" smtClean="0">
-                <a:ln w="0"/>
-                <a:solidFill>
-                  <a:srgbClr val="0070C0"/>
-                </a:solidFill>
-                <a:effectLst>
-                  <a:outerShdw blurRad="38100" dist="25400" dir="5400000" algn="ctr" rotWithShape="0">
-                    <a:srgbClr val="6E747A">
-                      <a:alpha val="43000"/>
-                    </a:srgbClr>
-                  </a:outerShdw>
-                </a:effectLst>
-              </a:rPr>
-              <a:t>department</a:t>
+              <a:t>Manage department</a:t>
             </a:r>
             <a:endParaRPr lang="en-US" sz="5400" dirty="0">
               <a:ln w="0"/>
@@ -8866,46 +8856,206 @@
       </p:grpSpPr>
       <p:sp>
         <p:nvSpPr>
-          <p:cNvPr id="2" name="Title 1"/>
-          <p:cNvSpPr>
-            <a:spLocks noGrp="1"/>
-          </p:cNvSpPr>
-          <p:nvPr>
-            <p:ph type="title"/>
-          </p:nvPr>
-        </p:nvSpPr>
-        <p:spPr/>
-        <p:txBody>
-          <a:bodyPr/>
+          <p:cNvPr id="4" name="Rectangle 3"/>
+          <p:cNvSpPr/>
+          <p:nvPr/>
+        </p:nvSpPr>
+        <p:spPr>
+          <a:xfrm>
+            <a:off x="650822" y="337197"/>
+            <a:ext cx="7931980" cy="923330"/>
+          </a:xfrm>
+          <a:prstGeom prst="rect">
+            <a:avLst/>
+          </a:prstGeom>
+          <a:noFill/>
+        </p:spPr>
+        <p:txBody>
+          <a:bodyPr wrap="none" lIns="91440" tIns="45720" rIns="91440" bIns="45720">
+            <a:spAutoFit/>
+          </a:bodyPr>
           <a:lstStyle/>
           <a:p>
-            <a:endParaRPr lang="en-US"/>
-          </a:p>
-        </p:txBody>
-      </p:sp>
-      <p:sp>
-        <p:nvSpPr>
-          <p:cNvPr id="3" name="Content Placeholder 2"/>
-          <p:cNvSpPr>
-            <a:spLocks noGrp="1"/>
-          </p:cNvSpPr>
+            <a:pPr algn="ctr"/>
+            <a:r>
+              <a:rPr lang="en-US" sz="5400" dirty="0" smtClean="0">
+                <a:ln w="0"/>
+                <a:solidFill>
+                  <a:srgbClr val="0070C0"/>
+                </a:solidFill>
+                <a:effectLst>
+                  <a:outerShdw blurRad="38100" dist="25400" dir="5400000" algn="ctr" rotWithShape="0">
+                    <a:srgbClr val="6E747A">
+                      <a:alpha val="43000"/>
+                    </a:srgbClr>
+                  </a:outerShdw>
+                </a:effectLst>
+              </a:rPr>
+              <a:t>Manage mission schedule</a:t>
+            </a:r>
+            <a:endParaRPr lang="en-US" sz="5400" dirty="0">
+              <a:ln w="0"/>
+              <a:solidFill>
+                <a:srgbClr val="0070C0"/>
+              </a:solidFill>
+              <a:effectLst>
+                <a:outerShdw blurRad="38100" dist="25400" dir="5400000" algn="ctr" rotWithShape="0">
+                  <a:srgbClr val="6E747A">
+                    <a:alpha val="43000"/>
+                  </a:srgbClr>
+                </a:outerShdw>
+              </a:effectLst>
+            </a:endParaRPr>
+          </a:p>
+        </p:txBody>
+      </p:sp>
+      <p:pic>
+        <p:nvPicPr>
+          <p:cNvPr id="7" name="Content Placeholder 6"/>
+          <p:cNvPicPr>
+            <a:picLocks noGrp="1" noChangeAspect="1"/>
+          </p:cNvPicPr>
           <p:nvPr>
             <p:ph idx="1"/>
           </p:nvPr>
-        </p:nvSpPr>
-        <p:spPr/>
-        <p:txBody>
-          <a:bodyPr/>
-          <a:lstStyle/>
-          <a:p>
-            <a:endParaRPr lang="en-US" dirty="0"/>
-          </a:p>
-        </p:txBody>
-      </p:sp>
+        </p:nvPicPr>
+        <p:blipFill>
+          <a:blip r:embed="rId2">
+            <a:extLst>
+              <a:ext uri="{28A0092B-C50C-407E-A947-70E740481C1C}">
+                <a14:useLocalDpi xmlns:a14="http://schemas.microsoft.com/office/drawing/2010/main" val="0"/>
+              </a:ext>
+            </a:extLst>
+          </a:blip>
+          <a:stretch>
+            <a:fillRect/>
+          </a:stretch>
+        </p:blipFill>
+        <p:spPr>
+          <a:xfrm>
+            <a:off x="2007097" y="1183862"/>
+            <a:ext cx="5465757" cy="5530826"/>
+          </a:xfrm>
+        </p:spPr>
+      </p:pic>
     </p:spTree>
     <p:extLst>
       <p:ext uri="{BB962C8B-B14F-4D97-AF65-F5344CB8AC3E}">
         <p14:creationId xmlns:p14="http://schemas.microsoft.com/office/powerpoint/2010/main" val="1127937807"/>
+      </p:ext>
+    </p:extLst>
+  </p:cSld>
+  <p:clrMapOvr>
+    <a:masterClrMapping/>
+  </p:clrMapOvr>
+</p:sld>
+</file>
+
+<file path=ppt/slides/slide19.xml><?xml version="1.0" encoding="utf-8"?>
+<p:sld xmlns:a="http://schemas.openxmlformats.org/drawingml/2006/main" xmlns:r="http://schemas.openxmlformats.org/officeDocument/2006/relationships" xmlns:p="http://schemas.openxmlformats.org/presentationml/2006/main">
+  <p:cSld>
+    <p:spTree>
+      <p:nvGrpSpPr>
+        <p:cNvPr id="1" name=""/>
+        <p:cNvGrpSpPr/>
+        <p:nvPr/>
+      </p:nvGrpSpPr>
+      <p:grpSpPr>
+        <a:xfrm>
+          <a:off x="0" y="0"/>
+          <a:ext cx="0" cy="0"/>
+          <a:chOff x="0" y="0"/>
+          <a:chExt cx="0" cy="0"/>
+        </a:xfrm>
+      </p:grpSpPr>
+      <p:pic>
+        <p:nvPicPr>
+          <p:cNvPr id="5" name="Content Placeholder 4"/>
+          <p:cNvPicPr>
+            <a:picLocks noGrp="1" noChangeAspect="1"/>
+          </p:cNvPicPr>
+          <p:nvPr>
+            <p:ph idx="1"/>
+          </p:nvPr>
+        </p:nvPicPr>
+        <p:blipFill>
+          <a:blip r:embed="rId2">
+            <a:extLst>
+              <a:ext uri="{28A0092B-C50C-407E-A947-70E740481C1C}">
+                <a14:useLocalDpi xmlns:a14="http://schemas.microsoft.com/office/drawing/2010/main" val="0"/>
+              </a:ext>
+            </a:extLst>
+          </a:blip>
+          <a:stretch>
+            <a:fillRect/>
+          </a:stretch>
+        </p:blipFill>
+        <p:spPr>
+          <a:xfrm>
+            <a:off x="806039" y="1574200"/>
+            <a:ext cx="8243368" cy="4636894"/>
+          </a:xfrm>
+        </p:spPr>
+      </p:pic>
+      <p:sp>
+        <p:nvSpPr>
+          <p:cNvPr id="4" name="Rectangle 3"/>
+          <p:cNvSpPr/>
+          <p:nvPr/>
+        </p:nvSpPr>
+        <p:spPr>
+          <a:xfrm>
+            <a:off x="526588" y="337197"/>
+            <a:ext cx="8180445" cy="923330"/>
+          </a:xfrm>
+          <a:prstGeom prst="rect">
+            <a:avLst/>
+          </a:prstGeom>
+          <a:noFill/>
+        </p:spPr>
+        <p:txBody>
+          <a:bodyPr wrap="none" lIns="91440" tIns="45720" rIns="91440" bIns="45720">
+            <a:spAutoFit/>
+          </a:bodyPr>
+          <a:lstStyle/>
+          <a:p>
+            <a:pPr algn="ctr"/>
+            <a:r>
+              <a:rPr lang="en-US" sz="5400" dirty="0" smtClean="0">
+                <a:ln w="0"/>
+                <a:solidFill>
+                  <a:srgbClr val="0070C0"/>
+                </a:solidFill>
+                <a:effectLst>
+                  <a:outerShdw blurRad="38100" dist="25400" dir="5400000" algn="ctr" rotWithShape="0">
+                    <a:srgbClr val="6E747A">
+                      <a:alpha val="43000"/>
+                    </a:srgbClr>
+                  </a:outerShdw>
+                </a:effectLst>
+              </a:rPr>
+              <a:t>Manage meeting schedule</a:t>
+            </a:r>
+            <a:endParaRPr lang="en-US" sz="5400" dirty="0">
+              <a:ln w="0"/>
+              <a:solidFill>
+                <a:srgbClr val="0070C0"/>
+              </a:solidFill>
+              <a:effectLst>
+                <a:outerShdw blurRad="38100" dist="25400" dir="5400000" algn="ctr" rotWithShape="0">
+                  <a:srgbClr val="6E747A">
+                    <a:alpha val="43000"/>
+                  </a:srgbClr>
+                </a:outerShdw>
+              </a:effectLst>
+            </a:endParaRPr>
+          </a:p>
+        </p:txBody>
+      </p:sp>
+    </p:spTree>
+    <p:extLst>
+      <p:ext uri="{BB962C8B-B14F-4D97-AF65-F5344CB8AC3E}">
+        <p14:creationId xmlns:p14="http://schemas.microsoft.com/office/powerpoint/2010/main" val="2682213829"/>
       </p:ext>
     </p:extLst>
   </p:cSld>
@@ -9116,6 +9266,1243 @@
       </p:par>
     </p:tnLst>
   </p:timing>
+</p:sld>
+</file>
+
+<file path=ppt/slides/slide20.xml><?xml version="1.0" encoding="utf-8"?>
+<p:sld xmlns:a="http://schemas.openxmlformats.org/drawingml/2006/main" xmlns:r="http://schemas.openxmlformats.org/officeDocument/2006/relationships" xmlns:p="http://schemas.openxmlformats.org/presentationml/2006/main">
+  <p:cSld>
+    <p:spTree>
+      <p:nvGrpSpPr>
+        <p:cNvPr id="1" name=""/>
+        <p:cNvGrpSpPr/>
+        <p:nvPr/>
+      </p:nvGrpSpPr>
+      <p:grpSpPr>
+        <a:xfrm>
+          <a:off x="0" y="0"/>
+          <a:ext cx="0" cy="0"/>
+          <a:chOff x="0" y="0"/>
+          <a:chExt cx="0" cy="0"/>
+        </a:xfrm>
+      </p:grpSpPr>
+      <p:sp>
+        <p:nvSpPr>
+          <p:cNvPr id="3" name="Content Placeholder 2"/>
+          <p:cNvSpPr>
+            <a:spLocks noGrp="1"/>
+          </p:cNvSpPr>
+          <p:nvPr>
+            <p:ph idx="1"/>
+          </p:nvPr>
+        </p:nvSpPr>
+        <p:spPr/>
+        <p:txBody>
+          <a:bodyPr/>
+          <a:lstStyle/>
+          <a:p>
+            <a:endParaRPr lang="en-US" dirty="0"/>
+          </a:p>
+        </p:txBody>
+      </p:sp>
+      <p:sp>
+        <p:nvSpPr>
+          <p:cNvPr id="4" name="Rectangle 3"/>
+          <p:cNvSpPr/>
+          <p:nvPr/>
+        </p:nvSpPr>
+        <p:spPr>
+          <a:xfrm>
+            <a:off x="246728" y="190052"/>
+            <a:ext cx="7037504" cy="923330"/>
+          </a:xfrm>
+          <a:prstGeom prst="rect">
+            <a:avLst/>
+          </a:prstGeom>
+          <a:noFill/>
+        </p:spPr>
+        <p:txBody>
+          <a:bodyPr wrap="none" lIns="91440" tIns="45720" rIns="91440" bIns="45720">
+            <a:spAutoFit/>
+          </a:bodyPr>
+          <a:lstStyle/>
+          <a:p>
+            <a:pPr algn="ctr"/>
+            <a:r>
+              <a:rPr lang="en-US" sz="5400" dirty="0" smtClean="0">
+                <a:ln w="0"/>
+                <a:solidFill>
+                  <a:srgbClr val="0070C0"/>
+                </a:solidFill>
+                <a:effectLst>
+                  <a:outerShdw blurRad="38100" dist="25400" dir="5400000" algn="ctr" rotWithShape="0">
+                    <a:srgbClr val="6E747A">
+                      <a:alpha val="43000"/>
+                    </a:srgbClr>
+                  </a:outerShdw>
+                </a:effectLst>
+              </a:rPr>
+              <a:t>Manage shift schedule</a:t>
+            </a:r>
+            <a:endParaRPr lang="en-US" sz="5400" dirty="0">
+              <a:ln w="0"/>
+              <a:solidFill>
+                <a:srgbClr val="0070C0"/>
+              </a:solidFill>
+              <a:effectLst>
+                <a:outerShdw blurRad="38100" dist="25400" dir="5400000" algn="ctr" rotWithShape="0">
+                  <a:srgbClr val="6E747A">
+                    <a:alpha val="43000"/>
+                  </a:srgbClr>
+                </a:outerShdw>
+              </a:effectLst>
+            </a:endParaRPr>
+          </a:p>
+        </p:txBody>
+      </p:sp>
+    </p:spTree>
+    <p:extLst>
+      <p:ext uri="{BB962C8B-B14F-4D97-AF65-F5344CB8AC3E}">
+        <p14:creationId xmlns:p14="http://schemas.microsoft.com/office/powerpoint/2010/main" val="2313535214"/>
+      </p:ext>
+    </p:extLst>
+  </p:cSld>
+  <p:clrMapOvr>
+    <a:masterClrMapping/>
+  </p:clrMapOvr>
+</p:sld>
+</file>
+
+<file path=ppt/slides/slide21.xml><?xml version="1.0" encoding="utf-8"?>
+<p:sld xmlns:a="http://schemas.openxmlformats.org/drawingml/2006/main" xmlns:r="http://schemas.openxmlformats.org/officeDocument/2006/relationships" xmlns:p="http://schemas.openxmlformats.org/presentationml/2006/main">
+  <p:cSld>
+    <p:spTree>
+      <p:nvGrpSpPr>
+        <p:cNvPr id="1" name=""/>
+        <p:cNvGrpSpPr/>
+        <p:nvPr/>
+      </p:nvGrpSpPr>
+      <p:grpSpPr>
+        <a:xfrm>
+          <a:off x="0" y="0"/>
+          <a:ext cx="0" cy="0"/>
+          <a:chOff x="0" y="0"/>
+          <a:chExt cx="0" cy="0"/>
+        </a:xfrm>
+      </p:grpSpPr>
+      <p:pic>
+        <p:nvPicPr>
+          <p:cNvPr id="6" name="Content Placeholder 5"/>
+          <p:cNvPicPr>
+            <a:picLocks noGrp="1" noChangeAspect="1"/>
+          </p:cNvPicPr>
+          <p:nvPr>
+            <p:ph idx="1"/>
+          </p:nvPr>
+        </p:nvPicPr>
+        <p:blipFill>
+          <a:blip r:embed="rId2">
+            <a:extLst>
+              <a:ext uri="{28A0092B-C50C-407E-A947-70E740481C1C}">
+                <a14:useLocalDpi xmlns:a14="http://schemas.microsoft.com/office/drawing/2010/main" val="0"/>
+              </a:ext>
+            </a:extLst>
+          </a:blip>
+          <a:stretch>
+            <a:fillRect/>
+          </a:stretch>
+        </p:blipFill>
+        <p:spPr>
+          <a:xfrm>
+            <a:off x="3306461" y="1471355"/>
+            <a:ext cx="977556" cy="977556"/>
+          </a:xfrm>
+        </p:spPr>
+      </p:pic>
+      <p:sp>
+        <p:nvSpPr>
+          <p:cNvPr id="4" name="Rectangle 3"/>
+          <p:cNvSpPr/>
+          <p:nvPr/>
+        </p:nvSpPr>
+        <p:spPr>
+          <a:xfrm>
+            <a:off x="352697" y="211072"/>
+            <a:ext cx="3767378" cy="923330"/>
+          </a:xfrm>
+          <a:prstGeom prst="rect">
+            <a:avLst/>
+          </a:prstGeom>
+          <a:noFill/>
+        </p:spPr>
+        <p:txBody>
+          <a:bodyPr wrap="none" lIns="91440" tIns="45720" rIns="91440" bIns="45720">
+            <a:spAutoFit/>
+          </a:bodyPr>
+          <a:lstStyle/>
+          <a:p>
+            <a:pPr algn="ctr"/>
+            <a:r>
+              <a:rPr lang="en-US" sz="5400" dirty="0" smtClean="0">
+                <a:ln w="0"/>
+                <a:solidFill>
+                  <a:srgbClr val="0070C0"/>
+                </a:solidFill>
+                <a:effectLst>
+                  <a:outerShdw blurRad="38100" dist="25400" dir="5400000" algn="ctr" rotWithShape="0">
+                    <a:srgbClr val="6E747A">
+                      <a:alpha val="43000"/>
+                    </a:srgbClr>
+                  </a:outerShdw>
+                </a:effectLst>
+              </a:rPr>
+              <a:t>Future plan</a:t>
+            </a:r>
+            <a:endParaRPr lang="en-US" sz="5400" dirty="0">
+              <a:ln w="0"/>
+              <a:solidFill>
+                <a:srgbClr val="0070C0"/>
+              </a:solidFill>
+              <a:effectLst>
+                <a:outerShdw blurRad="38100" dist="25400" dir="5400000" algn="ctr" rotWithShape="0">
+                  <a:srgbClr val="6E747A">
+                    <a:alpha val="43000"/>
+                  </a:srgbClr>
+                </a:outerShdw>
+              </a:effectLst>
+            </a:endParaRPr>
+          </a:p>
+        </p:txBody>
+      </p:sp>
+      <p:cxnSp>
+        <p:nvCxnSpPr>
+          <p:cNvPr id="5" name="Straight Connector 4"/>
+          <p:cNvCxnSpPr/>
+          <p:nvPr/>
+        </p:nvCxnSpPr>
+        <p:spPr>
+          <a:xfrm>
+            <a:off x="352697" y="1134402"/>
+            <a:ext cx="8072846" cy="0"/>
+          </a:xfrm>
+          <a:prstGeom prst="line">
+            <a:avLst/>
+          </a:prstGeom>
+          <a:ln>
+            <a:solidFill>
+              <a:schemeClr val="accent2">
+                <a:lumMod val="75000"/>
+              </a:schemeClr>
+            </a:solidFill>
+          </a:ln>
+        </p:spPr>
+        <p:style>
+          <a:lnRef idx="1">
+            <a:schemeClr val="accent1"/>
+          </a:lnRef>
+          <a:fillRef idx="0">
+            <a:schemeClr val="accent1"/>
+          </a:fillRef>
+          <a:effectRef idx="0">
+            <a:schemeClr val="accent1"/>
+          </a:effectRef>
+          <a:fontRef idx="minor">
+            <a:schemeClr val="tx1"/>
+          </a:fontRef>
+        </p:style>
+      </p:cxnSp>
+      <p:pic>
+        <p:nvPicPr>
+          <p:cNvPr id="7" name="Content Placeholder 5"/>
+          <p:cNvPicPr>
+            <a:picLocks noChangeAspect="1"/>
+          </p:cNvPicPr>
+          <p:nvPr/>
+        </p:nvPicPr>
+        <p:blipFill>
+          <a:blip r:embed="rId2">
+            <a:extLst>
+              <a:ext uri="{28A0092B-C50C-407E-A947-70E740481C1C}">
+                <a14:useLocalDpi xmlns:a14="http://schemas.microsoft.com/office/drawing/2010/main" val="0"/>
+              </a:ext>
+            </a:extLst>
+          </a:blip>
+          <a:stretch>
+            <a:fillRect/>
+          </a:stretch>
+        </p:blipFill>
+        <p:spPr>
+          <a:xfrm>
+            <a:off x="7048688" y="1429314"/>
+            <a:ext cx="1061638" cy="1061638"/>
+          </a:xfrm>
+          <a:prstGeom prst="rect">
+            <a:avLst/>
+          </a:prstGeom>
+        </p:spPr>
+      </p:pic>
+      <p:pic>
+        <p:nvPicPr>
+          <p:cNvPr id="8" name="Picture 7"/>
+          <p:cNvPicPr>
+            <a:picLocks noChangeAspect="1"/>
+          </p:cNvPicPr>
+          <p:nvPr/>
+        </p:nvPicPr>
+        <p:blipFill>
+          <a:blip r:embed="rId3" cstate="print">
+            <a:extLst>
+              <a:ext uri="{28A0092B-C50C-407E-A947-70E740481C1C}">
+                <a14:useLocalDpi xmlns:a14="http://schemas.microsoft.com/office/drawing/2010/main" val="0"/>
+              </a:ext>
+            </a:extLst>
+          </a:blip>
+          <a:stretch>
+            <a:fillRect/>
+          </a:stretch>
+        </p:blipFill>
+        <p:spPr>
+          <a:xfrm>
+            <a:off x="4894988" y="2701446"/>
+            <a:ext cx="1610916" cy="1417458"/>
+          </a:xfrm>
+          <a:prstGeom prst="rect">
+            <a:avLst/>
+          </a:prstGeom>
+        </p:spPr>
+      </p:pic>
+      <p:sp>
+        <p:nvSpPr>
+          <p:cNvPr id="9" name="Rectangle 8"/>
+          <p:cNvSpPr/>
+          <p:nvPr/>
+        </p:nvSpPr>
+        <p:spPr>
+          <a:xfrm>
+            <a:off x="4528175" y="4360641"/>
+            <a:ext cx="2299540" cy="400110"/>
+          </a:xfrm>
+          <a:prstGeom prst="rect">
+            <a:avLst/>
+          </a:prstGeom>
+          <a:noFill/>
+        </p:spPr>
+        <p:txBody>
+          <a:bodyPr wrap="none" lIns="91440" tIns="45720" rIns="91440" bIns="45720">
+            <a:spAutoFit/>
+          </a:bodyPr>
+          <a:lstStyle/>
+          <a:p>
+            <a:pPr algn="ctr"/>
+            <a:r>
+              <a:rPr lang="en-US" sz="2000" dirty="0" smtClean="0">
+                <a:ln w="0"/>
+                <a:solidFill>
+                  <a:srgbClr val="0070C0"/>
+                </a:solidFill>
+                <a:effectLst>
+                  <a:outerShdw blurRad="38100" dist="25400" dir="5400000" algn="ctr" rotWithShape="0">
+                    <a:srgbClr val="6E747A">
+                      <a:alpha val="43000"/>
+                    </a:srgbClr>
+                  </a:outerShdw>
+                </a:effectLst>
+              </a:rPr>
+              <a:t>HOSPITAL- PORTAL</a:t>
+            </a:r>
+            <a:endParaRPr lang="en-US" sz="2000" dirty="0">
+              <a:ln w="0"/>
+              <a:solidFill>
+                <a:srgbClr val="0070C0"/>
+              </a:solidFill>
+              <a:effectLst>
+                <a:outerShdw blurRad="38100" dist="25400" dir="5400000" algn="ctr" rotWithShape="0">
+                  <a:srgbClr val="6E747A">
+                    <a:alpha val="43000"/>
+                  </a:srgbClr>
+                </a:outerShdw>
+              </a:effectLst>
+            </a:endParaRPr>
+          </a:p>
+        </p:txBody>
+      </p:sp>
+      <p:pic>
+        <p:nvPicPr>
+          <p:cNvPr id="10" name="Content Placeholder 5"/>
+          <p:cNvPicPr>
+            <a:picLocks noChangeAspect="1"/>
+          </p:cNvPicPr>
+          <p:nvPr/>
+        </p:nvPicPr>
+        <p:blipFill>
+          <a:blip r:embed="rId2">
+            <a:extLst>
+              <a:ext uri="{28A0092B-C50C-407E-A947-70E740481C1C}">
+                <a14:useLocalDpi xmlns:a14="http://schemas.microsoft.com/office/drawing/2010/main" val="0"/>
+              </a:ext>
+            </a:extLst>
+          </a:blip>
+          <a:stretch>
+            <a:fillRect/>
+          </a:stretch>
+        </p:blipFill>
+        <p:spPr>
+          <a:xfrm>
+            <a:off x="2360833" y="3825767"/>
+            <a:ext cx="1061638" cy="1061638"/>
+          </a:xfrm>
+          <a:prstGeom prst="rect">
+            <a:avLst/>
+          </a:prstGeom>
+        </p:spPr>
+      </p:pic>
+      <p:pic>
+        <p:nvPicPr>
+          <p:cNvPr id="11" name="Content Placeholder 5"/>
+          <p:cNvPicPr>
+            <a:picLocks noChangeAspect="1"/>
+          </p:cNvPicPr>
+          <p:nvPr/>
+        </p:nvPicPr>
+        <p:blipFill>
+          <a:blip r:embed="rId2">
+            <a:extLst>
+              <a:ext uri="{28A0092B-C50C-407E-A947-70E740481C1C}">
+                <a14:useLocalDpi xmlns:a14="http://schemas.microsoft.com/office/drawing/2010/main" val="0"/>
+              </a:ext>
+            </a:extLst>
+          </a:blip>
+          <a:stretch>
+            <a:fillRect/>
+          </a:stretch>
+        </p:blipFill>
+        <p:spPr>
+          <a:xfrm>
+            <a:off x="7977485" y="3856862"/>
+            <a:ext cx="1061638" cy="1061638"/>
+          </a:xfrm>
+          <a:prstGeom prst="rect">
+            <a:avLst/>
+          </a:prstGeom>
+        </p:spPr>
+      </p:pic>
+      <p:pic>
+        <p:nvPicPr>
+          <p:cNvPr id="12" name="Content Placeholder 5"/>
+          <p:cNvPicPr>
+            <a:picLocks noChangeAspect="1"/>
+          </p:cNvPicPr>
+          <p:nvPr/>
+        </p:nvPicPr>
+        <p:blipFill>
+          <a:blip r:embed="rId2">
+            <a:extLst>
+              <a:ext uri="{28A0092B-C50C-407E-A947-70E740481C1C}">
+                <a14:useLocalDpi xmlns:a14="http://schemas.microsoft.com/office/drawing/2010/main" val="0"/>
+              </a:ext>
+            </a:extLst>
+          </a:blip>
+          <a:stretch>
+            <a:fillRect/>
+          </a:stretch>
+        </p:blipFill>
+        <p:spPr>
+          <a:xfrm>
+            <a:off x="5169627" y="5544115"/>
+            <a:ext cx="1061638" cy="1061638"/>
+          </a:xfrm>
+          <a:prstGeom prst="rect">
+            <a:avLst/>
+          </a:prstGeom>
+        </p:spPr>
+      </p:pic>
+      <p:cxnSp>
+        <p:nvCxnSpPr>
+          <p:cNvPr id="14" name="Straight Arrow Connector 13"/>
+          <p:cNvCxnSpPr/>
+          <p:nvPr/>
+        </p:nvCxnSpPr>
+        <p:spPr>
+          <a:xfrm>
+            <a:off x="4284017" y="2448911"/>
+            <a:ext cx="718907" cy="525517"/>
+          </a:xfrm>
+          <a:prstGeom prst="straightConnector1">
+            <a:avLst/>
+          </a:prstGeom>
+          <a:ln>
+            <a:tailEnd type="triangle"/>
+          </a:ln>
+        </p:spPr>
+        <p:style>
+          <a:lnRef idx="1">
+            <a:schemeClr val="accent1"/>
+          </a:lnRef>
+          <a:fillRef idx="0">
+            <a:schemeClr val="accent1"/>
+          </a:fillRef>
+          <a:effectRef idx="0">
+            <a:schemeClr val="accent1"/>
+          </a:effectRef>
+          <a:fontRef idx="minor">
+            <a:schemeClr val="tx1"/>
+          </a:fontRef>
+        </p:style>
+      </p:cxnSp>
+      <p:cxnSp>
+        <p:nvCxnSpPr>
+          <p:cNvPr id="17" name="Straight Arrow Connector 16"/>
+          <p:cNvCxnSpPr/>
+          <p:nvPr/>
+        </p:nvCxnSpPr>
+        <p:spPr>
+          <a:xfrm flipH="1">
+            <a:off x="6379779" y="2490952"/>
+            <a:ext cx="668909" cy="483476"/>
+          </a:xfrm>
+          <a:prstGeom prst="straightConnector1">
+            <a:avLst/>
+          </a:prstGeom>
+          <a:ln>
+            <a:tailEnd type="triangle"/>
+          </a:ln>
+        </p:spPr>
+        <p:style>
+          <a:lnRef idx="1">
+            <a:schemeClr val="accent1"/>
+          </a:lnRef>
+          <a:fillRef idx="0">
+            <a:schemeClr val="accent1"/>
+          </a:fillRef>
+          <a:effectRef idx="0">
+            <a:schemeClr val="accent1"/>
+          </a:effectRef>
+          <a:fontRef idx="minor">
+            <a:schemeClr val="tx1"/>
+          </a:fontRef>
+        </p:style>
+      </p:cxnSp>
+      <p:cxnSp>
+        <p:nvCxnSpPr>
+          <p:cNvPr id="19" name="Straight Arrow Connector 18"/>
+          <p:cNvCxnSpPr/>
+          <p:nvPr/>
+        </p:nvCxnSpPr>
+        <p:spPr>
+          <a:xfrm flipV="1">
+            <a:off x="3716919" y="3825767"/>
+            <a:ext cx="1178069" cy="463169"/>
+          </a:xfrm>
+          <a:prstGeom prst="straightConnector1">
+            <a:avLst/>
+          </a:prstGeom>
+          <a:ln>
+            <a:tailEnd type="triangle"/>
+          </a:ln>
+        </p:spPr>
+        <p:style>
+          <a:lnRef idx="1">
+            <a:schemeClr val="accent1"/>
+          </a:lnRef>
+          <a:fillRef idx="0">
+            <a:schemeClr val="accent1"/>
+          </a:fillRef>
+          <a:effectRef idx="0">
+            <a:schemeClr val="accent1"/>
+          </a:effectRef>
+          <a:fontRef idx="minor">
+            <a:schemeClr val="tx1"/>
+          </a:fontRef>
+        </p:style>
+      </p:cxnSp>
+      <p:cxnSp>
+        <p:nvCxnSpPr>
+          <p:cNvPr id="21" name="Straight Arrow Connector 20"/>
+          <p:cNvCxnSpPr/>
+          <p:nvPr/>
+        </p:nvCxnSpPr>
+        <p:spPr>
+          <a:xfrm flipH="1" flipV="1">
+            <a:off x="6505904" y="3825767"/>
+            <a:ext cx="1178071" cy="463169"/>
+          </a:xfrm>
+          <a:prstGeom prst="straightConnector1">
+            <a:avLst/>
+          </a:prstGeom>
+          <a:ln>
+            <a:tailEnd type="triangle"/>
+          </a:ln>
+        </p:spPr>
+        <p:style>
+          <a:lnRef idx="1">
+            <a:schemeClr val="accent1"/>
+          </a:lnRef>
+          <a:fillRef idx="0">
+            <a:schemeClr val="accent1"/>
+          </a:fillRef>
+          <a:effectRef idx="0">
+            <a:schemeClr val="accent1"/>
+          </a:effectRef>
+          <a:fontRef idx="minor">
+            <a:schemeClr val="tx1"/>
+          </a:fontRef>
+        </p:style>
+      </p:cxnSp>
+      <p:cxnSp>
+        <p:nvCxnSpPr>
+          <p:cNvPr id="23" name="Straight Arrow Connector 22"/>
+          <p:cNvCxnSpPr>
+            <a:endCxn id="9" idx="2"/>
+          </p:cNvCxnSpPr>
+          <p:nvPr/>
+        </p:nvCxnSpPr>
+        <p:spPr>
+          <a:xfrm flipV="1">
+            <a:off x="5677945" y="4760751"/>
+            <a:ext cx="0" cy="620546"/>
+          </a:xfrm>
+          <a:prstGeom prst="straightConnector1">
+            <a:avLst/>
+          </a:prstGeom>
+          <a:ln>
+            <a:tailEnd type="triangle"/>
+          </a:ln>
+        </p:spPr>
+        <p:style>
+          <a:lnRef idx="1">
+            <a:schemeClr val="accent1"/>
+          </a:lnRef>
+          <a:fillRef idx="0">
+            <a:schemeClr val="accent1"/>
+          </a:fillRef>
+          <a:effectRef idx="0">
+            <a:schemeClr val="accent1"/>
+          </a:effectRef>
+          <a:fontRef idx="minor">
+            <a:schemeClr val="tx1"/>
+          </a:fontRef>
+        </p:style>
+      </p:cxnSp>
+    </p:spTree>
+    <p:extLst>
+      <p:ext uri="{BB962C8B-B14F-4D97-AF65-F5344CB8AC3E}">
+        <p14:creationId xmlns:p14="http://schemas.microsoft.com/office/powerpoint/2010/main" val="2253996599"/>
+      </p:ext>
+    </p:extLst>
+  </p:cSld>
+  <p:clrMapOvr>
+    <a:masterClrMapping/>
+  </p:clrMapOvr>
+</p:sld>
+</file>
+
+<file path=ppt/slides/slide22.xml><?xml version="1.0" encoding="utf-8"?>
+<p:sld xmlns:a="http://schemas.openxmlformats.org/drawingml/2006/main" xmlns:r="http://schemas.openxmlformats.org/officeDocument/2006/relationships" xmlns:p="http://schemas.openxmlformats.org/presentationml/2006/main">
+  <p:cSld>
+    <p:spTree>
+      <p:nvGrpSpPr>
+        <p:cNvPr id="1" name=""/>
+        <p:cNvGrpSpPr/>
+        <p:nvPr/>
+      </p:nvGrpSpPr>
+      <p:grpSpPr>
+        <a:xfrm>
+          <a:off x="0" y="0"/>
+          <a:ext cx="0" cy="0"/>
+          <a:chOff x="0" y="0"/>
+          <a:chExt cx="0" cy="0"/>
+        </a:xfrm>
+      </p:grpSpPr>
+      <p:sp>
+        <p:nvSpPr>
+          <p:cNvPr id="3" name="Content Placeholder 2"/>
+          <p:cNvSpPr>
+            <a:spLocks noGrp="1"/>
+          </p:cNvSpPr>
+          <p:nvPr>
+            <p:ph idx="1"/>
+          </p:nvPr>
+        </p:nvSpPr>
+        <p:spPr>
+          <a:xfrm>
+            <a:off x="677334" y="1828801"/>
+            <a:ext cx="8596668" cy="4212562"/>
+          </a:xfrm>
+        </p:spPr>
+        <p:txBody>
+          <a:bodyPr>
+            <a:normAutofit/>
+          </a:bodyPr>
+          <a:lstStyle/>
+          <a:p>
+            <a:r>
+              <a:rPr lang="en-US" sz="2800" dirty="0" smtClean="0"/>
+              <a:t>- Employee management system more effective.</a:t>
+            </a:r>
+          </a:p>
+          <a:p>
+            <a:r>
+              <a:rPr lang="en-US" sz="2800" dirty="0" smtClean="0"/>
+              <a:t>- Schedule setting system more convenience. </a:t>
+            </a:r>
+            <a:endParaRPr lang="en-US" sz="2800" dirty="0"/>
+          </a:p>
+        </p:txBody>
+      </p:sp>
+      <p:sp>
+        <p:nvSpPr>
+          <p:cNvPr id="4" name="Rectangle 3"/>
+          <p:cNvSpPr/>
+          <p:nvPr/>
+        </p:nvSpPr>
+        <p:spPr>
+          <a:xfrm>
+            <a:off x="533200" y="326685"/>
+            <a:ext cx="2416046" cy="830997"/>
+          </a:xfrm>
+          <a:prstGeom prst="rect">
+            <a:avLst/>
+          </a:prstGeom>
+          <a:noFill/>
+        </p:spPr>
+        <p:txBody>
+          <a:bodyPr wrap="none" lIns="91440" tIns="45720" rIns="91440" bIns="45720">
+            <a:spAutoFit/>
+          </a:bodyPr>
+          <a:lstStyle/>
+          <a:p>
+            <a:pPr algn="ctr"/>
+            <a:r>
+              <a:rPr lang="en-US" sz="4800" dirty="0" smtClean="0">
+                <a:ln w="0"/>
+                <a:solidFill>
+                  <a:srgbClr val="0070C0"/>
+                </a:solidFill>
+                <a:effectLst>
+                  <a:outerShdw blurRad="38100" dist="25400" dir="5400000" algn="ctr" rotWithShape="0">
+                    <a:srgbClr val="6E747A">
+                      <a:alpha val="43000"/>
+                    </a:srgbClr>
+                  </a:outerShdw>
+                </a:effectLst>
+              </a:rPr>
+              <a:t>Improve</a:t>
+            </a:r>
+            <a:endParaRPr lang="en-US" sz="4800" dirty="0">
+              <a:ln w="0"/>
+              <a:solidFill>
+                <a:srgbClr val="0070C0"/>
+              </a:solidFill>
+              <a:effectLst>
+                <a:outerShdw blurRad="38100" dist="25400" dir="5400000" algn="ctr" rotWithShape="0">
+                  <a:srgbClr val="6E747A">
+                    <a:alpha val="43000"/>
+                  </a:srgbClr>
+                </a:outerShdw>
+              </a:effectLst>
+            </a:endParaRPr>
+          </a:p>
+        </p:txBody>
+      </p:sp>
+    </p:spTree>
+    <p:extLst>
+      <p:ext uri="{BB962C8B-B14F-4D97-AF65-F5344CB8AC3E}">
+        <p14:creationId xmlns:p14="http://schemas.microsoft.com/office/powerpoint/2010/main" val="2283463201"/>
+      </p:ext>
+    </p:extLst>
+  </p:cSld>
+  <p:clrMapOvr>
+    <a:masterClrMapping/>
+  </p:clrMapOvr>
+</p:sld>
+</file>
+
+<file path=ppt/slides/slide23.xml><?xml version="1.0" encoding="utf-8"?>
+<p:sld xmlns:a="http://schemas.openxmlformats.org/drawingml/2006/main" xmlns:r="http://schemas.openxmlformats.org/officeDocument/2006/relationships" xmlns:p="http://schemas.openxmlformats.org/presentationml/2006/main">
+  <p:cSld>
+    <p:spTree>
+      <p:nvGrpSpPr>
+        <p:cNvPr id="1" name=""/>
+        <p:cNvGrpSpPr/>
+        <p:nvPr/>
+      </p:nvGrpSpPr>
+      <p:grpSpPr>
+        <a:xfrm>
+          <a:off x="0" y="0"/>
+          <a:ext cx="0" cy="0"/>
+          <a:chOff x="0" y="0"/>
+          <a:chExt cx="0" cy="0"/>
+        </a:xfrm>
+      </p:grpSpPr>
+      <p:sp>
+        <p:nvSpPr>
+          <p:cNvPr id="3" name="Content Placeholder 2"/>
+          <p:cNvSpPr>
+            <a:spLocks noGrp="1"/>
+          </p:cNvSpPr>
+          <p:nvPr>
+            <p:ph idx="1"/>
+          </p:nvPr>
+        </p:nvSpPr>
+        <p:spPr>
+          <a:xfrm>
+            <a:off x="677334" y="1324303"/>
+            <a:ext cx="8596668" cy="4717059"/>
+          </a:xfrm>
+        </p:spPr>
+        <p:txBody>
+          <a:bodyPr/>
+          <a:lstStyle/>
+          <a:p>
+            <a:r>
+              <a:rPr lang="en-US" dirty="0" smtClean="0"/>
+              <a:t>- Booking medical appointment</a:t>
+            </a:r>
+            <a:endParaRPr lang="en-US" dirty="0"/>
+          </a:p>
+        </p:txBody>
+      </p:sp>
+      <p:sp>
+        <p:nvSpPr>
+          <p:cNvPr id="4" name="Rectangle 3"/>
+          <p:cNvSpPr/>
+          <p:nvPr/>
+        </p:nvSpPr>
+        <p:spPr>
+          <a:xfrm>
+            <a:off x="677334" y="199574"/>
+            <a:ext cx="8073044" cy="923330"/>
+          </a:xfrm>
+          <a:prstGeom prst="rect">
+            <a:avLst/>
+          </a:prstGeom>
+          <a:noFill/>
+        </p:spPr>
+        <p:txBody>
+          <a:bodyPr wrap="none" lIns="91440" tIns="45720" rIns="91440" bIns="45720">
+            <a:spAutoFit/>
+          </a:bodyPr>
+          <a:lstStyle/>
+          <a:p>
+            <a:pPr algn="ctr"/>
+            <a:r>
+              <a:rPr lang="en-US" sz="5400" dirty="0">
+                <a:ln w="0"/>
+                <a:solidFill>
+                  <a:srgbClr val="0070C0"/>
+                </a:solidFill>
+                <a:effectLst>
+                  <a:outerShdw blurRad="38100" dist="25400" dir="5400000" algn="ctr" rotWithShape="0">
+                    <a:srgbClr val="6E747A">
+                      <a:alpha val="43000"/>
+                    </a:srgbClr>
+                  </a:outerShdw>
+                </a:effectLst>
+              </a:rPr>
+              <a:t>Extend customer services</a:t>
+            </a:r>
+            <a:endParaRPr lang="en-US" sz="5400" dirty="0">
+              <a:ln w="0"/>
+              <a:solidFill>
+                <a:srgbClr val="0070C0"/>
+              </a:solidFill>
+              <a:effectLst>
+                <a:outerShdw blurRad="38100" dist="25400" dir="5400000" algn="ctr" rotWithShape="0">
+                  <a:srgbClr val="6E747A">
+                    <a:alpha val="43000"/>
+                  </a:srgbClr>
+                </a:outerShdw>
+              </a:effectLst>
+            </a:endParaRPr>
+          </a:p>
+        </p:txBody>
+      </p:sp>
+      <p:pic>
+        <p:nvPicPr>
+          <p:cNvPr id="6" name="Picture 5"/>
+          <p:cNvPicPr>
+            <a:picLocks noChangeAspect="1"/>
+          </p:cNvPicPr>
+          <p:nvPr/>
+        </p:nvPicPr>
+        <p:blipFill>
+          <a:blip r:embed="rId2" cstate="print">
+            <a:extLst>
+              <a:ext uri="{28A0092B-C50C-407E-A947-70E740481C1C}">
+                <a14:useLocalDpi xmlns:a14="http://schemas.microsoft.com/office/drawing/2010/main" val="0"/>
+              </a:ext>
+            </a:extLst>
+          </a:blip>
+          <a:stretch>
+            <a:fillRect/>
+          </a:stretch>
+        </p:blipFill>
+        <p:spPr>
+          <a:xfrm>
+            <a:off x="977356" y="2168245"/>
+            <a:ext cx="7746230" cy="3873117"/>
+          </a:xfrm>
+          <a:prstGeom prst="rect">
+            <a:avLst/>
+          </a:prstGeom>
+        </p:spPr>
+      </p:pic>
+    </p:spTree>
+    <p:extLst>
+      <p:ext uri="{BB962C8B-B14F-4D97-AF65-F5344CB8AC3E}">
+        <p14:creationId xmlns:p14="http://schemas.microsoft.com/office/powerpoint/2010/main" val="242234198"/>
+      </p:ext>
+    </p:extLst>
+  </p:cSld>
+  <p:clrMapOvr>
+    <a:masterClrMapping/>
+  </p:clrMapOvr>
+</p:sld>
+</file>
+
+<file path=ppt/slides/slide24.xml><?xml version="1.0" encoding="utf-8"?>
+<p:sld xmlns:a="http://schemas.openxmlformats.org/drawingml/2006/main" xmlns:r="http://schemas.openxmlformats.org/officeDocument/2006/relationships" xmlns:p="http://schemas.openxmlformats.org/presentationml/2006/main">
+  <p:cSld>
+    <p:spTree>
+      <p:nvGrpSpPr>
+        <p:cNvPr id="1" name=""/>
+        <p:cNvGrpSpPr/>
+        <p:nvPr/>
+      </p:nvGrpSpPr>
+      <p:grpSpPr>
+        <a:xfrm>
+          <a:off x="0" y="0"/>
+          <a:ext cx="0" cy="0"/>
+          <a:chOff x="0" y="0"/>
+          <a:chExt cx="0" cy="0"/>
+        </a:xfrm>
+      </p:grpSpPr>
+      <p:sp>
+        <p:nvSpPr>
+          <p:cNvPr id="3" name="Content Placeholder 2"/>
+          <p:cNvSpPr>
+            <a:spLocks noGrp="1"/>
+          </p:cNvSpPr>
+          <p:nvPr>
+            <p:ph idx="1"/>
+          </p:nvPr>
+        </p:nvSpPr>
+        <p:spPr>
+          <a:xfrm>
+            <a:off x="677334" y="1576553"/>
+            <a:ext cx="8596668" cy="4832672"/>
+          </a:xfrm>
+        </p:spPr>
+        <p:txBody>
+          <a:bodyPr>
+            <a:normAutofit/>
+          </a:bodyPr>
+          <a:lstStyle/>
+          <a:p>
+            <a:r>
+              <a:rPr lang="en-US" sz="2800" dirty="0"/>
+              <a:t>Search medical </a:t>
+            </a:r>
+            <a:r>
+              <a:rPr lang="en-US" sz="2800" dirty="0" smtClean="0"/>
+              <a:t>services.</a:t>
+            </a:r>
+          </a:p>
+          <a:p>
+            <a:r>
+              <a:rPr lang="en-US" sz="2800" dirty="0"/>
+              <a:t>Search hospital’s work </a:t>
+            </a:r>
+            <a:r>
+              <a:rPr lang="en-US" sz="2800" dirty="0" smtClean="0"/>
+              <a:t>schedule</a:t>
+            </a:r>
+          </a:p>
+          <a:p>
+            <a:r>
+              <a:rPr lang="en-US" sz="2800" dirty="0" smtClean="0"/>
+              <a:t>Feed back</a:t>
+            </a:r>
+            <a:endParaRPr lang="en-US" sz="2800" dirty="0"/>
+          </a:p>
+        </p:txBody>
+      </p:sp>
+      <p:sp>
+        <p:nvSpPr>
+          <p:cNvPr id="4" name="Rectangle 3"/>
+          <p:cNvSpPr/>
+          <p:nvPr/>
+        </p:nvSpPr>
+        <p:spPr>
+          <a:xfrm>
+            <a:off x="579379" y="240626"/>
+            <a:ext cx="8073044" cy="923330"/>
+          </a:xfrm>
+          <a:prstGeom prst="rect">
+            <a:avLst/>
+          </a:prstGeom>
+          <a:noFill/>
+        </p:spPr>
+        <p:txBody>
+          <a:bodyPr wrap="none" lIns="91440" tIns="45720" rIns="91440" bIns="45720">
+            <a:spAutoFit/>
+          </a:bodyPr>
+          <a:lstStyle/>
+          <a:p>
+            <a:pPr algn="ctr"/>
+            <a:r>
+              <a:rPr lang="en-US" sz="5400" dirty="0" smtClean="0">
+                <a:ln w="0"/>
+                <a:solidFill>
+                  <a:srgbClr val="0070C0"/>
+                </a:solidFill>
+                <a:effectLst>
+                  <a:outerShdw blurRad="38100" dist="25400" dir="5400000" algn="ctr" rotWithShape="0">
+                    <a:srgbClr val="6E747A">
+                      <a:alpha val="43000"/>
+                    </a:srgbClr>
+                  </a:outerShdw>
+                </a:effectLst>
+              </a:rPr>
+              <a:t>Extend customer services</a:t>
+            </a:r>
+            <a:endParaRPr lang="en-US" sz="5400" dirty="0">
+              <a:ln w="0"/>
+              <a:solidFill>
+                <a:srgbClr val="0070C0"/>
+              </a:solidFill>
+              <a:effectLst>
+                <a:outerShdw blurRad="38100" dist="25400" dir="5400000" algn="ctr" rotWithShape="0">
+                  <a:srgbClr val="6E747A">
+                    <a:alpha val="43000"/>
+                  </a:srgbClr>
+                </a:outerShdw>
+              </a:effectLst>
+            </a:endParaRPr>
+          </a:p>
+        </p:txBody>
+      </p:sp>
+      <p:pic>
+        <p:nvPicPr>
+          <p:cNvPr id="6" name="Picture 5"/>
+          <p:cNvPicPr>
+            <a:picLocks noChangeAspect="1"/>
+          </p:cNvPicPr>
+          <p:nvPr/>
+        </p:nvPicPr>
+        <p:blipFill>
+          <a:blip r:embed="rId2" cstate="print">
+            <a:extLst>
+              <a:ext uri="{28A0092B-C50C-407E-A947-70E740481C1C}">
+                <a14:useLocalDpi xmlns:a14="http://schemas.microsoft.com/office/drawing/2010/main" val="0"/>
+              </a:ext>
+            </a:extLst>
+          </a:blip>
+          <a:stretch>
+            <a:fillRect/>
+          </a:stretch>
+        </p:blipFill>
+        <p:spPr>
+          <a:xfrm>
+            <a:off x="579379" y="3692437"/>
+            <a:ext cx="2817381" cy="2093507"/>
+          </a:xfrm>
+          <a:prstGeom prst="rect">
+            <a:avLst/>
+          </a:prstGeom>
+        </p:spPr>
+      </p:pic>
+      <p:cxnSp>
+        <p:nvCxnSpPr>
+          <p:cNvPr id="8" name="Straight Arrow Connector 7"/>
+          <p:cNvCxnSpPr/>
+          <p:nvPr/>
+        </p:nvCxnSpPr>
+        <p:spPr>
+          <a:xfrm>
+            <a:off x="3069021" y="4739190"/>
+            <a:ext cx="1093076" cy="0"/>
+          </a:xfrm>
+          <a:prstGeom prst="straightConnector1">
+            <a:avLst/>
+          </a:prstGeom>
+          <a:ln>
+            <a:tailEnd type="triangle"/>
+          </a:ln>
+        </p:spPr>
+        <p:style>
+          <a:lnRef idx="1">
+            <a:schemeClr val="accent1"/>
+          </a:lnRef>
+          <a:fillRef idx="0">
+            <a:schemeClr val="accent1"/>
+          </a:fillRef>
+          <a:effectRef idx="0">
+            <a:schemeClr val="accent1"/>
+          </a:effectRef>
+          <a:fontRef idx="minor">
+            <a:schemeClr val="tx1"/>
+          </a:fontRef>
+        </p:style>
+      </p:cxnSp>
+      <p:pic>
+        <p:nvPicPr>
+          <p:cNvPr id="9" name="Picture 8"/>
+          <p:cNvPicPr>
+            <a:picLocks noChangeAspect="1"/>
+          </p:cNvPicPr>
+          <p:nvPr/>
+        </p:nvPicPr>
+        <p:blipFill>
+          <a:blip r:embed="rId3" cstate="print">
+            <a:extLst>
+              <a:ext uri="{28A0092B-C50C-407E-A947-70E740481C1C}">
+                <a14:useLocalDpi xmlns:a14="http://schemas.microsoft.com/office/drawing/2010/main" val="0"/>
+              </a:ext>
+            </a:extLst>
+          </a:blip>
+          <a:stretch>
+            <a:fillRect/>
+          </a:stretch>
+        </p:blipFill>
+        <p:spPr>
+          <a:xfrm>
+            <a:off x="4622418" y="4118625"/>
+            <a:ext cx="1410522" cy="1241129"/>
+          </a:xfrm>
+          <a:prstGeom prst="rect">
+            <a:avLst/>
+          </a:prstGeom>
+        </p:spPr>
+      </p:pic>
+      <p:sp>
+        <p:nvSpPr>
+          <p:cNvPr id="11" name="Rectangle 10"/>
+          <p:cNvSpPr/>
+          <p:nvPr/>
+        </p:nvSpPr>
+        <p:spPr>
+          <a:xfrm>
+            <a:off x="4177909" y="5572296"/>
+            <a:ext cx="2299540" cy="400110"/>
+          </a:xfrm>
+          <a:prstGeom prst="rect">
+            <a:avLst/>
+          </a:prstGeom>
+          <a:noFill/>
+        </p:spPr>
+        <p:txBody>
+          <a:bodyPr wrap="none" lIns="91440" tIns="45720" rIns="91440" bIns="45720">
+            <a:spAutoFit/>
+          </a:bodyPr>
+          <a:lstStyle/>
+          <a:p>
+            <a:pPr algn="ctr"/>
+            <a:r>
+              <a:rPr lang="en-US" sz="2000" dirty="0" smtClean="0">
+                <a:ln w="0"/>
+                <a:solidFill>
+                  <a:srgbClr val="0070C0"/>
+                </a:solidFill>
+                <a:effectLst>
+                  <a:outerShdw blurRad="38100" dist="25400" dir="5400000" algn="ctr" rotWithShape="0">
+                    <a:srgbClr val="6E747A">
+                      <a:alpha val="43000"/>
+                    </a:srgbClr>
+                  </a:outerShdw>
+                </a:effectLst>
+              </a:rPr>
+              <a:t>HOSPITAL- PORTAL</a:t>
+            </a:r>
+            <a:endParaRPr lang="en-US" sz="2000" dirty="0">
+              <a:ln w="0"/>
+              <a:solidFill>
+                <a:srgbClr val="0070C0"/>
+              </a:solidFill>
+              <a:effectLst>
+                <a:outerShdw blurRad="38100" dist="25400" dir="5400000" algn="ctr" rotWithShape="0">
+                  <a:srgbClr val="6E747A">
+                    <a:alpha val="43000"/>
+                  </a:srgbClr>
+                </a:outerShdw>
+              </a:effectLst>
+            </a:endParaRPr>
+          </a:p>
+        </p:txBody>
+      </p:sp>
+      <p:pic>
+        <p:nvPicPr>
+          <p:cNvPr id="12" name="Picture 11"/>
+          <p:cNvPicPr>
+            <a:picLocks noChangeAspect="1"/>
+          </p:cNvPicPr>
+          <p:nvPr/>
+        </p:nvPicPr>
+        <p:blipFill>
+          <a:blip r:embed="rId4" cstate="print">
+            <a:extLst>
+              <a:ext uri="{28A0092B-C50C-407E-A947-70E740481C1C}">
+                <a14:useLocalDpi xmlns:a14="http://schemas.microsoft.com/office/drawing/2010/main" val="0"/>
+              </a:ext>
+            </a:extLst>
+          </a:blip>
+          <a:stretch>
+            <a:fillRect/>
+          </a:stretch>
+        </p:blipFill>
+        <p:spPr>
+          <a:xfrm>
+            <a:off x="8014700" y="4048296"/>
+            <a:ext cx="2286000" cy="1524000"/>
+          </a:xfrm>
+          <a:prstGeom prst="rect">
+            <a:avLst/>
+          </a:prstGeom>
+        </p:spPr>
+      </p:pic>
+      <p:cxnSp>
+        <p:nvCxnSpPr>
+          <p:cNvPr id="14" name="Straight Arrow Connector 13"/>
+          <p:cNvCxnSpPr/>
+          <p:nvPr/>
+        </p:nvCxnSpPr>
+        <p:spPr>
+          <a:xfrm>
+            <a:off x="6400800" y="4739189"/>
+            <a:ext cx="1366345" cy="0"/>
+          </a:xfrm>
+          <a:prstGeom prst="straightConnector1">
+            <a:avLst/>
+          </a:prstGeom>
+          <a:ln>
+            <a:tailEnd type="triangle"/>
+          </a:ln>
+        </p:spPr>
+        <p:style>
+          <a:lnRef idx="1">
+            <a:schemeClr val="accent1"/>
+          </a:lnRef>
+          <a:fillRef idx="0">
+            <a:schemeClr val="accent1"/>
+          </a:fillRef>
+          <a:effectRef idx="0">
+            <a:schemeClr val="accent1"/>
+          </a:effectRef>
+          <a:fontRef idx="minor">
+            <a:schemeClr val="tx1"/>
+          </a:fontRef>
+        </p:style>
+      </p:cxnSp>
+    </p:spTree>
+    <p:extLst>
+      <p:ext uri="{BB962C8B-B14F-4D97-AF65-F5344CB8AC3E}">
+        <p14:creationId xmlns:p14="http://schemas.microsoft.com/office/powerpoint/2010/main" val="3667340295"/>
+      </p:ext>
+    </p:extLst>
+  </p:cSld>
+  <p:clrMapOvr>
+    <a:masterClrMapping/>
+  </p:clrMapOvr>
 </p:sld>
 </file>
 

--- a/Hospital.pptx
+++ b/Hospital.pptx
@@ -9943,7 +9943,11 @@
           <a:p>
             <a:r>
               <a:rPr lang="en-US" sz="2800" dirty="0" smtClean="0"/>
-              <a:t>- Schedule setting system more convenience. </a:t>
+              <a:t>- </a:t>
+            </a:r>
+            <a:r>
+              <a:rPr lang="en-US" sz="2800" dirty="0"/>
+              <a:t>Automatic Scheduling. </a:t>
             </a:r>
             <a:endParaRPr lang="en-US" sz="2800" dirty="0"/>
           </a:p>
@@ -10101,19 +10105,6 @@
               </a:rPr>
               <a:t>Extend customer services</a:t>
             </a:r>
-            <a:endParaRPr lang="en-US" sz="5400" dirty="0">
-              <a:ln w="0"/>
-              <a:solidFill>
-                <a:srgbClr val="0070C0"/>
-              </a:solidFill>
-              <a:effectLst>
-                <a:outerShdw blurRad="38100" dist="25400" dir="5400000" algn="ctr" rotWithShape="0">
-                  <a:srgbClr val="6E747A">
-                    <a:alpha val="43000"/>
-                  </a:srgbClr>
-                </a:outerShdw>
-              </a:effectLst>
-            </a:endParaRPr>
           </a:p>
         </p:txBody>
       </p:sp>
@@ -12171,7 +12162,7 @@
         </p:nvCxnSpPr>
         <p:spPr>
           <a:xfrm>
-            <a:off x="5342708" y="1763486"/>
+            <a:off x="5738647" y="1826548"/>
             <a:ext cx="1" cy="4025147"/>
           </a:xfrm>
           <a:prstGeom prst="line">
@@ -12219,6 +12210,180 @@
               <a:rPr lang="en-US" dirty="0" smtClean="0"/>
               <a:t>Disadvantages</a:t>
             </a:r>
+            <a:endParaRPr lang="en-US" dirty="0"/>
+          </a:p>
+        </p:txBody>
+      </p:sp>
+      <p:sp>
+        <p:nvSpPr>
+          <p:cNvPr id="2" name="TextBox 1"/>
+          <p:cNvSpPr txBox="1"/>
+          <p:nvPr/>
+        </p:nvSpPr>
+        <p:spPr>
+          <a:xfrm>
+            <a:off x="430924" y="1826548"/>
+            <a:ext cx="5139559" cy="2862322"/>
+          </a:xfrm>
+          <a:prstGeom prst="rect">
+            <a:avLst/>
+          </a:prstGeom>
+          <a:noFill/>
+        </p:spPr>
+        <p:txBody>
+          <a:bodyPr wrap="square" rtlCol="0">
+            <a:spAutoFit/>
+          </a:bodyPr>
+          <a:lstStyle/>
+          <a:p>
+            <a:pPr marL="285750" indent="-285750">
+              <a:buFontTx/>
+              <a:buChar char="-"/>
+            </a:pPr>
+            <a:r>
+              <a:rPr lang="en-US" dirty="0" smtClean="0"/>
+              <a:t>Incorporation </a:t>
+            </a:r>
+            <a:r>
+              <a:rPr lang="en-US" dirty="0"/>
+              <a:t>of hospital management procedures and portals. The application can be accessed via the </a:t>
+            </a:r>
+            <a:r>
+              <a:rPr lang="en-US" dirty="0" smtClean="0"/>
+              <a:t>internet</a:t>
+            </a:r>
+          </a:p>
+          <a:p>
+            <a:pPr marL="285750" indent="-285750">
+              <a:buFontTx/>
+              <a:buChar char="-"/>
+            </a:pPr>
+            <a:endParaRPr lang="en-US" dirty="0"/>
+          </a:p>
+          <a:p>
+            <a:pPr marL="285750" indent="-285750">
+              <a:buFontTx/>
+              <a:buChar char="-"/>
+            </a:pPr>
+            <a:r>
+              <a:rPr lang="en-US" dirty="0" smtClean="0"/>
+              <a:t>Accuracy </a:t>
+            </a:r>
+            <a:r>
+              <a:rPr lang="en-US" dirty="0"/>
+              <a:t>and instantaneous</a:t>
+            </a:r>
+            <a:r>
+              <a:rPr lang="en-US" dirty="0" smtClean="0"/>
+              <a:t>.</a:t>
+            </a:r>
+          </a:p>
+          <a:p>
+            <a:endParaRPr lang="en-US" dirty="0"/>
+          </a:p>
+          <a:p>
+            <a:pPr marL="285750" indent="-285750">
+              <a:buFontTx/>
+              <a:buChar char="-"/>
+            </a:pPr>
+            <a:r>
+              <a:rPr lang="en-US" dirty="0" smtClean="0"/>
+              <a:t>Synchronization </a:t>
+            </a:r>
+            <a:r>
+              <a:rPr lang="en-US" dirty="0"/>
+              <a:t>and automation, reducing administrative procedures and human resources. </a:t>
+            </a:r>
+            <a:endParaRPr lang="en-US" dirty="0" smtClean="0"/>
+          </a:p>
+          <a:p>
+            <a:pPr marL="285750" indent="-285750">
+              <a:buFontTx/>
+              <a:buChar char="-"/>
+            </a:pPr>
+            <a:endParaRPr lang="en-US" dirty="0"/>
+          </a:p>
+        </p:txBody>
+      </p:sp>
+      <p:sp>
+        <p:nvSpPr>
+          <p:cNvPr id="3" name="TextBox 2"/>
+          <p:cNvSpPr txBox="1"/>
+          <p:nvPr/>
+        </p:nvSpPr>
+        <p:spPr>
+          <a:xfrm>
+            <a:off x="6316717" y="1826548"/>
+            <a:ext cx="5360276" cy="2585323"/>
+          </a:xfrm>
+          <a:prstGeom prst="rect">
+            <a:avLst/>
+          </a:prstGeom>
+          <a:noFill/>
+        </p:spPr>
+        <p:txBody>
+          <a:bodyPr wrap="square" rtlCol="0">
+            <a:spAutoFit/>
+          </a:bodyPr>
+          <a:lstStyle/>
+          <a:p>
+            <a:pPr marL="285750" lvl="0" indent="-285750">
+              <a:buFontTx/>
+              <a:buChar char="-"/>
+            </a:pPr>
+            <a:r>
+              <a:rPr lang="en-US" dirty="0" smtClean="0"/>
+              <a:t>In </a:t>
+            </a:r>
+            <a:r>
+              <a:rPr lang="en-US" dirty="0"/>
+              <a:t>fact, due to the influence of personality-related reasons, the automatic scheduling algorithm may not meet the requirements</a:t>
+            </a:r>
+            <a:r>
+              <a:rPr lang="en-US" dirty="0" smtClean="0"/>
+              <a:t>.</a:t>
+            </a:r>
+          </a:p>
+          <a:p>
+            <a:pPr marL="285750" lvl="0" indent="-285750">
+              <a:buFontTx/>
+              <a:buChar char="-"/>
+            </a:pPr>
+            <a:endParaRPr lang="en-US" dirty="0"/>
+          </a:p>
+          <a:p>
+            <a:pPr marL="285750" lvl="0" indent="-285750">
+              <a:buFontTx/>
+              <a:buChar char="-"/>
+            </a:pPr>
+            <a:endParaRPr lang="en-US" dirty="0"/>
+          </a:p>
+          <a:p>
+            <a:pPr marL="285750" lvl="0" indent="-285750">
+              <a:buFontTx/>
+              <a:buChar char="-"/>
+            </a:pPr>
+            <a:r>
+              <a:rPr lang="en-US" dirty="0" smtClean="0"/>
+              <a:t>The </a:t>
+            </a:r>
+            <a:r>
+              <a:rPr lang="en-US" dirty="0"/>
+              <a:t>hospital costs a certain amount of money to maintain the system (server, host</a:t>
+            </a:r>
+            <a:r>
+              <a:rPr lang="en-US" dirty="0" smtClean="0"/>
+              <a:t>).</a:t>
+            </a:r>
+          </a:p>
+          <a:p>
+            <a:pPr marL="285750" lvl="0" indent="-285750">
+              <a:buFontTx/>
+              <a:buChar char="-"/>
+            </a:pPr>
+            <a:endParaRPr lang="en-US" dirty="0"/>
+          </a:p>
+          <a:p>
             <a:endParaRPr lang="en-US" dirty="0"/>
           </a:p>
         </p:txBody>

--- a/Hospital.pptx
+++ b/Hospital.pptx
@@ -20,15 +20,20 @@
     <p:sldId id="267" r:id="rId14"/>
     <p:sldId id="269" r:id="rId15"/>
     <p:sldId id="270" r:id="rId16"/>
-    <p:sldId id="271" r:id="rId17"/>
-    <p:sldId id="272" r:id="rId18"/>
+    <p:sldId id="272" r:id="rId17"/>
+    <p:sldId id="271" r:id="rId18"/>
     <p:sldId id="273" r:id="rId19"/>
     <p:sldId id="274" r:id="rId20"/>
     <p:sldId id="275" r:id="rId21"/>
-    <p:sldId id="276" r:id="rId22"/>
-    <p:sldId id="278" r:id="rId23"/>
-    <p:sldId id="277" r:id="rId24"/>
-    <p:sldId id="279" r:id="rId25"/>
+    <p:sldId id="280" r:id="rId22"/>
+    <p:sldId id="281" r:id="rId23"/>
+    <p:sldId id="282" r:id="rId24"/>
+    <p:sldId id="283" r:id="rId25"/>
+    <p:sldId id="284" r:id="rId26"/>
+    <p:sldId id="276" r:id="rId27"/>
+    <p:sldId id="278" r:id="rId28"/>
+    <p:sldId id="277" r:id="rId29"/>
+    <p:sldId id="279" r:id="rId30"/>
   </p:sldIdLst>
   <p:sldSz cx="12192000" cy="6858000"/>
   <p:notesSz cx="6858000" cy="9144000"/>
@@ -880,7 +885,7 @@
           <a:p>
             <a:fld id="{A633F804-39DA-4C49-979B-E138C523399E}" type="datetimeFigureOut">
               <a:rPr lang="en-US" smtClean="0"/>
-              <a:t>4/9/18</a:t>
+              <a:t>09-04-2018</a:t>
             </a:fld>
             <a:endParaRPr lang="en-US"/>
           </a:p>
@@ -1131,7 +1136,7 @@
           <a:p>
             <a:fld id="{A633F804-39DA-4C49-979B-E138C523399E}" type="datetimeFigureOut">
               <a:rPr lang="en-US" smtClean="0"/>
-              <a:t>4/9/18</a:t>
+              <a:t>09-04-2018</a:t>
             </a:fld>
             <a:endParaRPr lang="en-US"/>
           </a:p>
@@ -1445,7 +1450,7 @@
           <a:p>
             <a:fld id="{A633F804-39DA-4C49-979B-E138C523399E}" type="datetimeFigureOut">
               <a:rPr lang="en-US" smtClean="0"/>
-              <a:t>4/9/18</a:t>
+              <a:t>09-04-2018</a:t>
             </a:fld>
             <a:endParaRPr lang="en-US"/>
           </a:p>
@@ -1778,7 +1783,7 @@
           <a:p>
             <a:fld id="{A633F804-39DA-4C49-979B-E138C523399E}" type="datetimeFigureOut">
               <a:rPr lang="en-US" smtClean="0"/>
-              <a:t>4/9/18</a:t>
+              <a:t>09-04-2018</a:t>
             </a:fld>
             <a:endParaRPr lang="en-US"/>
           </a:p>
@@ -2092,7 +2097,7 @@
           <a:p>
             <a:fld id="{A633F804-39DA-4C49-979B-E138C523399E}" type="datetimeFigureOut">
               <a:rPr lang="en-US" smtClean="0"/>
-              <a:t>4/9/18</a:t>
+              <a:t>09-04-2018</a:t>
             </a:fld>
             <a:endParaRPr lang="en-US"/>
           </a:p>
@@ -2485,7 +2490,7 @@
           <a:p>
             <a:fld id="{A633F804-39DA-4C49-979B-E138C523399E}" type="datetimeFigureOut">
               <a:rPr lang="en-US" smtClean="0"/>
-              <a:t>4/9/18</a:t>
+              <a:t>09-04-2018</a:t>
             </a:fld>
             <a:endParaRPr lang="en-US"/>
           </a:p>
@@ -2655,7 +2660,7 @@
           <a:p>
             <a:fld id="{A633F804-39DA-4C49-979B-E138C523399E}" type="datetimeFigureOut">
               <a:rPr lang="en-US" smtClean="0"/>
-              <a:t>4/9/18</a:t>
+              <a:t>09-04-2018</a:t>
             </a:fld>
             <a:endParaRPr lang="en-US"/>
           </a:p>
@@ -2835,7 +2840,7 @@
           <a:p>
             <a:fld id="{A633F804-39DA-4C49-979B-E138C523399E}" type="datetimeFigureOut">
               <a:rPr lang="en-US" smtClean="0"/>
-              <a:t>4/9/18</a:t>
+              <a:t>09-04-2018</a:t>
             </a:fld>
             <a:endParaRPr lang="en-US"/>
           </a:p>
@@ -3005,7 +3010,7 @@
           <a:p>
             <a:fld id="{A633F804-39DA-4C49-979B-E138C523399E}" type="datetimeFigureOut">
               <a:rPr lang="en-US" smtClean="0"/>
-              <a:t>4/9/18</a:t>
+              <a:t>09-04-2018</a:t>
             </a:fld>
             <a:endParaRPr lang="en-US"/>
           </a:p>
@@ -3252,7 +3257,7 @@
           <a:p>
             <a:fld id="{A633F804-39DA-4C49-979B-E138C523399E}" type="datetimeFigureOut">
               <a:rPr lang="en-US" smtClean="0"/>
-              <a:t>4/9/18</a:t>
+              <a:t>09-04-2018</a:t>
             </a:fld>
             <a:endParaRPr lang="en-US"/>
           </a:p>
@@ -3484,7 +3489,7 @@
           <a:p>
             <a:fld id="{A633F804-39DA-4C49-979B-E138C523399E}" type="datetimeFigureOut">
               <a:rPr lang="en-US" smtClean="0"/>
-              <a:t>4/9/18</a:t>
+              <a:t>09-04-2018</a:t>
             </a:fld>
             <a:endParaRPr lang="en-US"/>
           </a:p>
@@ -3858,7 +3863,7 @@
           <a:p>
             <a:fld id="{A633F804-39DA-4C49-979B-E138C523399E}" type="datetimeFigureOut">
               <a:rPr lang="en-US" smtClean="0"/>
-              <a:t>4/9/18</a:t>
+              <a:t>09-04-2018</a:t>
             </a:fld>
             <a:endParaRPr lang="en-US"/>
           </a:p>
@@ -3981,7 +3986,7 @@
           <a:p>
             <a:fld id="{A633F804-39DA-4C49-979B-E138C523399E}" type="datetimeFigureOut">
               <a:rPr lang="en-US" smtClean="0"/>
-              <a:t>4/9/18</a:t>
+              <a:t>09-04-2018</a:t>
             </a:fld>
             <a:endParaRPr lang="en-US"/>
           </a:p>
@@ -4076,7 +4081,7 @@
           <a:p>
             <a:fld id="{A633F804-39DA-4C49-979B-E138C523399E}" type="datetimeFigureOut">
               <a:rPr lang="en-US" smtClean="0"/>
-              <a:t>4/9/18</a:t>
+              <a:t>09-04-2018</a:t>
             </a:fld>
             <a:endParaRPr lang="en-US"/>
           </a:p>
@@ -4331,7 +4336,7 @@
           <a:p>
             <a:fld id="{A633F804-39DA-4C49-979B-E138C523399E}" type="datetimeFigureOut">
               <a:rPr lang="en-US" smtClean="0"/>
-              <a:t>4/9/18</a:t>
+              <a:t>09-04-2018</a:t>
             </a:fld>
             <a:endParaRPr lang="en-US"/>
           </a:p>
@@ -4636,7 +4641,7 @@
           <a:p>
             <a:fld id="{A633F804-39DA-4C49-979B-E138C523399E}" type="datetimeFigureOut">
               <a:rPr lang="en-US" smtClean="0"/>
-              <a:t>4/9/18</a:t>
+              <a:t>09-04-2018</a:t>
             </a:fld>
             <a:endParaRPr lang="en-US"/>
           </a:p>
@@ -5338,7 +5343,7 @@
           <a:p>
             <a:fld id="{A633F804-39DA-4C49-979B-E138C523399E}" type="datetimeFigureOut">
               <a:rPr lang="en-US" smtClean="0"/>
-              <a:t>4/9/18</a:t>
+              <a:t>09-04-2018</a:t>
             </a:fld>
             <a:endParaRPr lang="en-US"/>
           </a:p>
@@ -8620,14 +8625,14 @@
       </p:grpSpPr>
       <p:sp>
         <p:nvSpPr>
-          <p:cNvPr id="2" name="Rectangle 1"/>
+          <p:cNvPr id="4" name="Rectangle 3"/>
           <p:cNvSpPr/>
           <p:nvPr/>
         </p:nvSpPr>
         <p:spPr>
           <a:xfrm>
-            <a:off x="717716" y="211072"/>
-            <a:ext cx="4022256" cy="923330"/>
+            <a:off x="474130" y="120233"/>
+            <a:ext cx="4309192" cy="646331"/>
           </a:xfrm>
           <a:prstGeom prst="rect">
             <a:avLst/>
@@ -8642,7 +8647,183 @@
           <a:p>
             <a:pPr algn="ctr"/>
             <a:r>
-              <a:rPr lang="en-US" sz="5400" dirty="0" smtClean="0">
+              <a:rPr lang="en-US" sz="3600" dirty="0" smtClean="0">
+                <a:ln w="0"/>
+                <a:solidFill>
+                  <a:srgbClr val="0070C0"/>
+                </a:solidFill>
+                <a:effectLst>
+                  <a:outerShdw blurRad="38100" dist="25400" dir="5400000" algn="ctr" rotWithShape="0">
+                    <a:srgbClr val="6E747A">
+                      <a:alpha val="43000"/>
+                    </a:srgbClr>
+                  </a:outerShdw>
+                </a:effectLst>
+              </a:rPr>
+              <a:t>Manage department</a:t>
+            </a:r>
+            <a:endParaRPr lang="en-US" sz="3600" dirty="0">
+              <a:ln w="0"/>
+              <a:solidFill>
+                <a:srgbClr val="0070C0"/>
+              </a:solidFill>
+              <a:effectLst>
+                <a:outerShdw blurRad="38100" dist="25400" dir="5400000" algn="ctr" rotWithShape="0">
+                  <a:srgbClr val="6E747A">
+                    <a:alpha val="43000"/>
+                  </a:srgbClr>
+                </a:outerShdw>
+              </a:effectLst>
+            </a:endParaRPr>
+          </a:p>
+        </p:txBody>
+      </p:sp>
+      <p:pic>
+        <p:nvPicPr>
+          <p:cNvPr id="3" name="Content Placeholder 2"/>
+          <p:cNvPicPr>
+            <a:picLocks noGrp="1" noChangeAspect="1"/>
+          </p:cNvPicPr>
+          <p:nvPr>
+            <p:ph idx="1"/>
+          </p:nvPr>
+        </p:nvPicPr>
+        <p:blipFill>
+          <a:blip r:embed="rId2"/>
+          <a:stretch>
+            <a:fillRect/>
+          </a:stretch>
+        </p:blipFill>
+        <p:spPr>
+          <a:xfrm>
+            <a:off x="474130" y="1947152"/>
+            <a:ext cx="2987527" cy="3291054"/>
+          </a:xfrm>
+          <a:prstGeom prst="rect">
+            <a:avLst/>
+          </a:prstGeom>
+        </p:spPr>
+      </p:pic>
+      <p:sp>
+        <p:nvSpPr>
+          <p:cNvPr id="8" name="TextBox 7"/>
+          <p:cNvSpPr txBox="1"/>
+          <p:nvPr/>
+        </p:nvSpPr>
+        <p:spPr>
+          <a:xfrm>
+            <a:off x="3664266" y="2110045"/>
+            <a:ext cx="6019043" cy="2308324"/>
+          </a:xfrm>
+          <a:prstGeom prst="rect">
+            <a:avLst/>
+          </a:prstGeom>
+          <a:noFill/>
+        </p:spPr>
+        <p:txBody>
+          <a:bodyPr wrap="square" rtlCol="0">
+            <a:spAutoFit/>
+          </a:bodyPr>
+          <a:lstStyle/>
+          <a:p>
+            <a:pPr marL="285750" indent="-285750" algn="just">
+              <a:buFontTx/>
+              <a:buChar char="-"/>
+            </a:pPr>
+            <a:r>
+              <a:rPr lang="en-US" sz="2400" dirty="0" smtClean="0"/>
+              <a:t>The </a:t>
+            </a:r>
+            <a:r>
+              <a:rPr lang="en-US" sz="2400" dirty="0"/>
+              <a:t>department can contain 0, 1 or more </a:t>
+            </a:r>
+            <a:r>
+              <a:rPr lang="en-US" sz="2400" dirty="0" smtClean="0"/>
+              <a:t>users</a:t>
+            </a:r>
+          </a:p>
+          <a:p>
+            <a:pPr marL="285750" indent="-285750" algn="just">
+              <a:buFontTx/>
+              <a:buChar char="-"/>
+            </a:pPr>
+            <a:r>
+              <a:rPr lang="en-US" sz="2400" dirty="0"/>
+              <a:t>The department has two status is Active and </a:t>
+            </a:r>
+            <a:r>
+              <a:rPr lang="en-US" sz="2400" dirty="0" smtClean="0"/>
+              <a:t>Disabled</a:t>
+            </a:r>
+          </a:p>
+          <a:p>
+            <a:pPr marL="285750" indent="-285750" algn="just">
+              <a:buFontTx/>
+              <a:buChar char="-"/>
+            </a:pPr>
+            <a:r>
+              <a:rPr lang="en-US" sz="2400" dirty="0"/>
+              <a:t>The department can be disabled when not containing  active user</a:t>
+            </a:r>
+          </a:p>
+        </p:txBody>
+      </p:sp>
+    </p:spTree>
+    <p:extLst>
+      <p:ext uri="{BB962C8B-B14F-4D97-AF65-F5344CB8AC3E}">
+        <p14:creationId xmlns:p14="http://schemas.microsoft.com/office/powerpoint/2010/main" val="3193329485"/>
+      </p:ext>
+    </p:extLst>
+  </p:cSld>
+  <p:clrMapOvr>
+    <a:masterClrMapping/>
+  </p:clrMapOvr>
+</p:sld>
+</file>
+
+<file path=ppt/slides/slide17.xml><?xml version="1.0" encoding="utf-8"?>
+<p:sld xmlns:a="http://schemas.openxmlformats.org/drawingml/2006/main" xmlns:r="http://schemas.openxmlformats.org/officeDocument/2006/relationships" xmlns:p="http://schemas.openxmlformats.org/presentationml/2006/main">
+  <p:cSld>
+    <p:spTree>
+      <p:nvGrpSpPr>
+        <p:cNvPr id="1" name=""/>
+        <p:cNvGrpSpPr/>
+        <p:nvPr/>
+      </p:nvGrpSpPr>
+      <p:grpSpPr>
+        <a:xfrm>
+          <a:off x="0" y="0"/>
+          <a:ext cx="0" cy="0"/>
+          <a:chOff x="0" y="0"/>
+          <a:chExt cx="0" cy="0"/>
+        </a:xfrm>
+      </p:grpSpPr>
+      <p:sp>
+        <p:nvSpPr>
+          <p:cNvPr id="2" name="Rectangle 1"/>
+          <p:cNvSpPr/>
+          <p:nvPr/>
+        </p:nvSpPr>
+        <p:spPr>
+          <a:xfrm>
+            <a:off x="313509" y="106570"/>
+            <a:ext cx="2741455" cy="646331"/>
+          </a:xfrm>
+          <a:prstGeom prst="rect">
+            <a:avLst/>
+          </a:prstGeom>
+          <a:noFill/>
+        </p:spPr>
+        <p:txBody>
+          <a:bodyPr wrap="none" lIns="91440" tIns="45720" rIns="91440" bIns="45720">
+            <a:spAutoFit/>
+          </a:bodyPr>
+          <a:lstStyle/>
+          <a:p>
+            <a:pPr algn="ctr"/>
+            <a:r>
+              <a:rPr lang="en-US" sz="3600" dirty="0" smtClean="0">
                 <a:ln w="0"/>
                 <a:solidFill>
                   <a:srgbClr val="0070C0"/>
@@ -8657,7 +8838,7 @@
               </a:rPr>
               <a:t>Manage user</a:t>
             </a:r>
-            <a:endParaRPr lang="en-US" sz="5400" dirty="0">
+            <a:endParaRPr lang="en-US" sz="3600" dirty="0">
               <a:ln w="0"/>
               <a:solidFill>
                 <a:srgbClr val="0070C0"/>
@@ -8675,7 +8856,7 @@
       </p:sp>
       <p:pic>
         <p:nvPicPr>
-          <p:cNvPr id="4" name="Picture 3"/>
+          <p:cNvPr id="3" name="Picture 2"/>
           <p:cNvPicPr>
             <a:picLocks noChangeAspect="1"/>
           </p:cNvPicPr>
@@ -8695,8 +8876,8 @@
         </p:blipFill>
         <p:spPr>
           <a:xfrm>
-            <a:off x="1122636" y="1362404"/>
-            <a:ext cx="9715500" cy="4343400"/>
+            <a:off x="313509" y="1121339"/>
+            <a:ext cx="9223144" cy="4191585"/>
           </a:xfrm>
           <a:prstGeom prst="rect">
             <a:avLst/>
@@ -8723,7 +8904,7 @@
 </p:sld>
 </file>
 
-<file path=ppt/slides/slide17.xml><?xml version="1.0" encoding="utf-8"?>
+<file path=ppt/slides/slide18.xml><?xml version="1.0" encoding="utf-8"?>
 <p:sld xmlns:a="http://schemas.openxmlformats.org/drawingml/2006/main" xmlns:r="http://schemas.openxmlformats.org/officeDocument/2006/relationships" xmlns:p="http://schemas.openxmlformats.org/presentationml/2006/main">
   <p:cSld>
     <p:spTree>
@@ -8748,8 +8929,8 @@
         </p:nvSpPr>
         <p:spPr>
           <a:xfrm>
-            <a:off x="474130" y="316176"/>
-            <a:ext cx="6380273" cy="923330"/>
+            <a:off x="205482" y="219631"/>
+            <a:ext cx="5347939" cy="646331"/>
           </a:xfrm>
           <a:prstGeom prst="rect">
             <a:avLst/>
@@ -8764,7 +8945,7 @@
           <a:p>
             <a:pPr algn="ctr"/>
             <a:r>
-              <a:rPr lang="en-US" sz="5400" dirty="0" smtClean="0">
+              <a:rPr lang="en-US" sz="3600" dirty="0" smtClean="0">
                 <a:ln w="0"/>
                 <a:solidFill>
                   <a:srgbClr val="0070C0"/>
@@ -8777,9 +8958,9 @@
                   </a:outerShdw>
                 </a:effectLst>
               </a:rPr>
-              <a:t>Manage department</a:t>
-            </a:r>
-            <a:endParaRPr lang="en-US" sz="5400" dirty="0">
+              <a:t>Manage mission schedule</a:t>
+            </a:r>
+            <a:endParaRPr lang="en-US" sz="3600" dirty="0">
               <a:ln w="0"/>
               <a:solidFill>
                 <a:srgbClr val="0070C0"/>
@@ -8797,7 +8978,7 @@
       </p:sp>
       <p:pic>
         <p:nvPicPr>
-          <p:cNvPr id="7" name="Content Placeholder 6"/>
+          <p:cNvPr id="3" name="Content Placeholder 2"/>
           <p:cNvPicPr>
             <a:picLocks noGrp="1" noChangeAspect="1"/>
           </p:cNvPicPr>
@@ -8819,122 +9000,8 @@
         </p:blipFill>
         <p:spPr>
           <a:xfrm>
-            <a:off x="1657378" y="2091560"/>
-            <a:ext cx="6736388" cy="3273124"/>
-          </a:xfrm>
-        </p:spPr>
-      </p:pic>
-    </p:spTree>
-    <p:extLst>
-      <p:ext uri="{BB962C8B-B14F-4D97-AF65-F5344CB8AC3E}">
-        <p14:creationId xmlns:p14="http://schemas.microsoft.com/office/powerpoint/2010/main" val="3193329485"/>
-      </p:ext>
-    </p:extLst>
-  </p:cSld>
-  <p:clrMapOvr>
-    <a:masterClrMapping/>
-  </p:clrMapOvr>
-</p:sld>
-</file>
-
-<file path=ppt/slides/slide18.xml><?xml version="1.0" encoding="utf-8"?>
-<p:sld xmlns:a="http://schemas.openxmlformats.org/drawingml/2006/main" xmlns:r="http://schemas.openxmlformats.org/officeDocument/2006/relationships" xmlns:p="http://schemas.openxmlformats.org/presentationml/2006/main">
-  <p:cSld>
-    <p:spTree>
-      <p:nvGrpSpPr>
-        <p:cNvPr id="1" name=""/>
-        <p:cNvGrpSpPr/>
-        <p:nvPr/>
-      </p:nvGrpSpPr>
-      <p:grpSpPr>
-        <a:xfrm>
-          <a:off x="0" y="0"/>
-          <a:ext cx="0" cy="0"/>
-          <a:chOff x="0" y="0"/>
-          <a:chExt cx="0" cy="0"/>
-        </a:xfrm>
-      </p:grpSpPr>
-      <p:sp>
-        <p:nvSpPr>
-          <p:cNvPr id="4" name="Rectangle 3"/>
-          <p:cNvSpPr/>
-          <p:nvPr/>
-        </p:nvSpPr>
-        <p:spPr>
-          <a:xfrm>
-            <a:off x="650822" y="337197"/>
-            <a:ext cx="7931980" cy="923330"/>
-          </a:xfrm>
-          <a:prstGeom prst="rect">
-            <a:avLst/>
-          </a:prstGeom>
-          <a:noFill/>
-        </p:spPr>
-        <p:txBody>
-          <a:bodyPr wrap="none" lIns="91440" tIns="45720" rIns="91440" bIns="45720">
-            <a:spAutoFit/>
-          </a:bodyPr>
-          <a:lstStyle/>
-          <a:p>
-            <a:pPr algn="ctr"/>
-            <a:r>
-              <a:rPr lang="en-US" sz="5400" dirty="0" smtClean="0">
-                <a:ln w="0"/>
-                <a:solidFill>
-                  <a:srgbClr val="0070C0"/>
-                </a:solidFill>
-                <a:effectLst>
-                  <a:outerShdw blurRad="38100" dist="25400" dir="5400000" algn="ctr" rotWithShape="0">
-                    <a:srgbClr val="6E747A">
-                      <a:alpha val="43000"/>
-                    </a:srgbClr>
-                  </a:outerShdw>
-                </a:effectLst>
-              </a:rPr>
-              <a:t>Manage mission schedule</a:t>
-            </a:r>
-            <a:endParaRPr lang="en-US" sz="5400" dirty="0">
-              <a:ln w="0"/>
-              <a:solidFill>
-                <a:srgbClr val="0070C0"/>
-              </a:solidFill>
-              <a:effectLst>
-                <a:outerShdw blurRad="38100" dist="25400" dir="5400000" algn="ctr" rotWithShape="0">
-                  <a:srgbClr val="6E747A">
-                    <a:alpha val="43000"/>
-                  </a:srgbClr>
-                </a:outerShdw>
-              </a:effectLst>
-            </a:endParaRPr>
-          </a:p>
-        </p:txBody>
-      </p:sp>
-      <p:pic>
-        <p:nvPicPr>
-          <p:cNvPr id="7" name="Content Placeholder 6"/>
-          <p:cNvPicPr>
-            <a:picLocks noGrp="1" noChangeAspect="1"/>
-          </p:cNvPicPr>
-          <p:nvPr>
-            <p:ph idx="1"/>
-          </p:nvPr>
-        </p:nvPicPr>
-        <p:blipFill>
-          <a:blip r:embed="rId2">
-            <a:extLst>
-              <a:ext uri="{28A0092B-C50C-407E-A947-70E740481C1C}">
-                <a14:useLocalDpi xmlns:a14="http://schemas.microsoft.com/office/drawing/2010/main" val="0"/>
-              </a:ext>
-            </a:extLst>
-          </a:blip>
-          <a:stretch>
-            <a:fillRect/>
-          </a:stretch>
-        </p:blipFill>
-        <p:spPr>
-          <a:xfrm>
-            <a:off x="2007097" y="1183862"/>
-            <a:ext cx="5465757" cy="5530826"/>
+            <a:off x="2062599" y="1246188"/>
+            <a:ext cx="5148098" cy="5201911"/>
           </a:xfrm>
         </p:spPr>
       </p:pic>
@@ -8968,9 +9035,64 @@
           <a:chExt cx="0" cy="0"/>
         </a:xfrm>
       </p:grpSpPr>
+      <p:sp>
+        <p:nvSpPr>
+          <p:cNvPr id="4" name="Rectangle 3"/>
+          <p:cNvSpPr/>
+          <p:nvPr/>
+        </p:nvSpPr>
+        <p:spPr>
+          <a:xfrm>
+            <a:off x="228231" y="180443"/>
+            <a:ext cx="5511444" cy="646331"/>
+          </a:xfrm>
+          <a:prstGeom prst="rect">
+            <a:avLst/>
+          </a:prstGeom>
+          <a:noFill/>
+        </p:spPr>
+        <p:txBody>
+          <a:bodyPr wrap="none" lIns="91440" tIns="45720" rIns="91440" bIns="45720">
+            <a:spAutoFit/>
+          </a:bodyPr>
+          <a:lstStyle/>
+          <a:p>
+            <a:pPr algn="ctr"/>
+            <a:r>
+              <a:rPr lang="en-US" sz="3600" dirty="0" smtClean="0">
+                <a:ln w="0"/>
+                <a:solidFill>
+                  <a:srgbClr val="0070C0"/>
+                </a:solidFill>
+                <a:effectLst>
+                  <a:outerShdw blurRad="38100" dist="25400" dir="5400000" algn="ctr" rotWithShape="0">
+                    <a:srgbClr val="6E747A">
+                      <a:alpha val="43000"/>
+                    </a:srgbClr>
+                  </a:outerShdw>
+                </a:effectLst>
+              </a:rPr>
+              <a:t>Manage meeting schedule</a:t>
+            </a:r>
+            <a:endParaRPr lang="en-US" sz="3600" dirty="0">
+              <a:ln w="0"/>
+              <a:solidFill>
+                <a:srgbClr val="0070C0"/>
+              </a:solidFill>
+              <a:effectLst>
+                <a:outerShdw blurRad="38100" dist="25400" dir="5400000" algn="ctr" rotWithShape="0">
+                  <a:srgbClr val="6E747A">
+                    <a:alpha val="43000"/>
+                  </a:srgbClr>
+                </a:outerShdw>
+              </a:effectLst>
+            </a:endParaRPr>
+          </a:p>
+        </p:txBody>
+      </p:sp>
       <p:pic>
         <p:nvPicPr>
-          <p:cNvPr id="5" name="Content Placeholder 4"/>
+          <p:cNvPr id="8" name="Content Placeholder 7"/>
           <p:cNvPicPr>
             <a:picLocks noGrp="1" noChangeAspect="1"/>
           </p:cNvPicPr>
@@ -8992,66 +9114,11 @@
         </p:blipFill>
         <p:spPr>
           <a:xfrm>
-            <a:off x="806039" y="1574200"/>
-            <a:ext cx="8243368" cy="4636894"/>
+            <a:off x="1306883" y="1886268"/>
+            <a:ext cx="6894134" cy="3881437"/>
           </a:xfrm>
         </p:spPr>
       </p:pic>
-      <p:sp>
-        <p:nvSpPr>
-          <p:cNvPr id="4" name="Rectangle 3"/>
-          <p:cNvSpPr/>
-          <p:nvPr/>
-        </p:nvSpPr>
-        <p:spPr>
-          <a:xfrm>
-            <a:off x="526588" y="337197"/>
-            <a:ext cx="8180445" cy="923330"/>
-          </a:xfrm>
-          <a:prstGeom prst="rect">
-            <a:avLst/>
-          </a:prstGeom>
-          <a:noFill/>
-        </p:spPr>
-        <p:txBody>
-          <a:bodyPr wrap="none" lIns="91440" tIns="45720" rIns="91440" bIns="45720">
-            <a:spAutoFit/>
-          </a:bodyPr>
-          <a:lstStyle/>
-          <a:p>
-            <a:pPr algn="ctr"/>
-            <a:r>
-              <a:rPr lang="en-US" sz="5400" dirty="0" smtClean="0">
-                <a:ln w="0"/>
-                <a:solidFill>
-                  <a:srgbClr val="0070C0"/>
-                </a:solidFill>
-                <a:effectLst>
-                  <a:outerShdw blurRad="38100" dist="25400" dir="5400000" algn="ctr" rotWithShape="0">
-                    <a:srgbClr val="6E747A">
-                      <a:alpha val="43000"/>
-                    </a:srgbClr>
-                  </a:outerShdw>
-                </a:effectLst>
-              </a:rPr>
-              <a:t>Manage meeting schedule</a:t>
-            </a:r>
-            <a:endParaRPr lang="en-US" sz="5400" dirty="0">
-              <a:ln w="0"/>
-              <a:solidFill>
-                <a:srgbClr val="0070C0"/>
-              </a:solidFill>
-              <a:effectLst>
-                <a:outerShdw blurRad="38100" dist="25400" dir="5400000" algn="ctr" rotWithShape="0">
-                  <a:srgbClr val="6E747A">
-                    <a:alpha val="43000"/>
-                  </a:srgbClr>
-                </a:outerShdw>
-              </a:effectLst>
-            </a:endParaRPr>
-          </a:p>
-        </p:txBody>
-      </p:sp>
     </p:spTree>
     <p:extLst>
       <p:ext uri="{BB962C8B-B14F-4D97-AF65-F5344CB8AC3E}">
@@ -9062,6 +9129,13 @@
   <p:clrMapOvr>
     <a:masterClrMapping/>
   </p:clrMapOvr>
+  <p:timing>
+    <p:tnLst>
+      <p:par>
+        <p:cTn id="1" dur="indefinite" restart="never" nodeType="tmRoot"/>
+      </p:par>
+    </p:tnLst>
+  </p:timing>
 </p:sld>
 </file>
 
@@ -9288,33 +9362,14 @@
       </p:grpSpPr>
       <p:sp>
         <p:nvSpPr>
-          <p:cNvPr id="3" name="Content Placeholder 2"/>
-          <p:cNvSpPr>
-            <a:spLocks noGrp="1"/>
-          </p:cNvSpPr>
-          <p:nvPr>
-            <p:ph idx="1"/>
-          </p:nvPr>
-        </p:nvSpPr>
-        <p:spPr/>
-        <p:txBody>
-          <a:bodyPr/>
-          <a:lstStyle/>
-          <a:p>
-            <a:endParaRPr lang="en-US" dirty="0"/>
-          </a:p>
-        </p:txBody>
-      </p:sp>
-      <p:sp>
-        <p:nvSpPr>
           <p:cNvPr id="4" name="Rectangle 3"/>
           <p:cNvSpPr/>
           <p:nvPr/>
         </p:nvSpPr>
         <p:spPr>
           <a:xfrm>
-            <a:off x="246728" y="190052"/>
-            <a:ext cx="7037504" cy="923330"/>
+            <a:off x="13064" y="0"/>
+            <a:ext cx="4750018" cy="646331"/>
           </a:xfrm>
           <a:prstGeom prst="rect">
             <a:avLst/>
@@ -9329,7 +9384,7 @@
           <a:p>
             <a:pPr algn="ctr"/>
             <a:r>
-              <a:rPr lang="en-US" sz="5400" dirty="0" smtClean="0">
+              <a:rPr lang="en-US" sz="3600" dirty="0" smtClean="0">
                 <a:ln w="0"/>
                 <a:solidFill>
                   <a:srgbClr val="0070C0"/>
@@ -9344,7 +9399,7 @@
               </a:rPr>
               <a:t>Manage shift schedule</a:t>
             </a:r>
-            <a:endParaRPr lang="en-US" sz="5400" dirty="0">
+            <a:endParaRPr lang="en-US" sz="3600" dirty="0">
               <a:ln w="0"/>
               <a:solidFill>
                 <a:srgbClr val="0070C0"/>
@@ -9360,6 +9415,30 @@
           </a:p>
         </p:txBody>
       </p:sp>
+      <p:pic>
+        <p:nvPicPr>
+          <p:cNvPr id="6" name="Picture 5"/>
+          <p:cNvPicPr>
+            <a:picLocks noChangeAspect="1"/>
+          </p:cNvPicPr>
+          <p:nvPr/>
+        </p:nvPicPr>
+        <p:blipFill>
+          <a:blip r:embed="rId2"/>
+          <a:stretch>
+            <a:fillRect/>
+          </a:stretch>
+        </p:blipFill>
+        <p:spPr>
+          <a:xfrm>
+            <a:off x="1084219" y="952441"/>
+            <a:ext cx="7315199" cy="5748805"/>
+          </a:xfrm>
+          <a:prstGeom prst="rect">
+            <a:avLst/>
+          </a:prstGeom>
+        </p:spPr>
+      </p:pic>
     </p:spTree>
     <p:extLst>
       <p:ext uri="{BB962C8B-B14F-4D97-AF65-F5344CB8AC3E}">
@@ -9370,10 +9449,1745 @@
   <p:clrMapOvr>
     <a:masterClrMapping/>
   </p:clrMapOvr>
+  <p:timing>
+    <p:tnLst>
+      <p:par>
+        <p:cTn id="1" dur="indefinite" restart="never" nodeType="tmRoot"/>
+      </p:par>
+    </p:tnLst>
+  </p:timing>
 </p:sld>
 </file>
 
 <file path=ppt/slides/slide21.xml><?xml version="1.0" encoding="utf-8"?>
+<p:sld xmlns:a="http://schemas.openxmlformats.org/drawingml/2006/main" xmlns:r="http://schemas.openxmlformats.org/officeDocument/2006/relationships" xmlns:p="http://schemas.openxmlformats.org/presentationml/2006/main">
+  <p:cSld>
+    <p:spTree>
+      <p:nvGrpSpPr>
+        <p:cNvPr id="1" name=""/>
+        <p:cNvGrpSpPr/>
+        <p:nvPr/>
+      </p:nvGrpSpPr>
+      <p:grpSpPr>
+        <a:xfrm>
+          <a:off x="0" y="0"/>
+          <a:ext cx="0" cy="0"/>
+          <a:chOff x="0" y="0"/>
+          <a:chExt cx="0" cy="0"/>
+        </a:xfrm>
+      </p:grpSpPr>
+      <p:graphicFrame>
+        <p:nvGraphicFramePr>
+          <p:cNvPr id="4" name="Table 3"/>
+          <p:cNvGraphicFramePr>
+            <a:graphicFrameLocks noGrp="1"/>
+          </p:cNvGraphicFramePr>
+          <p:nvPr>
+            <p:extLst>
+              <p:ext uri="{D42A27DB-BD31-4B8C-83A1-F6EECF244321}">
+                <p14:modId xmlns:p14="http://schemas.microsoft.com/office/powerpoint/2010/main" val="2565977436"/>
+              </p:ext>
+            </p:extLst>
+          </p:nvPr>
+        </p:nvGraphicFramePr>
+        <p:xfrm>
+          <a:off x="2659016" y="2417836"/>
+          <a:ext cx="5635898" cy="2219478"/>
+        </p:xfrm>
+        <a:graphic>
+          <a:graphicData uri="http://schemas.openxmlformats.org/drawingml/2006/table">
+            <a:tbl>
+              <a:tblPr firstRow="1" bandRow="1">
+                <a:tableStyleId>{5C22544A-7EE6-4342-B048-85BDC9FD1C3A}</a:tableStyleId>
+              </a:tblPr>
+              <a:tblGrid>
+                <a:gridCol w="2817949">
+                  <a:extLst>
+                    <a:ext uri="{9D8B030D-6E8A-4147-A177-3AD203B41FA5}">
+                      <a16:colId xmlns:a16="http://schemas.microsoft.com/office/drawing/2014/main" val="546874090"/>
+                    </a:ext>
+                  </a:extLst>
+                </a:gridCol>
+                <a:gridCol w="2817949">
+                  <a:extLst>
+                    <a:ext uri="{9D8B030D-6E8A-4147-A177-3AD203B41FA5}">
+                      <a16:colId xmlns:a16="http://schemas.microsoft.com/office/drawing/2014/main" val="2368170937"/>
+                    </a:ext>
+                  </a:extLst>
+                </a:gridCol>
+              </a:tblGrid>
+              <a:tr h="1109739">
+                <a:tc>
+                  <a:txBody>
+                    <a:bodyPr/>
+                    <a:lstStyle/>
+                    <a:p>
+                      <a:pPr algn="ctr"/>
+                      <a:r>
+                        <a:rPr lang="en-US" dirty="0" smtClean="0"/>
+                        <a:t>Department</a:t>
+                      </a:r>
+                      <a:endParaRPr lang="en-US" dirty="0"/>
+                    </a:p>
+                  </a:txBody>
+                  <a:tcPr anchor="ctr"/>
+                </a:tc>
+                <a:tc>
+                  <a:txBody>
+                    <a:bodyPr/>
+                    <a:lstStyle/>
+                    <a:p>
+                      <a:pPr algn="ctr"/>
+                      <a:r>
+                        <a:rPr lang="en-US" dirty="0" smtClean="0"/>
+                        <a:t>Week</a:t>
+                      </a:r>
+                      <a:endParaRPr lang="en-US" dirty="0"/>
+                    </a:p>
+                  </a:txBody>
+                  <a:tcPr anchor="ctr"/>
+                </a:tc>
+                <a:extLst>
+                  <a:ext uri="{0D108BD9-81ED-4DB2-BD59-A6C34878D82A}">
+                    <a16:rowId xmlns:a16="http://schemas.microsoft.com/office/drawing/2014/main" val="1680950752"/>
+                  </a:ext>
+                </a:extLst>
+              </a:tr>
+              <a:tr h="1109739">
+                <a:tc>
+                  <a:txBody>
+                    <a:bodyPr/>
+                    <a:lstStyle/>
+                    <a:p>
+                      <a:pPr algn="ctr"/>
+                      <a:r>
+                        <a:rPr lang="en-US" dirty="0" smtClean="0"/>
+                        <a:t>Waiting</a:t>
+                      </a:r>
+                      <a:endParaRPr lang="en-US" dirty="0"/>
+                    </a:p>
+                  </a:txBody>
+                  <a:tcPr anchor="ctr"/>
+                </a:tc>
+                <a:tc>
+                  <a:txBody>
+                    <a:bodyPr/>
+                    <a:lstStyle/>
+                    <a:p>
+                      <a:pPr algn="ctr"/>
+                      <a:r>
+                        <a:rPr lang="en-US" dirty="0" smtClean="0"/>
+                        <a:t>Checked</a:t>
+                      </a:r>
+                      <a:endParaRPr lang="en-US" dirty="0"/>
+                    </a:p>
+                  </a:txBody>
+                  <a:tcPr anchor="ctr"/>
+                </a:tc>
+                <a:extLst>
+                  <a:ext uri="{0D108BD9-81ED-4DB2-BD59-A6C34878D82A}">
+                    <a16:rowId xmlns:a16="http://schemas.microsoft.com/office/drawing/2014/main" val="2818804731"/>
+                  </a:ext>
+                </a:extLst>
+              </a:tr>
+            </a:tbl>
+          </a:graphicData>
+        </a:graphic>
+      </p:graphicFrame>
+      <p:sp>
+        <p:nvSpPr>
+          <p:cNvPr id="5" name="Rectangle 4"/>
+          <p:cNvSpPr/>
+          <p:nvPr/>
+        </p:nvSpPr>
+        <p:spPr>
+          <a:xfrm>
+            <a:off x="13064" y="0"/>
+            <a:ext cx="4750018" cy="646331"/>
+          </a:xfrm>
+          <a:prstGeom prst="rect">
+            <a:avLst/>
+          </a:prstGeom>
+          <a:noFill/>
+        </p:spPr>
+        <p:txBody>
+          <a:bodyPr wrap="none" lIns="91440" tIns="45720" rIns="91440" bIns="45720">
+            <a:spAutoFit/>
+          </a:bodyPr>
+          <a:lstStyle/>
+          <a:p>
+            <a:pPr algn="ctr"/>
+            <a:r>
+              <a:rPr lang="en-US" sz="3600" dirty="0" smtClean="0">
+                <a:ln w="0"/>
+                <a:solidFill>
+                  <a:srgbClr val="0070C0"/>
+                </a:solidFill>
+                <a:effectLst>
+                  <a:outerShdw blurRad="38100" dist="25400" dir="5400000" algn="ctr" rotWithShape="0">
+                    <a:srgbClr val="6E747A">
+                      <a:alpha val="43000"/>
+                    </a:srgbClr>
+                  </a:outerShdw>
+                </a:effectLst>
+              </a:rPr>
+              <a:t>Manage shift schedule</a:t>
+            </a:r>
+            <a:endParaRPr lang="en-US" sz="3600" dirty="0">
+              <a:ln w="0"/>
+              <a:solidFill>
+                <a:srgbClr val="0070C0"/>
+              </a:solidFill>
+              <a:effectLst>
+                <a:outerShdw blurRad="38100" dist="25400" dir="5400000" algn="ctr" rotWithShape="0">
+                  <a:srgbClr val="6E747A">
+                    <a:alpha val="43000"/>
+                  </a:srgbClr>
+                </a:outerShdw>
+              </a:effectLst>
+            </a:endParaRPr>
+          </a:p>
+        </p:txBody>
+      </p:sp>
+    </p:spTree>
+    <p:extLst>
+      <p:ext uri="{BB962C8B-B14F-4D97-AF65-F5344CB8AC3E}">
+        <p14:creationId xmlns:p14="http://schemas.microsoft.com/office/powerpoint/2010/main" val="867843542"/>
+      </p:ext>
+    </p:extLst>
+  </p:cSld>
+  <p:clrMapOvr>
+    <a:masterClrMapping/>
+  </p:clrMapOvr>
+</p:sld>
+</file>
+
+<file path=ppt/slides/slide22.xml><?xml version="1.0" encoding="utf-8"?>
+<p:sld xmlns:a="http://schemas.openxmlformats.org/drawingml/2006/main" xmlns:r="http://schemas.openxmlformats.org/officeDocument/2006/relationships" xmlns:p="http://schemas.openxmlformats.org/presentationml/2006/main">
+  <p:cSld>
+    <p:spTree>
+      <p:nvGrpSpPr>
+        <p:cNvPr id="1" name=""/>
+        <p:cNvGrpSpPr/>
+        <p:nvPr/>
+      </p:nvGrpSpPr>
+      <p:grpSpPr>
+        <a:xfrm>
+          <a:off x="0" y="0"/>
+          <a:ext cx="0" cy="0"/>
+          <a:chOff x="0" y="0"/>
+          <a:chExt cx="0" cy="0"/>
+        </a:xfrm>
+      </p:grpSpPr>
+      <p:sp>
+        <p:nvSpPr>
+          <p:cNvPr id="4" name="Rectangle 3"/>
+          <p:cNvSpPr/>
+          <p:nvPr/>
+        </p:nvSpPr>
+        <p:spPr>
+          <a:xfrm>
+            <a:off x="2194561" y="4245429"/>
+            <a:ext cx="2076994" cy="966651"/>
+          </a:xfrm>
+          <a:prstGeom prst="rect">
+            <a:avLst/>
+          </a:prstGeom>
+          <a:solidFill>
+            <a:srgbClr val="C00000"/>
+          </a:solidFill>
+        </p:spPr>
+        <p:style>
+          <a:lnRef idx="2">
+            <a:schemeClr val="accent1">
+              <a:shade val="50000"/>
+            </a:schemeClr>
+          </a:lnRef>
+          <a:fillRef idx="1">
+            <a:schemeClr val="accent1"/>
+          </a:fillRef>
+          <a:effectRef idx="0">
+            <a:schemeClr val="accent1"/>
+          </a:effectRef>
+          <a:fontRef idx="minor">
+            <a:schemeClr val="lt1"/>
+          </a:fontRef>
+        </p:style>
+        <p:txBody>
+          <a:bodyPr rtlCol="0" anchor="ctr"/>
+          <a:lstStyle/>
+          <a:p>
+            <a:pPr algn="ctr"/>
+            <a:r>
+              <a:rPr lang="en-US" dirty="0" smtClean="0"/>
+              <a:t>Posted : Empty</a:t>
+            </a:r>
+            <a:endParaRPr lang="en-US" dirty="0"/>
+          </a:p>
+        </p:txBody>
+      </p:sp>
+      <p:sp>
+        <p:nvSpPr>
+          <p:cNvPr id="8" name="Rectangle 7"/>
+          <p:cNvSpPr/>
+          <p:nvPr/>
+        </p:nvSpPr>
+        <p:spPr>
+          <a:xfrm>
+            <a:off x="5455921" y="4245428"/>
+            <a:ext cx="2076994" cy="966651"/>
+          </a:xfrm>
+          <a:prstGeom prst="rect">
+            <a:avLst/>
+          </a:prstGeom>
+          <a:solidFill>
+            <a:schemeClr val="accent6">
+              <a:lumMod val="75000"/>
+            </a:schemeClr>
+          </a:solidFill>
+        </p:spPr>
+        <p:style>
+          <a:lnRef idx="2">
+            <a:schemeClr val="accent1">
+              <a:shade val="50000"/>
+            </a:schemeClr>
+          </a:lnRef>
+          <a:fillRef idx="1">
+            <a:schemeClr val="accent1"/>
+          </a:fillRef>
+          <a:effectRef idx="0">
+            <a:schemeClr val="accent1"/>
+          </a:effectRef>
+          <a:fontRef idx="minor">
+            <a:schemeClr val="lt1"/>
+          </a:fontRef>
+        </p:style>
+        <p:txBody>
+          <a:bodyPr rtlCol="0" anchor="ctr"/>
+          <a:lstStyle/>
+          <a:p>
+            <a:pPr algn="ctr"/>
+            <a:r>
+              <a:rPr lang="en-US" dirty="0" smtClean="0"/>
+              <a:t>Posted : Posted</a:t>
+            </a:r>
+            <a:endParaRPr lang="en-US" dirty="0"/>
+          </a:p>
+        </p:txBody>
+      </p:sp>
+      <p:sp>
+        <p:nvSpPr>
+          <p:cNvPr id="9" name="Flowchart: Decision 8"/>
+          <p:cNvSpPr/>
+          <p:nvPr/>
+        </p:nvSpPr>
+        <p:spPr>
+          <a:xfrm>
+            <a:off x="3827417" y="1685108"/>
+            <a:ext cx="2259873" cy="1188720"/>
+          </a:xfrm>
+          <a:prstGeom prst="flowChartDecision">
+            <a:avLst/>
+          </a:prstGeom>
+        </p:spPr>
+        <p:style>
+          <a:lnRef idx="2">
+            <a:schemeClr val="accent1">
+              <a:shade val="50000"/>
+            </a:schemeClr>
+          </a:lnRef>
+          <a:fillRef idx="1">
+            <a:schemeClr val="accent1"/>
+          </a:fillRef>
+          <a:effectRef idx="0">
+            <a:schemeClr val="accent1"/>
+          </a:effectRef>
+          <a:fontRef idx="minor">
+            <a:schemeClr val="lt1"/>
+          </a:fontRef>
+        </p:style>
+        <p:txBody>
+          <a:bodyPr rtlCol="0" anchor="ctr"/>
+          <a:lstStyle/>
+          <a:p>
+            <a:pPr algn="ctr"/>
+            <a:r>
+              <a:rPr lang="en-US" dirty="0" smtClean="0"/>
+              <a:t>Posted=0</a:t>
+            </a:r>
+            <a:endParaRPr lang="en-US" dirty="0"/>
+          </a:p>
+        </p:txBody>
+      </p:sp>
+      <p:cxnSp>
+        <p:nvCxnSpPr>
+          <p:cNvPr id="11" name="Elbow Connector 10"/>
+          <p:cNvCxnSpPr>
+            <a:stCxn id="9" idx="1"/>
+            <a:endCxn id="4" idx="0"/>
+          </p:cNvCxnSpPr>
+          <p:nvPr/>
+        </p:nvCxnSpPr>
+        <p:spPr>
+          <a:xfrm rot="10800000" flipV="1">
+            <a:off x="3233059" y="2279467"/>
+            <a:ext cx="594359" cy="1965961"/>
+          </a:xfrm>
+          <a:prstGeom prst="bentConnector2">
+            <a:avLst/>
+          </a:prstGeom>
+          <a:ln>
+            <a:tailEnd type="triangle"/>
+          </a:ln>
+        </p:spPr>
+        <p:style>
+          <a:lnRef idx="1">
+            <a:schemeClr val="accent1"/>
+          </a:lnRef>
+          <a:fillRef idx="0">
+            <a:schemeClr val="accent1"/>
+          </a:fillRef>
+          <a:effectRef idx="0">
+            <a:schemeClr val="accent1"/>
+          </a:effectRef>
+          <a:fontRef idx="minor">
+            <a:schemeClr val="tx1"/>
+          </a:fontRef>
+        </p:style>
+      </p:cxnSp>
+      <p:cxnSp>
+        <p:nvCxnSpPr>
+          <p:cNvPr id="13" name="Elbow Connector 12"/>
+          <p:cNvCxnSpPr>
+            <a:stCxn id="9" idx="3"/>
+            <a:endCxn id="8" idx="0"/>
+          </p:cNvCxnSpPr>
+          <p:nvPr/>
+        </p:nvCxnSpPr>
+        <p:spPr>
+          <a:xfrm>
+            <a:off x="6087290" y="2279468"/>
+            <a:ext cx="407128" cy="1965960"/>
+          </a:xfrm>
+          <a:prstGeom prst="bentConnector2">
+            <a:avLst/>
+          </a:prstGeom>
+          <a:ln>
+            <a:tailEnd type="triangle"/>
+          </a:ln>
+        </p:spPr>
+        <p:style>
+          <a:lnRef idx="1">
+            <a:schemeClr val="accent1"/>
+          </a:lnRef>
+          <a:fillRef idx="0">
+            <a:schemeClr val="accent1"/>
+          </a:fillRef>
+          <a:effectRef idx="0">
+            <a:schemeClr val="accent1"/>
+          </a:effectRef>
+          <a:fontRef idx="minor">
+            <a:schemeClr val="tx1"/>
+          </a:fontRef>
+        </p:style>
+      </p:cxnSp>
+      <p:sp>
+        <p:nvSpPr>
+          <p:cNvPr id="16" name="TextBox 15"/>
+          <p:cNvSpPr txBox="1"/>
+          <p:nvPr/>
+        </p:nvSpPr>
+        <p:spPr>
+          <a:xfrm>
+            <a:off x="2896689" y="1910135"/>
+            <a:ext cx="822960" cy="369332"/>
+          </a:xfrm>
+          <a:prstGeom prst="rect">
+            <a:avLst/>
+          </a:prstGeom>
+          <a:noFill/>
+        </p:spPr>
+        <p:txBody>
+          <a:bodyPr wrap="square" rtlCol="0">
+            <a:spAutoFit/>
+          </a:bodyPr>
+          <a:lstStyle/>
+          <a:p>
+            <a:r>
+              <a:rPr lang="en-US" dirty="0" smtClean="0"/>
+              <a:t>False</a:t>
+            </a:r>
+            <a:endParaRPr lang="en-US" dirty="0"/>
+          </a:p>
+        </p:txBody>
+      </p:sp>
+      <p:sp>
+        <p:nvSpPr>
+          <p:cNvPr id="17" name="TextBox 16"/>
+          <p:cNvSpPr txBox="1"/>
+          <p:nvPr/>
+        </p:nvSpPr>
+        <p:spPr>
+          <a:xfrm>
+            <a:off x="6087290" y="1910135"/>
+            <a:ext cx="822960" cy="369332"/>
+          </a:xfrm>
+          <a:prstGeom prst="rect">
+            <a:avLst/>
+          </a:prstGeom>
+          <a:noFill/>
+        </p:spPr>
+        <p:txBody>
+          <a:bodyPr wrap="square" rtlCol="0">
+            <a:spAutoFit/>
+          </a:bodyPr>
+          <a:lstStyle/>
+          <a:p>
+            <a:r>
+              <a:rPr lang="en-US" dirty="0" smtClean="0"/>
+              <a:t>True</a:t>
+            </a:r>
+            <a:endParaRPr lang="en-US" dirty="0"/>
+          </a:p>
+        </p:txBody>
+      </p:sp>
+      <p:sp>
+        <p:nvSpPr>
+          <p:cNvPr id="18" name="Rectangle 17"/>
+          <p:cNvSpPr/>
+          <p:nvPr/>
+        </p:nvSpPr>
+        <p:spPr>
+          <a:xfrm>
+            <a:off x="13064" y="0"/>
+            <a:ext cx="4750018" cy="646331"/>
+          </a:xfrm>
+          <a:prstGeom prst="rect">
+            <a:avLst/>
+          </a:prstGeom>
+          <a:noFill/>
+        </p:spPr>
+        <p:txBody>
+          <a:bodyPr wrap="none" lIns="91440" tIns="45720" rIns="91440" bIns="45720">
+            <a:spAutoFit/>
+          </a:bodyPr>
+          <a:lstStyle/>
+          <a:p>
+            <a:pPr algn="ctr"/>
+            <a:r>
+              <a:rPr lang="en-US" sz="3600" dirty="0" smtClean="0">
+                <a:ln w="0"/>
+                <a:solidFill>
+                  <a:srgbClr val="0070C0"/>
+                </a:solidFill>
+                <a:effectLst>
+                  <a:outerShdw blurRad="38100" dist="25400" dir="5400000" algn="ctr" rotWithShape="0">
+                    <a:srgbClr val="6E747A">
+                      <a:alpha val="43000"/>
+                    </a:srgbClr>
+                  </a:outerShdw>
+                </a:effectLst>
+              </a:rPr>
+              <a:t>Manage shift schedule</a:t>
+            </a:r>
+            <a:endParaRPr lang="en-US" sz="3600" dirty="0">
+              <a:ln w="0"/>
+              <a:solidFill>
+                <a:srgbClr val="0070C0"/>
+              </a:solidFill>
+              <a:effectLst>
+                <a:outerShdw blurRad="38100" dist="25400" dir="5400000" algn="ctr" rotWithShape="0">
+                  <a:srgbClr val="6E747A">
+                    <a:alpha val="43000"/>
+                  </a:srgbClr>
+                </a:outerShdw>
+              </a:effectLst>
+            </a:endParaRPr>
+          </a:p>
+        </p:txBody>
+      </p:sp>
+    </p:spTree>
+    <p:extLst>
+      <p:ext uri="{BB962C8B-B14F-4D97-AF65-F5344CB8AC3E}">
+        <p14:creationId xmlns:p14="http://schemas.microsoft.com/office/powerpoint/2010/main" val="509997037"/>
+      </p:ext>
+    </p:extLst>
+  </p:cSld>
+  <p:clrMapOvr>
+    <a:masterClrMapping/>
+  </p:clrMapOvr>
+</p:sld>
+</file>
+
+<file path=ppt/slides/slide23.xml><?xml version="1.0" encoding="utf-8"?>
+<p:sld xmlns:a="http://schemas.openxmlformats.org/drawingml/2006/main" xmlns:r="http://schemas.openxmlformats.org/officeDocument/2006/relationships" xmlns:p="http://schemas.openxmlformats.org/presentationml/2006/main">
+  <p:cSld>
+    <p:spTree>
+      <p:nvGrpSpPr>
+        <p:cNvPr id="1" name=""/>
+        <p:cNvGrpSpPr/>
+        <p:nvPr/>
+      </p:nvGrpSpPr>
+      <p:grpSpPr>
+        <a:xfrm>
+          <a:off x="0" y="0"/>
+          <a:ext cx="0" cy="0"/>
+          <a:chOff x="0" y="0"/>
+          <a:chExt cx="0" cy="0"/>
+        </a:xfrm>
+      </p:grpSpPr>
+      <p:sp>
+        <p:nvSpPr>
+          <p:cNvPr id="4" name="Rectangle 3"/>
+          <p:cNvSpPr/>
+          <p:nvPr/>
+        </p:nvSpPr>
+        <p:spPr>
+          <a:xfrm>
+            <a:off x="7154093" y="862146"/>
+            <a:ext cx="2076994" cy="966651"/>
+          </a:xfrm>
+          <a:prstGeom prst="rect">
+            <a:avLst/>
+          </a:prstGeom>
+          <a:solidFill>
+            <a:srgbClr val="C00000"/>
+          </a:solidFill>
+        </p:spPr>
+        <p:style>
+          <a:lnRef idx="2">
+            <a:schemeClr val="accent1">
+              <a:shade val="50000"/>
+            </a:schemeClr>
+          </a:lnRef>
+          <a:fillRef idx="1">
+            <a:schemeClr val="accent1"/>
+          </a:fillRef>
+          <a:effectRef idx="0">
+            <a:schemeClr val="accent1"/>
+          </a:effectRef>
+          <a:fontRef idx="minor">
+            <a:schemeClr val="lt1"/>
+          </a:fontRef>
+        </p:style>
+        <p:txBody>
+          <a:bodyPr rtlCol="0" anchor="ctr"/>
+          <a:lstStyle/>
+          <a:p>
+            <a:pPr algn="ctr"/>
+            <a:r>
+              <a:rPr lang="en-US" dirty="0" smtClean="0"/>
+              <a:t>Waiting : Empty</a:t>
+            </a:r>
+            <a:endParaRPr lang="en-US" dirty="0"/>
+          </a:p>
+        </p:txBody>
+      </p:sp>
+      <p:sp>
+        <p:nvSpPr>
+          <p:cNvPr id="5" name="Rectangle 4"/>
+          <p:cNvSpPr/>
+          <p:nvPr/>
+        </p:nvSpPr>
+        <p:spPr>
+          <a:xfrm>
+            <a:off x="5077099" y="4820172"/>
+            <a:ext cx="2076994" cy="966651"/>
+          </a:xfrm>
+          <a:prstGeom prst="rect">
+            <a:avLst/>
+          </a:prstGeom>
+          <a:solidFill>
+            <a:srgbClr val="FFC000"/>
+          </a:solidFill>
+        </p:spPr>
+        <p:style>
+          <a:lnRef idx="2">
+            <a:schemeClr val="accent1">
+              <a:shade val="50000"/>
+            </a:schemeClr>
+          </a:lnRef>
+          <a:fillRef idx="1">
+            <a:schemeClr val="accent1"/>
+          </a:fillRef>
+          <a:effectRef idx="0">
+            <a:schemeClr val="accent1"/>
+          </a:effectRef>
+          <a:fontRef idx="minor">
+            <a:schemeClr val="lt1"/>
+          </a:fontRef>
+        </p:style>
+        <p:txBody>
+          <a:bodyPr rtlCol="0" anchor="ctr"/>
+          <a:lstStyle/>
+          <a:p>
+            <a:pPr algn="ctr"/>
+            <a:r>
+              <a:rPr lang="en-US" dirty="0" smtClean="0"/>
+              <a:t>Waiting : Uncheck</a:t>
+            </a:r>
+            <a:endParaRPr lang="en-US" dirty="0"/>
+          </a:p>
+        </p:txBody>
+      </p:sp>
+      <p:sp>
+        <p:nvSpPr>
+          <p:cNvPr id="6" name="Rectangle 5"/>
+          <p:cNvSpPr/>
+          <p:nvPr/>
+        </p:nvSpPr>
+        <p:spPr>
+          <a:xfrm>
+            <a:off x="1208858" y="4820183"/>
+            <a:ext cx="2076994" cy="966651"/>
+          </a:xfrm>
+          <a:prstGeom prst="rect">
+            <a:avLst/>
+          </a:prstGeom>
+          <a:solidFill>
+            <a:schemeClr val="accent6">
+              <a:lumMod val="75000"/>
+            </a:schemeClr>
+          </a:solidFill>
+        </p:spPr>
+        <p:style>
+          <a:lnRef idx="2">
+            <a:schemeClr val="accent1">
+              <a:shade val="50000"/>
+            </a:schemeClr>
+          </a:lnRef>
+          <a:fillRef idx="1">
+            <a:schemeClr val="accent1"/>
+          </a:fillRef>
+          <a:effectRef idx="0">
+            <a:schemeClr val="accent1"/>
+          </a:effectRef>
+          <a:fontRef idx="minor">
+            <a:schemeClr val="lt1"/>
+          </a:fontRef>
+        </p:style>
+        <p:txBody>
+          <a:bodyPr rtlCol="0" anchor="ctr"/>
+          <a:lstStyle/>
+          <a:p>
+            <a:pPr algn="ctr"/>
+            <a:r>
+              <a:rPr lang="en-US" dirty="0" smtClean="0"/>
+              <a:t>Waiting : Checked</a:t>
+            </a:r>
+            <a:endParaRPr lang="en-US" dirty="0"/>
+          </a:p>
+        </p:txBody>
+      </p:sp>
+      <p:sp>
+        <p:nvSpPr>
+          <p:cNvPr id="7" name="Flowchart: Decision 6"/>
+          <p:cNvSpPr/>
+          <p:nvPr/>
+        </p:nvSpPr>
+        <p:spPr>
+          <a:xfrm>
+            <a:off x="2876006" y="751111"/>
+            <a:ext cx="2477588" cy="1188720"/>
+          </a:xfrm>
+          <a:prstGeom prst="flowChartDecision">
+            <a:avLst/>
+          </a:prstGeom>
+        </p:spPr>
+        <p:style>
+          <a:lnRef idx="2">
+            <a:schemeClr val="accent1">
+              <a:shade val="50000"/>
+            </a:schemeClr>
+          </a:lnRef>
+          <a:fillRef idx="1">
+            <a:schemeClr val="accent1"/>
+          </a:fillRef>
+          <a:effectRef idx="0">
+            <a:schemeClr val="accent1"/>
+          </a:effectRef>
+          <a:fontRef idx="minor">
+            <a:schemeClr val="lt1"/>
+          </a:fontRef>
+        </p:style>
+        <p:txBody>
+          <a:bodyPr rtlCol="0" anchor="ctr"/>
+          <a:lstStyle/>
+          <a:p>
+            <a:pPr algn="ctr"/>
+            <a:r>
+              <a:rPr lang="en-US" dirty="0" smtClean="0"/>
+              <a:t>Waiting=0</a:t>
+            </a:r>
+            <a:endParaRPr lang="en-US" dirty="0"/>
+          </a:p>
+        </p:txBody>
+      </p:sp>
+      <p:cxnSp>
+        <p:nvCxnSpPr>
+          <p:cNvPr id="9" name="Elbow Connector 8"/>
+          <p:cNvCxnSpPr>
+            <a:stCxn id="7" idx="3"/>
+            <a:endCxn id="4" idx="1"/>
+          </p:cNvCxnSpPr>
+          <p:nvPr/>
+        </p:nvCxnSpPr>
+        <p:spPr>
+          <a:xfrm>
+            <a:off x="5353594" y="1345471"/>
+            <a:ext cx="1800499" cy="1"/>
+          </a:xfrm>
+          <a:prstGeom prst="bentConnector3">
+            <a:avLst/>
+          </a:prstGeom>
+          <a:ln>
+            <a:tailEnd type="triangle"/>
+          </a:ln>
+        </p:spPr>
+        <p:style>
+          <a:lnRef idx="1">
+            <a:schemeClr val="accent1"/>
+          </a:lnRef>
+          <a:fillRef idx="0">
+            <a:schemeClr val="accent1"/>
+          </a:fillRef>
+          <a:effectRef idx="0">
+            <a:schemeClr val="accent1"/>
+          </a:effectRef>
+          <a:fontRef idx="minor">
+            <a:schemeClr val="tx1"/>
+          </a:fontRef>
+        </p:style>
+      </p:cxnSp>
+      <p:sp>
+        <p:nvSpPr>
+          <p:cNvPr id="14" name="Rectangle 13"/>
+          <p:cNvSpPr/>
+          <p:nvPr/>
+        </p:nvSpPr>
+        <p:spPr>
+          <a:xfrm>
+            <a:off x="13064" y="0"/>
+            <a:ext cx="4750018" cy="646331"/>
+          </a:xfrm>
+          <a:prstGeom prst="rect">
+            <a:avLst/>
+          </a:prstGeom>
+          <a:noFill/>
+        </p:spPr>
+        <p:txBody>
+          <a:bodyPr wrap="none" lIns="91440" tIns="45720" rIns="91440" bIns="45720">
+            <a:spAutoFit/>
+          </a:bodyPr>
+          <a:lstStyle/>
+          <a:p>
+            <a:pPr algn="ctr"/>
+            <a:r>
+              <a:rPr lang="en-US" sz="3600" dirty="0" smtClean="0">
+                <a:ln w="0"/>
+                <a:solidFill>
+                  <a:srgbClr val="0070C0"/>
+                </a:solidFill>
+                <a:effectLst>
+                  <a:outerShdw blurRad="38100" dist="25400" dir="5400000" algn="ctr" rotWithShape="0">
+                    <a:srgbClr val="6E747A">
+                      <a:alpha val="43000"/>
+                    </a:srgbClr>
+                  </a:outerShdw>
+                </a:effectLst>
+              </a:rPr>
+              <a:t>Manage shift schedule</a:t>
+            </a:r>
+            <a:endParaRPr lang="en-US" sz="3600" dirty="0">
+              <a:ln w="0"/>
+              <a:solidFill>
+                <a:srgbClr val="0070C0"/>
+              </a:solidFill>
+              <a:effectLst>
+                <a:outerShdw blurRad="38100" dist="25400" dir="5400000" algn="ctr" rotWithShape="0">
+                  <a:srgbClr val="6E747A">
+                    <a:alpha val="43000"/>
+                  </a:srgbClr>
+                </a:outerShdw>
+              </a:effectLst>
+            </a:endParaRPr>
+          </a:p>
+        </p:txBody>
+      </p:sp>
+      <p:sp>
+        <p:nvSpPr>
+          <p:cNvPr id="15" name="Flowchart: Decision 14"/>
+          <p:cNvSpPr/>
+          <p:nvPr/>
+        </p:nvSpPr>
+        <p:spPr>
+          <a:xfrm>
+            <a:off x="2521675" y="2534191"/>
+            <a:ext cx="3186249" cy="1188720"/>
+          </a:xfrm>
+          <a:prstGeom prst="flowChartDecision">
+            <a:avLst/>
+          </a:prstGeom>
+        </p:spPr>
+        <p:style>
+          <a:lnRef idx="2">
+            <a:schemeClr val="accent1">
+              <a:shade val="50000"/>
+            </a:schemeClr>
+          </a:lnRef>
+          <a:fillRef idx="1">
+            <a:schemeClr val="accent1"/>
+          </a:fillRef>
+          <a:effectRef idx="0">
+            <a:schemeClr val="accent1"/>
+          </a:effectRef>
+          <a:fontRef idx="minor">
+            <a:schemeClr val="lt1"/>
+          </a:fontRef>
+        </p:style>
+        <p:txBody>
+          <a:bodyPr rtlCol="0" anchor="ctr"/>
+          <a:lstStyle/>
+          <a:p>
+            <a:pPr algn="ctr"/>
+            <a:r>
+              <a:rPr lang="en-US" sz="1600" dirty="0" smtClean="0"/>
+              <a:t>Waiting=Posted</a:t>
+            </a:r>
+            <a:endParaRPr lang="en-US" sz="1600" dirty="0"/>
+          </a:p>
+        </p:txBody>
+      </p:sp>
+      <p:cxnSp>
+        <p:nvCxnSpPr>
+          <p:cNvPr id="17" name="Straight Arrow Connector 16"/>
+          <p:cNvCxnSpPr>
+            <a:stCxn id="7" idx="2"/>
+            <a:endCxn id="15" idx="0"/>
+          </p:cNvCxnSpPr>
+          <p:nvPr/>
+        </p:nvCxnSpPr>
+        <p:spPr>
+          <a:xfrm>
+            <a:off x="4114800" y="1939831"/>
+            <a:ext cx="0" cy="594360"/>
+          </a:xfrm>
+          <a:prstGeom prst="straightConnector1">
+            <a:avLst/>
+          </a:prstGeom>
+          <a:ln>
+            <a:tailEnd type="triangle"/>
+          </a:ln>
+        </p:spPr>
+        <p:style>
+          <a:lnRef idx="1">
+            <a:schemeClr val="accent1"/>
+          </a:lnRef>
+          <a:fillRef idx="0">
+            <a:schemeClr val="accent1"/>
+          </a:fillRef>
+          <a:effectRef idx="0">
+            <a:schemeClr val="accent1"/>
+          </a:effectRef>
+          <a:fontRef idx="minor">
+            <a:schemeClr val="tx1"/>
+          </a:fontRef>
+        </p:style>
+      </p:cxnSp>
+      <p:cxnSp>
+        <p:nvCxnSpPr>
+          <p:cNvPr id="19" name="Elbow Connector 18"/>
+          <p:cNvCxnSpPr>
+            <a:stCxn id="15" idx="3"/>
+            <a:endCxn id="5" idx="0"/>
+          </p:cNvCxnSpPr>
+          <p:nvPr/>
+        </p:nvCxnSpPr>
+        <p:spPr>
+          <a:xfrm>
+            <a:off x="5707924" y="3128551"/>
+            <a:ext cx="407672" cy="1691621"/>
+          </a:xfrm>
+          <a:prstGeom prst="bentConnector2">
+            <a:avLst/>
+          </a:prstGeom>
+          <a:ln>
+            <a:tailEnd type="triangle"/>
+          </a:ln>
+        </p:spPr>
+        <p:style>
+          <a:lnRef idx="1">
+            <a:schemeClr val="accent1"/>
+          </a:lnRef>
+          <a:fillRef idx="0">
+            <a:schemeClr val="accent1"/>
+          </a:fillRef>
+          <a:effectRef idx="0">
+            <a:schemeClr val="accent1"/>
+          </a:effectRef>
+          <a:fontRef idx="minor">
+            <a:schemeClr val="tx1"/>
+          </a:fontRef>
+        </p:style>
+      </p:cxnSp>
+      <p:cxnSp>
+        <p:nvCxnSpPr>
+          <p:cNvPr id="21" name="Elbow Connector 20"/>
+          <p:cNvCxnSpPr>
+            <a:stCxn id="15" idx="1"/>
+            <a:endCxn id="6" idx="0"/>
+          </p:cNvCxnSpPr>
+          <p:nvPr/>
+        </p:nvCxnSpPr>
+        <p:spPr>
+          <a:xfrm rot="10800000" flipV="1">
+            <a:off x="2247355" y="3128551"/>
+            <a:ext cx="274320" cy="1691632"/>
+          </a:xfrm>
+          <a:prstGeom prst="bentConnector2">
+            <a:avLst/>
+          </a:prstGeom>
+          <a:ln>
+            <a:tailEnd type="triangle"/>
+          </a:ln>
+        </p:spPr>
+        <p:style>
+          <a:lnRef idx="1">
+            <a:schemeClr val="accent1"/>
+          </a:lnRef>
+          <a:fillRef idx="0">
+            <a:schemeClr val="accent1"/>
+          </a:fillRef>
+          <a:effectRef idx="0">
+            <a:schemeClr val="accent1"/>
+          </a:effectRef>
+          <a:fontRef idx="minor">
+            <a:schemeClr val="tx1"/>
+          </a:fontRef>
+        </p:style>
+      </p:cxnSp>
+      <p:sp>
+        <p:nvSpPr>
+          <p:cNvPr id="23" name="TextBox 22"/>
+          <p:cNvSpPr txBox="1"/>
+          <p:nvPr/>
+        </p:nvSpPr>
+        <p:spPr>
+          <a:xfrm>
+            <a:off x="5430883" y="919143"/>
+            <a:ext cx="822960" cy="369332"/>
+          </a:xfrm>
+          <a:prstGeom prst="rect">
+            <a:avLst/>
+          </a:prstGeom>
+          <a:noFill/>
+        </p:spPr>
+        <p:txBody>
+          <a:bodyPr wrap="square" rtlCol="0">
+            <a:spAutoFit/>
+          </a:bodyPr>
+          <a:lstStyle/>
+          <a:p>
+            <a:r>
+              <a:rPr lang="en-US" dirty="0" smtClean="0"/>
+              <a:t>True</a:t>
+            </a:r>
+            <a:endParaRPr lang="en-US" dirty="0"/>
+          </a:p>
+        </p:txBody>
+      </p:sp>
+      <p:sp>
+        <p:nvSpPr>
+          <p:cNvPr id="24" name="TextBox 23"/>
+          <p:cNvSpPr txBox="1"/>
+          <p:nvPr/>
+        </p:nvSpPr>
+        <p:spPr>
+          <a:xfrm>
+            <a:off x="1835874" y="2646705"/>
+            <a:ext cx="822960" cy="369332"/>
+          </a:xfrm>
+          <a:prstGeom prst="rect">
+            <a:avLst/>
+          </a:prstGeom>
+          <a:noFill/>
+        </p:spPr>
+        <p:txBody>
+          <a:bodyPr wrap="square" rtlCol="0">
+            <a:spAutoFit/>
+          </a:bodyPr>
+          <a:lstStyle/>
+          <a:p>
+            <a:r>
+              <a:rPr lang="en-US" dirty="0" smtClean="0"/>
+              <a:t>True</a:t>
+            </a:r>
+            <a:endParaRPr lang="en-US" dirty="0"/>
+          </a:p>
+        </p:txBody>
+      </p:sp>
+      <p:sp>
+        <p:nvSpPr>
+          <p:cNvPr id="25" name="TextBox 24"/>
+          <p:cNvSpPr txBox="1"/>
+          <p:nvPr/>
+        </p:nvSpPr>
+        <p:spPr>
+          <a:xfrm>
+            <a:off x="4114799" y="1985548"/>
+            <a:ext cx="822960" cy="369332"/>
+          </a:xfrm>
+          <a:prstGeom prst="rect">
+            <a:avLst/>
+          </a:prstGeom>
+          <a:noFill/>
+        </p:spPr>
+        <p:txBody>
+          <a:bodyPr wrap="square" rtlCol="0">
+            <a:spAutoFit/>
+          </a:bodyPr>
+          <a:lstStyle/>
+          <a:p>
+            <a:r>
+              <a:rPr lang="en-US" dirty="0" smtClean="0"/>
+              <a:t>False</a:t>
+            </a:r>
+            <a:endParaRPr lang="en-US" dirty="0"/>
+          </a:p>
+        </p:txBody>
+      </p:sp>
+      <p:sp>
+        <p:nvSpPr>
+          <p:cNvPr id="26" name="TextBox 25"/>
+          <p:cNvSpPr txBox="1"/>
+          <p:nvPr/>
+        </p:nvSpPr>
+        <p:spPr>
+          <a:xfrm>
+            <a:off x="5661662" y="2669564"/>
+            <a:ext cx="822960" cy="369332"/>
+          </a:xfrm>
+          <a:prstGeom prst="rect">
+            <a:avLst/>
+          </a:prstGeom>
+          <a:noFill/>
+        </p:spPr>
+        <p:txBody>
+          <a:bodyPr wrap="square" rtlCol="0">
+            <a:spAutoFit/>
+          </a:bodyPr>
+          <a:lstStyle/>
+          <a:p>
+            <a:r>
+              <a:rPr lang="en-US" dirty="0" smtClean="0"/>
+              <a:t>False</a:t>
+            </a:r>
+            <a:endParaRPr lang="en-US" dirty="0"/>
+          </a:p>
+        </p:txBody>
+      </p:sp>
+    </p:spTree>
+    <p:extLst>
+      <p:ext uri="{BB962C8B-B14F-4D97-AF65-F5344CB8AC3E}">
+        <p14:creationId xmlns:p14="http://schemas.microsoft.com/office/powerpoint/2010/main" val="4165460299"/>
+      </p:ext>
+    </p:extLst>
+  </p:cSld>
+  <p:clrMapOvr>
+    <a:masterClrMapping/>
+  </p:clrMapOvr>
+</p:sld>
+</file>
+
+<file path=ppt/slides/slide24.xml><?xml version="1.0" encoding="utf-8"?>
+<p:sld xmlns:a="http://schemas.openxmlformats.org/drawingml/2006/main" xmlns:r="http://schemas.openxmlformats.org/officeDocument/2006/relationships" xmlns:p="http://schemas.openxmlformats.org/presentationml/2006/main">
+  <p:cSld>
+    <p:spTree>
+      <p:nvGrpSpPr>
+        <p:cNvPr id="1" name=""/>
+        <p:cNvGrpSpPr/>
+        <p:nvPr/>
+      </p:nvGrpSpPr>
+      <p:grpSpPr>
+        <a:xfrm>
+          <a:off x="0" y="0"/>
+          <a:ext cx="0" cy="0"/>
+          <a:chOff x="0" y="0"/>
+          <a:chExt cx="0" cy="0"/>
+        </a:xfrm>
+      </p:grpSpPr>
+      <p:sp>
+        <p:nvSpPr>
+          <p:cNvPr id="4" name="Rectangle 3"/>
+          <p:cNvSpPr/>
+          <p:nvPr/>
+        </p:nvSpPr>
+        <p:spPr>
+          <a:xfrm>
+            <a:off x="3762103" y="822956"/>
+            <a:ext cx="2076994" cy="966651"/>
+          </a:xfrm>
+          <a:prstGeom prst="rect">
+            <a:avLst/>
+          </a:prstGeom>
+          <a:solidFill>
+            <a:srgbClr val="FFC000"/>
+          </a:solidFill>
+        </p:spPr>
+        <p:style>
+          <a:lnRef idx="2">
+            <a:schemeClr val="accent1">
+              <a:shade val="50000"/>
+            </a:schemeClr>
+          </a:lnRef>
+          <a:fillRef idx="1">
+            <a:schemeClr val="accent1"/>
+          </a:fillRef>
+          <a:effectRef idx="0">
+            <a:schemeClr val="accent1"/>
+          </a:effectRef>
+          <a:fontRef idx="minor">
+            <a:schemeClr val="lt1"/>
+          </a:fontRef>
+        </p:style>
+        <p:txBody>
+          <a:bodyPr rtlCol="0" anchor="ctr"/>
+          <a:lstStyle/>
+          <a:p>
+            <a:pPr algn="ctr"/>
+            <a:r>
+              <a:rPr lang="en-US" dirty="0" smtClean="0"/>
+              <a:t>Waiting : Uncheck</a:t>
+            </a:r>
+            <a:endParaRPr lang="en-US" dirty="0"/>
+          </a:p>
+        </p:txBody>
+      </p:sp>
+      <p:sp>
+        <p:nvSpPr>
+          <p:cNvPr id="5" name="Rectangle 4"/>
+          <p:cNvSpPr/>
+          <p:nvPr/>
+        </p:nvSpPr>
+        <p:spPr>
+          <a:xfrm>
+            <a:off x="13064" y="0"/>
+            <a:ext cx="4750018" cy="646331"/>
+          </a:xfrm>
+          <a:prstGeom prst="rect">
+            <a:avLst/>
+          </a:prstGeom>
+          <a:noFill/>
+        </p:spPr>
+        <p:txBody>
+          <a:bodyPr wrap="none" lIns="91440" tIns="45720" rIns="91440" bIns="45720">
+            <a:spAutoFit/>
+          </a:bodyPr>
+          <a:lstStyle/>
+          <a:p>
+            <a:pPr algn="ctr"/>
+            <a:r>
+              <a:rPr lang="en-US" sz="3600" dirty="0" smtClean="0">
+                <a:ln w="0"/>
+                <a:solidFill>
+                  <a:srgbClr val="0070C0"/>
+                </a:solidFill>
+                <a:effectLst>
+                  <a:outerShdw blurRad="38100" dist="25400" dir="5400000" algn="ctr" rotWithShape="0">
+                    <a:srgbClr val="6E747A">
+                      <a:alpha val="43000"/>
+                    </a:srgbClr>
+                  </a:outerShdw>
+                </a:effectLst>
+              </a:rPr>
+              <a:t>Manage shift schedule</a:t>
+            </a:r>
+            <a:endParaRPr lang="en-US" sz="3600" dirty="0">
+              <a:ln w="0"/>
+              <a:solidFill>
+                <a:srgbClr val="0070C0"/>
+              </a:solidFill>
+              <a:effectLst>
+                <a:outerShdw blurRad="38100" dist="25400" dir="5400000" algn="ctr" rotWithShape="0">
+                  <a:srgbClr val="6E747A">
+                    <a:alpha val="43000"/>
+                  </a:srgbClr>
+                </a:outerShdw>
+              </a:effectLst>
+            </a:endParaRPr>
+          </a:p>
+        </p:txBody>
+      </p:sp>
+      <p:sp>
+        <p:nvSpPr>
+          <p:cNvPr id="6" name="Flowchart: Decision 5"/>
+          <p:cNvSpPr/>
+          <p:nvPr/>
+        </p:nvSpPr>
+        <p:spPr>
+          <a:xfrm>
+            <a:off x="3838303" y="2508066"/>
+            <a:ext cx="1924594" cy="960117"/>
+          </a:xfrm>
+          <a:prstGeom prst="flowChartDecision">
+            <a:avLst/>
+          </a:prstGeom>
+        </p:spPr>
+        <p:style>
+          <a:lnRef idx="2">
+            <a:schemeClr val="accent1">
+              <a:shade val="50000"/>
+            </a:schemeClr>
+          </a:lnRef>
+          <a:fillRef idx="1">
+            <a:schemeClr val="accent1"/>
+          </a:fillRef>
+          <a:effectRef idx="0">
+            <a:schemeClr val="accent1"/>
+          </a:effectRef>
+          <a:fontRef idx="minor">
+            <a:schemeClr val="lt1"/>
+          </a:fontRef>
+        </p:style>
+        <p:txBody>
+          <a:bodyPr rtlCol="0" anchor="ctr"/>
+          <a:lstStyle/>
+          <a:p>
+            <a:pPr algn="ctr"/>
+            <a:r>
+              <a:rPr lang="en-US" dirty="0" smtClean="0"/>
+              <a:t>Check</a:t>
+            </a:r>
+            <a:endParaRPr lang="en-US" dirty="0"/>
+          </a:p>
+        </p:txBody>
+      </p:sp>
+      <p:sp>
+        <p:nvSpPr>
+          <p:cNvPr id="7" name="Rectangle 6"/>
+          <p:cNvSpPr/>
+          <p:nvPr/>
+        </p:nvSpPr>
+        <p:spPr>
+          <a:xfrm>
+            <a:off x="6344195" y="4500148"/>
+            <a:ext cx="2076994" cy="966651"/>
+          </a:xfrm>
+          <a:prstGeom prst="rect">
+            <a:avLst/>
+          </a:prstGeom>
+          <a:solidFill>
+            <a:srgbClr val="C00000"/>
+          </a:solidFill>
+        </p:spPr>
+        <p:style>
+          <a:lnRef idx="2">
+            <a:schemeClr val="accent1">
+              <a:shade val="50000"/>
+            </a:schemeClr>
+          </a:lnRef>
+          <a:fillRef idx="1">
+            <a:schemeClr val="accent1"/>
+          </a:fillRef>
+          <a:effectRef idx="0">
+            <a:schemeClr val="accent1"/>
+          </a:effectRef>
+          <a:fontRef idx="minor">
+            <a:schemeClr val="lt1"/>
+          </a:fontRef>
+        </p:style>
+        <p:txBody>
+          <a:bodyPr rtlCol="0" anchor="ctr"/>
+          <a:lstStyle/>
+          <a:p>
+            <a:pPr algn="ctr"/>
+            <a:r>
+              <a:rPr lang="en-US" dirty="0" smtClean="0"/>
+              <a:t>Waiting = Posted</a:t>
+            </a:r>
+            <a:endParaRPr lang="en-US" dirty="0"/>
+          </a:p>
+        </p:txBody>
+      </p:sp>
+      <p:sp>
+        <p:nvSpPr>
+          <p:cNvPr id="9" name="Rectangle 8"/>
+          <p:cNvSpPr/>
+          <p:nvPr/>
+        </p:nvSpPr>
+        <p:spPr>
+          <a:xfrm>
+            <a:off x="1349576" y="4500148"/>
+            <a:ext cx="2076994" cy="966651"/>
+          </a:xfrm>
+          <a:prstGeom prst="rect">
+            <a:avLst/>
+          </a:prstGeom>
+          <a:solidFill>
+            <a:schemeClr val="accent6">
+              <a:lumMod val="75000"/>
+            </a:schemeClr>
+          </a:solidFill>
+        </p:spPr>
+        <p:style>
+          <a:lnRef idx="2">
+            <a:schemeClr val="accent1">
+              <a:shade val="50000"/>
+            </a:schemeClr>
+          </a:lnRef>
+          <a:fillRef idx="1">
+            <a:schemeClr val="accent1"/>
+          </a:fillRef>
+          <a:effectRef idx="0">
+            <a:schemeClr val="accent1"/>
+          </a:effectRef>
+          <a:fontRef idx="minor">
+            <a:schemeClr val="lt1"/>
+          </a:fontRef>
+        </p:style>
+        <p:txBody>
+          <a:bodyPr rtlCol="0" anchor="ctr"/>
+          <a:lstStyle/>
+          <a:p>
+            <a:pPr algn="ctr"/>
+            <a:r>
+              <a:rPr lang="en-US" dirty="0"/>
+              <a:t>Posted</a:t>
+            </a:r>
+            <a:r>
+              <a:rPr lang="en-US" dirty="0" smtClean="0"/>
+              <a:t> = </a:t>
+            </a:r>
+            <a:r>
+              <a:rPr lang="en-US" dirty="0"/>
+              <a:t>Waiting</a:t>
+            </a:r>
+          </a:p>
+        </p:txBody>
+      </p:sp>
+      <p:cxnSp>
+        <p:nvCxnSpPr>
+          <p:cNvPr id="11" name="Straight Arrow Connector 10"/>
+          <p:cNvCxnSpPr>
+            <a:stCxn id="4" idx="2"/>
+            <a:endCxn id="6" idx="0"/>
+          </p:cNvCxnSpPr>
+          <p:nvPr/>
+        </p:nvCxnSpPr>
+        <p:spPr>
+          <a:xfrm>
+            <a:off x="4800600" y="1789607"/>
+            <a:ext cx="0" cy="718459"/>
+          </a:xfrm>
+          <a:prstGeom prst="straightConnector1">
+            <a:avLst/>
+          </a:prstGeom>
+          <a:ln>
+            <a:tailEnd type="triangle"/>
+          </a:ln>
+        </p:spPr>
+        <p:style>
+          <a:lnRef idx="1">
+            <a:schemeClr val="accent1"/>
+          </a:lnRef>
+          <a:fillRef idx="0">
+            <a:schemeClr val="accent1"/>
+          </a:fillRef>
+          <a:effectRef idx="0">
+            <a:schemeClr val="accent1"/>
+          </a:effectRef>
+          <a:fontRef idx="minor">
+            <a:schemeClr val="tx1"/>
+          </a:fontRef>
+        </p:style>
+      </p:cxnSp>
+      <p:cxnSp>
+        <p:nvCxnSpPr>
+          <p:cNvPr id="13" name="Elbow Connector 12"/>
+          <p:cNvCxnSpPr>
+            <a:stCxn id="6" idx="1"/>
+            <a:endCxn id="9" idx="0"/>
+          </p:cNvCxnSpPr>
+          <p:nvPr/>
+        </p:nvCxnSpPr>
+        <p:spPr>
+          <a:xfrm rot="10800000" flipV="1">
+            <a:off x="2388073" y="2988124"/>
+            <a:ext cx="1450230" cy="1512023"/>
+          </a:xfrm>
+          <a:prstGeom prst="bentConnector2">
+            <a:avLst/>
+          </a:prstGeom>
+          <a:ln>
+            <a:tailEnd type="triangle"/>
+          </a:ln>
+        </p:spPr>
+        <p:style>
+          <a:lnRef idx="1">
+            <a:schemeClr val="accent1"/>
+          </a:lnRef>
+          <a:fillRef idx="0">
+            <a:schemeClr val="accent1"/>
+          </a:fillRef>
+          <a:effectRef idx="0">
+            <a:schemeClr val="accent1"/>
+          </a:effectRef>
+          <a:fontRef idx="minor">
+            <a:schemeClr val="tx1"/>
+          </a:fontRef>
+        </p:style>
+      </p:cxnSp>
+      <p:cxnSp>
+        <p:nvCxnSpPr>
+          <p:cNvPr id="15" name="Elbow Connector 14"/>
+          <p:cNvCxnSpPr>
+            <a:stCxn id="6" idx="3"/>
+            <a:endCxn id="7" idx="0"/>
+          </p:cNvCxnSpPr>
+          <p:nvPr/>
+        </p:nvCxnSpPr>
+        <p:spPr>
+          <a:xfrm>
+            <a:off x="5762897" y="2988125"/>
+            <a:ext cx="1619795" cy="1512023"/>
+          </a:xfrm>
+          <a:prstGeom prst="bentConnector2">
+            <a:avLst/>
+          </a:prstGeom>
+          <a:ln>
+            <a:tailEnd type="triangle"/>
+          </a:ln>
+        </p:spPr>
+        <p:style>
+          <a:lnRef idx="1">
+            <a:schemeClr val="accent1"/>
+          </a:lnRef>
+          <a:fillRef idx="0">
+            <a:schemeClr val="accent1"/>
+          </a:fillRef>
+          <a:effectRef idx="0">
+            <a:schemeClr val="accent1"/>
+          </a:effectRef>
+          <a:fontRef idx="minor">
+            <a:schemeClr val="tx1"/>
+          </a:fontRef>
+        </p:style>
+      </p:cxnSp>
+      <p:sp>
+        <p:nvSpPr>
+          <p:cNvPr id="16" name="TextBox 15"/>
+          <p:cNvSpPr txBox="1"/>
+          <p:nvPr/>
+        </p:nvSpPr>
+        <p:spPr>
+          <a:xfrm>
+            <a:off x="2603610" y="2508066"/>
+            <a:ext cx="962550" cy="369332"/>
+          </a:xfrm>
+          <a:prstGeom prst="rect">
+            <a:avLst/>
+          </a:prstGeom>
+          <a:noFill/>
+        </p:spPr>
+        <p:txBody>
+          <a:bodyPr wrap="square" rtlCol="0">
+            <a:spAutoFit/>
+          </a:bodyPr>
+          <a:lstStyle/>
+          <a:p>
+            <a:r>
+              <a:rPr lang="en-US"/>
+              <a:t>Accept</a:t>
+            </a:r>
+            <a:endParaRPr lang="en-US" dirty="0"/>
+          </a:p>
+        </p:txBody>
+      </p:sp>
+      <p:sp>
+        <p:nvSpPr>
+          <p:cNvPr id="17" name="TextBox 16"/>
+          <p:cNvSpPr txBox="1"/>
+          <p:nvPr/>
+        </p:nvSpPr>
+        <p:spPr>
+          <a:xfrm>
+            <a:off x="6572794" y="2537302"/>
+            <a:ext cx="809898" cy="369332"/>
+          </a:xfrm>
+          <a:prstGeom prst="rect">
+            <a:avLst/>
+          </a:prstGeom>
+          <a:noFill/>
+        </p:spPr>
+        <p:txBody>
+          <a:bodyPr wrap="square" rtlCol="0">
+            <a:spAutoFit/>
+          </a:bodyPr>
+          <a:lstStyle/>
+          <a:p>
+            <a:r>
+              <a:rPr lang="en-US" dirty="0" smtClean="0"/>
+              <a:t>Deny</a:t>
+            </a:r>
+            <a:endParaRPr lang="en-US" dirty="0"/>
+          </a:p>
+        </p:txBody>
+      </p:sp>
+    </p:spTree>
+    <p:extLst>
+      <p:ext uri="{BB962C8B-B14F-4D97-AF65-F5344CB8AC3E}">
+        <p14:creationId xmlns:p14="http://schemas.microsoft.com/office/powerpoint/2010/main" val="4116317270"/>
+      </p:ext>
+    </p:extLst>
+  </p:cSld>
+  <p:clrMapOvr>
+    <a:masterClrMapping/>
+  </p:clrMapOvr>
+</p:sld>
+</file>
+
+<file path=ppt/slides/slide25.xml><?xml version="1.0" encoding="utf-8"?>
+<p:sld xmlns:a="http://schemas.openxmlformats.org/drawingml/2006/main" xmlns:r="http://schemas.openxmlformats.org/officeDocument/2006/relationships" xmlns:p="http://schemas.openxmlformats.org/presentationml/2006/main">
+  <p:cSld>
+    <p:spTree>
+      <p:nvGrpSpPr>
+        <p:cNvPr id="1" name=""/>
+        <p:cNvGrpSpPr/>
+        <p:nvPr/>
+      </p:nvGrpSpPr>
+      <p:grpSpPr>
+        <a:xfrm>
+          <a:off x="0" y="0"/>
+          <a:ext cx="0" cy="0"/>
+          <a:chOff x="0" y="0"/>
+          <a:chExt cx="0" cy="0"/>
+        </a:xfrm>
+      </p:grpSpPr>
+      <p:sp>
+        <p:nvSpPr>
+          <p:cNvPr id="4" name="Rectangle 3"/>
+          <p:cNvSpPr/>
+          <p:nvPr/>
+        </p:nvSpPr>
+        <p:spPr>
+          <a:xfrm>
+            <a:off x="0" y="0"/>
+            <a:ext cx="5347939" cy="646331"/>
+          </a:xfrm>
+          <a:prstGeom prst="rect">
+            <a:avLst/>
+          </a:prstGeom>
+          <a:noFill/>
+        </p:spPr>
+        <p:txBody>
+          <a:bodyPr wrap="none" lIns="91440" tIns="45720" rIns="91440" bIns="45720">
+            <a:spAutoFit/>
+          </a:bodyPr>
+          <a:lstStyle/>
+          <a:p>
+            <a:pPr algn="ctr"/>
+            <a:r>
+              <a:rPr lang="en-US" sz="3600" dirty="0" smtClean="0">
+                <a:ln w="0"/>
+                <a:solidFill>
+                  <a:srgbClr val="0070C0"/>
+                </a:solidFill>
+                <a:effectLst>
+                  <a:outerShdw blurRad="38100" dist="25400" dir="5400000" algn="ctr" rotWithShape="0">
+                    <a:srgbClr val="6E747A">
+                      <a:alpha val="43000"/>
+                    </a:srgbClr>
+                  </a:outerShdw>
+                </a:effectLst>
+              </a:rPr>
+              <a:t>Manage </a:t>
+            </a:r>
+            <a:r>
+              <a:rPr lang="en-US" sz="3600" dirty="0" smtClean="0">
+                <a:ln w="0"/>
+                <a:solidFill>
+                  <a:srgbClr val="0070C0"/>
+                </a:solidFill>
+                <a:effectLst>
+                  <a:outerShdw blurRad="38100" dist="25400" dir="5400000" algn="ctr" rotWithShape="0">
+                    <a:srgbClr val="6E747A">
+                      <a:alpha val="43000"/>
+                    </a:srgbClr>
+                  </a:outerShdw>
+                </a:effectLst>
+              </a:rPr>
+              <a:t>mission </a:t>
+            </a:r>
+            <a:r>
+              <a:rPr lang="en-US" sz="3600" dirty="0" smtClean="0">
+                <a:ln w="0"/>
+                <a:solidFill>
+                  <a:srgbClr val="0070C0"/>
+                </a:solidFill>
+                <a:effectLst>
+                  <a:outerShdw blurRad="38100" dist="25400" dir="5400000" algn="ctr" rotWithShape="0">
+                    <a:srgbClr val="6E747A">
+                      <a:alpha val="43000"/>
+                    </a:srgbClr>
+                  </a:outerShdw>
+                </a:effectLst>
+              </a:rPr>
+              <a:t>schedule</a:t>
+            </a:r>
+            <a:endParaRPr lang="en-US" sz="3600" dirty="0">
+              <a:ln w="0"/>
+              <a:solidFill>
+                <a:srgbClr val="0070C0"/>
+              </a:solidFill>
+              <a:effectLst>
+                <a:outerShdw blurRad="38100" dist="25400" dir="5400000" algn="ctr" rotWithShape="0">
+                  <a:srgbClr val="6E747A">
+                    <a:alpha val="43000"/>
+                  </a:srgbClr>
+                </a:outerShdw>
+              </a:effectLst>
+            </a:endParaRPr>
+          </a:p>
+        </p:txBody>
+      </p:sp>
+      <p:pic>
+        <p:nvPicPr>
+          <p:cNvPr id="5" name="Picture 4"/>
+          <p:cNvPicPr>
+            <a:picLocks noChangeAspect="1"/>
+          </p:cNvPicPr>
+          <p:nvPr/>
+        </p:nvPicPr>
+        <p:blipFill>
+          <a:blip r:embed="rId2"/>
+          <a:stretch>
+            <a:fillRect/>
+          </a:stretch>
+        </p:blipFill>
+        <p:spPr>
+          <a:xfrm>
+            <a:off x="1927910" y="827385"/>
+            <a:ext cx="4913711" cy="5934750"/>
+          </a:xfrm>
+          <a:prstGeom prst="rect">
+            <a:avLst/>
+          </a:prstGeom>
+        </p:spPr>
+      </p:pic>
+    </p:spTree>
+    <p:extLst>
+      <p:ext uri="{BB962C8B-B14F-4D97-AF65-F5344CB8AC3E}">
+        <p14:creationId xmlns:p14="http://schemas.microsoft.com/office/powerpoint/2010/main" val="1254072777"/>
+      </p:ext>
+    </p:extLst>
+  </p:cSld>
+  <p:clrMapOvr>
+    <a:masterClrMapping/>
+  </p:clrMapOvr>
+</p:sld>
+</file>
+
+<file path=ppt/slides/slide26.xml><?xml version="1.0" encoding="utf-8"?>
 <p:sld xmlns:a="http://schemas.openxmlformats.org/drawingml/2006/main" xmlns:r="http://schemas.openxmlformats.org/officeDocument/2006/relationships" xmlns:p="http://schemas.openxmlformats.org/presentationml/2006/main">
   <p:cSld>
     <p:spTree>
@@ -9893,10 +11707,17 @@
   <p:clrMapOvr>
     <a:masterClrMapping/>
   </p:clrMapOvr>
+  <p:timing>
+    <p:tnLst>
+      <p:par>
+        <p:cTn id="1" dur="indefinite" restart="never" nodeType="tmRoot"/>
+      </p:par>
+    </p:tnLst>
+  </p:timing>
 </p:sld>
 </file>
 
-<file path=ppt/slides/slide22.xml><?xml version="1.0" encoding="utf-8"?>
+<file path=ppt/slides/slide27.xml><?xml version="1.0" encoding="utf-8"?>
 <p:sld xmlns:a="http://schemas.openxmlformats.org/drawingml/2006/main" xmlns:r="http://schemas.openxmlformats.org/officeDocument/2006/relationships" xmlns:p="http://schemas.openxmlformats.org/presentationml/2006/main">
   <p:cSld>
     <p:spTree>
@@ -10017,7 +11838,7 @@
 </p:sld>
 </file>
 
-<file path=ppt/slides/slide23.xml><?xml version="1.0" encoding="utf-8"?>
+<file path=ppt/slides/slide28.xml><?xml version="1.0" encoding="utf-8"?>
 <p:sld xmlns:a="http://schemas.openxmlformats.org/drawingml/2006/main" xmlns:r="http://schemas.openxmlformats.org/officeDocument/2006/relationships" xmlns:p="http://schemas.openxmlformats.org/presentationml/2006/main">
   <p:cSld>
     <p:spTree>
@@ -10101,19 +11922,6 @@
               </a:rPr>
               <a:t>Extend customer services</a:t>
             </a:r>
-            <a:endParaRPr lang="en-US" sz="5400" dirty="0">
-              <a:ln w="0"/>
-              <a:solidFill>
-                <a:srgbClr val="0070C0"/>
-              </a:solidFill>
-              <a:effectLst>
-                <a:outerShdw blurRad="38100" dist="25400" dir="5400000" algn="ctr" rotWithShape="0">
-                  <a:srgbClr val="6E747A">
-                    <a:alpha val="43000"/>
-                  </a:srgbClr>
-                </a:outerShdw>
-              </a:effectLst>
-            </a:endParaRPr>
           </a:p>
         </p:txBody>
       </p:sp>
@@ -10160,7 +11968,7 @@
 </p:sld>
 </file>
 
-<file path=ppt/slides/slide24.xml><?xml version="1.0" encoding="utf-8"?>
+<file path=ppt/slides/slide29.xml><?xml version="1.0" encoding="utf-8"?>
 <p:sld xmlns:a="http://schemas.openxmlformats.org/drawingml/2006/main" xmlns:r="http://schemas.openxmlformats.org/officeDocument/2006/relationships" xmlns:p="http://schemas.openxmlformats.org/presentationml/2006/main">
   <p:cSld>
     <p:spTree>

--- a/Hospital.pptx
+++ b/Hospital.pptx
@@ -20,20 +20,16 @@
     <p:sldId id="267" r:id="rId14"/>
     <p:sldId id="269" r:id="rId15"/>
     <p:sldId id="270" r:id="rId16"/>
-    <p:sldId id="272" r:id="rId17"/>
-    <p:sldId id="271" r:id="rId18"/>
-    <p:sldId id="273" r:id="rId19"/>
-    <p:sldId id="274" r:id="rId20"/>
-    <p:sldId id="275" r:id="rId21"/>
+    <p:sldId id="271" r:id="rId17"/>
+    <p:sldId id="273" r:id="rId18"/>
+    <p:sldId id="274" r:id="rId19"/>
+    <p:sldId id="275" r:id="rId20"/>
+    <p:sldId id="281" r:id="rId21"/>
     <p:sldId id="280" r:id="rId22"/>
-    <p:sldId id="281" r:id="rId23"/>
-    <p:sldId id="282" r:id="rId24"/>
-    <p:sldId id="283" r:id="rId25"/>
-    <p:sldId id="284" r:id="rId26"/>
-    <p:sldId id="276" r:id="rId27"/>
-    <p:sldId id="278" r:id="rId28"/>
-    <p:sldId id="277" r:id="rId29"/>
-    <p:sldId id="279" r:id="rId30"/>
+    <p:sldId id="276" r:id="rId23"/>
+    <p:sldId id="278" r:id="rId24"/>
+    <p:sldId id="277" r:id="rId25"/>
+    <p:sldId id="279" r:id="rId26"/>
   </p:sldIdLst>
   <p:sldSz cx="12192000" cy="6858000"/>
   <p:notesSz cx="6858000" cy="9144000"/>
@@ -885,7 +881,7 @@
           <a:p>
             <a:fld id="{A633F804-39DA-4C49-979B-E138C523399E}" type="datetimeFigureOut">
               <a:rPr lang="en-US" smtClean="0"/>
-              <a:t>09-04-2018</a:t>
+              <a:t>4/16/18</a:t>
             </a:fld>
             <a:endParaRPr lang="en-US"/>
           </a:p>
@@ -1136,7 +1132,7 @@
           <a:p>
             <a:fld id="{A633F804-39DA-4C49-979B-E138C523399E}" type="datetimeFigureOut">
               <a:rPr lang="en-US" smtClean="0"/>
-              <a:t>09-04-2018</a:t>
+              <a:t>4/16/18</a:t>
             </a:fld>
             <a:endParaRPr lang="en-US"/>
           </a:p>
@@ -1450,7 +1446,7 @@
           <a:p>
             <a:fld id="{A633F804-39DA-4C49-979B-E138C523399E}" type="datetimeFigureOut">
               <a:rPr lang="en-US" smtClean="0"/>
-              <a:t>09-04-2018</a:t>
+              <a:t>4/16/18</a:t>
             </a:fld>
             <a:endParaRPr lang="en-US"/>
           </a:p>
@@ -1783,7 +1779,7 @@
           <a:p>
             <a:fld id="{A633F804-39DA-4C49-979B-E138C523399E}" type="datetimeFigureOut">
               <a:rPr lang="en-US" smtClean="0"/>
-              <a:t>09-04-2018</a:t>
+              <a:t>4/16/18</a:t>
             </a:fld>
             <a:endParaRPr lang="en-US"/>
           </a:p>
@@ -2097,7 +2093,7 @@
           <a:p>
             <a:fld id="{A633F804-39DA-4C49-979B-E138C523399E}" type="datetimeFigureOut">
               <a:rPr lang="en-US" smtClean="0"/>
-              <a:t>09-04-2018</a:t>
+              <a:t>4/16/18</a:t>
             </a:fld>
             <a:endParaRPr lang="en-US"/>
           </a:p>
@@ -2490,7 +2486,7 @@
           <a:p>
             <a:fld id="{A633F804-39DA-4C49-979B-E138C523399E}" type="datetimeFigureOut">
               <a:rPr lang="en-US" smtClean="0"/>
-              <a:t>09-04-2018</a:t>
+              <a:t>4/16/18</a:t>
             </a:fld>
             <a:endParaRPr lang="en-US"/>
           </a:p>
@@ -2660,7 +2656,7 @@
           <a:p>
             <a:fld id="{A633F804-39DA-4C49-979B-E138C523399E}" type="datetimeFigureOut">
               <a:rPr lang="en-US" smtClean="0"/>
-              <a:t>09-04-2018</a:t>
+              <a:t>4/16/18</a:t>
             </a:fld>
             <a:endParaRPr lang="en-US"/>
           </a:p>
@@ -2840,7 +2836,7 @@
           <a:p>
             <a:fld id="{A633F804-39DA-4C49-979B-E138C523399E}" type="datetimeFigureOut">
               <a:rPr lang="en-US" smtClean="0"/>
-              <a:t>09-04-2018</a:t>
+              <a:t>4/16/18</a:t>
             </a:fld>
             <a:endParaRPr lang="en-US"/>
           </a:p>
@@ -3010,7 +3006,7 @@
           <a:p>
             <a:fld id="{A633F804-39DA-4C49-979B-E138C523399E}" type="datetimeFigureOut">
               <a:rPr lang="en-US" smtClean="0"/>
-              <a:t>09-04-2018</a:t>
+              <a:t>4/16/18</a:t>
             </a:fld>
             <a:endParaRPr lang="en-US"/>
           </a:p>
@@ -3257,7 +3253,7 @@
           <a:p>
             <a:fld id="{A633F804-39DA-4C49-979B-E138C523399E}" type="datetimeFigureOut">
               <a:rPr lang="en-US" smtClean="0"/>
-              <a:t>09-04-2018</a:t>
+              <a:t>4/16/18</a:t>
             </a:fld>
             <a:endParaRPr lang="en-US"/>
           </a:p>
@@ -3489,7 +3485,7 @@
           <a:p>
             <a:fld id="{A633F804-39DA-4C49-979B-E138C523399E}" type="datetimeFigureOut">
               <a:rPr lang="en-US" smtClean="0"/>
-              <a:t>09-04-2018</a:t>
+              <a:t>4/16/18</a:t>
             </a:fld>
             <a:endParaRPr lang="en-US"/>
           </a:p>
@@ -3863,7 +3859,7 @@
           <a:p>
             <a:fld id="{A633F804-39DA-4C49-979B-E138C523399E}" type="datetimeFigureOut">
               <a:rPr lang="en-US" smtClean="0"/>
-              <a:t>09-04-2018</a:t>
+              <a:t>4/16/18</a:t>
             </a:fld>
             <a:endParaRPr lang="en-US"/>
           </a:p>
@@ -3986,7 +3982,7 @@
           <a:p>
             <a:fld id="{A633F804-39DA-4C49-979B-E138C523399E}" type="datetimeFigureOut">
               <a:rPr lang="en-US" smtClean="0"/>
-              <a:t>09-04-2018</a:t>
+              <a:t>4/16/18</a:t>
             </a:fld>
             <a:endParaRPr lang="en-US"/>
           </a:p>
@@ -4081,7 +4077,7 @@
           <a:p>
             <a:fld id="{A633F804-39DA-4C49-979B-E138C523399E}" type="datetimeFigureOut">
               <a:rPr lang="en-US" smtClean="0"/>
-              <a:t>09-04-2018</a:t>
+              <a:t>4/16/18</a:t>
             </a:fld>
             <a:endParaRPr lang="en-US"/>
           </a:p>
@@ -4336,7 +4332,7 @@
           <a:p>
             <a:fld id="{A633F804-39DA-4C49-979B-E138C523399E}" type="datetimeFigureOut">
               <a:rPr lang="en-US" smtClean="0"/>
-              <a:t>09-04-2018</a:t>
+              <a:t>4/16/18</a:t>
             </a:fld>
             <a:endParaRPr lang="en-US"/>
           </a:p>
@@ -4641,7 +4637,7 @@
           <a:p>
             <a:fld id="{A633F804-39DA-4C49-979B-E138C523399E}" type="datetimeFigureOut">
               <a:rPr lang="en-US" smtClean="0"/>
-              <a:t>09-04-2018</a:t>
+              <a:t>4/16/18</a:t>
             </a:fld>
             <a:endParaRPr lang="en-US"/>
           </a:p>
@@ -5343,7 +5339,7 @@
           <a:p>
             <a:fld id="{A633F804-39DA-4C49-979B-E138C523399E}" type="datetimeFigureOut">
               <a:rPr lang="en-US" smtClean="0"/>
-              <a:t>09-04-2018</a:t>
+              <a:t>4/16/18</a:t>
             </a:fld>
             <a:endParaRPr lang="en-US"/>
           </a:p>
@@ -7710,8 +7706,8 @@
           </p:nvCxnSpPr>
           <p:spPr>
             <a:xfrm flipH="1">
-              <a:off x="3063923" y="504967"/>
-              <a:ext cx="757450" cy="13648"/>
+              <a:off x="3071618" y="584802"/>
+              <a:ext cx="815247" cy="2843"/>
             </a:xfrm>
             <a:prstGeom prst="straightConnector1">
               <a:avLst/>
@@ -8257,32 +8253,96 @@
       </p:grpSpPr>
       <p:sp>
         <p:nvSpPr>
-          <p:cNvPr id="6" name="Rectangle 5"/>
+          <p:cNvPr id="3" name="Rectangle 2"/>
           <p:cNvSpPr/>
           <p:nvPr/>
         </p:nvSpPr>
         <p:spPr>
           <a:xfrm>
-            <a:off x="2063471" y="2499751"/>
-            <a:ext cx="6836680" cy="1200329"/>
+            <a:off x="545703" y="412144"/>
+            <a:ext cx="9632765" cy="1323439"/>
           </a:xfrm>
           <a:prstGeom prst="rect">
             <a:avLst/>
           </a:prstGeom>
-        </p:spPr>
-        <p:txBody>
-          <a:bodyPr wrap="none">
+          <a:noFill/>
+        </p:spPr>
+        <p:txBody>
+          <a:bodyPr wrap="none" lIns="91440" tIns="45720" rIns="91440" bIns="45720">
             <a:spAutoFit/>
           </a:bodyPr>
           <a:lstStyle/>
           <a:p>
-            <a:r>
-              <a:rPr lang="en-US" sz="7200" b="1" dirty="0">
-                <a:latin typeface="Calibri" panose="020F0502020204030204" pitchFamily="34" charset="0"/>
-                <a:cs typeface="Calibri" panose="020F0502020204030204" pitchFamily="34" charset="0"/>
+            <a:pPr algn="ctr"/>
+            <a:r>
+              <a:rPr lang="en-US" sz="8000" b="1" cap="none" spc="0" dirty="0" smtClean="0">
+                <a:ln w="9525">
+                  <a:solidFill>
+                    <a:schemeClr val="bg1"/>
+                  </a:solidFill>
+                  <a:prstDash val="solid"/>
+                </a:ln>
+                <a:solidFill>
+                  <a:schemeClr val="accent1">
+                    <a:lumMod val="50000"/>
+                  </a:schemeClr>
+                </a:solidFill>
+                <a:effectLst>
+                  <a:outerShdw blurRad="12700" dist="38100" dir="2700000" algn="tl" rotWithShape="0">
+                    <a:schemeClr val="accent5">
+                      <a:lumMod val="60000"/>
+                      <a:lumOff val="40000"/>
+                    </a:schemeClr>
+                  </a:outerShdw>
+                </a:effectLst>
               </a:rPr>
-              <a:t>Features &amp; Demo</a:t>
-            </a:r>
+              <a:t>3. </a:t>
+            </a:r>
+            <a:r>
+              <a:rPr lang="en-US" sz="8000" b="1" dirty="0" smtClean="0">
+                <a:ln w="9525">
+                  <a:solidFill>
+                    <a:schemeClr val="bg1"/>
+                  </a:solidFill>
+                  <a:prstDash val="solid"/>
+                </a:ln>
+                <a:solidFill>
+                  <a:schemeClr val="accent1">
+                    <a:lumMod val="50000"/>
+                  </a:schemeClr>
+                </a:solidFill>
+                <a:effectLst>
+                  <a:outerShdw blurRad="12700" dist="38100" dir="2700000" algn="tl" rotWithShape="0">
+                    <a:schemeClr val="accent5">
+                      <a:lumMod val="60000"/>
+                      <a:lumOff val="40000"/>
+                    </a:schemeClr>
+                  </a:outerShdw>
+                </a:effectLst>
+              </a:rPr>
+              <a:t>Features &amp; demo</a:t>
+            </a:r>
+            <a:endParaRPr lang="en-US" sz="8000" b="1" cap="none" spc="0" dirty="0">
+              <a:ln w="9525">
+                <a:solidFill>
+                  <a:schemeClr val="bg1"/>
+                </a:solidFill>
+                <a:prstDash val="solid"/>
+              </a:ln>
+              <a:solidFill>
+                <a:schemeClr val="accent1">
+                  <a:lumMod val="50000"/>
+                </a:schemeClr>
+              </a:solidFill>
+              <a:effectLst>
+                <a:outerShdw blurRad="12700" dist="38100" dir="2700000" algn="tl" rotWithShape="0">
+                  <a:schemeClr val="accent5">
+                    <a:lumMod val="60000"/>
+                    <a:lumOff val="40000"/>
+                  </a:schemeClr>
+                </a:outerShdw>
+              </a:effectLst>
+            </a:endParaRPr>
           </a:p>
         </p:txBody>
       </p:sp>
@@ -8625,14 +8685,14 @@
       </p:grpSpPr>
       <p:sp>
         <p:nvSpPr>
-          <p:cNvPr id="4" name="Rectangle 3"/>
+          <p:cNvPr id="2" name="Rectangle 1"/>
           <p:cNvSpPr/>
           <p:nvPr/>
         </p:nvSpPr>
         <p:spPr>
           <a:xfrm>
-            <a:off x="474130" y="120233"/>
-            <a:ext cx="4309192" cy="646331"/>
+            <a:off x="343014" y="306267"/>
+            <a:ext cx="4027770" cy="830997"/>
           </a:xfrm>
           <a:prstGeom prst="rect">
             <a:avLst/>
@@ -8647,7 +8707,7 @@
           <a:p>
             <a:pPr algn="ctr"/>
             <a:r>
-              <a:rPr lang="en-US" sz="3600" dirty="0" smtClean="0">
+              <a:rPr lang="en-US" sz="4800" dirty="0" smtClean="0">
                 <a:ln w="0"/>
                 <a:solidFill>
                   <a:srgbClr val="0070C0"/>
@@ -8660,9 +8720,25 @@
                   </a:outerShdw>
                 </a:effectLst>
               </a:rPr>
-              <a:t>Manage department</a:t>
-            </a:r>
-            <a:endParaRPr lang="en-US" sz="3600" dirty="0">
+              <a:t>Role </a:t>
+            </a:r>
+            <a:r>
+              <a:rPr lang="en-US" sz="4800" dirty="0">
+                <a:ln w="0"/>
+                <a:solidFill>
+                  <a:srgbClr val="0070C0"/>
+                </a:solidFill>
+                <a:effectLst>
+                  <a:outerShdw blurRad="38100" dist="25400" dir="5400000" algn="ctr" rotWithShape="0">
+                    <a:srgbClr val="6E747A">
+                      <a:alpha val="43000"/>
+                    </a:srgbClr>
+                  </a:outerShdw>
+                </a:effectLst>
+              </a:rPr>
+              <a:t>overview</a:t>
+            </a:r>
+            <a:endParaRPr lang="en-US" sz="4800" dirty="0">
               <a:ln w="0"/>
               <a:solidFill>
                 <a:srgbClr val="0070C0"/>
@@ -8680,105 +8756,51 @@
       </p:sp>
       <p:pic>
         <p:nvPicPr>
-          <p:cNvPr id="3" name="Content Placeholder 2"/>
+          <p:cNvPr id="5" name="Picture 4"/>
           <p:cNvPicPr>
-            <a:picLocks noGrp="1" noChangeAspect="1"/>
+            <a:picLocks noChangeAspect="1"/>
           </p:cNvPicPr>
-          <p:nvPr>
-            <p:ph idx="1"/>
-          </p:nvPr>
+          <p:nvPr/>
         </p:nvPicPr>
         <p:blipFill>
-          <a:blip r:embed="rId2"/>
+          <a:blip r:embed="rId2">
+            <a:extLst>
+              <a:ext uri="{28A0092B-C50C-407E-A947-70E740481C1C}">
+                <a14:useLocalDpi xmlns:a14="http://schemas.microsoft.com/office/drawing/2010/main" val="0"/>
+              </a:ext>
+            </a:extLst>
+          </a:blip>
           <a:stretch>
             <a:fillRect/>
           </a:stretch>
         </p:blipFill>
         <p:spPr>
           <a:xfrm>
-            <a:off x="474130" y="1947152"/>
-            <a:ext cx="2987527" cy="3291054"/>
+            <a:off x="595312" y="1233487"/>
+            <a:ext cx="10058400" cy="4014651"/>
           </a:xfrm>
           <a:prstGeom prst="rect">
             <a:avLst/>
           </a:prstGeom>
         </p:spPr>
       </p:pic>
-      <p:sp>
-        <p:nvSpPr>
-          <p:cNvPr id="8" name="TextBox 7"/>
-          <p:cNvSpPr txBox="1"/>
-          <p:nvPr/>
-        </p:nvSpPr>
-        <p:spPr>
-          <a:xfrm>
-            <a:off x="3664266" y="2110045"/>
-            <a:ext cx="6019043" cy="2308324"/>
-          </a:xfrm>
-          <a:prstGeom prst="rect">
-            <a:avLst/>
-          </a:prstGeom>
-          <a:noFill/>
-        </p:spPr>
-        <p:txBody>
-          <a:bodyPr wrap="square" rtlCol="0">
-            <a:spAutoFit/>
-          </a:bodyPr>
-          <a:lstStyle/>
-          <a:p>
-            <a:pPr marL="285750" indent="-285750" algn="just">
-              <a:buFontTx/>
-              <a:buChar char="-"/>
-            </a:pPr>
-            <a:r>
-              <a:rPr lang="en-US" sz="2400" dirty="0" smtClean="0"/>
-              <a:t>The </a:t>
-            </a:r>
-            <a:r>
-              <a:rPr lang="en-US" sz="2400" dirty="0"/>
-              <a:t>department can contain 0, 1 or more </a:t>
-            </a:r>
-            <a:r>
-              <a:rPr lang="en-US" sz="2400" dirty="0" smtClean="0"/>
-              <a:t>users</a:t>
-            </a:r>
-          </a:p>
-          <a:p>
-            <a:pPr marL="285750" indent="-285750" algn="just">
-              <a:buFontTx/>
-              <a:buChar char="-"/>
-            </a:pPr>
-            <a:r>
-              <a:rPr lang="en-US" sz="2400" dirty="0"/>
-              <a:t>The department has two status is Active and </a:t>
-            </a:r>
-            <a:r>
-              <a:rPr lang="en-US" sz="2400" dirty="0" smtClean="0"/>
-              <a:t>Disabled</a:t>
-            </a:r>
-          </a:p>
-          <a:p>
-            <a:pPr marL="285750" indent="-285750" algn="just">
-              <a:buFontTx/>
-              <a:buChar char="-"/>
-            </a:pPr>
-            <a:r>
-              <a:rPr lang="en-US" sz="2400" dirty="0"/>
-              <a:t>The department can be disabled when not containing  active user</a:t>
-            </a:r>
-          </a:p>
-        </p:txBody>
-      </p:sp>
     </p:spTree>
     <p:extLst>
       <p:ext uri="{BB962C8B-B14F-4D97-AF65-F5344CB8AC3E}">
-        <p14:creationId xmlns:p14="http://schemas.microsoft.com/office/powerpoint/2010/main" val="3193329485"/>
+        <p14:creationId xmlns:p14="http://schemas.microsoft.com/office/powerpoint/2010/main" val="1367719297"/>
       </p:ext>
     </p:extLst>
   </p:cSld>
   <p:clrMapOvr>
     <a:masterClrMapping/>
   </p:clrMapOvr>
+  <p:timing>
+    <p:tnLst>
+      <p:par>
+        <p:cTn id="1" dur="indefinite" restart="never" nodeType="tmRoot"/>
+      </p:par>
+    </p:tnLst>
+  </p:timing>
 </p:sld>
 </file>
 
@@ -8801,14 +8823,14 @@
       </p:grpSpPr>
       <p:sp>
         <p:nvSpPr>
-          <p:cNvPr id="2" name="Rectangle 1"/>
+          <p:cNvPr id="4" name="Rectangle 3"/>
           <p:cNvSpPr/>
           <p:nvPr/>
         </p:nvSpPr>
         <p:spPr>
           <a:xfrm>
-            <a:off x="313509" y="106570"/>
-            <a:ext cx="2741455" cy="646331"/>
+            <a:off x="268544" y="209121"/>
+            <a:ext cx="5347939" cy="646331"/>
           </a:xfrm>
           <a:prstGeom prst="rect">
             <a:avLst/>
@@ -8836,7 +8858,7 @@
                   </a:outerShdw>
                 </a:effectLst>
               </a:rPr>
-              <a:t>Manage user</a:t>
+              <a:t>Manage mission schedule</a:t>
             </a:r>
             <a:endParaRPr lang="en-US" sz="3600" dirty="0">
               <a:ln w="0"/>
@@ -8856,11 +8878,13 @@
       </p:sp>
       <p:pic>
         <p:nvPicPr>
-          <p:cNvPr id="3" name="Picture 2"/>
+          <p:cNvPr id="5" name="Content Placeholder 4"/>
           <p:cNvPicPr>
-            <a:picLocks noChangeAspect="1"/>
+            <a:picLocks noGrp="1"/>
           </p:cNvPicPr>
-          <p:nvPr/>
+          <p:nvPr>
+            <p:ph idx="1"/>
+          </p:nvPr>
         </p:nvPicPr>
         <p:blipFill>
           <a:blip r:embed="rId2">
@@ -8876,8 +8900,258 @@
         </p:blipFill>
         <p:spPr>
           <a:xfrm>
-            <a:off x="313509" y="1121339"/>
-            <a:ext cx="9223144" cy="4191585"/>
+            <a:off x="8132773" y="1719716"/>
+            <a:ext cx="1788868" cy="1711899"/>
+          </a:xfrm>
+          <a:prstGeom prst="rect">
+            <a:avLst/>
+          </a:prstGeom>
+        </p:spPr>
+      </p:pic>
+      <p:pic>
+        <p:nvPicPr>
+          <p:cNvPr id="6" name="Picture 5"/>
+          <p:cNvPicPr>
+            <a:picLocks noChangeAspect="1"/>
+          </p:cNvPicPr>
+          <p:nvPr/>
+        </p:nvPicPr>
+        <p:blipFill>
+          <a:blip r:embed="rId3" cstate="print">
+            <a:extLst>
+              <a:ext uri="{28A0092B-C50C-407E-A947-70E740481C1C}">
+                <a14:useLocalDpi xmlns:a14="http://schemas.microsoft.com/office/drawing/2010/main" val="0"/>
+              </a:ext>
+            </a:extLst>
+          </a:blip>
+          <a:stretch>
+            <a:fillRect/>
+          </a:stretch>
+        </p:blipFill>
+        <p:spPr>
+          <a:xfrm>
+            <a:off x="4610307" y="1774258"/>
+            <a:ext cx="1359570" cy="1295466"/>
+          </a:xfrm>
+          <a:prstGeom prst="rect">
+            <a:avLst/>
+          </a:prstGeom>
+        </p:spPr>
+      </p:pic>
+      <p:pic>
+        <p:nvPicPr>
+          <p:cNvPr id="7" name="Picture 6"/>
+          <p:cNvPicPr>
+            <a:picLocks noChangeAspect="1"/>
+          </p:cNvPicPr>
+          <p:nvPr/>
+        </p:nvPicPr>
+        <p:blipFill>
+          <a:blip r:embed="rId4">
+            <a:extLst>
+              <a:ext uri="{28A0092B-C50C-407E-A947-70E740481C1C}">
+                <a14:useLocalDpi xmlns:a14="http://schemas.microsoft.com/office/drawing/2010/main" val="0"/>
+              </a:ext>
+            </a:extLst>
+          </a:blip>
+          <a:stretch>
+            <a:fillRect/>
+          </a:stretch>
+        </p:blipFill>
+        <p:spPr>
+          <a:xfrm>
+            <a:off x="874510" y="1940926"/>
+            <a:ext cx="1572901" cy="1490689"/>
+          </a:xfrm>
+          <a:prstGeom prst="rect">
+            <a:avLst/>
+          </a:prstGeom>
+        </p:spPr>
+      </p:pic>
+      <p:sp>
+        <p:nvSpPr>
+          <p:cNvPr id="10" name="Right Arrow 9"/>
+          <p:cNvSpPr/>
+          <p:nvPr/>
+        </p:nvSpPr>
+        <p:spPr>
+          <a:xfrm>
+            <a:off x="2942513" y="2465306"/>
+            <a:ext cx="1282262" cy="220718"/>
+          </a:xfrm>
+          <a:prstGeom prst="rightArrow">
+            <a:avLst/>
+          </a:prstGeom>
+        </p:spPr>
+        <p:style>
+          <a:lnRef idx="2">
+            <a:schemeClr val="accent1">
+              <a:shade val="50000"/>
+            </a:schemeClr>
+          </a:lnRef>
+          <a:fillRef idx="1">
+            <a:schemeClr val="accent1"/>
+          </a:fillRef>
+          <a:effectRef idx="0">
+            <a:schemeClr val="accent1"/>
+          </a:effectRef>
+          <a:fontRef idx="minor">
+            <a:schemeClr val="lt1"/>
+          </a:fontRef>
+        </p:style>
+        <p:txBody>
+          <a:bodyPr rtlCol="0" anchor="ctr"/>
+          <a:lstStyle/>
+          <a:p>
+            <a:pPr algn="ctr"/>
+            <a:endParaRPr lang="en-US"/>
+          </a:p>
+        </p:txBody>
+      </p:sp>
+      <p:sp>
+        <p:nvSpPr>
+          <p:cNvPr id="13" name="Right Arrow 12"/>
+          <p:cNvSpPr/>
+          <p:nvPr/>
+        </p:nvSpPr>
+        <p:spPr>
+          <a:xfrm>
+            <a:off x="6273559" y="2157958"/>
+            <a:ext cx="1555531" cy="264033"/>
+          </a:xfrm>
+          <a:prstGeom prst="rightArrow">
+            <a:avLst/>
+          </a:prstGeom>
+        </p:spPr>
+        <p:style>
+          <a:lnRef idx="2">
+            <a:schemeClr val="accent1">
+              <a:shade val="50000"/>
+            </a:schemeClr>
+          </a:lnRef>
+          <a:fillRef idx="1">
+            <a:schemeClr val="accent1"/>
+          </a:fillRef>
+          <a:effectRef idx="0">
+            <a:schemeClr val="accent1"/>
+          </a:effectRef>
+          <a:fontRef idx="minor">
+            <a:schemeClr val="lt1"/>
+          </a:fontRef>
+        </p:style>
+        <p:txBody>
+          <a:bodyPr rtlCol="0" anchor="ctr"/>
+          <a:lstStyle/>
+          <a:p>
+            <a:pPr algn="ctr"/>
+            <a:endParaRPr lang="en-US"/>
+          </a:p>
+        </p:txBody>
+      </p:sp>
+      <p:sp>
+        <p:nvSpPr>
+          <p:cNvPr id="14" name="Right Arrow 13"/>
+          <p:cNvSpPr/>
+          <p:nvPr/>
+        </p:nvSpPr>
+        <p:spPr>
+          <a:xfrm flipH="1">
+            <a:off x="6273558" y="2575665"/>
+            <a:ext cx="1555531" cy="264033"/>
+          </a:xfrm>
+          <a:prstGeom prst="rightArrow">
+            <a:avLst/>
+          </a:prstGeom>
+        </p:spPr>
+        <p:style>
+          <a:lnRef idx="2">
+            <a:schemeClr val="accent1">
+              <a:shade val="50000"/>
+            </a:schemeClr>
+          </a:lnRef>
+          <a:fillRef idx="1">
+            <a:schemeClr val="accent1"/>
+          </a:fillRef>
+          <a:effectRef idx="0">
+            <a:schemeClr val="accent1"/>
+          </a:effectRef>
+          <a:fontRef idx="minor">
+            <a:schemeClr val="lt1"/>
+          </a:fontRef>
+        </p:style>
+        <p:txBody>
+          <a:bodyPr rtlCol="0" anchor="ctr"/>
+          <a:lstStyle/>
+          <a:p>
+            <a:pPr algn="ctr"/>
+            <a:endParaRPr lang="en-US"/>
+          </a:p>
+        </p:txBody>
+      </p:sp>
+      <p:sp>
+        <p:nvSpPr>
+          <p:cNvPr id="18" name="Down Arrow 17"/>
+          <p:cNvSpPr/>
+          <p:nvPr/>
+        </p:nvSpPr>
+        <p:spPr>
+          <a:xfrm>
+            <a:off x="5213131" y="3263449"/>
+            <a:ext cx="252248" cy="1203447"/>
+          </a:xfrm>
+          <a:prstGeom prst="downArrow">
+            <a:avLst/>
+          </a:prstGeom>
+        </p:spPr>
+        <p:style>
+          <a:lnRef idx="2">
+            <a:schemeClr val="accent1">
+              <a:shade val="50000"/>
+            </a:schemeClr>
+          </a:lnRef>
+          <a:fillRef idx="1">
+            <a:schemeClr val="accent1"/>
+          </a:fillRef>
+          <a:effectRef idx="0">
+            <a:schemeClr val="accent1"/>
+          </a:effectRef>
+          <a:fontRef idx="minor">
+            <a:schemeClr val="lt1"/>
+          </a:fontRef>
+        </p:style>
+        <p:txBody>
+          <a:bodyPr rtlCol="0" anchor="ctr"/>
+          <a:lstStyle/>
+          <a:p>
+            <a:pPr algn="ctr"/>
+            <a:endParaRPr lang="en-US"/>
+          </a:p>
+        </p:txBody>
+      </p:sp>
+      <p:pic>
+        <p:nvPicPr>
+          <p:cNvPr id="19" name="Picture 18"/>
+          <p:cNvPicPr>
+            <a:picLocks noChangeAspect="1"/>
+          </p:cNvPicPr>
+          <p:nvPr/>
+        </p:nvPicPr>
+        <p:blipFill>
+          <a:blip r:embed="rId5" cstate="print">
+            <a:extLst>
+              <a:ext uri="{28A0092B-C50C-407E-A947-70E740481C1C}">
+                <a14:useLocalDpi xmlns:a14="http://schemas.microsoft.com/office/drawing/2010/main" val="0"/>
+              </a:ext>
+            </a:extLst>
+          </a:blip>
+          <a:stretch>
+            <a:fillRect/>
+          </a:stretch>
+        </p:blipFill>
+        <p:spPr>
+          <a:xfrm>
+            <a:off x="4610307" y="4738850"/>
+            <a:ext cx="1562101" cy="1562101"/>
           </a:xfrm>
           <a:prstGeom prst="rect">
             <a:avLst/>
@@ -8887,7 +9161,7 @@
     </p:spTree>
     <p:extLst>
       <p:ext uri="{BB962C8B-B14F-4D97-AF65-F5344CB8AC3E}">
-        <p14:creationId xmlns:p14="http://schemas.microsoft.com/office/powerpoint/2010/main" val="1367719297"/>
+        <p14:creationId xmlns:p14="http://schemas.microsoft.com/office/powerpoint/2010/main" val="1127937807"/>
       </p:ext>
     </p:extLst>
   </p:cSld>
@@ -8929,8 +9203,8 @@
         </p:nvSpPr>
         <p:spPr>
           <a:xfrm>
-            <a:off x="205482" y="219631"/>
-            <a:ext cx="5347939" cy="646331"/>
+            <a:off x="228231" y="180443"/>
+            <a:ext cx="5511444" cy="646331"/>
           </a:xfrm>
           <a:prstGeom prst="rect">
             <a:avLst/>
@@ -8958,7 +9232,7 @@
                   </a:outerShdw>
                 </a:effectLst>
               </a:rPr>
-              <a:t>Manage mission schedule</a:t>
+              <a:t>Manage meeting schedule</a:t>
             </a:r>
             <a:endParaRPr lang="en-US" sz="3600" dirty="0">
               <a:ln w="0"/>
@@ -8978,13 +9252,11 @@
       </p:sp>
       <p:pic>
         <p:nvPicPr>
-          <p:cNvPr id="3" name="Content Placeholder 2"/>
+          <p:cNvPr id="5" name="Content Placeholder 4"/>
           <p:cNvPicPr>
-            <a:picLocks noGrp="1" noChangeAspect="1"/>
+            <a:picLocks/>
           </p:cNvPicPr>
-          <p:nvPr>
-            <p:ph idx="1"/>
-          </p:nvPr>
+          <p:nvPr/>
         </p:nvPicPr>
         <p:blipFill>
           <a:blip r:embed="rId2">
@@ -9000,21 +9272,281 @@
         </p:blipFill>
         <p:spPr>
           <a:xfrm>
-            <a:off x="2062599" y="1246188"/>
-            <a:ext cx="5148098" cy="5201911"/>
-          </a:xfrm>
+            <a:off x="8132773" y="1719716"/>
+            <a:ext cx="1788868" cy="1711899"/>
+          </a:xfrm>
+          <a:prstGeom prst="rect">
+            <a:avLst/>
+          </a:prstGeom>
+        </p:spPr>
+      </p:pic>
+      <p:pic>
+        <p:nvPicPr>
+          <p:cNvPr id="6" name="Picture 5"/>
+          <p:cNvPicPr>
+            <a:picLocks noChangeAspect="1"/>
+          </p:cNvPicPr>
+          <p:nvPr/>
+        </p:nvPicPr>
+        <p:blipFill>
+          <a:blip r:embed="rId3" cstate="print">
+            <a:extLst>
+              <a:ext uri="{28A0092B-C50C-407E-A947-70E740481C1C}">
+                <a14:useLocalDpi xmlns:a14="http://schemas.microsoft.com/office/drawing/2010/main" val="0"/>
+              </a:ext>
+            </a:extLst>
+          </a:blip>
+          <a:stretch>
+            <a:fillRect/>
+          </a:stretch>
+        </p:blipFill>
+        <p:spPr>
+          <a:xfrm>
+            <a:off x="4610307" y="1774258"/>
+            <a:ext cx="1359570" cy="1295466"/>
+          </a:xfrm>
+          <a:prstGeom prst="rect">
+            <a:avLst/>
+          </a:prstGeom>
+        </p:spPr>
+      </p:pic>
+      <p:pic>
+        <p:nvPicPr>
+          <p:cNvPr id="7" name="Picture 6"/>
+          <p:cNvPicPr>
+            <a:picLocks noChangeAspect="1"/>
+          </p:cNvPicPr>
+          <p:nvPr/>
+        </p:nvPicPr>
+        <p:blipFill>
+          <a:blip r:embed="rId4">
+            <a:extLst>
+              <a:ext uri="{28A0092B-C50C-407E-A947-70E740481C1C}">
+                <a14:useLocalDpi xmlns:a14="http://schemas.microsoft.com/office/drawing/2010/main" val="0"/>
+              </a:ext>
+            </a:extLst>
+          </a:blip>
+          <a:stretch>
+            <a:fillRect/>
+          </a:stretch>
+        </p:blipFill>
+        <p:spPr>
+          <a:xfrm>
+            <a:off x="874510" y="1940926"/>
+            <a:ext cx="1572901" cy="1490689"/>
+          </a:xfrm>
+          <a:prstGeom prst="rect">
+            <a:avLst/>
+          </a:prstGeom>
+        </p:spPr>
+      </p:pic>
+      <p:sp>
+        <p:nvSpPr>
+          <p:cNvPr id="9" name="Right Arrow 8"/>
+          <p:cNvSpPr/>
+          <p:nvPr/>
+        </p:nvSpPr>
+        <p:spPr>
+          <a:xfrm>
+            <a:off x="2942513" y="2465306"/>
+            <a:ext cx="1282262" cy="220718"/>
+          </a:xfrm>
+          <a:prstGeom prst="rightArrow">
+            <a:avLst/>
+          </a:prstGeom>
+        </p:spPr>
+        <p:style>
+          <a:lnRef idx="2">
+            <a:schemeClr val="accent1">
+              <a:shade val="50000"/>
+            </a:schemeClr>
+          </a:lnRef>
+          <a:fillRef idx="1">
+            <a:schemeClr val="accent1"/>
+          </a:fillRef>
+          <a:effectRef idx="0">
+            <a:schemeClr val="accent1"/>
+          </a:effectRef>
+          <a:fontRef idx="minor">
+            <a:schemeClr val="lt1"/>
+          </a:fontRef>
+        </p:style>
+        <p:txBody>
+          <a:bodyPr rtlCol="0" anchor="ctr"/>
+          <a:lstStyle/>
+          <a:p>
+            <a:pPr algn="ctr"/>
+            <a:endParaRPr lang="en-US"/>
+          </a:p>
+        </p:txBody>
+      </p:sp>
+      <p:sp>
+        <p:nvSpPr>
+          <p:cNvPr id="10" name="Right Arrow 9"/>
+          <p:cNvSpPr/>
+          <p:nvPr/>
+        </p:nvSpPr>
+        <p:spPr>
+          <a:xfrm>
+            <a:off x="6273559" y="2157958"/>
+            <a:ext cx="1555531" cy="264033"/>
+          </a:xfrm>
+          <a:prstGeom prst="rightArrow">
+            <a:avLst/>
+          </a:prstGeom>
+        </p:spPr>
+        <p:style>
+          <a:lnRef idx="2">
+            <a:schemeClr val="accent1">
+              <a:shade val="50000"/>
+            </a:schemeClr>
+          </a:lnRef>
+          <a:fillRef idx="1">
+            <a:schemeClr val="accent1"/>
+          </a:fillRef>
+          <a:effectRef idx="0">
+            <a:schemeClr val="accent1"/>
+          </a:effectRef>
+          <a:fontRef idx="minor">
+            <a:schemeClr val="lt1"/>
+          </a:fontRef>
+        </p:style>
+        <p:txBody>
+          <a:bodyPr rtlCol="0" anchor="ctr"/>
+          <a:lstStyle/>
+          <a:p>
+            <a:pPr algn="ctr"/>
+            <a:endParaRPr lang="en-US"/>
+          </a:p>
+        </p:txBody>
+      </p:sp>
+      <p:sp>
+        <p:nvSpPr>
+          <p:cNvPr id="11" name="Right Arrow 10"/>
+          <p:cNvSpPr/>
+          <p:nvPr/>
+        </p:nvSpPr>
+        <p:spPr>
+          <a:xfrm flipH="1">
+            <a:off x="6273558" y="2575665"/>
+            <a:ext cx="1555531" cy="264033"/>
+          </a:xfrm>
+          <a:prstGeom prst="rightArrow">
+            <a:avLst/>
+          </a:prstGeom>
+        </p:spPr>
+        <p:style>
+          <a:lnRef idx="2">
+            <a:schemeClr val="accent1">
+              <a:shade val="50000"/>
+            </a:schemeClr>
+          </a:lnRef>
+          <a:fillRef idx="1">
+            <a:schemeClr val="accent1"/>
+          </a:fillRef>
+          <a:effectRef idx="0">
+            <a:schemeClr val="accent1"/>
+          </a:effectRef>
+          <a:fontRef idx="minor">
+            <a:schemeClr val="lt1"/>
+          </a:fontRef>
+        </p:style>
+        <p:txBody>
+          <a:bodyPr rtlCol="0" anchor="ctr"/>
+          <a:lstStyle/>
+          <a:p>
+            <a:pPr algn="ctr"/>
+            <a:endParaRPr lang="en-US"/>
+          </a:p>
+        </p:txBody>
+      </p:sp>
+      <p:sp>
+        <p:nvSpPr>
+          <p:cNvPr id="12" name="Down Arrow 11"/>
+          <p:cNvSpPr/>
+          <p:nvPr/>
+        </p:nvSpPr>
+        <p:spPr>
+          <a:xfrm>
+            <a:off x="5213131" y="3263449"/>
+            <a:ext cx="252248" cy="1203447"/>
+          </a:xfrm>
+          <a:prstGeom prst="downArrow">
+            <a:avLst/>
+          </a:prstGeom>
+        </p:spPr>
+        <p:style>
+          <a:lnRef idx="2">
+            <a:schemeClr val="accent1">
+              <a:shade val="50000"/>
+            </a:schemeClr>
+          </a:lnRef>
+          <a:fillRef idx="1">
+            <a:schemeClr val="accent1"/>
+          </a:fillRef>
+          <a:effectRef idx="0">
+            <a:schemeClr val="accent1"/>
+          </a:effectRef>
+          <a:fontRef idx="minor">
+            <a:schemeClr val="lt1"/>
+          </a:fontRef>
+        </p:style>
+        <p:txBody>
+          <a:bodyPr rtlCol="0" anchor="ctr"/>
+          <a:lstStyle/>
+          <a:p>
+            <a:pPr algn="ctr"/>
+            <a:endParaRPr lang="en-US"/>
+          </a:p>
+        </p:txBody>
+      </p:sp>
+      <p:pic>
+        <p:nvPicPr>
+          <p:cNvPr id="3" name="Picture 2"/>
+          <p:cNvPicPr>
+            <a:picLocks noChangeAspect="1"/>
+          </p:cNvPicPr>
+          <p:nvPr/>
+        </p:nvPicPr>
+        <p:blipFill>
+          <a:blip r:embed="rId5" cstate="print">
+            <a:extLst>
+              <a:ext uri="{28A0092B-C50C-407E-A947-70E740481C1C}">
+                <a14:useLocalDpi xmlns:a14="http://schemas.microsoft.com/office/drawing/2010/main" val="0"/>
+              </a:ext>
+            </a:extLst>
+          </a:blip>
+          <a:stretch>
+            <a:fillRect/>
+          </a:stretch>
+        </p:blipFill>
+        <p:spPr>
+          <a:xfrm>
+            <a:off x="4250918" y="4767764"/>
+            <a:ext cx="2176674" cy="1617269"/>
+          </a:xfrm>
+          <a:prstGeom prst="rect">
+            <a:avLst/>
+          </a:prstGeom>
         </p:spPr>
       </p:pic>
     </p:spTree>
     <p:extLst>
       <p:ext uri="{BB962C8B-B14F-4D97-AF65-F5344CB8AC3E}">
-        <p14:creationId xmlns:p14="http://schemas.microsoft.com/office/powerpoint/2010/main" val="1127937807"/>
+        <p14:creationId xmlns:p14="http://schemas.microsoft.com/office/powerpoint/2010/main" val="2682213829"/>
       </p:ext>
     </p:extLst>
   </p:cSld>
   <p:clrMapOvr>
     <a:masterClrMapping/>
   </p:clrMapOvr>
+  <p:timing>
+    <p:tnLst>
+      <p:par>
+        <p:cTn id="1" dur="indefinite" restart="never" nodeType="tmRoot"/>
+      </p:par>
+    </p:tnLst>
+  </p:timing>
 </p:sld>
 </file>
 
@@ -9043,8 +9575,8 @@
         </p:nvSpPr>
         <p:spPr>
           <a:xfrm>
-            <a:off x="228231" y="180443"/>
-            <a:ext cx="5511444" cy="646331"/>
+            <a:off x="431147" y="315311"/>
+            <a:ext cx="4586513" cy="646331"/>
           </a:xfrm>
           <a:prstGeom prst="rect">
             <a:avLst/>
@@ -9072,7 +9604,23 @@
                   </a:outerShdw>
                 </a:effectLst>
               </a:rPr>
-              <a:t>Manage meeting schedule</a:t>
+              <a:t>Create </a:t>
+            </a:r>
+            <a:r>
+              <a:rPr lang="en-US" sz="3600" dirty="0" smtClean="0">
+                <a:ln w="0"/>
+                <a:solidFill>
+                  <a:srgbClr val="0070C0"/>
+                </a:solidFill>
+                <a:effectLst>
+                  <a:outerShdw blurRad="38100" dist="25400" dir="5400000" algn="ctr" rotWithShape="0">
+                    <a:srgbClr val="6E747A">
+                      <a:alpha val="43000"/>
+                    </a:srgbClr>
+                  </a:outerShdw>
+                </a:effectLst>
+              </a:rPr>
+              <a:t>shift schedule</a:t>
             </a:r>
             <a:endParaRPr lang="en-US" sz="3600" dirty="0">
               <a:ln w="0"/>
@@ -9092,13 +9640,11 @@
       </p:sp>
       <p:pic>
         <p:nvPicPr>
-          <p:cNvPr id="8" name="Content Placeholder 7"/>
+          <p:cNvPr id="3" name="Picture 2"/>
           <p:cNvPicPr>
-            <a:picLocks noGrp="1" noChangeAspect="1"/>
+            <a:picLocks noChangeAspect="1"/>
           </p:cNvPicPr>
-          <p:nvPr>
-            <p:ph idx="1"/>
-          </p:nvPr>
+          <p:nvPr/>
         </p:nvPicPr>
         <p:blipFill>
           <a:blip r:embed="rId2">
@@ -9114,15 +9660,18 @@
         </p:blipFill>
         <p:spPr>
           <a:xfrm>
-            <a:off x="1306883" y="1886268"/>
-            <a:ext cx="6894134" cy="3881437"/>
-          </a:xfrm>
+            <a:off x="829661" y="1444699"/>
+            <a:ext cx="2176298" cy="1395063"/>
+          </a:xfrm>
+          <a:prstGeom prst="rect">
+            <a:avLst/>
+          </a:prstGeom>
         </p:spPr>
       </p:pic>
     </p:spTree>
     <p:extLst>
       <p:ext uri="{BB962C8B-B14F-4D97-AF65-F5344CB8AC3E}">
-        <p14:creationId xmlns:p14="http://schemas.microsoft.com/office/powerpoint/2010/main" val="2682213829"/>
+        <p14:creationId xmlns:p14="http://schemas.microsoft.com/office/powerpoint/2010/main" val="2313535214"/>
       </p:ext>
     </p:extLst>
   </p:cSld>
@@ -9164,8 +9713,8 @@
         </p:nvSpPr>
         <p:spPr>
           <a:xfrm>
-            <a:off x="502851" y="211072"/>
-            <a:ext cx="2669321" cy="923330"/>
+            <a:off x="352697" y="211072"/>
+            <a:ext cx="2460930" cy="923330"/>
           </a:xfrm>
           <a:prstGeom prst="rect">
             <a:avLst/>
@@ -9193,7 +9742,7 @@
                   </a:outerShdw>
                 </a:effectLst>
               </a:rPr>
-              <a:t>Out line</a:t>
+              <a:t>Outline</a:t>
             </a:r>
             <a:endParaRPr lang="en-US" sz="5400" b="0" cap="none" spc="0" dirty="0">
               <a:ln w="0"/>
@@ -9362,14 +9911,18 @@
       </p:grpSpPr>
       <p:sp>
         <p:nvSpPr>
-          <p:cNvPr id="4" name="Rectangle 3"/>
-          <p:cNvSpPr/>
-          <p:nvPr/>
-        </p:nvSpPr>
-        <p:spPr>
-          <a:xfrm>
-            <a:off x="13064" y="0"/>
-            <a:ext cx="4750018" cy="646331"/>
+          <p:cNvPr id="4" name="Title 3"/>
+          <p:cNvSpPr>
+            <a:spLocks noGrp="1"/>
+          </p:cNvSpPr>
+          <p:nvPr>
+            <p:ph type="title"/>
+          </p:nvPr>
+        </p:nvSpPr>
+        <p:spPr>
+          <a:xfrm>
+            <a:off x="422341" y="325821"/>
+            <a:ext cx="4692311" cy="646331"/>
           </a:xfrm>
           <a:prstGeom prst="rect">
             <a:avLst/>
@@ -9397,7 +9950,23 @@
                   </a:outerShdw>
                 </a:effectLst>
               </a:rPr>
-              <a:t>Manage shift schedule</a:t>
+              <a:t>Update </a:t>
+            </a:r>
+            <a:r>
+              <a:rPr lang="en-US" sz="3600" dirty="0" smtClean="0">
+                <a:ln w="0"/>
+                <a:solidFill>
+                  <a:srgbClr val="0070C0"/>
+                </a:solidFill>
+                <a:effectLst>
+                  <a:outerShdw blurRad="38100" dist="25400" dir="5400000" algn="ctr" rotWithShape="0">
+                    <a:srgbClr val="6E747A">
+                      <a:alpha val="43000"/>
+                    </a:srgbClr>
+                  </a:outerShdw>
+                </a:effectLst>
+              </a:rPr>
+              <a:t>shift schedule</a:t>
             </a:r>
             <a:endParaRPr lang="en-US" sz="3600" dirty="0">
               <a:ln w="0"/>
@@ -9415,47 +9984,16 @@
           </a:p>
         </p:txBody>
       </p:sp>
-      <p:pic>
-        <p:nvPicPr>
-          <p:cNvPr id="6" name="Picture 5"/>
-          <p:cNvPicPr>
-            <a:picLocks noChangeAspect="1"/>
-          </p:cNvPicPr>
-          <p:nvPr/>
-        </p:nvPicPr>
-        <p:blipFill>
-          <a:blip r:embed="rId2"/>
-          <a:stretch>
-            <a:fillRect/>
-          </a:stretch>
-        </p:blipFill>
-        <p:spPr>
-          <a:xfrm>
-            <a:off x="1084219" y="952441"/>
-            <a:ext cx="7315199" cy="5748805"/>
-          </a:xfrm>
-          <a:prstGeom prst="rect">
-            <a:avLst/>
-          </a:prstGeom>
-        </p:spPr>
-      </p:pic>
     </p:spTree>
     <p:extLst>
       <p:ext uri="{BB962C8B-B14F-4D97-AF65-F5344CB8AC3E}">
-        <p14:creationId xmlns:p14="http://schemas.microsoft.com/office/powerpoint/2010/main" val="2313535214"/>
+        <p14:creationId xmlns:p14="http://schemas.microsoft.com/office/powerpoint/2010/main" val="2413482630"/>
       </p:ext>
     </p:extLst>
   </p:cSld>
   <p:clrMapOvr>
     <a:masterClrMapping/>
   </p:clrMapOvr>
-  <p:timing>
-    <p:tnLst>
-      <p:par>
-        <p:cTn id="1" dur="indefinite" restart="never" nodeType="tmRoot"/>
-      </p:par>
-    </p:tnLst>
-  </p:timing>
 </p:sld>
 </file>
 
@@ -9476,134 +10014,16 @@
           <a:chExt cx="0" cy="0"/>
         </a:xfrm>
       </p:grpSpPr>
-      <p:graphicFrame>
-        <p:nvGraphicFramePr>
-          <p:cNvPr id="4" name="Table 3"/>
-          <p:cNvGraphicFramePr>
-            <a:graphicFrameLocks noGrp="1"/>
-          </p:cNvGraphicFramePr>
-          <p:nvPr>
-            <p:extLst>
-              <p:ext uri="{D42A27DB-BD31-4B8C-83A1-F6EECF244321}">
-                <p14:modId xmlns:p14="http://schemas.microsoft.com/office/powerpoint/2010/main" val="2565977436"/>
-              </p:ext>
-            </p:extLst>
-          </p:nvPr>
-        </p:nvGraphicFramePr>
-        <p:xfrm>
-          <a:off x="2659016" y="2417836"/>
-          <a:ext cx="5635898" cy="2219478"/>
-        </p:xfrm>
-        <a:graphic>
-          <a:graphicData uri="http://schemas.openxmlformats.org/drawingml/2006/table">
-            <a:tbl>
-              <a:tblPr firstRow="1" bandRow="1">
-                <a:tableStyleId>{5C22544A-7EE6-4342-B048-85BDC9FD1C3A}</a:tableStyleId>
-              </a:tblPr>
-              <a:tblGrid>
-                <a:gridCol w="2817949">
-                  <a:extLst>
-                    <a:ext uri="{9D8B030D-6E8A-4147-A177-3AD203B41FA5}">
-                      <a16:colId xmlns:a16="http://schemas.microsoft.com/office/drawing/2014/main" val="546874090"/>
-                    </a:ext>
-                  </a:extLst>
-                </a:gridCol>
-                <a:gridCol w="2817949">
-                  <a:extLst>
-                    <a:ext uri="{9D8B030D-6E8A-4147-A177-3AD203B41FA5}">
-                      <a16:colId xmlns:a16="http://schemas.microsoft.com/office/drawing/2014/main" val="2368170937"/>
-                    </a:ext>
-                  </a:extLst>
-                </a:gridCol>
-              </a:tblGrid>
-              <a:tr h="1109739">
-                <a:tc>
-                  <a:txBody>
-                    <a:bodyPr/>
-                    <a:lstStyle/>
-                    <a:p>
-                      <a:pPr algn="ctr"/>
-                      <a:r>
-                        <a:rPr lang="en-US" dirty="0" smtClean="0"/>
-                        <a:t>Department</a:t>
-                      </a:r>
-                      <a:endParaRPr lang="en-US" dirty="0"/>
-                    </a:p>
-                  </a:txBody>
-                  <a:tcPr anchor="ctr"/>
-                </a:tc>
-                <a:tc>
-                  <a:txBody>
-                    <a:bodyPr/>
-                    <a:lstStyle/>
-                    <a:p>
-                      <a:pPr algn="ctr"/>
-                      <a:r>
-                        <a:rPr lang="en-US" dirty="0" smtClean="0"/>
-                        <a:t>Week</a:t>
-                      </a:r>
-                      <a:endParaRPr lang="en-US" dirty="0"/>
-                    </a:p>
-                  </a:txBody>
-                  <a:tcPr anchor="ctr"/>
-                </a:tc>
-                <a:extLst>
-                  <a:ext uri="{0D108BD9-81ED-4DB2-BD59-A6C34878D82A}">
-                    <a16:rowId xmlns:a16="http://schemas.microsoft.com/office/drawing/2014/main" val="1680950752"/>
-                  </a:ext>
-                </a:extLst>
-              </a:tr>
-              <a:tr h="1109739">
-                <a:tc>
-                  <a:txBody>
-                    <a:bodyPr/>
-                    <a:lstStyle/>
-                    <a:p>
-                      <a:pPr algn="ctr"/>
-                      <a:r>
-                        <a:rPr lang="en-US" dirty="0" smtClean="0"/>
-                        <a:t>Waiting</a:t>
-                      </a:r>
-                      <a:endParaRPr lang="en-US" dirty="0"/>
-                    </a:p>
-                  </a:txBody>
-                  <a:tcPr anchor="ctr"/>
-                </a:tc>
-                <a:tc>
-                  <a:txBody>
-                    <a:bodyPr/>
-                    <a:lstStyle/>
-                    <a:p>
-                      <a:pPr algn="ctr"/>
-                      <a:r>
-                        <a:rPr lang="en-US" dirty="0" smtClean="0"/>
-                        <a:t>Checked</a:t>
-                      </a:r>
-                      <a:endParaRPr lang="en-US" dirty="0"/>
-                    </a:p>
-                  </a:txBody>
-                  <a:tcPr anchor="ctr"/>
-                </a:tc>
-                <a:extLst>
-                  <a:ext uri="{0D108BD9-81ED-4DB2-BD59-A6C34878D82A}">
-                    <a16:rowId xmlns:a16="http://schemas.microsoft.com/office/drawing/2014/main" val="2818804731"/>
-                  </a:ext>
-                </a:extLst>
-              </a:tr>
-            </a:tbl>
-          </a:graphicData>
-        </a:graphic>
-      </p:graphicFrame>
-      <p:sp>
-        <p:nvSpPr>
-          <p:cNvPr id="5" name="Rectangle 4"/>
+      <p:sp>
+        <p:nvSpPr>
+          <p:cNvPr id="3" name="Rectangle 2"/>
           <p:cNvSpPr/>
           <p:nvPr/>
         </p:nvSpPr>
         <p:spPr>
           <a:xfrm>
-            <a:off x="13064" y="0"/>
-            <a:ext cx="4750018" cy="646331"/>
+            <a:off x="-224997" y="1303282"/>
+            <a:ext cx="10588196" cy="1446550"/>
           </a:xfrm>
           <a:prstGeom prst="rect">
             <a:avLst/>
@@ -9611,38 +10031,54 @@
           <a:noFill/>
         </p:spPr>
         <p:txBody>
-          <a:bodyPr wrap="none" lIns="91440" tIns="45720" rIns="91440" bIns="45720">
+          <a:bodyPr wrap="square" lIns="91440" tIns="45720" rIns="91440" bIns="45720">
             <a:spAutoFit/>
           </a:bodyPr>
           <a:lstStyle/>
           <a:p>
             <a:pPr algn="ctr"/>
             <a:r>
-              <a:rPr lang="en-US" sz="3600" dirty="0" smtClean="0">
-                <a:ln w="0"/>
-                <a:solidFill>
-                  <a:srgbClr val="0070C0"/>
+              <a:rPr lang="en-US" sz="8800" b="1" cap="none" spc="0" dirty="0" smtClean="0">
+                <a:ln w="9525">
+                  <a:solidFill>
+                    <a:schemeClr val="bg1"/>
+                  </a:solidFill>
+                  <a:prstDash val="solid"/>
+                </a:ln>
+                <a:solidFill>
+                  <a:schemeClr val="accent1">
+                    <a:lumMod val="50000"/>
+                  </a:schemeClr>
                 </a:solidFill>
                 <a:effectLst>
-                  <a:outerShdw blurRad="38100" dist="25400" dir="5400000" algn="ctr" rotWithShape="0">
-                    <a:srgbClr val="6E747A">
-                      <a:alpha val="43000"/>
-                    </a:srgbClr>
+                  <a:outerShdw blurRad="12700" dist="38100" dir="2700000" algn="tl" rotWithShape="0">
+                    <a:schemeClr val="accent5">
+                      <a:lumMod val="60000"/>
+                      <a:lumOff val="40000"/>
+                    </a:schemeClr>
                   </a:outerShdw>
                 </a:effectLst>
               </a:rPr>
-              <a:t>Manage shift schedule</a:t>
-            </a:r>
-            <a:endParaRPr lang="en-US" sz="3600" dirty="0">
-              <a:ln w="0"/>
+              <a:t>4. Future plans</a:t>
+            </a:r>
+            <a:endParaRPr lang="en-US" sz="8800" b="1" cap="none" spc="0" dirty="0">
+              <a:ln w="9525">
+                <a:solidFill>
+                  <a:schemeClr val="bg1"/>
+                </a:solidFill>
+                <a:prstDash val="solid"/>
+              </a:ln>
               <a:solidFill>
-                <a:srgbClr val="0070C0"/>
+                <a:schemeClr val="accent1">
+                  <a:lumMod val="50000"/>
+                </a:schemeClr>
               </a:solidFill>
               <a:effectLst>
-                <a:outerShdw blurRad="38100" dist="25400" dir="5400000" algn="ctr" rotWithShape="0">
-                  <a:srgbClr val="6E747A">
-                    <a:alpha val="43000"/>
-                  </a:srgbClr>
+                <a:outerShdw blurRad="12700" dist="38100" dir="2700000" algn="tl" rotWithShape="0">
+                  <a:schemeClr val="accent5">
+                    <a:lumMod val="60000"/>
+                    <a:lumOff val="40000"/>
+                  </a:schemeClr>
                 </a:outerShdw>
               </a:effectLst>
             </a:endParaRPr>
@@ -9652,1510 +10088,24 @@
     </p:spTree>
     <p:extLst>
       <p:ext uri="{BB962C8B-B14F-4D97-AF65-F5344CB8AC3E}">
-        <p14:creationId xmlns:p14="http://schemas.microsoft.com/office/powerpoint/2010/main" val="867843542"/>
+        <p14:creationId xmlns:p14="http://schemas.microsoft.com/office/powerpoint/2010/main" val="4286432565"/>
       </p:ext>
     </p:extLst>
   </p:cSld>
   <p:clrMapOvr>
     <a:masterClrMapping/>
   </p:clrMapOvr>
+  <p:timing>
+    <p:tnLst>
+      <p:par>
+        <p:cTn id="1" dur="indefinite" restart="never" nodeType="tmRoot"/>
+      </p:par>
+    </p:tnLst>
+  </p:timing>
 </p:sld>
 </file>
 
 <file path=ppt/slides/slide22.xml><?xml version="1.0" encoding="utf-8"?>
-<p:sld xmlns:a="http://schemas.openxmlformats.org/drawingml/2006/main" xmlns:r="http://schemas.openxmlformats.org/officeDocument/2006/relationships" xmlns:p="http://schemas.openxmlformats.org/presentationml/2006/main">
-  <p:cSld>
-    <p:spTree>
-      <p:nvGrpSpPr>
-        <p:cNvPr id="1" name=""/>
-        <p:cNvGrpSpPr/>
-        <p:nvPr/>
-      </p:nvGrpSpPr>
-      <p:grpSpPr>
-        <a:xfrm>
-          <a:off x="0" y="0"/>
-          <a:ext cx="0" cy="0"/>
-          <a:chOff x="0" y="0"/>
-          <a:chExt cx="0" cy="0"/>
-        </a:xfrm>
-      </p:grpSpPr>
-      <p:sp>
-        <p:nvSpPr>
-          <p:cNvPr id="4" name="Rectangle 3"/>
-          <p:cNvSpPr/>
-          <p:nvPr/>
-        </p:nvSpPr>
-        <p:spPr>
-          <a:xfrm>
-            <a:off x="2194561" y="4245429"/>
-            <a:ext cx="2076994" cy="966651"/>
-          </a:xfrm>
-          <a:prstGeom prst="rect">
-            <a:avLst/>
-          </a:prstGeom>
-          <a:solidFill>
-            <a:srgbClr val="C00000"/>
-          </a:solidFill>
-        </p:spPr>
-        <p:style>
-          <a:lnRef idx="2">
-            <a:schemeClr val="accent1">
-              <a:shade val="50000"/>
-            </a:schemeClr>
-          </a:lnRef>
-          <a:fillRef idx="1">
-            <a:schemeClr val="accent1"/>
-          </a:fillRef>
-          <a:effectRef idx="0">
-            <a:schemeClr val="accent1"/>
-          </a:effectRef>
-          <a:fontRef idx="minor">
-            <a:schemeClr val="lt1"/>
-          </a:fontRef>
-        </p:style>
-        <p:txBody>
-          <a:bodyPr rtlCol="0" anchor="ctr"/>
-          <a:lstStyle/>
-          <a:p>
-            <a:pPr algn="ctr"/>
-            <a:r>
-              <a:rPr lang="en-US" dirty="0" smtClean="0"/>
-              <a:t>Posted : Empty</a:t>
-            </a:r>
-            <a:endParaRPr lang="en-US" dirty="0"/>
-          </a:p>
-        </p:txBody>
-      </p:sp>
-      <p:sp>
-        <p:nvSpPr>
-          <p:cNvPr id="8" name="Rectangle 7"/>
-          <p:cNvSpPr/>
-          <p:nvPr/>
-        </p:nvSpPr>
-        <p:spPr>
-          <a:xfrm>
-            <a:off x="5455921" y="4245428"/>
-            <a:ext cx="2076994" cy="966651"/>
-          </a:xfrm>
-          <a:prstGeom prst="rect">
-            <a:avLst/>
-          </a:prstGeom>
-          <a:solidFill>
-            <a:schemeClr val="accent6">
-              <a:lumMod val="75000"/>
-            </a:schemeClr>
-          </a:solidFill>
-        </p:spPr>
-        <p:style>
-          <a:lnRef idx="2">
-            <a:schemeClr val="accent1">
-              <a:shade val="50000"/>
-            </a:schemeClr>
-          </a:lnRef>
-          <a:fillRef idx="1">
-            <a:schemeClr val="accent1"/>
-          </a:fillRef>
-          <a:effectRef idx="0">
-            <a:schemeClr val="accent1"/>
-          </a:effectRef>
-          <a:fontRef idx="minor">
-            <a:schemeClr val="lt1"/>
-          </a:fontRef>
-        </p:style>
-        <p:txBody>
-          <a:bodyPr rtlCol="0" anchor="ctr"/>
-          <a:lstStyle/>
-          <a:p>
-            <a:pPr algn="ctr"/>
-            <a:r>
-              <a:rPr lang="en-US" dirty="0" smtClean="0"/>
-              <a:t>Posted : Posted</a:t>
-            </a:r>
-            <a:endParaRPr lang="en-US" dirty="0"/>
-          </a:p>
-        </p:txBody>
-      </p:sp>
-      <p:sp>
-        <p:nvSpPr>
-          <p:cNvPr id="9" name="Flowchart: Decision 8"/>
-          <p:cNvSpPr/>
-          <p:nvPr/>
-        </p:nvSpPr>
-        <p:spPr>
-          <a:xfrm>
-            <a:off x="3827417" y="1685108"/>
-            <a:ext cx="2259873" cy="1188720"/>
-          </a:xfrm>
-          <a:prstGeom prst="flowChartDecision">
-            <a:avLst/>
-          </a:prstGeom>
-        </p:spPr>
-        <p:style>
-          <a:lnRef idx="2">
-            <a:schemeClr val="accent1">
-              <a:shade val="50000"/>
-            </a:schemeClr>
-          </a:lnRef>
-          <a:fillRef idx="1">
-            <a:schemeClr val="accent1"/>
-          </a:fillRef>
-          <a:effectRef idx="0">
-            <a:schemeClr val="accent1"/>
-          </a:effectRef>
-          <a:fontRef idx="minor">
-            <a:schemeClr val="lt1"/>
-          </a:fontRef>
-        </p:style>
-        <p:txBody>
-          <a:bodyPr rtlCol="0" anchor="ctr"/>
-          <a:lstStyle/>
-          <a:p>
-            <a:pPr algn="ctr"/>
-            <a:r>
-              <a:rPr lang="en-US" dirty="0" smtClean="0"/>
-              <a:t>Posted=0</a:t>
-            </a:r>
-            <a:endParaRPr lang="en-US" dirty="0"/>
-          </a:p>
-        </p:txBody>
-      </p:sp>
-      <p:cxnSp>
-        <p:nvCxnSpPr>
-          <p:cNvPr id="11" name="Elbow Connector 10"/>
-          <p:cNvCxnSpPr>
-            <a:stCxn id="9" idx="1"/>
-            <a:endCxn id="4" idx="0"/>
-          </p:cNvCxnSpPr>
-          <p:nvPr/>
-        </p:nvCxnSpPr>
-        <p:spPr>
-          <a:xfrm rot="10800000" flipV="1">
-            <a:off x="3233059" y="2279467"/>
-            <a:ext cx="594359" cy="1965961"/>
-          </a:xfrm>
-          <a:prstGeom prst="bentConnector2">
-            <a:avLst/>
-          </a:prstGeom>
-          <a:ln>
-            <a:tailEnd type="triangle"/>
-          </a:ln>
-        </p:spPr>
-        <p:style>
-          <a:lnRef idx="1">
-            <a:schemeClr val="accent1"/>
-          </a:lnRef>
-          <a:fillRef idx="0">
-            <a:schemeClr val="accent1"/>
-          </a:fillRef>
-          <a:effectRef idx="0">
-            <a:schemeClr val="accent1"/>
-          </a:effectRef>
-          <a:fontRef idx="minor">
-            <a:schemeClr val="tx1"/>
-          </a:fontRef>
-        </p:style>
-      </p:cxnSp>
-      <p:cxnSp>
-        <p:nvCxnSpPr>
-          <p:cNvPr id="13" name="Elbow Connector 12"/>
-          <p:cNvCxnSpPr>
-            <a:stCxn id="9" idx="3"/>
-            <a:endCxn id="8" idx="0"/>
-          </p:cNvCxnSpPr>
-          <p:nvPr/>
-        </p:nvCxnSpPr>
-        <p:spPr>
-          <a:xfrm>
-            <a:off x="6087290" y="2279468"/>
-            <a:ext cx="407128" cy="1965960"/>
-          </a:xfrm>
-          <a:prstGeom prst="bentConnector2">
-            <a:avLst/>
-          </a:prstGeom>
-          <a:ln>
-            <a:tailEnd type="triangle"/>
-          </a:ln>
-        </p:spPr>
-        <p:style>
-          <a:lnRef idx="1">
-            <a:schemeClr val="accent1"/>
-          </a:lnRef>
-          <a:fillRef idx="0">
-            <a:schemeClr val="accent1"/>
-          </a:fillRef>
-          <a:effectRef idx="0">
-            <a:schemeClr val="accent1"/>
-          </a:effectRef>
-          <a:fontRef idx="minor">
-            <a:schemeClr val="tx1"/>
-          </a:fontRef>
-        </p:style>
-      </p:cxnSp>
-      <p:sp>
-        <p:nvSpPr>
-          <p:cNvPr id="16" name="TextBox 15"/>
-          <p:cNvSpPr txBox="1"/>
-          <p:nvPr/>
-        </p:nvSpPr>
-        <p:spPr>
-          <a:xfrm>
-            <a:off x="2896689" y="1910135"/>
-            <a:ext cx="822960" cy="369332"/>
-          </a:xfrm>
-          <a:prstGeom prst="rect">
-            <a:avLst/>
-          </a:prstGeom>
-          <a:noFill/>
-        </p:spPr>
-        <p:txBody>
-          <a:bodyPr wrap="square" rtlCol="0">
-            <a:spAutoFit/>
-          </a:bodyPr>
-          <a:lstStyle/>
-          <a:p>
-            <a:r>
-              <a:rPr lang="en-US" dirty="0" smtClean="0"/>
-              <a:t>False</a:t>
-            </a:r>
-            <a:endParaRPr lang="en-US" dirty="0"/>
-          </a:p>
-        </p:txBody>
-      </p:sp>
-      <p:sp>
-        <p:nvSpPr>
-          <p:cNvPr id="17" name="TextBox 16"/>
-          <p:cNvSpPr txBox="1"/>
-          <p:nvPr/>
-        </p:nvSpPr>
-        <p:spPr>
-          <a:xfrm>
-            <a:off x="6087290" y="1910135"/>
-            <a:ext cx="822960" cy="369332"/>
-          </a:xfrm>
-          <a:prstGeom prst="rect">
-            <a:avLst/>
-          </a:prstGeom>
-          <a:noFill/>
-        </p:spPr>
-        <p:txBody>
-          <a:bodyPr wrap="square" rtlCol="0">
-            <a:spAutoFit/>
-          </a:bodyPr>
-          <a:lstStyle/>
-          <a:p>
-            <a:r>
-              <a:rPr lang="en-US" dirty="0" smtClean="0"/>
-              <a:t>True</a:t>
-            </a:r>
-            <a:endParaRPr lang="en-US" dirty="0"/>
-          </a:p>
-        </p:txBody>
-      </p:sp>
-      <p:sp>
-        <p:nvSpPr>
-          <p:cNvPr id="18" name="Rectangle 17"/>
-          <p:cNvSpPr/>
-          <p:nvPr/>
-        </p:nvSpPr>
-        <p:spPr>
-          <a:xfrm>
-            <a:off x="13064" y="0"/>
-            <a:ext cx="4750018" cy="646331"/>
-          </a:xfrm>
-          <a:prstGeom prst="rect">
-            <a:avLst/>
-          </a:prstGeom>
-          <a:noFill/>
-        </p:spPr>
-        <p:txBody>
-          <a:bodyPr wrap="none" lIns="91440" tIns="45720" rIns="91440" bIns="45720">
-            <a:spAutoFit/>
-          </a:bodyPr>
-          <a:lstStyle/>
-          <a:p>
-            <a:pPr algn="ctr"/>
-            <a:r>
-              <a:rPr lang="en-US" sz="3600" dirty="0" smtClean="0">
-                <a:ln w="0"/>
-                <a:solidFill>
-                  <a:srgbClr val="0070C0"/>
-                </a:solidFill>
-                <a:effectLst>
-                  <a:outerShdw blurRad="38100" dist="25400" dir="5400000" algn="ctr" rotWithShape="0">
-                    <a:srgbClr val="6E747A">
-                      <a:alpha val="43000"/>
-                    </a:srgbClr>
-                  </a:outerShdw>
-                </a:effectLst>
-              </a:rPr>
-              <a:t>Manage shift schedule</a:t>
-            </a:r>
-            <a:endParaRPr lang="en-US" sz="3600" dirty="0">
-              <a:ln w="0"/>
-              <a:solidFill>
-                <a:srgbClr val="0070C0"/>
-              </a:solidFill>
-              <a:effectLst>
-                <a:outerShdw blurRad="38100" dist="25400" dir="5400000" algn="ctr" rotWithShape="0">
-                  <a:srgbClr val="6E747A">
-                    <a:alpha val="43000"/>
-                  </a:srgbClr>
-                </a:outerShdw>
-              </a:effectLst>
-            </a:endParaRPr>
-          </a:p>
-        </p:txBody>
-      </p:sp>
-    </p:spTree>
-    <p:extLst>
-      <p:ext uri="{BB962C8B-B14F-4D97-AF65-F5344CB8AC3E}">
-        <p14:creationId xmlns:p14="http://schemas.microsoft.com/office/powerpoint/2010/main" val="509997037"/>
-      </p:ext>
-    </p:extLst>
-  </p:cSld>
-  <p:clrMapOvr>
-    <a:masterClrMapping/>
-  </p:clrMapOvr>
-</p:sld>
-</file>
-
-<file path=ppt/slides/slide23.xml><?xml version="1.0" encoding="utf-8"?>
-<p:sld xmlns:a="http://schemas.openxmlformats.org/drawingml/2006/main" xmlns:r="http://schemas.openxmlformats.org/officeDocument/2006/relationships" xmlns:p="http://schemas.openxmlformats.org/presentationml/2006/main">
-  <p:cSld>
-    <p:spTree>
-      <p:nvGrpSpPr>
-        <p:cNvPr id="1" name=""/>
-        <p:cNvGrpSpPr/>
-        <p:nvPr/>
-      </p:nvGrpSpPr>
-      <p:grpSpPr>
-        <a:xfrm>
-          <a:off x="0" y="0"/>
-          <a:ext cx="0" cy="0"/>
-          <a:chOff x="0" y="0"/>
-          <a:chExt cx="0" cy="0"/>
-        </a:xfrm>
-      </p:grpSpPr>
-      <p:sp>
-        <p:nvSpPr>
-          <p:cNvPr id="4" name="Rectangle 3"/>
-          <p:cNvSpPr/>
-          <p:nvPr/>
-        </p:nvSpPr>
-        <p:spPr>
-          <a:xfrm>
-            <a:off x="7154093" y="862146"/>
-            <a:ext cx="2076994" cy="966651"/>
-          </a:xfrm>
-          <a:prstGeom prst="rect">
-            <a:avLst/>
-          </a:prstGeom>
-          <a:solidFill>
-            <a:srgbClr val="C00000"/>
-          </a:solidFill>
-        </p:spPr>
-        <p:style>
-          <a:lnRef idx="2">
-            <a:schemeClr val="accent1">
-              <a:shade val="50000"/>
-            </a:schemeClr>
-          </a:lnRef>
-          <a:fillRef idx="1">
-            <a:schemeClr val="accent1"/>
-          </a:fillRef>
-          <a:effectRef idx="0">
-            <a:schemeClr val="accent1"/>
-          </a:effectRef>
-          <a:fontRef idx="minor">
-            <a:schemeClr val="lt1"/>
-          </a:fontRef>
-        </p:style>
-        <p:txBody>
-          <a:bodyPr rtlCol="0" anchor="ctr"/>
-          <a:lstStyle/>
-          <a:p>
-            <a:pPr algn="ctr"/>
-            <a:r>
-              <a:rPr lang="en-US" dirty="0" smtClean="0"/>
-              <a:t>Waiting : Empty</a:t>
-            </a:r>
-            <a:endParaRPr lang="en-US" dirty="0"/>
-          </a:p>
-        </p:txBody>
-      </p:sp>
-      <p:sp>
-        <p:nvSpPr>
-          <p:cNvPr id="5" name="Rectangle 4"/>
-          <p:cNvSpPr/>
-          <p:nvPr/>
-        </p:nvSpPr>
-        <p:spPr>
-          <a:xfrm>
-            <a:off x="5077099" y="4820172"/>
-            <a:ext cx="2076994" cy="966651"/>
-          </a:xfrm>
-          <a:prstGeom prst="rect">
-            <a:avLst/>
-          </a:prstGeom>
-          <a:solidFill>
-            <a:srgbClr val="FFC000"/>
-          </a:solidFill>
-        </p:spPr>
-        <p:style>
-          <a:lnRef idx="2">
-            <a:schemeClr val="accent1">
-              <a:shade val="50000"/>
-            </a:schemeClr>
-          </a:lnRef>
-          <a:fillRef idx="1">
-            <a:schemeClr val="accent1"/>
-          </a:fillRef>
-          <a:effectRef idx="0">
-            <a:schemeClr val="accent1"/>
-          </a:effectRef>
-          <a:fontRef idx="minor">
-            <a:schemeClr val="lt1"/>
-          </a:fontRef>
-        </p:style>
-        <p:txBody>
-          <a:bodyPr rtlCol="0" anchor="ctr"/>
-          <a:lstStyle/>
-          <a:p>
-            <a:pPr algn="ctr"/>
-            <a:r>
-              <a:rPr lang="en-US" dirty="0" smtClean="0"/>
-              <a:t>Waiting : Uncheck</a:t>
-            </a:r>
-            <a:endParaRPr lang="en-US" dirty="0"/>
-          </a:p>
-        </p:txBody>
-      </p:sp>
-      <p:sp>
-        <p:nvSpPr>
-          <p:cNvPr id="6" name="Rectangle 5"/>
-          <p:cNvSpPr/>
-          <p:nvPr/>
-        </p:nvSpPr>
-        <p:spPr>
-          <a:xfrm>
-            <a:off x="1208858" y="4820183"/>
-            <a:ext cx="2076994" cy="966651"/>
-          </a:xfrm>
-          <a:prstGeom prst="rect">
-            <a:avLst/>
-          </a:prstGeom>
-          <a:solidFill>
-            <a:schemeClr val="accent6">
-              <a:lumMod val="75000"/>
-            </a:schemeClr>
-          </a:solidFill>
-        </p:spPr>
-        <p:style>
-          <a:lnRef idx="2">
-            <a:schemeClr val="accent1">
-              <a:shade val="50000"/>
-            </a:schemeClr>
-          </a:lnRef>
-          <a:fillRef idx="1">
-            <a:schemeClr val="accent1"/>
-          </a:fillRef>
-          <a:effectRef idx="0">
-            <a:schemeClr val="accent1"/>
-          </a:effectRef>
-          <a:fontRef idx="minor">
-            <a:schemeClr val="lt1"/>
-          </a:fontRef>
-        </p:style>
-        <p:txBody>
-          <a:bodyPr rtlCol="0" anchor="ctr"/>
-          <a:lstStyle/>
-          <a:p>
-            <a:pPr algn="ctr"/>
-            <a:r>
-              <a:rPr lang="en-US" dirty="0" smtClean="0"/>
-              <a:t>Waiting : Checked</a:t>
-            </a:r>
-            <a:endParaRPr lang="en-US" dirty="0"/>
-          </a:p>
-        </p:txBody>
-      </p:sp>
-      <p:sp>
-        <p:nvSpPr>
-          <p:cNvPr id="7" name="Flowchart: Decision 6"/>
-          <p:cNvSpPr/>
-          <p:nvPr/>
-        </p:nvSpPr>
-        <p:spPr>
-          <a:xfrm>
-            <a:off x="2876006" y="751111"/>
-            <a:ext cx="2477588" cy="1188720"/>
-          </a:xfrm>
-          <a:prstGeom prst="flowChartDecision">
-            <a:avLst/>
-          </a:prstGeom>
-        </p:spPr>
-        <p:style>
-          <a:lnRef idx="2">
-            <a:schemeClr val="accent1">
-              <a:shade val="50000"/>
-            </a:schemeClr>
-          </a:lnRef>
-          <a:fillRef idx="1">
-            <a:schemeClr val="accent1"/>
-          </a:fillRef>
-          <a:effectRef idx="0">
-            <a:schemeClr val="accent1"/>
-          </a:effectRef>
-          <a:fontRef idx="minor">
-            <a:schemeClr val="lt1"/>
-          </a:fontRef>
-        </p:style>
-        <p:txBody>
-          <a:bodyPr rtlCol="0" anchor="ctr"/>
-          <a:lstStyle/>
-          <a:p>
-            <a:pPr algn="ctr"/>
-            <a:r>
-              <a:rPr lang="en-US" dirty="0" smtClean="0"/>
-              <a:t>Waiting=0</a:t>
-            </a:r>
-            <a:endParaRPr lang="en-US" dirty="0"/>
-          </a:p>
-        </p:txBody>
-      </p:sp>
-      <p:cxnSp>
-        <p:nvCxnSpPr>
-          <p:cNvPr id="9" name="Elbow Connector 8"/>
-          <p:cNvCxnSpPr>
-            <a:stCxn id="7" idx="3"/>
-            <a:endCxn id="4" idx="1"/>
-          </p:cNvCxnSpPr>
-          <p:nvPr/>
-        </p:nvCxnSpPr>
-        <p:spPr>
-          <a:xfrm>
-            <a:off x="5353594" y="1345471"/>
-            <a:ext cx="1800499" cy="1"/>
-          </a:xfrm>
-          <a:prstGeom prst="bentConnector3">
-            <a:avLst/>
-          </a:prstGeom>
-          <a:ln>
-            <a:tailEnd type="triangle"/>
-          </a:ln>
-        </p:spPr>
-        <p:style>
-          <a:lnRef idx="1">
-            <a:schemeClr val="accent1"/>
-          </a:lnRef>
-          <a:fillRef idx="0">
-            <a:schemeClr val="accent1"/>
-          </a:fillRef>
-          <a:effectRef idx="0">
-            <a:schemeClr val="accent1"/>
-          </a:effectRef>
-          <a:fontRef idx="minor">
-            <a:schemeClr val="tx1"/>
-          </a:fontRef>
-        </p:style>
-      </p:cxnSp>
-      <p:sp>
-        <p:nvSpPr>
-          <p:cNvPr id="14" name="Rectangle 13"/>
-          <p:cNvSpPr/>
-          <p:nvPr/>
-        </p:nvSpPr>
-        <p:spPr>
-          <a:xfrm>
-            <a:off x="13064" y="0"/>
-            <a:ext cx="4750018" cy="646331"/>
-          </a:xfrm>
-          <a:prstGeom prst="rect">
-            <a:avLst/>
-          </a:prstGeom>
-          <a:noFill/>
-        </p:spPr>
-        <p:txBody>
-          <a:bodyPr wrap="none" lIns="91440" tIns="45720" rIns="91440" bIns="45720">
-            <a:spAutoFit/>
-          </a:bodyPr>
-          <a:lstStyle/>
-          <a:p>
-            <a:pPr algn="ctr"/>
-            <a:r>
-              <a:rPr lang="en-US" sz="3600" dirty="0" smtClean="0">
-                <a:ln w="0"/>
-                <a:solidFill>
-                  <a:srgbClr val="0070C0"/>
-                </a:solidFill>
-                <a:effectLst>
-                  <a:outerShdw blurRad="38100" dist="25400" dir="5400000" algn="ctr" rotWithShape="0">
-                    <a:srgbClr val="6E747A">
-                      <a:alpha val="43000"/>
-                    </a:srgbClr>
-                  </a:outerShdw>
-                </a:effectLst>
-              </a:rPr>
-              <a:t>Manage shift schedule</a:t>
-            </a:r>
-            <a:endParaRPr lang="en-US" sz="3600" dirty="0">
-              <a:ln w="0"/>
-              <a:solidFill>
-                <a:srgbClr val="0070C0"/>
-              </a:solidFill>
-              <a:effectLst>
-                <a:outerShdw blurRad="38100" dist="25400" dir="5400000" algn="ctr" rotWithShape="0">
-                  <a:srgbClr val="6E747A">
-                    <a:alpha val="43000"/>
-                  </a:srgbClr>
-                </a:outerShdw>
-              </a:effectLst>
-            </a:endParaRPr>
-          </a:p>
-        </p:txBody>
-      </p:sp>
-      <p:sp>
-        <p:nvSpPr>
-          <p:cNvPr id="15" name="Flowchart: Decision 14"/>
-          <p:cNvSpPr/>
-          <p:nvPr/>
-        </p:nvSpPr>
-        <p:spPr>
-          <a:xfrm>
-            <a:off x="2521675" y="2534191"/>
-            <a:ext cx="3186249" cy="1188720"/>
-          </a:xfrm>
-          <a:prstGeom prst="flowChartDecision">
-            <a:avLst/>
-          </a:prstGeom>
-        </p:spPr>
-        <p:style>
-          <a:lnRef idx="2">
-            <a:schemeClr val="accent1">
-              <a:shade val="50000"/>
-            </a:schemeClr>
-          </a:lnRef>
-          <a:fillRef idx="1">
-            <a:schemeClr val="accent1"/>
-          </a:fillRef>
-          <a:effectRef idx="0">
-            <a:schemeClr val="accent1"/>
-          </a:effectRef>
-          <a:fontRef idx="minor">
-            <a:schemeClr val="lt1"/>
-          </a:fontRef>
-        </p:style>
-        <p:txBody>
-          <a:bodyPr rtlCol="0" anchor="ctr"/>
-          <a:lstStyle/>
-          <a:p>
-            <a:pPr algn="ctr"/>
-            <a:r>
-              <a:rPr lang="en-US" sz="1600" dirty="0" smtClean="0"/>
-              <a:t>Waiting=Posted</a:t>
-            </a:r>
-            <a:endParaRPr lang="en-US" sz="1600" dirty="0"/>
-          </a:p>
-        </p:txBody>
-      </p:sp>
-      <p:cxnSp>
-        <p:nvCxnSpPr>
-          <p:cNvPr id="17" name="Straight Arrow Connector 16"/>
-          <p:cNvCxnSpPr>
-            <a:stCxn id="7" idx="2"/>
-            <a:endCxn id="15" idx="0"/>
-          </p:cNvCxnSpPr>
-          <p:nvPr/>
-        </p:nvCxnSpPr>
-        <p:spPr>
-          <a:xfrm>
-            <a:off x="4114800" y="1939831"/>
-            <a:ext cx="0" cy="594360"/>
-          </a:xfrm>
-          <a:prstGeom prst="straightConnector1">
-            <a:avLst/>
-          </a:prstGeom>
-          <a:ln>
-            <a:tailEnd type="triangle"/>
-          </a:ln>
-        </p:spPr>
-        <p:style>
-          <a:lnRef idx="1">
-            <a:schemeClr val="accent1"/>
-          </a:lnRef>
-          <a:fillRef idx="0">
-            <a:schemeClr val="accent1"/>
-          </a:fillRef>
-          <a:effectRef idx="0">
-            <a:schemeClr val="accent1"/>
-          </a:effectRef>
-          <a:fontRef idx="minor">
-            <a:schemeClr val="tx1"/>
-          </a:fontRef>
-        </p:style>
-      </p:cxnSp>
-      <p:cxnSp>
-        <p:nvCxnSpPr>
-          <p:cNvPr id="19" name="Elbow Connector 18"/>
-          <p:cNvCxnSpPr>
-            <a:stCxn id="15" idx="3"/>
-            <a:endCxn id="5" idx="0"/>
-          </p:cNvCxnSpPr>
-          <p:nvPr/>
-        </p:nvCxnSpPr>
-        <p:spPr>
-          <a:xfrm>
-            <a:off x="5707924" y="3128551"/>
-            <a:ext cx="407672" cy="1691621"/>
-          </a:xfrm>
-          <a:prstGeom prst="bentConnector2">
-            <a:avLst/>
-          </a:prstGeom>
-          <a:ln>
-            <a:tailEnd type="triangle"/>
-          </a:ln>
-        </p:spPr>
-        <p:style>
-          <a:lnRef idx="1">
-            <a:schemeClr val="accent1"/>
-          </a:lnRef>
-          <a:fillRef idx="0">
-            <a:schemeClr val="accent1"/>
-          </a:fillRef>
-          <a:effectRef idx="0">
-            <a:schemeClr val="accent1"/>
-          </a:effectRef>
-          <a:fontRef idx="minor">
-            <a:schemeClr val="tx1"/>
-          </a:fontRef>
-        </p:style>
-      </p:cxnSp>
-      <p:cxnSp>
-        <p:nvCxnSpPr>
-          <p:cNvPr id="21" name="Elbow Connector 20"/>
-          <p:cNvCxnSpPr>
-            <a:stCxn id="15" idx="1"/>
-            <a:endCxn id="6" idx="0"/>
-          </p:cNvCxnSpPr>
-          <p:nvPr/>
-        </p:nvCxnSpPr>
-        <p:spPr>
-          <a:xfrm rot="10800000" flipV="1">
-            <a:off x="2247355" y="3128551"/>
-            <a:ext cx="274320" cy="1691632"/>
-          </a:xfrm>
-          <a:prstGeom prst="bentConnector2">
-            <a:avLst/>
-          </a:prstGeom>
-          <a:ln>
-            <a:tailEnd type="triangle"/>
-          </a:ln>
-        </p:spPr>
-        <p:style>
-          <a:lnRef idx="1">
-            <a:schemeClr val="accent1"/>
-          </a:lnRef>
-          <a:fillRef idx="0">
-            <a:schemeClr val="accent1"/>
-          </a:fillRef>
-          <a:effectRef idx="0">
-            <a:schemeClr val="accent1"/>
-          </a:effectRef>
-          <a:fontRef idx="minor">
-            <a:schemeClr val="tx1"/>
-          </a:fontRef>
-        </p:style>
-      </p:cxnSp>
-      <p:sp>
-        <p:nvSpPr>
-          <p:cNvPr id="23" name="TextBox 22"/>
-          <p:cNvSpPr txBox="1"/>
-          <p:nvPr/>
-        </p:nvSpPr>
-        <p:spPr>
-          <a:xfrm>
-            <a:off x="5430883" y="919143"/>
-            <a:ext cx="822960" cy="369332"/>
-          </a:xfrm>
-          <a:prstGeom prst="rect">
-            <a:avLst/>
-          </a:prstGeom>
-          <a:noFill/>
-        </p:spPr>
-        <p:txBody>
-          <a:bodyPr wrap="square" rtlCol="0">
-            <a:spAutoFit/>
-          </a:bodyPr>
-          <a:lstStyle/>
-          <a:p>
-            <a:r>
-              <a:rPr lang="en-US" dirty="0" smtClean="0"/>
-              <a:t>True</a:t>
-            </a:r>
-            <a:endParaRPr lang="en-US" dirty="0"/>
-          </a:p>
-        </p:txBody>
-      </p:sp>
-      <p:sp>
-        <p:nvSpPr>
-          <p:cNvPr id="24" name="TextBox 23"/>
-          <p:cNvSpPr txBox="1"/>
-          <p:nvPr/>
-        </p:nvSpPr>
-        <p:spPr>
-          <a:xfrm>
-            <a:off x="1835874" y="2646705"/>
-            <a:ext cx="822960" cy="369332"/>
-          </a:xfrm>
-          <a:prstGeom prst="rect">
-            <a:avLst/>
-          </a:prstGeom>
-          <a:noFill/>
-        </p:spPr>
-        <p:txBody>
-          <a:bodyPr wrap="square" rtlCol="0">
-            <a:spAutoFit/>
-          </a:bodyPr>
-          <a:lstStyle/>
-          <a:p>
-            <a:r>
-              <a:rPr lang="en-US" dirty="0" smtClean="0"/>
-              <a:t>True</a:t>
-            </a:r>
-            <a:endParaRPr lang="en-US" dirty="0"/>
-          </a:p>
-        </p:txBody>
-      </p:sp>
-      <p:sp>
-        <p:nvSpPr>
-          <p:cNvPr id="25" name="TextBox 24"/>
-          <p:cNvSpPr txBox="1"/>
-          <p:nvPr/>
-        </p:nvSpPr>
-        <p:spPr>
-          <a:xfrm>
-            <a:off x="4114799" y="1985548"/>
-            <a:ext cx="822960" cy="369332"/>
-          </a:xfrm>
-          <a:prstGeom prst="rect">
-            <a:avLst/>
-          </a:prstGeom>
-          <a:noFill/>
-        </p:spPr>
-        <p:txBody>
-          <a:bodyPr wrap="square" rtlCol="0">
-            <a:spAutoFit/>
-          </a:bodyPr>
-          <a:lstStyle/>
-          <a:p>
-            <a:r>
-              <a:rPr lang="en-US" dirty="0" smtClean="0"/>
-              <a:t>False</a:t>
-            </a:r>
-            <a:endParaRPr lang="en-US" dirty="0"/>
-          </a:p>
-        </p:txBody>
-      </p:sp>
-      <p:sp>
-        <p:nvSpPr>
-          <p:cNvPr id="26" name="TextBox 25"/>
-          <p:cNvSpPr txBox="1"/>
-          <p:nvPr/>
-        </p:nvSpPr>
-        <p:spPr>
-          <a:xfrm>
-            <a:off x="5661662" y="2669564"/>
-            <a:ext cx="822960" cy="369332"/>
-          </a:xfrm>
-          <a:prstGeom prst="rect">
-            <a:avLst/>
-          </a:prstGeom>
-          <a:noFill/>
-        </p:spPr>
-        <p:txBody>
-          <a:bodyPr wrap="square" rtlCol="0">
-            <a:spAutoFit/>
-          </a:bodyPr>
-          <a:lstStyle/>
-          <a:p>
-            <a:r>
-              <a:rPr lang="en-US" dirty="0" smtClean="0"/>
-              <a:t>False</a:t>
-            </a:r>
-            <a:endParaRPr lang="en-US" dirty="0"/>
-          </a:p>
-        </p:txBody>
-      </p:sp>
-    </p:spTree>
-    <p:extLst>
-      <p:ext uri="{BB962C8B-B14F-4D97-AF65-F5344CB8AC3E}">
-        <p14:creationId xmlns:p14="http://schemas.microsoft.com/office/powerpoint/2010/main" val="4165460299"/>
-      </p:ext>
-    </p:extLst>
-  </p:cSld>
-  <p:clrMapOvr>
-    <a:masterClrMapping/>
-  </p:clrMapOvr>
-</p:sld>
-</file>
-
-<file path=ppt/slides/slide24.xml><?xml version="1.0" encoding="utf-8"?>
-<p:sld xmlns:a="http://schemas.openxmlformats.org/drawingml/2006/main" xmlns:r="http://schemas.openxmlformats.org/officeDocument/2006/relationships" xmlns:p="http://schemas.openxmlformats.org/presentationml/2006/main">
-  <p:cSld>
-    <p:spTree>
-      <p:nvGrpSpPr>
-        <p:cNvPr id="1" name=""/>
-        <p:cNvGrpSpPr/>
-        <p:nvPr/>
-      </p:nvGrpSpPr>
-      <p:grpSpPr>
-        <a:xfrm>
-          <a:off x="0" y="0"/>
-          <a:ext cx="0" cy="0"/>
-          <a:chOff x="0" y="0"/>
-          <a:chExt cx="0" cy="0"/>
-        </a:xfrm>
-      </p:grpSpPr>
-      <p:sp>
-        <p:nvSpPr>
-          <p:cNvPr id="4" name="Rectangle 3"/>
-          <p:cNvSpPr/>
-          <p:nvPr/>
-        </p:nvSpPr>
-        <p:spPr>
-          <a:xfrm>
-            <a:off x="3762103" y="822956"/>
-            <a:ext cx="2076994" cy="966651"/>
-          </a:xfrm>
-          <a:prstGeom prst="rect">
-            <a:avLst/>
-          </a:prstGeom>
-          <a:solidFill>
-            <a:srgbClr val="FFC000"/>
-          </a:solidFill>
-        </p:spPr>
-        <p:style>
-          <a:lnRef idx="2">
-            <a:schemeClr val="accent1">
-              <a:shade val="50000"/>
-            </a:schemeClr>
-          </a:lnRef>
-          <a:fillRef idx="1">
-            <a:schemeClr val="accent1"/>
-          </a:fillRef>
-          <a:effectRef idx="0">
-            <a:schemeClr val="accent1"/>
-          </a:effectRef>
-          <a:fontRef idx="minor">
-            <a:schemeClr val="lt1"/>
-          </a:fontRef>
-        </p:style>
-        <p:txBody>
-          <a:bodyPr rtlCol="0" anchor="ctr"/>
-          <a:lstStyle/>
-          <a:p>
-            <a:pPr algn="ctr"/>
-            <a:r>
-              <a:rPr lang="en-US" dirty="0" smtClean="0"/>
-              <a:t>Waiting : Uncheck</a:t>
-            </a:r>
-            <a:endParaRPr lang="en-US" dirty="0"/>
-          </a:p>
-        </p:txBody>
-      </p:sp>
-      <p:sp>
-        <p:nvSpPr>
-          <p:cNvPr id="5" name="Rectangle 4"/>
-          <p:cNvSpPr/>
-          <p:nvPr/>
-        </p:nvSpPr>
-        <p:spPr>
-          <a:xfrm>
-            <a:off x="13064" y="0"/>
-            <a:ext cx="4750018" cy="646331"/>
-          </a:xfrm>
-          <a:prstGeom prst="rect">
-            <a:avLst/>
-          </a:prstGeom>
-          <a:noFill/>
-        </p:spPr>
-        <p:txBody>
-          <a:bodyPr wrap="none" lIns="91440" tIns="45720" rIns="91440" bIns="45720">
-            <a:spAutoFit/>
-          </a:bodyPr>
-          <a:lstStyle/>
-          <a:p>
-            <a:pPr algn="ctr"/>
-            <a:r>
-              <a:rPr lang="en-US" sz="3600" dirty="0" smtClean="0">
-                <a:ln w="0"/>
-                <a:solidFill>
-                  <a:srgbClr val="0070C0"/>
-                </a:solidFill>
-                <a:effectLst>
-                  <a:outerShdw blurRad="38100" dist="25400" dir="5400000" algn="ctr" rotWithShape="0">
-                    <a:srgbClr val="6E747A">
-                      <a:alpha val="43000"/>
-                    </a:srgbClr>
-                  </a:outerShdw>
-                </a:effectLst>
-              </a:rPr>
-              <a:t>Manage shift schedule</a:t>
-            </a:r>
-            <a:endParaRPr lang="en-US" sz="3600" dirty="0">
-              <a:ln w="0"/>
-              <a:solidFill>
-                <a:srgbClr val="0070C0"/>
-              </a:solidFill>
-              <a:effectLst>
-                <a:outerShdw blurRad="38100" dist="25400" dir="5400000" algn="ctr" rotWithShape="0">
-                  <a:srgbClr val="6E747A">
-                    <a:alpha val="43000"/>
-                  </a:srgbClr>
-                </a:outerShdw>
-              </a:effectLst>
-            </a:endParaRPr>
-          </a:p>
-        </p:txBody>
-      </p:sp>
-      <p:sp>
-        <p:nvSpPr>
-          <p:cNvPr id="6" name="Flowchart: Decision 5"/>
-          <p:cNvSpPr/>
-          <p:nvPr/>
-        </p:nvSpPr>
-        <p:spPr>
-          <a:xfrm>
-            <a:off x="3838303" y="2508066"/>
-            <a:ext cx="1924594" cy="960117"/>
-          </a:xfrm>
-          <a:prstGeom prst="flowChartDecision">
-            <a:avLst/>
-          </a:prstGeom>
-        </p:spPr>
-        <p:style>
-          <a:lnRef idx="2">
-            <a:schemeClr val="accent1">
-              <a:shade val="50000"/>
-            </a:schemeClr>
-          </a:lnRef>
-          <a:fillRef idx="1">
-            <a:schemeClr val="accent1"/>
-          </a:fillRef>
-          <a:effectRef idx="0">
-            <a:schemeClr val="accent1"/>
-          </a:effectRef>
-          <a:fontRef idx="minor">
-            <a:schemeClr val="lt1"/>
-          </a:fontRef>
-        </p:style>
-        <p:txBody>
-          <a:bodyPr rtlCol="0" anchor="ctr"/>
-          <a:lstStyle/>
-          <a:p>
-            <a:pPr algn="ctr"/>
-            <a:r>
-              <a:rPr lang="en-US" dirty="0" smtClean="0"/>
-              <a:t>Check</a:t>
-            </a:r>
-            <a:endParaRPr lang="en-US" dirty="0"/>
-          </a:p>
-        </p:txBody>
-      </p:sp>
-      <p:sp>
-        <p:nvSpPr>
-          <p:cNvPr id="7" name="Rectangle 6"/>
-          <p:cNvSpPr/>
-          <p:nvPr/>
-        </p:nvSpPr>
-        <p:spPr>
-          <a:xfrm>
-            <a:off x="6344195" y="4500148"/>
-            <a:ext cx="2076994" cy="966651"/>
-          </a:xfrm>
-          <a:prstGeom prst="rect">
-            <a:avLst/>
-          </a:prstGeom>
-          <a:solidFill>
-            <a:srgbClr val="C00000"/>
-          </a:solidFill>
-        </p:spPr>
-        <p:style>
-          <a:lnRef idx="2">
-            <a:schemeClr val="accent1">
-              <a:shade val="50000"/>
-            </a:schemeClr>
-          </a:lnRef>
-          <a:fillRef idx="1">
-            <a:schemeClr val="accent1"/>
-          </a:fillRef>
-          <a:effectRef idx="0">
-            <a:schemeClr val="accent1"/>
-          </a:effectRef>
-          <a:fontRef idx="minor">
-            <a:schemeClr val="lt1"/>
-          </a:fontRef>
-        </p:style>
-        <p:txBody>
-          <a:bodyPr rtlCol="0" anchor="ctr"/>
-          <a:lstStyle/>
-          <a:p>
-            <a:pPr algn="ctr"/>
-            <a:r>
-              <a:rPr lang="en-US" dirty="0" smtClean="0"/>
-              <a:t>Waiting = Posted</a:t>
-            </a:r>
-            <a:endParaRPr lang="en-US" dirty="0"/>
-          </a:p>
-        </p:txBody>
-      </p:sp>
-      <p:sp>
-        <p:nvSpPr>
-          <p:cNvPr id="9" name="Rectangle 8"/>
-          <p:cNvSpPr/>
-          <p:nvPr/>
-        </p:nvSpPr>
-        <p:spPr>
-          <a:xfrm>
-            <a:off x="1349576" y="4500148"/>
-            <a:ext cx="2076994" cy="966651"/>
-          </a:xfrm>
-          <a:prstGeom prst="rect">
-            <a:avLst/>
-          </a:prstGeom>
-          <a:solidFill>
-            <a:schemeClr val="accent6">
-              <a:lumMod val="75000"/>
-            </a:schemeClr>
-          </a:solidFill>
-        </p:spPr>
-        <p:style>
-          <a:lnRef idx="2">
-            <a:schemeClr val="accent1">
-              <a:shade val="50000"/>
-            </a:schemeClr>
-          </a:lnRef>
-          <a:fillRef idx="1">
-            <a:schemeClr val="accent1"/>
-          </a:fillRef>
-          <a:effectRef idx="0">
-            <a:schemeClr val="accent1"/>
-          </a:effectRef>
-          <a:fontRef idx="minor">
-            <a:schemeClr val="lt1"/>
-          </a:fontRef>
-        </p:style>
-        <p:txBody>
-          <a:bodyPr rtlCol="0" anchor="ctr"/>
-          <a:lstStyle/>
-          <a:p>
-            <a:pPr algn="ctr"/>
-            <a:r>
-              <a:rPr lang="en-US" dirty="0"/>
-              <a:t>Posted</a:t>
-            </a:r>
-            <a:r>
-              <a:rPr lang="en-US" dirty="0" smtClean="0"/>
-              <a:t> = </a:t>
-            </a:r>
-            <a:r>
-              <a:rPr lang="en-US" dirty="0"/>
-              <a:t>Waiting</a:t>
-            </a:r>
-          </a:p>
-        </p:txBody>
-      </p:sp>
-      <p:cxnSp>
-        <p:nvCxnSpPr>
-          <p:cNvPr id="11" name="Straight Arrow Connector 10"/>
-          <p:cNvCxnSpPr>
-            <a:stCxn id="4" idx="2"/>
-            <a:endCxn id="6" idx="0"/>
-          </p:cNvCxnSpPr>
-          <p:nvPr/>
-        </p:nvCxnSpPr>
-        <p:spPr>
-          <a:xfrm>
-            <a:off x="4800600" y="1789607"/>
-            <a:ext cx="0" cy="718459"/>
-          </a:xfrm>
-          <a:prstGeom prst="straightConnector1">
-            <a:avLst/>
-          </a:prstGeom>
-          <a:ln>
-            <a:tailEnd type="triangle"/>
-          </a:ln>
-        </p:spPr>
-        <p:style>
-          <a:lnRef idx="1">
-            <a:schemeClr val="accent1"/>
-          </a:lnRef>
-          <a:fillRef idx="0">
-            <a:schemeClr val="accent1"/>
-          </a:fillRef>
-          <a:effectRef idx="0">
-            <a:schemeClr val="accent1"/>
-          </a:effectRef>
-          <a:fontRef idx="minor">
-            <a:schemeClr val="tx1"/>
-          </a:fontRef>
-        </p:style>
-      </p:cxnSp>
-      <p:cxnSp>
-        <p:nvCxnSpPr>
-          <p:cNvPr id="13" name="Elbow Connector 12"/>
-          <p:cNvCxnSpPr>
-            <a:stCxn id="6" idx="1"/>
-            <a:endCxn id="9" idx="0"/>
-          </p:cNvCxnSpPr>
-          <p:nvPr/>
-        </p:nvCxnSpPr>
-        <p:spPr>
-          <a:xfrm rot="10800000" flipV="1">
-            <a:off x="2388073" y="2988124"/>
-            <a:ext cx="1450230" cy="1512023"/>
-          </a:xfrm>
-          <a:prstGeom prst="bentConnector2">
-            <a:avLst/>
-          </a:prstGeom>
-          <a:ln>
-            <a:tailEnd type="triangle"/>
-          </a:ln>
-        </p:spPr>
-        <p:style>
-          <a:lnRef idx="1">
-            <a:schemeClr val="accent1"/>
-          </a:lnRef>
-          <a:fillRef idx="0">
-            <a:schemeClr val="accent1"/>
-          </a:fillRef>
-          <a:effectRef idx="0">
-            <a:schemeClr val="accent1"/>
-          </a:effectRef>
-          <a:fontRef idx="minor">
-            <a:schemeClr val="tx1"/>
-          </a:fontRef>
-        </p:style>
-      </p:cxnSp>
-      <p:cxnSp>
-        <p:nvCxnSpPr>
-          <p:cNvPr id="15" name="Elbow Connector 14"/>
-          <p:cNvCxnSpPr>
-            <a:stCxn id="6" idx="3"/>
-            <a:endCxn id="7" idx="0"/>
-          </p:cNvCxnSpPr>
-          <p:nvPr/>
-        </p:nvCxnSpPr>
-        <p:spPr>
-          <a:xfrm>
-            <a:off x="5762897" y="2988125"/>
-            <a:ext cx="1619795" cy="1512023"/>
-          </a:xfrm>
-          <a:prstGeom prst="bentConnector2">
-            <a:avLst/>
-          </a:prstGeom>
-          <a:ln>
-            <a:tailEnd type="triangle"/>
-          </a:ln>
-        </p:spPr>
-        <p:style>
-          <a:lnRef idx="1">
-            <a:schemeClr val="accent1"/>
-          </a:lnRef>
-          <a:fillRef idx="0">
-            <a:schemeClr val="accent1"/>
-          </a:fillRef>
-          <a:effectRef idx="0">
-            <a:schemeClr val="accent1"/>
-          </a:effectRef>
-          <a:fontRef idx="minor">
-            <a:schemeClr val="tx1"/>
-          </a:fontRef>
-        </p:style>
-      </p:cxnSp>
-      <p:sp>
-        <p:nvSpPr>
-          <p:cNvPr id="16" name="TextBox 15"/>
-          <p:cNvSpPr txBox="1"/>
-          <p:nvPr/>
-        </p:nvSpPr>
-        <p:spPr>
-          <a:xfrm>
-            <a:off x="2603610" y="2508066"/>
-            <a:ext cx="962550" cy="369332"/>
-          </a:xfrm>
-          <a:prstGeom prst="rect">
-            <a:avLst/>
-          </a:prstGeom>
-          <a:noFill/>
-        </p:spPr>
-        <p:txBody>
-          <a:bodyPr wrap="square" rtlCol="0">
-            <a:spAutoFit/>
-          </a:bodyPr>
-          <a:lstStyle/>
-          <a:p>
-            <a:r>
-              <a:rPr lang="en-US"/>
-              <a:t>Accept</a:t>
-            </a:r>
-            <a:endParaRPr lang="en-US" dirty="0"/>
-          </a:p>
-        </p:txBody>
-      </p:sp>
-      <p:sp>
-        <p:nvSpPr>
-          <p:cNvPr id="17" name="TextBox 16"/>
-          <p:cNvSpPr txBox="1"/>
-          <p:nvPr/>
-        </p:nvSpPr>
-        <p:spPr>
-          <a:xfrm>
-            <a:off x="6572794" y="2537302"/>
-            <a:ext cx="809898" cy="369332"/>
-          </a:xfrm>
-          <a:prstGeom prst="rect">
-            <a:avLst/>
-          </a:prstGeom>
-          <a:noFill/>
-        </p:spPr>
-        <p:txBody>
-          <a:bodyPr wrap="square" rtlCol="0">
-            <a:spAutoFit/>
-          </a:bodyPr>
-          <a:lstStyle/>
-          <a:p>
-            <a:r>
-              <a:rPr lang="en-US" dirty="0" smtClean="0"/>
-              <a:t>Deny</a:t>
-            </a:r>
-            <a:endParaRPr lang="en-US" dirty="0"/>
-          </a:p>
-        </p:txBody>
-      </p:sp>
-    </p:spTree>
-    <p:extLst>
-      <p:ext uri="{BB962C8B-B14F-4D97-AF65-F5344CB8AC3E}">
-        <p14:creationId xmlns:p14="http://schemas.microsoft.com/office/powerpoint/2010/main" val="4116317270"/>
-      </p:ext>
-    </p:extLst>
-  </p:cSld>
-  <p:clrMapOvr>
-    <a:masterClrMapping/>
-  </p:clrMapOvr>
-</p:sld>
-</file>
-
-<file path=ppt/slides/slide25.xml><?xml version="1.0" encoding="utf-8"?>
-<p:sld xmlns:a="http://schemas.openxmlformats.org/drawingml/2006/main" xmlns:r="http://schemas.openxmlformats.org/officeDocument/2006/relationships" xmlns:p="http://schemas.openxmlformats.org/presentationml/2006/main">
-  <p:cSld>
-    <p:spTree>
-      <p:nvGrpSpPr>
-        <p:cNvPr id="1" name=""/>
-        <p:cNvGrpSpPr/>
-        <p:nvPr/>
-      </p:nvGrpSpPr>
-      <p:grpSpPr>
-        <a:xfrm>
-          <a:off x="0" y="0"/>
-          <a:ext cx="0" cy="0"/>
-          <a:chOff x="0" y="0"/>
-          <a:chExt cx="0" cy="0"/>
-        </a:xfrm>
-      </p:grpSpPr>
-      <p:sp>
-        <p:nvSpPr>
-          <p:cNvPr id="4" name="Rectangle 3"/>
-          <p:cNvSpPr/>
-          <p:nvPr/>
-        </p:nvSpPr>
-        <p:spPr>
-          <a:xfrm>
-            <a:off x="0" y="0"/>
-            <a:ext cx="5347939" cy="646331"/>
-          </a:xfrm>
-          <a:prstGeom prst="rect">
-            <a:avLst/>
-          </a:prstGeom>
-          <a:noFill/>
-        </p:spPr>
-        <p:txBody>
-          <a:bodyPr wrap="none" lIns="91440" tIns="45720" rIns="91440" bIns="45720">
-            <a:spAutoFit/>
-          </a:bodyPr>
-          <a:lstStyle/>
-          <a:p>
-            <a:pPr algn="ctr"/>
-            <a:r>
-              <a:rPr lang="en-US" sz="3600" dirty="0" smtClean="0">
-                <a:ln w="0"/>
-                <a:solidFill>
-                  <a:srgbClr val="0070C0"/>
-                </a:solidFill>
-                <a:effectLst>
-                  <a:outerShdw blurRad="38100" dist="25400" dir="5400000" algn="ctr" rotWithShape="0">
-                    <a:srgbClr val="6E747A">
-                      <a:alpha val="43000"/>
-                    </a:srgbClr>
-                  </a:outerShdw>
-                </a:effectLst>
-              </a:rPr>
-              <a:t>Manage mission schedule</a:t>
-            </a:r>
-            <a:endParaRPr lang="en-US" sz="3600" dirty="0">
-              <a:ln w="0"/>
-              <a:solidFill>
-                <a:srgbClr val="0070C0"/>
-              </a:solidFill>
-              <a:effectLst>
-                <a:outerShdw blurRad="38100" dist="25400" dir="5400000" algn="ctr" rotWithShape="0">
-                  <a:srgbClr val="6E747A">
-                    <a:alpha val="43000"/>
-                  </a:srgbClr>
-                </a:outerShdw>
-              </a:effectLst>
-            </a:endParaRPr>
-          </a:p>
-        </p:txBody>
-      </p:sp>
-      <p:pic>
-        <p:nvPicPr>
-          <p:cNvPr id="5" name="Picture 4"/>
-          <p:cNvPicPr>
-            <a:picLocks noChangeAspect="1"/>
-          </p:cNvPicPr>
-          <p:nvPr/>
-        </p:nvPicPr>
-        <p:blipFill>
-          <a:blip r:embed="rId2"/>
-          <a:stretch>
-            <a:fillRect/>
-          </a:stretch>
-        </p:blipFill>
-        <p:spPr>
-          <a:xfrm>
-            <a:off x="1927910" y="827385"/>
-            <a:ext cx="4913711" cy="5934750"/>
-          </a:xfrm>
-          <a:prstGeom prst="rect">
-            <a:avLst/>
-          </a:prstGeom>
-        </p:spPr>
-      </p:pic>
-    </p:spTree>
-    <p:extLst>
-      <p:ext uri="{BB962C8B-B14F-4D97-AF65-F5344CB8AC3E}">
-        <p14:creationId xmlns:p14="http://schemas.microsoft.com/office/powerpoint/2010/main" val="1254072777"/>
-      </p:ext>
-    </p:extLst>
-  </p:cSld>
-  <p:clrMapOvr>
-    <a:masterClrMapping/>
-  </p:clrMapOvr>
-</p:sld>
-</file>
-
-<file path=ppt/slides/slide26.xml><?xml version="1.0" encoding="utf-8"?>
 <p:sld xmlns:a="http://schemas.openxmlformats.org/drawingml/2006/main" xmlns:r="http://schemas.openxmlformats.org/officeDocument/2006/relationships" xmlns:p="http://schemas.openxmlformats.org/presentationml/2006/main">
   <p:cSld>
     <p:spTree>
@@ -11209,8 +10159,8 @@
         </p:nvSpPr>
         <p:spPr>
           <a:xfrm>
-            <a:off x="352697" y="211072"/>
-            <a:ext cx="3767378" cy="923330"/>
+            <a:off x="575099" y="211072"/>
+            <a:ext cx="4594528" cy="923330"/>
           </a:xfrm>
           <a:prstGeom prst="rect">
             <a:avLst/>
@@ -11238,7 +10188,23 @@
                   </a:outerShdw>
                 </a:effectLst>
               </a:rPr>
-              <a:t>Future plan</a:t>
+              <a:t>4. Future </a:t>
+            </a:r>
+            <a:r>
+              <a:rPr lang="en-US" sz="5400" dirty="0" smtClean="0">
+                <a:ln w="0"/>
+                <a:solidFill>
+                  <a:srgbClr val="0070C0"/>
+                </a:solidFill>
+                <a:effectLst>
+                  <a:outerShdw blurRad="38100" dist="25400" dir="5400000" algn="ctr" rotWithShape="0">
+                    <a:srgbClr val="6E747A">
+                      <a:alpha val="43000"/>
+                    </a:srgbClr>
+                  </a:outerShdw>
+                </a:effectLst>
+              </a:rPr>
+              <a:t>plan</a:t>
             </a:r>
             <a:endParaRPr lang="en-US" sz="5400" dirty="0">
               <a:ln w="0"/>
@@ -11685,7 +10651,7 @@
 </p:sld>
 </file>
 
-<file path=ppt/slides/slide27.xml><?xml version="1.0" encoding="utf-8"?>
+<file path=ppt/slides/slide23.xml><?xml version="1.0" encoding="utf-8"?>
 <p:sld xmlns:a="http://schemas.openxmlformats.org/drawingml/2006/main" xmlns:r="http://schemas.openxmlformats.org/officeDocument/2006/relationships" xmlns:p="http://schemas.openxmlformats.org/presentationml/2006/main">
   <p:cSld>
     <p:spTree>
@@ -11731,8 +10697,20 @@
           </a:p>
           <a:p>
             <a:r>
+              <a:rPr lang="en-US" sz="2800" dirty="0"/>
+              <a:t>- </a:t>
+            </a:r>
+            <a:r>
               <a:rPr lang="en-US" sz="2800" dirty="0" smtClean="0"/>
-              <a:t>- Schedule setting system more convenience. </a:t>
+              <a:t>Suggest </a:t>
+            </a:r>
+            <a:r>
+              <a:rPr lang="en-US" sz="2800" dirty="0"/>
+              <a:t>the most suitable work </a:t>
+            </a:r>
+            <a:r>
+              <a:rPr lang="en-US" sz="2800" dirty="0" smtClean="0"/>
+              <a:t>schedule for scheduler.</a:t>
             </a:r>
             <a:endParaRPr lang="en-US" sz="2800" dirty="0"/>
           </a:p>
@@ -11806,7 +10784,7 @@
 </p:sld>
 </file>
 
-<file path=ppt/slides/slide28.xml><?xml version="1.0" encoding="utf-8"?>
+<file path=ppt/slides/slide24.xml><?xml version="1.0" encoding="utf-8"?>
 <p:sld xmlns:a="http://schemas.openxmlformats.org/drawingml/2006/main" xmlns:r="http://schemas.openxmlformats.org/officeDocument/2006/relationships" xmlns:p="http://schemas.openxmlformats.org/presentationml/2006/main">
   <p:cSld>
     <p:spTree>
@@ -11936,7 +10914,7 @@
 </p:sld>
 </file>
 
-<file path=ppt/slides/slide29.xml><?xml version="1.0" encoding="utf-8"?>
+<file path=ppt/slides/slide25.xml><?xml version="1.0" encoding="utf-8"?>
 <p:sld xmlns:a="http://schemas.openxmlformats.org/drawingml/2006/main" xmlns:r="http://schemas.openxmlformats.org/officeDocument/2006/relationships" xmlns:p="http://schemas.openxmlformats.org/presentationml/2006/main">
   <p:cSld>
     <p:spTree>
@@ -12301,35 +11279,71 @@
       </p:grpSpPr>
       <p:sp>
         <p:nvSpPr>
-          <p:cNvPr id="4" name="Rectangle 3"/>
+          <p:cNvPr id="3" name="Rectangle 2"/>
           <p:cNvSpPr/>
           <p:nvPr/>
         </p:nvSpPr>
         <p:spPr>
           <a:xfrm>
-            <a:off x="1880591" y="2669568"/>
-            <a:ext cx="6759864" cy="1200329"/>
+            <a:off x="184907" y="1008992"/>
+            <a:ext cx="10588196" cy="1446550"/>
           </a:xfrm>
           <a:prstGeom prst="rect">
             <a:avLst/>
           </a:prstGeom>
-        </p:spPr>
-        <p:txBody>
-          <a:bodyPr wrap="none">
+          <a:noFill/>
+        </p:spPr>
+        <p:txBody>
+          <a:bodyPr wrap="square" lIns="91440" tIns="45720" rIns="91440" bIns="45720">
             <a:spAutoFit/>
           </a:bodyPr>
           <a:lstStyle/>
           <a:p>
-            <a:r>
-              <a:rPr lang="en-US" sz="7200" b="1" dirty="0" smtClean="0">
-                <a:latin typeface="Calibri" panose="020F0502020204030204" pitchFamily="34" charset="0"/>
-                <a:cs typeface="Calibri" panose="020F0502020204030204" pitchFamily="34" charset="0"/>
+            <a:pPr algn="ctr"/>
+            <a:r>
+              <a:rPr lang="en-US" sz="8800" b="1" cap="none" spc="0" dirty="0" smtClean="0">
+                <a:ln w="9525">
+                  <a:solidFill>
+                    <a:schemeClr val="bg1"/>
+                  </a:solidFill>
+                  <a:prstDash val="solid"/>
+                </a:ln>
+                <a:solidFill>
+                  <a:schemeClr val="accent1">
+                    <a:lumMod val="50000"/>
+                  </a:schemeClr>
+                </a:solidFill>
+                <a:effectLst>
+                  <a:outerShdw blurRad="12700" dist="38100" dir="2700000" algn="tl" rotWithShape="0">
+                    <a:schemeClr val="accent5">
+                      <a:lumMod val="60000"/>
+                      <a:lumOff val="40000"/>
+                    </a:schemeClr>
+                  </a:outerShdw>
+                </a:effectLst>
               </a:rPr>
-              <a:t>Current Situation</a:t>
-            </a:r>
-            <a:endParaRPr lang="en-US" sz="7200" b="1" dirty="0">
-              <a:latin typeface="Calibri" panose="020F0502020204030204" pitchFamily="34" charset="0"/>
-              <a:cs typeface="Calibri" panose="020F0502020204030204" pitchFamily="34" charset="0"/>
+              <a:t>1. Current situation</a:t>
+            </a:r>
+            <a:endParaRPr lang="en-US" sz="8800" b="1" cap="none" spc="0" dirty="0">
+              <a:ln w="9525">
+                <a:solidFill>
+                  <a:schemeClr val="bg1"/>
+                </a:solidFill>
+                <a:prstDash val="solid"/>
+              </a:ln>
+              <a:solidFill>
+                <a:schemeClr val="accent1">
+                  <a:lumMod val="50000"/>
+                </a:schemeClr>
+              </a:solidFill>
+              <a:effectLst>
+                <a:outerShdw blurRad="12700" dist="38100" dir="2700000" algn="tl" rotWithShape="0">
+                  <a:schemeClr val="accent5">
+                    <a:lumMod val="60000"/>
+                    <a:lumOff val="40000"/>
+                  </a:schemeClr>
+                </a:outerShdw>
+              </a:effectLst>
             </a:endParaRPr>
           </a:p>
         </p:txBody>
@@ -12490,8 +11504,8 @@
         </p:nvGrpSpPr>
         <p:grpSpPr>
           <a:xfrm>
-            <a:off x="1199742" y="2845751"/>
-            <a:ext cx="7330304" cy="1673996"/>
+            <a:off x="590141" y="2448910"/>
+            <a:ext cx="8711513" cy="1986754"/>
             <a:chOff x="0" y="0"/>
             <a:chExt cx="5595298" cy="1166599"/>
           </a:xfrm>
@@ -13909,36 +12923,6 @@
           <a:chExt cx="0" cy="0"/>
         </a:xfrm>
       </p:grpSpPr>
-      <p:sp>
-        <p:nvSpPr>
-          <p:cNvPr id="4" name="TextBox 3"/>
-          <p:cNvSpPr txBox="1"/>
-          <p:nvPr/>
-        </p:nvSpPr>
-        <p:spPr>
-          <a:xfrm>
-            <a:off x="1894115" y="1263525"/>
-            <a:ext cx="1933302" cy="369332"/>
-          </a:xfrm>
-          <a:prstGeom prst="rect">
-            <a:avLst/>
-          </a:prstGeom>
-          <a:noFill/>
-        </p:spPr>
-        <p:txBody>
-          <a:bodyPr wrap="square" rtlCol="0">
-            <a:spAutoFit/>
-          </a:bodyPr>
-          <a:lstStyle/>
-          <a:p>
-            <a:r>
-              <a:rPr lang="en-US" dirty="0" smtClean="0"/>
-              <a:t>Advantages</a:t>
-            </a:r>
-            <a:endParaRPr lang="en-US" dirty="0"/>
-          </a:p>
-        </p:txBody>
-      </p:sp>
       <p:cxnSp>
         <p:nvCxnSpPr>
           <p:cNvPr id="6" name="Straight Connector 5"/>
@@ -13971,14 +12955,178 @@
       </p:cxnSp>
       <p:sp>
         <p:nvSpPr>
-          <p:cNvPr id="8" name="TextBox 7"/>
-          <p:cNvSpPr txBox="1"/>
+          <p:cNvPr id="2" name="Rectangle 1"/>
+          <p:cNvSpPr/>
           <p:nvPr/>
         </p:nvSpPr>
         <p:spPr>
           <a:xfrm>
-            <a:off x="6814459" y="1263525"/>
-            <a:ext cx="1933302" cy="369332"/>
+            <a:off x="346842" y="2090982"/>
+            <a:ext cx="4424855" cy="2322174"/>
+          </a:xfrm>
+          <a:prstGeom prst="rect">
+            <a:avLst/>
+          </a:prstGeom>
+        </p:spPr>
+        <p:txBody>
+          <a:bodyPr wrap="square">
+            <a:spAutoFit/>
+          </a:bodyPr>
+          <a:lstStyle/>
+          <a:p>
+            <a:pPr marL="342900" marR="0" lvl="0" indent="-342900">
+              <a:lnSpc>
+                <a:spcPct val="115000"/>
+              </a:lnSpc>
+              <a:spcBef>
+                <a:spcPts val="0"/>
+              </a:spcBef>
+              <a:spcAft>
+                <a:spcPts val="0"/>
+              </a:spcAft>
+              <a:buFont typeface="Calibri" panose="020F0502020204030204" pitchFamily="34" charset="0"/>
+              <a:buChar char="-"/>
+            </a:pPr>
+            <a:r>
+              <a:rPr lang="en-US" dirty="0">
+                <a:latin typeface="Cambria" panose="02040503050406030204" pitchFamily="18" charset="0"/>
+                <a:ea typeface="MS Mincho" panose="02020609040205080304" pitchFamily="49" charset="-128"/>
+                <a:cs typeface="Times New Roman" panose="02020603050405020304" pitchFamily="18" charset="0"/>
+              </a:rPr>
+              <a:t>Incorporation of hospital management procedures and portals. The application can be accessed via the internet</a:t>
+            </a:r>
+            <a:endParaRPr lang="en-US" dirty="0">
+              <a:latin typeface="Calibri" panose="020F0502020204030204" pitchFamily="34" charset="0"/>
+              <a:ea typeface="MS Mincho" panose="02020609040205080304" pitchFamily="49" charset="-128"/>
+              <a:cs typeface="Times New Roman" panose="02020603050405020304" pitchFamily="18" charset="0"/>
+            </a:endParaRPr>
+          </a:p>
+          <a:p>
+            <a:pPr marL="342900" marR="0" lvl="0" indent="-342900">
+              <a:lnSpc>
+                <a:spcPct val="115000"/>
+              </a:lnSpc>
+              <a:spcBef>
+                <a:spcPts val="0"/>
+              </a:spcBef>
+              <a:spcAft>
+                <a:spcPts val="0"/>
+              </a:spcAft>
+              <a:buFont typeface="Calibri" panose="020F0502020204030204" pitchFamily="34" charset="0"/>
+              <a:buChar char="-"/>
+            </a:pPr>
+            <a:r>
+              <a:rPr lang="en-US" dirty="0">
+                <a:latin typeface="Cambria" panose="02040503050406030204" pitchFamily="18" charset="0"/>
+                <a:ea typeface="MS Mincho" panose="02020609040205080304" pitchFamily="49" charset="-128"/>
+                <a:cs typeface="Times New Roman" panose="02020603050405020304" pitchFamily="18" charset="0"/>
+              </a:rPr>
+              <a:t>Accuracy and instantaneous.</a:t>
+            </a:r>
+            <a:endParaRPr lang="en-US" dirty="0">
+              <a:latin typeface="Calibri" panose="020F0502020204030204" pitchFamily="34" charset="0"/>
+              <a:ea typeface="MS Mincho" panose="02020609040205080304" pitchFamily="49" charset="-128"/>
+              <a:cs typeface="Times New Roman" panose="02020603050405020304" pitchFamily="18" charset="0"/>
+            </a:endParaRPr>
+          </a:p>
+          <a:p>
+            <a:pPr marL="342900" marR="0" lvl="0" indent="-342900">
+              <a:lnSpc>
+                <a:spcPct val="115000"/>
+              </a:lnSpc>
+              <a:spcBef>
+                <a:spcPts val="0"/>
+              </a:spcBef>
+              <a:spcAft>
+                <a:spcPts val="1000"/>
+              </a:spcAft>
+              <a:buFont typeface="Calibri" panose="020F0502020204030204" pitchFamily="34" charset="0"/>
+              <a:buChar char="-"/>
+            </a:pPr>
+            <a:r>
+              <a:rPr lang="en-US" dirty="0" smtClean="0">
+                <a:latin typeface="Cambria" panose="02040503050406030204" pitchFamily="18" charset="0"/>
+                <a:ea typeface="MS Mincho" panose="02020609040205080304" pitchFamily="49" charset="-128"/>
+                <a:cs typeface="Times New Roman" panose="02020603050405020304" pitchFamily="18" charset="0"/>
+              </a:rPr>
+              <a:t>Synchronization and </a:t>
+            </a:r>
+            <a:r>
+              <a:rPr lang="en-US" dirty="0">
+                <a:latin typeface="Cambria" panose="02040503050406030204" pitchFamily="18" charset="0"/>
+                <a:ea typeface="MS Mincho" panose="02020609040205080304" pitchFamily="49" charset="-128"/>
+                <a:cs typeface="Times New Roman" panose="02020603050405020304" pitchFamily="18" charset="0"/>
+              </a:rPr>
+              <a:t>automation, reducing administrative procedures and human resources. </a:t>
+            </a:r>
+            <a:endParaRPr lang="en-US" dirty="0">
+              <a:latin typeface="Calibri" panose="020F0502020204030204" pitchFamily="34" charset="0"/>
+              <a:ea typeface="MS Mincho" panose="02020609040205080304" pitchFamily="49" charset="-128"/>
+              <a:cs typeface="Times New Roman" panose="02020603050405020304" pitchFamily="18" charset="0"/>
+            </a:endParaRPr>
+          </a:p>
+        </p:txBody>
+      </p:sp>
+      <p:sp>
+        <p:nvSpPr>
+          <p:cNvPr id="3" name="Rectangle 2"/>
+          <p:cNvSpPr/>
+          <p:nvPr/>
+        </p:nvSpPr>
+        <p:spPr>
+          <a:xfrm>
+            <a:off x="5507421" y="2090982"/>
+            <a:ext cx="4056993" cy="1047979"/>
+          </a:xfrm>
+          <a:prstGeom prst="rect">
+            <a:avLst/>
+          </a:prstGeom>
+        </p:spPr>
+        <p:txBody>
+          <a:bodyPr wrap="square">
+            <a:spAutoFit/>
+          </a:bodyPr>
+          <a:lstStyle/>
+          <a:p>
+            <a:pPr marL="342900" marR="0" lvl="0" indent="-342900" algn="just">
+              <a:lnSpc>
+                <a:spcPct val="115000"/>
+              </a:lnSpc>
+              <a:spcBef>
+                <a:spcPts val="0"/>
+              </a:spcBef>
+              <a:spcAft>
+                <a:spcPts val="1000"/>
+              </a:spcAft>
+              <a:buFont typeface="Calibri" panose="020F0502020204030204" pitchFamily="34" charset="0"/>
+              <a:buChar char="-"/>
+            </a:pPr>
+            <a:r>
+              <a:rPr lang="en-US" dirty="0">
+                <a:latin typeface="Cambria" panose="02040503050406030204" pitchFamily="18" charset="0"/>
+                <a:ea typeface="MS Mincho" panose="02020609040205080304" pitchFamily="49" charset="-128"/>
+                <a:cs typeface="Times New Roman" panose="02020603050405020304" pitchFamily="18" charset="0"/>
+              </a:rPr>
+              <a:t>The hospital costs a certain amount of money to maintain the system (server, host).</a:t>
+            </a:r>
+            <a:endParaRPr lang="en-US" dirty="0">
+              <a:latin typeface="Calibri" panose="020F0502020204030204" pitchFamily="34" charset="0"/>
+              <a:ea typeface="MS Mincho" panose="02020609040205080304" pitchFamily="49" charset="-128"/>
+              <a:cs typeface="Times New Roman" panose="02020603050405020304" pitchFamily="18" charset="0"/>
+            </a:endParaRPr>
+          </a:p>
+        </p:txBody>
+      </p:sp>
+      <p:sp>
+        <p:nvSpPr>
+          <p:cNvPr id="5" name="Rectangle 4"/>
+          <p:cNvSpPr/>
+          <p:nvPr/>
+        </p:nvSpPr>
+        <p:spPr>
+          <a:xfrm>
+            <a:off x="1191326" y="994045"/>
+            <a:ext cx="3179075" cy="769441"/>
           </a:xfrm>
           <a:prstGeom prst="rect">
             <a:avLst/>
@@ -13986,16 +13134,152 @@
           <a:noFill/>
         </p:spPr>
         <p:txBody>
-          <a:bodyPr wrap="square" rtlCol="0">
+          <a:bodyPr wrap="none" lIns="91440" tIns="45720" rIns="91440" bIns="45720">
             <a:spAutoFit/>
           </a:bodyPr>
           <a:lstStyle/>
           <a:p>
-            <a:r>
-              <a:rPr lang="en-US" dirty="0" smtClean="0"/>
-              <a:t>Disadvantages</a:t>
-            </a:r>
-            <a:endParaRPr lang="en-US" dirty="0"/>
+            <a:pPr algn="ctr"/>
+            <a:r>
+              <a:rPr lang="en-US" sz="4400" b="1" cap="none" spc="0" dirty="0" smtClean="0">
+                <a:ln w="9525">
+                  <a:solidFill>
+                    <a:schemeClr val="bg1"/>
+                  </a:solidFill>
+                  <a:prstDash val="solid"/>
+                </a:ln>
+                <a:solidFill>
+                  <a:schemeClr val="accent1">
+                    <a:lumMod val="50000"/>
+                  </a:schemeClr>
+                </a:solidFill>
+                <a:effectLst>
+                  <a:outerShdw blurRad="12700" dist="38100" dir="2700000" algn="tl" rotWithShape="0">
+                    <a:schemeClr val="accent5">
+                      <a:lumMod val="60000"/>
+                      <a:lumOff val="40000"/>
+                    </a:schemeClr>
+                  </a:outerShdw>
+                </a:effectLst>
+              </a:rPr>
+              <a:t>Advantages</a:t>
+            </a:r>
+            <a:endParaRPr lang="en-US" sz="4400" b="1" cap="none" spc="0" dirty="0">
+              <a:ln w="9525">
+                <a:solidFill>
+                  <a:schemeClr val="bg1"/>
+                </a:solidFill>
+                <a:prstDash val="solid"/>
+              </a:ln>
+              <a:solidFill>
+                <a:schemeClr val="accent1">
+                  <a:lumMod val="50000"/>
+                </a:schemeClr>
+              </a:solidFill>
+              <a:effectLst>
+                <a:outerShdw blurRad="12700" dist="38100" dir="2700000" algn="tl" rotWithShape="0">
+                  <a:schemeClr val="accent5">
+                    <a:lumMod val="60000"/>
+                    <a:lumOff val="40000"/>
+                  </a:schemeClr>
+                </a:outerShdw>
+              </a:effectLst>
+            </a:endParaRPr>
+          </a:p>
+        </p:txBody>
+      </p:sp>
+      <p:sp>
+        <p:nvSpPr>
+          <p:cNvPr id="9" name="Rectangle 8"/>
+          <p:cNvSpPr/>
+          <p:nvPr/>
+        </p:nvSpPr>
+        <p:spPr>
+          <a:xfrm>
+            <a:off x="5913720" y="1000118"/>
+            <a:ext cx="3897222" cy="769441"/>
+          </a:xfrm>
+          <a:prstGeom prst="rect">
+            <a:avLst/>
+          </a:prstGeom>
+          <a:noFill/>
+        </p:spPr>
+        <p:txBody>
+          <a:bodyPr wrap="none" lIns="91440" tIns="45720" rIns="91440" bIns="45720">
+            <a:spAutoFit/>
+          </a:bodyPr>
+          <a:lstStyle/>
+          <a:p>
+            <a:pPr algn="ctr"/>
+            <a:r>
+              <a:rPr lang="en-US" sz="4400" b="1" dirty="0" smtClean="0">
+                <a:ln w="9525">
+                  <a:solidFill>
+                    <a:schemeClr val="bg1"/>
+                  </a:solidFill>
+                  <a:prstDash val="solid"/>
+                </a:ln>
+                <a:solidFill>
+                  <a:schemeClr val="accent1">
+                    <a:lumMod val="50000"/>
+                  </a:schemeClr>
+                </a:solidFill>
+                <a:effectLst>
+                  <a:outerShdw blurRad="12700" dist="38100" dir="2700000" algn="tl" rotWithShape="0">
+                    <a:schemeClr val="accent5">
+                      <a:lumMod val="60000"/>
+                      <a:lumOff val="40000"/>
+                    </a:schemeClr>
+                  </a:outerShdw>
+                </a:effectLst>
+              </a:rPr>
+              <a:t>Disa</a:t>
+            </a:r>
+            <a:r>
+              <a:rPr lang="en-US" sz="4400" b="1" cap="none" spc="0" dirty="0" smtClean="0">
+                <a:ln w="9525">
+                  <a:solidFill>
+                    <a:schemeClr val="bg1"/>
+                  </a:solidFill>
+                  <a:prstDash val="solid"/>
+                </a:ln>
+                <a:solidFill>
+                  <a:schemeClr val="accent1">
+                    <a:lumMod val="50000"/>
+                  </a:schemeClr>
+                </a:solidFill>
+                <a:effectLst>
+                  <a:outerShdw blurRad="12700" dist="38100" dir="2700000" algn="tl" rotWithShape="0">
+                    <a:schemeClr val="accent5">
+                      <a:lumMod val="60000"/>
+                      <a:lumOff val="40000"/>
+                    </a:schemeClr>
+                  </a:outerShdw>
+                </a:effectLst>
+              </a:rPr>
+              <a:t>dvantages</a:t>
+            </a:r>
+            <a:endParaRPr lang="en-US" sz="4400" b="1" cap="none" spc="0" dirty="0">
+              <a:ln w="9525">
+                <a:solidFill>
+                  <a:schemeClr val="bg1"/>
+                </a:solidFill>
+                <a:prstDash val="solid"/>
+              </a:ln>
+              <a:solidFill>
+                <a:schemeClr val="accent1">
+                  <a:lumMod val="50000"/>
+                </a:schemeClr>
+              </a:solidFill>
+              <a:effectLst>
+                <a:outerShdw blurRad="12700" dist="38100" dir="2700000" algn="tl" rotWithShape="0">
+                  <a:schemeClr val="accent5">
+                    <a:lumMod val="60000"/>
+                    <a:lumOff val="40000"/>
+                  </a:schemeClr>
+                </a:outerShdw>
+              </a:effectLst>
+            </a:endParaRPr>
           </a:p>
         </p:txBody>
       </p:sp>
@@ -14038,32 +13322,72 @@
       </p:grpSpPr>
       <p:sp>
         <p:nvSpPr>
-          <p:cNvPr id="4" name="Rectangle 3"/>
+          <p:cNvPr id="3" name="Rectangle 2"/>
           <p:cNvSpPr/>
           <p:nvPr/>
         </p:nvSpPr>
         <p:spPr>
           <a:xfrm>
-            <a:off x="2781928" y="2578128"/>
-            <a:ext cx="5190780" cy="1200329"/>
+            <a:off x="549422" y="668224"/>
+            <a:ext cx="8751114" cy="1569660"/>
           </a:xfrm>
           <a:prstGeom prst="rect">
             <a:avLst/>
           </a:prstGeom>
-        </p:spPr>
-        <p:txBody>
-          <a:bodyPr wrap="none">
+          <a:noFill/>
+        </p:spPr>
+        <p:txBody>
+          <a:bodyPr wrap="none" lIns="91440" tIns="45720" rIns="91440" bIns="45720">
             <a:spAutoFit/>
           </a:bodyPr>
           <a:lstStyle/>
           <a:p>
-            <a:r>
-              <a:rPr lang="en-US" sz="7200" b="1" dirty="0">
-                <a:latin typeface="Calibri" panose="020F0502020204030204" pitchFamily="34" charset="0"/>
-                <a:cs typeface="Calibri" panose="020F0502020204030204" pitchFamily="34" charset="0"/>
+            <a:pPr algn="ctr"/>
+            <a:r>
+              <a:rPr lang="en-US" sz="9600" b="1" cap="none" spc="0" dirty="0" smtClean="0">
+                <a:ln w="9525">
+                  <a:solidFill>
+                    <a:schemeClr val="bg1"/>
+                  </a:solidFill>
+                  <a:prstDash val="solid"/>
+                </a:ln>
+                <a:solidFill>
+                  <a:schemeClr val="accent1">
+                    <a:lumMod val="50000"/>
+                  </a:schemeClr>
+                </a:solidFill>
+                <a:effectLst>
+                  <a:outerShdw blurRad="12700" dist="38100" dir="2700000" algn="tl" rotWithShape="0">
+                    <a:schemeClr val="accent5">
+                      <a:lumMod val="60000"/>
+                      <a:lumOff val="40000"/>
+                    </a:schemeClr>
+                  </a:outerShdw>
+                </a:effectLst>
               </a:rPr>
-              <a:t>Our Proposal</a:t>
-            </a:r>
+              <a:t>2.Our proposal</a:t>
+            </a:r>
+            <a:endParaRPr lang="en-US" sz="9600" b="1" cap="none" spc="0" dirty="0">
+              <a:ln w="9525">
+                <a:solidFill>
+                  <a:schemeClr val="bg1"/>
+                </a:solidFill>
+                <a:prstDash val="solid"/>
+              </a:ln>
+              <a:solidFill>
+                <a:schemeClr val="accent1">
+                  <a:lumMod val="50000"/>
+                </a:schemeClr>
+              </a:solidFill>
+              <a:effectLst>
+                <a:outerShdw blurRad="12700" dist="38100" dir="2700000" algn="tl" rotWithShape="0">
+                  <a:schemeClr val="accent5">
+                    <a:lumMod val="60000"/>
+                    <a:lumOff val="40000"/>
+                  </a:schemeClr>
+                </a:outerShdw>
+              </a:effectLst>
+            </a:endParaRPr>
           </a:p>
         </p:txBody>
       </p:sp>

--- a/Hospital.pptx
+++ b/Hospital.pptx
@@ -4,6 +4,9 @@
   <p:sldMasterIdLst>
     <p:sldMasterId id="2147483677" r:id="rId1"/>
   </p:sldMasterIdLst>
+  <p:notesMasterIdLst>
+    <p:notesMasterId r:id="rId32"/>
+  </p:notesMasterIdLst>
   <p:sldIdLst>
     <p:sldId id="256" r:id="rId2"/>
     <p:sldId id="257" r:id="rId3"/>
@@ -12,24 +15,29 @@
     <p:sldId id="260" r:id="rId6"/>
     <p:sldId id="261" r:id="rId7"/>
     <p:sldId id="262" r:id="rId8"/>
-    <p:sldId id="263" r:id="rId9"/>
-    <p:sldId id="264" r:id="rId10"/>
-    <p:sldId id="268" r:id="rId11"/>
-    <p:sldId id="265" r:id="rId12"/>
-    <p:sldId id="266" r:id="rId13"/>
-    <p:sldId id="267" r:id="rId14"/>
-    <p:sldId id="269" r:id="rId15"/>
-    <p:sldId id="270" r:id="rId16"/>
-    <p:sldId id="271" r:id="rId17"/>
+    <p:sldId id="264" r:id="rId9"/>
+    <p:sldId id="268" r:id="rId10"/>
+    <p:sldId id="283" r:id="rId11"/>
+    <p:sldId id="284" r:id="rId12"/>
+    <p:sldId id="269" r:id="rId13"/>
+    <p:sldId id="265" r:id="rId14"/>
+    <p:sldId id="270" r:id="rId15"/>
+    <p:sldId id="266" r:id="rId16"/>
+    <p:sldId id="267" r:id="rId17"/>
     <p:sldId id="273" r:id="rId18"/>
     <p:sldId id="274" r:id="rId19"/>
-    <p:sldId id="275" r:id="rId20"/>
-    <p:sldId id="281" r:id="rId21"/>
-    <p:sldId id="280" r:id="rId22"/>
-    <p:sldId id="276" r:id="rId23"/>
-    <p:sldId id="278" r:id="rId24"/>
-    <p:sldId id="277" r:id="rId25"/>
-    <p:sldId id="279" r:id="rId26"/>
+    <p:sldId id="281" r:id="rId20"/>
+    <p:sldId id="282" r:id="rId21"/>
+    <p:sldId id="285" r:id="rId22"/>
+    <p:sldId id="286" r:id="rId23"/>
+    <p:sldId id="287" r:id="rId24"/>
+    <p:sldId id="263" r:id="rId25"/>
+    <p:sldId id="280" r:id="rId26"/>
+    <p:sldId id="276" r:id="rId27"/>
+    <p:sldId id="288" r:id="rId28"/>
+    <p:sldId id="278" r:id="rId29"/>
+    <p:sldId id="277" r:id="rId30"/>
+    <p:sldId id="279" r:id="rId31"/>
   </p:sldIdLst>
   <p:sldSz cx="12192000" cy="6858000"/>
   <p:notesSz cx="6858000" cy="9144000"/>
@@ -134,6 +142,540 @@
     </p:ext>
   </p:extLst>
 </p:presentation>
+</file>
+
+<file path=ppt/notesMasters/notesMaster1.xml><?xml version="1.0" encoding="utf-8"?>
+<p:notesMaster xmlns:a="http://schemas.openxmlformats.org/drawingml/2006/main" xmlns:r="http://schemas.openxmlformats.org/officeDocument/2006/relationships" xmlns:p="http://schemas.openxmlformats.org/presentationml/2006/main">
+  <p:cSld>
+    <p:bg>
+      <p:bgRef idx="1001">
+        <a:schemeClr val="bg1"/>
+      </p:bgRef>
+    </p:bg>
+    <p:spTree>
+      <p:nvGrpSpPr>
+        <p:cNvPr id="1" name=""/>
+        <p:cNvGrpSpPr/>
+        <p:nvPr/>
+      </p:nvGrpSpPr>
+      <p:grpSpPr>
+        <a:xfrm>
+          <a:off x="0" y="0"/>
+          <a:ext cx="0" cy="0"/>
+          <a:chOff x="0" y="0"/>
+          <a:chExt cx="0" cy="0"/>
+        </a:xfrm>
+      </p:grpSpPr>
+      <p:sp>
+        <p:nvSpPr>
+          <p:cNvPr id="2" name="Header Placeholder 1"/>
+          <p:cNvSpPr>
+            <a:spLocks noGrp="1"/>
+          </p:cNvSpPr>
+          <p:nvPr>
+            <p:ph type="hdr" sz="quarter"/>
+          </p:nvPr>
+        </p:nvSpPr>
+        <p:spPr>
+          <a:xfrm>
+            <a:off x="0" y="0"/>
+            <a:ext cx="2971800" cy="458788"/>
+          </a:xfrm>
+          <a:prstGeom prst="rect">
+            <a:avLst/>
+          </a:prstGeom>
+        </p:spPr>
+        <p:txBody>
+          <a:bodyPr vert="horz" lIns="91440" tIns="45720" rIns="91440" bIns="45720" rtlCol="0"/>
+          <a:lstStyle>
+            <a:lvl1pPr algn="l">
+              <a:defRPr sz="1200"/>
+            </a:lvl1pPr>
+          </a:lstStyle>
+          <a:p>
+            <a:endParaRPr lang="en-US"/>
+          </a:p>
+        </p:txBody>
+      </p:sp>
+      <p:sp>
+        <p:nvSpPr>
+          <p:cNvPr id="3" name="Date Placeholder 2"/>
+          <p:cNvSpPr>
+            <a:spLocks noGrp="1"/>
+          </p:cNvSpPr>
+          <p:nvPr>
+            <p:ph type="dt" idx="1"/>
+          </p:nvPr>
+        </p:nvSpPr>
+        <p:spPr>
+          <a:xfrm>
+            <a:off x="3884613" y="0"/>
+            <a:ext cx="2971800" cy="458788"/>
+          </a:xfrm>
+          <a:prstGeom prst="rect">
+            <a:avLst/>
+          </a:prstGeom>
+        </p:spPr>
+        <p:txBody>
+          <a:bodyPr vert="horz" lIns="91440" tIns="45720" rIns="91440" bIns="45720" rtlCol="0"/>
+          <a:lstStyle>
+            <a:lvl1pPr algn="r">
+              <a:defRPr sz="1200"/>
+            </a:lvl1pPr>
+          </a:lstStyle>
+          <a:p>
+            <a:fld id="{CCE3AD31-3D96-47D2-AAC4-E324E5FFCB68}" type="datetimeFigureOut">
+              <a:rPr lang="en-US" smtClean="0"/>
+              <a:t>16-04-2018</a:t>
+            </a:fld>
+            <a:endParaRPr lang="en-US"/>
+          </a:p>
+        </p:txBody>
+      </p:sp>
+      <p:sp>
+        <p:nvSpPr>
+          <p:cNvPr id="4" name="Slide Image Placeholder 3"/>
+          <p:cNvSpPr>
+            <a:spLocks noGrp="1" noRot="1" noChangeAspect="1"/>
+          </p:cNvSpPr>
+          <p:nvPr>
+            <p:ph type="sldImg" idx="2"/>
+          </p:nvPr>
+        </p:nvSpPr>
+        <p:spPr>
+          <a:xfrm>
+            <a:off x="685800" y="1143000"/>
+            <a:ext cx="5486400" cy="3086100"/>
+          </a:xfrm>
+          <a:prstGeom prst="rect">
+            <a:avLst/>
+          </a:prstGeom>
+          <a:noFill/>
+          <a:ln w="12700">
+            <a:solidFill>
+              <a:prstClr val="black"/>
+            </a:solidFill>
+          </a:ln>
+        </p:spPr>
+        <p:txBody>
+          <a:bodyPr vert="horz" lIns="91440" tIns="45720" rIns="91440" bIns="45720" rtlCol="0" anchor="ctr"/>
+          <a:lstStyle/>
+          <a:p>
+            <a:endParaRPr lang="en-US"/>
+          </a:p>
+        </p:txBody>
+      </p:sp>
+      <p:sp>
+        <p:nvSpPr>
+          <p:cNvPr id="5" name="Notes Placeholder 4"/>
+          <p:cNvSpPr>
+            <a:spLocks noGrp="1"/>
+          </p:cNvSpPr>
+          <p:nvPr>
+            <p:ph type="body" sz="quarter" idx="3"/>
+          </p:nvPr>
+        </p:nvSpPr>
+        <p:spPr>
+          <a:xfrm>
+            <a:off x="685800" y="4400550"/>
+            <a:ext cx="5486400" cy="3600450"/>
+          </a:xfrm>
+          <a:prstGeom prst="rect">
+            <a:avLst/>
+          </a:prstGeom>
+        </p:spPr>
+        <p:txBody>
+          <a:bodyPr vert="horz" lIns="91440" tIns="45720" rIns="91440" bIns="45720" rtlCol="0"/>
+          <a:lstStyle/>
+          <a:p>
+            <a:pPr lvl="0"/>
+            <a:r>
+              <a:rPr lang="en-US" smtClean="0"/>
+              <a:t>Edit Master text styles</a:t>
+            </a:r>
+          </a:p>
+          <a:p>
+            <a:pPr lvl="1"/>
+            <a:r>
+              <a:rPr lang="en-US" smtClean="0"/>
+              <a:t>Second level</a:t>
+            </a:r>
+          </a:p>
+          <a:p>
+            <a:pPr lvl="2"/>
+            <a:r>
+              <a:rPr lang="en-US" smtClean="0"/>
+              <a:t>Third level</a:t>
+            </a:r>
+          </a:p>
+          <a:p>
+            <a:pPr lvl="3"/>
+            <a:r>
+              <a:rPr lang="en-US" smtClean="0"/>
+              <a:t>Fourth level</a:t>
+            </a:r>
+          </a:p>
+          <a:p>
+            <a:pPr lvl="4"/>
+            <a:r>
+              <a:rPr lang="en-US" smtClean="0"/>
+              <a:t>Fifth level</a:t>
+            </a:r>
+            <a:endParaRPr lang="en-US"/>
+          </a:p>
+        </p:txBody>
+      </p:sp>
+      <p:sp>
+        <p:nvSpPr>
+          <p:cNvPr id="6" name="Footer Placeholder 5"/>
+          <p:cNvSpPr>
+            <a:spLocks noGrp="1"/>
+          </p:cNvSpPr>
+          <p:nvPr>
+            <p:ph type="ftr" sz="quarter" idx="4"/>
+          </p:nvPr>
+        </p:nvSpPr>
+        <p:spPr>
+          <a:xfrm>
+            <a:off x="0" y="8685213"/>
+            <a:ext cx="2971800" cy="458787"/>
+          </a:xfrm>
+          <a:prstGeom prst="rect">
+            <a:avLst/>
+          </a:prstGeom>
+        </p:spPr>
+        <p:txBody>
+          <a:bodyPr vert="horz" lIns="91440" tIns="45720" rIns="91440" bIns="45720" rtlCol="0" anchor="b"/>
+          <a:lstStyle>
+            <a:lvl1pPr algn="l">
+              <a:defRPr sz="1200"/>
+            </a:lvl1pPr>
+          </a:lstStyle>
+          <a:p>
+            <a:endParaRPr lang="en-US"/>
+          </a:p>
+        </p:txBody>
+      </p:sp>
+      <p:sp>
+        <p:nvSpPr>
+          <p:cNvPr id="7" name="Slide Number Placeholder 6"/>
+          <p:cNvSpPr>
+            <a:spLocks noGrp="1"/>
+          </p:cNvSpPr>
+          <p:nvPr>
+            <p:ph type="sldNum" sz="quarter" idx="5"/>
+          </p:nvPr>
+        </p:nvSpPr>
+        <p:spPr>
+          <a:xfrm>
+            <a:off x="3884613" y="8685213"/>
+            <a:ext cx="2971800" cy="458787"/>
+          </a:xfrm>
+          <a:prstGeom prst="rect">
+            <a:avLst/>
+          </a:prstGeom>
+        </p:spPr>
+        <p:txBody>
+          <a:bodyPr vert="horz" lIns="91440" tIns="45720" rIns="91440" bIns="45720" rtlCol="0" anchor="b"/>
+          <a:lstStyle>
+            <a:lvl1pPr algn="r">
+              <a:defRPr sz="1200"/>
+            </a:lvl1pPr>
+          </a:lstStyle>
+          <a:p>
+            <a:fld id="{54650823-C9B1-4705-95A8-261A5EC2BEC4}" type="slidenum">
+              <a:rPr lang="en-US" smtClean="0"/>
+              <a:t>‹#›</a:t>
+            </a:fld>
+            <a:endParaRPr lang="en-US"/>
+          </a:p>
+        </p:txBody>
+      </p:sp>
+    </p:spTree>
+    <p:extLst>
+      <p:ext uri="{BB962C8B-B14F-4D97-AF65-F5344CB8AC3E}">
+        <p14:creationId xmlns:p14="http://schemas.microsoft.com/office/powerpoint/2010/main" val="1770487172"/>
+      </p:ext>
+    </p:extLst>
+  </p:cSld>
+  <p:clrMap bg1="lt1" tx1="dk1" bg2="lt2" tx2="dk2" accent1="accent1" accent2="accent2" accent3="accent3" accent4="accent4" accent5="accent5" accent6="accent6" hlink="hlink" folHlink="folHlink"/>
+  <p:notesStyle>
+    <a:lvl1pPr marL="0" algn="l" defTabSz="914400" rtl="0" eaLnBrk="1" latinLnBrk="0" hangingPunct="1">
+      <a:defRPr sz="1200" kern="1200">
+        <a:solidFill>
+          <a:schemeClr val="tx1"/>
+        </a:solidFill>
+        <a:latin typeface="+mn-lt"/>
+        <a:ea typeface="+mn-ea"/>
+        <a:cs typeface="+mn-cs"/>
+      </a:defRPr>
+    </a:lvl1pPr>
+    <a:lvl2pPr marL="457200" algn="l" defTabSz="914400" rtl="0" eaLnBrk="1" latinLnBrk="0" hangingPunct="1">
+      <a:defRPr sz="1200" kern="1200">
+        <a:solidFill>
+          <a:schemeClr val="tx1"/>
+        </a:solidFill>
+        <a:latin typeface="+mn-lt"/>
+        <a:ea typeface="+mn-ea"/>
+        <a:cs typeface="+mn-cs"/>
+      </a:defRPr>
+    </a:lvl2pPr>
+    <a:lvl3pPr marL="914400" algn="l" defTabSz="914400" rtl="0" eaLnBrk="1" latinLnBrk="0" hangingPunct="1">
+      <a:defRPr sz="1200" kern="1200">
+        <a:solidFill>
+          <a:schemeClr val="tx1"/>
+        </a:solidFill>
+        <a:latin typeface="+mn-lt"/>
+        <a:ea typeface="+mn-ea"/>
+        <a:cs typeface="+mn-cs"/>
+      </a:defRPr>
+    </a:lvl3pPr>
+    <a:lvl4pPr marL="1371600" algn="l" defTabSz="914400" rtl="0" eaLnBrk="1" latinLnBrk="0" hangingPunct="1">
+      <a:defRPr sz="1200" kern="1200">
+        <a:solidFill>
+          <a:schemeClr val="tx1"/>
+        </a:solidFill>
+        <a:latin typeface="+mn-lt"/>
+        <a:ea typeface="+mn-ea"/>
+        <a:cs typeface="+mn-cs"/>
+      </a:defRPr>
+    </a:lvl4pPr>
+    <a:lvl5pPr marL="1828800" algn="l" defTabSz="914400" rtl="0" eaLnBrk="1" latinLnBrk="0" hangingPunct="1">
+      <a:defRPr sz="1200" kern="1200">
+        <a:solidFill>
+          <a:schemeClr val="tx1"/>
+        </a:solidFill>
+        <a:latin typeface="+mn-lt"/>
+        <a:ea typeface="+mn-ea"/>
+        <a:cs typeface="+mn-cs"/>
+      </a:defRPr>
+    </a:lvl5pPr>
+    <a:lvl6pPr marL="2286000" algn="l" defTabSz="914400" rtl="0" eaLnBrk="1" latinLnBrk="0" hangingPunct="1">
+      <a:defRPr sz="1200" kern="1200">
+        <a:solidFill>
+          <a:schemeClr val="tx1"/>
+        </a:solidFill>
+        <a:latin typeface="+mn-lt"/>
+        <a:ea typeface="+mn-ea"/>
+        <a:cs typeface="+mn-cs"/>
+      </a:defRPr>
+    </a:lvl6pPr>
+    <a:lvl7pPr marL="2743200" algn="l" defTabSz="914400" rtl="0" eaLnBrk="1" latinLnBrk="0" hangingPunct="1">
+      <a:defRPr sz="1200" kern="1200">
+        <a:solidFill>
+          <a:schemeClr val="tx1"/>
+        </a:solidFill>
+        <a:latin typeface="+mn-lt"/>
+        <a:ea typeface="+mn-ea"/>
+        <a:cs typeface="+mn-cs"/>
+      </a:defRPr>
+    </a:lvl7pPr>
+    <a:lvl8pPr marL="3200400" algn="l" defTabSz="914400" rtl="0" eaLnBrk="1" latinLnBrk="0" hangingPunct="1">
+      <a:defRPr sz="1200" kern="1200">
+        <a:solidFill>
+          <a:schemeClr val="tx1"/>
+        </a:solidFill>
+        <a:latin typeface="+mn-lt"/>
+        <a:ea typeface="+mn-ea"/>
+        <a:cs typeface="+mn-cs"/>
+      </a:defRPr>
+    </a:lvl8pPr>
+    <a:lvl9pPr marL="3657600" algn="l" defTabSz="914400" rtl="0" eaLnBrk="1" latinLnBrk="0" hangingPunct="1">
+      <a:defRPr sz="1200" kern="1200">
+        <a:solidFill>
+          <a:schemeClr val="tx1"/>
+        </a:solidFill>
+        <a:latin typeface="+mn-lt"/>
+        <a:ea typeface="+mn-ea"/>
+        <a:cs typeface="+mn-cs"/>
+      </a:defRPr>
+    </a:lvl9pPr>
+  </p:notesStyle>
+</p:notesMaster>
+</file>
+
+<file path=ppt/notesSlides/notesSlide1.xml><?xml version="1.0" encoding="utf-8"?>
+<p:notes xmlns:a="http://schemas.openxmlformats.org/drawingml/2006/main" xmlns:r="http://schemas.openxmlformats.org/officeDocument/2006/relationships" xmlns:p="http://schemas.openxmlformats.org/presentationml/2006/main">
+  <p:cSld>
+    <p:spTree>
+      <p:nvGrpSpPr>
+        <p:cNvPr id="1" name=""/>
+        <p:cNvGrpSpPr/>
+        <p:nvPr/>
+      </p:nvGrpSpPr>
+      <p:grpSpPr>
+        <a:xfrm>
+          <a:off x="0" y="0"/>
+          <a:ext cx="0" cy="0"/>
+          <a:chOff x="0" y="0"/>
+          <a:chExt cx="0" cy="0"/>
+        </a:xfrm>
+      </p:grpSpPr>
+      <p:sp>
+        <p:nvSpPr>
+          <p:cNvPr id="2" name="Slide Image Placeholder 1"/>
+          <p:cNvSpPr>
+            <a:spLocks noGrp="1" noRot="1" noChangeAspect="1"/>
+          </p:cNvSpPr>
+          <p:nvPr>
+            <p:ph type="sldImg"/>
+          </p:nvPr>
+        </p:nvSpPr>
+        <p:spPr/>
+      </p:sp>
+      <p:sp>
+        <p:nvSpPr>
+          <p:cNvPr id="3" name="Notes Placeholder 2"/>
+          <p:cNvSpPr>
+            <a:spLocks noGrp="1"/>
+          </p:cNvSpPr>
+          <p:nvPr>
+            <p:ph type="body" idx="1"/>
+          </p:nvPr>
+        </p:nvSpPr>
+        <p:spPr/>
+        <p:txBody>
+          <a:bodyPr/>
+          <a:lstStyle/>
+          <a:p>
+            <a:endParaRPr lang="en-US" dirty="0"/>
+          </a:p>
+        </p:txBody>
+      </p:sp>
+      <p:sp>
+        <p:nvSpPr>
+          <p:cNvPr id="4" name="Slide Number Placeholder 3"/>
+          <p:cNvSpPr>
+            <a:spLocks noGrp="1"/>
+          </p:cNvSpPr>
+          <p:nvPr>
+            <p:ph type="sldNum" sz="quarter" idx="10"/>
+          </p:nvPr>
+        </p:nvSpPr>
+        <p:spPr/>
+        <p:txBody>
+          <a:bodyPr/>
+          <a:lstStyle/>
+          <a:p>
+            <a:fld id="{54650823-C9B1-4705-95A8-261A5EC2BEC4}" type="slidenum">
+              <a:rPr lang="en-US" smtClean="0"/>
+              <a:t>18</a:t>
+            </a:fld>
+            <a:endParaRPr lang="en-US"/>
+          </a:p>
+        </p:txBody>
+      </p:sp>
+    </p:spTree>
+    <p:extLst>
+      <p:ext uri="{BB962C8B-B14F-4D97-AF65-F5344CB8AC3E}">
+        <p14:creationId xmlns:p14="http://schemas.microsoft.com/office/powerpoint/2010/main" val="2501835"/>
+      </p:ext>
+    </p:extLst>
+  </p:cSld>
+  <p:clrMapOvr>
+    <a:masterClrMapping/>
+  </p:clrMapOvr>
+</p:notes>
+</file>
+
+<file path=ppt/notesSlides/notesSlide2.xml><?xml version="1.0" encoding="utf-8"?>
+<p:notes xmlns:a="http://schemas.openxmlformats.org/drawingml/2006/main" xmlns:r="http://schemas.openxmlformats.org/officeDocument/2006/relationships" xmlns:p="http://schemas.openxmlformats.org/presentationml/2006/main">
+  <p:cSld>
+    <p:spTree>
+      <p:nvGrpSpPr>
+        <p:cNvPr id="1" name=""/>
+        <p:cNvGrpSpPr/>
+        <p:nvPr/>
+      </p:nvGrpSpPr>
+      <p:grpSpPr>
+        <a:xfrm>
+          <a:off x="0" y="0"/>
+          <a:ext cx="0" cy="0"/>
+          <a:chOff x="0" y="0"/>
+          <a:chExt cx="0" cy="0"/>
+        </a:xfrm>
+      </p:grpSpPr>
+      <p:sp>
+        <p:nvSpPr>
+          <p:cNvPr id="2" name="Slide Image Placeholder 1"/>
+          <p:cNvSpPr>
+            <a:spLocks noGrp="1" noRot="1" noChangeAspect="1"/>
+          </p:cNvSpPr>
+          <p:nvPr>
+            <p:ph type="sldImg"/>
+          </p:nvPr>
+        </p:nvSpPr>
+        <p:spPr/>
+      </p:sp>
+      <p:sp>
+        <p:nvSpPr>
+          <p:cNvPr id="3" name="Notes Placeholder 2"/>
+          <p:cNvSpPr>
+            <a:spLocks noGrp="1"/>
+          </p:cNvSpPr>
+          <p:nvPr>
+            <p:ph type="body" idx="1"/>
+          </p:nvPr>
+        </p:nvSpPr>
+        <p:spPr/>
+        <p:txBody>
+          <a:bodyPr/>
+          <a:lstStyle/>
+          <a:p>
+            <a:r>
+              <a:rPr lang="vi-VN" dirty="0" smtClean="0"/>
+              <a:t>Kết hợp thủ tục quản lý bệnh viện và cổng thông tin. Ứng dụng có thể được truy cập qua internet</a:t>
+            </a:r>
+          </a:p>
+          <a:p>
+            <a:r>
+              <a:rPr lang="vi-VN" dirty="0" smtClean="0"/>
+              <a:t>Độ chính xác và tức thời.</a:t>
+            </a:r>
+          </a:p>
+          <a:p>
+            <a:r>
+              <a:rPr lang="vi-VN" dirty="0" smtClean="0"/>
+              <a:t>Đồng bộ hóa và tự động hóa, giảm thủ tục hành chính và nguồn nhân lực.</a:t>
+            </a:r>
+            <a:endParaRPr lang="en-US" dirty="0"/>
+          </a:p>
+        </p:txBody>
+      </p:sp>
+      <p:sp>
+        <p:nvSpPr>
+          <p:cNvPr id="4" name="Slide Number Placeholder 3"/>
+          <p:cNvSpPr>
+            <a:spLocks noGrp="1"/>
+          </p:cNvSpPr>
+          <p:nvPr>
+            <p:ph type="sldNum" sz="quarter" idx="10"/>
+          </p:nvPr>
+        </p:nvSpPr>
+        <p:spPr/>
+        <p:txBody>
+          <a:bodyPr/>
+          <a:lstStyle/>
+          <a:p>
+            <a:fld id="{54650823-C9B1-4705-95A8-261A5EC2BEC4}" type="slidenum">
+              <a:rPr lang="en-US" smtClean="0"/>
+              <a:t>24</a:t>
+            </a:fld>
+            <a:endParaRPr lang="en-US"/>
+          </a:p>
+        </p:txBody>
+      </p:sp>
+    </p:spTree>
+    <p:extLst>
+      <p:ext uri="{BB962C8B-B14F-4D97-AF65-F5344CB8AC3E}">
+        <p14:creationId xmlns:p14="http://schemas.microsoft.com/office/powerpoint/2010/main" val="998169022"/>
+      </p:ext>
+    </p:extLst>
+  </p:cSld>
+  <p:clrMapOvr>
+    <a:masterClrMapping/>
+  </p:clrMapOvr>
+</p:notes>
 </file>
 
 <file path=ppt/slideLayouts/slideLayout1.xml><?xml version="1.0" encoding="utf-8"?>
@@ -881,7 +1423,7 @@
           <a:p>
             <a:fld id="{A633F804-39DA-4C49-979B-E138C523399E}" type="datetimeFigureOut">
               <a:rPr lang="en-US" smtClean="0"/>
-              <a:t>4/16/18</a:t>
+              <a:t>16-04-2018</a:t>
             </a:fld>
             <a:endParaRPr lang="en-US"/>
           </a:p>
@@ -1132,7 +1674,7 @@
           <a:p>
             <a:fld id="{A633F804-39DA-4C49-979B-E138C523399E}" type="datetimeFigureOut">
               <a:rPr lang="en-US" smtClean="0"/>
-              <a:t>4/16/18</a:t>
+              <a:t>16-04-2018</a:t>
             </a:fld>
             <a:endParaRPr lang="en-US"/>
           </a:p>
@@ -1446,7 +1988,7 @@
           <a:p>
             <a:fld id="{A633F804-39DA-4C49-979B-E138C523399E}" type="datetimeFigureOut">
               <a:rPr lang="en-US" smtClean="0"/>
-              <a:t>4/16/18</a:t>
+              <a:t>16-04-2018</a:t>
             </a:fld>
             <a:endParaRPr lang="en-US"/>
           </a:p>
@@ -1779,7 +2321,7 @@
           <a:p>
             <a:fld id="{A633F804-39DA-4C49-979B-E138C523399E}" type="datetimeFigureOut">
               <a:rPr lang="en-US" smtClean="0"/>
-              <a:t>4/16/18</a:t>
+              <a:t>16-04-2018</a:t>
             </a:fld>
             <a:endParaRPr lang="en-US"/>
           </a:p>
@@ -2093,7 +2635,7 @@
           <a:p>
             <a:fld id="{A633F804-39DA-4C49-979B-E138C523399E}" type="datetimeFigureOut">
               <a:rPr lang="en-US" smtClean="0"/>
-              <a:t>4/16/18</a:t>
+              <a:t>16-04-2018</a:t>
             </a:fld>
             <a:endParaRPr lang="en-US"/>
           </a:p>
@@ -2486,7 +3028,7 @@
           <a:p>
             <a:fld id="{A633F804-39DA-4C49-979B-E138C523399E}" type="datetimeFigureOut">
               <a:rPr lang="en-US" smtClean="0"/>
-              <a:t>4/16/18</a:t>
+              <a:t>16-04-2018</a:t>
             </a:fld>
             <a:endParaRPr lang="en-US"/>
           </a:p>
@@ -2656,7 +3198,7 @@
           <a:p>
             <a:fld id="{A633F804-39DA-4C49-979B-E138C523399E}" type="datetimeFigureOut">
               <a:rPr lang="en-US" smtClean="0"/>
-              <a:t>4/16/18</a:t>
+              <a:t>16-04-2018</a:t>
             </a:fld>
             <a:endParaRPr lang="en-US"/>
           </a:p>
@@ -2836,7 +3378,7 @@
           <a:p>
             <a:fld id="{A633F804-39DA-4C49-979B-E138C523399E}" type="datetimeFigureOut">
               <a:rPr lang="en-US" smtClean="0"/>
-              <a:t>4/16/18</a:t>
+              <a:t>16-04-2018</a:t>
             </a:fld>
             <a:endParaRPr lang="en-US"/>
           </a:p>
@@ -3006,7 +3548,7 @@
           <a:p>
             <a:fld id="{A633F804-39DA-4C49-979B-E138C523399E}" type="datetimeFigureOut">
               <a:rPr lang="en-US" smtClean="0"/>
-              <a:t>4/16/18</a:t>
+              <a:t>16-04-2018</a:t>
             </a:fld>
             <a:endParaRPr lang="en-US"/>
           </a:p>
@@ -3253,7 +3795,7 @@
           <a:p>
             <a:fld id="{A633F804-39DA-4C49-979B-E138C523399E}" type="datetimeFigureOut">
               <a:rPr lang="en-US" smtClean="0"/>
-              <a:t>4/16/18</a:t>
+              <a:t>16-04-2018</a:t>
             </a:fld>
             <a:endParaRPr lang="en-US"/>
           </a:p>
@@ -3485,7 +4027,7 @@
           <a:p>
             <a:fld id="{A633F804-39DA-4C49-979B-E138C523399E}" type="datetimeFigureOut">
               <a:rPr lang="en-US" smtClean="0"/>
-              <a:t>4/16/18</a:t>
+              <a:t>16-04-2018</a:t>
             </a:fld>
             <a:endParaRPr lang="en-US"/>
           </a:p>
@@ -3859,7 +4401,7 @@
           <a:p>
             <a:fld id="{A633F804-39DA-4C49-979B-E138C523399E}" type="datetimeFigureOut">
               <a:rPr lang="en-US" smtClean="0"/>
-              <a:t>4/16/18</a:t>
+              <a:t>16-04-2018</a:t>
             </a:fld>
             <a:endParaRPr lang="en-US"/>
           </a:p>
@@ -3982,7 +4524,7 @@
           <a:p>
             <a:fld id="{A633F804-39DA-4C49-979B-E138C523399E}" type="datetimeFigureOut">
               <a:rPr lang="en-US" smtClean="0"/>
-              <a:t>4/16/18</a:t>
+              <a:t>16-04-2018</a:t>
             </a:fld>
             <a:endParaRPr lang="en-US"/>
           </a:p>
@@ -4077,7 +4619,7 @@
           <a:p>
             <a:fld id="{A633F804-39DA-4C49-979B-E138C523399E}" type="datetimeFigureOut">
               <a:rPr lang="en-US" smtClean="0"/>
-              <a:t>4/16/18</a:t>
+              <a:t>16-04-2018</a:t>
             </a:fld>
             <a:endParaRPr lang="en-US"/>
           </a:p>
@@ -4332,7 +4874,7 @@
           <a:p>
             <a:fld id="{A633F804-39DA-4C49-979B-E138C523399E}" type="datetimeFigureOut">
               <a:rPr lang="en-US" smtClean="0"/>
-              <a:t>4/16/18</a:t>
+              <a:t>16-04-2018</a:t>
             </a:fld>
             <a:endParaRPr lang="en-US"/>
           </a:p>
@@ -4637,7 +5179,7 @@
           <a:p>
             <a:fld id="{A633F804-39DA-4C49-979B-E138C523399E}" type="datetimeFigureOut">
               <a:rPr lang="en-US" smtClean="0"/>
-              <a:t>4/16/18</a:t>
+              <a:t>16-04-2018</a:t>
             </a:fld>
             <a:endParaRPr lang="en-US"/>
           </a:p>
@@ -5339,7 +5881,7 @@
           <a:p>
             <a:fld id="{A633F804-39DA-4C49-979B-E138C523399E}" type="datetimeFigureOut">
               <a:rPr lang="en-US" smtClean="0"/>
-              <a:t>4/16/18</a:t>
+              <a:t>16-04-2018</a:t>
             </a:fld>
             <a:endParaRPr lang="en-US"/>
           </a:p>
@@ -6237,68 +6779,9 @@
           <a:chExt cx="0" cy="0"/>
         </a:xfrm>
       </p:grpSpPr>
-      <p:pic>
-        <p:nvPicPr>
-          <p:cNvPr id="4" name="Picture 3"/>
-          <p:cNvPicPr>
-            <a:picLocks noChangeAspect="1"/>
-          </p:cNvPicPr>
-          <p:nvPr/>
-        </p:nvPicPr>
-        <p:blipFill rotWithShape="1">
-          <a:blip r:embed="rId2">
-            <a:extLst>
-              <a:ext uri="{28A0092B-C50C-407E-A947-70E740481C1C}">
-                <a14:useLocalDpi xmlns:a14="http://schemas.microsoft.com/office/drawing/2010/main" val="0"/>
-              </a:ext>
-            </a:extLst>
-          </a:blip>
-          <a:srcRect l="8905" r="7090"/>
-          <a:stretch/>
-        </p:blipFill>
-        <p:spPr>
-          <a:xfrm>
-            <a:off x="462484" y="1838790"/>
-            <a:ext cx="7963059" cy="4195993"/>
-          </a:xfrm>
-          <a:prstGeom prst="rect">
-            <a:avLst/>
-          </a:prstGeom>
-        </p:spPr>
-      </p:pic>
-      <p:pic>
-        <p:nvPicPr>
-          <p:cNvPr id="5" name="Picture 4"/>
-          <p:cNvPicPr>
-            <a:picLocks noChangeAspect="1"/>
-          </p:cNvPicPr>
-          <p:nvPr/>
-        </p:nvPicPr>
-        <p:blipFill>
-          <a:blip r:embed="rId3" cstate="print">
-            <a:extLst>
-              <a:ext uri="{28A0092B-C50C-407E-A947-70E740481C1C}">
-                <a14:useLocalDpi xmlns:a14="http://schemas.microsoft.com/office/drawing/2010/main" val="0"/>
-              </a:ext>
-            </a:extLst>
-          </a:blip>
-          <a:stretch>
-            <a:fillRect/>
-          </a:stretch>
-        </p:blipFill>
-        <p:spPr>
-          <a:xfrm>
-            <a:off x="6582176" y="1299754"/>
-            <a:ext cx="1967753" cy="1967753"/>
-          </a:xfrm>
-          <a:prstGeom prst="rect">
-            <a:avLst/>
-          </a:prstGeom>
-        </p:spPr>
-      </p:pic>
       <p:sp>
         <p:nvSpPr>
-          <p:cNvPr id="6" name="Rectangle 5"/>
+          <p:cNvPr id="4" name="Rectangle 3"/>
           <p:cNvSpPr/>
           <p:nvPr/>
         </p:nvSpPr>
@@ -6340,7 +6823,7 @@
       </p:sp>
       <p:cxnSp>
         <p:nvCxnSpPr>
-          <p:cNvPr id="7" name="Straight Connector 6"/>
+          <p:cNvPr id="5" name="Straight Connector 4"/>
           <p:cNvCxnSpPr/>
           <p:nvPr/>
         </p:nvCxnSpPr>
@@ -6375,10 +6858,40 @@
           </a:fontRef>
         </p:style>
       </p:cxnSp>
+      <p:pic>
+        <p:nvPicPr>
+          <p:cNvPr id="6" name="Picture 5"/>
+          <p:cNvPicPr>
+            <a:picLocks noChangeAspect="1"/>
+          </p:cNvPicPr>
+          <p:nvPr/>
+        </p:nvPicPr>
+        <p:blipFill>
+          <a:blip r:embed="rId2">
+            <a:extLst>
+              <a:ext uri="{28A0092B-C50C-407E-A947-70E740481C1C}">
+                <a14:useLocalDpi xmlns:a14="http://schemas.microsoft.com/office/drawing/2010/main" val="0"/>
+              </a:ext>
+            </a:extLst>
+          </a:blip>
+          <a:stretch>
+            <a:fillRect/>
+          </a:stretch>
+        </p:blipFill>
+        <p:spPr>
+          <a:xfrm>
+            <a:off x="3054088" y="1401692"/>
+            <a:ext cx="4410741" cy="5290053"/>
+          </a:xfrm>
+          <a:prstGeom prst="rect">
+            <a:avLst/>
+          </a:prstGeom>
+        </p:spPr>
+      </p:pic>
     </p:spTree>
     <p:extLst>
       <p:ext uri="{BB962C8B-B14F-4D97-AF65-F5344CB8AC3E}">
-        <p14:creationId xmlns:p14="http://schemas.microsoft.com/office/powerpoint/2010/main" val="322343159"/>
+        <p14:creationId xmlns:p14="http://schemas.microsoft.com/office/powerpoint/2010/main" val="2690537020"/>
       </p:ext>
     </p:extLst>
   </p:cSld>
@@ -6396,6 +6909,283 @@
 </file>
 
 <file path=ppt/slides/slide11.xml><?xml version="1.0" encoding="utf-8"?>
+<p:sld xmlns:a="http://schemas.openxmlformats.org/drawingml/2006/main" xmlns:r="http://schemas.openxmlformats.org/officeDocument/2006/relationships" xmlns:p="http://schemas.openxmlformats.org/presentationml/2006/main">
+  <p:cSld>
+    <p:spTree>
+      <p:nvGrpSpPr>
+        <p:cNvPr id="1" name=""/>
+        <p:cNvGrpSpPr/>
+        <p:nvPr/>
+      </p:nvGrpSpPr>
+      <p:grpSpPr>
+        <a:xfrm>
+          <a:off x="0" y="0"/>
+          <a:ext cx="0" cy="0"/>
+          <a:chOff x="0" y="0"/>
+          <a:chExt cx="0" cy="0"/>
+        </a:xfrm>
+      </p:grpSpPr>
+      <p:sp>
+        <p:nvSpPr>
+          <p:cNvPr id="4" name="Rectangle 3"/>
+          <p:cNvSpPr/>
+          <p:nvPr/>
+        </p:nvSpPr>
+        <p:spPr>
+          <a:xfrm>
+            <a:off x="298106" y="211072"/>
+            <a:ext cx="4108432" cy="923330"/>
+          </a:xfrm>
+          <a:prstGeom prst="rect">
+            <a:avLst/>
+          </a:prstGeom>
+          <a:noFill/>
+        </p:spPr>
+        <p:txBody>
+          <a:bodyPr wrap="none" lIns="91440" tIns="45720" rIns="91440" bIns="45720">
+            <a:spAutoFit/>
+          </a:bodyPr>
+          <a:lstStyle/>
+          <a:p>
+            <a:pPr algn="ctr"/>
+            <a:r>
+              <a:rPr lang="en-US" sz="5400" dirty="0">
+                <a:ln w="0"/>
+                <a:solidFill>
+                  <a:srgbClr val="0070C0"/>
+                </a:solidFill>
+                <a:effectLst>
+                  <a:outerShdw blurRad="38100" dist="25400" dir="5400000" algn="ctr" rotWithShape="0">
+                    <a:srgbClr val="6E747A">
+                      <a:alpha val="43000"/>
+                    </a:srgbClr>
+                  </a:outerShdw>
+                </a:effectLst>
+              </a:rPr>
+              <a:t>Our Proposal</a:t>
+            </a:r>
+          </a:p>
+        </p:txBody>
+      </p:sp>
+      <p:cxnSp>
+        <p:nvCxnSpPr>
+          <p:cNvPr id="5" name="Straight Connector 4"/>
+          <p:cNvCxnSpPr/>
+          <p:nvPr/>
+        </p:nvCxnSpPr>
+        <p:spPr>
+          <a:xfrm>
+            <a:off x="352697" y="1134402"/>
+            <a:ext cx="8072846" cy="0"/>
+          </a:xfrm>
+          <a:prstGeom prst="line">
+            <a:avLst/>
+          </a:prstGeom>
+          <a:ln>
+            <a:solidFill>
+              <a:schemeClr val="accent2">
+                <a:lumMod val="75000"/>
+              </a:schemeClr>
+            </a:solidFill>
+          </a:ln>
+        </p:spPr>
+        <p:style>
+          <a:lnRef idx="1">
+            <a:schemeClr val="accent1"/>
+          </a:lnRef>
+          <a:fillRef idx="0">
+            <a:schemeClr val="accent1"/>
+          </a:fillRef>
+          <a:effectRef idx="0">
+            <a:schemeClr val="accent1"/>
+          </a:effectRef>
+          <a:fontRef idx="minor">
+            <a:schemeClr val="tx1"/>
+          </a:fontRef>
+        </p:style>
+      </p:cxnSp>
+      <p:pic>
+        <p:nvPicPr>
+          <p:cNvPr id="6" name="Picture 5"/>
+          <p:cNvPicPr>
+            <a:picLocks noChangeAspect="1"/>
+          </p:cNvPicPr>
+          <p:nvPr/>
+        </p:nvPicPr>
+        <p:blipFill rotWithShape="1">
+          <a:blip r:embed="rId2">
+            <a:extLst>
+              <a:ext uri="{28A0092B-C50C-407E-A947-70E740481C1C}">
+                <a14:useLocalDpi xmlns:a14="http://schemas.microsoft.com/office/drawing/2010/main" val="0"/>
+              </a:ext>
+            </a:extLst>
+          </a:blip>
+          <a:srcRect r="7771" b="12727"/>
+          <a:stretch/>
+        </p:blipFill>
+        <p:spPr>
+          <a:xfrm>
+            <a:off x="1787600" y="1306911"/>
+            <a:ext cx="6957390" cy="5301113"/>
+          </a:xfrm>
+          <a:prstGeom prst="rect">
+            <a:avLst/>
+          </a:prstGeom>
+        </p:spPr>
+      </p:pic>
+    </p:spTree>
+    <p:extLst>
+      <p:ext uri="{BB962C8B-B14F-4D97-AF65-F5344CB8AC3E}">
+        <p14:creationId xmlns:p14="http://schemas.microsoft.com/office/powerpoint/2010/main" val="3125122652"/>
+      </p:ext>
+    </p:extLst>
+  </p:cSld>
+  <p:clrMapOvr>
+    <a:masterClrMapping/>
+  </p:clrMapOvr>
+  <p:timing>
+    <p:tnLst>
+      <p:par>
+        <p:cTn id="1" dur="indefinite" restart="never" nodeType="tmRoot"/>
+      </p:par>
+    </p:tnLst>
+  </p:timing>
+</p:sld>
+</file>
+
+<file path=ppt/slides/slide12.xml><?xml version="1.0" encoding="utf-8"?>
+<p:sld xmlns:a="http://schemas.openxmlformats.org/drawingml/2006/main" xmlns:r="http://schemas.openxmlformats.org/officeDocument/2006/relationships" xmlns:p="http://schemas.openxmlformats.org/presentationml/2006/main">
+  <p:cSld>
+    <p:spTree>
+      <p:nvGrpSpPr>
+        <p:cNvPr id="1" name=""/>
+        <p:cNvGrpSpPr/>
+        <p:nvPr/>
+      </p:nvGrpSpPr>
+      <p:grpSpPr>
+        <a:xfrm>
+          <a:off x="0" y="0"/>
+          <a:ext cx="0" cy="0"/>
+          <a:chOff x="0" y="0"/>
+          <a:chExt cx="0" cy="0"/>
+        </a:xfrm>
+      </p:grpSpPr>
+      <p:sp>
+        <p:nvSpPr>
+          <p:cNvPr id="3" name="Rectangle 2"/>
+          <p:cNvSpPr/>
+          <p:nvPr/>
+        </p:nvSpPr>
+        <p:spPr>
+          <a:xfrm>
+            <a:off x="545703" y="412144"/>
+            <a:ext cx="9632765" cy="1323439"/>
+          </a:xfrm>
+          <a:prstGeom prst="rect">
+            <a:avLst/>
+          </a:prstGeom>
+          <a:noFill/>
+        </p:spPr>
+        <p:txBody>
+          <a:bodyPr wrap="none" lIns="91440" tIns="45720" rIns="91440" bIns="45720">
+            <a:spAutoFit/>
+          </a:bodyPr>
+          <a:lstStyle/>
+          <a:p>
+            <a:pPr algn="ctr"/>
+            <a:r>
+              <a:rPr lang="en-US" sz="8000" b="1" cap="none" spc="0" dirty="0" smtClean="0">
+                <a:ln w="9525">
+                  <a:solidFill>
+                    <a:schemeClr val="bg1"/>
+                  </a:solidFill>
+                  <a:prstDash val="solid"/>
+                </a:ln>
+                <a:solidFill>
+                  <a:schemeClr val="accent1">
+                    <a:lumMod val="50000"/>
+                  </a:schemeClr>
+                </a:solidFill>
+                <a:effectLst>
+                  <a:outerShdw blurRad="12700" dist="38100" dir="2700000" algn="tl" rotWithShape="0">
+                    <a:schemeClr val="accent5">
+                      <a:lumMod val="60000"/>
+                      <a:lumOff val="40000"/>
+                    </a:schemeClr>
+                  </a:outerShdw>
+                </a:effectLst>
+              </a:rPr>
+              <a:t>3. </a:t>
+            </a:r>
+            <a:r>
+              <a:rPr lang="en-US" sz="8000" b="1" dirty="0" smtClean="0">
+                <a:ln w="9525">
+                  <a:solidFill>
+                    <a:schemeClr val="bg1"/>
+                  </a:solidFill>
+                  <a:prstDash val="solid"/>
+                </a:ln>
+                <a:solidFill>
+                  <a:schemeClr val="accent1">
+                    <a:lumMod val="50000"/>
+                  </a:schemeClr>
+                </a:solidFill>
+                <a:effectLst>
+                  <a:outerShdw blurRad="12700" dist="38100" dir="2700000" algn="tl" rotWithShape="0">
+                    <a:schemeClr val="accent5">
+                      <a:lumMod val="60000"/>
+                      <a:lumOff val="40000"/>
+                    </a:schemeClr>
+                  </a:outerShdw>
+                </a:effectLst>
+              </a:rPr>
+              <a:t>Features &amp; demo</a:t>
+            </a:r>
+            <a:endParaRPr lang="en-US" sz="8000" b="1" cap="none" spc="0" dirty="0">
+              <a:ln w="9525">
+                <a:solidFill>
+                  <a:schemeClr val="bg1"/>
+                </a:solidFill>
+                <a:prstDash val="solid"/>
+              </a:ln>
+              <a:solidFill>
+                <a:schemeClr val="accent1">
+                  <a:lumMod val="50000"/>
+                </a:schemeClr>
+              </a:solidFill>
+              <a:effectLst>
+                <a:outerShdw blurRad="12700" dist="38100" dir="2700000" algn="tl" rotWithShape="0">
+                  <a:schemeClr val="accent5">
+                    <a:lumMod val="60000"/>
+                    <a:lumOff val="40000"/>
+                  </a:schemeClr>
+                </a:outerShdw>
+              </a:effectLst>
+            </a:endParaRPr>
+          </a:p>
+        </p:txBody>
+      </p:sp>
+    </p:spTree>
+    <p:extLst>
+      <p:ext uri="{BB962C8B-B14F-4D97-AF65-F5344CB8AC3E}">
+        <p14:creationId xmlns:p14="http://schemas.microsoft.com/office/powerpoint/2010/main" val="2880953764"/>
+      </p:ext>
+    </p:extLst>
+  </p:cSld>
+  <p:clrMapOvr>
+    <a:masterClrMapping/>
+  </p:clrMapOvr>
+  <p:timing>
+    <p:tnLst>
+      <p:par>
+        <p:cTn id="1" dur="indefinite" restart="never" nodeType="tmRoot"/>
+      </p:par>
+    </p:tnLst>
+  </p:timing>
+</p:sld>
+</file>
+
+<file path=ppt/slides/slide13.xml><?xml version="1.0" encoding="utf-8"?>
 <p:sld xmlns:a="http://schemas.openxmlformats.org/drawingml/2006/main" xmlns:r="http://schemas.openxmlformats.org/officeDocument/2006/relationships" xmlns:p="http://schemas.openxmlformats.org/presentationml/2006/main">
   <p:cSld>
     <p:spTree>
@@ -6555,85 +7345,6 @@
           </a:prstGeom>
         </p:spPr>
       </p:pic>
-      <p:sp>
-        <p:nvSpPr>
-          <p:cNvPr id="10" name="Rectangle 9"/>
-          <p:cNvSpPr/>
-          <p:nvPr/>
-        </p:nvSpPr>
-        <p:spPr>
-          <a:xfrm>
-            <a:off x="298106" y="211072"/>
-            <a:ext cx="4108432" cy="923330"/>
-          </a:xfrm>
-          <a:prstGeom prst="rect">
-            <a:avLst/>
-          </a:prstGeom>
-          <a:noFill/>
-        </p:spPr>
-        <p:txBody>
-          <a:bodyPr wrap="none" lIns="91440" tIns="45720" rIns="91440" bIns="45720">
-            <a:spAutoFit/>
-          </a:bodyPr>
-          <a:lstStyle/>
-          <a:p>
-            <a:pPr algn="ctr"/>
-            <a:r>
-              <a:rPr lang="en-US" sz="5400" dirty="0">
-                <a:ln w="0"/>
-                <a:solidFill>
-                  <a:srgbClr val="0070C0"/>
-                </a:solidFill>
-                <a:effectLst>
-                  <a:outerShdw blurRad="38100" dist="25400" dir="5400000" algn="ctr" rotWithShape="0">
-                    <a:srgbClr val="6E747A">
-                      <a:alpha val="43000"/>
-                    </a:srgbClr>
-                  </a:outerShdw>
-                </a:effectLst>
-              </a:rPr>
-              <a:t>Our Proposal</a:t>
-            </a:r>
-          </a:p>
-        </p:txBody>
-      </p:sp>
-      <p:cxnSp>
-        <p:nvCxnSpPr>
-          <p:cNvPr id="11" name="Straight Connector 10"/>
-          <p:cNvCxnSpPr/>
-          <p:nvPr/>
-        </p:nvCxnSpPr>
-        <p:spPr>
-          <a:xfrm>
-            <a:off x="352697" y="1134402"/>
-            <a:ext cx="8072846" cy="0"/>
-          </a:xfrm>
-          <a:prstGeom prst="line">
-            <a:avLst/>
-          </a:prstGeom>
-          <a:ln>
-            <a:solidFill>
-              <a:schemeClr val="accent2">
-                <a:lumMod val="75000"/>
-              </a:schemeClr>
-            </a:solidFill>
-          </a:ln>
-        </p:spPr>
-        <p:style>
-          <a:lnRef idx="1">
-            <a:schemeClr val="accent1"/>
-          </a:lnRef>
-          <a:fillRef idx="0">
-            <a:schemeClr val="accent1"/>
-          </a:fillRef>
-          <a:effectRef idx="0">
-            <a:schemeClr val="accent1"/>
-          </a:effectRef>
-          <a:fontRef idx="minor">
-            <a:schemeClr val="tx1"/>
-          </a:fontRef>
-        </p:style>
-      </p:cxnSp>
       <p:cxnSp>
         <p:nvCxnSpPr>
           <p:cNvPr id="13" name="Straight Arrow Connector 12"/>
@@ -7014,6 +7725,64 @@
           </a:p>
         </p:txBody>
       </p:sp>
+      <p:sp>
+        <p:nvSpPr>
+          <p:cNvPr id="18" name="Rectangle 17"/>
+          <p:cNvSpPr/>
+          <p:nvPr/>
+        </p:nvSpPr>
+        <p:spPr>
+          <a:xfrm>
+            <a:off x="343014" y="306267"/>
+            <a:ext cx="4027770" cy="830997"/>
+          </a:xfrm>
+          <a:prstGeom prst="rect">
+            <a:avLst/>
+          </a:prstGeom>
+          <a:noFill/>
+        </p:spPr>
+        <p:txBody>
+          <a:bodyPr wrap="none" lIns="91440" tIns="45720" rIns="91440" bIns="45720">
+            <a:spAutoFit/>
+          </a:bodyPr>
+          <a:lstStyle/>
+          <a:p>
+            <a:pPr algn="ctr"/>
+            <a:r>
+              <a:rPr lang="en-US" sz="4800" dirty="0" smtClean="0">
+                <a:ln w="0"/>
+                <a:solidFill>
+                  <a:srgbClr val="0070C0"/>
+                </a:solidFill>
+                <a:effectLst>
+                  <a:outerShdw blurRad="38100" dist="25400" dir="5400000" algn="ctr" rotWithShape="0">
+                    <a:srgbClr val="6E747A">
+                      <a:alpha val="43000"/>
+                    </a:srgbClr>
+                  </a:outerShdw>
+                </a:effectLst>
+              </a:rPr>
+              <a:t>Role </a:t>
+            </a:r>
+            <a:r>
+              <a:rPr lang="en-US" sz="4800" dirty="0">
+                <a:ln w="0"/>
+                <a:solidFill>
+                  <a:srgbClr val="0070C0"/>
+                </a:solidFill>
+                <a:effectLst>
+                  <a:outerShdw blurRad="38100" dist="25400" dir="5400000" algn="ctr" rotWithShape="0">
+                    <a:srgbClr val="6E747A">
+                      <a:alpha val="43000"/>
+                    </a:srgbClr>
+                  </a:outerShdw>
+                </a:effectLst>
+              </a:rPr>
+              <a:t>overview</a:t>
+            </a:r>
+          </a:p>
+        </p:txBody>
+      </p:sp>
     </p:spTree>
     <p:extLst>
       <p:ext uri="{BB962C8B-B14F-4D97-AF65-F5344CB8AC3E}">
@@ -7034,7 +7803,307 @@
 </p:sld>
 </file>
 
-<file path=ppt/slides/slide12.xml><?xml version="1.0" encoding="utf-8"?>
+<file path=ppt/slides/slide14.xml><?xml version="1.0" encoding="utf-8"?>
+<p:sld xmlns:a="http://schemas.openxmlformats.org/drawingml/2006/main" xmlns:r="http://schemas.openxmlformats.org/officeDocument/2006/relationships" xmlns:p="http://schemas.openxmlformats.org/presentationml/2006/main">
+  <p:cSld>
+    <p:spTree>
+      <p:nvGrpSpPr>
+        <p:cNvPr id="1" name=""/>
+        <p:cNvGrpSpPr/>
+        <p:nvPr/>
+      </p:nvGrpSpPr>
+      <p:grpSpPr>
+        <a:xfrm>
+          <a:off x="0" y="0"/>
+          <a:ext cx="0" cy="0"/>
+          <a:chOff x="0" y="0"/>
+          <a:chExt cx="0" cy="0"/>
+        </a:xfrm>
+      </p:grpSpPr>
+      <p:sp>
+        <p:nvSpPr>
+          <p:cNvPr id="4" name="Rectangle 3"/>
+          <p:cNvSpPr/>
+          <p:nvPr/>
+        </p:nvSpPr>
+        <p:spPr>
+          <a:xfrm>
+            <a:off x="474057" y="211072"/>
+            <a:ext cx="4509569" cy="923330"/>
+          </a:xfrm>
+          <a:prstGeom prst="rect">
+            <a:avLst/>
+          </a:prstGeom>
+          <a:noFill/>
+        </p:spPr>
+        <p:txBody>
+          <a:bodyPr wrap="none" lIns="91440" tIns="45720" rIns="91440" bIns="45720">
+            <a:spAutoFit/>
+          </a:bodyPr>
+          <a:lstStyle/>
+          <a:p>
+            <a:pPr algn="ctr"/>
+            <a:r>
+              <a:rPr lang="en-US" sz="5400" dirty="0" smtClean="0">
+                <a:ln w="0"/>
+                <a:solidFill>
+                  <a:srgbClr val="0070C0"/>
+                </a:solidFill>
+                <a:effectLst>
+                  <a:outerShdw blurRad="38100" dist="25400" dir="5400000" algn="ctr" rotWithShape="0">
+                    <a:srgbClr val="6E747A">
+                      <a:alpha val="43000"/>
+                    </a:srgbClr>
+                  </a:outerShdw>
+                </a:effectLst>
+              </a:rPr>
+              <a:t>Main Features</a:t>
+            </a:r>
+            <a:endParaRPr lang="en-US" sz="5400" dirty="0">
+              <a:ln w="0"/>
+              <a:solidFill>
+                <a:srgbClr val="0070C0"/>
+              </a:solidFill>
+              <a:effectLst>
+                <a:outerShdw blurRad="38100" dist="25400" dir="5400000" algn="ctr" rotWithShape="0">
+                  <a:srgbClr val="6E747A">
+                    <a:alpha val="43000"/>
+                  </a:srgbClr>
+                </a:outerShdw>
+              </a:effectLst>
+            </a:endParaRPr>
+          </a:p>
+        </p:txBody>
+      </p:sp>
+      <p:cxnSp>
+        <p:nvCxnSpPr>
+          <p:cNvPr id="5" name="Straight Connector 4"/>
+          <p:cNvCxnSpPr/>
+          <p:nvPr/>
+        </p:nvCxnSpPr>
+        <p:spPr>
+          <a:xfrm>
+            <a:off x="352697" y="1134402"/>
+            <a:ext cx="8072846" cy="0"/>
+          </a:xfrm>
+          <a:prstGeom prst="line">
+            <a:avLst/>
+          </a:prstGeom>
+          <a:ln>
+            <a:solidFill>
+              <a:schemeClr val="accent2">
+                <a:lumMod val="75000"/>
+              </a:schemeClr>
+            </a:solidFill>
+          </a:ln>
+        </p:spPr>
+        <p:style>
+          <a:lnRef idx="1">
+            <a:schemeClr val="accent1"/>
+          </a:lnRef>
+          <a:fillRef idx="0">
+            <a:schemeClr val="accent1"/>
+          </a:fillRef>
+          <a:effectRef idx="0">
+            <a:schemeClr val="accent1"/>
+          </a:effectRef>
+          <a:fontRef idx="minor">
+            <a:schemeClr val="tx1"/>
+          </a:fontRef>
+        </p:style>
+      </p:cxnSp>
+      <p:sp>
+        <p:nvSpPr>
+          <p:cNvPr id="6" name="TextBox 5"/>
+          <p:cNvSpPr txBox="1"/>
+          <p:nvPr/>
+        </p:nvSpPr>
+        <p:spPr>
+          <a:xfrm>
+            <a:off x="1734167" y="1748357"/>
+            <a:ext cx="5309906" cy="3970318"/>
+          </a:xfrm>
+          <a:prstGeom prst="rect">
+            <a:avLst/>
+          </a:prstGeom>
+          <a:noFill/>
+        </p:spPr>
+        <p:txBody>
+          <a:bodyPr wrap="square" rtlCol="0">
+            <a:spAutoFit/>
+          </a:bodyPr>
+          <a:lstStyle/>
+          <a:p>
+            <a:r>
+              <a:rPr lang="en-US" sz="2800" b="1" dirty="0" smtClean="0">
+                <a:solidFill>
+                  <a:srgbClr val="0070C0"/>
+                </a:solidFill>
+              </a:rPr>
+              <a:t>Portal </a:t>
+            </a:r>
+            <a:r>
+              <a:rPr lang="en-US" sz="2800" b="1" dirty="0">
+                <a:solidFill>
+                  <a:srgbClr val="0070C0"/>
+                </a:solidFill>
+              </a:rPr>
+              <a:t>system </a:t>
+            </a:r>
+            <a:r>
+              <a:rPr lang="en-US" sz="2800" b="1" dirty="0" smtClean="0">
+                <a:solidFill>
+                  <a:srgbClr val="0070C0"/>
+                </a:solidFill>
+              </a:rPr>
+              <a:t>management:</a:t>
+            </a:r>
+          </a:p>
+          <a:p>
+            <a:r>
+              <a:rPr lang="en-US" sz="2800" dirty="0" smtClean="0">
+                <a:solidFill>
+                  <a:srgbClr val="0070C0"/>
+                </a:solidFill>
+              </a:rPr>
+              <a:t>	+ </a:t>
+            </a:r>
+            <a:r>
+              <a:rPr lang="en-US" sz="2800" dirty="0">
+                <a:solidFill>
+                  <a:srgbClr val="0070C0"/>
+                </a:solidFill>
+              </a:rPr>
+              <a:t>Manage department</a:t>
+            </a:r>
+          </a:p>
+          <a:p>
+            <a:r>
+              <a:rPr lang="en-US" sz="2800" b="1" dirty="0" smtClean="0">
+                <a:solidFill>
+                  <a:srgbClr val="0070C0"/>
+                </a:solidFill>
+              </a:rPr>
+              <a:t>	</a:t>
+            </a:r>
+            <a:r>
+              <a:rPr lang="en-US" sz="2800" dirty="0" smtClean="0">
+                <a:solidFill>
+                  <a:srgbClr val="0070C0"/>
+                </a:solidFill>
+              </a:rPr>
+              <a:t>+ Manage user 	</a:t>
+            </a:r>
+          </a:p>
+          <a:p>
+            <a:r>
+              <a:rPr lang="en-US" sz="2800" dirty="0">
+                <a:solidFill>
+                  <a:srgbClr val="0070C0"/>
+                </a:solidFill>
+              </a:rPr>
+              <a:t>	</a:t>
+            </a:r>
+            <a:r>
+              <a:rPr lang="en-US" sz="2800" dirty="0" smtClean="0">
+                <a:solidFill>
+                  <a:srgbClr val="0070C0"/>
+                </a:solidFill>
+              </a:rPr>
+              <a:t>+ Manage room</a:t>
+            </a:r>
+          </a:p>
+          <a:p>
+            <a:r>
+              <a:rPr lang="en-US" sz="2800" b="1" dirty="0">
+                <a:solidFill>
+                  <a:srgbClr val="0070C0"/>
+                </a:solidFill>
+              </a:rPr>
+              <a:t>Portal Features </a:t>
+            </a:r>
+            <a:r>
+              <a:rPr lang="en-US" sz="2800" b="1" dirty="0" smtClean="0">
+                <a:solidFill>
+                  <a:srgbClr val="0070C0"/>
+                </a:solidFill>
+              </a:rPr>
+              <a:t>management:</a:t>
+            </a:r>
+            <a:endParaRPr lang="en-US" sz="2800" b="1" dirty="0">
+              <a:solidFill>
+                <a:srgbClr val="0070C0"/>
+              </a:solidFill>
+            </a:endParaRPr>
+          </a:p>
+          <a:p>
+            <a:r>
+              <a:rPr lang="en-US" sz="2800" dirty="0" smtClean="0">
+                <a:solidFill>
+                  <a:srgbClr val="0070C0"/>
+                </a:solidFill>
+              </a:rPr>
+              <a:t>	+ Shift scheduler</a:t>
+            </a:r>
+          </a:p>
+          <a:p>
+            <a:r>
+              <a:rPr lang="en-US" sz="2800" dirty="0" smtClean="0">
+                <a:solidFill>
+                  <a:srgbClr val="0070C0"/>
+                </a:solidFill>
+              </a:rPr>
+              <a:t> 	+ Meeting scheduler</a:t>
+            </a:r>
+          </a:p>
+          <a:p>
+            <a:r>
+              <a:rPr lang="en-US" sz="2800" dirty="0" smtClean="0">
+                <a:solidFill>
+                  <a:srgbClr val="0070C0"/>
+                </a:solidFill>
+              </a:rPr>
+              <a:t> 	+ Mission scheduler</a:t>
+            </a:r>
+          </a:p>
+          <a:p>
+            <a:r>
+              <a:rPr lang="en-US" sz="2800" dirty="0" smtClean="0">
+                <a:solidFill>
+                  <a:srgbClr val="0070C0"/>
+                </a:solidFill>
+              </a:rPr>
+              <a:t> 	+ Notification</a:t>
+            </a:r>
+            <a:endParaRPr lang="en-US" sz="2800" dirty="0">
+              <a:solidFill>
+                <a:srgbClr val="0070C0"/>
+              </a:solidFill>
+            </a:endParaRPr>
+          </a:p>
+        </p:txBody>
+      </p:sp>
+    </p:spTree>
+    <p:extLst>
+      <p:ext uri="{BB962C8B-B14F-4D97-AF65-F5344CB8AC3E}">
+        <p14:creationId xmlns:p14="http://schemas.microsoft.com/office/powerpoint/2010/main" val="662927288"/>
+      </p:ext>
+    </p:extLst>
+  </p:cSld>
+  <p:clrMapOvr>
+    <a:masterClrMapping/>
+  </p:clrMapOvr>
+  <p:timing>
+    <p:tnLst>
+      <p:par>
+        <p:cTn id="1" dur="indefinite" restart="never" nodeType="tmRoot"/>
+      </p:par>
+    </p:tnLst>
+  </p:timing>
+</p:sld>
+</file>
+
+<file path=ppt/slides/slide15.xml><?xml version="1.0" encoding="utf-8"?>
 <p:sld xmlns:a="http://schemas.openxmlformats.org/drawingml/2006/main" xmlns:r="http://schemas.openxmlformats.org/officeDocument/2006/relationships" xmlns:p="http://schemas.openxmlformats.org/presentationml/2006/main">
   <p:cSld>
     <p:spTree>
@@ -7118,7 +8187,17 @@
                   </a:schemeClr>
                 </a:solidFill>
               </a:rPr>
-              <a:t>Shift scheduler</a:t>
+              <a:t>Shift </a:t>
+            </a:r>
+            <a:r>
+              <a:rPr lang="en-US" sz="2800" b="1" dirty="0" smtClean="0">
+                <a:solidFill>
+                  <a:schemeClr val="accent1">
+                    <a:lumMod val="50000"/>
+                  </a:schemeClr>
+                </a:solidFill>
+              </a:rPr>
+              <a:t>scheduler</a:t>
             </a:r>
           </a:p>
           <a:p>
@@ -7335,14 +8414,14 @@
       </p:cxnSp>
       <p:sp>
         <p:nvSpPr>
-          <p:cNvPr id="16" name="Rectangle 15"/>
+          <p:cNvPr id="11" name="Rectangle 10"/>
           <p:cNvSpPr/>
           <p:nvPr/>
         </p:nvSpPr>
         <p:spPr>
           <a:xfrm>
-            <a:off x="298106" y="211072"/>
-            <a:ext cx="4108432" cy="923330"/>
+            <a:off x="96804" y="219483"/>
+            <a:ext cx="8459368" cy="830997"/>
           </a:xfrm>
           <a:prstGeom prst="rect">
             <a:avLst/>
@@ -7357,61 +8436,29 @@
           <a:p>
             <a:pPr algn="ctr"/>
             <a:r>
-              <a:rPr lang="en-US" sz="5400" dirty="0">
-                <a:ln w="0"/>
+              <a:rPr lang="en-US" sz="4800" b="1" dirty="0">
                 <a:solidFill>
                   <a:srgbClr val="0070C0"/>
                 </a:solidFill>
-                <a:effectLst>
-                  <a:outerShdw blurRad="38100" dist="25400" dir="5400000" algn="ctr" rotWithShape="0">
-                    <a:srgbClr val="6E747A">
-                      <a:alpha val="43000"/>
-                    </a:srgbClr>
-                  </a:outerShdw>
-                </a:effectLst>
               </a:rPr>
-              <a:t>Our Proposal</a:t>
-            </a:r>
+              <a:t>Portal Features management</a:t>
+            </a:r>
+            <a:endParaRPr lang="en-US" sz="4800" dirty="0">
+              <a:ln w="0"/>
+              <a:solidFill>
+                <a:srgbClr val="0070C0"/>
+              </a:solidFill>
+              <a:effectLst>
+                <a:outerShdw blurRad="38100" dist="25400" dir="5400000" algn="ctr" rotWithShape="0">
+                  <a:srgbClr val="6E747A">
+                    <a:alpha val="43000"/>
+                  </a:srgbClr>
+                </a:outerShdw>
+              </a:effectLst>
+            </a:endParaRPr>
           </a:p>
         </p:txBody>
       </p:sp>
-      <p:cxnSp>
-        <p:nvCxnSpPr>
-          <p:cNvPr id="17" name="Straight Connector 16"/>
-          <p:cNvCxnSpPr/>
-          <p:nvPr/>
-        </p:nvCxnSpPr>
-        <p:spPr>
-          <a:xfrm>
-            <a:off x="352697" y="1134402"/>
-            <a:ext cx="8072846" cy="0"/>
-          </a:xfrm>
-          <a:prstGeom prst="line">
-            <a:avLst/>
-          </a:prstGeom>
-          <a:ln>
-            <a:solidFill>
-              <a:schemeClr val="accent2">
-                <a:lumMod val="75000"/>
-              </a:schemeClr>
-            </a:solidFill>
-          </a:ln>
-        </p:spPr>
-        <p:style>
-          <a:lnRef idx="1">
-            <a:schemeClr val="accent1"/>
-          </a:lnRef>
-          <a:fillRef idx="0">
-            <a:schemeClr val="accent1"/>
-          </a:fillRef>
-          <a:effectRef idx="0">
-            <a:schemeClr val="accent1"/>
-          </a:effectRef>
-          <a:fontRef idx="minor">
-            <a:schemeClr val="tx1"/>
-          </a:fontRef>
-        </p:style>
-      </p:cxnSp>
     </p:spTree>
     <p:extLst>
       <p:ext uri="{BB962C8B-B14F-4D97-AF65-F5344CB8AC3E}">
@@ -7432,7 +8479,7 @@
 </p:sld>
 </file>
 
-<file path=ppt/slides/slide13.xml><?xml version="1.0" encoding="utf-8"?>
+<file path=ppt/slides/slide16.xml><?xml version="1.0" encoding="utf-8"?>
 <p:sld xmlns:a="http://schemas.openxmlformats.org/drawingml/2006/main" xmlns:r="http://schemas.openxmlformats.org/officeDocument/2006/relationships" xmlns:p="http://schemas.openxmlformats.org/presentationml/2006/main">
   <p:cSld>
     <p:spTree>
@@ -7449,85 +8496,6 @@
           <a:chExt cx="0" cy="0"/>
         </a:xfrm>
       </p:grpSpPr>
-      <p:sp>
-        <p:nvSpPr>
-          <p:cNvPr id="4" name="Rectangle 3"/>
-          <p:cNvSpPr/>
-          <p:nvPr/>
-        </p:nvSpPr>
-        <p:spPr>
-          <a:xfrm>
-            <a:off x="298106" y="211072"/>
-            <a:ext cx="4108432" cy="923330"/>
-          </a:xfrm>
-          <a:prstGeom prst="rect">
-            <a:avLst/>
-          </a:prstGeom>
-          <a:noFill/>
-        </p:spPr>
-        <p:txBody>
-          <a:bodyPr wrap="none" lIns="91440" tIns="45720" rIns="91440" bIns="45720">
-            <a:spAutoFit/>
-          </a:bodyPr>
-          <a:lstStyle/>
-          <a:p>
-            <a:pPr algn="ctr"/>
-            <a:r>
-              <a:rPr lang="en-US" sz="5400" dirty="0">
-                <a:ln w="0"/>
-                <a:solidFill>
-                  <a:srgbClr val="0070C0"/>
-                </a:solidFill>
-                <a:effectLst>
-                  <a:outerShdw blurRad="38100" dist="25400" dir="5400000" algn="ctr" rotWithShape="0">
-                    <a:srgbClr val="6E747A">
-                      <a:alpha val="43000"/>
-                    </a:srgbClr>
-                  </a:outerShdw>
-                </a:effectLst>
-              </a:rPr>
-              <a:t>Our Proposal</a:t>
-            </a:r>
-          </a:p>
-        </p:txBody>
-      </p:sp>
-      <p:cxnSp>
-        <p:nvCxnSpPr>
-          <p:cNvPr id="5" name="Straight Connector 4"/>
-          <p:cNvCxnSpPr/>
-          <p:nvPr/>
-        </p:nvCxnSpPr>
-        <p:spPr>
-          <a:xfrm>
-            <a:off x="352697" y="1134402"/>
-            <a:ext cx="8072846" cy="0"/>
-          </a:xfrm>
-          <a:prstGeom prst="line">
-            <a:avLst/>
-          </a:prstGeom>
-          <a:ln>
-            <a:solidFill>
-              <a:schemeClr val="accent2">
-                <a:lumMod val="75000"/>
-              </a:schemeClr>
-            </a:solidFill>
-          </a:ln>
-        </p:spPr>
-        <p:style>
-          <a:lnRef idx="1">
-            <a:schemeClr val="accent1"/>
-          </a:lnRef>
-          <a:fillRef idx="0">
-            <a:schemeClr val="accent1"/>
-          </a:fillRef>
-          <a:effectRef idx="0">
-            <a:schemeClr val="accent1"/>
-          </a:effectRef>
-          <a:fontRef idx="minor">
-            <a:schemeClr val="tx1"/>
-          </a:fontRef>
-        </p:style>
-      </p:cxnSp>
       <p:grpSp>
         <p:nvGrpSpPr>
           <p:cNvPr id="6" name="Group 5"/>
@@ -7854,6 +8822,49 @@
           </a:prstGeom>
         </p:spPr>
       </p:pic>
+      <p:sp>
+        <p:nvSpPr>
+          <p:cNvPr id="17" name="Rectangle 16"/>
+          <p:cNvSpPr/>
+          <p:nvPr/>
+        </p:nvSpPr>
+        <p:spPr>
+          <a:xfrm>
+            <a:off x="96804" y="219483"/>
+            <a:ext cx="6854762" cy="1064650"/>
+          </a:xfrm>
+          <a:prstGeom prst="rect">
+            <a:avLst/>
+          </a:prstGeom>
+          <a:noFill/>
+        </p:spPr>
+        <p:txBody>
+          <a:bodyPr wrap="none" lIns="91440" tIns="45720" rIns="91440" bIns="45720">
+            <a:spAutoFit/>
+          </a:bodyPr>
+          <a:lstStyle/>
+          <a:p>
+            <a:pPr>
+              <a:lnSpc>
+                <a:spcPct val="150000"/>
+              </a:lnSpc>
+            </a:pPr>
+            <a:r>
+              <a:rPr lang="en-US" sz="4800" b="1" dirty="0" smtClean="0">
+                <a:solidFill>
+                  <a:srgbClr val="0070C0"/>
+                </a:solidFill>
+              </a:rPr>
+              <a:t>Manage Shift scheduler</a:t>
+            </a:r>
+            <a:endParaRPr lang="en-US" sz="4800" b="1" dirty="0">
+              <a:solidFill>
+                <a:srgbClr val="0070C0"/>
+              </a:solidFill>
+            </a:endParaRPr>
+          </a:p>
+        </p:txBody>
+      </p:sp>
     </p:spTree>
     <p:extLst>
       <p:ext uri="{BB962C8B-B14F-4D97-AF65-F5344CB8AC3E}">
@@ -8234,576 +9245,6 @@
 </p:sld>
 </file>
 
-<file path=ppt/slides/slide14.xml><?xml version="1.0" encoding="utf-8"?>
-<p:sld xmlns:a="http://schemas.openxmlformats.org/drawingml/2006/main" xmlns:r="http://schemas.openxmlformats.org/officeDocument/2006/relationships" xmlns:p="http://schemas.openxmlformats.org/presentationml/2006/main">
-  <p:cSld>
-    <p:spTree>
-      <p:nvGrpSpPr>
-        <p:cNvPr id="1" name=""/>
-        <p:cNvGrpSpPr/>
-        <p:nvPr/>
-      </p:nvGrpSpPr>
-      <p:grpSpPr>
-        <a:xfrm>
-          <a:off x="0" y="0"/>
-          <a:ext cx="0" cy="0"/>
-          <a:chOff x="0" y="0"/>
-          <a:chExt cx="0" cy="0"/>
-        </a:xfrm>
-      </p:grpSpPr>
-      <p:sp>
-        <p:nvSpPr>
-          <p:cNvPr id="3" name="Rectangle 2"/>
-          <p:cNvSpPr/>
-          <p:nvPr/>
-        </p:nvSpPr>
-        <p:spPr>
-          <a:xfrm>
-            <a:off x="545703" y="412144"/>
-            <a:ext cx="9632765" cy="1323439"/>
-          </a:xfrm>
-          <a:prstGeom prst="rect">
-            <a:avLst/>
-          </a:prstGeom>
-          <a:noFill/>
-        </p:spPr>
-        <p:txBody>
-          <a:bodyPr wrap="none" lIns="91440" tIns="45720" rIns="91440" bIns="45720">
-            <a:spAutoFit/>
-          </a:bodyPr>
-          <a:lstStyle/>
-          <a:p>
-            <a:pPr algn="ctr"/>
-            <a:r>
-              <a:rPr lang="en-US" sz="8000" b="1" cap="none" spc="0" dirty="0" smtClean="0">
-                <a:ln w="9525">
-                  <a:solidFill>
-                    <a:schemeClr val="bg1"/>
-                  </a:solidFill>
-                  <a:prstDash val="solid"/>
-                </a:ln>
-                <a:solidFill>
-                  <a:schemeClr val="accent1">
-                    <a:lumMod val="50000"/>
-                  </a:schemeClr>
-                </a:solidFill>
-                <a:effectLst>
-                  <a:outerShdw blurRad="12700" dist="38100" dir="2700000" algn="tl" rotWithShape="0">
-                    <a:schemeClr val="accent5">
-                      <a:lumMod val="60000"/>
-                      <a:lumOff val="40000"/>
-                    </a:schemeClr>
-                  </a:outerShdw>
-                </a:effectLst>
-              </a:rPr>
-              <a:t>3. </a:t>
-            </a:r>
-            <a:r>
-              <a:rPr lang="en-US" sz="8000" b="1" dirty="0" smtClean="0">
-                <a:ln w="9525">
-                  <a:solidFill>
-                    <a:schemeClr val="bg1"/>
-                  </a:solidFill>
-                  <a:prstDash val="solid"/>
-                </a:ln>
-                <a:solidFill>
-                  <a:schemeClr val="accent1">
-                    <a:lumMod val="50000"/>
-                  </a:schemeClr>
-                </a:solidFill>
-                <a:effectLst>
-                  <a:outerShdw blurRad="12700" dist="38100" dir="2700000" algn="tl" rotWithShape="0">
-                    <a:schemeClr val="accent5">
-                      <a:lumMod val="60000"/>
-                      <a:lumOff val="40000"/>
-                    </a:schemeClr>
-                  </a:outerShdw>
-                </a:effectLst>
-              </a:rPr>
-              <a:t>Features &amp; demo</a:t>
-            </a:r>
-            <a:endParaRPr lang="en-US" sz="8000" b="1" cap="none" spc="0" dirty="0">
-              <a:ln w="9525">
-                <a:solidFill>
-                  <a:schemeClr val="bg1"/>
-                </a:solidFill>
-                <a:prstDash val="solid"/>
-              </a:ln>
-              <a:solidFill>
-                <a:schemeClr val="accent1">
-                  <a:lumMod val="50000"/>
-                </a:schemeClr>
-              </a:solidFill>
-              <a:effectLst>
-                <a:outerShdw blurRad="12700" dist="38100" dir="2700000" algn="tl" rotWithShape="0">
-                  <a:schemeClr val="accent5">
-                    <a:lumMod val="60000"/>
-                    <a:lumOff val="40000"/>
-                  </a:schemeClr>
-                </a:outerShdw>
-              </a:effectLst>
-            </a:endParaRPr>
-          </a:p>
-        </p:txBody>
-      </p:sp>
-    </p:spTree>
-    <p:extLst>
-      <p:ext uri="{BB962C8B-B14F-4D97-AF65-F5344CB8AC3E}">
-        <p14:creationId xmlns:p14="http://schemas.microsoft.com/office/powerpoint/2010/main" val="2880953764"/>
-      </p:ext>
-    </p:extLst>
-  </p:cSld>
-  <p:clrMapOvr>
-    <a:masterClrMapping/>
-  </p:clrMapOvr>
-  <p:timing>
-    <p:tnLst>
-      <p:par>
-        <p:cTn id="1" dur="indefinite" restart="never" nodeType="tmRoot"/>
-      </p:par>
-    </p:tnLst>
-  </p:timing>
-</p:sld>
-</file>
-
-<file path=ppt/slides/slide15.xml><?xml version="1.0" encoding="utf-8"?>
-<p:sld xmlns:a="http://schemas.openxmlformats.org/drawingml/2006/main" xmlns:r="http://schemas.openxmlformats.org/officeDocument/2006/relationships" xmlns:p="http://schemas.openxmlformats.org/presentationml/2006/main">
-  <p:cSld>
-    <p:spTree>
-      <p:nvGrpSpPr>
-        <p:cNvPr id="1" name=""/>
-        <p:cNvGrpSpPr/>
-        <p:nvPr/>
-      </p:nvGrpSpPr>
-      <p:grpSpPr>
-        <a:xfrm>
-          <a:off x="0" y="0"/>
-          <a:ext cx="0" cy="0"/>
-          <a:chOff x="0" y="0"/>
-          <a:chExt cx="0" cy="0"/>
-        </a:xfrm>
-      </p:grpSpPr>
-      <p:sp>
-        <p:nvSpPr>
-          <p:cNvPr id="4" name="Rectangle 3"/>
-          <p:cNvSpPr/>
-          <p:nvPr/>
-        </p:nvSpPr>
-        <p:spPr>
-          <a:xfrm>
-            <a:off x="474057" y="211072"/>
-            <a:ext cx="4509569" cy="923330"/>
-          </a:xfrm>
-          <a:prstGeom prst="rect">
-            <a:avLst/>
-          </a:prstGeom>
-          <a:noFill/>
-        </p:spPr>
-        <p:txBody>
-          <a:bodyPr wrap="none" lIns="91440" tIns="45720" rIns="91440" bIns="45720">
-            <a:spAutoFit/>
-          </a:bodyPr>
-          <a:lstStyle/>
-          <a:p>
-            <a:pPr algn="ctr"/>
-            <a:r>
-              <a:rPr lang="en-US" sz="5400" dirty="0" smtClean="0">
-                <a:ln w="0"/>
-                <a:solidFill>
-                  <a:srgbClr val="0070C0"/>
-                </a:solidFill>
-                <a:effectLst>
-                  <a:outerShdw blurRad="38100" dist="25400" dir="5400000" algn="ctr" rotWithShape="0">
-                    <a:srgbClr val="6E747A">
-                      <a:alpha val="43000"/>
-                    </a:srgbClr>
-                  </a:outerShdw>
-                </a:effectLst>
-              </a:rPr>
-              <a:t>Main Features</a:t>
-            </a:r>
-            <a:endParaRPr lang="en-US" sz="5400" dirty="0">
-              <a:ln w="0"/>
-              <a:solidFill>
-                <a:srgbClr val="0070C0"/>
-              </a:solidFill>
-              <a:effectLst>
-                <a:outerShdw blurRad="38100" dist="25400" dir="5400000" algn="ctr" rotWithShape="0">
-                  <a:srgbClr val="6E747A">
-                    <a:alpha val="43000"/>
-                  </a:srgbClr>
-                </a:outerShdw>
-              </a:effectLst>
-            </a:endParaRPr>
-          </a:p>
-        </p:txBody>
-      </p:sp>
-      <p:cxnSp>
-        <p:nvCxnSpPr>
-          <p:cNvPr id="5" name="Straight Connector 4"/>
-          <p:cNvCxnSpPr/>
-          <p:nvPr/>
-        </p:nvCxnSpPr>
-        <p:spPr>
-          <a:xfrm>
-            <a:off x="352697" y="1134402"/>
-            <a:ext cx="8072846" cy="0"/>
-          </a:xfrm>
-          <a:prstGeom prst="line">
-            <a:avLst/>
-          </a:prstGeom>
-          <a:ln>
-            <a:solidFill>
-              <a:schemeClr val="accent2">
-                <a:lumMod val="75000"/>
-              </a:schemeClr>
-            </a:solidFill>
-          </a:ln>
-        </p:spPr>
-        <p:style>
-          <a:lnRef idx="1">
-            <a:schemeClr val="accent1"/>
-          </a:lnRef>
-          <a:fillRef idx="0">
-            <a:schemeClr val="accent1"/>
-          </a:fillRef>
-          <a:effectRef idx="0">
-            <a:schemeClr val="accent1"/>
-          </a:effectRef>
-          <a:fontRef idx="minor">
-            <a:schemeClr val="tx1"/>
-          </a:fontRef>
-        </p:style>
-      </p:cxnSp>
-      <p:sp>
-        <p:nvSpPr>
-          <p:cNvPr id="6" name="TextBox 5"/>
-          <p:cNvSpPr txBox="1"/>
-          <p:nvPr/>
-        </p:nvSpPr>
-        <p:spPr>
-          <a:xfrm>
-            <a:off x="1734167" y="1748357"/>
-            <a:ext cx="5309906" cy="3970318"/>
-          </a:xfrm>
-          <a:prstGeom prst="rect">
-            <a:avLst/>
-          </a:prstGeom>
-          <a:noFill/>
-        </p:spPr>
-        <p:txBody>
-          <a:bodyPr wrap="square" rtlCol="0">
-            <a:spAutoFit/>
-          </a:bodyPr>
-          <a:lstStyle/>
-          <a:p>
-            <a:r>
-              <a:rPr lang="en-US" sz="2800" b="1" dirty="0" smtClean="0">
-                <a:solidFill>
-                  <a:srgbClr val="0070C0"/>
-                </a:solidFill>
-              </a:rPr>
-              <a:t>Portal </a:t>
-            </a:r>
-            <a:r>
-              <a:rPr lang="en-US" sz="2800" b="1" dirty="0">
-                <a:solidFill>
-                  <a:srgbClr val="0070C0"/>
-                </a:solidFill>
-              </a:rPr>
-              <a:t>system </a:t>
-            </a:r>
-            <a:r>
-              <a:rPr lang="en-US" sz="2800" b="1" dirty="0" smtClean="0">
-                <a:solidFill>
-                  <a:srgbClr val="0070C0"/>
-                </a:solidFill>
-              </a:rPr>
-              <a:t>management:</a:t>
-            </a:r>
-          </a:p>
-          <a:p>
-            <a:r>
-              <a:rPr lang="en-US" sz="2800" dirty="0" smtClean="0">
-                <a:solidFill>
-                  <a:srgbClr val="0070C0"/>
-                </a:solidFill>
-              </a:rPr>
-              <a:t>	+ </a:t>
-            </a:r>
-            <a:r>
-              <a:rPr lang="en-US" sz="2800" dirty="0">
-                <a:solidFill>
-                  <a:srgbClr val="0070C0"/>
-                </a:solidFill>
-              </a:rPr>
-              <a:t>Manage department</a:t>
-            </a:r>
-          </a:p>
-          <a:p>
-            <a:r>
-              <a:rPr lang="en-US" sz="2800" b="1" dirty="0" smtClean="0">
-                <a:solidFill>
-                  <a:srgbClr val="0070C0"/>
-                </a:solidFill>
-              </a:rPr>
-              <a:t>	</a:t>
-            </a:r>
-            <a:r>
-              <a:rPr lang="en-US" sz="2800" dirty="0" smtClean="0">
-                <a:solidFill>
-                  <a:srgbClr val="0070C0"/>
-                </a:solidFill>
-              </a:rPr>
-              <a:t>+ Manage user 	</a:t>
-            </a:r>
-          </a:p>
-          <a:p>
-            <a:r>
-              <a:rPr lang="en-US" sz="2800" dirty="0">
-                <a:solidFill>
-                  <a:srgbClr val="0070C0"/>
-                </a:solidFill>
-              </a:rPr>
-              <a:t>	</a:t>
-            </a:r>
-            <a:r>
-              <a:rPr lang="en-US" sz="2800" dirty="0" smtClean="0">
-                <a:solidFill>
-                  <a:srgbClr val="0070C0"/>
-                </a:solidFill>
-              </a:rPr>
-              <a:t>+ Manage room</a:t>
-            </a:r>
-          </a:p>
-          <a:p>
-            <a:r>
-              <a:rPr lang="en-US" sz="2800" b="1" dirty="0">
-                <a:solidFill>
-                  <a:srgbClr val="0070C0"/>
-                </a:solidFill>
-              </a:rPr>
-              <a:t>Portal Features </a:t>
-            </a:r>
-            <a:r>
-              <a:rPr lang="en-US" sz="2800" b="1" dirty="0" smtClean="0">
-                <a:solidFill>
-                  <a:srgbClr val="0070C0"/>
-                </a:solidFill>
-              </a:rPr>
-              <a:t>management:</a:t>
-            </a:r>
-            <a:endParaRPr lang="en-US" sz="2800" b="1" dirty="0">
-              <a:solidFill>
-                <a:srgbClr val="0070C0"/>
-              </a:solidFill>
-            </a:endParaRPr>
-          </a:p>
-          <a:p>
-            <a:r>
-              <a:rPr lang="en-US" sz="2800" dirty="0" smtClean="0">
-                <a:solidFill>
-                  <a:srgbClr val="0070C0"/>
-                </a:solidFill>
-              </a:rPr>
-              <a:t>	+ Shift scheduler</a:t>
-            </a:r>
-          </a:p>
-          <a:p>
-            <a:r>
-              <a:rPr lang="en-US" sz="2800" dirty="0" smtClean="0">
-                <a:solidFill>
-                  <a:srgbClr val="0070C0"/>
-                </a:solidFill>
-              </a:rPr>
-              <a:t> 	+ Meeting scheduler</a:t>
-            </a:r>
-          </a:p>
-          <a:p>
-            <a:r>
-              <a:rPr lang="en-US" sz="2800" dirty="0" smtClean="0">
-                <a:solidFill>
-                  <a:srgbClr val="0070C0"/>
-                </a:solidFill>
-              </a:rPr>
-              <a:t> 	+ Mission scheduler</a:t>
-            </a:r>
-          </a:p>
-          <a:p>
-            <a:r>
-              <a:rPr lang="en-US" sz="2800" dirty="0" smtClean="0">
-                <a:solidFill>
-                  <a:srgbClr val="0070C0"/>
-                </a:solidFill>
-              </a:rPr>
-              <a:t> 	+ Notification</a:t>
-            </a:r>
-            <a:endParaRPr lang="en-US" sz="2800" dirty="0">
-              <a:solidFill>
-                <a:srgbClr val="0070C0"/>
-              </a:solidFill>
-            </a:endParaRPr>
-          </a:p>
-        </p:txBody>
-      </p:sp>
-    </p:spTree>
-    <p:extLst>
-      <p:ext uri="{BB962C8B-B14F-4D97-AF65-F5344CB8AC3E}">
-        <p14:creationId xmlns:p14="http://schemas.microsoft.com/office/powerpoint/2010/main" val="662927288"/>
-      </p:ext>
-    </p:extLst>
-  </p:cSld>
-  <p:clrMapOvr>
-    <a:masterClrMapping/>
-  </p:clrMapOvr>
-  <p:timing>
-    <p:tnLst>
-      <p:par>
-        <p:cTn id="1" dur="indefinite" restart="never" nodeType="tmRoot"/>
-      </p:par>
-    </p:tnLst>
-  </p:timing>
-</p:sld>
-</file>
-
-<file path=ppt/slides/slide16.xml><?xml version="1.0" encoding="utf-8"?>
-<p:sld xmlns:a="http://schemas.openxmlformats.org/drawingml/2006/main" xmlns:r="http://schemas.openxmlformats.org/officeDocument/2006/relationships" xmlns:p="http://schemas.openxmlformats.org/presentationml/2006/main">
-  <p:cSld>
-    <p:spTree>
-      <p:nvGrpSpPr>
-        <p:cNvPr id="1" name=""/>
-        <p:cNvGrpSpPr/>
-        <p:nvPr/>
-      </p:nvGrpSpPr>
-      <p:grpSpPr>
-        <a:xfrm>
-          <a:off x="0" y="0"/>
-          <a:ext cx="0" cy="0"/>
-          <a:chOff x="0" y="0"/>
-          <a:chExt cx="0" cy="0"/>
-        </a:xfrm>
-      </p:grpSpPr>
-      <p:sp>
-        <p:nvSpPr>
-          <p:cNvPr id="2" name="Rectangle 1"/>
-          <p:cNvSpPr/>
-          <p:nvPr/>
-        </p:nvSpPr>
-        <p:spPr>
-          <a:xfrm>
-            <a:off x="343014" y="306267"/>
-            <a:ext cx="4027770" cy="830997"/>
-          </a:xfrm>
-          <a:prstGeom prst="rect">
-            <a:avLst/>
-          </a:prstGeom>
-          <a:noFill/>
-        </p:spPr>
-        <p:txBody>
-          <a:bodyPr wrap="none" lIns="91440" tIns="45720" rIns="91440" bIns="45720">
-            <a:spAutoFit/>
-          </a:bodyPr>
-          <a:lstStyle/>
-          <a:p>
-            <a:pPr algn="ctr"/>
-            <a:r>
-              <a:rPr lang="en-US" sz="4800" dirty="0" smtClean="0">
-                <a:ln w="0"/>
-                <a:solidFill>
-                  <a:srgbClr val="0070C0"/>
-                </a:solidFill>
-                <a:effectLst>
-                  <a:outerShdw blurRad="38100" dist="25400" dir="5400000" algn="ctr" rotWithShape="0">
-                    <a:srgbClr val="6E747A">
-                      <a:alpha val="43000"/>
-                    </a:srgbClr>
-                  </a:outerShdw>
-                </a:effectLst>
-              </a:rPr>
-              <a:t>Role </a:t>
-            </a:r>
-            <a:r>
-              <a:rPr lang="en-US" sz="4800" dirty="0">
-                <a:ln w="0"/>
-                <a:solidFill>
-                  <a:srgbClr val="0070C0"/>
-                </a:solidFill>
-                <a:effectLst>
-                  <a:outerShdw blurRad="38100" dist="25400" dir="5400000" algn="ctr" rotWithShape="0">
-                    <a:srgbClr val="6E747A">
-                      <a:alpha val="43000"/>
-                    </a:srgbClr>
-                  </a:outerShdw>
-                </a:effectLst>
-              </a:rPr>
-              <a:t>overview</a:t>
-            </a:r>
-            <a:endParaRPr lang="en-US" sz="4800" dirty="0">
-              <a:ln w="0"/>
-              <a:solidFill>
-                <a:srgbClr val="0070C0"/>
-              </a:solidFill>
-              <a:effectLst>
-                <a:outerShdw blurRad="38100" dist="25400" dir="5400000" algn="ctr" rotWithShape="0">
-                  <a:srgbClr val="6E747A">
-                    <a:alpha val="43000"/>
-                  </a:srgbClr>
-                </a:outerShdw>
-              </a:effectLst>
-            </a:endParaRPr>
-          </a:p>
-        </p:txBody>
-      </p:sp>
-      <p:pic>
-        <p:nvPicPr>
-          <p:cNvPr id="5" name="Picture 4"/>
-          <p:cNvPicPr>
-            <a:picLocks noChangeAspect="1"/>
-          </p:cNvPicPr>
-          <p:nvPr/>
-        </p:nvPicPr>
-        <p:blipFill>
-          <a:blip r:embed="rId2">
-            <a:extLst>
-              <a:ext uri="{28A0092B-C50C-407E-A947-70E740481C1C}">
-                <a14:useLocalDpi xmlns:a14="http://schemas.microsoft.com/office/drawing/2010/main" val="0"/>
-              </a:ext>
-            </a:extLst>
-          </a:blip>
-          <a:stretch>
-            <a:fillRect/>
-          </a:stretch>
-        </p:blipFill>
-        <p:spPr>
-          <a:xfrm>
-            <a:off x="595312" y="1233487"/>
-            <a:ext cx="10058400" cy="4014651"/>
-          </a:xfrm>
-          <a:prstGeom prst="rect">
-            <a:avLst/>
-          </a:prstGeom>
-        </p:spPr>
-      </p:pic>
-    </p:spTree>
-    <p:extLst>
-      <p:ext uri="{BB962C8B-B14F-4D97-AF65-F5344CB8AC3E}">
-        <p14:creationId xmlns:p14="http://schemas.microsoft.com/office/powerpoint/2010/main" val="1367719297"/>
-      </p:ext>
-    </p:extLst>
-  </p:cSld>
-  <p:clrMapOvr>
-    <a:masterClrMapping/>
-  </p:clrMapOvr>
-  <p:timing>
-    <p:tnLst>
-      <p:par>
-        <p:cTn id="1" dur="indefinite" restart="never" nodeType="tmRoot"/>
-      </p:par>
-    </p:tnLst>
-  </p:timing>
-</p:sld>
-</file>
-
 <file path=ppt/slides/slide17.xml><?xml version="1.0" encoding="utf-8"?>
 <p:sld xmlns:a="http://schemas.openxmlformats.org/drawingml/2006/main" xmlns:r="http://schemas.openxmlformats.org/officeDocument/2006/relationships" xmlns:p="http://schemas.openxmlformats.org/presentationml/2006/main">
   <p:cSld>
@@ -8878,16 +9319,14 @@
       </p:sp>
       <p:pic>
         <p:nvPicPr>
-          <p:cNvPr id="5" name="Content Placeholder 4"/>
+          <p:cNvPr id="19" name="Picture 18"/>
           <p:cNvPicPr>
-            <a:picLocks noGrp="1"/>
+            <a:picLocks noChangeAspect="1"/>
           </p:cNvPicPr>
-          <p:nvPr>
-            <p:ph idx="1"/>
-          </p:nvPr>
+          <p:nvPr/>
         </p:nvPicPr>
         <p:blipFill>
-          <a:blip r:embed="rId2">
+          <a:blip r:embed="rId2" cstate="print">
             <a:extLst>
               <a:ext uri="{28A0092B-C50C-407E-A947-70E740481C1C}">
                 <a14:useLocalDpi xmlns:a14="http://schemas.microsoft.com/office/drawing/2010/main" val="0"/>
@@ -8900,8 +9339,8 @@
         </p:blipFill>
         <p:spPr>
           <a:xfrm>
-            <a:off x="8132773" y="1719716"/>
-            <a:ext cx="1788868" cy="1711899"/>
+            <a:off x="7255859" y="4966377"/>
+            <a:ext cx="1562101" cy="1562101"/>
           </a:xfrm>
           <a:prstGeom prst="rect">
             <a:avLst/>
@@ -8910,14 +9349,14 @@
       </p:pic>
       <p:pic>
         <p:nvPicPr>
-          <p:cNvPr id="6" name="Picture 5"/>
+          <p:cNvPr id="15" name="Picture 14"/>
           <p:cNvPicPr>
             <a:picLocks noChangeAspect="1"/>
           </p:cNvPicPr>
           <p:nvPr/>
         </p:nvPicPr>
         <p:blipFill>
-          <a:blip r:embed="rId3" cstate="print">
+          <a:blip r:embed="rId3">
             <a:extLst>
               <a:ext uri="{28A0092B-C50C-407E-A947-70E740481C1C}">
                 <a14:useLocalDpi xmlns:a14="http://schemas.microsoft.com/office/drawing/2010/main" val="0"/>
@@ -8930,8 +9369,8 @@
         </p:blipFill>
         <p:spPr>
           <a:xfrm>
-            <a:off x="4610307" y="1774258"/>
-            <a:ext cx="1359570" cy="1295466"/>
+            <a:off x="874510" y="2498493"/>
+            <a:ext cx="1572901" cy="1490689"/>
           </a:xfrm>
           <a:prstGeom prst="rect">
             <a:avLst/>
@@ -8940,14 +9379,14 @@
       </p:pic>
       <p:pic>
         <p:nvPicPr>
-          <p:cNvPr id="7" name="Picture 6"/>
+          <p:cNvPr id="16" name="Picture 15"/>
           <p:cNvPicPr>
             <a:picLocks noChangeAspect="1"/>
           </p:cNvPicPr>
           <p:nvPr/>
         </p:nvPicPr>
         <p:blipFill>
-          <a:blip r:embed="rId4">
+          <a:blip r:embed="rId4" cstate="print">
             <a:extLst>
               <a:ext uri="{28A0092B-C50C-407E-A947-70E740481C1C}">
                 <a14:useLocalDpi xmlns:a14="http://schemas.microsoft.com/office/drawing/2010/main" val="0"/>
@@ -8960,27 +9399,249 @@
         </p:blipFill>
         <p:spPr>
           <a:xfrm>
-            <a:off x="874510" y="1940926"/>
-            <a:ext cx="1572901" cy="1490689"/>
+            <a:off x="4339837" y="2363422"/>
+            <a:ext cx="1865210" cy="1777264"/>
           </a:xfrm>
           <a:prstGeom prst="rect">
             <a:avLst/>
           </a:prstGeom>
         </p:spPr>
       </p:pic>
+      <p:pic>
+        <p:nvPicPr>
+          <p:cNvPr id="17" name="Picture 16"/>
+          <p:cNvPicPr>
+            <a:picLocks noChangeAspect="1"/>
+          </p:cNvPicPr>
+          <p:nvPr/>
+        </p:nvPicPr>
+        <p:blipFill>
+          <a:blip r:embed="rId5" cstate="print">
+            <a:extLst>
+              <a:ext uri="{28A0092B-C50C-407E-A947-70E740481C1C}">
+                <a14:useLocalDpi xmlns:a14="http://schemas.microsoft.com/office/drawing/2010/main" val="0"/>
+              </a:ext>
+            </a:extLst>
+          </a:blip>
+          <a:stretch>
+            <a:fillRect/>
+          </a:stretch>
+        </p:blipFill>
+        <p:spPr>
+          <a:xfrm>
+            <a:off x="8004607" y="2376929"/>
+            <a:ext cx="1611180" cy="1745841"/>
+          </a:xfrm>
+          <a:prstGeom prst="rect">
+            <a:avLst/>
+          </a:prstGeom>
+        </p:spPr>
+      </p:pic>
+      <p:cxnSp>
+        <p:nvCxnSpPr>
+          <p:cNvPr id="20" name="Straight Arrow Connector 19"/>
+          <p:cNvCxnSpPr/>
+          <p:nvPr/>
+        </p:nvCxnSpPr>
+        <p:spPr>
+          <a:xfrm>
+            <a:off x="2607174" y="3106308"/>
+            <a:ext cx="1452266" cy="0"/>
+          </a:xfrm>
+          <a:prstGeom prst="straightConnector1">
+            <a:avLst/>
+          </a:prstGeom>
+          <a:ln>
+            <a:tailEnd type="triangle"/>
+          </a:ln>
+        </p:spPr>
+        <p:style>
+          <a:lnRef idx="1">
+            <a:schemeClr val="accent1"/>
+          </a:lnRef>
+          <a:fillRef idx="0">
+            <a:schemeClr val="accent1"/>
+          </a:fillRef>
+          <a:effectRef idx="0">
+            <a:schemeClr val="accent1"/>
+          </a:effectRef>
+          <a:fontRef idx="minor">
+            <a:schemeClr val="tx1"/>
+          </a:fontRef>
+        </p:style>
+      </p:cxnSp>
+      <p:cxnSp>
+        <p:nvCxnSpPr>
+          <p:cNvPr id="21" name="Straight Arrow Connector 20"/>
+          <p:cNvCxnSpPr/>
+          <p:nvPr/>
+        </p:nvCxnSpPr>
+        <p:spPr>
+          <a:xfrm>
+            <a:off x="6521248" y="3146830"/>
+            <a:ext cx="1453411" cy="0"/>
+          </a:xfrm>
+          <a:prstGeom prst="straightConnector1">
+            <a:avLst/>
+          </a:prstGeom>
+          <a:ln>
+            <a:tailEnd type="triangle"/>
+          </a:ln>
+        </p:spPr>
+        <p:style>
+          <a:lnRef idx="1">
+            <a:schemeClr val="accent1"/>
+          </a:lnRef>
+          <a:fillRef idx="0">
+            <a:schemeClr val="accent1"/>
+          </a:fillRef>
+          <a:effectRef idx="0">
+            <a:schemeClr val="accent1"/>
+          </a:effectRef>
+          <a:fontRef idx="minor">
+            <a:schemeClr val="tx1"/>
+          </a:fontRef>
+        </p:style>
+      </p:cxnSp>
+      <p:cxnSp>
+        <p:nvCxnSpPr>
+          <p:cNvPr id="22" name="Straight Arrow Connector 21"/>
+          <p:cNvCxnSpPr/>
+          <p:nvPr/>
+        </p:nvCxnSpPr>
+        <p:spPr>
+          <a:xfrm flipH="1">
+            <a:off x="6485444" y="3520966"/>
+            <a:ext cx="1489214" cy="5627"/>
+          </a:xfrm>
+          <a:prstGeom prst="straightConnector1">
+            <a:avLst/>
+          </a:prstGeom>
+          <a:ln>
+            <a:tailEnd type="triangle"/>
+          </a:ln>
+        </p:spPr>
+        <p:style>
+          <a:lnRef idx="1">
+            <a:schemeClr val="accent1"/>
+          </a:lnRef>
+          <a:fillRef idx="0">
+            <a:schemeClr val="accent1"/>
+          </a:fillRef>
+          <a:effectRef idx="0">
+            <a:schemeClr val="accent1"/>
+          </a:effectRef>
+          <a:fontRef idx="minor">
+            <a:schemeClr val="tx1"/>
+          </a:fontRef>
+        </p:style>
+      </p:cxnSp>
+      <p:cxnSp>
+        <p:nvCxnSpPr>
+          <p:cNvPr id="23" name="Straight Arrow Connector 22"/>
+          <p:cNvCxnSpPr/>
+          <p:nvPr/>
+        </p:nvCxnSpPr>
+        <p:spPr>
+          <a:xfrm>
+            <a:off x="5287193" y="4321943"/>
+            <a:ext cx="12465" cy="1215633"/>
+          </a:xfrm>
+          <a:prstGeom prst="straightConnector1">
+            <a:avLst/>
+          </a:prstGeom>
+          <a:ln>
+            <a:tailEnd type="triangle"/>
+          </a:ln>
+        </p:spPr>
+        <p:style>
+          <a:lnRef idx="1">
+            <a:schemeClr val="accent1"/>
+          </a:lnRef>
+          <a:fillRef idx="0">
+            <a:schemeClr val="accent1"/>
+          </a:fillRef>
+          <a:effectRef idx="0">
+            <a:schemeClr val="accent1"/>
+          </a:effectRef>
+          <a:fontRef idx="minor">
+            <a:schemeClr val="tx1"/>
+          </a:fontRef>
+        </p:style>
+      </p:cxnSp>
+      <p:pic>
+        <p:nvPicPr>
+          <p:cNvPr id="24" name="Picture 23"/>
+          <p:cNvPicPr>
+            <a:picLocks noChangeAspect="1"/>
+          </p:cNvPicPr>
+          <p:nvPr/>
+        </p:nvPicPr>
+        <p:blipFill rotWithShape="1">
+          <a:blip r:embed="rId6" cstate="print">
+            <a:extLst>
+              <a:ext uri="{28A0092B-C50C-407E-A947-70E740481C1C}">
+                <a14:useLocalDpi xmlns:a14="http://schemas.microsoft.com/office/drawing/2010/main" val="0"/>
+              </a:ext>
+            </a:extLst>
+          </a:blip>
+          <a:srcRect l="12907" t="33650" r="13175" b="19732"/>
+          <a:stretch/>
+        </p:blipFill>
+        <p:spPr>
+          <a:xfrm>
+            <a:off x="4676398" y="5672647"/>
+            <a:ext cx="1321190" cy="950220"/>
+          </a:xfrm>
+          <a:prstGeom prst="rect">
+            <a:avLst/>
+          </a:prstGeom>
+        </p:spPr>
+      </p:pic>
+      <p:pic>
+        <p:nvPicPr>
+          <p:cNvPr id="3" name="Picture 2"/>
+          <p:cNvPicPr>
+            <a:picLocks noChangeAspect="1"/>
+          </p:cNvPicPr>
+          <p:nvPr/>
+        </p:nvPicPr>
+        <p:blipFill rotWithShape="1">
+          <a:blip r:embed="rId7" cstate="print">
+            <a:extLst>
+              <a:ext uri="{28A0092B-C50C-407E-A947-70E740481C1C}">
+                <a14:useLocalDpi xmlns:a14="http://schemas.microsoft.com/office/drawing/2010/main" val="0"/>
+              </a:ext>
+            </a:extLst>
+          </a:blip>
+          <a:srcRect b="8450"/>
+          <a:stretch/>
+        </p:blipFill>
+        <p:spPr>
+          <a:xfrm>
+            <a:off x="4323041" y="909559"/>
+            <a:ext cx="1898802" cy="1815611"/>
+          </a:xfrm>
+          <a:prstGeom prst="rect">
+            <a:avLst/>
+          </a:prstGeom>
+        </p:spPr>
+      </p:pic>
       <p:sp>
         <p:nvSpPr>
-          <p:cNvPr id="10" name="Right Arrow 9"/>
+          <p:cNvPr id="8" name="Cross 7"/>
           <p:cNvSpPr/>
           <p:nvPr/>
         </p:nvSpPr>
         <p:spPr>
           <a:xfrm>
-            <a:off x="2942513" y="2465306"/>
-            <a:ext cx="1282262" cy="220718"/>
-          </a:xfrm>
-          <a:prstGeom prst="rightArrow">
-            <a:avLst/>
+            <a:off x="6277320" y="5572509"/>
+            <a:ext cx="487856" cy="502131"/>
+          </a:xfrm>
+          <a:prstGeom prst="plus">
+            <a:avLst>
+              <a:gd name="adj" fmla="val 45447"/>
+            </a:avLst>
           </a:prstGeom>
         </p:spPr>
         <p:style>
@@ -9008,156 +9669,6 @@
           </a:p>
         </p:txBody>
       </p:sp>
-      <p:sp>
-        <p:nvSpPr>
-          <p:cNvPr id="13" name="Right Arrow 12"/>
-          <p:cNvSpPr/>
-          <p:nvPr/>
-        </p:nvSpPr>
-        <p:spPr>
-          <a:xfrm>
-            <a:off x="6273559" y="2157958"/>
-            <a:ext cx="1555531" cy="264033"/>
-          </a:xfrm>
-          <a:prstGeom prst="rightArrow">
-            <a:avLst/>
-          </a:prstGeom>
-        </p:spPr>
-        <p:style>
-          <a:lnRef idx="2">
-            <a:schemeClr val="accent1">
-              <a:shade val="50000"/>
-            </a:schemeClr>
-          </a:lnRef>
-          <a:fillRef idx="1">
-            <a:schemeClr val="accent1"/>
-          </a:fillRef>
-          <a:effectRef idx="0">
-            <a:schemeClr val="accent1"/>
-          </a:effectRef>
-          <a:fontRef idx="minor">
-            <a:schemeClr val="lt1"/>
-          </a:fontRef>
-        </p:style>
-        <p:txBody>
-          <a:bodyPr rtlCol="0" anchor="ctr"/>
-          <a:lstStyle/>
-          <a:p>
-            <a:pPr algn="ctr"/>
-            <a:endParaRPr lang="en-US"/>
-          </a:p>
-        </p:txBody>
-      </p:sp>
-      <p:sp>
-        <p:nvSpPr>
-          <p:cNvPr id="14" name="Right Arrow 13"/>
-          <p:cNvSpPr/>
-          <p:nvPr/>
-        </p:nvSpPr>
-        <p:spPr>
-          <a:xfrm flipH="1">
-            <a:off x="6273558" y="2575665"/>
-            <a:ext cx="1555531" cy="264033"/>
-          </a:xfrm>
-          <a:prstGeom prst="rightArrow">
-            <a:avLst/>
-          </a:prstGeom>
-        </p:spPr>
-        <p:style>
-          <a:lnRef idx="2">
-            <a:schemeClr val="accent1">
-              <a:shade val="50000"/>
-            </a:schemeClr>
-          </a:lnRef>
-          <a:fillRef idx="1">
-            <a:schemeClr val="accent1"/>
-          </a:fillRef>
-          <a:effectRef idx="0">
-            <a:schemeClr val="accent1"/>
-          </a:effectRef>
-          <a:fontRef idx="minor">
-            <a:schemeClr val="lt1"/>
-          </a:fontRef>
-        </p:style>
-        <p:txBody>
-          <a:bodyPr rtlCol="0" anchor="ctr"/>
-          <a:lstStyle/>
-          <a:p>
-            <a:pPr algn="ctr"/>
-            <a:endParaRPr lang="en-US"/>
-          </a:p>
-        </p:txBody>
-      </p:sp>
-      <p:sp>
-        <p:nvSpPr>
-          <p:cNvPr id="18" name="Down Arrow 17"/>
-          <p:cNvSpPr/>
-          <p:nvPr/>
-        </p:nvSpPr>
-        <p:spPr>
-          <a:xfrm>
-            <a:off x="5213131" y="3263449"/>
-            <a:ext cx="252248" cy="1203447"/>
-          </a:xfrm>
-          <a:prstGeom prst="downArrow">
-            <a:avLst/>
-          </a:prstGeom>
-        </p:spPr>
-        <p:style>
-          <a:lnRef idx="2">
-            <a:schemeClr val="accent1">
-              <a:shade val="50000"/>
-            </a:schemeClr>
-          </a:lnRef>
-          <a:fillRef idx="1">
-            <a:schemeClr val="accent1"/>
-          </a:fillRef>
-          <a:effectRef idx="0">
-            <a:schemeClr val="accent1"/>
-          </a:effectRef>
-          <a:fontRef idx="minor">
-            <a:schemeClr val="lt1"/>
-          </a:fontRef>
-        </p:style>
-        <p:txBody>
-          <a:bodyPr rtlCol="0" anchor="ctr"/>
-          <a:lstStyle/>
-          <a:p>
-            <a:pPr algn="ctr"/>
-            <a:endParaRPr lang="en-US"/>
-          </a:p>
-        </p:txBody>
-      </p:sp>
-      <p:pic>
-        <p:nvPicPr>
-          <p:cNvPr id="19" name="Picture 18"/>
-          <p:cNvPicPr>
-            <a:picLocks noChangeAspect="1"/>
-          </p:cNvPicPr>
-          <p:nvPr/>
-        </p:nvPicPr>
-        <p:blipFill>
-          <a:blip r:embed="rId5" cstate="print">
-            <a:extLst>
-              <a:ext uri="{28A0092B-C50C-407E-A947-70E740481C1C}">
-                <a14:useLocalDpi xmlns:a14="http://schemas.microsoft.com/office/drawing/2010/main" val="0"/>
-              </a:ext>
-            </a:extLst>
-          </a:blip>
-          <a:stretch>
-            <a:fillRect/>
-          </a:stretch>
-        </p:blipFill>
-        <p:spPr>
-          <a:xfrm>
-            <a:off x="4610307" y="4738850"/>
-            <a:ext cx="1562101" cy="1562101"/>
-          </a:xfrm>
-          <a:prstGeom prst="rect">
-            <a:avLst/>
-          </a:prstGeom>
-        </p:spPr>
-      </p:pic>
     </p:spTree>
     <p:extLst>
       <p:ext uri="{BB962C8B-B14F-4D97-AF65-F5344CB8AC3E}">
@@ -9171,7 +9682,129 @@
   <p:timing>
     <p:tnLst>
       <p:par>
-        <p:cTn id="1" dur="indefinite" restart="never" nodeType="tmRoot"/>
+        <p:cTn id="1" dur="indefinite" restart="never" nodeType="tmRoot">
+          <p:childTnLst>
+            <p:seq concurrent="1" nextAc="seek">
+              <p:cTn id="2" dur="indefinite" nodeType="mainSeq">
+                <p:childTnLst>
+                  <p:par>
+                    <p:cTn id="3" fill="hold">
+                      <p:stCondLst>
+                        <p:cond delay="indefinite"/>
+                      </p:stCondLst>
+                      <p:childTnLst>
+                        <p:par>
+                          <p:cTn id="4" fill="hold">
+                            <p:stCondLst>
+                              <p:cond delay="0"/>
+                            </p:stCondLst>
+                            <p:childTnLst>
+                              <p:par>
+                                <p:cTn id="5" presetID="53" presetClass="entr" presetSubtype="16" fill="hold" nodeType="clickEffect">
+                                  <p:stCondLst>
+                                    <p:cond delay="0"/>
+                                  </p:stCondLst>
+                                  <p:childTnLst>
+                                    <p:set>
+                                      <p:cBhvr>
+                                        <p:cTn id="6" dur="1" fill="hold">
+                                          <p:stCondLst>
+                                            <p:cond delay="0"/>
+                                          </p:stCondLst>
+                                        </p:cTn>
+                                        <p:tgtEl>
+                                          <p:spTgt spid="19"/>
+                                        </p:tgtEl>
+                                        <p:attrNameLst>
+                                          <p:attrName>style.visibility</p:attrName>
+                                        </p:attrNameLst>
+                                      </p:cBhvr>
+                                      <p:to>
+                                        <p:strVal val="visible"/>
+                                      </p:to>
+                                    </p:set>
+                                    <p:anim calcmode="lin" valueType="num">
+                                      <p:cBhvr>
+                                        <p:cTn id="7" dur="500" fill="hold"/>
+                                        <p:tgtEl>
+                                          <p:spTgt spid="19"/>
+                                        </p:tgtEl>
+                                        <p:attrNameLst>
+                                          <p:attrName>ppt_w</p:attrName>
+                                        </p:attrNameLst>
+                                      </p:cBhvr>
+                                      <p:tavLst>
+                                        <p:tav tm="0">
+                                          <p:val>
+                                            <p:fltVal val="0"/>
+                                          </p:val>
+                                        </p:tav>
+                                        <p:tav tm="100000">
+                                          <p:val>
+                                            <p:strVal val="#ppt_w"/>
+                                          </p:val>
+                                        </p:tav>
+                                      </p:tavLst>
+                                    </p:anim>
+                                    <p:anim calcmode="lin" valueType="num">
+                                      <p:cBhvr>
+                                        <p:cTn id="8" dur="500" fill="hold"/>
+                                        <p:tgtEl>
+                                          <p:spTgt spid="19"/>
+                                        </p:tgtEl>
+                                        <p:attrNameLst>
+                                          <p:attrName>ppt_h</p:attrName>
+                                        </p:attrNameLst>
+                                      </p:cBhvr>
+                                      <p:tavLst>
+                                        <p:tav tm="0">
+                                          <p:val>
+                                            <p:fltVal val="0"/>
+                                          </p:val>
+                                        </p:tav>
+                                        <p:tav tm="100000">
+                                          <p:val>
+                                            <p:strVal val="#ppt_h"/>
+                                          </p:val>
+                                        </p:tav>
+                                      </p:tavLst>
+                                    </p:anim>
+                                    <p:animEffect transition="in" filter="fade">
+                                      <p:cBhvr>
+                                        <p:cTn id="9" dur="500"/>
+                                        <p:tgtEl>
+                                          <p:spTgt spid="19"/>
+                                        </p:tgtEl>
+                                      </p:cBhvr>
+                                    </p:animEffect>
+                                  </p:childTnLst>
+                                </p:cTn>
+                              </p:par>
+                            </p:childTnLst>
+                          </p:cTn>
+                        </p:par>
+                      </p:childTnLst>
+                    </p:cTn>
+                  </p:par>
+                </p:childTnLst>
+              </p:cTn>
+              <p:prevCondLst>
+                <p:cond evt="onPrev" delay="0">
+                  <p:tgtEl>
+                    <p:sldTgt/>
+                  </p:tgtEl>
+                </p:cond>
+              </p:prevCondLst>
+              <p:nextCondLst>
+                <p:cond evt="onNext" delay="0">
+                  <p:tgtEl>
+                    <p:sldTgt/>
+                  </p:tgtEl>
+                </p:cond>
+              </p:nextCondLst>
+            </p:seq>
+          </p:childTnLst>
+        </p:cTn>
       </p:par>
     </p:tnLst>
   </p:timing>
@@ -9252,14 +9885,14 @@
       </p:sp>
       <p:pic>
         <p:nvPicPr>
-          <p:cNvPr id="5" name="Content Placeholder 4"/>
+          <p:cNvPr id="14" name="Picture 13"/>
           <p:cNvPicPr>
-            <a:picLocks/>
+            <a:picLocks noChangeAspect="1"/>
           </p:cNvPicPr>
           <p:nvPr/>
         </p:nvPicPr>
         <p:blipFill>
-          <a:blip r:embed="rId2">
+          <a:blip r:embed="rId3">
             <a:extLst>
               <a:ext uri="{28A0092B-C50C-407E-A947-70E740481C1C}">
                 <a14:useLocalDpi xmlns:a14="http://schemas.microsoft.com/office/drawing/2010/main" val="0"/>
@@ -9272,8 +9905,8 @@
         </p:blipFill>
         <p:spPr>
           <a:xfrm>
-            <a:off x="8132773" y="1719716"/>
-            <a:ext cx="1788868" cy="1711899"/>
+            <a:off x="874510" y="2498493"/>
+            <a:ext cx="1572901" cy="1490689"/>
           </a:xfrm>
           <a:prstGeom prst="rect">
             <a:avLst/>
@@ -9282,14 +9915,14 @@
       </p:pic>
       <p:pic>
         <p:nvPicPr>
-          <p:cNvPr id="6" name="Picture 5"/>
+          <p:cNvPr id="15" name="Picture 14"/>
           <p:cNvPicPr>
             <a:picLocks noChangeAspect="1"/>
           </p:cNvPicPr>
           <p:nvPr/>
         </p:nvPicPr>
         <p:blipFill>
-          <a:blip r:embed="rId3" cstate="print">
+          <a:blip r:embed="rId4" cstate="print">
             <a:extLst>
               <a:ext uri="{28A0092B-C50C-407E-A947-70E740481C1C}">
                 <a14:useLocalDpi xmlns:a14="http://schemas.microsoft.com/office/drawing/2010/main" val="0"/>
@@ -9302,8 +9935,8 @@
         </p:blipFill>
         <p:spPr>
           <a:xfrm>
-            <a:off x="4610307" y="1774258"/>
-            <a:ext cx="1359570" cy="1295466"/>
+            <a:off x="4339837" y="2363422"/>
+            <a:ext cx="1865210" cy="1777264"/>
           </a:xfrm>
           <a:prstGeom prst="rect">
             <a:avLst/>
@@ -9312,197 +9945,7 @@
       </p:pic>
       <p:pic>
         <p:nvPicPr>
-          <p:cNvPr id="7" name="Picture 6"/>
-          <p:cNvPicPr>
-            <a:picLocks noChangeAspect="1"/>
-          </p:cNvPicPr>
-          <p:nvPr/>
-        </p:nvPicPr>
-        <p:blipFill>
-          <a:blip r:embed="rId4">
-            <a:extLst>
-              <a:ext uri="{28A0092B-C50C-407E-A947-70E740481C1C}">
-                <a14:useLocalDpi xmlns:a14="http://schemas.microsoft.com/office/drawing/2010/main" val="0"/>
-              </a:ext>
-            </a:extLst>
-          </a:blip>
-          <a:stretch>
-            <a:fillRect/>
-          </a:stretch>
-        </p:blipFill>
-        <p:spPr>
-          <a:xfrm>
-            <a:off x="874510" y="1940926"/>
-            <a:ext cx="1572901" cy="1490689"/>
-          </a:xfrm>
-          <a:prstGeom prst="rect">
-            <a:avLst/>
-          </a:prstGeom>
-        </p:spPr>
-      </p:pic>
-      <p:sp>
-        <p:nvSpPr>
-          <p:cNvPr id="9" name="Right Arrow 8"/>
-          <p:cNvSpPr/>
-          <p:nvPr/>
-        </p:nvSpPr>
-        <p:spPr>
-          <a:xfrm>
-            <a:off x="2942513" y="2465306"/>
-            <a:ext cx="1282262" cy="220718"/>
-          </a:xfrm>
-          <a:prstGeom prst="rightArrow">
-            <a:avLst/>
-          </a:prstGeom>
-        </p:spPr>
-        <p:style>
-          <a:lnRef idx="2">
-            <a:schemeClr val="accent1">
-              <a:shade val="50000"/>
-            </a:schemeClr>
-          </a:lnRef>
-          <a:fillRef idx="1">
-            <a:schemeClr val="accent1"/>
-          </a:fillRef>
-          <a:effectRef idx="0">
-            <a:schemeClr val="accent1"/>
-          </a:effectRef>
-          <a:fontRef idx="minor">
-            <a:schemeClr val="lt1"/>
-          </a:fontRef>
-        </p:style>
-        <p:txBody>
-          <a:bodyPr rtlCol="0" anchor="ctr"/>
-          <a:lstStyle/>
-          <a:p>
-            <a:pPr algn="ctr"/>
-            <a:endParaRPr lang="en-US"/>
-          </a:p>
-        </p:txBody>
-      </p:sp>
-      <p:sp>
-        <p:nvSpPr>
-          <p:cNvPr id="10" name="Right Arrow 9"/>
-          <p:cNvSpPr/>
-          <p:nvPr/>
-        </p:nvSpPr>
-        <p:spPr>
-          <a:xfrm>
-            <a:off x="6273559" y="2157958"/>
-            <a:ext cx="1555531" cy="264033"/>
-          </a:xfrm>
-          <a:prstGeom prst="rightArrow">
-            <a:avLst/>
-          </a:prstGeom>
-        </p:spPr>
-        <p:style>
-          <a:lnRef idx="2">
-            <a:schemeClr val="accent1">
-              <a:shade val="50000"/>
-            </a:schemeClr>
-          </a:lnRef>
-          <a:fillRef idx="1">
-            <a:schemeClr val="accent1"/>
-          </a:fillRef>
-          <a:effectRef idx="0">
-            <a:schemeClr val="accent1"/>
-          </a:effectRef>
-          <a:fontRef idx="minor">
-            <a:schemeClr val="lt1"/>
-          </a:fontRef>
-        </p:style>
-        <p:txBody>
-          <a:bodyPr rtlCol="0" anchor="ctr"/>
-          <a:lstStyle/>
-          <a:p>
-            <a:pPr algn="ctr"/>
-            <a:endParaRPr lang="en-US"/>
-          </a:p>
-        </p:txBody>
-      </p:sp>
-      <p:sp>
-        <p:nvSpPr>
-          <p:cNvPr id="11" name="Right Arrow 10"/>
-          <p:cNvSpPr/>
-          <p:nvPr/>
-        </p:nvSpPr>
-        <p:spPr>
-          <a:xfrm flipH="1">
-            <a:off x="6273558" y="2575665"/>
-            <a:ext cx="1555531" cy="264033"/>
-          </a:xfrm>
-          <a:prstGeom prst="rightArrow">
-            <a:avLst/>
-          </a:prstGeom>
-        </p:spPr>
-        <p:style>
-          <a:lnRef idx="2">
-            <a:schemeClr val="accent1">
-              <a:shade val="50000"/>
-            </a:schemeClr>
-          </a:lnRef>
-          <a:fillRef idx="1">
-            <a:schemeClr val="accent1"/>
-          </a:fillRef>
-          <a:effectRef idx="0">
-            <a:schemeClr val="accent1"/>
-          </a:effectRef>
-          <a:fontRef idx="minor">
-            <a:schemeClr val="lt1"/>
-          </a:fontRef>
-        </p:style>
-        <p:txBody>
-          <a:bodyPr rtlCol="0" anchor="ctr"/>
-          <a:lstStyle/>
-          <a:p>
-            <a:pPr algn="ctr"/>
-            <a:endParaRPr lang="en-US"/>
-          </a:p>
-        </p:txBody>
-      </p:sp>
-      <p:sp>
-        <p:nvSpPr>
-          <p:cNvPr id="12" name="Down Arrow 11"/>
-          <p:cNvSpPr/>
-          <p:nvPr/>
-        </p:nvSpPr>
-        <p:spPr>
-          <a:xfrm>
-            <a:off x="5213131" y="3263449"/>
-            <a:ext cx="252248" cy="1203447"/>
-          </a:xfrm>
-          <a:prstGeom prst="downArrow">
-            <a:avLst/>
-          </a:prstGeom>
-        </p:spPr>
-        <p:style>
-          <a:lnRef idx="2">
-            <a:schemeClr val="accent1">
-              <a:shade val="50000"/>
-            </a:schemeClr>
-          </a:lnRef>
-          <a:fillRef idx="1">
-            <a:schemeClr val="accent1"/>
-          </a:fillRef>
-          <a:effectRef idx="0">
-            <a:schemeClr val="accent1"/>
-          </a:effectRef>
-          <a:fontRef idx="minor">
-            <a:schemeClr val="lt1"/>
-          </a:fontRef>
-        </p:style>
-        <p:txBody>
-          <a:bodyPr rtlCol="0" anchor="ctr"/>
-          <a:lstStyle/>
-          <a:p>
-            <a:pPr algn="ctr"/>
-            <a:endParaRPr lang="en-US"/>
-          </a:p>
-        </p:txBody>
-      </p:sp>
-      <p:pic>
-        <p:nvPicPr>
-          <p:cNvPr id="3" name="Picture 2"/>
+          <p:cNvPr id="16" name="Picture 15"/>
           <p:cNvPicPr>
             <a:picLocks noChangeAspect="1"/>
           </p:cNvPicPr>
@@ -9522,8 +9965,199 @@
         </p:blipFill>
         <p:spPr>
           <a:xfrm>
-            <a:off x="4250918" y="4767764"/>
-            <a:ext cx="2176674" cy="1617269"/>
+            <a:off x="8004607" y="2376929"/>
+            <a:ext cx="1611180" cy="1745841"/>
+          </a:xfrm>
+          <a:prstGeom prst="rect">
+            <a:avLst/>
+          </a:prstGeom>
+        </p:spPr>
+      </p:pic>
+      <p:cxnSp>
+        <p:nvCxnSpPr>
+          <p:cNvPr id="17" name="Straight Arrow Connector 16"/>
+          <p:cNvCxnSpPr/>
+          <p:nvPr/>
+        </p:nvCxnSpPr>
+        <p:spPr>
+          <a:xfrm>
+            <a:off x="2607174" y="3106308"/>
+            <a:ext cx="1452266" cy="0"/>
+          </a:xfrm>
+          <a:prstGeom prst="straightConnector1">
+            <a:avLst/>
+          </a:prstGeom>
+          <a:ln>
+            <a:tailEnd type="triangle"/>
+          </a:ln>
+        </p:spPr>
+        <p:style>
+          <a:lnRef idx="1">
+            <a:schemeClr val="accent1"/>
+          </a:lnRef>
+          <a:fillRef idx="0">
+            <a:schemeClr val="accent1"/>
+          </a:fillRef>
+          <a:effectRef idx="0">
+            <a:schemeClr val="accent1"/>
+          </a:effectRef>
+          <a:fontRef idx="minor">
+            <a:schemeClr val="tx1"/>
+          </a:fontRef>
+        </p:style>
+      </p:cxnSp>
+      <p:cxnSp>
+        <p:nvCxnSpPr>
+          <p:cNvPr id="18" name="Straight Arrow Connector 17"/>
+          <p:cNvCxnSpPr/>
+          <p:nvPr/>
+        </p:nvCxnSpPr>
+        <p:spPr>
+          <a:xfrm>
+            <a:off x="6521248" y="3146830"/>
+            <a:ext cx="1453411" cy="0"/>
+          </a:xfrm>
+          <a:prstGeom prst="straightConnector1">
+            <a:avLst/>
+          </a:prstGeom>
+          <a:ln>
+            <a:tailEnd type="triangle"/>
+          </a:ln>
+        </p:spPr>
+        <p:style>
+          <a:lnRef idx="1">
+            <a:schemeClr val="accent1"/>
+          </a:lnRef>
+          <a:fillRef idx="0">
+            <a:schemeClr val="accent1"/>
+          </a:fillRef>
+          <a:effectRef idx="0">
+            <a:schemeClr val="accent1"/>
+          </a:effectRef>
+          <a:fontRef idx="minor">
+            <a:schemeClr val="tx1"/>
+          </a:fontRef>
+        </p:style>
+      </p:cxnSp>
+      <p:cxnSp>
+        <p:nvCxnSpPr>
+          <p:cNvPr id="19" name="Straight Arrow Connector 18"/>
+          <p:cNvCxnSpPr/>
+          <p:nvPr/>
+        </p:nvCxnSpPr>
+        <p:spPr>
+          <a:xfrm flipH="1">
+            <a:off x="6485444" y="3520966"/>
+            <a:ext cx="1489214" cy="5627"/>
+          </a:xfrm>
+          <a:prstGeom prst="straightConnector1">
+            <a:avLst/>
+          </a:prstGeom>
+          <a:ln>
+            <a:tailEnd type="triangle"/>
+          </a:ln>
+        </p:spPr>
+        <p:style>
+          <a:lnRef idx="1">
+            <a:schemeClr val="accent1"/>
+          </a:lnRef>
+          <a:fillRef idx="0">
+            <a:schemeClr val="accent1"/>
+          </a:fillRef>
+          <a:effectRef idx="0">
+            <a:schemeClr val="accent1"/>
+          </a:effectRef>
+          <a:fontRef idx="minor">
+            <a:schemeClr val="tx1"/>
+          </a:fontRef>
+        </p:style>
+      </p:cxnSp>
+      <p:cxnSp>
+        <p:nvCxnSpPr>
+          <p:cNvPr id="20" name="Straight Arrow Connector 19"/>
+          <p:cNvCxnSpPr/>
+          <p:nvPr/>
+        </p:nvCxnSpPr>
+        <p:spPr>
+          <a:xfrm>
+            <a:off x="5287193" y="4321943"/>
+            <a:ext cx="12465" cy="1215633"/>
+          </a:xfrm>
+          <a:prstGeom prst="straightConnector1">
+            <a:avLst/>
+          </a:prstGeom>
+          <a:ln>
+            <a:tailEnd type="triangle"/>
+          </a:ln>
+        </p:spPr>
+        <p:style>
+          <a:lnRef idx="1">
+            <a:schemeClr val="accent1"/>
+          </a:lnRef>
+          <a:fillRef idx="0">
+            <a:schemeClr val="accent1"/>
+          </a:fillRef>
+          <a:effectRef idx="0">
+            <a:schemeClr val="accent1"/>
+          </a:effectRef>
+          <a:fontRef idx="minor">
+            <a:schemeClr val="tx1"/>
+          </a:fontRef>
+        </p:style>
+      </p:cxnSp>
+      <p:pic>
+        <p:nvPicPr>
+          <p:cNvPr id="21" name="Picture 20"/>
+          <p:cNvPicPr>
+            <a:picLocks noChangeAspect="1"/>
+          </p:cNvPicPr>
+          <p:nvPr/>
+        </p:nvPicPr>
+        <p:blipFill rotWithShape="1">
+          <a:blip r:embed="rId6" cstate="print">
+            <a:extLst>
+              <a:ext uri="{28A0092B-C50C-407E-A947-70E740481C1C}">
+                <a14:useLocalDpi xmlns:a14="http://schemas.microsoft.com/office/drawing/2010/main" val="0"/>
+              </a:ext>
+            </a:extLst>
+          </a:blip>
+          <a:srcRect l="12907" t="33650" r="13175" b="19732"/>
+          <a:stretch/>
+        </p:blipFill>
+        <p:spPr>
+          <a:xfrm>
+            <a:off x="4676398" y="5672647"/>
+            <a:ext cx="1321190" cy="950220"/>
+          </a:xfrm>
+          <a:prstGeom prst="rect">
+            <a:avLst/>
+          </a:prstGeom>
+        </p:spPr>
+      </p:pic>
+      <p:pic>
+        <p:nvPicPr>
+          <p:cNvPr id="2" name="Picture 1"/>
+          <p:cNvPicPr>
+            <a:picLocks noChangeAspect="1"/>
+          </p:cNvPicPr>
+          <p:nvPr/>
+        </p:nvPicPr>
+        <p:blipFill>
+          <a:blip r:embed="rId7">
+            <a:extLst>
+              <a:ext uri="{28A0092B-C50C-407E-A947-70E740481C1C}">
+                <a14:useLocalDpi xmlns:a14="http://schemas.microsoft.com/office/drawing/2010/main" val="0"/>
+              </a:ext>
+            </a:extLst>
+          </a:blip>
+          <a:stretch>
+            <a:fillRect/>
+          </a:stretch>
+        </p:blipFill>
+        <p:spPr>
+          <a:xfrm>
+            <a:off x="4647040" y="1506891"/>
+            <a:ext cx="1350548" cy="1350548"/>
           </a:xfrm>
           <a:prstGeom prst="rect">
             <a:avLst/>
@@ -9575,8 +10209,8 @@
         </p:nvSpPr>
         <p:spPr>
           <a:xfrm>
-            <a:off x="431147" y="315311"/>
-            <a:ext cx="4586513" cy="646331"/>
+            <a:off x="847794" y="180443"/>
+            <a:ext cx="4272323" cy="646331"/>
           </a:xfrm>
           <a:prstGeom prst="rect">
             <a:avLst/>
@@ -9604,7 +10238,7 @@
                   </a:outerShdw>
                 </a:effectLst>
               </a:rPr>
-              <a:t>Create </a:t>
+              <a:t>Manage </a:t>
             </a:r>
             <a:r>
               <a:rPr lang="en-US" sz="3600" dirty="0" smtClean="0">
@@ -9620,7 +10254,7 @@
                   </a:outerShdw>
                 </a:effectLst>
               </a:rPr>
-              <a:t>shift schedule</a:t>
+              <a:t>notification</a:t>
             </a:r>
             <a:endParaRPr lang="en-US" sz="3600" dirty="0">
               <a:ln w="0"/>
@@ -9640,7 +10274,7 @@
       </p:sp>
       <p:pic>
         <p:nvPicPr>
-          <p:cNvPr id="3" name="Picture 2"/>
+          <p:cNvPr id="5" name="Picture 4"/>
           <p:cNvPicPr>
             <a:picLocks noChangeAspect="1"/>
           </p:cNvPicPr>
@@ -9660,8 +10294,259 @@
         </p:blipFill>
         <p:spPr>
           <a:xfrm>
-            <a:off x="829661" y="1444699"/>
-            <a:ext cx="2176298" cy="1395063"/>
+            <a:off x="874510" y="2498493"/>
+            <a:ext cx="1572901" cy="1490689"/>
+          </a:xfrm>
+          <a:prstGeom prst="rect">
+            <a:avLst/>
+          </a:prstGeom>
+        </p:spPr>
+      </p:pic>
+      <p:pic>
+        <p:nvPicPr>
+          <p:cNvPr id="6" name="Picture 5"/>
+          <p:cNvPicPr>
+            <a:picLocks noChangeAspect="1"/>
+          </p:cNvPicPr>
+          <p:nvPr/>
+        </p:nvPicPr>
+        <p:blipFill>
+          <a:blip r:embed="rId3" cstate="print">
+            <a:extLst>
+              <a:ext uri="{28A0092B-C50C-407E-A947-70E740481C1C}">
+                <a14:useLocalDpi xmlns:a14="http://schemas.microsoft.com/office/drawing/2010/main" val="0"/>
+              </a:ext>
+            </a:extLst>
+          </a:blip>
+          <a:stretch>
+            <a:fillRect/>
+          </a:stretch>
+        </p:blipFill>
+        <p:spPr>
+          <a:xfrm>
+            <a:off x="4339837" y="2363422"/>
+            <a:ext cx="1865210" cy="1777264"/>
+          </a:xfrm>
+          <a:prstGeom prst="rect">
+            <a:avLst/>
+          </a:prstGeom>
+        </p:spPr>
+      </p:pic>
+      <p:pic>
+        <p:nvPicPr>
+          <p:cNvPr id="7" name="Picture 6"/>
+          <p:cNvPicPr>
+            <a:picLocks noChangeAspect="1"/>
+          </p:cNvPicPr>
+          <p:nvPr/>
+        </p:nvPicPr>
+        <p:blipFill>
+          <a:blip r:embed="rId4" cstate="print">
+            <a:extLst>
+              <a:ext uri="{28A0092B-C50C-407E-A947-70E740481C1C}">
+                <a14:useLocalDpi xmlns:a14="http://schemas.microsoft.com/office/drawing/2010/main" val="0"/>
+              </a:ext>
+            </a:extLst>
+          </a:blip>
+          <a:stretch>
+            <a:fillRect/>
+          </a:stretch>
+        </p:blipFill>
+        <p:spPr>
+          <a:xfrm>
+            <a:off x="8004607" y="2376929"/>
+            <a:ext cx="1611180" cy="1745841"/>
+          </a:xfrm>
+          <a:prstGeom prst="rect">
+            <a:avLst/>
+          </a:prstGeom>
+        </p:spPr>
+      </p:pic>
+      <p:cxnSp>
+        <p:nvCxnSpPr>
+          <p:cNvPr id="8" name="Straight Arrow Connector 7"/>
+          <p:cNvCxnSpPr/>
+          <p:nvPr/>
+        </p:nvCxnSpPr>
+        <p:spPr>
+          <a:xfrm>
+            <a:off x="2607174" y="3106308"/>
+            <a:ext cx="1452266" cy="0"/>
+          </a:xfrm>
+          <a:prstGeom prst="straightConnector1">
+            <a:avLst/>
+          </a:prstGeom>
+          <a:ln>
+            <a:tailEnd type="triangle"/>
+          </a:ln>
+        </p:spPr>
+        <p:style>
+          <a:lnRef idx="1">
+            <a:schemeClr val="accent1"/>
+          </a:lnRef>
+          <a:fillRef idx="0">
+            <a:schemeClr val="accent1"/>
+          </a:fillRef>
+          <a:effectRef idx="0">
+            <a:schemeClr val="accent1"/>
+          </a:effectRef>
+          <a:fontRef idx="minor">
+            <a:schemeClr val="tx1"/>
+          </a:fontRef>
+        </p:style>
+      </p:cxnSp>
+      <p:cxnSp>
+        <p:nvCxnSpPr>
+          <p:cNvPr id="9" name="Straight Arrow Connector 8"/>
+          <p:cNvCxnSpPr/>
+          <p:nvPr/>
+        </p:nvCxnSpPr>
+        <p:spPr>
+          <a:xfrm>
+            <a:off x="6521248" y="3146830"/>
+            <a:ext cx="1453411" cy="0"/>
+          </a:xfrm>
+          <a:prstGeom prst="straightConnector1">
+            <a:avLst/>
+          </a:prstGeom>
+          <a:ln>
+            <a:tailEnd type="triangle"/>
+          </a:ln>
+        </p:spPr>
+        <p:style>
+          <a:lnRef idx="1">
+            <a:schemeClr val="accent1"/>
+          </a:lnRef>
+          <a:fillRef idx="0">
+            <a:schemeClr val="accent1"/>
+          </a:fillRef>
+          <a:effectRef idx="0">
+            <a:schemeClr val="accent1"/>
+          </a:effectRef>
+          <a:fontRef idx="minor">
+            <a:schemeClr val="tx1"/>
+          </a:fontRef>
+        </p:style>
+      </p:cxnSp>
+      <p:cxnSp>
+        <p:nvCxnSpPr>
+          <p:cNvPr id="10" name="Straight Arrow Connector 9"/>
+          <p:cNvCxnSpPr/>
+          <p:nvPr/>
+        </p:nvCxnSpPr>
+        <p:spPr>
+          <a:xfrm flipH="1">
+            <a:off x="6485444" y="3520966"/>
+            <a:ext cx="1489214" cy="5627"/>
+          </a:xfrm>
+          <a:prstGeom prst="straightConnector1">
+            <a:avLst/>
+          </a:prstGeom>
+          <a:ln>
+            <a:tailEnd type="triangle"/>
+          </a:ln>
+        </p:spPr>
+        <p:style>
+          <a:lnRef idx="1">
+            <a:schemeClr val="accent1"/>
+          </a:lnRef>
+          <a:fillRef idx="0">
+            <a:schemeClr val="accent1"/>
+          </a:fillRef>
+          <a:effectRef idx="0">
+            <a:schemeClr val="accent1"/>
+          </a:effectRef>
+          <a:fontRef idx="minor">
+            <a:schemeClr val="tx1"/>
+          </a:fontRef>
+        </p:style>
+      </p:cxnSp>
+      <p:cxnSp>
+        <p:nvCxnSpPr>
+          <p:cNvPr id="11" name="Straight Arrow Connector 10"/>
+          <p:cNvCxnSpPr/>
+          <p:nvPr/>
+        </p:nvCxnSpPr>
+        <p:spPr>
+          <a:xfrm>
+            <a:off x="5287193" y="4321943"/>
+            <a:ext cx="12465" cy="1215633"/>
+          </a:xfrm>
+          <a:prstGeom prst="straightConnector1">
+            <a:avLst/>
+          </a:prstGeom>
+          <a:ln>
+            <a:tailEnd type="triangle"/>
+          </a:ln>
+        </p:spPr>
+        <p:style>
+          <a:lnRef idx="1">
+            <a:schemeClr val="accent1"/>
+          </a:lnRef>
+          <a:fillRef idx="0">
+            <a:schemeClr val="accent1"/>
+          </a:fillRef>
+          <a:effectRef idx="0">
+            <a:schemeClr val="accent1"/>
+          </a:effectRef>
+          <a:fontRef idx="minor">
+            <a:schemeClr val="tx1"/>
+          </a:fontRef>
+        </p:style>
+      </p:cxnSp>
+      <p:pic>
+        <p:nvPicPr>
+          <p:cNvPr id="12" name="Picture 11"/>
+          <p:cNvPicPr>
+            <a:picLocks noChangeAspect="1"/>
+          </p:cNvPicPr>
+          <p:nvPr/>
+        </p:nvPicPr>
+        <p:blipFill rotWithShape="1">
+          <a:blip r:embed="rId5" cstate="print">
+            <a:extLst>
+              <a:ext uri="{28A0092B-C50C-407E-A947-70E740481C1C}">
+                <a14:useLocalDpi xmlns:a14="http://schemas.microsoft.com/office/drawing/2010/main" val="0"/>
+              </a:ext>
+            </a:extLst>
+          </a:blip>
+          <a:srcRect l="12907" t="33650" r="13175" b="19732"/>
+          <a:stretch/>
+        </p:blipFill>
+        <p:spPr>
+          <a:xfrm>
+            <a:off x="4676398" y="5672647"/>
+            <a:ext cx="1321190" cy="950220"/>
+          </a:xfrm>
+          <a:prstGeom prst="rect">
+            <a:avLst/>
+          </a:prstGeom>
+        </p:spPr>
+      </p:pic>
+      <p:pic>
+        <p:nvPicPr>
+          <p:cNvPr id="14" name="Picture 13"/>
+          <p:cNvPicPr>
+            <a:picLocks noChangeAspect="1"/>
+          </p:cNvPicPr>
+          <p:nvPr/>
+        </p:nvPicPr>
+        <p:blipFill>
+          <a:blip r:embed="rId6">
+            <a:extLst>
+              <a:ext uri="{28A0092B-C50C-407E-A947-70E740481C1C}">
+                <a14:useLocalDpi xmlns:a14="http://schemas.microsoft.com/office/drawing/2010/main" val="0"/>
+              </a:ext>
+            </a:extLst>
+          </a:blip>
+          <a:stretch>
+            <a:fillRect/>
+          </a:stretch>
+        </p:blipFill>
+        <p:spPr>
+          <a:xfrm>
+            <a:off x="4570771" y="1200319"/>
+            <a:ext cx="1532444" cy="1532444"/>
           </a:xfrm>
           <a:prstGeom prst="rect">
             <a:avLst/>
@@ -9671,7 +10556,7 @@
     </p:spTree>
     <p:extLst>
       <p:ext uri="{BB962C8B-B14F-4D97-AF65-F5344CB8AC3E}">
-        <p14:creationId xmlns:p14="http://schemas.microsoft.com/office/powerpoint/2010/main" val="2313535214"/>
+        <p14:creationId xmlns:p14="http://schemas.microsoft.com/office/powerpoint/2010/main" val="4238372149"/>
       </p:ext>
     </p:extLst>
   </p:cSld>
@@ -9911,18 +10796,205 @@
       </p:grpSpPr>
       <p:sp>
         <p:nvSpPr>
-          <p:cNvPr id="4" name="Title 3"/>
-          <p:cNvSpPr>
-            <a:spLocks noGrp="1"/>
-          </p:cNvSpPr>
-          <p:nvPr>
-            <p:ph type="title"/>
-          </p:nvPr>
+          <p:cNvPr id="5" name="TextBox 4"/>
+          <p:cNvSpPr txBox="1"/>
+          <p:nvPr/>
         </p:nvSpPr>
         <p:spPr>
           <a:xfrm>
-            <a:off x="422341" y="325821"/>
-            <a:ext cx="4692311" cy="646331"/>
+            <a:off x="4441370" y="2059102"/>
+            <a:ext cx="4114802" cy="2031325"/>
+          </a:xfrm>
+          <a:prstGeom prst="rect">
+            <a:avLst/>
+          </a:prstGeom>
+          <a:noFill/>
+        </p:spPr>
+        <p:txBody>
+          <a:bodyPr wrap="square" rtlCol="0">
+            <a:spAutoFit/>
+          </a:bodyPr>
+          <a:lstStyle/>
+          <a:p>
+            <a:pPr>
+              <a:lnSpc>
+                <a:spcPct val="150000"/>
+              </a:lnSpc>
+            </a:pPr>
+            <a:r>
+              <a:rPr lang="en-US" sz="2800" b="1" dirty="0" smtClean="0"/>
+              <a:t> </a:t>
+            </a:r>
+            <a:r>
+              <a:rPr lang="en-US" sz="2800" b="1" dirty="0">
+                <a:solidFill>
+                  <a:schemeClr val="accent1">
+                    <a:lumMod val="50000"/>
+                  </a:schemeClr>
+                </a:solidFill>
+              </a:rPr>
+              <a:t>Manage department</a:t>
+            </a:r>
+          </a:p>
+          <a:p>
+            <a:pPr>
+              <a:lnSpc>
+                <a:spcPct val="150000"/>
+              </a:lnSpc>
+            </a:pPr>
+            <a:r>
+              <a:rPr lang="en-US" sz="2800" b="1" dirty="0" smtClean="0"/>
+              <a:t> </a:t>
+            </a:r>
+            <a:r>
+              <a:rPr lang="en-US" sz="2800" b="1" dirty="0">
+                <a:solidFill>
+                  <a:schemeClr val="accent1">
+                    <a:lumMod val="50000"/>
+                  </a:schemeClr>
+                </a:solidFill>
+              </a:rPr>
+              <a:t>Manage user 	</a:t>
+            </a:r>
+          </a:p>
+          <a:p>
+            <a:pPr>
+              <a:lnSpc>
+                <a:spcPct val="150000"/>
+              </a:lnSpc>
+            </a:pPr>
+            <a:r>
+              <a:rPr lang="en-US" sz="2800" b="1" dirty="0" smtClean="0">
+                <a:solidFill>
+                  <a:schemeClr val="accent1">
+                    <a:lumMod val="50000"/>
+                  </a:schemeClr>
+                </a:solidFill>
+              </a:rPr>
+              <a:t>Manage </a:t>
+            </a:r>
+            <a:r>
+              <a:rPr lang="en-US" sz="2800" b="1" dirty="0">
+                <a:solidFill>
+                  <a:schemeClr val="accent1">
+                    <a:lumMod val="50000"/>
+                  </a:schemeClr>
+                </a:solidFill>
+              </a:rPr>
+              <a:t>room</a:t>
+            </a:r>
+          </a:p>
+        </p:txBody>
+      </p:sp>
+      <p:cxnSp>
+        <p:nvCxnSpPr>
+          <p:cNvPr id="6" name="Straight Arrow Connector 5"/>
+          <p:cNvCxnSpPr/>
+          <p:nvPr/>
+        </p:nvCxnSpPr>
+        <p:spPr>
+          <a:xfrm flipV="1">
+            <a:off x="3274241" y="2586446"/>
+            <a:ext cx="1271633" cy="658904"/>
+          </a:xfrm>
+          <a:prstGeom prst="straightConnector1">
+            <a:avLst/>
+          </a:prstGeom>
+          <a:ln>
+            <a:tailEnd type="triangle"/>
+          </a:ln>
+        </p:spPr>
+        <p:style>
+          <a:lnRef idx="1">
+            <a:schemeClr val="accent1"/>
+          </a:lnRef>
+          <a:fillRef idx="0">
+            <a:schemeClr val="accent1"/>
+          </a:fillRef>
+          <a:effectRef idx="0">
+            <a:schemeClr val="accent1"/>
+          </a:effectRef>
+          <a:fontRef idx="minor">
+            <a:schemeClr val="tx1"/>
+          </a:fontRef>
+        </p:style>
+      </p:cxnSp>
+      <p:cxnSp>
+        <p:nvCxnSpPr>
+          <p:cNvPr id="7" name="Straight Arrow Connector 6"/>
+          <p:cNvCxnSpPr/>
+          <p:nvPr/>
+        </p:nvCxnSpPr>
+        <p:spPr>
+          <a:xfrm flipV="1">
+            <a:off x="3274241" y="3069771"/>
+            <a:ext cx="1237072" cy="175579"/>
+          </a:xfrm>
+          <a:prstGeom prst="straightConnector1">
+            <a:avLst/>
+          </a:prstGeom>
+          <a:ln>
+            <a:tailEnd type="triangle"/>
+          </a:ln>
+        </p:spPr>
+        <p:style>
+          <a:lnRef idx="1">
+            <a:schemeClr val="accent1"/>
+          </a:lnRef>
+          <a:fillRef idx="0">
+            <a:schemeClr val="accent1"/>
+          </a:fillRef>
+          <a:effectRef idx="0">
+            <a:schemeClr val="accent1"/>
+          </a:effectRef>
+          <a:fontRef idx="minor">
+            <a:schemeClr val="tx1"/>
+          </a:fontRef>
+        </p:style>
+      </p:cxnSp>
+      <p:cxnSp>
+        <p:nvCxnSpPr>
+          <p:cNvPr id="9" name="Straight Arrow Connector 8"/>
+          <p:cNvCxnSpPr/>
+          <p:nvPr/>
+        </p:nvCxnSpPr>
+        <p:spPr>
+          <a:xfrm>
+            <a:off x="3274241" y="3245350"/>
+            <a:ext cx="1237072" cy="437891"/>
+          </a:xfrm>
+          <a:prstGeom prst="straightConnector1">
+            <a:avLst/>
+          </a:prstGeom>
+          <a:ln>
+            <a:tailEnd type="triangle"/>
+          </a:ln>
+        </p:spPr>
+        <p:style>
+          <a:lnRef idx="1">
+            <a:schemeClr val="accent1"/>
+          </a:lnRef>
+          <a:fillRef idx="0">
+            <a:schemeClr val="accent1"/>
+          </a:fillRef>
+          <a:effectRef idx="0">
+            <a:schemeClr val="accent1"/>
+          </a:effectRef>
+          <a:fontRef idx="minor">
+            <a:schemeClr val="tx1"/>
+          </a:fontRef>
+        </p:style>
+      </p:cxnSp>
+      <p:sp>
+        <p:nvSpPr>
+          <p:cNvPr id="10" name="Rectangle 9"/>
+          <p:cNvSpPr/>
+          <p:nvPr/>
+        </p:nvSpPr>
+        <p:spPr>
+          <a:xfrm>
+            <a:off x="355689" y="219483"/>
+            <a:ext cx="7941598" cy="830997"/>
           </a:xfrm>
           <a:prstGeom prst="rect">
             <a:avLst/>
@@ -9937,38 +11009,14 @@
           <a:p>
             <a:pPr algn="ctr"/>
             <a:r>
-              <a:rPr lang="en-US" sz="3600" dirty="0" smtClean="0">
-                <a:ln w="0"/>
+              <a:rPr lang="en-US" sz="4800" b="1" dirty="0">
                 <a:solidFill>
                   <a:srgbClr val="0070C0"/>
                 </a:solidFill>
-                <a:effectLst>
-                  <a:outerShdw blurRad="38100" dist="25400" dir="5400000" algn="ctr" rotWithShape="0">
-                    <a:srgbClr val="6E747A">
-                      <a:alpha val="43000"/>
-                    </a:srgbClr>
-                  </a:outerShdw>
-                </a:effectLst>
               </a:rPr>
-              <a:t>Update </a:t>
-            </a:r>
-            <a:r>
-              <a:rPr lang="en-US" sz="3600" dirty="0" smtClean="0">
-                <a:ln w="0"/>
-                <a:solidFill>
-                  <a:srgbClr val="0070C0"/>
-                </a:solidFill>
-                <a:effectLst>
-                  <a:outerShdw blurRad="38100" dist="25400" dir="5400000" algn="ctr" rotWithShape="0">
-                    <a:srgbClr val="6E747A">
-                      <a:alpha val="43000"/>
-                    </a:srgbClr>
-                  </a:outerShdw>
-                </a:effectLst>
-              </a:rPr>
-              <a:t>shift schedule</a:t>
-            </a:r>
-            <a:endParaRPr lang="en-US" sz="3600" dirty="0">
+              <a:t>Portal system management</a:t>
+            </a:r>
+            <a:endParaRPr lang="en-US" sz="4800" dirty="0">
               <a:ln w="0"/>
               <a:solidFill>
                 <a:srgbClr val="0070C0"/>
@@ -9984,16 +11032,53 @@
           </a:p>
         </p:txBody>
       </p:sp>
+      <p:pic>
+        <p:nvPicPr>
+          <p:cNvPr id="11" name="Picture 10"/>
+          <p:cNvPicPr>
+            <a:picLocks noChangeAspect="1"/>
+          </p:cNvPicPr>
+          <p:nvPr/>
+        </p:nvPicPr>
+        <p:blipFill>
+          <a:blip r:embed="rId2">
+            <a:extLst>
+              <a:ext uri="{28A0092B-C50C-407E-A947-70E740481C1C}">
+                <a14:useLocalDpi xmlns:a14="http://schemas.microsoft.com/office/drawing/2010/main" val="0"/>
+              </a:ext>
+            </a:extLst>
+          </a:blip>
+          <a:stretch>
+            <a:fillRect/>
+          </a:stretch>
+        </p:blipFill>
+        <p:spPr>
+          <a:xfrm>
+            <a:off x="1776731" y="2224555"/>
+            <a:ext cx="1458686" cy="1458686"/>
+          </a:xfrm>
+          <a:prstGeom prst="rect">
+            <a:avLst/>
+          </a:prstGeom>
+        </p:spPr>
+      </p:pic>
     </p:spTree>
     <p:extLst>
       <p:ext uri="{BB962C8B-B14F-4D97-AF65-F5344CB8AC3E}">
-        <p14:creationId xmlns:p14="http://schemas.microsoft.com/office/powerpoint/2010/main" val="2413482630"/>
+        <p14:creationId xmlns:p14="http://schemas.microsoft.com/office/powerpoint/2010/main" val="165594618"/>
       </p:ext>
     </p:extLst>
   </p:cSld>
   <p:clrMapOvr>
     <a:masterClrMapping/>
   </p:clrMapOvr>
+  <p:timing>
+    <p:tnLst>
+      <p:par>
+        <p:cTn id="1" dur="indefinite" restart="never" nodeType="tmRoot"/>
+      </p:par>
+    </p:tnLst>
+  </p:timing>
 </p:sld>
 </file>
 
@@ -10016,6 +11101,1108 @@
       </p:grpSpPr>
       <p:sp>
         <p:nvSpPr>
+          <p:cNvPr id="4" name="Rectangle 3"/>
+          <p:cNvSpPr/>
+          <p:nvPr/>
+        </p:nvSpPr>
+        <p:spPr>
+          <a:xfrm>
+            <a:off x="847794" y="180443"/>
+            <a:ext cx="4272323" cy="646331"/>
+          </a:xfrm>
+          <a:prstGeom prst="rect">
+            <a:avLst/>
+          </a:prstGeom>
+          <a:noFill/>
+        </p:spPr>
+        <p:txBody>
+          <a:bodyPr wrap="none" lIns="91440" tIns="45720" rIns="91440" bIns="45720">
+            <a:spAutoFit/>
+          </a:bodyPr>
+          <a:lstStyle/>
+          <a:p>
+            <a:pPr algn="ctr"/>
+            <a:r>
+              <a:rPr lang="en-US" sz="3600" dirty="0" smtClean="0">
+                <a:ln w="0"/>
+                <a:solidFill>
+                  <a:srgbClr val="0070C0"/>
+                </a:solidFill>
+                <a:effectLst>
+                  <a:outerShdw blurRad="38100" dist="25400" dir="5400000" algn="ctr" rotWithShape="0">
+                    <a:srgbClr val="6E747A">
+                      <a:alpha val="43000"/>
+                    </a:srgbClr>
+                  </a:outerShdw>
+                </a:effectLst>
+              </a:rPr>
+              <a:t>Manage </a:t>
+            </a:r>
+            <a:r>
+              <a:rPr lang="en-US" sz="3600" dirty="0">
+                <a:ln w="0"/>
+                <a:solidFill>
+                  <a:srgbClr val="0070C0"/>
+                </a:solidFill>
+                <a:effectLst>
+                  <a:outerShdw blurRad="38100" dist="25400" dir="5400000" algn="ctr" rotWithShape="0">
+                    <a:srgbClr val="6E747A">
+                      <a:alpha val="43000"/>
+                    </a:srgbClr>
+                  </a:outerShdw>
+                </a:effectLst>
+              </a:rPr>
+              <a:t>department</a:t>
+            </a:r>
+            <a:endParaRPr lang="en-US" sz="3600" dirty="0">
+              <a:ln w="0"/>
+              <a:solidFill>
+                <a:srgbClr val="0070C0"/>
+              </a:solidFill>
+              <a:effectLst>
+                <a:outerShdw blurRad="38100" dist="25400" dir="5400000" algn="ctr" rotWithShape="0">
+                  <a:srgbClr val="6E747A">
+                    <a:alpha val="43000"/>
+                  </a:srgbClr>
+                </a:outerShdw>
+              </a:effectLst>
+            </a:endParaRPr>
+          </a:p>
+        </p:txBody>
+      </p:sp>
+      <p:pic>
+        <p:nvPicPr>
+          <p:cNvPr id="5" name="Picture 4"/>
+          <p:cNvPicPr>
+            <a:picLocks noChangeAspect="1"/>
+          </p:cNvPicPr>
+          <p:nvPr/>
+        </p:nvPicPr>
+        <p:blipFill>
+          <a:blip r:embed="rId2">
+            <a:extLst>
+              <a:ext uri="{28A0092B-C50C-407E-A947-70E740481C1C}">
+                <a14:useLocalDpi xmlns:a14="http://schemas.microsoft.com/office/drawing/2010/main" val="0"/>
+              </a:ext>
+            </a:extLst>
+          </a:blip>
+          <a:stretch>
+            <a:fillRect/>
+          </a:stretch>
+        </p:blipFill>
+        <p:spPr>
+          <a:xfrm>
+            <a:off x="1377720" y="2058300"/>
+            <a:ext cx="1458686" cy="1458686"/>
+          </a:xfrm>
+          <a:prstGeom prst="rect">
+            <a:avLst/>
+          </a:prstGeom>
+        </p:spPr>
+      </p:pic>
+      <p:pic>
+        <p:nvPicPr>
+          <p:cNvPr id="6" name="Picture 5"/>
+          <p:cNvPicPr>
+            <a:picLocks noChangeAspect="1"/>
+          </p:cNvPicPr>
+          <p:nvPr/>
+        </p:nvPicPr>
+        <p:blipFill rotWithShape="1">
+          <a:blip r:embed="rId3" cstate="print">
+            <a:extLst>
+              <a:ext uri="{28A0092B-C50C-407E-A947-70E740481C1C}">
+                <a14:useLocalDpi xmlns:a14="http://schemas.microsoft.com/office/drawing/2010/main" val="0"/>
+              </a:ext>
+            </a:extLst>
+          </a:blip>
+          <a:srcRect t="20960" b="9343"/>
+          <a:stretch/>
+        </p:blipFill>
+        <p:spPr>
+          <a:xfrm>
+            <a:off x="3577243" y="1346662"/>
+            <a:ext cx="5057911" cy="3807229"/>
+          </a:xfrm>
+          <a:prstGeom prst="rect">
+            <a:avLst/>
+          </a:prstGeom>
+        </p:spPr>
+      </p:pic>
+    </p:spTree>
+    <p:extLst>
+      <p:ext uri="{BB962C8B-B14F-4D97-AF65-F5344CB8AC3E}">
+        <p14:creationId xmlns:p14="http://schemas.microsoft.com/office/powerpoint/2010/main" val="1267784920"/>
+      </p:ext>
+    </p:extLst>
+  </p:cSld>
+  <p:clrMapOvr>
+    <a:masterClrMapping/>
+  </p:clrMapOvr>
+  <p:timing>
+    <p:tnLst>
+      <p:par>
+        <p:cTn id="1" dur="indefinite" restart="never" nodeType="tmRoot"/>
+      </p:par>
+    </p:tnLst>
+  </p:timing>
+</p:sld>
+</file>
+
+<file path=ppt/slides/slide22.xml><?xml version="1.0" encoding="utf-8"?>
+<p:sld xmlns:a="http://schemas.openxmlformats.org/drawingml/2006/main" xmlns:r="http://schemas.openxmlformats.org/officeDocument/2006/relationships" xmlns:p="http://schemas.openxmlformats.org/presentationml/2006/main">
+  <p:cSld>
+    <p:spTree>
+      <p:nvGrpSpPr>
+        <p:cNvPr id="1" name=""/>
+        <p:cNvGrpSpPr/>
+        <p:nvPr/>
+      </p:nvGrpSpPr>
+      <p:grpSpPr>
+        <a:xfrm>
+          <a:off x="0" y="0"/>
+          <a:ext cx="0" cy="0"/>
+          <a:chOff x="0" y="0"/>
+          <a:chExt cx="0" cy="0"/>
+        </a:xfrm>
+      </p:grpSpPr>
+      <p:sp>
+        <p:nvSpPr>
+          <p:cNvPr id="4" name="Rectangle 3"/>
+          <p:cNvSpPr/>
+          <p:nvPr/>
+        </p:nvSpPr>
+        <p:spPr>
+          <a:xfrm>
+            <a:off x="1247467" y="197069"/>
+            <a:ext cx="2741456" cy="646331"/>
+          </a:xfrm>
+          <a:prstGeom prst="rect">
+            <a:avLst/>
+          </a:prstGeom>
+          <a:noFill/>
+        </p:spPr>
+        <p:txBody>
+          <a:bodyPr wrap="none" lIns="91440" tIns="45720" rIns="91440" bIns="45720">
+            <a:spAutoFit/>
+          </a:bodyPr>
+          <a:lstStyle/>
+          <a:p>
+            <a:pPr algn="ctr"/>
+            <a:r>
+              <a:rPr lang="en-US" sz="3600" dirty="0" smtClean="0">
+                <a:ln w="0"/>
+                <a:solidFill>
+                  <a:srgbClr val="0070C0"/>
+                </a:solidFill>
+                <a:effectLst>
+                  <a:outerShdw blurRad="38100" dist="25400" dir="5400000" algn="ctr" rotWithShape="0">
+                    <a:srgbClr val="6E747A">
+                      <a:alpha val="43000"/>
+                    </a:srgbClr>
+                  </a:outerShdw>
+                </a:effectLst>
+              </a:rPr>
+              <a:t>Manage </a:t>
+            </a:r>
+            <a:r>
+              <a:rPr lang="en-US" sz="3600" dirty="0" smtClean="0">
+                <a:ln w="0"/>
+                <a:solidFill>
+                  <a:srgbClr val="0070C0"/>
+                </a:solidFill>
+                <a:effectLst>
+                  <a:outerShdw blurRad="38100" dist="25400" dir="5400000" algn="ctr" rotWithShape="0">
+                    <a:srgbClr val="6E747A">
+                      <a:alpha val="43000"/>
+                    </a:srgbClr>
+                  </a:outerShdw>
+                </a:effectLst>
+              </a:rPr>
+              <a:t>user</a:t>
+            </a:r>
+            <a:endParaRPr lang="en-US" sz="3600" dirty="0">
+              <a:ln w="0"/>
+              <a:solidFill>
+                <a:srgbClr val="0070C0"/>
+              </a:solidFill>
+              <a:effectLst>
+                <a:outerShdw blurRad="38100" dist="25400" dir="5400000" algn="ctr" rotWithShape="0">
+                  <a:srgbClr val="6E747A">
+                    <a:alpha val="43000"/>
+                  </a:srgbClr>
+                </a:outerShdw>
+              </a:effectLst>
+            </a:endParaRPr>
+          </a:p>
+        </p:txBody>
+      </p:sp>
+      <p:pic>
+        <p:nvPicPr>
+          <p:cNvPr id="5" name="Picture 4"/>
+          <p:cNvPicPr>
+            <a:picLocks noChangeAspect="1"/>
+          </p:cNvPicPr>
+          <p:nvPr/>
+        </p:nvPicPr>
+        <p:blipFill>
+          <a:blip r:embed="rId2">
+            <a:extLst>
+              <a:ext uri="{28A0092B-C50C-407E-A947-70E740481C1C}">
+                <a14:useLocalDpi xmlns:a14="http://schemas.microsoft.com/office/drawing/2010/main" val="0"/>
+              </a:ext>
+            </a:extLst>
+          </a:blip>
+          <a:stretch>
+            <a:fillRect/>
+          </a:stretch>
+        </p:blipFill>
+        <p:spPr>
+          <a:xfrm>
+            <a:off x="1377720" y="2058300"/>
+            <a:ext cx="1458686" cy="1458686"/>
+          </a:xfrm>
+          <a:prstGeom prst="rect">
+            <a:avLst/>
+          </a:prstGeom>
+        </p:spPr>
+      </p:pic>
+      <p:pic>
+        <p:nvPicPr>
+          <p:cNvPr id="10" name="Picture 9"/>
+          <p:cNvPicPr>
+            <a:picLocks noChangeAspect="1"/>
+          </p:cNvPicPr>
+          <p:nvPr/>
+        </p:nvPicPr>
+        <p:blipFill>
+          <a:blip r:embed="rId3">
+            <a:extLst>
+              <a:ext uri="{28A0092B-C50C-407E-A947-70E740481C1C}">
+                <a14:useLocalDpi xmlns:a14="http://schemas.microsoft.com/office/drawing/2010/main" val="0"/>
+              </a:ext>
+            </a:extLst>
+          </a:blip>
+          <a:stretch>
+            <a:fillRect/>
+          </a:stretch>
+        </p:blipFill>
+        <p:spPr>
+          <a:xfrm>
+            <a:off x="4296527" y="1363554"/>
+            <a:ext cx="4514965" cy="2351872"/>
+          </a:xfrm>
+          <a:prstGeom prst="rect">
+            <a:avLst/>
+          </a:prstGeom>
+        </p:spPr>
+      </p:pic>
+      <p:pic>
+        <p:nvPicPr>
+          <p:cNvPr id="11" name="Picture 10"/>
+          <p:cNvPicPr/>
+          <p:nvPr/>
+        </p:nvPicPr>
+        <p:blipFill>
+          <a:blip r:embed="rId4">
+            <a:extLst>
+              <a:ext uri="{28A0092B-C50C-407E-A947-70E740481C1C}">
+                <a14:useLocalDpi xmlns:a14="http://schemas.microsoft.com/office/drawing/2010/main" val="0"/>
+              </a:ext>
+            </a:extLst>
+          </a:blip>
+          <a:stretch>
+            <a:fillRect/>
+          </a:stretch>
+        </p:blipFill>
+        <p:spPr>
+          <a:xfrm>
+            <a:off x="3615019" y="4976443"/>
+            <a:ext cx="1363015" cy="1323217"/>
+          </a:xfrm>
+          <a:prstGeom prst="rect">
+            <a:avLst/>
+          </a:prstGeom>
+        </p:spPr>
+      </p:pic>
+      <p:pic>
+        <p:nvPicPr>
+          <p:cNvPr id="12" name="Picture 11"/>
+          <p:cNvPicPr/>
+          <p:nvPr/>
+        </p:nvPicPr>
+        <p:blipFill>
+          <a:blip r:embed="rId5">
+            <a:extLst>
+              <a:ext uri="{28A0092B-C50C-407E-A947-70E740481C1C}">
+                <a14:useLocalDpi xmlns:a14="http://schemas.microsoft.com/office/drawing/2010/main" val="0"/>
+              </a:ext>
+            </a:extLst>
+          </a:blip>
+          <a:stretch>
+            <a:fillRect/>
+          </a:stretch>
+        </p:blipFill>
+        <p:spPr>
+          <a:xfrm>
+            <a:off x="6111223" y="5066853"/>
+            <a:ext cx="1140890" cy="1328649"/>
+          </a:xfrm>
+          <a:prstGeom prst="rect">
+            <a:avLst/>
+          </a:prstGeom>
+        </p:spPr>
+      </p:pic>
+      <p:pic>
+        <p:nvPicPr>
+          <p:cNvPr id="13" name="Picture 12"/>
+          <p:cNvPicPr/>
+          <p:nvPr/>
+        </p:nvPicPr>
+        <p:blipFill rotWithShape="1">
+          <a:blip r:embed="rId6" cstate="print">
+            <a:extLst>
+              <a:ext uri="{28A0092B-C50C-407E-A947-70E740481C1C}">
+                <a14:useLocalDpi xmlns:a14="http://schemas.microsoft.com/office/drawing/2010/main" val="0"/>
+              </a:ext>
+            </a:extLst>
+          </a:blip>
+          <a:srcRect l="12907" t="33650" r="13175" b="19732"/>
+          <a:stretch/>
+        </p:blipFill>
+        <p:spPr>
+          <a:xfrm>
+            <a:off x="8045964" y="5115632"/>
+            <a:ext cx="1269240" cy="1039406"/>
+          </a:xfrm>
+          <a:prstGeom prst="rect">
+            <a:avLst/>
+          </a:prstGeom>
+        </p:spPr>
+      </p:pic>
+      <p:sp>
+        <p:nvSpPr>
+          <p:cNvPr id="14" name="Right Arrow 13"/>
+          <p:cNvSpPr/>
+          <p:nvPr/>
+        </p:nvSpPr>
+        <p:spPr>
+          <a:xfrm rot="8925642">
+            <a:off x="4773756" y="4213054"/>
+            <a:ext cx="1186293" cy="260331"/>
+          </a:xfrm>
+          <a:prstGeom prst="rightArrow">
+            <a:avLst/>
+          </a:prstGeom>
+        </p:spPr>
+        <p:style>
+          <a:lnRef idx="2">
+            <a:schemeClr val="accent1">
+              <a:shade val="50000"/>
+            </a:schemeClr>
+          </a:lnRef>
+          <a:fillRef idx="1">
+            <a:schemeClr val="accent1"/>
+          </a:fillRef>
+          <a:effectRef idx="0">
+            <a:schemeClr val="accent1"/>
+          </a:effectRef>
+          <a:fontRef idx="minor">
+            <a:schemeClr val="lt1"/>
+          </a:fontRef>
+        </p:style>
+        <p:txBody>
+          <a:bodyPr rtlCol="0" anchor="ctr"/>
+          <a:lstStyle/>
+          <a:p>
+            <a:pPr algn="ctr"/>
+            <a:endParaRPr lang="en-US"/>
+          </a:p>
+        </p:txBody>
+      </p:sp>
+      <p:sp>
+        <p:nvSpPr>
+          <p:cNvPr id="15" name="Right Arrow 14"/>
+          <p:cNvSpPr/>
+          <p:nvPr/>
+        </p:nvSpPr>
+        <p:spPr>
+          <a:xfrm rot="5400000">
+            <a:off x="6218687" y="4343541"/>
+            <a:ext cx="1186293" cy="260331"/>
+          </a:xfrm>
+          <a:prstGeom prst="rightArrow">
+            <a:avLst/>
+          </a:prstGeom>
+        </p:spPr>
+        <p:style>
+          <a:lnRef idx="2">
+            <a:schemeClr val="accent1">
+              <a:shade val="50000"/>
+            </a:schemeClr>
+          </a:lnRef>
+          <a:fillRef idx="1">
+            <a:schemeClr val="accent1"/>
+          </a:fillRef>
+          <a:effectRef idx="0">
+            <a:schemeClr val="accent1"/>
+          </a:effectRef>
+          <a:fontRef idx="minor">
+            <a:schemeClr val="lt1"/>
+          </a:fontRef>
+        </p:style>
+        <p:txBody>
+          <a:bodyPr rtlCol="0" anchor="ctr"/>
+          <a:lstStyle/>
+          <a:p>
+            <a:pPr algn="ctr"/>
+            <a:endParaRPr lang="en-US"/>
+          </a:p>
+        </p:txBody>
+      </p:sp>
+      <p:sp>
+        <p:nvSpPr>
+          <p:cNvPr id="16" name="Right Arrow 15"/>
+          <p:cNvSpPr/>
+          <p:nvPr/>
+        </p:nvSpPr>
+        <p:spPr>
+          <a:xfrm rot="2509967">
+            <a:off x="7558671" y="4285364"/>
+            <a:ext cx="1186293" cy="260331"/>
+          </a:xfrm>
+          <a:prstGeom prst="rightArrow">
+            <a:avLst/>
+          </a:prstGeom>
+        </p:spPr>
+        <p:style>
+          <a:lnRef idx="2">
+            <a:schemeClr val="accent1">
+              <a:shade val="50000"/>
+            </a:schemeClr>
+          </a:lnRef>
+          <a:fillRef idx="1">
+            <a:schemeClr val="accent1"/>
+          </a:fillRef>
+          <a:effectRef idx="0">
+            <a:schemeClr val="accent1"/>
+          </a:effectRef>
+          <a:fontRef idx="minor">
+            <a:schemeClr val="lt1"/>
+          </a:fontRef>
+        </p:style>
+        <p:txBody>
+          <a:bodyPr rtlCol="0" anchor="ctr"/>
+          <a:lstStyle/>
+          <a:p>
+            <a:pPr algn="ctr"/>
+            <a:endParaRPr lang="en-US"/>
+          </a:p>
+        </p:txBody>
+      </p:sp>
+    </p:spTree>
+    <p:extLst>
+      <p:ext uri="{BB962C8B-B14F-4D97-AF65-F5344CB8AC3E}">
+        <p14:creationId xmlns:p14="http://schemas.microsoft.com/office/powerpoint/2010/main" val="459219372"/>
+      </p:ext>
+    </p:extLst>
+  </p:cSld>
+  <p:clrMapOvr>
+    <a:masterClrMapping/>
+  </p:clrMapOvr>
+  <p:timing>
+    <p:tnLst>
+      <p:par>
+        <p:cTn id="1" dur="indefinite" restart="never" nodeType="tmRoot"/>
+      </p:par>
+    </p:tnLst>
+  </p:timing>
+</p:sld>
+</file>
+
+<file path=ppt/slides/slide23.xml><?xml version="1.0" encoding="utf-8"?>
+<p:sld xmlns:a="http://schemas.openxmlformats.org/drawingml/2006/main" xmlns:r="http://schemas.openxmlformats.org/officeDocument/2006/relationships" xmlns:p="http://schemas.openxmlformats.org/presentationml/2006/main">
+  <p:cSld>
+    <p:spTree>
+      <p:nvGrpSpPr>
+        <p:cNvPr id="1" name=""/>
+        <p:cNvGrpSpPr/>
+        <p:nvPr/>
+      </p:nvGrpSpPr>
+      <p:grpSpPr>
+        <a:xfrm>
+          <a:off x="0" y="0"/>
+          <a:ext cx="0" cy="0"/>
+          <a:chOff x="0" y="0"/>
+          <a:chExt cx="0" cy="0"/>
+        </a:xfrm>
+      </p:grpSpPr>
+      <p:sp>
+        <p:nvSpPr>
+          <p:cNvPr id="4" name="Rectangle 3"/>
+          <p:cNvSpPr/>
+          <p:nvPr/>
+        </p:nvSpPr>
+        <p:spPr>
+          <a:xfrm>
+            <a:off x="1518651" y="180443"/>
+            <a:ext cx="2930610" cy="646331"/>
+          </a:xfrm>
+          <a:prstGeom prst="rect">
+            <a:avLst/>
+          </a:prstGeom>
+          <a:noFill/>
+        </p:spPr>
+        <p:txBody>
+          <a:bodyPr wrap="none" lIns="91440" tIns="45720" rIns="91440" bIns="45720">
+            <a:spAutoFit/>
+          </a:bodyPr>
+          <a:lstStyle/>
+          <a:p>
+            <a:pPr algn="ctr"/>
+            <a:r>
+              <a:rPr lang="en-US" sz="3600" dirty="0" smtClean="0">
+                <a:ln w="0"/>
+                <a:solidFill>
+                  <a:srgbClr val="0070C0"/>
+                </a:solidFill>
+                <a:effectLst>
+                  <a:outerShdw blurRad="38100" dist="25400" dir="5400000" algn="ctr" rotWithShape="0">
+                    <a:srgbClr val="6E747A">
+                      <a:alpha val="43000"/>
+                    </a:srgbClr>
+                  </a:outerShdw>
+                </a:effectLst>
+              </a:rPr>
+              <a:t>Manage </a:t>
+            </a:r>
+            <a:r>
+              <a:rPr lang="en-US" sz="3600" dirty="0" smtClean="0">
+                <a:ln w="0"/>
+                <a:solidFill>
+                  <a:srgbClr val="0070C0"/>
+                </a:solidFill>
+                <a:effectLst>
+                  <a:outerShdw blurRad="38100" dist="25400" dir="5400000" algn="ctr" rotWithShape="0">
+                    <a:srgbClr val="6E747A">
+                      <a:alpha val="43000"/>
+                    </a:srgbClr>
+                  </a:outerShdw>
+                </a:effectLst>
+              </a:rPr>
+              <a:t>room</a:t>
+            </a:r>
+            <a:endParaRPr lang="en-US" sz="3600" dirty="0">
+              <a:ln w="0"/>
+              <a:solidFill>
+                <a:srgbClr val="0070C0"/>
+              </a:solidFill>
+              <a:effectLst>
+                <a:outerShdw blurRad="38100" dist="25400" dir="5400000" algn="ctr" rotWithShape="0">
+                  <a:srgbClr val="6E747A">
+                    <a:alpha val="43000"/>
+                  </a:srgbClr>
+                </a:outerShdw>
+              </a:effectLst>
+            </a:endParaRPr>
+          </a:p>
+        </p:txBody>
+      </p:sp>
+      <p:pic>
+        <p:nvPicPr>
+          <p:cNvPr id="5" name="Picture 4"/>
+          <p:cNvPicPr>
+            <a:picLocks noChangeAspect="1"/>
+          </p:cNvPicPr>
+          <p:nvPr/>
+        </p:nvPicPr>
+        <p:blipFill>
+          <a:blip r:embed="rId2">
+            <a:extLst>
+              <a:ext uri="{28A0092B-C50C-407E-A947-70E740481C1C}">
+                <a14:useLocalDpi xmlns:a14="http://schemas.microsoft.com/office/drawing/2010/main" val="0"/>
+              </a:ext>
+            </a:extLst>
+          </a:blip>
+          <a:stretch>
+            <a:fillRect/>
+          </a:stretch>
+        </p:blipFill>
+        <p:spPr>
+          <a:xfrm>
+            <a:off x="1377720" y="2058300"/>
+            <a:ext cx="1458686" cy="1458686"/>
+          </a:xfrm>
+          <a:prstGeom prst="rect">
+            <a:avLst/>
+          </a:prstGeom>
+        </p:spPr>
+      </p:pic>
+      <p:pic>
+        <p:nvPicPr>
+          <p:cNvPr id="7" name="Picture 6"/>
+          <p:cNvPicPr>
+            <a:picLocks noChangeAspect="1"/>
+          </p:cNvPicPr>
+          <p:nvPr/>
+        </p:nvPicPr>
+        <p:blipFill rotWithShape="1">
+          <a:blip r:embed="rId3" cstate="print">
+            <a:extLst>
+              <a:ext uri="{28A0092B-C50C-407E-A947-70E740481C1C}">
+                <a14:useLocalDpi xmlns:a14="http://schemas.microsoft.com/office/drawing/2010/main" val="0"/>
+              </a:ext>
+            </a:extLst>
+          </a:blip>
+          <a:srcRect b="9333"/>
+          <a:stretch/>
+        </p:blipFill>
+        <p:spPr>
+          <a:xfrm>
+            <a:off x="4239846" y="1231427"/>
+            <a:ext cx="4405392" cy="3855961"/>
+          </a:xfrm>
+          <a:prstGeom prst="rect">
+            <a:avLst/>
+          </a:prstGeom>
+        </p:spPr>
+      </p:pic>
+    </p:spTree>
+    <p:extLst>
+      <p:ext uri="{BB962C8B-B14F-4D97-AF65-F5344CB8AC3E}">
+        <p14:creationId xmlns:p14="http://schemas.microsoft.com/office/powerpoint/2010/main" val="3465186299"/>
+      </p:ext>
+    </p:extLst>
+  </p:cSld>
+  <p:clrMapOvr>
+    <a:masterClrMapping/>
+  </p:clrMapOvr>
+  <p:timing>
+    <p:tnLst>
+      <p:par>
+        <p:cTn id="1" dur="indefinite" restart="never" nodeType="tmRoot"/>
+      </p:par>
+    </p:tnLst>
+  </p:timing>
+</p:sld>
+</file>
+
+<file path=ppt/slides/slide24.xml><?xml version="1.0" encoding="utf-8"?>
+<p:sld xmlns:a="http://schemas.openxmlformats.org/drawingml/2006/main" xmlns:r="http://schemas.openxmlformats.org/officeDocument/2006/relationships" xmlns:p="http://schemas.openxmlformats.org/presentationml/2006/main">
+  <p:cSld>
+    <p:spTree>
+      <p:nvGrpSpPr>
+        <p:cNvPr id="1" name=""/>
+        <p:cNvGrpSpPr/>
+        <p:nvPr/>
+      </p:nvGrpSpPr>
+      <p:grpSpPr>
+        <a:xfrm>
+          <a:off x="0" y="0"/>
+          <a:ext cx="0" cy="0"/>
+          <a:chOff x="0" y="0"/>
+          <a:chExt cx="0" cy="0"/>
+        </a:xfrm>
+      </p:grpSpPr>
+      <p:cxnSp>
+        <p:nvCxnSpPr>
+          <p:cNvPr id="6" name="Straight Connector 5"/>
+          <p:cNvCxnSpPr/>
+          <p:nvPr/>
+        </p:nvCxnSpPr>
+        <p:spPr>
+          <a:xfrm>
+            <a:off x="5342708" y="1763486"/>
+            <a:ext cx="1" cy="4025147"/>
+          </a:xfrm>
+          <a:prstGeom prst="line">
+            <a:avLst/>
+          </a:prstGeom>
+        </p:spPr>
+        <p:style>
+          <a:lnRef idx="3">
+            <a:schemeClr val="accent2"/>
+          </a:lnRef>
+          <a:fillRef idx="0">
+            <a:schemeClr val="accent2"/>
+          </a:fillRef>
+          <a:effectRef idx="2">
+            <a:schemeClr val="accent2"/>
+          </a:effectRef>
+          <a:fontRef idx="minor">
+            <a:schemeClr val="tx1"/>
+          </a:fontRef>
+        </p:style>
+      </p:cxnSp>
+      <p:sp>
+        <p:nvSpPr>
+          <p:cNvPr id="2" name="Rectangle 1"/>
+          <p:cNvSpPr/>
+          <p:nvPr/>
+        </p:nvSpPr>
+        <p:spPr>
+          <a:xfrm>
+            <a:off x="346842" y="2090982"/>
+            <a:ext cx="4424855" cy="2322174"/>
+          </a:xfrm>
+          <a:prstGeom prst="rect">
+            <a:avLst/>
+          </a:prstGeom>
+        </p:spPr>
+        <p:txBody>
+          <a:bodyPr wrap="square">
+            <a:spAutoFit/>
+          </a:bodyPr>
+          <a:lstStyle/>
+          <a:p>
+            <a:pPr marL="342900" marR="0" lvl="0" indent="-342900">
+              <a:lnSpc>
+                <a:spcPct val="115000"/>
+              </a:lnSpc>
+              <a:spcBef>
+                <a:spcPts val="0"/>
+              </a:spcBef>
+              <a:spcAft>
+                <a:spcPts val="0"/>
+              </a:spcAft>
+              <a:buFont typeface="Calibri" panose="020F0502020204030204" pitchFamily="34" charset="0"/>
+              <a:buChar char="-"/>
+            </a:pPr>
+            <a:r>
+              <a:rPr lang="en-US" dirty="0">
+                <a:latin typeface="Cambria" panose="02040503050406030204" pitchFamily="18" charset="0"/>
+                <a:ea typeface="MS Mincho" panose="02020609040205080304" pitchFamily="49" charset="-128"/>
+                <a:cs typeface="Times New Roman" panose="02020603050405020304" pitchFamily="18" charset="0"/>
+              </a:rPr>
+              <a:t>Incorporation of hospital management procedures and portals. The application can be accessed via the internet</a:t>
+            </a:r>
+            <a:endParaRPr lang="en-US" dirty="0">
+              <a:latin typeface="Calibri" panose="020F0502020204030204" pitchFamily="34" charset="0"/>
+              <a:ea typeface="MS Mincho" panose="02020609040205080304" pitchFamily="49" charset="-128"/>
+              <a:cs typeface="Times New Roman" panose="02020603050405020304" pitchFamily="18" charset="0"/>
+            </a:endParaRPr>
+          </a:p>
+          <a:p>
+            <a:pPr marL="342900" marR="0" lvl="0" indent="-342900">
+              <a:lnSpc>
+                <a:spcPct val="115000"/>
+              </a:lnSpc>
+              <a:spcBef>
+                <a:spcPts val="0"/>
+              </a:spcBef>
+              <a:spcAft>
+                <a:spcPts val="0"/>
+              </a:spcAft>
+              <a:buFont typeface="Calibri" panose="020F0502020204030204" pitchFamily="34" charset="0"/>
+              <a:buChar char="-"/>
+            </a:pPr>
+            <a:r>
+              <a:rPr lang="en-US" dirty="0">
+                <a:latin typeface="Cambria" panose="02040503050406030204" pitchFamily="18" charset="0"/>
+                <a:ea typeface="MS Mincho" panose="02020609040205080304" pitchFamily="49" charset="-128"/>
+                <a:cs typeface="Times New Roman" panose="02020603050405020304" pitchFamily="18" charset="0"/>
+              </a:rPr>
+              <a:t>Accuracy and instantaneous.</a:t>
+            </a:r>
+            <a:endParaRPr lang="en-US" dirty="0">
+              <a:latin typeface="Calibri" panose="020F0502020204030204" pitchFamily="34" charset="0"/>
+              <a:ea typeface="MS Mincho" panose="02020609040205080304" pitchFamily="49" charset="-128"/>
+              <a:cs typeface="Times New Roman" panose="02020603050405020304" pitchFamily="18" charset="0"/>
+            </a:endParaRPr>
+          </a:p>
+          <a:p>
+            <a:pPr marL="342900" marR="0" lvl="0" indent="-342900">
+              <a:lnSpc>
+                <a:spcPct val="115000"/>
+              </a:lnSpc>
+              <a:spcBef>
+                <a:spcPts val="0"/>
+              </a:spcBef>
+              <a:spcAft>
+                <a:spcPts val="1000"/>
+              </a:spcAft>
+              <a:buFont typeface="Calibri" panose="020F0502020204030204" pitchFamily="34" charset="0"/>
+              <a:buChar char="-"/>
+            </a:pPr>
+            <a:r>
+              <a:rPr lang="en-US" dirty="0" smtClean="0">
+                <a:latin typeface="Cambria" panose="02040503050406030204" pitchFamily="18" charset="0"/>
+                <a:ea typeface="MS Mincho" panose="02020609040205080304" pitchFamily="49" charset="-128"/>
+                <a:cs typeface="Times New Roman" panose="02020603050405020304" pitchFamily="18" charset="0"/>
+              </a:rPr>
+              <a:t>Synchronization and </a:t>
+            </a:r>
+            <a:r>
+              <a:rPr lang="en-US" dirty="0">
+                <a:latin typeface="Cambria" panose="02040503050406030204" pitchFamily="18" charset="0"/>
+                <a:ea typeface="MS Mincho" panose="02020609040205080304" pitchFamily="49" charset="-128"/>
+                <a:cs typeface="Times New Roman" panose="02020603050405020304" pitchFamily="18" charset="0"/>
+              </a:rPr>
+              <a:t>automation, reducing administrative procedures and human resources. </a:t>
+            </a:r>
+            <a:endParaRPr lang="en-US" dirty="0">
+              <a:latin typeface="Calibri" panose="020F0502020204030204" pitchFamily="34" charset="0"/>
+              <a:ea typeface="MS Mincho" panose="02020609040205080304" pitchFamily="49" charset="-128"/>
+              <a:cs typeface="Times New Roman" panose="02020603050405020304" pitchFamily="18" charset="0"/>
+            </a:endParaRPr>
+          </a:p>
+        </p:txBody>
+      </p:sp>
+      <p:sp>
+        <p:nvSpPr>
+          <p:cNvPr id="3" name="Rectangle 2"/>
+          <p:cNvSpPr/>
+          <p:nvPr/>
+        </p:nvSpPr>
+        <p:spPr>
+          <a:xfrm>
+            <a:off x="5507421" y="2090982"/>
+            <a:ext cx="4056993" cy="1047979"/>
+          </a:xfrm>
+          <a:prstGeom prst="rect">
+            <a:avLst/>
+          </a:prstGeom>
+        </p:spPr>
+        <p:txBody>
+          <a:bodyPr wrap="square">
+            <a:spAutoFit/>
+          </a:bodyPr>
+          <a:lstStyle/>
+          <a:p>
+            <a:pPr marL="342900" marR="0" lvl="0" indent="-342900" algn="just">
+              <a:lnSpc>
+                <a:spcPct val="115000"/>
+              </a:lnSpc>
+              <a:spcBef>
+                <a:spcPts val="0"/>
+              </a:spcBef>
+              <a:spcAft>
+                <a:spcPts val="1000"/>
+              </a:spcAft>
+              <a:buFont typeface="Calibri" panose="020F0502020204030204" pitchFamily="34" charset="0"/>
+              <a:buChar char="-"/>
+            </a:pPr>
+            <a:r>
+              <a:rPr lang="en-US" dirty="0">
+                <a:latin typeface="Cambria" panose="02040503050406030204" pitchFamily="18" charset="0"/>
+                <a:ea typeface="MS Mincho" panose="02020609040205080304" pitchFamily="49" charset="-128"/>
+                <a:cs typeface="Times New Roman" panose="02020603050405020304" pitchFamily="18" charset="0"/>
+              </a:rPr>
+              <a:t>The hospital costs a certain amount of money to maintain the system (server, host).</a:t>
+            </a:r>
+            <a:endParaRPr lang="en-US" dirty="0">
+              <a:latin typeface="Calibri" panose="020F0502020204030204" pitchFamily="34" charset="0"/>
+              <a:ea typeface="MS Mincho" panose="02020609040205080304" pitchFamily="49" charset="-128"/>
+              <a:cs typeface="Times New Roman" panose="02020603050405020304" pitchFamily="18" charset="0"/>
+            </a:endParaRPr>
+          </a:p>
+        </p:txBody>
+      </p:sp>
+      <p:sp>
+        <p:nvSpPr>
+          <p:cNvPr id="5" name="Rectangle 4"/>
+          <p:cNvSpPr/>
+          <p:nvPr/>
+        </p:nvSpPr>
+        <p:spPr>
+          <a:xfrm>
+            <a:off x="1191326" y="1039307"/>
+            <a:ext cx="3179075" cy="769441"/>
+          </a:xfrm>
+          <a:prstGeom prst="rect">
+            <a:avLst/>
+          </a:prstGeom>
+          <a:noFill/>
+        </p:spPr>
+        <p:txBody>
+          <a:bodyPr wrap="none" lIns="91440" tIns="45720" rIns="91440" bIns="45720">
+            <a:spAutoFit/>
+          </a:bodyPr>
+          <a:lstStyle/>
+          <a:p>
+            <a:pPr algn="ctr"/>
+            <a:r>
+              <a:rPr lang="en-US" sz="4400" b="1" cap="none" spc="0" dirty="0" smtClean="0">
+                <a:ln w="9525">
+                  <a:solidFill>
+                    <a:schemeClr val="bg1"/>
+                  </a:solidFill>
+                  <a:prstDash val="solid"/>
+                </a:ln>
+                <a:solidFill>
+                  <a:schemeClr val="accent1">
+                    <a:lumMod val="50000"/>
+                  </a:schemeClr>
+                </a:solidFill>
+                <a:effectLst>
+                  <a:outerShdw blurRad="12700" dist="38100" dir="2700000" algn="tl" rotWithShape="0">
+                    <a:schemeClr val="accent5">
+                      <a:lumMod val="60000"/>
+                      <a:lumOff val="40000"/>
+                    </a:schemeClr>
+                  </a:outerShdw>
+                </a:effectLst>
+              </a:rPr>
+              <a:t>Advantages</a:t>
+            </a:r>
+            <a:endParaRPr lang="en-US" sz="4400" b="1" cap="none" spc="0" dirty="0">
+              <a:ln w="9525">
+                <a:solidFill>
+                  <a:schemeClr val="bg1"/>
+                </a:solidFill>
+                <a:prstDash val="solid"/>
+              </a:ln>
+              <a:solidFill>
+                <a:schemeClr val="accent1">
+                  <a:lumMod val="50000"/>
+                </a:schemeClr>
+              </a:solidFill>
+              <a:effectLst>
+                <a:outerShdw blurRad="12700" dist="38100" dir="2700000" algn="tl" rotWithShape="0">
+                  <a:schemeClr val="accent5">
+                    <a:lumMod val="60000"/>
+                    <a:lumOff val="40000"/>
+                  </a:schemeClr>
+                </a:outerShdw>
+              </a:effectLst>
+            </a:endParaRPr>
+          </a:p>
+        </p:txBody>
+      </p:sp>
+      <p:sp>
+        <p:nvSpPr>
+          <p:cNvPr id="9" name="Rectangle 8"/>
+          <p:cNvSpPr/>
+          <p:nvPr/>
+        </p:nvSpPr>
+        <p:spPr>
+          <a:xfrm>
+            <a:off x="5913720" y="1000118"/>
+            <a:ext cx="3897222" cy="769441"/>
+          </a:xfrm>
+          <a:prstGeom prst="rect">
+            <a:avLst/>
+          </a:prstGeom>
+          <a:noFill/>
+        </p:spPr>
+        <p:txBody>
+          <a:bodyPr wrap="none" lIns="91440" tIns="45720" rIns="91440" bIns="45720">
+            <a:spAutoFit/>
+          </a:bodyPr>
+          <a:lstStyle/>
+          <a:p>
+            <a:pPr algn="ctr"/>
+            <a:r>
+              <a:rPr lang="en-US" sz="4400" b="1" dirty="0" smtClean="0">
+                <a:ln w="9525">
+                  <a:solidFill>
+                    <a:schemeClr val="bg1"/>
+                  </a:solidFill>
+                  <a:prstDash val="solid"/>
+                </a:ln>
+                <a:solidFill>
+                  <a:schemeClr val="accent1">
+                    <a:lumMod val="50000"/>
+                  </a:schemeClr>
+                </a:solidFill>
+                <a:effectLst>
+                  <a:outerShdw blurRad="12700" dist="38100" dir="2700000" algn="tl" rotWithShape="0">
+                    <a:schemeClr val="accent5">
+                      <a:lumMod val="60000"/>
+                      <a:lumOff val="40000"/>
+                    </a:schemeClr>
+                  </a:outerShdw>
+                </a:effectLst>
+              </a:rPr>
+              <a:t>Disa</a:t>
+            </a:r>
+            <a:r>
+              <a:rPr lang="en-US" sz="4400" b="1" cap="none" spc="0" dirty="0" smtClean="0">
+                <a:ln w="9525">
+                  <a:solidFill>
+                    <a:schemeClr val="bg1"/>
+                  </a:solidFill>
+                  <a:prstDash val="solid"/>
+                </a:ln>
+                <a:solidFill>
+                  <a:schemeClr val="accent1">
+                    <a:lumMod val="50000"/>
+                  </a:schemeClr>
+                </a:solidFill>
+                <a:effectLst>
+                  <a:outerShdw blurRad="12700" dist="38100" dir="2700000" algn="tl" rotWithShape="0">
+                    <a:schemeClr val="accent5">
+                      <a:lumMod val="60000"/>
+                      <a:lumOff val="40000"/>
+                    </a:schemeClr>
+                  </a:outerShdw>
+                </a:effectLst>
+              </a:rPr>
+              <a:t>dvantages</a:t>
+            </a:r>
+            <a:endParaRPr lang="en-US" sz="4400" b="1" cap="none" spc="0" dirty="0">
+              <a:ln w="9525">
+                <a:solidFill>
+                  <a:schemeClr val="bg1"/>
+                </a:solidFill>
+                <a:prstDash val="solid"/>
+              </a:ln>
+              <a:solidFill>
+                <a:schemeClr val="accent1">
+                  <a:lumMod val="50000"/>
+                </a:schemeClr>
+              </a:solidFill>
+              <a:effectLst>
+                <a:outerShdw blurRad="12700" dist="38100" dir="2700000" algn="tl" rotWithShape="0">
+                  <a:schemeClr val="accent5">
+                    <a:lumMod val="60000"/>
+                    <a:lumOff val="40000"/>
+                  </a:schemeClr>
+                </a:outerShdw>
+              </a:effectLst>
+            </a:endParaRPr>
+          </a:p>
+        </p:txBody>
+      </p:sp>
+    </p:spTree>
+    <p:extLst>
+      <p:ext uri="{BB962C8B-B14F-4D97-AF65-F5344CB8AC3E}">
+        <p14:creationId xmlns:p14="http://schemas.microsoft.com/office/powerpoint/2010/main" val="3179655931"/>
+      </p:ext>
+    </p:extLst>
+  </p:cSld>
+  <p:clrMapOvr>
+    <a:masterClrMapping/>
+  </p:clrMapOvr>
+  <p:timing>
+    <p:tnLst>
+      <p:par>
+        <p:cTn id="1" dur="indefinite" restart="never" nodeType="tmRoot"/>
+      </p:par>
+    </p:tnLst>
+  </p:timing>
+</p:sld>
+</file>
+
+<file path=ppt/slides/slide25.xml><?xml version="1.0" encoding="utf-8"?>
+<p:sld xmlns:a="http://schemas.openxmlformats.org/drawingml/2006/main" xmlns:r="http://schemas.openxmlformats.org/officeDocument/2006/relationships" xmlns:p="http://schemas.openxmlformats.org/presentationml/2006/main">
+  <p:cSld>
+    <p:spTree>
+      <p:nvGrpSpPr>
+        <p:cNvPr id="1" name=""/>
+        <p:cNvGrpSpPr/>
+        <p:nvPr/>
+      </p:nvGrpSpPr>
+      <p:grpSpPr>
+        <a:xfrm>
+          <a:off x="0" y="0"/>
+          <a:ext cx="0" cy="0"/>
+          <a:chOff x="0" y="0"/>
+          <a:chExt cx="0" cy="0"/>
+        </a:xfrm>
+      </p:grpSpPr>
+      <p:sp>
+        <p:nvSpPr>
           <p:cNvPr id="3" name="Rectangle 2"/>
           <p:cNvSpPr/>
           <p:nvPr/>
@@ -10105,7 +12292,7 @@
 </p:sld>
 </file>
 
-<file path=ppt/slides/slide22.xml><?xml version="1.0" encoding="utf-8"?>
+<file path=ppt/slides/slide26.xml><?xml version="1.0" encoding="utf-8"?>
 <p:sld xmlns:a="http://schemas.openxmlformats.org/drawingml/2006/main" xmlns:r="http://schemas.openxmlformats.org/officeDocument/2006/relationships" xmlns:p="http://schemas.openxmlformats.org/presentationml/2006/main">
   <p:cSld>
     <p:spTree>
@@ -10188,23 +12375,7 @@
                   </a:outerShdw>
                 </a:effectLst>
               </a:rPr>
-              <a:t>4. Future </a:t>
-            </a:r>
-            <a:r>
-              <a:rPr lang="en-US" sz="5400" dirty="0" smtClean="0">
-                <a:ln w="0"/>
-                <a:solidFill>
-                  <a:srgbClr val="0070C0"/>
-                </a:solidFill>
-                <a:effectLst>
-                  <a:outerShdw blurRad="38100" dist="25400" dir="5400000" algn="ctr" rotWithShape="0">
-                    <a:srgbClr val="6E747A">
-                      <a:alpha val="43000"/>
-                    </a:srgbClr>
-                  </a:outerShdw>
-                </a:effectLst>
-              </a:rPr>
-              <a:t>plan</a:t>
+              <a:t>4. Future plan</a:t>
             </a:r>
             <a:endParaRPr lang="en-US" sz="5400" dirty="0">
               <a:ln w="0"/>
@@ -10651,7 +12822,166 @@
 </p:sld>
 </file>
 
-<file path=ppt/slides/slide23.xml><?xml version="1.0" encoding="utf-8"?>
+<file path=ppt/slides/slide27.xml><?xml version="1.0" encoding="utf-8"?>
+<p:sld xmlns:a="http://schemas.openxmlformats.org/drawingml/2006/main" xmlns:r="http://schemas.openxmlformats.org/officeDocument/2006/relationships" xmlns:p="http://schemas.openxmlformats.org/presentationml/2006/main">
+  <p:cSld>
+    <p:spTree>
+      <p:nvGrpSpPr>
+        <p:cNvPr id="1" name=""/>
+        <p:cNvGrpSpPr/>
+        <p:nvPr/>
+      </p:nvGrpSpPr>
+      <p:grpSpPr>
+        <a:xfrm>
+          <a:off x="0" y="0"/>
+          <a:ext cx="0" cy="0"/>
+          <a:chOff x="0" y="0"/>
+          <a:chExt cx="0" cy="0"/>
+        </a:xfrm>
+      </p:grpSpPr>
+      <p:sp>
+        <p:nvSpPr>
+          <p:cNvPr id="4" name="Rectangle 3"/>
+          <p:cNvSpPr/>
+          <p:nvPr/>
+        </p:nvSpPr>
+        <p:spPr>
+          <a:xfrm>
+            <a:off x="575099" y="211072"/>
+            <a:ext cx="4594528" cy="923330"/>
+          </a:xfrm>
+          <a:prstGeom prst="rect">
+            <a:avLst/>
+          </a:prstGeom>
+          <a:noFill/>
+        </p:spPr>
+        <p:txBody>
+          <a:bodyPr wrap="none" lIns="91440" tIns="45720" rIns="91440" bIns="45720">
+            <a:spAutoFit/>
+          </a:bodyPr>
+          <a:lstStyle/>
+          <a:p>
+            <a:pPr algn="ctr"/>
+            <a:r>
+              <a:rPr lang="en-US" sz="5400" dirty="0" smtClean="0">
+                <a:ln w="0"/>
+                <a:solidFill>
+                  <a:srgbClr val="0070C0"/>
+                </a:solidFill>
+                <a:effectLst>
+                  <a:outerShdw blurRad="38100" dist="25400" dir="5400000" algn="ctr" rotWithShape="0">
+                    <a:srgbClr val="6E747A">
+                      <a:alpha val="43000"/>
+                    </a:srgbClr>
+                  </a:outerShdw>
+                </a:effectLst>
+              </a:rPr>
+              <a:t>4. Future plan</a:t>
+            </a:r>
+            <a:endParaRPr lang="en-US" sz="5400" dirty="0">
+              <a:ln w="0"/>
+              <a:solidFill>
+                <a:srgbClr val="0070C0"/>
+              </a:solidFill>
+              <a:effectLst>
+                <a:outerShdw blurRad="38100" dist="25400" dir="5400000" algn="ctr" rotWithShape="0">
+                  <a:srgbClr val="6E747A">
+                    <a:alpha val="43000"/>
+                  </a:srgbClr>
+                </a:outerShdw>
+              </a:effectLst>
+            </a:endParaRPr>
+          </a:p>
+        </p:txBody>
+      </p:sp>
+      <p:cxnSp>
+        <p:nvCxnSpPr>
+          <p:cNvPr id="5" name="Straight Connector 4"/>
+          <p:cNvCxnSpPr/>
+          <p:nvPr/>
+        </p:nvCxnSpPr>
+        <p:spPr>
+          <a:xfrm>
+            <a:off x="352697" y="1134402"/>
+            <a:ext cx="8072846" cy="0"/>
+          </a:xfrm>
+          <a:prstGeom prst="line">
+            <a:avLst/>
+          </a:prstGeom>
+          <a:ln>
+            <a:solidFill>
+              <a:schemeClr val="accent2">
+                <a:lumMod val="75000"/>
+              </a:schemeClr>
+            </a:solidFill>
+          </a:ln>
+        </p:spPr>
+        <p:style>
+          <a:lnRef idx="1">
+            <a:schemeClr val="accent1"/>
+          </a:lnRef>
+          <a:fillRef idx="0">
+            <a:schemeClr val="accent1"/>
+          </a:fillRef>
+          <a:effectRef idx="0">
+            <a:schemeClr val="accent1"/>
+          </a:effectRef>
+          <a:fontRef idx="minor">
+            <a:schemeClr val="tx1"/>
+          </a:fontRef>
+        </p:style>
+      </p:cxnSp>
+      <p:pic>
+        <p:nvPicPr>
+          <p:cNvPr id="6" name="Picture 5"/>
+          <p:cNvPicPr>
+            <a:picLocks noChangeAspect="1"/>
+          </p:cNvPicPr>
+          <p:nvPr/>
+        </p:nvPicPr>
+        <p:blipFill>
+          <a:blip r:embed="rId2">
+            <a:extLst>
+              <a:ext uri="{28A0092B-C50C-407E-A947-70E740481C1C}">
+                <a14:useLocalDpi xmlns:a14="http://schemas.microsoft.com/office/drawing/2010/main" val="0"/>
+              </a:ext>
+            </a:extLst>
+          </a:blip>
+          <a:stretch>
+            <a:fillRect/>
+          </a:stretch>
+        </p:blipFill>
+        <p:spPr>
+          <a:xfrm>
+            <a:off x="1270374" y="2057732"/>
+            <a:ext cx="6924675" cy="3228975"/>
+          </a:xfrm>
+          <a:prstGeom prst="rect">
+            <a:avLst/>
+          </a:prstGeom>
+        </p:spPr>
+      </p:pic>
+    </p:spTree>
+    <p:extLst>
+      <p:ext uri="{BB962C8B-B14F-4D97-AF65-F5344CB8AC3E}">
+        <p14:creationId xmlns:p14="http://schemas.microsoft.com/office/powerpoint/2010/main" val="1085837780"/>
+      </p:ext>
+    </p:extLst>
+  </p:cSld>
+  <p:clrMapOvr>
+    <a:masterClrMapping/>
+  </p:clrMapOvr>
+  <p:timing>
+    <p:tnLst>
+      <p:par>
+        <p:cTn id="1" dur="indefinite" restart="never" nodeType="tmRoot"/>
+      </p:par>
+    </p:tnLst>
+  </p:timing>
+</p:sld>
+</file>
+
+<file path=ppt/slides/slide28.xml><?xml version="1.0" encoding="utf-8"?>
 <p:sld xmlns:a="http://schemas.openxmlformats.org/drawingml/2006/main" xmlns:r="http://schemas.openxmlformats.org/officeDocument/2006/relationships" xmlns:p="http://schemas.openxmlformats.org/presentationml/2006/main">
   <p:cSld>
     <p:spTree>
@@ -10781,10 +13111,17 @@
   <p:clrMapOvr>
     <a:masterClrMapping/>
   </p:clrMapOvr>
+  <p:timing>
+    <p:tnLst>
+      <p:par>
+        <p:cTn id="1" dur="indefinite" restart="never" nodeType="tmRoot"/>
+      </p:par>
+    </p:tnLst>
+  </p:timing>
 </p:sld>
 </file>
 
-<file path=ppt/slides/slide24.xml><?xml version="1.0" encoding="utf-8"?>
+<file path=ppt/slides/slide29.xml><?xml version="1.0" encoding="utf-8"?>
 <p:sld xmlns:a="http://schemas.openxmlformats.org/drawingml/2006/main" xmlns:r="http://schemas.openxmlformats.org/officeDocument/2006/relationships" xmlns:p="http://schemas.openxmlformats.org/presentationml/2006/main">
   <p:cSld>
     <p:spTree>
@@ -10911,10 +13248,125 @@
   <p:clrMapOvr>
     <a:masterClrMapping/>
   </p:clrMapOvr>
+  <p:timing>
+    <p:tnLst>
+      <p:par>
+        <p:cTn id="1" dur="indefinite" restart="never" nodeType="tmRoot"/>
+      </p:par>
+    </p:tnLst>
+  </p:timing>
 </p:sld>
 </file>
 
-<file path=ppt/slides/slide25.xml><?xml version="1.0" encoding="utf-8"?>
+<file path=ppt/slides/slide3.xml><?xml version="1.0" encoding="utf-8"?>
+<p:sld xmlns:a="http://schemas.openxmlformats.org/drawingml/2006/main" xmlns:r="http://schemas.openxmlformats.org/officeDocument/2006/relationships" xmlns:p="http://schemas.openxmlformats.org/presentationml/2006/main">
+  <p:cSld>
+    <p:spTree>
+      <p:nvGrpSpPr>
+        <p:cNvPr id="1" name=""/>
+        <p:cNvGrpSpPr/>
+        <p:nvPr/>
+      </p:nvGrpSpPr>
+      <p:grpSpPr>
+        <a:xfrm>
+          <a:off x="0" y="0"/>
+          <a:ext cx="0" cy="0"/>
+          <a:chOff x="0" y="0"/>
+          <a:chExt cx="0" cy="0"/>
+        </a:xfrm>
+      </p:grpSpPr>
+      <p:sp>
+        <p:nvSpPr>
+          <p:cNvPr id="3" name="Rectangle 2"/>
+          <p:cNvSpPr/>
+          <p:nvPr/>
+        </p:nvSpPr>
+        <p:spPr>
+          <a:xfrm>
+            <a:off x="184907" y="1008992"/>
+            <a:ext cx="10588196" cy="1446550"/>
+          </a:xfrm>
+          <a:prstGeom prst="rect">
+            <a:avLst/>
+          </a:prstGeom>
+          <a:noFill/>
+        </p:spPr>
+        <p:txBody>
+          <a:bodyPr wrap="square" lIns="91440" tIns="45720" rIns="91440" bIns="45720">
+            <a:spAutoFit/>
+          </a:bodyPr>
+          <a:lstStyle/>
+          <a:p>
+            <a:pPr algn="ctr"/>
+            <a:r>
+              <a:rPr lang="en-US" sz="8800" b="1" cap="none" spc="0" dirty="0" smtClean="0">
+                <a:ln w="9525">
+                  <a:solidFill>
+                    <a:schemeClr val="bg1"/>
+                  </a:solidFill>
+                  <a:prstDash val="solid"/>
+                </a:ln>
+                <a:solidFill>
+                  <a:schemeClr val="accent1">
+                    <a:lumMod val="50000"/>
+                  </a:schemeClr>
+                </a:solidFill>
+                <a:effectLst>
+                  <a:outerShdw blurRad="12700" dist="38100" dir="2700000" algn="tl" rotWithShape="0">
+                    <a:schemeClr val="accent5">
+                      <a:lumMod val="60000"/>
+                      <a:lumOff val="40000"/>
+                    </a:schemeClr>
+                  </a:outerShdw>
+                </a:effectLst>
+              </a:rPr>
+              <a:t>1. Current situation</a:t>
+            </a:r>
+            <a:endParaRPr lang="en-US" sz="8800" b="1" cap="none" spc="0" dirty="0">
+              <a:ln w="9525">
+                <a:solidFill>
+                  <a:schemeClr val="bg1"/>
+                </a:solidFill>
+                <a:prstDash val="solid"/>
+              </a:ln>
+              <a:solidFill>
+                <a:schemeClr val="accent1">
+                  <a:lumMod val="50000"/>
+                </a:schemeClr>
+              </a:solidFill>
+              <a:effectLst>
+                <a:outerShdw blurRad="12700" dist="38100" dir="2700000" algn="tl" rotWithShape="0">
+                  <a:schemeClr val="accent5">
+                    <a:lumMod val="60000"/>
+                    <a:lumOff val="40000"/>
+                  </a:schemeClr>
+                </a:outerShdw>
+              </a:effectLst>
+            </a:endParaRPr>
+          </a:p>
+        </p:txBody>
+      </p:sp>
+    </p:spTree>
+    <p:extLst>
+      <p:ext uri="{BB962C8B-B14F-4D97-AF65-F5344CB8AC3E}">
+        <p14:creationId xmlns:p14="http://schemas.microsoft.com/office/powerpoint/2010/main" val="643031407"/>
+      </p:ext>
+    </p:extLst>
+  </p:cSld>
+  <p:clrMapOvr>
+    <a:masterClrMapping/>
+  </p:clrMapOvr>
+  <p:timing>
+    <p:tnLst>
+      <p:par>
+        <p:cTn id="1" dur="indefinite" restart="never" nodeType="tmRoot"/>
+      </p:par>
+    </p:tnLst>
+  </p:timing>
+</p:sld>
+</file>
+
+<file path=ppt/slides/slide30.xml><?xml version="1.0" encoding="utf-8"?>
 <p:sld xmlns:a="http://schemas.openxmlformats.org/drawingml/2006/main" xmlns:r="http://schemas.openxmlformats.org/officeDocument/2006/relationships" xmlns:p="http://schemas.openxmlformats.org/presentationml/2006/main">
   <p:cSld>
     <p:spTree>
@@ -11251,107 +13703,6 @@
     <p:extLst>
       <p:ext uri="{BB962C8B-B14F-4D97-AF65-F5344CB8AC3E}">
         <p14:creationId xmlns:p14="http://schemas.microsoft.com/office/powerpoint/2010/main" val="3667340295"/>
-      </p:ext>
-    </p:extLst>
-  </p:cSld>
-  <p:clrMapOvr>
-    <a:masterClrMapping/>
-  </p:clrMapOvr>
-</p:sld>
-</file>
-
-<file path=ppt/slides/slide3.xml><?xml version="1.0" encoding="utf-8"?>
-<p:sld xmlns:a="http://schemas.openxmlformats.org/drawingml/2006/main" xmlns:r="http://schemas.openxmlformats.org/officeDocument/2006/relationships" xmlns:p="http://schemas.openxmlformats.org/presentationml/2006/main">
-  <p:cSld>
-    <p:spTree>
-      <p:nvGrpSpPr>
-        <p:cNvPr id="1" name=""/>
-        <p:cNvGrpSpPr/>
-        <p:nvPr/>
-      </p:nvGrpSpPr>
-      <p:grpSpPr>
-        <a:xfrm>
-          <a:off x="0" y="0"/>
-          <a:ext cx="0" cy="0"/>
-          <a:chOff x="0" y="0"/>
-          <a:chExt cx="0" cy="0"/>
-        </a:xfrm>
-      </p:grpSpPr>
-      <p:sp>
-        <p:nvSpPr>
-          <p:cNvPr id="3" name="Rectangle 2"/>
-          <p:cNvSpPr/>
-          <p:nvPr/>
-        </p:nvSpPr>
-        <p:spPr>
-          <a:xfrm>
-            <a:off x="184907" y="1008992"/>
-            <a:ext cx="10588196" cy="1446550"/>
-          </a:xfrm>
-          <a:prstGeom prst="rect">
-            <a:avLst/>
-          </a:prstGeom>
-          <a:noFill/>
-        </p:spPr>
-        <p:txBody>
-          <a:bodyPr wrap="square" lIns="91440" tIns="45720" rIns="91440" bIns="45720">
-            <a:spAutoFit/>
-          </a:bodyPr>
-          <a:lstStyle/>
-          <a:p>
-            <a:pPr algn="ctr"/>
-            <a:r>
-              <a:rPr lang="en-US" sz="8800" b="1" cap="none" spc="0" dirty="0" smtClean="0">
-                <a:ln w="9525">
-                  <a:solidFill>
-                    <a:schemeClr val="bg1"/>
-                  </a:solidFill>
-                  <a:prstDash val="solid"/>
-                </a:ln>
-                <a:solidFill>
-                  <a:schemeClr val="accent1">
-                    <a:lumMod val="50000"/>
-                  </a:schemeClr>
-                </a:solidFill>
-                <a:effectLst>
-                  <a:outerShdw blurRad="12700" dist="38100" dir="2700000" algn="tl" rotWithShape="0">
-                    <a:schemeClr val="accent5">
-                      <a:lumMod val="60000"/>
-                      <a:lumOff val="40000"/>
-                    </a:schemeClr>
-                  </a:outerShdw>
-                </a:effectLst>
-              </a:rPr>
-              <a:t>1. Current situation</a:t>
-            </a:r>
-            <a:endParaRPr lang="en-US" sz="8800" b="1" cap="none" spc="0" dirty="0">
-              <a:ln w="9525">
-                <a:solidFill>
-                  <a:schemeClr val="bg1"/>
-                </a:solidFill>
-                <a:prstDash val="solid"/>
-              </a:ln>
-              <a:solidFill>
-                <a:schemeClr val="accent1">
-                  <a:lumMod val="50000"/>
-                </a:schemeClr>
-              </a:solidFill>
-              <a:effectLst>
-                <a:outerShdw blurRad="12700" dist="38100" dir="2700000" algn="tl" rotWithShape="0">
-                  <a:schemeClr val="accent5">
-                    <a:lumMod val="60000"/>
-                    <a:lumOff val="40000"/>
-                  </a:schemeClr>
-                </a:outerShdw>
-              </a:effectLst>
-            </a:endParaRPr>
-          </a:p>
-        </p:txBody>
-      </p:sp>
-    </p:spTree>
-    <p:extLst>
-      <p:ext uri="{BB962C8B-B14F-4D97-AF65-F5344CB8AC3E}">
-        <p14:creationId xmlns:p14="http://schemas.microsoft.com/office/powerpoint/2010/main" val="643031407"/>
       </p:ext>
     </p:extLst>
   </p:cSld>
@@ -12923,150 +15274,6 @@
           <a:chExt cx="0" cy="0"/>
         </a:xfrm>
       </p:grpSpPr>
-      <p:cxnSp>
-        <p:nvCxnSpPr>
-          <p:cNvPr id="6" name="Straight Connector 5"/>
-          <p:cNvCxnSpPr/>
-          <p:nvPr/>
-        </p:nvCxnSpPr>
-        <p:spPr>
-          <a:xfrm>
-            <a:off x="5342708" y="1763486"/>
-            <a:ext cx="1" cy="4025147"/>
-          </a:xfrm>
-          <a:prstGeom prst="line">
-            <a:avLst/>
-          </a:prstGeom>
-        </p:spPr>
-        <p:style>
-          <a:lnRef idx="3">
-            <a:schemeClr val="accent2"/>
-          </a:lnRef>
-          <a:fillRef idx="0">
-            <a:schemeClr val="accent2"/>
-          </a:fillRef>
-          <a:effectRef idx="2">
-            <a:schemeClr val="accent2"/>
-          </a:effectRef>
-          <a:fontRef idx="minor">
-            <a:schemeClr val="tx1"/>
-          </a:fontRef>
-        </p:style>
-      </p:cxnSp>
-      <p:sp>
-        <p:nvSpPr>
-          <p:cNvPr id="2" name="Rectangle 1"/>
-          <p:cNvSpPr/>
-          <p:nvPr/>
-        </p:nvSpPr>
-        <p:spPr>
-          <a:xfrm>
-            <a:off x="346842" y="2090982"/>
-            <a:ext cx="4424855" cy="2322174"/>
-          </a:xfrm>
-          <a:prstGeom prst="rect">
-            <a:avLst/>
-          </a:prstGeom>
-        </p:spPr>
-        <p:txBody>
-          <a:bodyPr wrap="square">
-            <a:spAutoFit/>
-          </a:bodyPr>
-          <a:lstStyle/>
-          <a:p>
-            <a:pPr marL="342900" marR="0" lvl="0" indent="-342900">
-              <a:lnSpc>
-                <a:spcPct val="115000"/>
-              </a:lnSpc>
-              <a:spcBef>
-                <a:spcPts val="0"/>
-              </a:spcBef>
-              <a:spcAft>
-                <a:spcPts val="0"/>
-              </a:spcAft>
-              <a:buFont typeface="Calibri" panose="020F0502020204030204" pitchFamily="34" charset="0"/>
-              <a:buChar char="-"/>
-            </a:pPr>
-            <a:r>
-              <a:rPr lang="en-US" dirty="0">
-                <a:latin typeface="Cambria" panose="02040503050406030204" pitchFamily="18" charset="0"/>
-                <a:ea typeface="MS Mincho" panose="02020609040205080304" pitchFamily="49" charset="-128"/>
-                <a:cs typeface="Times New Roman" panose="02020603050405020304" pitchFamily="18" charset="0"/>
-              </a:rPr>
-              <a:t>Incorporation of hospital management procedures and portals. The application can be accessed via the internet</a:t>
-            </a:r>
-            <a:endParaRPr lang="en-US" dirty="0">
-              <a:latin typeface="Calibri" panose="020F0502020204030204" pitchFamily="34" charset="0"/>
-              <a:ea typeface="MS Mincho" panose="02020609040205080304" pitchFamily="49" charset="-128"/>
-              <a:cs typeface="Times New Roman" panose="02020603050405020304" pitchFamily="18" charset="0"/>
-            </a:endParaRPr>
-          </a:p>
-          <a:p>
-            <a:pPr marL="342900" marR="0" lvl="0" indent="-342900">
-              <a:lnSpc>
-                <a:spcPct val="115000"/>
-              </a:lnSpc>
-              <a:spcBef>
-                <a:spcPts val="0"/>
-              </a:spcBef>
-              <a:spcAft>
-                <a:spcPts val="0"/>
-              </a:spcAft>
-              <a:buFont typeface="Calibri" panose="020F0502020204030204" pitchFamily="34" charset="0"/>
-              <a:buChar char="-"/>
-            </a:pPr>
-            <a:r>
-              <a:rPr lang="en-US" dirty="0">
-                <a:latin typeface="Cambria" panose="02040503050406030204" pitchFamily="18" charset="0"/>
-                <a:ea typeface="MS Mincho" panose="02020609040205080304" pitchFamily="49" charset="-128"/>
-                <a:cs typeface="Times New Roman" panose="02020603050405020304" pitchFamily="18" charset="0"/>
-              </a:rPr>
-              <a:t>Accuracy and instantaneous.</a:t>
-            </a:r>
-            <a:endParaRPr lang="en-US" dirty="0">
-              <a:latin typeface="Calibri" panose="020F0502020204030204" pitchFamily="34" charset="0"/>
-              <a:ea typeface="MS Mincho" panose="02020609040205080304" pitchFamily="49" charset="-128"/>
-              <a:cs typeface="Times New Roman" panose="02020603050405020304" pitchFamily="18" charset="0"/>
-            </a:endParaRPr>
-          </a:p>
-          <a:p>
-            <a:pPr marL="342900" marR="0" lvl="0" indent="-342900">
-              <a:lnSpc>
-                <a:spcPct val="115000"/>
-              </a:lnSpc>
-              <a:spcBef>
-                <a:spcPts val="0"/>
-              </a:spcBef>
-              <a:spcAft>
-                <a:spcPts val="1000"/>
-              </a:spcAft>
-              <a:buFont typeface="Calibri" panose="020F0502020204030204" pitchFamily="34" charset="0"/>
-              <a:buChar char="-"/>
-            </a:pPr>
-            <a:r>
-              <a:rPr lang="en-US" dirty="0" smtClean="0">
-                <a:latin typeface="Cambria" panose="02040503050406030204" pitchFamily="18" charset="0"/>
-                <a:ea typeface="MS Mincho" panose="02020609040205080304" pitchFamily="49" charset="-128"/>
-                <a:cs typeface="Times New Roman" panose="02020603050405020304" pitchFamily="18" charset="0"/>
-              </a:rPr>
-              <a:t>Synchronization and </a:t>
-            </a:r>
-            <a:r>
-              <a:rPr lang="en-US" dirty="0">
-                <a:latin typeface="Cambria" panose="02040503050406030204" pitchFamily="18" charset="0"/>
-                <a:ea typeface="MS Mincho" panose="02020609040205080304" pitchFamily="49" charset="-128"/>
-                <a:cs typeface="Times New Roman" panose="02020603050405020304" pitchFamily="18" charset="0"/>
-              </a:rPr>
-              <a:t>automation, reducing administrative procedures and human resources. </a:t>
-            </a:r>
-            <a:endParaRPr lang="en-US" dirty="0">
-              <a:latin typeface="Calibri" panose="020F0502020204030204" pitchFamily="34" charset="0"/>
-              <a:ea typeface="MS Mincho" panose="02020609040205080304" pitchFamily="49" charset="-128"/>
-              <a:cs typeface="Times New Roman" panose="02020603050405020304" pitchFamily="18" charset="0"/>
-            </a:endParaRPr>
-          </a:p>
-        </p:txBody>
-      </p:sp>
       <p:sp>
         <p:nvSpPr>
           <p:cNvPr id="3" name="Rectangle 2"/>
@@ -13075,58 +15282,8 @@
         </p:nvSpPr>
         <p:spPr>
           <a:xfrm>
-            <a:off x="5507421" y="2090982"/>
-            <a:ext cx="4056993" cy="1047979"/>
-          </a:xfrm>
-          <a:prstGeom prst="rect">
-            <a:avLst/>
-          </a:prstGeom>
-        </p:spPr>
-        <p:txBody>
-          <a:bodyPr wrap="square">
-            <a:spAutoFit/>
-          </a:bodyPr>
-          <a:lstStyle/>
-          <a:p>
-            <a:pPr marL="342900" marR="0" lvl="0" indent="-342900" algn="just">
-              <a:lnSpc>
-                <a:spcPct val="115000"/>
-              </a:lnSpc>
-              <a:spcBef>
-                <a:spcPts val="0"/>
-              </a:spcBef>
-              <a:spcAft>
-                <a:spcPts val="1000"/>
-              </a:spcAft>
-              <a:buFont typeface="Calibri" panose="020F0502020204030204" pitchFamily="34" charset="0"/>
-              <a:buChar char="-"/>
-            </a:pPr>
-            <a:r>
-              <a:rPr lang="en-US" dirty="0">
-                <a:latin typeface="Cambria" panose="02040503050406030204" pitchFamily="18" charset="0"/>
-                <a:ea typeface="MS Mincho" panose="02020609040205080304" pitchFamily="49" charset="-128"/>
-                <a:cs typeface="Times New Roman" panose="02020603050405020304" pitchFamily="18" charset="0"/>
-              </a:rPr>
-              <a:t>The hospital costs a certain amount of money to maintain the system (server, host).</a:t>
-            </a:r>
-            <a:endParaRPr lang="en-US" dirty="0">
-              <a:latin typeface="Calibri" panose="020F0502020204030204" pitchFamily="34" charset="0"/>
-              <a:ea typeface="MS Mincho" panose="02020609040205080304" pitchFamily="49" charset="-128"/>
-              <a:cs typeface="Times New Roman" panose="02020603050405020304" pitchFamily="18" charset="0"/>
-            </a:endParaRPr>
-          </a:p>
-        </p:txBody>
-      </p:sp>
-      <p:sp>
-        <p:nvSpPr>
-          <p:cNvPr id="5" name="Rectangle 4"/>
-          <p:cNvSpPr/>
-          <p:nvPr/>
-        </p:nvSpPr>
-        <p:spPr>
-          <a:xfrm>
-            <a:off x="1191326" y="994045"/>
-            <a:ext cx="3179075" cy="769441"/>
+            <a:off x="549422" y="668224"/>
+            <a:ext cx="8751114" cy="1569660"/>
           </a:xfrm>
           <a:prstGeom prst="rect">
             <a:avLst/>
@@ -13141,7 +15298,7 @@
           <a:p>
             <a:pPr algn="ctr"/>
             <a:r>
-              <a:rPr lang="en-US" sz="4400" b="1" cap="none" spc="0" dirty="0" smtClean="0">
+              <a:rPr lang="en-US" sz="9600" b="1" cap="none" spc="0" dirty="0" smtClean="0">
                 <a:ln w="9525">
                   <a:solidFill>
                     <a:schemeClr val="bg1"/>
@@ -13162,9 +15319,9 @@
                   </a:outerShdw>
                 </a:effectLst>
               </a:rPr>
-              <a:t>Advantages</a:t>
-            </a:r>
-            <a:endParaRPr lang="en-US" sz="4400" b="1" cap="none" spc="0" dirty="0">
+              <a:t>2.Our proposal</a:t>
+            </a:r>
+            <a:endParaRPr lang="en-US" sz="9600" b="1" cap="none" spc="0" dirty="0">
               <a:ln w="9525">
                 <a:solidFill>
                   <a:schemeClr val="bg1"/>
@@ -13188,105 +15345,10 @@
           </a:p>
         </p:txBody>
       </p:sp>
-      <p:sp>
-        <p:nvSpPr>
-          <p:cNvPr id="9" name="Rectangle 8"/>
-          <p:cNvSpPr/>
-          <p:nvPr/>
-        </p:nvSpPr>
-        <p:spPr>
-          <a:xfrm>
-            <a:off x="5913720" y="1000118"/>
-            <a:ext cx="3897222" cy="769441"/>
-          </a:xfrm>
-          <a:prstGeom prst="rect">
-            <a:avLst/>
-          </a:prstGeom>
-          <a:noFill/>
-        </p:spPr>
-        <p:txBody>
-          <a:bodyPr wrap="none" lIns="91440" tIns="45720" rIns="91440" bIns="45720">
-            <a:spAutoFit/>
-          </a:bodyPr>
-          <a:lstStyle/>
-          <a:p>
-            <a:pPr algn="ctr"/>
-            <a:r>
-              <a:rPr lang="en-US" sz="4400" b="1" dirty="0" smtClean="0">
-                <a:ln w="9525">
-                  <a:solidFill>
-                    <a:schemeClr val="bg1"/>
-                  </a:solidFill>
-                  <a:prstDash val="solid"/>
-                </a:ln>
-                <a:solidFill>
-                  <a:schemeClr val="accent1">
-                    <a:lumMod val="50000"/>
-                  </a:schemeClr>
-                </a:solidFill>
-                <a:effectLst>
-                  <a:outerShdw blurRad="12700" dist="38100" dir="2700000" algn="tl" rotWithShape="0">
-                    <a:schemeClr val="accent5">
-                      <a:lumMod val="60000"/>
-                      <a:lumOff val="40000"/>
-                    </a:schemeClr>
-                  </a:outerShdw>
-                </a:effectLst>
-              </a:rPr>
-              <a:t>Disa</a:t>
-            </a:r>
-            <a:r>
-              <a:rPr lang="en-US" sz="4400" b="1" cap="none" spc="0" dirty="0" smtClean="0">
-                <a:ln w="9525">
-                  <a:solidFill>
-                    <a:schemeClr val="bg1"/>
-                  </a:solidFill>
-                  <a:prstDash val="solid"/>
-                </a:ln>
-                <a:solidFill>
-                  <a:schemeClr val="accent1">
-                    <a:lumMod val="50000"/>
-                  </a:schemeClr>
-                </a:solidFill>
-                <a:effectLst>
-                  <a:outerShdw blurRad="12700" dist="38100" dir="2700000" algn="tl" rotWithShape="0">
-                    <a:schemeClr val="accent5">
-                      <a:lumMod val="60000"/>
-                      <a:lumOff val="40000"/>
-                    </a:schemeClr>
-                  </a:outerShdw>
-                </a:effectLst>
-              </a:rPr>
-              <a:t>dvantages</a:t>
-            </a:r>
-            <a:endParaRPr lang="en-US" sz="4400" b="1" cap="none" spc="0" dirty="0">
-              <a:ln w="9525">
-                <a:solidFill>
-                  <a:schemeClr val="bg1"/>
-                </a:solidFill>
-                <a:prstDash val="solid"/>
-              </a:ln>
-              <a:solidFill>
-                <a:schemeClr val="accent1">
-                  <a:lumMod val="50000"/>
-                </a:schemeClr>
-              </a:solidFill>
-              <a:effectLst>
-                <a:outerShdw blurRad="12700" dist="38100" dir="2700000" algn="tl" rotWithShape="0">
-                  <a:schemeClr val="accent5">
-                    <a:lumMod val="60000"/>
-                    <a:lumOff val="40000"/>
-                  </a:schemeClr>
-                </a:outerShdw>
-              </a:effectLst>
-            </a:endParaRPr>
-          </a:p>
-        </p:txBody>
-      </p:sp>
     </p:spTree>
     <p:extLst>
       <p:ext uri="{BB962C8B-B14F-4D97-AF65-F5344CB8AC3E}">
-        <p14:creationId xmlns:p14="http://schemas.microsoft.com/office/powerpoint/2010/main" val="3179655931"/>
+        <p14:creationId xmlns:p14="http://schemas.microsoft.com/office/powerpoint/2010/main" val="87696459"/>
       </p:ext>
     </p:extLst>
   </p:cSld>
@@ -13320,16 +15382,75 @@
           <a:chExt cx="0" cy="0"/>
         </a:xfrm>
       </p:grpSpPr>
+      <p:pic>
+        <p:nvPicPr>
+          <p:cNvPr id="4" name="Picture 3"/>
+          <p:cNvPicPr>
+            <a:picLocks noChangeAspect="1"/>
+          </p:cNvPicPr>
+          <p:nvPr/>
+        </p:nvPicPr>
+        <p:blipFill rotWithShape="1">
+          <a:blip r:embed="rId2">
+            <a:extLst>
+              <a:ext uri="{28A0092B-C50C-407E-A947-70E740481C1C}">
+                <a14:useLocalDpi xmlns:a14="http://schemas.microsoft.com/office/drawing/2010/main" val="0"/>
+              </a:ext>
+            </a:extLst>
+          </a:blip>
+          <a:srcRect l="8905" r="7090"/>
+          <a:stretch/>
+        </p:blipFill>
+        <p:spPr>
+          <a:xfrm>
+            <a:off x="462484" y="1838790"/>
+            <a:ext cx="7963059" cy="4195993"/>
+          </a:xfrm>
+          <a:prstGeom prst="rect">
+            <a:avLst/>
+          </a:prstGeom>
+        </p:spPr>
+      </p:pic>
+      <p:pic>
+        <p:nvPicPr>
+          <p:cNvPr id="5" name="Picture 4"/>
+          <p:cNvPicPr>
+            <a:picLocks noChangeAspect="1"/>
+          </p:cNvPicPr>
+          <p:nvPr/>
+        </p:nvPicPr>
+        <p:blipFill>
+          <a:blip r:embed="rId3" cstate="print">
+            <a:extLst>
+              <a:ext uri="{28A0092B-C50C-407E-A947-70E740481C1C}">
+                <a14:useLocalDpi xmlns:a14="http://schemas.microsoft.com/office/drawing/2010/main" val="0"/>
+              </a:ext>
+            </a:extLst>
+          </a:blip>
+          <a:stretch>
+            <a:fillRect/>
+          </a:stretch>
+        </p:blipFill>
+        <p:spPr>
+          <a:xfrm>
+            <a:off x="6582176" y="1299754"/>
+            <a:ext cx="1967753" cy="1967753"/>
+          </a:xfrm>
+          <a:prstGeom prst="rect">
+            <a:avLst/>
+          </a:prstGeom>
+        </p:spPr>
+      </p:pic>
       <p:sp>
         <p:nvSpPr>
-          <p:cNvPr id="3" name="Rectangle 2"/>
+          <p:cNvPr id="6" name="Rectangle 5"/>
           <p:cNvSpPr/>
           <p:nvPr/>
         </p:nvSpPr>
         <p:spPr>
           <a:xfrm>
-            <a:off x="549422" y="668224"/>
-            <a:ext cx="8751114" cy="1569660"/>
+            <a:off x="298106" y="211072"/>
+            <a:ext cx="4108432" cy="923330"/>
           </a:xfrm>
           <a:prstGeom prst="rect">
             <a:avLst/>
@@ -13344,57 +15465,65 @@
           <a:p>
             <a:pPr algn="ctr"/>
             <a:r>
-              <a:rPr lang="en-US" sz="9600" b="1" cap="none" spc="0" dirty="0" smtClean="0">
-                <a:ln w="9525">
-                  <a:solidFill>
-                    <a:schemeClr val="bg1"/>
-                  </a:solidFill>
-                  <a:prstDash val="solid"/>
-                </a:ln>
+              <a:rPr lang="en-US" sz="5400" dirty="0">
+                <a:ln w="0"/>
                 <a:solidFill>
-                  <a:schemeClr val="accent1">
-                    <a:lumMod val="50000"/>
-                  </a:schemeClr>
+                  <a:srgbClr val="0070C0"/>
                 </a:solidFill>
                 <a:effectLst>
-                  <a:outerShdw blurRad="12700" dist="38100" dir="2700000" algn="tl" rotWithShape="0">
-                    <a:schemeClr val="accent5">
-                      <a:lumMod val="60000"/>
-                      <a:lumOff val="40000"/>
-                    </a:schemeClr>
+                  <a:outerShdw blurRad="38100" dist="25400" dir="5400000" algn="ctr" rotWithShape="0">
+                    <a:srgbClr val="6E747A">
+                      <a:alpha val="43000"/>
+                    </a:srgbClr>
                   </a:outerShdw>
                 </a:effectLst>
               </a:rPr>
-              <a:t>2.Our proposal</a:t>
-            </a:r>
-            <a:endParaRPr lang="en-US" sz="9600" b="1" cap="none" spc="0" dirty="0">
-              <a:ln w="9525">
-                <a:solidFill>
-                  <a:schemeClr val="bg1"/>
-                </a:solidFill>
-                <a:prstDash val="solid"/>
-              </a:ln>
-              <a:solidFill>
-                <a:schemeClr val="accent1">
-                  <a:lumMod val="50000"/>
-                </a:schemeClr>
-              </a:solidFill>
-              <a:effectLst>
-                <a:outerShdw blurRad="12700" dist="38100" dir="2700000" algn="tl" rotWithShape="0">
-                  <a:schemeClr val="accent5">
-                    <a:lumMod val="60000"/>
-                    <a:lumOff val="40000"/>
-                  </a:schemeClr>
-                </a:outerShdw>
-              </a:effectLst>
-            </a:endParaRPr>
+              <a:t>Our Proposal</a:t>
+            </a:r>
           </a:p>
         </p:txBody>
       </p:sp>
+      <p:cxnSp>
+        <p:nvCxnSpPr>
+          <p:cNvPr id="7" name="Straight Connector 6"/>
+          <p:cNvCxnSpPr/>
+          <p:nvPr/>
+        </p:nvCxnSpPr>
+        <p:spPr>
+          <a:xfrm>
+            <a:off x="352697" y="1134402"/>
+            <a:ext cx="8072846" cy="0"/>
+          </a:xfrm>
+          <a:prstGeom prst="line">
+            <a:avLst/>
+          </a:prstGeom>
+          <a:ln>
+            <a:solidFill>
+              <a:schemeClr val="accent2">
+                <a:lumMod val="75000"/>
+              </a:schemeClr>
+            </a:solidFill>
+          </a:ln>
+        </p:spPr>
+        <p:style>
+          <a:lnRef idx="1">
+            <a:schemeClr val="accent1"/>
+          </a:lnRef>
+          <a:fillRef idx="0">
+            <a:schemeClr val="accent1"/>
+          </a:fillRef>
+          <a:effectRef idx="0">
+            <a:schemeClr val="accent1"/>
+          </a:effectRef>
+          <a:fontRef idx="minor">
+            <a:schemeClr val="tx1"/>
+          </a:fontRef>
+        </p:style>
+      </p:cxnSp>
     </p:spTree>
     <p:extLst>
       <p:ext uri="{BB962C8B-B14F-4D97-AF65-F5344CB8AC3E}">
-        <p14:creationId xmlns:p14="http://schemas.microsoft.com/office/powerpoint/2010/main" val="87696459"/>
+        <p14:creationId xmlns:p14="http://schemas.microsoft.com/office/powerpoint/2010/main" val="322343159"/>
       </p:ext>
     </p:extLst>
   </p:cSld>
@@ -13666,4 +15795,265 @@
     </a:ext>
   </a:extLst>
 </a:theme>
+</file>
+
+<file path=ppt/theme/theme2.xml><?xml version="1.0" encoding="utf-8"?>
+<a:theme xmlns:a="http://schemas.openxmlformats.org/drawingml/2006/main" name="Office Theme">
+  <a:themeElements>
+    <a:clrScheme name="Office">
+      <a:dk1>
+        <a:sysClr val="windowText" lastClr="000000"/>
+      </a:dk1>
+      <a:lt1>
+        <a:sysClr val="window" lastClr="FFFFFF"/>
+      </a:lt1>
+      <a:dk2>
+        <a:srgbClr val="44546A"/>
+      </a:dk2>
+      <a:lt2>
+        <a:srgbClr val="E7E6E6"/>
+      </a:lt2>
+      <a:accent1>
+        <a:srgbClr val="5B9BD5"/>
+      </a:accent1>
+      <a:accent2>
+        <a:srgbClr val="ED7D31"/>
+      </a:accent2>
+      <a:accent3>
+        <a:srgbClr val="A5A5A5"/>
+      </a:accent3>
+      <a:accent4>
+        <a:srgbClr val="FFC000"/>
+      </a:accent4>
+      <a:accent5>
+        <a:srgbClr val="4472C4"/>
+      </a:accent5>
+      <a:accent6>
+        <a:srgbClr val="70AD47"/>
+      </a:accent6>
+      <a:hlink>
+        <a:srgbClr val="0563C1"/>
+      </a:hlink>
+      <a:folHlink>
+        <a:srgbClr val="954F72"/>
+      </a:folHlink>
+    </a:clrScheme>
+    <a:fontScheme name="Office">
+      <a:majorFont>
+        <a:latin typeface="Calibri Light" panose="020F0302020204030204"/>
+        <a:ea typeface=""/>
+        <a:cs typeface=""/>
+        <a:font script="Jpan" typeface="游ゴシック Light"/>
+        <a:font script="Hang" typeface="맑은 고딕"/>
+        <a:font script="Hans" typeface="等线 Light"/>
+        <a:font script="Hant" typeface="新細明體"/>
+        <a:font script="Arab" typeface="Times New Roman"/>
+        <a:font script="Hebr" typeface="Times New Roman"/>
+        <a:font script="Thai" typeface="Angsana New"/>
+        <a:font script="Ethi" typeface="Nyala"/>
+        <a:font script="Beng" typeface="Vrinda"/>
+        <a:font script="Gujr" typeface="Shruti"/>
+        <a:font script="Khmr" typeface="MoolBoran"/>
+        <a:font script="Knda" typeface="Tunga"/>
+        <a:font script="Guru" typeface="Raavi"/>
+        <a:font script="Cans" typeface="Euphemia"/>
+        <a:font script="Cher" typeface="Plantagenet Cherokee"/>
+        <a:font script="Yiii" typeface="Microsoft Yi Baiti"/>
+        <a:font script="Tibt" typeface="Microsoft Himalaya"/>
+        <a:font script="Thaa" typeface="MV Boli"/>
+        <a:font script="Deva" typeface="Mangal"/>
+        <a:font script="Telu" typeface="Gautami"/>
+        <a:font script="Taml" typeface="Latha"/>
+        <a:font script="Syrc" typeface="Estrangelo Edessa"/>
+        <a:font script="Orya" typeface="Kalinga"/>
+        <a:font script="Mlym" typeface="Kartika"/>
+        <a:font script="Laoo" typeface="DokChampa"/>
+        <a:font script="Sinh" typeface="Iskoola Pota"/>
+        <a:font script="Mong" typeface="Mongolian Baiti"/>
+        <a:font script="Viet" typeface="Times New Roman"/>
+        <a:font script="Uigh" typeface="Microsoft Uighur"/>
+        <a:font script="Geor" typeface="Sylfaen"/>
+      </a:majorFont>
+      <a:minorFont>
+        <a:latin typeface="Calibri" panose="020F0502020204030204"/>
+        <a:ea typeface=""/>
+        <a:cs typeface=""/>
+        <a:font script="Jpan" typeface="游ゴシック"/>
+        <a:font script="Hang" typeface="맑은 고딕"/>
+        <a:font script="Hans" typeface="等线"/>
+        <a:font script="Hant" typeface="新細明體"/>
+        <a:font script="Arab" typeface="Arial"/>
+        <a:font script="Hebr" typeface="Arial"/>
+        <a:font script="Thai" typeface="Cordia New"/>
+        <a:font script="Ethi" typeface="Nyala"/>
+        <a:font script="Beng" typeface="Vrinda"/>
+        <a:font script="Gujr" typeface="Shruti"/>
+        <a:font script="Khmr" typeface="DaunPenh"/>
+        <a:font script="Knda" typeface="Tunga"/>
+        <a:font script="Guru" typeface="Raavi"/>
+        <a:font script="Cans" typeface="Euphemia"/>
+        <a:font script="Cher" typeface="Plantagenet Cherokee"/>
+        <a:font script="Yiii" typeface="Microsoft Yi Baiti"/>
+        <a:font script="Tibt" typeface="Microsoft Himalaya"/>
+        <a:font script="Thaa" typeface="MV Boli"/>
+        <a:font script="Deva" typeface="Mangal"/>
+        <a:font script="Telu" typeface="Gautami"/>
+        <a:font script="Taml" typeface="Latha"/>
+        <a:font script="Syrc" typeface="Estrangelo Edessa"/>
+        <a:font script="Orya" typeface="Kalinga"/>
+        <a:font script="Mlym" typeface="Kartika"/>
+        <a:font script="Laoo" typeface="DokChampa"/>
+        <a:font script="Sinh" typeface="Iskoola Pota"/>
+        <a:font script="Mong" typeface="Mongolian Baiti"/>
+        <a:font script="Viet" typeface="Arial"/>
+        <a:font script="Uigh" typeface="Microsoft Uighur"/>
+        <a:font script="Geor" typeface="Sylfaen"/>
+      </a:minorFont>
+    </a:fontScheme>
+    <a:fmtScheme name="Office">
+      <a:fillStyleLst>
+        <a:solidFill>
+          <a:schemeClr val="phClr"/>
+        </a:solidFill>
+        <a:gradFill rotWithShape="1">
+          <a:gsLst>
+            <a:gs pos="0">
+              <a:schemeClr val="phClr">
+                <a:lumMod val="110000"/>
+                <a:satMod val="105000"/>
+                <a:tint val="67000"/>
+              </a:schemeClr>
+            </a:gs>
+            <a:gs pos="50000">
+              <a:schemeClr val="phClr">
+                <a:lumMod val="105000"/>
+                <a:satMod val="103000"/>
+                <a:tint val="73000"/>
+              </a:schemeClr>
+            </a:gs>
+            <a:gs pos="100000">
+              <a:schemeClr val="phClr">
+                <a:lumMod val="105000"/>
+                <a:satMod val="109000"/>
+                <a:tint val="81000"/>
+              </a:schemeClr>
+            </a:gs>
+          </a:gsLst>
+          <a:lin ang="5400000" scaled="0"/>
+        </a:gradFill>
+        <a:gradFill rotWithShape="1">
+          <a:gsLst>
+            <a:gs pos="0">
+              <a:schemeClr val="phClr">
+                <a:satMod val="103000"/>
+                <a:lumMod val="102000"/>
+                <a:tint val="94000"/>
+              </a:schemeClr>
+            </a:gs>
+            <a:gs pos="50000">
+              <a:schemeClr val="phClr">
+                <a:satMod val="110000"/>
+                <a:lumMod val="100000"/>
+                <a:shade val="100000"/>
+              </a:schemeClr>
+            </a:gs>
+            <a:gs pos="100000">
+              <a:schemeClr val="phClr">
+                <a:lumMod val="99000"/>
+                <a:satMod val="120000"/>
+                <a:shade val="78000"/>
+              </a:schemeClr>
+            </a:gs>
+          </a:gsLst>
+          <a:lin ang="5400000" scaled="0"/>
+        </a:gradFill>
+      </a:fillStyleLst>
+      <a:lnStyleLst>
+        <a:ln w="6350" cap="flat" cmpd="sng" algn="ctr">
+          <a:solidFill>
+            <a:schemeClr val="phClr"/>
+          </a:solidFill>
+          <a:prstDash val="solid"/>
+          <a:miter lim="800000"/>
+        </a:ln>
+        <a:ln w="12700" cap="flat" cmpd="sng" algn="ctr">
+          <a:solidFill>
+            <a:schemeClr val="phClr"/>
+          </a:solidFill>
+          <a:prstDash val="solid"/>
+          <a:miter lim="800000"/>
+        </a:ln>
+        <a:ln w="19050" cap="flat" cmpd="sng" algn="ctr">
+          <a:solidFill>
+            <a:schemeClr val="phClr"/>
+          </a:solidFill>
+          <a:prstDash val="solid"/>
+          <a:miter lim="800000"/>
+        </a:ln>
+      </a:lnStyleLst>
+      <a:effectStyleLst>
+        <a:effectStyle>
+          <a:effectLst/>
+        </a:effectStyle>
+        <a:effectStyle>
+          <a:effectLst/>
+        </a:effectStyle>
+        <a:effectStyle>
+          <a:effectLst>
+            <a:outerShdw blurRad="57150" dist="19050" dir="5400000" algn="ctr" rotWithShape="0">
+              <a:srgbClr val="000000">
+                <a:alpha val="63000"/>
+              </a:srgbClr>
+            </a:outerShdw>
+          </a:effectLst>
+        </a:effectStyle>
+      </a:effectStyleLst>
+      <a:bgFillStyleLst>
+        <a:solidFill>
+          <a:schemeClr val="phClr"/>
+        </a:solidFill>
+        <a:solidFill>
+          <a:schemeClr val="phClr">
+            <a:tint val="95000"/>
+            <a:satMod val="170000"/>
+          </a:schemeClr>
+        </a:solidFill>
+        <a:gradFill rotWithShape="1">
+          <a:gsLst>
+            <a:gs pos="0">
+              <a:schemeClr val="phClr">
+                <a:tint val="93000"/>
+                <a:satMod val="150000"/>
+                <a:shade val="98000"/>
+                <a:lumMod val="102000"/>
+              </a:schemeClr>
+            </a:gs>
+            <a:gs pos="50000">
+              <a:schemeClr val="phClr">
+                <a:tint val="98000"/>
+                <a:satMod val="130000"/>
+                <a:shade val="90000"/>
+                <a:lumMod val="103000"/>
+              </a:schemeClr>
+            </a:gs>
+            <a:gs pos="100000">
+              <a:schemeClr val="phClr">
+                <a:shade val="63000"/>
+                <a:satMod val="120000"/>
+              </a:schemeClr>
+            </a:gs>
+          </a:gsLst>
+          <a:lin ang="5400000" scaled="0"/>
+        </a:gradFill>
+      </a:bgFillStyleLst>
+    </a:fmtScheme>
+  </a:themeElements>
+  <a:objectDefaults/>
+  <a:extraClrSchemeLst/>
+  <a:extLst>
+    <a:ext uri="{05A4C25C-085E-4340-85A3-A5531E510DB2}">
+      <thm15:themeFamily xmlns:thm15="http://schemas.microsoft.com/office/thememl/2012/main" name="Office Theme" id="{62F939B6-93AF-4DB8-9C6B-D6C7DFDC589F}" vid="{4A3C46E8-61CC-4603-A589-7422A47A8E4A}"/>
+    </a:ext>
+  </a:extLst>
+</a:theme>
 </file>
--- a/Hospital.pptx
+++ b/Hospital.pptx
@@ -5,7 +5,7 @@
     <p:sldMasterId id="2147483677" r:id="rId1"/>
   </p:sldMasterIdLst>
   <p:notesMasterIdLst>
-    <p:notesMasterId r:id="rId32"/>
+    <p:notesMasterId r:id="rId31"/>
   </p:notesMasterIdLst>
   <p:sldIdLst>
     <p:sldId id="256" r:id="rId2"/>
@@ -34,10 +34,9 @@
     <p:sldId id="263" r:id="rId25"/>
     <p:sldId id="280" r:id="rId26"/>
     <p:sldId id="276" r:id="rId27"/>
-    <p:sldId id="288" r:id="rId28"/>
-    <p:sldId id="278" r:id="rId29"/>
-    <p:sldId id="277" r:id="rId30"/>
-    <p:sldId id="279" r:id="rId31"/>
+    <p:sldId id="278" r:id="rId28"/>
+    <p:sldId id="277" r:id="rId29"/>
+    <p:sldId id="279" r:id="rId30"/>
   </p:sldIdLst>
   <p:sldSz cx="12192000" cy="6858000"/>
   <p:notesSz cx="6858000" cy="9144000"/>
@@ -226,7 +225,7 @@
           <a:p>
             <a:fld id="{CCE3AD31-3D96-47D2-AAC4-E324E5FFCB68}" type="datetimeFigureOut">
               <a:rPr lang="en-US" smtClean="0"/>
-              <a:t>16-04-2018</a:t>
+              <a:t>4/21/18</a:t>
             </a:fld>
             <a:endParaRPr lang="en-US"/>
           </a:p>
@@ -559,7 +558,7 @@
           <a:p>
             <a:fld id="{54650823-C9B1-4705-95A8-261A5EC2BEC4}" type="slidenum">
               <a:rPr lang="en-US" smtClean="0"/>
-              <a:t>18</a:t>
+              <a:t>1</a:t>
             </a:fld>
             <a:endParaRPr lang="en-US"/>
           </a:p>
@@ -568,7 +567,7 @@
     </p:spTree>
     <p:extLst>
       <p:ext uri="{BB962C8B-B14F-4D97-AF65-F5344CB8AC3E}">
-        <p14:creationId xmlns:p14="http://schemas.microsoft.com/office/powerpoint/2010/main" val="2501835"/>
+        <p14:creationId xmlns:p14="http://schemas.microsoft.com/office/powerpoint/2010/main" val="4210778122"/>
       </p:ext>
     </p:extLst>
   </p:cSld>
@@ -622,22 +621,6 @@
           <a:bodyPr/>
           <a:lstStyle/>
           <a:p>
-            <a:r>
-              <a:rPr lang="vi-VN" dirty="0" smtClean="0"/>
-              <a:t>Kết hợp thủ tục quản lý bệnh viện và cổng thông tin. Ứng dụng có thể được truy cập qua internet</a:t>
-            </a:r>
-          </a:p>
-          <a:p>
-            <a:r>
-              <a:rPr lang="vi-VN" dirty="0" smtClean="0"/>
-              <a:t>Độ chính xác và tức thời.</a:t>
-            </a:r>
-          </a:p>
-          <a:p>
-            <a:r>
-              <a:rPr lang="vi-VN" dirty="0" smtClean="0"/>
-              <a:t>Đồng bộ hóa và tự động hóa, giảm thủ tục hành chính và nguồn nhân lực.</a:t>
-            </a:r>
             <a:endParaRPr lang="en-US" dirty="0"/>
           </a:p>
         </p:txBody>
@@ -659,6 +642,274 @@
           <a:p>
             <a:fld id="{54650823-C9B1-4705-95A8-261A5EC2BEC4}" type="slidenum">
               <a:rPr lang="en-US" smtClean="0"/>
+              <a:t>11</a:t>
+            </a:fld>
+            <a:endParaRPr lang="en-US"/>
+          </a:p>
+        </p:txBody>
+      </p:sp>
+    </p:spTree>
+    <p:extLst>
+      <p:ext uri="{BB962C8B-B14F-4D97-AF65-F5344CB8AC3E}">
+        <p14:creationId xmlns:p14="http://schemas.microsoft.com/office/powerpoint/2010/main" val="752616772"/>
+      </p:ext>
+    </p:extLst>
+  </p:cSld>
+  <p:clrMapOvr>
+    <a:masterClrMapping/>
+  </p:clrMapOvr>
+</p:notes>
+</file>
+
+<file path=ppt/notesSlides/notesSlide3.xml><?xml version="1.0" encoding="utf-8"?>
+<p:notes xmlns:a="http://schemas.openxmlformats.org/drawingml/2006/main" xmlns:r="http://schemas.openxmlformats.org/officeDocument/2006/relationships" xmlns:p="http://schemas.openxmlformats.org/presentationml/2006/main">
+  <p:cSld>
+    <p:spTree>
+      <p:nvGrpSpPr>
+        <p:cNvPr id="1" name=""/>
+        <p:cNvGrpSpPr/>
+        <p:nvPr/>
+      </p:nvGrpSpPr>
+      <p:grpSpPr>
+        <a:xfrm>
+          <a:off x="0" y="0"/>
+          <a:ext cx="0" cy="0"/>
+          <a:chOff x="0" y="0"/>
+          <a:chExt cx="0" cy="0"/>
+        </a:xfrm>
+      </p:grpSpPr>
+      <p:sp>
+        <p:nvSpPr>
+          <p:cNvPr id="2" name="Slide Image Placeholder 1"/>
+          <p:cNvSpPr>
+            <a:spLocks noGrp="1" noRot="1" noChangeAspect="1"/>
+          </p:cNvSpPr>
+          <p:nvPr>
+            <p:ph type="sldImg"/>
+          </p:nvPr>
+        </p:nvSpPr>
+        <p:spPr/>
+      </p:sp>
+      <p:sp>
+        <p:nvSpPr>
+          <p:cNvPr id="3" name="Notes Placeholder 2"/>
+          <p:cNvSpPr>
+            <a:spLocks noGrp="1"/>
+          </p:cNvSpPr>
+          <p:nvPr>
+            <p:ph type="body" idx="1"/>
+          </p:nvPr>
+        </p:nvSpPr>
+        <p:spPr/>
+        <p:txBody>
+          <a:bodyPr/>
+          <a:lstStyle/>
+          <a:p>
+            <a:endParaRPr lang="en-US" dirty="0"/>
+          </a:p>
+        </p:txBody>
+      </p:sp>
+      <p:sp>
+        <p:nvSpPr>
+          <p:cNvPr id="4" name="Slide Number Placeholder 3"/>
+          <p:cNvSpPr>
+            <a:spLocks noGrp="1"/>
+          </p:cNvSpPr>
+          <p:nvPr>
+            <p:ph type="sldNum" sz="quarter" idx="10"/>
+          </p:nvPr>
+        </p:nvSpPr>
+        <p:spPr/>
+        <p:txBody>
+          <a:bodyPr/>
+          <a:lstStyle/>
+          <a:p>
+            <a:fld id="{54650823-C9B1-4705-95A8-261A5EC2BEC4}" type="slidenum">
+              <a:rPr lang="en-US" smtClean="0"/>
+              <a:t>18</a:t>
+            </a:fld>
+            <a:endParaRPr lang="en-US"/>
+          </a:p>
+        </p:txBody>
+      </p:sp>
+    </p:spTree>
+    <p:extLst>
+      <p:ext uri="{BB962C8B-B14F-4D97-AF65-F5344CB8AC3E}">
+        <p14:creationId xmlns:p14="http://schemas.microsoft.com/office/powerpoint/2010/main" val="2501835"/>
+      </p:ext>
+    </p:extLst>
+  </p:cSld>
+  <p:clrMapOvr>
+    <a:masterClrMapping/>
+  </p:clrMapOvr>
+</p:notes>
+</file>
+
+<file path=ppt/notesSlides/notesSlide4.xml><?xml version="1.0" encoding="utf-8"?>
+<p:notes xmlns:a="http://schemas.openxmlformats.org/drawingml/2006/main" xmlns:r="http://schemas.openxmlformats.org/officeDocument/2006/relationships" xmlns:p="http://schemas.openxmlformats.org/presentationml/2006/main">
+  <p:cSld>
+    <p:spTree>
+      <p:nvGrpSpPr>
+        <p:cNvPr id="1" name=""/>
+        <p:cNvGrpSpPr/>
+        <p:nvPr/>
+      </p:nvGrpSpPr>
+      <p:grpSpPr>
+        <a:xfrm>
+          <a:off x="0" y="0"/>
+          <a:ext cx="0" cy="0"/>
+          <a:chOff x="0" y="0"/>
+          <a:chExt cx="0" cy="0"/>
+        </a:xfrm>
+      </p:grpSpPr>
+      <p:sp>
+        <p:nvSpPr>
+          <p:cNvPr id="2" name="Slide Image Placeholder 1"/>
+          <p:cNvSpPr>
+            <a:spLocks noGrp="1" noRot="1" noChangeAspect="1"/>
+          </p:cNvSpPr>
+          <p:nvPr>
+            <p:ph type="sldImg"/>
+          </p:nvPr>
+        </p:nvSpPr>
+        <p:spPr/>
+      </p:sp>
+      <p:sp>
+        <p:nvSpPr>
+          <p:cNvPr id="3" name="Notes Placeholder 2"/>
+          <p:cNvSpPr>
+            <a:spLocks noGrp="1"/>
+          </p:cNvSpPr>
+          <p:nvPr>
+            <p:ph type="body" idx="1"/>
+          </p:nvPr>
+        </p:nvSpPr>
+        <p:spPr/>
+        <p:txBody>
+          <a:bodyPr/>
+          <a:lstStyle/>
+          <a:p>
+            <a:endParaRPr lang="en-US" dirty="0"/>
+          </a:p>
+        </p:txBody>
+      </p:sp>
+      <p:sp>
+        <p:nvSpPr>
+          <p:cNvPr id="4" name="Slide Number Placeholder 3"/>
+          <p:cNvSpPr>
+            <a:spLocks noGrp="1"/>
+          </p:cNvSpPr>
+          <p:nvPr>
+            <p:ph type="sldNum" sz="quarter" idx="10"/>
+          </p:nvPr>
+        </p:nvSpPr>
+        <p:spPr/>
+        <p:txBody>
+          <a:bodyPr/>
+          <a:lstStyle/>
+          <a:p>
+            <a:fld id="{54650823-C9B1-4705-95A8-261A5EC2BEC4}" type="slidenum">
+              <a:rPr lang="en-US" smtClean="0"/>
+              <a:t>22</a:t>
+            </a:fld>
+            <a:endParaRPr lang="en-US"/>
+          </a:p>
+        </p:txBody>
+      </p:sp>
+    </p:spTree>
+    <p:extLst>
+      <p:ext uri="{BB962C8B-B14F-4D97-AF65-F5344CB8AC3E}">
+        <p14:creationId xmlns:p14="http://schemas.microsoft.com/office/powerpoint/2010/main" val="3445626111"/>
+      </p:ext>
+    </p:extLst>
+  </p:cSld>
+  <p:clrMapOvr>
+    <a:masterClrMapping/>
+  </p:clrMapOvr>
+</p:notes>
+</file>
+
+<file path=ppt/notesSlides/notesSlide5.xml><?xml version="1.0" encoding="utf-8"?>
+<p:notes xmlns:a="http://schemas.openxmlformats.org/drawingml/2006/main" xmlns:r="http://schemas.openxmlformats.org/officeDocument/2006/relationships" xmlns:p="http://schemas.openxmlformats.org/presentationml/2006/main">
+  <p:cSld>
+    <p:spTree>
+      <p:nvGrpSpPr>
+        <p:cNvPr id="1" name=""/>
+        <p:cNvGrpSpPr/>
+        <p:nvPr/>
+      </p:nvGrpSpPr>
+      <p:grpSpPr>
+        <a:xfrm>
+          <a:off x="0" y="0"/>
+          <a:ext cx="0" cy="0"/>
+          <a:chOff x="0" y="0"/>
+          <a:chExt cx="0" cy="0"/>
+        </a:xfrm>
+      </p:grpSpPr>
+      <p:sp>
+        <p:nvSpPr>
+          <p:cNvPr id="2" name="Slide Image Placeholder 1"/>
+          <p:cNvSpPr>
+            <a:spLocks noGrp="1" noRot="1" noChangeAspect="1"/>
+          </p:cNvSpPr>
+          <p:nvPr>
+            <p:ph type="sldImg"/>
+          </p:nvPr>
+        </p:nvSpPr>
+        <p:spPr/>
+      </p:sp>
+      <p:sp>
+        <p:nvSpPr>
+          <p:cNvPr id="3" name="Notes Placeholder 2"/>
+          <p:cNvSpPr>
+            <a:spLocks noGrp="1"/>
+          </p:cNvSpPr>
+          <p:nvPr>
+            <p:ph type="body" idx="1"/>
+          </p:nvPr>
+        </p:nvSpPr>
+        <p:spPr/>
+        <p:txBody>
+          <a:bodyPr/>
+          <a:lstStyle/>
+          <a:p>
+            <a:r>
+              <a:rPr lang="vi-VN" dirty="0" smtClean="0"/>
+              <a:t>Kết hợp thủ tục quản lý bệnh viện và cổng thông tin. Ứng dụng có thể được truy cập qua internet</a:t>
+            </a:r>
+          </a:p>
+          <a:p>
+            <a:r>
+              <a:rPr lang="vi-VN" dirty="0" smtClean="0"/>
+              <a:t>Độ chính xác và tức thời.</a:t>
+            </a:r>
+          </a:p>
+          <a:p>
+            <a:r>
+              <a:rPr lang="vi-VN" dirty="0" smtClean="0"/>
+              <a:t>Đồng bộ hóa và tự động hóa, giảm thủ tục hành chính và nguồn nhân lực.</a:t>
+            </a:r>
+            <a:endParaRPr lang="en-US" dirty="0"/>
+          </a:p>
+        </p:txBody>
+      </p:sp>
+      <p:sp>
+        <p:nvSpPr>
+          <p:cNvPr id="4" name="Slide Number Placeholder 3"/>
+          <p:cNvSpPr>
+            <a:spLocks noGrp="1"/>
+          </p:cNvSpPr>
+          <p:nvPr>
+            <p:ph type="sldNum" sz="quarter" idx="10"/>
+          </p:nvPr>
+        </p:nvSpPr>
+        <p:spPr/>
+        <p:txBody>
+          <a:bodyPr/>
+          <a:lstStyle/>
+          <a:p>
+            <a:fld id="{54650823-C9B1-4705-95A8-261A5EC2BEC4}" type="slidenum">
+              <a:rPr lang="en-US" smtClean="0"/>
               <a:t>24</a:t>
             </a:fld>
             <a:endParaRPr lang="en-US"/>
@@ -669,6 +920,90 @@
     <p:extLst>
       <p:ext uri="{BB962C8B-B14F-4D97-AF65-F5344CB8AC3E}">
         <p14:creationId xmlns:p14="http://schemas.microsoft.com/office/powerpoint/2010/main" val="998169022"/>
+      </p:ext>
+    </p:extLst>
+  </p:cSld>
+  <p:clrMapOvr>
+    <a:masterClrMapping/>
+  </p:clrMapOvr>
+</p:notes>
+</file>
+
+<file path=ppt/notesSlides/notesSlide6.xml><?xml version="1.0" encoding="utf-8"?>
+<p:notes xmlns:a="http://schemas.openxmlformats.org/drawingml/2006/main" xmlns:r="http://schemas.openxmlformats.org/officeDocument/2006/relationships" xmlns:p="http://schemas.openxmlformats.org/presentationml/2006/main">
+  <p:cSld>
+    <p:spTree>
+      <p:nvGrpSpPr>
+        <p:cNvPr id="1" name=""/>
+        <p:cNvGrpSpPr/>
+        <p:nvPr/>
+      </p:nvGrpSpPr>
+      <p:grpSpPr>
+        <a:xfrm>
+          <a:off x="0" y="0"/>
+          <a:ext cx="0" cy="0"/>
+          <a:chOff x="0" y="0"/>
+          <a:chExt cx="0" cy="0"/>
+        </a:xfrm>
+      </p:grpSpPr>
+      <p:sp>
+        <p:nvSpPr>
+          <p:cNvPr id="2" name="Slide Image Placeholder 1"/>
+          <p:cNvSpPr>
+            <a:spLocks noGrp="1" noRot="1" noChangeAspect="1"/>
+          </p:cNvSpPr>
+          <p:nvPr>
+            <p:ph type="sldImg"/>
+          </p:nvPr>
+        </p:nvSpPr>
+        <p:spPr/>
+      </p:sp>
+      <p:sp>
+        <p:nvSpPr>
+          <p:cNvPr id="3" name="Notes Placeholder 2"/>
+          <p:cNvSpPr>
+            <a:spLocks noGrp="1"/>
+          </p:cNvSpPr>
+          <p:nvPr>
+            <p:ph type="body" idx="1"/>
+          </p:nvPr>
+        </p:nvSpPr>
+        <p:spPr/>
+        <p:txBody>
+          <a:bodyPr/>
+          <a:lstStyle/>
+          <a:p>
+            <a:endParaRPr lang="en-US" dirty="0"/>
+          </a:p>
+        </p:txBody>
+      </p:sp>
+      <p:sp>
+        <p:nvSpPr>
+          <p:cNvPr id="4" name="Slide Number Placeholder 3"/>
+          <p:cNvSpPr>
+            <a:spLocks noGrp="1"/>
+          </p:cNvSpPr>
+          <p:nvPr>
+            <p:ph type="sldNum" sz="quarter" idx="10"/>
+          </p:nvPr>
+        </p:nvSpPr>
+        <p:spPr/>
+        <p:txBody>
+          <a:bodyPr/>
+          <a:lstStyle/>
+          <a:p>
+            <a:fld id="{54650823-C9B1-4705-95A8-261A5EC2BEC4}" type="slidenum">
+              <a:rPr lang="en-US" smtClean="0"/>
+              <a:t>29</a:t>
+            </a:fld>
+            <a:endParaRPr lang="en-US"/>
+          </a:p>
+        </p:txBody>
+      </p:sp>
+    </p:spTree>
+    <p:extLst>
+      <p:ext uri="{BB962C8B-B14F-4D97-AF65-F5344CB8AC3E}">
+        <p14:creationId xmlns:p14="http://schemas.microsoft.com/office/powerpoint/2010/main" val="3683163909"/>
       </p:ext>
     </p:extLst>
   </p:cSld>
@@ -1423,7 +1758,7 @@
           <a:p>
             <a:fld id="{A633F804-39DA-4C49-979B-E138C523399E}" type="datetimeFigureOut">
               <a:rPr lang="en-US" smtClean="0"/>
-              <a:t>16-04-2018</a:t>
+              <a:t>4/21/18</a:t>
             </a:fld>
             <a:endParaRPr lang="en-US"/>
           </a:p>
@@ -1674,7 +2009,7 @@
           <a:p>
             <a:fld id="{A633F804-39DA-4C49-979B-E138C523399E}" type="datetimeFigureOut">
               <a:rPr lang="en-US" smtClean="0"/>
-              <a:t>16-04-2018</a:t>
+              <a:t>4/21/18</a:t>
             </a:fld>
             <a:endParaRPr lang="en-US"/>
           </a:p>
@@ -1988,7 +2323,7 @@
           <a:p>
             <a:fld id="{A633F804-39DA-4C49-979B-E138C523399E}" type="datetimeFigureOut">
               <a:rPr lang="en-US" smtClean="0"/>
-              <a:t>16-04-2018</a:t>
+              <a:t>4/21/18</a:t>
             </a:fld>
             <a:endParaRPr lang="en-US"/>
           </a:p>
@@ -2321,7 +2656,7 @@
           <a:p>
             <a:fld id="{A633F804-39DA-4C49-979B-E138C523399E}" type="datetimeFigureOut">
               <a:rPr lang="en-US" smtClean="0"/>
-              <a:t>16-04-2018</a:t>
+              <a:t>4/21/18</a:t>
             </a:fld>
             <a:endParaRPr lang="en-US"/>
           </a:p>
@@ -2635,7 +2970,7 @@
           <a:p>
             <a:fld id="{A633F804-39DA-4C49-979B-E138C523399E}" type="datetimeFigureOut">
               <a:rPr lang="en-US" smtClean="0"/>
-              <a:t>16-04-2018</a:t>
+              <a:t>4/21/18</a:t>
             </a:fld>
             <a:endParaRPr lang="en-US"/>
           </a:p>
@@ -3028,7 +3363,7 @@
           <a:p>
             <a:fld id="{A633F804-39DA-4C49-979B-E138C523399E}" type="datetimeFigureOut">
               <a:rPr lang="en-US" smtClean="0"/>
-              <a:t>16-04-2018</a:t>
+              <a:t>4/21/18</a:t>
             </a:fld>
             <a:endParaRPr lang="en-US"/>
           </a:p>
@@ -3198,7 +3533,7 @@
           <a:p>
             <a:fld id="{A633F804-39DA-4C49-979B-E138C523399E}" type="datetimeFigureOut">
               <a:rPr lang="en-US" smtClean="0"/>
-              <a:t>16-04-2018</a:t>
+              <a:t>4/21/18</a:t>
             </a:fld>
             <a:endParaRPr lang="en-US"/>
           </a:p>
@@ -3378,7 +3713,7 @@
           <a:p>
             <a:fld id="{A633F804-39DA-4C49-979B-E138C523399E}" type="datetimeFigureOut">
               <a:rPr lang="en-US" smtClean="0"/>
-              <a:t>16-04-2018</a:t>
+              <a:t>4/21/18</a:t>
             </a:fld>
             <a:endParaRPr lang="en-US"/>
           </a:p>
@@ -3548,7 +3883,7 @@
           <a:p>
             <a:fld id="{A633F804-39DA-4C49-979B-E138C523399E}" type="datetimeFigureOut">
               <a:rPr lang="en-US" smtClean="0"/>
-              <a:t>16-04-2018</a:t>
+              <a:t>4/21/18</a:t>
             </a:fld>
             <a:endParaRPr lang="en-US"/>
           </a:p>
@@ -3795,7 +4130,7 @@
           <a:p>
             <a:fld id="{A633F804-39DA-4C49-979B-E138C523399E}" type="datetimeFigureOut">
               <a:rPr lang="en-US" smtClean="0"/>
-              <a:t>16-04-2018</a:t>
+              <a:t>4/21/18</a:t>
             </a:fld>
             <a:endParaRPr lang="en-US"/>
           </a:p>
@@ -4027,7 +4362,7 @@
           <a:p>
             <a:fld id="{A633F804-39DA-4C49-979B-E138C523399E}" type="datetimeFigureOut">
               <a:rPr lang="en-US" smtClean="0"/>
-              <a:t>16-04-2018</a:t>
+              <a:t>4/21/18</a:t>
             </a:fld>
             <a:endParaRPr lang="en-US"/>
           </a:p>
@@ -4401,7 +4736,7 @@
           <a:p>
             <a:fld id="{A633F804-39DA-4C49-979B-E138C523399E}" type="datetimeFigureOut">
               <a:rPr lang="en-US" smtClean="0"/>
-              <a:t>16-04-2018</a:t>
+              <a:t>4/21/18</a:t>
             </a:fld>
             <a:endParaRPr lang="en-US"/>
           </a:p>
@@ -4524,7 +4859,7 @@
           <a:p>
             <a:fld id="{A633F804-39DA-4C49-979B-E138C523399E}" type="datetimeFigureOut">
               <a:rPr lang="en-US" smtClean="0"/>
-              <a:t>16-04-2018</a:t>
+              <a:t>4/21/18</a:t>
             </a:fld>
             <a:endParaRPr lang="en-US"/>
           </a:p>
@@ -4619,7 +4954,7 @@
           <a:p>
             <a:fld id="{A633F804-39DA-4C49-979B-E138C523399E}" type="datetimeFigureOut">
               <a:rPr lang="en-US" smtClean="0"/>
-              <a:t>16-04-2018</a:t>
+              <a:t>4/21/18</a:t>
             </a:fld>
             <a:endParaRPr lang="en-US"/>
           </a:p>
@@ -4874,7 +5209,7 @@
           <a:p>
             <a:fld id="{A633F804-39DA-4C49-979B-E138C523399E}" type="datetimeFigureOut">
               <a:rPr lang="en-US" smtClean="0"/>
-              <a:t>16-04-2018</a:t>
+              <a:t>4/21/18</a:t>
             </a:fld>
             <a:endParaRPr lang="en-US"/>
           </a:p>
@@ -5179,7 +5514,7 @@
           <a:p>
             <a:fld id="{A633F804-39DA-4C49-979B-E138C523399E}" type="datetimeFigureOut">
               <a:rPr lang="en-US" smtClean="0"/>
-              <a:t>16-04-2018</a:t>
+              <a:t>4/21/18</a:t>
             </a:fld>
             <a:endParaRPr lang="en-US"/>
           </a:p>
@@ -5881,7 +6216,7 @@
           <a:p>
             <a:fld id="{A633F804-39DA-4C49-979B-E138C523399E}" type="datetimeFigureOut">
               <a:rPr lang="en-US" smtClean="0"/>
-              <a:t>16-04-2018</a:t>
+              <a:t>4/21/18</a:t>
             </a:fld>
             <a:endParaRPr lang="en-US"/>
           </a:p>
@@ -6414,7 +6749,7 @@
           <p:nvPr/>
         </p:nvPicPr>
         <p:blipFill>
-          <a:blip r:embed="rId2">
+          <a:blip r:embed="rId3">
             <a:extLst>
               <a:ext uri="{28A0092B-C50C-407E-A947-70E740481C1C}">
                 <a14:useLocalDpi xmlns:a14="http://schemas.microsoft.com/office/drawing/2010/main" val="0"/>
@@ -6609,7 +6944,7 @@
           <p:nvPr/>
         </p:nvPicPr>
         <p:blipFill>
-          <a:blip r:embed="rId3" cstate="print">
+          <a:blip r:embed="rId4" cstate="print">
             <a:extLst>
               <a:ext uri="{28A0092B-C50C-407E-A947-70E740481C1C}">
                 <a14:useLocalDpi xmlns:a14="http://schemas.microsoft.com/office/drawing/2010/main" val="0"/>
@@ -7006,27 +7341,28 @@
       </p:cxnSp>
       <p:pic>
         <p:nvPicPr>
-          <p:cNvPr id="6" name="Picture 5"/>
+          <p:cNvPr id="2" name="Picture 1"/>
           <p:cNvPicPr>
             <a:picLocks noChangeAspect="1"/>
           </p:cNvPicPr>
           <p:nvPr/>
         </p:nvPicPr>
-        <p:blipFill rotWithShape="1">
-          <a:blip r:embed="rId2">
+        <p:blipFill>
+          <a:blip r:embed="rId3">
             <a:extLst>
               <a:ext uri="{28A0092B-C50C-407E-A947-70E740481C1C}">
                 <a14:useLocalDpi xmlns:a14="http://schemas.microsoft.com/office/drawing/2010/main" val="0"/>
               </a:ext>
             </a:extLst>
           </a:blip>
-          <a:srcRect r="7771" b="12727"/>
-          <a:stretch/>
+          <a:stretch>
+            <a:fillRect/>
+          </a:stretch>
         </p:blipFill>
         <p:spPr>
           <a:xfrm>
-            <a:off x="1787600" y="1306911"/>
-            <a:ext cx="6957390" cy="5301113"/>
+            <a:off x="1182278" y="1134402"/>
+            <a:ext cx="8201857" cy="5723598"/>
           </a:xfrm>
           <a:prstGeom prst="rect">
             <a:avLst/>
@@ -8187,17 +8523,7 @@
                   </a:schemeClr>
                 </a:solidFill>
               </a:rPr>
-              <a:t>Shift </a:t>
-            </a:r>
-            <a:r>
-              <a:rPr lang="en-US" sz="2800" b="1" dirty="0" smtClean="0">
-                <a:solidFill>
-                  <a:schemeClr val="accent1">
-                    <a:lumMod val="50000"/>
-                  </a:schemeClr>
-                </a:solidFill>
-              </a:rPr>
-              <a:t>scheduler</a:t>
+              <a:t>Shift scheduler</a:t>
             </a:r>
           </a:p>
           <a:p>
@@ -8420,7 +8746,7 @@
         </p:nvSpPr>
         <p:spPr>
           <a:xfrm>
-            <a:off x="96804" y="219483"/>
+            <a:off x="414856" y="219483"/>
             <a:ext cx="8459368" cy="830997"/>
           </a:xfrm>
           <a:prstGeom prst="rect">
@@ -8830,7 +9156,7 @@
         </p:nvSpPr>
         <p:spPr>
           <a:xfrm>
-            <a:off x="96804" y="219483"/>
+            <a:off x="632059" y="193046"/>
             <a:ext cx="6854762" cy="1064650"/>
           </a:xfrm>
           <a:prstGeom prst="rect">
@@ -8862,6 +9188,126 @@
                 <a:srgbClr val="0070C0"/>
               </a:solidFill>
             </a:endParaRPr>
+          </a:p>
+        </p:txBody>
+      </p:sp>
+      <p:sp>
+        <p:nvSpPr>
+          <p:cNvPr id="2" name="TextBox 1"/>
+          <p:cNvSpPr txBox="1"/>
+          <p:nvPr/>
+        </p:nvSpPr>
+        <p:spPr>
+          <a:xfrm>
+            <a:off x="1084978" y="3980068"/>
+            <a:ext cx="1952753" cy="369332"/>
+          </a:xfrm>
+          <a:prstGeom prst="rect">
+            <a:avLst/>
+          </a:prstGeom>
+          <a:noFill/>
+        </p:spPr>
+        <p:txBody>
+          <a:bodyPr wrap="square" rtlCol="0">
+            <a:spAutoFit/>
+          </a:bodyPr>
+          <a:lstStyle/>
+          <a:p>
+            <a:r>
+              <a:rPr lang="en-US" dirty="0" smtClean="0"/>
+              <a:t>Scheduler</a:t>
+            </a:r>
+            <a:endParaRPr lang="en-US" dirty="0"/>
+          </a:p>
+        </p:txBody>
+      </p:sp>
+      <p:sp>
+        <p:nvSpPr>
+          <p:cNvPr id="3" name="TextBox 2"/>
+          <p:cNvSpPr txBox="1"/>
+          <p:nvPr/>
+        </p:nvSpPr>
+        <p:spPr>
+          <a:xfrm>
+            <a:off x="8352911" y="3938104"/>
+            <a:ext cx="1232453" cy="369332"/>
+          </a:xfrm>
+          <a:prstGeom prst="rect">
+            <a:avLst/>
+          </a:prstGeom>
+          <a:noFill/>
+        </p:spPr>
+        <p:txBody>
+          <a:bodyPr wrap="square" rtlCol="0">
+            <a:spAutoFit/>
+          </a:bodyPr>
+          <a:lstStyle/>
+          <a:p>
+            <a:r>
+              <a:rPr lang="en-US" dirty="0" smtClean="0"/>
+              <a:t>Manager</a:t>
+            </a:r>
+            <a:endParaRPr lang="en-US" dirty="0"/>
+          </a:p>
+        </p:txBody>
+      </p:sp>
+      <p:sp>
+        <p:nvSpPr>
+          <p:cNvPr id="4" name="TextBox 3"/>
+          <p:cNvSpPr txBox="1"/>
+          <p:nvPr/>
+        </p:nvSpPr>
+        <p:spPr>
+          <a:xfrm>
+            <a:off x="6075866" y="6008187"/>
+            <a:ext cx="1751399" cy="369332"/>
+          </a:xfrm>
+          <a:prstGeom prst="rect">
+            <a:avLst/>
+          </a:prstGeom>
+          <a:noFill/>
+        </p:spPr>
+        <p:txBody>
+          <a:bodyPr wrap="square" rtlCol="0">
+            <a:spAutoFit/>
+          </a:bodyPr>
+          <a:lstStyle/>
+          <a:p>
+            <a:r>
+              <a:rPr lang="en-US" dirty="0" smtClean="0"/>
+              <a:t>User</a:t>
+            </a:r>
+            <a:endParaRPr lang="en-US" dirty="0"/>
+          </a:p>
+        </p:txBody>
+      </p:sp>
+      <p:sp>
+        <p:nvSpPr>
+          <p:cNvPr id="5" name="TextBox 4"/>
+          <p:cNvSpPr txBox="1"/>
+          <p:nvPr/>
+        </p:nvSpPr>
+        <p:spPr>
+          <a:xfrm>
+            <a:off x="4522252" y="1761457"/>
+            <a:ext cx="1844850" cy="369332"/>
+          </a:xfrm>
+          <a:prstGeom prst="rect">
+            <a:avLst/>
+          </a:prstGeom>
+          <a:noFill/>
+        </p:spPr>
+        <p:txBody>
+          <a:bodyPr wrap="square" rtlCol="0">
+            <a:spAutoFit/>
+          </a:bodyPr>
+          <a:lstStyle/>
+          <a:p>
+            <a:r>
+              <a:rPr lang="en-US" dirty="0" smtClean="0"/>
+              <a:t>Hospital portal</a:t>
+            </a:r>
+            <a:endParaRPr lang="en-US" dirty="0"/>
           </a:p>
         </p:txBody>
       </p:sp>
@@ -9669,6 +10115,96 @@
           </a:p>
         </p:txBody>
       </p:sp>
+      <p:sp>
+        <p:nvSpPr>
+          <p:cNvPr id="14" name="TextBox 13"/>
+          <p:cNvSpPr txBox="1"/>
+          <p:nvPr/>
+        </p:nvSpPr>
+        <p:spPr>
+          <a:xfrm>
+            <a:off x="1084978" y="3980068"/>
+            <a:ext cx="1952753" cy="369332"/>
+          </a:xfrm>
+          <a:prstGeom prst="rect">
+            <a:avLst/>
+          </a:prstGeom>
+          <a:noFill/>
+        </p:spPr>
+        <p:txBody>
+          <a:bodyPr wrap="square" rtlCol="0">
+            <a:spAutoFit/>
+          </a:bodyPr>
+          <a:lstStyle/>
+          <a:p>
+            <a:r>
+              <a:rPr lang="en-US" dirty="0" smtClean="0"/>
+              <a:t>Scheduler</a:t>
+            </a:r>
+            <a:endParaRPr lang="en-US" dirty="0"/>
+          </a:p>
+        </p:txBody>
+      </p:sp>
+      <p:sp>
+        <p:nvSpPr>
+          <p:cNvPr id="18" name="TextBox 17"/>
+          <p:cNvSpPr txBox="1"/>
+          <p:nvPr/>
+        </p:nvSpPr>
+        <p:spPr>
+          <a:xfrm>
+            <a:off x="8352911" y="3938104"/>
+            <a:ext cx="1232453" cy="369332"/>
+          </a:xfrm>
+          <a:prstGeom prst="rect">
+            <a:avLst/>
+          </a:prstGeom>
+          <a:noFill/>
+        </p:spPr>
+        <p:txBody>
+          <a:bodyPr wrap="square" rtlCol="0">
+            <a:spAutoFit/>
+          </a:bodyPr>
+          <a:lstStyle/>
+          <a:p>
+            <a:r>
+              <a:rPr lang="en-US" dirty="0" smtClean="0"/>
+              <a:t>Manager</a:t>
+            </a:r>
+            <a:endParaRPr lang="en-US" dirty="0"/>
+          </a:p>
+        </p:txBody>
+      </p:sp>
+      <p:sp>
+        <p:nvSpPr>
+          <p:cNvPr id="25" name="TextBox 24"/>
+          <p:cNvSpPr txBox="1"/>
+          <p:nvPr/>
+        </p:nvSpPr>
+        <p:spPr>
+          <a:xfrm>
+            <a:off x="3992940" y="5963091"/>
+            <a:ext cx="1751399" cy="369332"/>
+          </a:xfrm>
+          <a:prstGeom prst="rect">
+            <a:avLst/>
+          </a:prstGeom>
+          <a:noFill/>
+        </p:spPr>
+        <p:txBody>
+          <a:bodyPr wrap="square" rtlCol="0">
+            <a:spAutoFit/>
+          </a:bodyPr>
+          <a:lstStyle/>
+          <a:p>
+            <a:r>
+              <a:rPr lang="en-US" dirty="0" smtClean="0"/>
+              <a:t>User</a:t>
+            </a:r>
+            <a:endParaRPr lang="en-US" dirty="0"/>
+          </a:p>
+        </p:txBody>
+      </p:sp>
     </p:spTree>
     <p:extLst>
       <p:ext uri="{BB962C8B-B14F-4D97-AF65-F5344CB8AC3E}">
@@ -10164,6 +10700,96 @@
           </a:prstGeom>
         </p:spPr>
       </p:pic>
+      <p:sp>
+        <p:nvSpPr>
+          <p:cNvPr id="12" name="TextBox 11"/>
+          <p:cNvSpPr txBox="1"/>
+          <p:nvPr/>
+        </p:nvSpPr>
+        <p:spPr>
+          <a:xfrm>
+            <a:off x="1084978" y="3980068"/>
+            <a:ext cx="1952753" cy="369332"/>
+          </a:xfrm>
+          <a:prstGeom prst="rect">
+            <a:avLst/>
+          </a:prstGeom>
+          <a:noFill/>
+        </p:spPr>
+        <p:txBody>
+          <a:bodyPr wrap="square" rtlCol="0">
+            <a:spAutoFit/>
+          </a:bodyPr>
+          <a:lstStyle/>
+          <a:p>
+            <a:r>
+              <a:rPr lang="en-US" dirty="0" smtClean="0"/>
+              <a:t>Scheduler</a:t>
+            </a:r>
+            <a:endParaRPr lang="en-US" dirty="0"/>
+          </a:p>
+        </p:txBody>
+      </p:sp>
+      <p:sp>
+        <p:nvSpPr>
+          <p:cNvPr id="13" name="TextBox 12"/>
+          <p:cNvSpPr txBox="1"/>
+          <p:nvPr/>
+        </p:nvSpPr>
+        <p:spPr>
+          <a:xfrm>
+            <a:off x="8352911" y="3938104"/>
+            <a:ext cx="1232453" cy="369332"/>
+          </a:xfrm>
+          <a:prstGeom prst="rect">
+            <a:avLst/>
+          </a:prstGeom>
+          <a:noFill/>
+        </p:spPr>
+        <p:txBody>
+          <a:bodyPr wrap="square" rtlCol="0">
+            <a:spAutoFit/>
+          </a:bodyPr>
+          <a:lstStyle/>
+          <a:p>
+            <a:r>
+              <a:rPr lang="en-US" dirty="0" smtClean="0"/>
+              <a:t>Manager</a:t>
+            </a:r>
+            <a:endParaRPr lang="en-US" dirty="0"/>
+          </a:p>
+        </p:txBody>
+      </p:sp>
+      <p:sp>
+        <p:nvSpPr>
+          <p:cNvPr id="22" name="TextBox 21"/>
+          <p:cNvSpPr txBox="1"/>
+          <p:nvPr/>
+        </p:nvSpPr>
+        <p:spPr>
+          <a:xfrm>
+            <a:off x="6075866" y="6008187"/>
+            <a:ext cx="1751399" cy="369332"/>
+          </a:xfrm>
+          <a:prstGeom prst="rect">
+            <a:avLst/>
+          </a:prstGeom>
+          <a:noFill/>
+        </p:spPr>
+        <p:txBody>
+          <a:bodyPr wrap="square" rtlCol="0">
+            <a:spAutoFit/>
+          </a:bodyPr>
+          <a:lstStyle/>
+          <a:p>
+            <a:r>
+              <a:rPr lang="en-US" dirty="0" smtClean="0"/>
+              <a:t>User</a:t>
+            </a:r>
+            <a:endParaRPr lang="en-US" dirty="0"/>
+          </a:p>
+        </p:txBody>
+      </p:sp>
     </p:spTree>
     <p:extLst>
       <p:ext uri="{BB962C8B-B14F-4D97-AF65-F5344CB8AC3E}">
@@ -10238,23 +10864,7 @@
                   </a:outerShdw>
                 </a:effectLst>
               </a:rPr>
-              <a:t>Manage </a:t>
-            </a:r>
-            <a:r>
-              <a:rPr lang="en-US" sz="3600" dirty="0" smtClean="0">
-                <a:ln w="0"/>
-                <a:solidFill>
-                  <a:srgbClr val="0070C0"/>
-                </a:solidFill>
-                <a:effectLst>
-                  <a:outerShdw blurRad="38100" dist="25400" dir="5400000" algn="ctr" rotWithShape="0">
-                    <a:srgbClr val="6E747A">
-                      <a:alpha val="43000"/>
-                    </a:srgbClr>
-                  </a:outerShdw>
-                </a:effectLst>
-              </a:rPr>
-              <a:t>notification</a:t>
+              <a:t>Manage notification</a:t>
             </a:r>
             <a:endParaRPr lang="en-US" sz="3600" dirty="0">
               <a:ln w="0"/>
@@ -10553,6 +11163,96 @@
           </a:prstGeom>
         </p:spPr>
       </p:pic>
+      <p:sp>
+        <p:nvSpPr>
+          <p:cNvPr id="13" name="TextBox 12"/>
+          <p:cNvSpPr txBox="1"/>
+          <p:nvPr/>
+        </p:nvSpPr>
+        <p:spPr>
+          <a:xfrm>
+            <a:off x="1084978" y="3980068"/>
+            <a:ext cx="1952753" cy="369332"/>
+          </a:xfrm>
+          <a:prstGeom prst="rect">
+            <a:avLst/>
+          </a:prstGeom>
+          <a:noFill/>
+        </p:spPr>
+        <p:txBody>
+          <a:bodyPr wrap="square" rtlCol="0">
+            <a:spAutoFit/>
+          </a:bodyPr>
+          <a:lstStyle/>
+          <a:p>
+            <a:r>
+              <a:rPr lang="en-US" dirty="0" smtClean="0"/>
+              <a:t>Scheduler</a:t>
+            </a:r>
+            <a:endParaRPr lang="en-US" dirty="0"/>
+          </a:p>
+        </p:txBody>
+      </p:sp>
+      <p:sp>
+        <p:nvSpPr>
+          <p:cNvPr id="15" name="TextBox 14"/>
+          <p:cNvSpPr txBox="1"/>
+          <p:nvPr/>
+        </p:nvSpPr>
+        <p:spPr>
+          <a:xfrm>
+            <a:off x="8352911" y="3938104"/>
+            <a:ext cx="1232453" cy="369332"/>
+          </a:xfrm>
+          <a:prstGeom prst="rect">
+            <a:avLst/>
+          </a:prstGeom>
+          <a:noFill/>
+        </p:spPr>
+        <p:txBody>
+          <a:bodyPr wrap="square" rtlCol="0">
+            <a:spAutoFit/>
+          </a:bodyPr>
+          <a:lstStyle/>
+          <a:p>
+            <a:r>
+              <a:rPr lang="en-US" dirty="0" smtClean="0"/>
+              <a:t>Manager</a:t>
+            </a:r>
+            <a:endParaRPr lang="en-US" dirty="0"/>
+          </a:p>
+        </p:txBody>
+      </p:sp>
+      <p:sp>
+        <p:nvSpPr>
+          <p:cNvPr id="16" name="TextBox 15"/>
+          <p:cNvSpPr txBox="1"/>
+          <p:nvPr/>
+        </p:nvSpPr>
+        <p:spPr>
+          <a:xfrm>
+            <a:off x="6075866" y="6008187"/>
+            <a:ext cx="1751399" cy="369332"/>
+          </a:xfrm>
+          <a:prstGeom prst="rect">
+            <a:avLst/>
+          </a:prstGeom>
+          <a:noFill/>
+        </p:spPr>
+        <p:txBody>
+          <a:bodyPr wrap="square" rtlCol="0">
+            <a:spAutoFit/>
+          </a:bodyPr>
+          <a:lstStyle/>
+          <a:p>
+            <a:r>
+              <a:rPr lang="en-US" dirty="0" smtClean="0"/>
+              <a:t>User</a:t>
+            </a:r>
+            <a:endParaRPr lang="en-US" dirty="0"/>
+          </a:p>
+        </p:txBody>
+      </p:sp>
     </p:spTree>
     <p:extLst>
       <p:ext uri="{BB962C8B-B14F-4D97-AF65-F5344CB8AC3E}">
@@ -11107,7 +11807,7 @@
         </p:nvSpPr>
         <p:spPr>
           <a:xfrm>
-            <a:off x="847794" y="180443"/>
+            <a:off x="542994" y="299713"/>
             <a:ext cx="4272323" cy="646331"/>
           </a:xfrm>
           <a:prstGeom prst="rect">
@@ -11154,19 +11854,6 @@
               </a:rPr>
               <a:t>department</a:t>
             </a:r>
-            <a:endParaRPr lang="en-US" sz="3600" dirty="0">
-              <a:ln w="0"/>
-              <a:solidFill>
-                <a:srgbClr val="0070C0"/>
-              </a:solidFill>
-              <a:effectLst>
-                <a:outerShdw blurRad="38100" dist="25400" dir="5400000" algn="ctr" rotWithShape="0">
-                  <a:srgbClr val="6E747A">
-                    <a:alpha val="43000"/>
-                  </a:srgbClr>
-                </a:outerShdw>
-              </a:effectLst>
-            </a:endParaRPr>
           </a:p>
         </p:txBody>
       </p:sp>
@@ -11274,7 +11961,7 @@
         </p:nvSpPr>
         <p:spPr>
           <a:xfrm>
-            <a:off x="1247467" y="197069"/>
+            <a:off x="359571" y="223573"/>
             <a:ext cx="2741456" cy="646331"/>
           </a:xfrm>
           <a:prstGeom prst="rect">
@@ -11303,23 +11990,7 @@
                   </a:outerShdw>
                 </a:effectLst>
               </a:rPr>
-              <a:t>Manage </a:t>
-            </a:r>
-            <a:r>
-              <a:rPr lang="en-US" sz="3600" dirty="0" smtClean="0">
-                <a:ln w="0"/>
-                <a:solidFill>
-                  <a:srgbClr val="0070C0"/>
-                </a:solidFill>
-                <a:effectLst>
-                  <a:outerShdw blurRad="38100" dist="25400" dir="5400000" algn="ctr" rotWithShape="0">
-                    <a:srgbClr val="6E747A">
-                      <a:alpha val="43000"/>
-                    </a:srgbClr>
-                  </a:outerShdw>
-                </a:effectLst>
-              </a:rPr>
-              <a:t>user</a:t>
+              <a:t>Manage user</a:t>
             </a:r>
             <a:endParaRPr lang="en-US" sz="3600" dirty="0">
               <a:ln w="0"/>
@@ -11340,36 +12011,6 @@
       <p:pic>
         <p:nvPicPr>
           <p:cNvPr id="5" name="Picture 4"/>
-          <p:cNvPicPr>
-            <a:picLocks noChangeAspect="1"/>
-          </p:cNvPicPr>
-          <p:nvPr/>
-        </p:nvPicPr>
-        <p:blipFill>
-          <a:blip r:embed="rId2">
-            <a:extLst>
-              <a:ext uri="{28A0092B-C50C-407E-A947-70E740481C1C}">
-                <a14:useLocalDpi xmlns:a14="http://schemas.microsoft.com/office/drawing/2010/main" val="0"/>
-              </a:ext>
-            </a:extLst>
-          </a:blip>
-          <a:stretch>
-            <a:fillRect/>
-          </a:stretch>
-        </p:blipFill>
-        <p:spPr>
-          <a:xfrm>
-            <a:off x="1377720" y="2058300"/>
-            <a:ext cx="1458686" cy="1458686"/>
-          </a:xfrm>
-          <a:prstGeom prst="rect">
-            <a:avLst/>
-          </a:prstGeom>
-        </p:spPr>
-      </p:pic>
-      <p:pic>
-        <p:nvPicPr>
-          <p:cNvPr id="10" name="Picture 9"/>
           <p:cNvPicPr>
             <a:picLocks noChangeAspect="1"/>
           </p:cNvPicPr>
@@ -11389,8 +12030,8 @@
         </p:blipFill>
         <p:spPr>
           <a:xfrm>
-            <a:off x="4296527" y="1363554"/>
-            <a:ext cx="4514965" cy="2351872"/>
+            <a:off x="1377720" y="2058300"/>
+            <a:ext cx="1458686" cy="1458686"/>
           </a:xfrm>
           <a:prstGeom prst="rect">
             <a:avLst/>
@@ -11399,8 +12040,10 @@
       </p:pic>
       <p:pic>
         <p:nvPicPr>
-          <p:cNvPr id="11" name="Picture 10"/>
-          <p:cNvPicPr/>
+          <p:cNvPr id="10" name="Picture 9"/>
+          <p:cNvPicPr>
+            <a:picLocks noChangeAspect="1"/>
+          </p:cNvPicPr>
           <p:nvPr/>
         </p:nvPicPr>
         <p:blipFill>
@@ -11417,8 +12060,8 @@
         </p:blipFill>
         <p:spPr>
           <a:xfrm>
-            <a:off x="3615019" y="4976443"/>
-            <a:ext cx="1363015" cy="1323217"/>
+            <a:off x="4296527" y="1363554"/>
+            <a:ext cx="4514965" cy="2351872"/>
           </a:xfrm>
           <a:prstGeom prst="rect">
             <a:avLst/>
@@ -11427,7 +12070,7 @@
       </p:pic>
       <p:pic>
         <p:nvPicPr>
-          <p:cNvPr id="12" name="Picture 11"/>
+          <p:cNvPr id="11" name="Picture 10"/>
           <p:cNvPicPr/>
           <p:nvPr/>
         </p:nvPicPr>
@@ -11445,6 +12088,34 @@
         </p:blipFill>
         <p:spPr>
           <a:xfrm>
+            <a:off x="3615019" y="4976443"/>
+            <a:ext cx="1363015" cy="1323217"/>
+          </a:xfrm>
+          <a:prstGeom prst="rect">
+            <a:avLst/>
+          </a:prstGeom>
+        </p:spPr>
+      </p:pic>
+      <p:pic>
+        <p:nvPicPr>
+          <p:cNvPr id="12" name="Picture 11"/>
+          <p:cNvPicPr/>
+          <p:nvPr/>
+        </p:nvPicPr>
+        <p:blipFill>
+          <a:blip r:embed="rId6">
+            <a:extLst>
+              <a:ext uri="{28A0092B-C50C-407E-A947-70E740481C1C}">
+                <a14:useLocalDpi xmlns:a14="http://schemas.microsoft.com/office/drawing/2010/main" val="0"/>
+              </a:ext>
+            </a:extLst>
+          </a:blip>
+          <a:stretch>
+            <a:fillRect/>
+          </a:stretch>
+        </p:blipFill>
+        <p:spPr>
+          <a:xfrm>
             <a:off x="6111223" y="5066853"/>
             <a:ext cx="1140890" cy="1328649"/>
           </a:xfrm>
@@ -11460,7 +12131,7 @@
           <p:nvPr/>
         </p:nvPicPr>
         <p:blipFill rotWithShape="1">
-          <a:blip r:embed="rId6" cstate="print">
+          <a:blip r:embed="rId7" cstate="print">
             <a:extLst>
               <a:ext uri="{28A0092B-C50C-407E-A947-70E740481C1C}">
                 <a14:useLocalDpi xmlns:a14="http://schemas.microsoft.com/office/drawing/2010/main" val="0"/>
@@ -11597,6 +12268,96 @@
           <a:p>
             <a:pPr algn="ctr"/>
             <a:endParaRPr lang="en-US"/>
+          </a:p>
+        </p:txBody>
+      </p:sp>
+      <p:sp>
+        <p:nvSpPr>
+          <p:cNvPr id="17" name="TextBox 16"/>
+          <p:cNvSpPr txBox="1"/>
+          <p:nvPr/>
+        </p:nvSpPr>
+        <p:spPr>
+          <a:xfrm>
+            <a:off x="6111223" y="6308326"/>
+            <a:ext cx="1952753" cy="369332"/>
+          </a:xfrm>
+          <a:prstGeom prst="rect">
+            <a:avLst/>
+          </a:prstGeom>
+          <a:noFill/>
+        </p:spPr>
+        <p:txBody>
+          <a:bodyPr wrap="square" rtlCol="0">
+            <a:spAutoFit/>
+          </a:bodyPr>
+          <a:lstStyle/>
+          <a:p>
+            <a:r>
+              <a:rPr lang="en-US" dirty="0" smtClean="0"/>
+              <a:t>Scheduler</a:t>
+            </a:r>
+            <a:endParaRPr lang="en-US" dirty="0"/>
+          </a:p>
+        </p:txBody>
+      </p:sp>
+      <p:sp>
+        <p:nvSpPr>
+          <p:cNvPr id="18" name="TextBox 17"/>
+          <p:cNvSpPr txBox="1"/>
+          <p:nvPr/>
+        </p:nvSpPr>
+        <p:spPr>
+          <a:xfrm>
+            <a:off x="3783334" y="6308326"/>
+            <a:ext cx="1232453" cy="369332"/>
+          </a:xfrm>
+          <a:prstGeom prst="rect">
+            <a:avLst/>
+          </a:prstGeom>
+          <a:noFill/>
+        </p:spPr>
+        <p:txBody>
+          <a:bodyPr wrap="square" rtlCol="0">
+            <a:spAutoFit/>
+          </a:bodyPr>
+          <a:lstStyle/>
+          <a:p>
+            <a:r>
+              <a:rPr lang="en-US" dirty="0" smtClean="0"/>
+              <a:t>Manager</a:t>
+            </a:r>
+            <a:endParaRPr lang="en-US" dirty="0"/>
+          </a:p>
+        </p:txBody>
+      </p:sp>
+      <p:sp>
+        <p:nvSpPr>
+          <p:cNvPr id="19" name="TextBox 18"/>
+          <p:cNvSpPr txBox="1"/>
+          <p:nvPr/>
+        </p:nvSpPr>
+        <p:spPr>
+          <a:xfrm>
+            <a:off x="8439504" y="6299660"/>
+            <a:ext cx="1751399" cy="369332"/>
+          </a:xfrm>
+          <a:prstGeom prst="rect">
+            <a:avLst/>
+          </a:prstGeom>
+          <a:noFill/>
+        </p:spPr>
+        <p:txBody>
+          <a:bodyPr wrap="square" rtlCol="0">
+            <a:spAutoFit/>
+          </a:bodyPr>
+          <a:lstStyle/>
+          <a:p>
+            <a:r>
+              <a:rPr lang="en-US" dirty="0" smtClean="0"/>
+              <a:t>User</a:t>
+            </a:r>
+            <a:endParaRPr lang="en-US" dirty="0"/>
           </a:p>
         </p:txBody>
       </p:sp>
@@ -11645,7 +12406,7 @@
         </p:nvSpPr>
         <p:spPr>
           <a:xfrm>
-            <a:off x="1518651" y="180443"/>
+            <a:off x="499070" y="299713"/>
             <a:ext cx="2930610" cy="646331"/>
           </a:xfrm>
           <a:prstGeom prst="rect">
@@ -11674,23 +12435,7 @@
                   </a:outerShdw>
                 </a:effectLst>
               </a:rPr>
-              <a:t>Manage </a:t>
-            </a:r>
-            <a:r>
-              <a:rPr lang="en-US" sz="3600" dirty="0" smtClean="0">
-                <a:ln w="0"/>
-                <a:solidFill>
-                  <a:srgbClr val="0070C0"/>
-                </a:solidFill>
-                <a:effectLst>
-                  <a:outerShdw blurRad="38100" dist="25400" dir="5400000" algn="ctr" rotWithShape="0">
-                    <a:srgbClr val="6E747A">
-                      <a:alpha val="43000"/>
-                    </a:srgbClr>
-                  </a:outerShdw>
-                </a:effectLst>
-              </a:rPr>
-              <a:t>room</a:t>
+              <a:t>Manage room</a:t>
             </a:r>
             <a:endParaRPr lang="en-US" sz="3600" dirty="0">
               <a:ln w="0"/>
@@ -11730,7 +12475,7 @@
         </p:blipFill>
         <p:spPr>
           <a:xfrm>
-            <a:off x="1377720" y="2058300"/>
+            <a:off x="505689" y="2508874"/>
             <a:ext cx="1458686" cy="1458686"/>
           </a:xfrm>
           <a:prstGeom prst="rect">
@@ -11759,14 +12504,54 @@
         </p:blipFill>
         <p:spPr>
           <a:xfrm>
-            <a:off x="4239846" y="1231427"/>
-            <a:ext cx="4405392" cy="3855961"/>
+            <a:off x="3868784" y="826774"/>
+            <a:ext cx="6057093" cy="5301665"/>
           </a:xfrm>
           <a:prstGeom prst="rect">
             <a:avLst/>
           </a:prstGeom>
         </p:spPr>
       </p:pic>
+      <p:sp>
+        <p:nvSpPr>
+          <p:cNvPr id="6" name="Right Arrow 5"/>
+          <p:cNvSpPr/>
+          <p:nvPr/>
+        </p:nvSpPr>
+        <p:spPr>
+          <a:xfrm>
+            <a:off x="2323433" y="3217275"/>
+            <a:ext cx="1186293" cy="260331"/>
+          </a:xfrm>
+          <a:prstGeom prst="rightArrow">
+            <a:avLst/>
+          </a:prstGeom>
+        </p:spPr>
+        <p:style>
+          <a:lnRef idx="2">
+            <a:schemeClr val="accent1">
+              <a:shade val="50000"/>
+            </a:schemeClr>
+          </a:lnRef>
+          <a:fillRef idx="1">
+            <a:schemeClr val="accent1"/>
+          </a:fillRef>
+          <a:effectRef idx="0">
+            <a:schemeClr val="accent1"/>
+          </a:effectRef>
+          <a:fontRef idx="minor">
+            <a:schemeClr val="lt1"/>
+          </a:fontRef>
+        </p:style>
+        <p:txBody>
+          <a:bodyPr rtlCol="0" anchor="ctr"/>
+          <a:lstStyle/>
+          <a:p>
+            <a:pPr algn="ctr"/>
+            <a:endParaRPr lang="en-US"/>
+          </a:p>
+        </p:txBody>
+      </p:sp>
     </p:spTree>
     <p:extLst>
       <p:ext uri="{BB962C8B-B14F-4D97-AF65-F5344CB8AC3E}">
@@ -11843,7 +12628,7 @@
         <p:spPr>
           <a:xfrm>
             <a:off x="346842" y="2090982"/>
-            <a:ext cx="4424855" cy="2322174"/>
+            <a:ext cx="4424855" cy="3087512"/>
           </a:xfrm>
           <a:prstGeom prst="rect">
             <a:avLst/>
@@ -11940,6 +12725,34 @@
               </a:rPr>
               <a:t>automation, reducing administrative procedures and human resources. </a:t>
             </a:r>
+            <a:endParaRPr lang="en-US" dirty="0" smtClean="0">
+              <a:latin typeface="Cambria" panose="02040503050406030204" pitchFamily="18" charset="0"/>
+              <a:ea typeface="MS Mincho" panose="02020609040205080304" pitchFamily="49" charset="-128"/>
+              <a:cs typeface="Times New Roman" panose="02020603050405020304" pitchFamily="18" charset="0"/>
+            </a:endParaRPr>
+          </a:p>
+          <a:p>
+            <a:pPr marL="342900" marR="0" lvl="0" indent="-342900">
+              <a:lnSpc>
+                <a:spcPct val="115000"/>
+              </a:lnSpc>
+              <a:spcBef>
+                <a:spcPts val="0"/>
+              </a:spcBef>
+              <a:spcAft>
+                <a:spcPts val="1000"/>
+              </a:spcAft>
+              <a:buFont typeface="Calibri" panose="020F0502020204030204" pitchFamily="34" charset="0"/>
+              <a:buChar char="-"/>
+            </a:pPr>
+            <a:r>
+              <a:rPr lang="en-US" dirty="0" smtClean="0">
+                <a:latin typeface="Cambria" panose="02040503050406030204" pitchFamily="18" charset="0"/>
+                <a:ea typeface="MS Mincho" panose="02020609040205080304" pitchFamily="49" charset="-128"/>
+                <a:cs typeface="Times New Roman" panose="02020603050405020304" pitchFamily="18" charset="0"/>
+              </a:rPr>
+              <a:t>Easy to extend and upgrade function of the system</a:t>
+            </a:r>
             <a:endParaRPr lang="en-US" dirty="0">
               <a:latin typeface="Calibri" panose="020F0502020204030204" pitchFamily="34" charset="0"/>
               <a:ea typeface="MS Mincho" panose="02020609040205080304" pitchFamily="49" charset="-128"/>
@@ -11957,7 +12770,7 @@
         <p:spPr>
           <a:xfrm>
             <a:off x="5507421" y="2090982"/>
-            <a:ext cx="4056993" cy="1047979"/>
+            <a:ext cx="4056993" cy="1494768"/>
           </a:xfrm>
           <a:prstGeom prst="rect">
             <a:avLst/>
@@ -11984,17 +12797,51 @@
             </a:pPr>
             <a:r>
               <a:rPr lang="en-US" dirty="0">
-                <a:latin typeface="Cambria" panose="02040503050406030204" pitchFamily="18" charset="0"/>
+                <a:latin typeface="Calibri" panose="020F0502020204030204" pitchFamily="34" charset="0"/>
                 <a:ea typeface="MS Mincho" panose="02020609040205080304" pitchFamily="49" charset="-128"/>
                 <a:cs typeface="Times New Roman" panose="02020603050405020304" pitchFamily="18" charset="0"/>
               </a:rPr>
-              <a:t>The hospital costs a certain amount of money to maintain the system (server, host).</a:t>
-            </a:r>
-            <a:endParaRPr lang="en-US" dirty="0">
-              <a:latin typeface="Calibri" panose="020F0502020204030204" pitchFamily="34" charset="0"/>
-              <a:ea typeface="MS Mincho" panose="02020609040205080304" pitchFamily="49" charset="-128"/>
-              <a:cs typeface="Times New Roman" panose="02020603050405020304" pitchFamily="18" charset="0"/>
-            </a:endParaRPr>
+              <a:t>Always have a team to maintain the operation of the </a:t>
+            </a:r>
+            <a:r>
+              <a:rPr lang="en-US" dirty="0" smtClean="0">
+                <a:latin typeface="Calibri" panose="020F0502020204030204" pitchFamily="34" charset="0"/>
+                <a:ea typeface="MS Mincho" panose="02020609040205080304" pitchFamily="49" charset="-128"/>
+                <a:cs typeface="Times New Roman" panose="02020603050405020304" pitchFamily="18" charset="0"/>
+              </a:rPr>
+              <a:t>system</a:t>
+            </a:r>
+          </a:p>
+          <a:p>
+            <a:pPr marL="342900" marR="0" lvl="0" indent="-342900" algn="just">
+              <a:lnSpc>
+                <a:spcPct val="115000"/>
+              </a:lnSpc>
+              <a:spcBef>
+                <a:spcPts val="0"/>
+              </a:spcBef>
+              <a:spcAft>
+                <a:spcPts val="1000"/>
+              </a:spcAft>
+              <a:buFont typeface="Calibri" panose="020F0502020204030204" pitchFamily="34" charset="0"/>
+              <a:buChar char="-"/>
+            </a:pPr>
+            <a:r>
+              <a:rPr lang="en-US" dirty="0" smtClean="0">
+                <a:latin typeface="Calibri" panose="020F0502020204030204" pitchFamily="34" charset="0"/>
+                <a:ea typeface="MS Mincho" panose="02020609040205080304" pitchFamily="49" charset="-128"/>
+                <a:cs typeface="Times New Roman" panose="02020603050405020304" pitchFamily="18" charset="0"/>
+              </a:rPr>
+              <a:t>Have to train </a:t>
+            </a:r>
+            <a:r>
+              <a:rPr lang="en-US" dirty="0">
+                <a:latin typeface="Calibri" panose="020F0502020204030204" pitchFamily="34" charset="0"/>
+                <a:ea typeface="MS Mincho" panose="02020609040205080304" pitchFamily="49" charset="-128"/>
+                <a:cs typeface="Times New Roman" panose="02020603050405020304" pitchFamily="18" charset="0"/>
+              </a:rPr>
+              <a:t>the hospital staff how to use the system</a:t>
+            </a:r>
           </a:p>
         </p:txBody>
       </p:sp>
@@ -12841,14 +13688,62 @@
       </p:grpSpPr>
       <p:sp>
         <p:nvSpPr>
+          <p:cNvPr id="3" name="Content Placeholder 2"/>
+          <p:cNvSpPr>
+            <a:spLocks noGrp="1"/>
+          </p:cNvSpPr>
+          <p:nvPr>
+            <p:ph idx="1"/>
+          </p:nvPr>
+        </p:nvSpPr>
+        <p:spPr>
+          <a:xfrm>
+            <a:off x="677334" y="1828801"/>
+            <a:ext cx="8596668" cy="4212562"/>
+          </a:xfrm>
+        </p:spPr>
+        <p:txBody>
+          <a:bodyPr>
+            <a:normAutofit/>
+          </a:bodyPr>
+          <a:lstStyle/>
+          <a:p>
+            <a:r>
+              <a:rPr lang="en-US" sz="2800" dirty="0" smtClean="0"/>
+              <a:t>- Employee management system more effective.</a:t>
+            </a:r>
+          </a:p>
+          <a:p>
+            <a:r>
+              <a:rPr lang="en-US" sz="2800" dirty="0"/>
+              <a:t>- </a:t>
+            </a:r>
+            <a:r>
+              <a:rPr lang="en-US" sz="2800" dirty="0" smtClean="0"/>
+              <a:t>Suggest </a:t>
+            </a:r>
+            <a:r>
+              <a:rPr lang="en-US" sz="2800" dirty="0"/>
+              <a:t>the most suitable work </a:t>
+            </a:r>
+            <a:r>
+              <a:rPr lang="en-US" sz="2800" dirty="0" smtClean="0"/>
+              <a:t>schedule for scheduler.</a:t>
+            </a:r>
+            <a:endParaRPr lang="en-US" sz="2800" dirty="0"/>
+          </a:p>
+        </p:txBody>
+      </p:sp>
+      <p:sp>
+        <p:nvSpPr>
           <p:cNvPr id="4" name="Rectangle 3"/>
           <p:cNvSpPr/>
           <p:nvPr/>
         </p:nvSpPr>
         <p:spPr>
           <a:xfrm>
-            <a:off x="575099" y="211072"/>
-            <a:ext cx="4594528" cy="923330"/>
+            <a:off x="533200" y="326685"/>
+            <a:ext cx="2416046" cy="830997"/>
           </a:xfrm>
           <a:prstGeom prst="rect">
             <a:avLst/>
@@ -12863,7 +13758,7 @@
           <a:p>
             <a:pPr algn="ctr"/>
             <a:r>
-              <a:rPr lang="en-US" sz="5400" dirty="0" smtClean="0">
+              <a:rPr lang="en-US" sz="4800" dirty="0" smtClean="0">
                 <a:ln w="0"/>
                 <a:solidFill>
                   <a:srgbClr val="0070C0"/>
@@ -12876,9 +13771,9 @@
                   </a:outerShdw>
                 </a:effectLst>
               </a:rPr>
-              <a:t>4. Future plan</a:t>
-            </a:r>
-            <a:endParaRPr lang="en-US" sz="5400" dirty="0">
+              <a:t>Improve</a:t>
+            </a:r>
+            <a:endParaRPr lang="en-US" sz="4800" dirty="0">
               <a:ln w="0"/>
               <a:solidFill>
                 <a:srgbClr val="0070C0"/>
@@ -12894,77 +13789,10 @@
           </a:p>
         </p:txBody>
       </p:sp>
-      <p:cxnSp>
-        <p:nvCxnSpPr>
-          <p:cNvPr id="5" name="Straight Connector 4"/>
-          <p:cNvCxnSpPr/>
-          <p:nvPr/>
-        </p:nvCxnSpPr>
-        <p:spPr>
-          <a:xfrm>
-            <a:off x="352697" y="1134402"/>
-            <a:ext cx="8072846" cy="0"/>
-          </a:xfrm>
-          <a:prstGeom prst="line">
-            <a:avLst/>
-          </a:prstGeom>
-          <a:ln>
-            <a:solidFill>
-              <a:schemeClr val="accent2">
-                <a:lumMod val="75000"/>
-              </a:schemeClr>
-            </a:solidFill>
-          </a:ln>
-        </p:spPr>
-        <p:style>
-          <a:lnRef idx="1">
-            <a:schemeClr val="accent1"/>
-          </a:lnRef>
-          <a:fillRef idx="0">
-            <a:schemeClr val="accent1"/>
-          </a:fillRef>
-          <a:effectRef idx="0">
-            <a:schemeClr val="accent1"/>
-          </a:effectRef>
-          <a:fontRef idx="minor">
-            <a:schemeClr val="tx1"/>
-          </a:fontRef>
-        </p:style>
-      </p:cxnSp>
-      <p:pic>
-        <p:nvPicPr>
-          <p:cNvPr id="6" name="Picture 5"/>
-          <p:cNvPicPr>
-            <a:picLocks noChangeAspect="1"/>
-          </p:cNvPicPr>
-          <p:nvPr/>
-        </p:nvPicPr>
-        <p:blipFill>
-          <a:blip r:embed="rId2">
-            <a:extLst>
-              <a:ext uri="{28A0092B-C50C-407E-A947-70E740481C1C}">
-                <a14:useLocalDpi xmlns:a14="http://schemas.microsoft.com/office/drawing/2010/main" val="0"/>
-              </a:ext>
-            </a:extLst>
-          </a:blip>
-          <a:stretch>
-            <a:fillRect/>
-          </a:stretch>
-        </p:blipFill>
-        <p:spPr>
-          <a:xfrm>
-            <a:off x="1270374" y="2057732"/>
-            <a:ext cx="6924675" cy="3228975"/>
-          </a:xfrm>
-          <a:prstGeom prst="rect">
-            <a:avLst/>
-          </a:prstGeom>
-        </p:spPr>
-      </p:pic>
     </p:spTree>
     <p:extLst>
       <p:ext uri="{BB962C8B-B14F-4D97-AF65-F5344CB8AC3E}">
-        <p14:creationId xmlns:p14="http://schemas.microsoft.com/office/powerpoint/2010/main" val="1085837780"/>
+        <p14:creationId xmlns:p14="http://schemas.microsoft.com/office/powerpoint/2010/main" val="2283463201"/>
       </p:ext>
     </p:extLst>
   </p:cSld>
@@ -13010,39 +13838,19 @@
         </p:nvSpPr>
         <p:spPr>
           <a:xfrm>
-            <a:off x="677334" y="1828801"/>
-            <a:ext cx="8596668" cy="4212562"/>
-          </a:xfrm>
-        </p:spPr>
-        <p:txBody>
-          <a:bodyPr>
-            <a:normAutofit/>
-          </a:bodyPr>
+            <a:off x="677334" y="1324303"/>
+            <a:ext cx="8596668" cy="4717059"/>
+          </a:xfrm>
+        </p:spPr>
+        <p:txBody>
+          <a:bodyPr/>
           <a:lstStyle/>
           <a:p>
             <a:r>
-              <a:rPr lang="en-US" sz="2800" dirty="0" smtClean="0"/>
-              <a:t>- Employee management system more effective.</a:t>
-            </a:r>
-          </a:p>
-          <a:p>
-            <a:r>
-              <a:rPr lang="en-US" sz="2800" dirty="0"/>
-              <a:t>- </a:t>
-            </a:r>
-            <a:r>
-              <a:rPr lang="en-US" sz="2800" dirty="0" smtClean="0"/>
-              <a:t>Suggest </a:t>
-            </a:r>
-            <a:r>
-              <a:rPr lang="en-US" sz="2800" dirty="0"/>
-              <a:t>the most suitable work </a:t>
-            </a:r>
-            <a:r>
-              <a:rPr lang="en-US" sz="2800" dirty="0" smtClean="0"/>
-              <a:t>schedule for scheduler.</a:t>
-            </a:r>
-            <a:endParaRPr lang="en-US" sz="2800" dirty="0"/>
+              <a:rPr lang="en-US" dirty="0" smtClean="0"/>
+              <a:t>- Booking medical appointment</a:t>
+            </a:r>
+            <a:endParaRPr lang="en-US" dirty="0"/>
           </a:p>
         </p:txBody>
       </p:sp>
@@ -13054,8 +13862,8 @@
         </p:nvSpPr>
         <p:spPr>
           <a:xfrm>
-            <a:off x="533200" y="326685"/>
-            <a:ext cx="2416046" cy="830997"/>
+            <a:off x="677334" y="199574"/>
+            <a:ext cx="8073044" cy="923330"/>
           </a:xfrm>
           <a:prstGeom prst="rect">
             <a:avLst/>
@@ -13070,7 +13878,7 @@
           <a:p>
             <a:pPr algn="ctr"/>
             <a:r>
-              <a:rPr lang="en-US" sz="4800" dirty="0" smtClean="0">
+              <a:rPr lang="en-US" sz="5400" dirty="0">
                 <a:ln w="0"/>
                 <a:solidFill>
                   <a:srgbClr val="0070C0"/>
@@ -13083,28 +13891,45 @@
                   </a:outerShdw>
                 </a:effectLst>
               </a:rPr>
-              <a:t>Improve</a:t>
-            </a:r>
-            <a:endParaRPr lang="en-US" sz="4800" dirty="0">
-              <a:ln w="0"/>
-              <a:solidFill>
-                <a:srgbClr val="0070C0"/>
-              </a:solidFill>
-              <a:effectLst>
-                <a:outerShdw blurRad="38100" dist="25400" dir="5400000" algn="ctr" rotWithShape="0">
-                  <a:srgbClr val="6E747A">
-                    <a:alpha val="43000"/>
-                  </a:srgbClr>
-                </a:outerShdw>
-              </a:effectLst>
-            </a:endParaRPr>
-          </a:p>
-        </p:txBody>
-      </p:sp>
+              <a:t>Extend customer services</a:t>
+            </a:r>
+          </a:p>
+        </p:txBody>
+      </p:sp>
+      <p:pic>
+        <p:nvPicPr>
+          <p:cNvPr id="6" name="Picture 5"/>
+          <p:cNvPicPr>
+            <a:picLocks noChangeAspect="1"/>
+          </p:cNvPicPr>
+          <p:nvPr/>
+        </p:nvPicPr>
+        <p:blipFill>
+          <a:blip r:embed="rId2" cstate="print">
+            <a:extLst>
+              <a:ext uri="{28A0092B-C50C-407E-A947-70E740481C1C}">
+                <a14:useLocalDpi xmlns:a14="http://schemas.microsoft.com/office/drawing/2010/main" val="0"/>
+              </a:ext>
+            </a:extLst>
+          </a:blip>
+          <a:stretch>
+            <a:fillRect/>
+          </a:stretch>
+        </p:blipFill>
+        <p:spPr>
+          <a:xfrm>
+            <a:off x="977356" y="2168245"/>
+            <a:ext cx="7746230" cy="3873117"/>
+          </a:xfrm>
+          <a:prstGeom prst="rect">
+            <a:avLst/>
+          </a:prstGeom>
+        </p:spPr>
+      </p:pic>
     </p:spTree>
     <p:extLst>
       <p:ext uri="{BB962C8B-B14F-4D97-AF65-F5344CB8AC3E}">
-        <p14:creationId xmlns:p14="http://schemas.microsoft.com/office/powerpoint/2010/main" val="2283463201"/>
+        <p14:creationId xmlns:p14="http://schemas.microsoft.com/office/powerpoint/2010/main" val="242234198"/>
       </p:ext>
     </p:extLst>
   </p:cSld>
@@ -13150,19 +13975,41 @@
         </p:nvSpPr>
         <p:spPr>
           <a:xfrm>
-            <a:off x="677334" y="1324303"/>
-            <a:ext cx="8596668" cy="4717059"/>
-          </a:xfrm>
-        </p:spPr>
-        <p:txBody>
-          <a:bodyPr/>
+            <a:off x="677334" y="1576553"/>
+            <a:ext cx="8596668" cy="4832672"/>
+          </a:xfrm>
+        </p:spPr>
+        <p:txBody>
+          <a:bodyPr>
+            <a:normAutofit/>
+          </a:bodyPr>
           <a:lstStyle/>
           <a:p>
             <a:r>
-              <a:rPr lang="en-US" dirty="0" smtClean="0"/>
-              <a:t>- Booking medical appointment</a:t>
-            </a:r>
-            <a:endParaRPr lang="en-US" dirty="0"/>
+              <a:rPr lang="en-US" sz="2800" dirty="0"/>
+              <a:t>Search medical </a:t>
+            </a:r>
+            <a:r>
+              <a:rPr lang="en-US" sz="2800" dirty="0" smtClean="0"/>
+              <a:t>services.</a:t>
+            </a:r>
+          </a:p>
+          <a:p>
+            <a:r>
+              <a:rPr lang="en-US" sz="2800" dirty="0"/>
+              <a:t>Search hospital’s work </a:t>
+            </a:r>
+            <a:r>
+              <a:rPr lang="en-US" sz="2800" dirty="0" smtClean="0"/>
+              <a:t>schedule</a:t>
+            </a:r>
+          </a:p>
+          <a:p>
+            <a:r>
+              <a:rPr lang="en-US" sz="2800" dirty="0" smtClean="0"/>
+              <a:t>Feed back</a:t>
+            </a:r>
+            <a:endParaRPr lang="en-US" sz="2800" dirty="0"/>
           </a:p>
         </p:txBody>
       </p:sp>
@@ -13174,7 +14021,7 @@
         </p:nvSpPr>
         <p:spPr>
           <a:xfrm>
-            <a:off x="677334" y="199574"/>
+            <a:off x="579379" y="240626"/>
             <a:ext cx="8073044" cy="923330"/>
           </a:xfrm>
           <a:prstGeom prst="rect">
@@ -13190,7 +14037,7 @@
           <a:p>
             <a:pPr algn="ctr"/>
             <a:r>
-              <a:rPr lang="en-US" sz="5400" dirty="0">
+              <a:rPr lang="en-US" sz="5400" dirty="0" smtClean="0">
                 <a:ln w="0"/>
                 <a:solidFill>
                   <a:srgbClr val="0070C0"/>
@@ -13205,6 +14052,19 @@
               </a:rPr>
               <a:t>Extend customer services</a:t>
             </a:r>
+            <a:endParaRPr lang="en-US" sz="5400" dirty="0">
+              <a:ln w="0"/>
+              <a:solidFill>
+                <a:srgbClr val="0070C0"/>
+              </a:solidFill>
+              <a:effectLst>
+                <a:outerShdw blurRad="38100" dist="25400" dir="5400000" algn="ctr" rotWithShape="0">
+                  <a:srgbClr val="6E747A">
+                    <a:alpha val="43000"/>
+                  </a:srgbClr>
+                </a:outerShdw>
+              </a:effectLst>
+            </a:endParaRPr>
           </a:p>
         </p:txBody>
       </p:sp>
@@ -13217,7 +14077,7 @@
           <p:nvPr/>
         </p:nvPicPr>
         <p:blipFill>
-          <a:blip r:embed="rId2" cstate="print">
+          <a:blip r:embed="rId3" cstate="print">
             <a:extLst>
               <a:ext uri="{28A0092B-C50C-407E-A947-70E740481C1C}">
                 <a14:useLocalDpi xmlns:a14="http://schemas.microsoft.com/office/drawing/2010/main" val="0"/>
@@ -13230,18 +14090,199 @@
         </p:blipFill>
         <p:spPr>
           <a:xfrm>
-            <a:off x="977356" y="2168245"/>
-            <a:ext cx="7746230" cy="3873117"/>
+            <a:off x="579379" y="3692437"/>
+            <a:ext cx="2817381" cy="2093507"/>
           </a:xfrm>
           <a:prstGeom prst="rect">
             <a:avLst/>
           </a:prstGeom>
         </p:spPr>
       </p:pic>
+      <p:cxnSp>
+        <p:nvCxnSpPr>
+          <p:cNvPr id="8" name="Straight Arrow Connector 7"/>
+          <p:cNvCxnSpPr/>
+          <p:nvPr/>
+        </p:nvCxnSpPr>
+        <p:spPr>
+          <a:xfrm>
+            <a:off x="3069021" y="4739190"/>
+            <a:ext cx="1093076" cy="0"/>
+          </a:xfrm>
+          <a:prstGeom prst="straightConnector1">
+            <a:avLst/>
+          </a:prstGeom>
+          <a:ln>
+            <a:tailEnd type="triangle"/>
+          </a:ln>
+        </p:spPr>
+        <p:style>
+          <a:lnRef idx="1">
+            <a:schemeClr val="accent1"/>
+          </a:lnRef>
+          <a:fillRef idx="0">
+            <a:schemeClr val="accent1"/>
+          </a:fillRef>
+          <a:effectRef idx="0">
+            <a:schemeClr val="accent1"/>
+          </a:effectRef>
+          <a:fontRef idx="minor">
+            <a:schemeClr val="tx1"/>
+          </a:fontRef>
+        </p:style>
+      </p:cxnSp>
+      <p:pic>
+        <p:nvPicPr>
+          <p:cNvPr id="9" name="Picture 8"/>
+          <p:cNvPicPr>
+            <a:picLocks noChangeAspect="1"/>
+          </p:cNvPicPr>
+          <p:nvPr/>
+        </p:nvPicPr>
+        <p:blipFill>
+          <a:blip r:embed="rId4" cstate="print">
+            <a:extLst>
+              <a:ext uri="{28A0092B-C50C-407E-A947-70E740481C1C}">
+                <a14:useLocalDpi xmlns:a14="http://schemas.microsoft.com/office/drawing/2010/main" val="0"/>
+              </a:ext>
+            </a:extLst>
+          </a:blip>
+          <a:stretch>
+            <a:fillRect/>
+          </a:stretch>
+        </p:blipFill>
+        <p:spPr>
+          <a:xfrm>
+            <a:off x="4622418" y="4118625"/>
+            <a:ext cx="1410522" cy="1241129"/>
+          </a:xfrm>
+          <a:prstGeom prst="rect">
+            <a:avLst/>
+          </a:prstGeom>
+        </p:spPr>
+      </p:pic>
+      <p:sp>
+        <p:nvSpPr>
+          <p:cNvPr id="11" name="Rectangle 10"/>
+          <p:cNvSpPr/>
+          <p:nvPr/>
+        </p:nvSpPr>
+        <p:spPr>
+          <a:xfrm>
+            <a:off x="4177909" y="5572296"/>
+            <a:ext cx="2299540" cy="400110"/>
+          </a:xfrm>
+          <a:prstGeom prst="rect">
+            <a:avLst/>
+          </a:prstGeom>
+          <a:noFill/>
+        </p:spPr>
+        <p:txBody>
+          <a:bodyPr wrap="none" lIns="91440" tIns="45720" rIns="91440" bIns="45720">
+            <a:spAutoFit/>
+          </a:bodyPr>
+          <a:lstStyle/>
+          <a:p>
+            <a:pPr algn="ctr"/>
+            <a:r>
+              <a:rPr lang="en-US" sz="2000" dirty="0" smtClean="0">
+                <a:ln w="0"/>
+                <a:solidFill>
+                  <a:srgbClr val="0070C0"/>
+                </a:solidFill>
+                <a:effectLst>
+                  <a:outerShdw blurRad="38100" dist="25400" dir="5400000" algn="ctr" rotWithShape="0">
+                    <a:srgbClr val="6E747A">
+                      <a:alpha val="43000"/>
+                    </a:srgbClr>
+                  </a:outerShdw>
+                </a:effectLst>
+              </a:rPr>
+              <a:t>HOSPITAL- PORTAL</a:t>
+            </a:r>
+            <a:endParaRPr lang="en-US" sz="2000" dirty="0">
+              <a:ln w="0"/>
+              <a:solidFill>
+                <a:srgbClr val="0070C0"/>
+              </a:solidFill>
+              <a:effectLst>
+                <a:outerShdw blurRad="38100" dist="25400" dir="5400000" algn="ctr" rotWithShape="0">
+                  <a:srgbClr val="6E747A">
+                    <a:alpha val="43000"/>
+                  </a:srgbClr>
+                </a:outerShdw>
+              </a:effectLst>
+            </a:endParaRPr>
+          </a:p>
+        </p:txBody>
+      </p:sp>
+      <p:pic>
+        <p:nvPicPr>
+          <p:cNvPr id="12" name="Picture 11"/>
+          <p:cNvPicPr>
+            <a:picLocks noChangeAspect="1"/>
+          </p:cNvPicPr>
+          <p:nvPr/>
+        </p:nvPicPr>
+        <p:blipFill>
+          <a:blip r:embed="rId5" cstate="print">
+            <a:extLst>
+              <a:ext uri="{28A0092B-C50C-407E-A947-70E740481C1C}">
+                <a14:useLocalDpi xmlns:a14="http://schemas.microsoft.com/office/drawing/2010/main" val="0"/>
+              </a:ext>
+            </a:extLst>
+          </a:blip>
+          <a:stretch>
+            <a:fillRect/>
+          </a:stretch>
+        </p:blipFill>
+        <p:spPr>
+          <a:xfrm>
+            <a:off x="8014700" y="4048296"/>
+            <a:ext cx="2286000" cy="1524000"/>
+          </a:xfrm>
+          <a:prstGeom prst="rect">
+            <a:avLst/>
+          </a:prstGeom>
+        </p:spPr>
+      </p:pic>
+      <p:cxnSp>
+        <p:nvCxnSpPr>
+          <p:cNvPr id="14" name="Straight Arrow Connector 13"/>
+          <p:cNvCxnSpPr/>
+          <p:nvPr/>
+        </p:nvCxnSpPr>
+        <p:spPr>
+          <a:xfrm>
+            <a:off x="6400800" y="4739189"/>
+            <a:ext cx="1366345" cy="0"/>
+          </a:xfrm>
+          <a:prstGeom prst="straightConnector1">
+            <a:avLst/>
+          </a:prstGeom>
+          <a:ln>
+            <a:tailEnd type="triangle"/>
+          </a:ln>
+        </p:spPr>
+        <p:style>
+          <a:lnRef idx="1">
+            <a:schemeClr val="accent1"/>
+          </a:lnRef>
+          <a:fillRef idx="0">
+            <a:schemeClr val="accent1"/>
+          </a:fillRef>
+          <a:effectRef idx="0">
+            <a:schemeClr val="accent1"/>
+          </a:effectRef>
+          <a:fontRef idx="minor">
+            <a:schemeClr val="tx1"/>
+          </a:fontRef>
+        </p:style>
+      </p:cxnSp>
     </p:spTree>
     <p:extLst>
       <p:ext uri="{BB962C8B-B14F-4D97-AF65-F5344CB8AC3E}">
-        <p14:creationId xmlns:p14="http://schemas.microsoft.com/office/powerpoint/2010/main" val="242234198"/>
+        <p14:creationId xmlns:p14="http://schemas.microsoft.com/office/powerpoint/2010/main" val="3667340295"/>
       </p:ext>
     </p:extLst>
   </p:cSld>
@@ -13284,7 +14325,7 @@
         <p:spPr>
           <a:xfrm>
             <a:off x="184907" y="1008992"/>
-            <a:ext cx="10588196" cy="1446550"/>
+            <a:ext cx="10588196" cy="1323439"/>
           </a:xfrm>
           <a:prstGeom prst="rect">
             <a:avLst/>
@@ -13299,7 +14340,7 @@
           <a:p>
             <a:pPr algn="ctr"/>
             <a:r>
-              <a:rPr lang="en-US" sz="8800" b="1" cap="none" spc="0" dirty="0" smtClean="0">
+              <a:rPr lang="en-US" sz="8000" b="1" cap="none" spc="0" dirty="0" smtClean="0">
                 <a:ln w="9525">
                   <a:solidFill>
                     <a:schemeClr val="bg1"/>
@@ -13322,7 +14363,7 @@
               </a:rPr>
               <a:t>1. Current situation</a:t>
             </a:r>
-            <a:endParaRPr lang="en-US" sz="8800" b="1" cap="none" spc="0" dirty="0">
+            <a:endParaRPr lang="en-US" sz="8000" b="1" cap="none" spc="0" dirty="0">
               <a:ln w="9525">
                 <a:solidFill>
                   <a:schemeClr val="bg1"/>
@@ -13350,359 +14391,6 @@
     <p:extLst>
       <p:ext uri="{BB962C8B-B14F-4D97-AF65-F5344CB8AC3E}">
         <p14:creationId xmlns:p14="http://schemas.microsoft.com/office/powerpoint/2010/main" val="643031407"/>
-      </p:ext>
-    </p:extLst>
-  </p:cSld>
-  <p:clrMapOvr>
-    <a:masterClrMapping/>
-  </p:clrMapOvr>
-  <p:timing>
-    <p:tnLst>
-      <p:par>
-        <p:cTn id="1" dur="indefinite" restart="never" nodeType="tmRoot"/>
-      </p:par>
-    </p:tnLst>
-  </p:timing>
-</p:sld>
-</file>
-
-<file path=ppt/slides/slide30.xml><?xml version="1.0" encoding="utf-8"?>
-<p:sld xmlns:a="http://schemas.openxmlformats.org/drawingml/2006/main" xmlns:r="http://schemas.openxmlformats.org/officeDocument/2006/relationships" xmlns:p="http://schemas.openxmlformats.org/presentationml/2006/main">
-  <p:cSld>
-    <p:spTree>
-      <p:nvGrpSpPr>
-        <p:cNvPr id="1" name=""/>
-        <p:cNvGrpSpPr/>
-        <p:nvPr/>
-      </p:nvGrpSpPr>
-      <p:grpSpPr>
-        <a:xfrm>
-          <a:off x="0" y="0"/>
-          <a:ext cx="0" cy="0"/>
-          <a:chOff x="0" y="0"/>
-          <a:chExt cx="0" cy="0"/>
-        </a:xfrm>
-      </p:grpSpPr>
-      <p:sp>
-        <p:nvSpPr>
-          <p:cNvPr id="3" name="Content Placeholder 2"/>
-          <p:cNvSpPr>
-            <a:spLocks noGrp="1"/>
-          </p:cNvSpPr>
-          <p:nvPr>
-            <p:ph idx="1"/>
-          </p:nvPr>
-        </p:nvSpPr>
-        <p:spPr>
-          <a:xfrm>
-            <a:off x="677334" y="1576553"/>
-            <a:ext cx="8596668" cy="4832672"/>
-          </a:xfrm>
-        </p:spPr>
-        <p:txBody>
-          <a:bodyPr>
-            <a:normAutofit/>
-          </a:bodyPr>
-          <a:lstStyle/>
-          <a:p>
-            <a:r>
-              <a:rPr lang="en-US" sz="2800" dirty="0"/>
-              <a:t>Search medical </a:t>
-            </a:r>
-            <a:r>
-              <a:rPr lang="en-US" sz="2800" dirty="0" smtClean="0"/>
-              <a:t>services.</a:t>
-            </a:r>
-          </a:p>
-          <a:p>
-            <a:r>
-              <a:rPr lang="en-US" sz="2800" dirty="0"/>
-              <a:t>Search hospital’s work </a:t>
-            </a:r>
-            <a:r>
-              <a:rPr lang="en-US" sz="2800" dirty="0" smtClean="0"/>
-              <a:t>schedule</a:t>
-            </a:r>
-          </a:p>
-          <a:p>
-            <a:r>
-              <a:rPr lang="en-US" sz="2800" dirty="0" smtClean="0"/>
-              <a:t>Feed back</a:t>
-            </a:r>
-            <a:endParaRPr lang="en-US" sz="2800" dirty="0"/>
-          </a:p>
-        </p:txBody>
-      </p:sp>
-      <p:sp>
-        <p:nvSpPr>
-          <p:cNvPr id="4" name="Rectangle 3"/>
-          <p:cNvSpPr/>
-          <p:nvPr/>
-        </p:nvSpPr>
-        <p:spPr>
-          <a:xfrm>
-            <a:off x="579379" y="240626"/>
-            <a:ext cx="8073044" cy="923330"/>
-          </a:xfrm>
-          <a:prstGeom prst="rect">
-            <a:avLst/>
-          </a:prstGeom>
-          <a:noFill/>
-        </p:spPr>
-        <p:txBody>
-          <a:bodyPr wrap="none" lIns="91440" tIns="45720" rIns="91440" bIns="45720">
-            <a:spAutoFit/>
-          </a:bodyPr>
-          <a:lstStyle/>
-          <a:p>
-            <a:pPr algn="ctr"/>
-            <a:r>
-              <a:rPr lang="en-US" sz="5400" dirty="0" smtClean="0">
-                <a:ln w="0"/>
-                <a:solidFill>
-                  <a:srgbClr val="0070C0"/>
-                </a:solidFill>
-                <a:effectLst>
-                  <a:outerShdw blurRad="38100" dist="25400" dir="5400000" algn="ctr" rotWithShape="0">
-                    <a:srgbClr val="6E747A">
-                      <a:alpha val="43000"/>
-                    </a:srgbClr>
-                  </a:outerShdw>
-                </a:effectLst>
-              </a:rPr>
-              <a:t>Extend customer services</a:t>
-            </a:r>
-            <a:endParaRPr lang="en-US" sz="5400" dirty="0">
-              <a:ln w="0"/>
-              <a:solidFill>
-                <a:srgbClr val="0070C0"/>
-              </a:solidFill>
-              <a:effectLst>
-                <a:outerShdw blurRad="38100" dist="25400" dir="5400000" algn="ctr" rotWithShape="0">
-                  <a:srgbClr val="6E747A">
-                    <a:alpha val="43000"/>
-                  </a:srgbClr>
-                </a:outerShdw>
-              </a:effectLst>
-            </a:endParaRPr>
-          </a:p>
-        </p:txBody>
-      </p:sp>
-      <p:pic>
-        <p:nvPicPr>
-          <p:cNvPr id="6" name="Picture 5"/>
-          <p:cNvPicPr>
-            <a:picLocks noChangeAspect="1"/>
-          </p:cNvPicPr>
-          <p:nvPr/>
-        </p:nvPicPr>
-        <p:blipFill>
-          <a:blip r:embed="rId2" cstate="print">
-            <a:extLst>
-              <a:ext uri="{28A0092B-C50C-407E-A947-70E740481C1C}">
-                <a14:useLocalDpi xmlns:a14="http://schemas.microsoft.com/office/drawing/2010/main" val="0"/>
-              </a:ext>
-            </a:extLst>
-          </a:blip>
-          <a:stretch>
-            <a:fillRect/>
-          </a:stretch>
-        </p:blipFill>
-        <p:spPr>
-          <a:xfrm>
-            <a:off x="579379" y="3692437"/>
-            <a:ext cx="2817381" cy="2093507"/>
-          </a:xfrm>
-          <a:prstGeom prst="rect">
-            <a:avLst/>
-          </a:prstGeom>
-        </p:spPr>
-      </p:pic>
-      <p:cxnSp>
-        <p:nvCxnSpPr>
-          <p:cNvPr id="8" name="Straight Arrow Connector 7"/>
-          <p:cNvCxnSpPr/>
-          <p:nvPr/>
-        </p:nvCxnSpPr>
-        <p:spPr>
-          <a:xfrm>
-            <a:off x="3069021" y="4739190"/>
-            <a:ext cx="1093076" cy="0"/>
-          </a:xfrm>
-          <a:prstGeom prst="straightConnector1">
-            <a:avLst/>
-          </a:prstGeom>
-          <a:ln>
-            <a:tailEnd type="triangle"/>
-          </a:ln>
-        </p:spPr>
-        <p:style>
-          <a:lnRef idx="1">
-            <a:schemeClr val="accent1"/>
-          </a:lnRef>
-          <a:fillRef idx="0">
-            <a:schemeClr val="accent1"/>
-          </a:fillRef>
-          <a:effectRef idx="0">
-            <a:schemeClr val="accent1"/>
-          </a:effectRef>
-          <a:fontRef idx="minor">
-            <a:schemeClr val="tx1"/>
-          </a:fontRef>
-        </p:style>
-      </p:cxnSp>
-      <p:pic>
-        <p:nvPicPr>
-          <p:cNvPr id="9" name="Picture 8"/>
-          <p:cNvPicPr>
-            <a:picLocks noChangeAspect="1"/>
-          </p:cNvPicPr>
-          <p:nvPr/>
-        </p:nvPicPr>
-        <p:blipFill>
-          <a:blip r:embed="rId3" cstate="print">
-            <a:extLst>
-              <a:ext uri="{28A0092B-C50C-407E-A947-70E740481C1C}">
-                <a14:useLocalDpi xmlns:a14="http://schemas.microsoft.com/office/drawing/2010/main" val="0"/>
-              </a:ext>
-            </a:extLst>
-          </a:blip>
-          <a:stretch>
-            <a:fillRect/>
-          </a:stretch>
-        </p:blipFill>
-        <p:spPr>
-          <a:xfrm>
-            <a:off x="4622418" y="4118625"/>
-            <a:ext cx="1410522" cy="1241129"/>
-          </a:xfrm>
-          <a:prstGeom prst="rect">
-            <a:avLst/>
-          </a:prstGeom>
-        </p:spPr>
-      </p:pic>
-      <p:sp>
-        <p:nvSpPr>
-          <p:cNvPr id="11" name="Rectangle 10"/>
-          <p:cNvSpPr/>
-          <p:nvPr/>
-        </p:nvSpPr>
-        <p:spPr>
-          <a:xfrm>
-            <a:off x="4177909" y="5572296"/>
-            <a:ext cx="2299540" cy="400110"/>
-          </a:xfrm>
-          <a:prstGeom prst="rect">
-            <a:avLst/>
-          </a:prstGeom>
-          <a:noFill/>
-        </p:spPr>
-        <p:txBody>
-          <a:bodyPr wrap="none" lIns="91440" tIns="45720" rIns="91440" bIns="45720">
-            <a:spAutoFit/>
-          </a:bodyPr>
-          <a:lstStyle/>
-          <a:p>
-            <a:pPr algn="ctr"/>
-            <a:r>
-              <a:rPr lang="en-US" sz="2000" dirty="0" smtClean="0">
-                <a:ln w="0"/>
-                <a:solidFill>
-                  <a:srgbClr val="0070C0"/>
-                </a:solidFill>
-                <a:effectLst>
-                  <a:outerShdw blurRad="38100" dist="25400" dir="5400000" algn="ctr" rotWithShape="0">
-                    <a:srgbClr val="6E747A">
-                      <a:alpha val="43000"/>
-                    </a:srgbClr>
-                  </a:outerShdw>
-                </a:effectLst>
-              </a:rPr>
-              <a:t>HOSPITAL- PORTAL</a:t>
-            </a:r>
-            <a:endParaRPr lang="en-US" sz="2000" dirty="0">
-              <a:ln w="0"/>
-              <a:solidFill>
-                <a:srgbClr val="0070C0"/>
-              </a:solidFill>
-              <a:effectLst>
-                <a:outerShdw blurRad="38100" dist="25400" dir="5400000" algn="ctr" rotWithShape="0">
-                  <a:srgbClr val="6E747A">
-                    <a:alpha val="43000"/>
-                  </a:srgbClr>
-                </a:outerShdw>
-              </a:effectLst>
-            </a:endParaRPr>
-          </a:p>
-        </p:txBody>
-      </p:sp>
-      <p:pic>
-        <p:nvPicPr>
-          <p:cNvPr id="12" name="Picture 11"/>
-          <p:cNvPicPr>
-            <a:picLocks noChangeAspect="1"/>
-          </p:cNvPicPr>
-          <p:nvPr/>
-        </p:nvPicPr>
-        <p:blipFill>
-          <a:blip r:embed="rId4" cstate="print">
-            <a:extLst>
-              <a:ext uri="{28A0092B-C50C-407E-A947-70E740481C1C}">
-                <a14:useLocalDpi xmlns:a14="http://schemas.microsoft.com/office/drawing/2010/main" val="0"/>
-              </a:ext>
-            </a:extLst>
-          </a:blip>
-          <a:stretch>
-            <a:fillRect/>
-          </a:stretch>
-        </p:blipFill>
-        <p:spPr>
-          <a:xfrm>
-            <a:off x="8014700" y="4048296"/>
-            <a:ext cx="2286000" cy="1524000"/>
-          </a:xfrm>
-          <a:prstGeom prst="rect">
-            <a:avLst/>
-          </a:prstGeom>
-        </p:spPr>
-      </p:pic>
-      <p:cxnSp>
-        <p:nvCxnSpPr>
-          <p:cNvPr id="14" name="Straight Arrow Connector 13"/>
-          <p:cNvCxnSpPr/>
-          <p:nvPr/>
-        </p:nvCxnSpPr>
-        <p:spPr>
-          <a:xfrm>
-            <a:off x="6400800" y="4739189"/>
-            <a:ext cx="1366345" cy="0"/>
-          </a:xfrm>
-          <a:prstGeom prst="straightConnector1">
-            <a:avLst/>
-          </a:prstGeom>
-          <a:ln>
-            <a:tailEnd type="triangle"/>
-          </a:ln>
-        </p:spPr>
-        <p:style>
-          <a:lnRef idx="1">
-            <a:schemeClr val="accent1"/>
-          </a:lnRef>
-          <a:fillRef idx="0">
-            <a:schemeClr val="accent1"/>
-          </a:fillRef>
-          <a:effectRef idx="0">
-            <a:schemeClr val="accent1"/>
-          </a:effectRef>
-          <a:fontRef idx="minor">
-            <a:schemeClr val="tx1"/>
-          </a:fontRef>
-        </p:style>
-      </p:cxnSp>
-    </p:spTree>
-    <p:extLst>
-      <p:ext uri="{BB962C8B-B14F-4D97-AF65-F5344CB8AC3E}">
-        <p14:creationId xmlns:p14="http://schemas.microsoft.com/office/powerpoint/2010/main" val="3667340295"/>
       </p:ext>
     </p:extLst>
   </p:cSld>

--- a/Hospital.pptx
+++ b/Hospital.pptx
@@ -225,7 +225,7 @@
           <a:p>
             <a:fld id="{CCE3AD31-3D96-47D2-AAC4-E324E5FFCB68}" type="datetimeFigureOut">
               <a:rPr lang="en-US" smtClean="0"/>
-              <a:t>4/21/18</a:t>
+              <a:t>23-04-2018</a:t>
             </a:fld>
             <a:endParaRPr lang="en-US"/>
           </a:p>
@@ -621,6 +621,22 @@
           <a:bodyPr/>
           <a:lstStyle/>
           <a:p>
+            <a:r>
+              <a:rPr lang="en-US" dirty="0" err="1" smtClean="0"/>
+              <a:t>Nhan</a:t>
+            </a:r>
+            <a:r>
+              <a:rPr lang="en-US" baseline="0" dirty="0" smtClean="0"/>
+              <a:t> </a:t>
+            </a:r>
+            <a:r>
+              <a:rPr lang="en-US" baseline="0" dirty="0" err="1" smtClean="0"/>
+              <a:t>manh</a:t>
+            </a:r>
+            <a:r>
+              <a:rPr lang="en-US" baseline="0" dirty="0" smtClean="0"/>
+              <a:t> </a:t>
+            </a:r>
             <a:endParaRPr lang="en-US" dirty="0"/>
           </a:p>
         </p:txBody>
@@ -642,7 +658,7 @@
           <a:p>
             <a:fld id="{54650823-C9B1-4705-95A8-261A5EC2BEC4}" type="slidenum">
               <a:rPr lang="en-US" smtClean="0"/>
-              <a:t>11</a:t>
+              <a:t>10</a:t>
             </a:fld>
             <a:endParaRPr lang="en-US"/>
           </a:p>
@@ -651,7 +667,7 @@
     </p:spTree>
     <p:extLst>
       <p:ext uri="{BB962C8B-B14F-4D97-AF65-F5344CB8AC3E}">
-        <p14:creationId xmlns:p14="http://schemas.microsoft.com/office/powerpoint/2010/main" val="752616772"/>
+        <p14:creationId xmlns:p14="http://schemas.microsoft.com/office/powerpoint/2010/main" val="4104700808"/>
       </p:ext>
     </p:extLst>
   </p:cSld>
@@ -726,7 +742,7 @@
           <a:p>
             <a:fld id="{54650823-C9B1-4705-95A8-261A5EC2BEC4}" type="slidenum">
               <a:rPr lang="en-US" smtClean="0"/>
-              <a:t>18</a:t>
+              <a:t>11</a:t>
             </a:fld>
             <a:endParaRPr lang="en-US"/>
           </a:p>
@@ -735,7 +751,7 @@
     </p:spTree>
     <p:extLst>
       <p:ext uri="{BB962C8B-B14F-4D97-AF65-F5344CB8AC3E}">
-        <p14:creationId xmlns:p14="http://schemas.microsoft.com/office/powerpoint/2010/main" val="2501835"/>
+        <p14:creationId xmlns:p14="http://schemas.microsoft.com/office/powerpoint/2010/main" val="752616772"/>
       </p:ext>
     </p:extLst>
   </p:cSld>
@@ -810,7 +826,7 @@
           <a:p>
             <a:fld id="{54650823-C9B1-4705-95A8-261A5EC2BEC4}" type="slidenum">
               <a:rPr lang="en-US" smtClean="0"/>
-              <a:t>22</a:t>
+              <a:t>18</a:t>
             </a:fld>
             <a:endParaRPr lang="en-US"/>
           </a:p>
@@ -819,7 +835,7 @@
     </p:spTree>
     <p:extLst>
       <p:ext uri="{BB962C8B-B14F-4D97-AF65-F5344CB8AC3E}">
-        <p14:creationId xmlns:p14="http://schemas.microsoft.com/office/powerpoint/2010/main" val="3445626111"/>
+        <p14:creationId xmlns:p14="http://schemas.microsoft.com/office/powerpoint/2010/main" val="2501835"/>
       </p:ext>
     </p:extLst>
   </p:cSld>
@@ -873,6 +889,90 @@
           <a:bodyPr/>
           <a:lstStyle/>
           <a:p>
+            <a:endParaRPr lang="en-US" dirty="0"/>
+          </a:p>
+        </p:txBody>
+      </p:sp>
+      <p:sp>
+        <p:nvSpPr>
+          <p:cNvPr id="4" name="Slide Number Placeholder 3"/>
+          <p:cNvSpPr>
+            <a:spLocks noGrp="1"/>
+          </p:cNvSpPr>
+          <p:nvPr>
+            <p:ph type="sldNum" sz="quarter" idx="10"/>
+          </p:nvPr>
+        </p:nvSpPr>
+        <p:spPr/>
+        <p:txBody>
+          <a:bodyPr/>
+          <a:lstStyle/>
+          <a:p>
+            <a:fld id="{54650823-C9B1-4705-95A8-261A5EC2BEC4}" type="slidenum">
+              <a:rPr lang="en-US" smtClean="0"/>
+              <a:t>22</a:t>
+            </a:fld>
+            <a:endParaRPr lang="en-US"/>
+          </a:p>
+        </p:txBody>
+      </p:sp>
+    </p:spTree>
+    <p:extLst>
+      <p:ext uri="{BB962C8B-B14F-4D97-AF65-F5344CB8AC3E}">
+        <p14:creationId xmlns:p14="http://schemas.microsoft.com/office/powerpoint/2010/main" val="3445626111"/>
+      </p:ext>
+    </p:extLst>
+  </p:cSld>
+  <p:clrMapOvr>
+    <a:masterClrMapping/>
+  </p:clrMapOvr>
+</p:notes>
+</file>
+
+<file path=ppt/notesSlides/notesSlide6.xml><?xml version="1.0" encoding="utf-8"?>
+<p:notes xmlns:a="http://schemas.openxmlformats.org/drawingml/2006/main" xmlns:r="http://schemas.openxmlformats.org/officeDocument/2006/relationships" xmlns:p="http://schemas.openxmlformats.org/presentationml/2006/main">
+  <p:cSld>
+    <p:spTree>
+      <p:nvGrpSpPr>
+        <p:cNvPr id="1" name=""/>
+        <p:cNvGrpSpPr/>
+        <p:nvPr/>
+      </p:nvGrpSpPr>
+      <p:grpSpPr>
+        <a:xfrm>
+          <a:off x="0" y="0"/>
+          <a:ext cx="0" cy="0"/>
+          <a:chOff x="0" y="0"/>
+          <a:chExt cx="0" cy="0"/>
+        </a:xfrm>
+      </p:grpSpPr>
+      <p:sp>
+        <p:nvSpPr>
+          <p:cNvPr id="2" name="Slide Image Placeholder 1"/>
+          <p:cNvSpPr>
+            <a:spLocks noGrp="1" noRot="1" noChangeAspect="1"/>
+          </p:cNvSpPr>
+          <p:nvPr>
+            <p:ph type="sldImg"/>
+          </p:nvPr>
+        </p:nvSpPr>
+        <p:spPr/>
+      </p:sp>
+      <p:sp>
+        <p:nvSpPr>
+          <p:cNvPr id="3" name="Notes Placeholder 2"/>
+          <p:cNvSpPr>
+            <a:spLocks noGrp="1"/>
+          </p:cNvSpPr>
+          <p:nvPr>
+            <p:ph type="body" idx="1"/>
+          </p:nvPr>
+        </p:nvSpPr>
+        <p:spPr/>
+        <p:txBody>
+          <a:bodyPr/>
+          <a:lstStyle/>
+          <a:p>
             <a:r>
               <a:rPr lang="vi-VN" dirty="0" smtClean="0"/>
               <a:t>Kết hợp thủ tục quản lý bệnh viện và cổng thông tin. Ứng dụng có thể được truy cập qua internet</a:t>
@@ -887,7 +987,28 @@
           <a:p>
             <a:r>
               <a:rPr lang="vi-VN" dirty="0" smtClean="0"/>
-              <a:t>Đồng bộ hóa và tự động hóa, giảm thủ tục hành chính và nguồn nhân lực.</a:t>
+              <a:t>Đồng bộ hóa và tự động hóa, giảm thủ tục hành chính và nguồn nhân lực</a:t>
+            </a:r>
+            <a:r>
+              <a:rPr lang="vi-VN" dirty="0" smtClean="0"/>
+              <a:t>.</a:t>
+            </a:r>
+            <a:endParaRPr lang="en-US" dirty="0" smtClean="0"/>
+          </a:p>
+          <a:p>
+            <a:r>
+              <a:rPr lang="en-US" dirty="0" smtClean="0"/>
+              <a:t>Web service +SMS</a:t>
+            </a:r>
+          </a:p>
+          <a:p>
+            <a:r>
+              <a:rPr lang="en-US" dirty="0" err="1" smtClean="0"/>
+              <a:t>Tren</a:t>
+            </a:r>
+            <a:r>
+              <a:rPr lang="en-US" baseline="0" dirty="0" smtClean="0"/>
+              <a:t> mobile</a:t>
             </a:r>
             <a:endParaRPr lang="en-US" dirty="0"/>
           </a:p>
@@ -929,7 +1050,7 @@
 </p:notes>
 </file>
 
-<file path=ppt/notesSlides/notesSlide6.xml><?xml version="1.0" encoding="utf-8"?>
+<file path=ppt/notesSlides/notesSlide7.xml><?xml version="1.0" encoding="utf-8"?>
 <p:notes xmlns:a="http://schemas.openxmlformats.org/drawingml/2006/main" xmlns:r="http://schemas.openxmlformats.org/officeDocument/2006/relationships" xmlns:p="http://schemas.openxmlformats.org/presentationml/2006/main">
   <p:cSld>
     <p:spTree>
@@ -1758,7 +1879,7 @@
           <a:p>
             <a:fld id="{A633F804-39DA-4C49-979B-E138C523399E}" type="datetimeFigureOut">
               <a:rPr lang="en-US" smtClean="0"/>
-              <a:t>4/21/18</a:t>
+              <a:t>23-04-2018</a:t>
             </a:fld>
             <a:endParaRPr lang="en-US"/>
           </a:p>
@@ -2009,7 +2130,7 @@
           <a:p>
             <a:fld id="{A633F804-39DA-4C49-979B-E138C523399E}" type="datetimeFigureOut">
               <a:rPr lang="en-US" smtClean="0"/>
-              <a:t>4/21/18</a:t>
+              <a:t>23-04-2018</a:t>
             </a:fld>
             <a:endParaRPr lang="en-US"/>
           </a:p>
@@ -2323,7 +2444,7 @@
           <a:p>
             <a:fld id="{A633F804-39DA-4C49-979B-E138C523399E}" type="datetimeFigureOut">
               <a:rPr lang="en-US" smtClean="0"/>
-              <a:t>4/21/18</a:t>
+              <a:t>23-04-2018</a:t>
             </a:fld>
             <a:endParaRPr lang="en-US"/>
           </a:p>
@@ -2656,7 +2777,7 @@
           <a:p>
             <a:fld id="{A633F804-39DA-4C49-979B-E138C523399E}" type="datetimeFigureOut">
               <a:rPr lang="en-US" smtClean="0"/>
-              <a:t>4/21/18</a:t>
+              <a:t>23-04-2018</a:t>
             </a:fld>
             <a:endParaRPr lang="en-US"/>
           </a:p>
@@ -2970,7 +3091,7 @@
           <a:p>
             <a:fld id="{A633F804-39DA-4C49-979B-E138C523399E}" type="datetimeFigureOut">
               <a:rPr lang="en-US" smtClean="0"/>
-              <a:t>4/21/18</a:t>
+              <a:t>23-04-2018</a:t>
             </a:fld>
             <a:endParaRPr lang="en-US"/>
           </a:p>
@@ -3363,7 +3484,7 @@
           <a:p>
             <a:fld id="{A633F804-39DA-4C49-979B-E138C523399E}" type="datetimeFigureOut">
               <a:rPr lang="en-US" smtClean="0"/>
-              <a:t>4/21/18</a:t>
+              <a:t>23-04-2018</a:t>
             </a:fld>
             <a:endParaRPr lang="en-US"/>
           </a:p>
@@ -3533,7 +3654,7 @@
           <a:p>
             <a:fld id="{A633F804-39DA-4C49-979B-E138C523399E}" type="datetimeFigureOut">
               <a:rPr lang="en-US" smtClean="0"/>
-              <a:t>4/21/18</a:t>
+              <a:t>23-04-2018</a:t>
             </a:fld>
             <a:endParaRPr lang="en-US"/>
           </a:p>
@@ -3713,7 +3834,7 @@
           <a:p>
             <a:fld id="{A633F804-39DA-4C49-979B-E138C523399E}" type="datetimeFigureOut">
               <a:rPr lang="en-US" smtClean="0"/>
-              <a:t>4/21/18</a:t>
+              <a:t>23-04-2018</a:t>
             </a:fld>
             <a:endParaRPr lang="en-US"/>
           </a:p>
@@ -3883,7 +4004,7 @@
           <a:p>
             <a:fld id="{A633F804-39DA-4C49-979B-E138C523399E}" type="datetimeFigureOut">
               <a:rPr lang="en-US" smtClean="0"/>
-              <a:t>4/21/18</a:t>
+              <a:t>23-04-2018</a:t>
             </a:fld>
             <a:endParaRPr lang="en-US"/>
           </a:p>
@@ -4130,7 +4251,7 @@
           <a:p>
             <a:fld id="{A633F804-39DA-4C49-979B-E138C523399E}" type="datetimeFigureOut">
               <a:rPr lang="en-US" smtClean="0"/>
-              <a:t>4/21/18</a:t>
+              <a:t>23-04-2018</a:t>
             </a:fld>
             <a:endParaRPr lang="en-US"/>
           </a:p>
@@ -4362,7 +4483,7 @@
           <a:p>
             <a:fld id="{A633F804-39DA-4C49-979B-E138C523399E}" type="datetimeFigureOut">
               <a:rPr lang="en-US" smtClean="0"/>
-              <a:t>4/21/18</a:t>
+              <a:t>23-04-2018</a:t>
             </a:fld>
             <a:endParaRPr lang="en-US"/>
           </a:p>
@@ -4736,7 +4857,7 @@
           <a:p>
             <a:fld id="{A633F804-39DA-4C49-979B-E138C523399E}" type="datetimeFigureOut">
               <a:rPr lang="en-US" smtClean="0"/>
-              <a:t>4/21/18</a:t>
+              <a:t>23-04-2018</a:t>
             </a:fld>
             <a:endParaRPr lang="en-US"/>
           </a:p>
@@ -4859,7 +4980,7 @@
           <a:p>
             <a:fld id="{A633F804-39DA-4C49-979B-E138C523399E}" type="datetimeFigureOut">
               <a:rPr lang="en-US" smtClean="0"/>
-              <a:t>4/21/18</a:t>
+              <a:t>23-04-2018</a:t>
             </a:fld>
             <a:endParaRPr lang="en-US"/>
           </a:p>
@@ -4954,7 +5075,7 @@
           <a:p>
             <a:fld id="{A633F804-39DA-4C49-979B-E138C523399E}" type="datetimeFigureOut">
               <a:rPr lang="en-US" smtClean="0"/>
-              <a:t>4/21/18</a:t>
+              <a:t>23-04-2018</a:t>
             </a:fld>
             <a:endParaRPr lang="en-US"/>
           </a:p>
@@ -5209,7 +5330,7 @@
           <a:p>
             <a:fld id="{A633F804-39DA-4C49-979B-E138C523399E}" type="datetimeFigureOut">
               <a:rPr lang="en-US" smtClean="0"/>
-              <a:t>4/21/18</a:t>
+              <a:t>23-04-2018</a:t>
             </a:fld>
             <a:endParaRPr lang="en-US"/>
           </a:p>
@@ -5514,7 +5635,7 @@
           <a:p>
             <a:fld id="{A633F804-39DA-4C49-979B-E138C523399E}" type="datetimeFigureOut">
               <a:rPr lang="en-US" smtClean="0"/>
-              <a:t>4/21/18</a:t>
+              <a:t>23-04-2018</a:t>
             </a:fld>
             <a:endParaRPr lang="en-US"/>
           </a:p>
@@ -6216,7 +6337,7 @@
           <a:p>
             <a:fld id="{A633F804-39DA-4C49-979B-E138C523399E}" type="datetimeFigureOut">
               <a:rPr lang="en-US" smtClean="0"/>
-              <a:t>4/21/18</a:t>
+              <a:t>23-04-2018</a:t>
             </a:fld>
             <a:endParaRPr lang="en-US"/>
           </a:p>
@@ -7202,7 +7323,7 @@
           <p:nvPr/>
         </p:nvPicPr>
         <p:blipFill>
-          <a:blip r:embed="rId2">
+          <a:blip r:embed="rId3">
             <a:extLst>
               <a:ext uri="{28A0092B-C50C-407E-A947-70E740481C1C}">
                 <a14:useLocalDpi xmlns:a14="http://schemas.microsoft.com/office/drawing/2010/main" val="0"/>

--- a/Hospital.pptx
+++ b/Hospital.pptx
@@ -225,7 +225,7 @@
           <a:p>
             <a:fld id="{CCE3AD31-3D96-47D2-AAC4-E324E5FFCB68}" type="datetimeFigureOut">
               <a:rPr lang="en-US" smtClean="0"/>
-              <a:t>23-04-2018</a:t>
+              <a:t>4/27/18</a:t>
             </a:fld>
             <a:endParaRPr lang="en-US"/>
           </a:p>
@@ -987,11 +987,7 @@
           <a:p>
             <a:r>
               <a:rPr lang="vi-VN" dirty="0" smtClean="0"/>
-              <a:t>Đồng bộ hóa và tự động hóa, giảm thủ tục hành chính và nguồn nhân lực</a:t>
-            </a:r>
-            <a:r>
-              <a:rPr lang="vi-VN" dirty="0" smtClean="0"/>
-              <a:t>.</a:t>
+              <a:t>Đồng bộ hóa và tự động hóa, giảm thủ tục hành chính và nguồn nhân lực.</a:t>
             </a:r>
             <a:endParaRPr lang="en-US" dirty="0" smtClean="0"/>
           </a:p>
@@ -1879,7 +1875,7 @@
           <a:p>
             <a:fld id="{A633F804-39DA-4C49-979B-E138C523399E}" type="datetimeFigureOut">
               <a:rPr lang="en-US" smtClean="0"/>
-              <a:t>23-04-2018</a:t>
+              <a:t>4/27/18</a:t>
             </a:fld>
             <a:endParaRPr lang="en-US"/>
           </a:p>
@@ -2130,7 +2126,7 @@
           <a:p>
             <a:fld id="{A633F804-39DA-4C49-979B-E138C523399E}" type="datetimeFigureOut">
               <a:rPr lang="en-US" smtClean="0"/>
-              <a:t>23-04-2018</a:t>
+              <a:t>4/27/18</a:t>
             </a:fld>
             <a:endParaRPr lang="en-US"/>
           </a:p>
@@ -2444,7 +2440,7 @@
           <a:p>
             <a:fld id="{A633F804-39DA-4C49-979B-E138C523399E}" type="datetimeFigureOut">
               <a:rPr lang="en-US" smtClean="0"/>
-              <a:t>23-04-2018</a:t>
+              <a:t>4/27/18</a:t>
             </a:fld>
             <a:endParaRPr lang="en-US"/>
           </a:p>
@@ -2777,7 +2773,7 @@
           <a:p>
             <a:fld id="{A633F804-39DA-4C49-979B-E138C523399E}" type="datetimeFigureOut">
               <a:rPr lang="en-US" smtClean="0"/>
-              <a:t>23-04-2018</a:t>
+              <a:t>4/27/18</a:t>
             </a:fld>
             <a:endParaRPr lang="en-US"/>
           </a:p>
@@ -3091,7 +3087,7 @@
           <a:p>
             <a:fld id="{A633F804-39DA-4C49-979B-E138C523399E}" type="datetimeFigureOut">
               <a:rPr lang="en-US" smtClean="0"/>
-              <a:t>23-04-2018</a:t>
+              <a:t>4/27/18</a:t>
             </a:fld>
             <a:endParaRPr lang="en-US"/>
           </a:p>
@@ -3484,7 +3480,7 @@
           <a:p>
             <a:fld id="{A633F804-39DA-4C49-979B-E138C523399E}" type="datetimeFigureOut">
               <a:rPr lang="en-US" smtClean="0"/>
-              <a:t>23-04-2018</a:t>
+              <a:t>4/27/18</a:t>
             </a:fld>
             <a:endParaRPr lang="en-US"/>
           </a:p>
@@ -3654,7 +3650,7 @@
           <a:p>
             <a:fld id="{A633F804-39DA-4C49-979B-E138C523399E}" type="datetimeFigureOut">
               <a:rPr lang="en-US" smtClean="0"/>
-              <a:t>23-04-2018</a:t>
+              <a:t>4/27/18</a:t>
             </a:fld>
             <a:endParaRPr lang="en-US"/>
           </a:p>
@@ -3834,7 +3830,7 @@
           <a:p>
             <a:fld id="{A633F804-39DA-4C49-979B-E138C523399E}" type="datetimeFigureOut">
               <a:rPr lang="en-US" smtClean="0"/>
-              <a:t>23-04-2018</a:t>
+              <a:t>4/27/18</a:t>
             </a:fld>
             <a:endParaRPr lang="en-US"/>
           </a:p>
@@ -4004,7 +4000,7 @@
           <a:p>
             <a:fld id="{A633F804-39DA-4C49-979B-E138C523399E}" type="datetimeFigureOut">
               <a:rPr lang="en-US" smtClean="0"/>
-              <a:t>23-04-2018</a:t>
+              <a:t>4/27/18</a:t>
             </a:fld>
             <a:endParaRPr lang="en-US"/>
           </a:p>
@@ -4251,7 +4247,7 @@
           <a:p>
             <a:fld id="{A633F804-39DA-4C49-979B-E138C523399E}" type="datetimeFigureOut">
               <a:rPr lang="en-US" smtClean="0"/>
-              <a:t>23-04-2018</a:t>
+              <a:t>4/27/18</a:t>
             </a:fld>
             <a:endParaRPr lang="en-US"/>
           </a:p>
@@ -4483,7 +4479,7 @@
           <a:p>
             <a:fld id="{A633F804-39DA-4C49-979B-E138C523399E}" type="datetimeFigureOut">
               <a:rPr lang="en-US" smtClean="0"/>
-              <a:t>23-04-2018</a:t>
+              <a:t>4/27/18</a:t>
             </a:fld>
             <a:endParaRPr lang="en-US"/>
           </a:p>
@@ -4857,7 +4853,7 @@
           <a:p>
             <a:fld id="{A633F804-39DA-4C49-979B-E138C523399E}" type="datetimeFigureOut">
               <a:rPr lang="en-US" smtClean="0"/>
-              <a:t>23-04-2018</a:t>
+              <a:t>4/27/18</a:t>
             </a:fld>
             <a:endParaRPr lang="en-US"/>
           </a:p>
@@ -4980,7 +4976,7 @@
           <a:p>
             <a:fld id="{A633F804-39DA-4C49-979B-E138C523399E}" type="datetimeFigureOut">
               <a:rPr lang="en-US" smtClean="0"/>
-              <a:t>23-04-2018</a:t>
+              <a:t>4/27/18</a:t>
             </a:fld>
             <a:endParaRPr lang="en-US"/>
           </a:p>
@@ -5075,7 +5071,7 @@
           <a:p>
             <a:fld id="{A633F804-39DA-4C49-979B-E138C523399E}" type="datetimeFigureOut">
               <a:rPr lang="en-US" smtClean="0"/>
-              <a:t>23-04-2018</a:t>
+              <a:t>4/27/18</a:t>
             </a:fld>
             <a:endParaRPr lang="en-US"/>
           </a:p>
@@ -5330,7 +5326,7 @@
           <a:p>
             <a:fld id="{A633F804-39DA-4C49-979B-E138C523399E}" type="datetimeFigureOut">
               <a:rPr lang="en-US" smtClean="0"/>
-              <a:t>23-04-2018</a:t>
+              <a:t>4/27/18</a:t>
             </a:fld>
             <a:endParaRPr lang="en-US"/>
           </a:p>
@@ -5635,7 +5631,7 @@
           <a:p>
             <a:fld id="{A633F804-39DA-4C49-979B-E138C523399E}" type="datetimeFigureOut">
               <a:rPr lang="en-US" smtClean="0"/>
-              <a:t>23-04-2018</a:t>
+              <a:t>4/27/18</a:t>
             </a:fld>
             <a:endParaRPr lang="en-US"/>
           </a:p>
@@ -6337,7 +6333,7 @@
           <a:p>
             <a:fld id="{A633F804-39DA-4C49-979B-E138C523399E}" type="datetimeFigureOut">
               <a:rPr lang="en-US" smtClean="0"/>
-              <a:t>23-04-2018</a:t>
+              <a:t>4/27/18</a:t>
             </a:fld>
             <a:endParaRPr lang="en-US"/>
           </a:p>
@@ -12718,8 +12714,8 @@
         </p:nvCxnSpPr>
         <p:spPr>
           <a:xfrm>
-            <a:off x="5342708" y="1763486"/>
-            <a:ext cx="1" cy="4025147"/>
+            <a:off x="5342708" y="1574161"/>
+            <a:ext cx="37675" cy="5004877"/>
           </a:xfrm>
           <a:prstGeom prst="line">
             <a:avLst/>
@@ -12748,8 +12744,8 @@
         </p:nvSpPr>
         <p:spPr>
           <a:xfrm>
-            <a:off x="346842" y="2090982"/>
-            <a:ext cx="4424855" cy="3087512"/>
+            <a:off x="386598" y="1033482"/>
+            <a:ext cx="4424855" cy="6121740"/>
           </a:xfrm>
           <a:prstGeom prst="rect">
             <a:avLst/>
@@ -12782,11 +12778,6 @@
               </a:rPr>
               <a:t>Incorporation of hospital management procedures and portals. The application can be accessed via the internet</a:t>
             </a:r>
-            <a:endParaRPr lang="en-US" dirty="0">
-              <a:latin typeface="Calibri" panose="020F0502020204030204" pitchFamily="34" charset="0"/>
-              <a:ea typeface="MS Mincho" panose="02020609040205080304" pitchFamily="49" charset="-128"/>
-              <a:cs typeface="Times New Roman" panose="02020603050405020304" pitchFamily="18" charset="0"/>
-            </a:endParaRPr>
           </a:p>
           <a:p>
             <a:pPr marL="342900" marR="0" lvl="0" indent="-342900">
@@ -12810,11 +12801,6 @@
               </a:rPr>
               <a:t>Accuracy and instantaneous.</a:t>
             </a:r>
-            <a:endParaRPr lang="en-US" dirty="0">
-              <a:latin typeface="Calibri" panose="020F0502020204030204" pitchFamily="34" charset="0"/>
-              <a:ea typeface="MS Mincho" panose="02020609040205080304" pitchFamily="49" charset="-128"/>
-              <a:cs typeface="Times New Roman" panose="02020603050405020304" pitchFamily="18" charset="0"/>
-            </a:endParaRPr>
           </a:p>
           <a:p>
             <a:pPr marL="342900" marR="0" lvl="0" indent="-342900">
@@ -12872,10 +12858,123 @@
                 <a:ea typeface="MS Mincho" panose="02020609040205080304" pitchFamily="49" charset="-128"/>
                 <a:cs typeface="Times New Roman" panose="02020603050405020304" pitchFamily="18" charset="0"/>
               </a:rPr>
-              <a:t>Easy to extend and upgrade function of the system</a:t>
-            </a:r>
+              <a:t>Easy to extend and upgrade function of the </a:t>
+            </a:r>
+            <a:r>
+              <a:rPr lang="en-US" dirty="0" smtClean="0">
+                <a:latin typeface="Cambria" panose="02040503050406030204" pitchFamily="18" charset="0"/>
+                <a:ea typeface="MS Mincho" panose="02020609040205080304" pitchFamily="49" charset="-128"/>
+                <a:cs typeface="Times New Roman" panose="02020603050405020304" pitchFamily="18" charset="0"/>
+              </a:rPr>
+              <a:t>system</a:t>
+            </a:r>
+          </a:p>
+          <a:p>
+            <a:pPr marL="342900" marR="0" lvl="0" indent="-342900">
+              <a:lnSpc>
+                <a:spcPct val="115000"/>
+              </a:lnSpc>
+              <a:spcBef>
+                <a:spcPts val="0"/>
+              </a:spcBef>
+              <a:spcAft>
+                <a:spcPts val="1000"/>
+              </a:spcAft>
+              <a:buFont typeface="Calibri" panose="020F0502020204030204" pitchFamily="34" charset="0"/>
+              <a:buChar char="-"/>
+            </a:pPr>
+            <a:r>
+              <a:rPr lang="en-US" dirty="0" smtClean="0">
+                <a:latin typeface="Cambria" panose="02040503050406030204" pitchFamily="18" charset="0"/>
+                <a:ea typeface="MS Mincho" panose="02020609040205080304" pitchFamily="49" charset="-128"/>
+                <a:cs typeface="Times New Roman" panose="02020603050405020304" pitchFamily="18" charset="0"/>
+              </a:rPr>
+              <a:t>Apply web service: can use other technology  to develop front-end side</a:t>
+            </a:r>
+          </a:p>
+          <a:p>
+            <a:pPr marL="342900" marR="0" lvl="0" indent="-342900">
+              <a:lnSpc>
+                <a:spcPct val="115000"/>
+              </a:lnSpc>
+              <a:spcBef>
+                <a:spcPts val="0"/>
+              </a:spcBef>
+              <a:spcAft>
+                <a:spcPts val="1000"/>
+              </a:spcAft>
+              <a:buFont typeface="Calibri" panose="020F0502020204030204" pitchFamily="34" charset="0"/>
+              <a:buChar char="-"/>
+            </a:pPr>
+            <a:r>
+              <a:rPr lang="en-US" dirty="0" smtClean="0">
+                <a:latin typeface="Cambria" panose="02040503050406030204" pitchFamily="18" charset="0"/>
+                <a:ea typeface="MS Mincho" panose="02020609040205080304" pitchFamily="49" charset="-128"/>
+                <a:cs typeface="Times New Roman" panose="02020603050405020304" pitchFamily="18" charset="0"/>
+              </a:rPr>
+              <a:t>Combine SMS: sent message immediately</a:t>
+            </a:r>
+          </a:p>
+          <a:p>
+            <a:pPr marL="342900" indent="-342900">
+              <a:lnSpc>
+                <a:spcPct val="115000"/>
+              </a:lnSpc>
+              <a:spcAft>
+                <a:spcPts val="1000"/>
+              </a:spcAft>
+              <a:buFont typeface="Calibri" panose="020F0502020204030204" pitchFamily="34" charset="0"/>
+              <a:buChar char="-"/>
+            </a:pPr>
+            <a:r>
+              <a:rPr lang="en-US" dirty="0" smtClean="0">
+                <a:latin typeface="Cambria" panose="02040503050406030204" pitchFamily="18" charset="0"/>
+                <a:ea typeface="MS Mincho" panose="02020609040205080304" pitchFamily="49" charset="-128"/>
+                <a:cs typeface="Times New Roman" panose="02020603050405020304" pitchFamily="18" charset="0"/>
+              </a:rPr>
+              <a:t>Can run on mobile, tablet </a:t>
+            </a:r>
+            <a:r>
+              <a:rPr lang="en-US" dirty="0">
+                <a:latin typeface="Cambria" panose="02040503050406030204" pitchFamily="18" charset="0"/>
+                <a:ea typeface="MS Mincho" panose="02020609040205080304" pitchFamily="49" charset="-128"/>
+                <a:cs typeface="Times New Roman" panose="02020603050405020304" pitchFamily="18" charset="0"/>
+              </a:rPr>
+              <a:t>and other </a:t>
+            </a:r>
+            <a:r>
+              <a:rPr lang="en-US" dirty="0" smtClean="0">
+                <a:latin typeface="Cambria" panose="02040503050406030204" pitchFamily="18" charset="0"/>
+                <a:ea typeface="MS Mincho" panose="02020609040205080304" pitchFamily="49" charset="-128"/>
+                <a:cs typeface="Times New Roman" panose="02020603050405020304" pitchFamily="18" charset="0"/>
+              </a:rPr>
+              <a:t>device, </a:t>
+            </a:r>
+            <a:r>
+              <a:rPr lang="en-US" dirty="0">
+                <a:latin typeface="Cambria" panose="02040503050406030204" pitchFamily="18" charset="0"/>
+                <a:ea typeface="MS Mincho" panose="02020609040205080304" pitchFamily="49" charset="-128"/>
+                <a:cs typeface="Times New Roman" panose="02020603050405020304" pitchFamily="18" charset="0"/>
+              </a:rPr>
+              <a:t>support user even when they are outside the work environment</a:t>
+            </a:r>
+          </a:p>
+          <a:p>
+            <a:pPr marL="342900" marR="0" lvl="0" indent="-342900">
+              <a:lnSpc>
+                <a:spcPct val="115000"/>
+              </a:lnSpc>
+              <a:spcBef>
+                <a:spcPts val="0"/>
+              </a:spcBef>
+              <a:spcAft>
+                <a:spcPts val="1000"/>
+              </a:spcAft>
+              <a:buFont typeface="Calibri" panose="020F0502020204030204" pitchFamily="34" charset="0"/>
+              <a:buChar char="-"/>
+            </a:pPr>
             <a:endParaRPr lang="en-US" dirty="0">
-              <a:latin typeface="Calibri" panose="020F0502020204030204" pitchFamily="34" charset="0"/>
+              <a:latin typeface="Cambria" panose="02040503050406030204" pitchFamily="18" charset="0"/>
               <a:ea typeface="MS Mincho" panose="02020609040205080304" pitchFamily="49" charset="-128"/>
               <a:cs typeface="Times New Roman" panose="02020603050405020304" pitchFamily="18" charset="0"/>
             </a:endParaRPr>
@@ -12890,7 +12989,7 @@
         </p:nvSpPr>
         <p:spPr>
           <a:xfrm>
-            <a:off x="5507421" y="2090982"/>
+            <a:off x="5494169" y="1384838"/>
             <a:ext cx="4056993" cy="1494768"/>
           </a:xfrm>
           <a:prstGeom prst="rect">
@@ -12974,7 +13073,7 @@
         </p:nvSpPr>
         <p:spPr>
           <a:xfrm>
-            <a:off x="1191326" y="1039307"/>
+            <a:off x="1191326" y="217673"/>
             <a:ext cx="3179075" cy="769441"/>
           </a:xfrm>
           <a:prstGeom prst="rect">
@@ -13045,7 +13144,7 @@
         </p:nvSpPr>
         <p:spPr>
           <a:xfrm>
-            <a:off x="5913720" y="1000118"/>
+            <a:off x="5940224" y="456212"/>
             <a:ext cx="3897222" cy="769441"/>
           </a:xfrm>
           <a:prstGeom prst="rect">

--- a/Hospital.pptx
+++ b/Hospital.pptx
@@ -24,8 +24,8 @@
     <p:sldId id="270" r:id="rId15"/>
     <p:sldId id="266" r:id="rId16"/>
     <p:sldId id="267" r:id="rId17"/>
-    <p:sldId id="273" r:id="rId18"/>
-    <p:sldId id="274" r:id="rId19"/>
+    <p:sldId id="274" r:id="rId18"/>
+    <p:sldId id="273" r:id="rId19"/>
     <p:sldId id="281" r:id="rId20"/>
     <p:sldId id="282" r:id="rId21"/>
     <p:sldId id="285" r:id="rId22"/>
@@ -225,7 +225,7 @@
           <a:p>
             <a:fld id="{CCE3AD31-3D96-47D2-AAC4-E324E5FFCB68}" type="datetimeFigureOut">
               <a:rPr lang="en-US" smtClean="0"/>
-              <a:t>23-04-2018</a:t>
+              <a:t>02-05-2018</a:t>
             </a:fld>
             <a:endParaRPr lang="en-US"/>
           </a:p>
@@ -826,7 +826,7 @@
           <a:p>
             <a:fld id="{54650823-C9B1-4705-95A8-261A5EC2BEC4}" type="slidenum">
               <a:rPr lang="en-US" smtClean="0"/>
-              <a:t>18</a:t>
+              <a:t>17</a:t>
             </a:fld>
             <a:endParaRPr lang="en-US"/>
           </a:p>
@@ -987,11 +987,7 @@
           <a:p>
             <a:r>
               <a:rPr lang="vi-VN" dirty="0" smtClean="0"/>
-              <a:t>Đồng bộ hóa và tự động hóa, giảm thủ tục hành chính và nguồn nhân lực</a:t>
-            </a:r>
-            <a:r>
-              <a:rPr lang="vi-VN" dirty="0" smtClean="0"/>
-              <a:t>.</a:t>
+              <a:t>Đồng bộ hóa và tự động hóa, giảm thủ tục hành chính và nguồn nhân lực.</a:t>
             </a:r>
             <a:endParaRPr lang="en-US" dirty="0" smtClean="0"/>
           </a:p>
@@ -1879,7 +1875,7 @@
           <a:p>
             <a:fld id="{A633F804-39DA-4C49-979B-E138C523399E}" type="datetimeFigureOut">
               <a:rPr lang="en-US" smtClean="0"/>
-              <a:t>23-04-2018</a:t>
+              <a:t>02-05-2018</a:t>
             </a:fld>
             <a:endParaRPr lang="en-US"/>
           </a:p>
@@ -2130,7 +2126,7 @@
           <a:p>
             <a:fld id="{A633F804-39DA-4C49-979B-E138C523399E}" type="datetimeFigureOut">
               <a:rPr lang="en-US" smtClean="0"/>
-              <a:t>23-04-2018</a:t>
+              <a:t>02-05-2018</a:t>
             </a:fld>
             <a:endParaRPr lang="en-US"/>
           </a:p>
@@ -2444,7 +2440,7 @@
           <a:p>
             <a:fld id="{A633F804-39DA-4C49-979B-E138C523399E}" type="datetimeFigureOut">
               <a:rPr lang="en-US" smtClean="0"/>
-              <a:t>23-04-2018</a:t>
+              <a:t>02-05-2018</a:t>
             </a:fld>
             <a:endParaRPr lang="en-US"/>
           </a:p>
@@ -2777,7 +2773,7 @@
           <a:p>
             <a:fld id="{A633F804-39DA-4C49-979B-E138C523399E}" type="datetimeFigureOut">
               <a:rPr lang="en-US" smtClean="0"/>
-              <a:t>23-04-2018</a:t>
+              <a:t>02-05-2018</a:t>
             </a:fld>
             <a:endParaRPr lang="en-US"/>
           </a:p>
@@ -3091,7 +3087,7 @@
           <a:p>
             <a:fld id="{A633F804-39DA-4C49-979B-E138C523399E}" type="datetimeFigureOut">
               <a:rPr lang="en-US" smtClean="0"/>
-              <a:t>23-04-2018</a:t>
+              <a:t>02-05-2018</a:t>
             </a:fld>
             <a:endParaRPr lang="en-US"/>
           </a:p>
@@ -3484,7 +3480,7 @@
           <a:p>
             <a:fld id="{A633F804-39DA-4C49-979B-E138C523399E}" type="datetimeFigureOut">
               <a:rPr lang="en-US" smtClean="0"/>
-              <a:t>23-04-2018</a:t>
+              <a:t>02-05-2018</a:t>
             </a:fld>
             <a:endParaRPr lang="en-US"/>
           </a:p>
@@ -3654,7 +3650,7 @@
           <a:p>
             <a:fld id="{A633F804-39DA-4C49-979B-E138C523399E}" type="datetimeFigureOut">
               <a:rPr lang="en-US" smtClean="0"/>
-              <a:t>23-04-2018</a:t>
+              <a:t>02-05-2018</a:t>
             </a:fld>
             <a:endParaRPr lang="en-US"/>
           </a:p>
@@ -3834,7 +3830,7 @@
           <a:p>
             <a:fld id="{A633F804-39DA-4C49-979B-E138C523399E}" type="datetimeFigureOut">
               <a:rPr lang="en-US" smtClean="0"/>
-              <a:t>23-04-2018</a:t>
+              <a:t>02-05-2018</a:t>
             </a:fld>
             <a:endParaRPr lang="en-US"/>
           </a:p>
@@ -4004,7 +4000,7 @@
           <a:p>
             <a:fld id="{A633F804-39DA-4C49-979B-E138C523399E}" type="datetimeFigureOut">
               <a:rPr lang="en-US" smtClean="0"/>
-              <a:t>23-04-2018</a:t>
+              <a:t>02-05-2018</a:t>
             </a:fld>
             <a:endParaRPr lang="en-US"/>
           </a:p>
@@ -4251,7 +4247,7 @@
           <a:p>
             <a:fld id="{A633F804-39DA-4C49-979B-E138C523399E}" type="datetimeFigureOut">
               <a:rPr lang="en-US" smtClean="0"/>
-              <a:t>23-04-2018</a:t>
+              <a:t>02-05-2018</a:t>
             </a:fld>
             <a:endParaRPr lang="en-US"/>
           </a:p>
@@ -4483,7 +4479,7 @@
           <a:p>
             <a:fld id="{A633F804-39DA-4C49-979B-E138C523399E}" type="datetimeFigureOut">
               <a:rPr lang="en-US" smtClean="0"/>
-              <a:t>23-04-2018</a:t>
+              <a:t>02-05-2018</a:t>
             </a:fld>
             <a:endParaRPr lang="en-US"/>
           </a:p>
@@ -4857,7 +4853,7 @@
           <a:p>
             <a:fld id="{A633F804-39DA-4C49-979B-E138C523399E}" type="datetimeFigureOut">
               <a:rPr lang="en-US" smtClean="0"/>
-              <a:t>23-04-2018</a:t>
+              <a:t>02-05-2018</a:t>
             </a:fld>
             <a:endParaRPr lang="en-US"/>
           </a:p>
@@ -4980,7 +4976,7 @@
           <a:p>
             <a:fld id="{A633F804-39DA-4C49-979B-E138C523399E}" type="datetimeFigureOut">
               <a:rPr lang="en-US" smtClean="0"/>
-              <a:t>23-04-2018</a:t>
+              <a:t>02-05-2018</a:t>
             </a:fld>
             <a:endParaRPr lang="en-US"/>
           </a:p>
@@ -5075,7 +5071,7 @@
           <a:p>
             <a:fld id="{A633F804-39DA-4C49-979B-E138C523399E}" type="datetimeFigureOut">
               <a:rPr lang="en-US" smtClean="0"/>
-              <a:t>23-04-2018</a:t>
+              <a:t>02-05-2018</a:t>
             </a:fld>
             <a:endParaRPr lang="en-US"/>
           </a:p>
@@ -5330,7 +5326,7 @@
           <a:p>
             <a:fld id="{A633F804-39DA-4C49-979B-E138C523399E}" type="datetimeFigureOut">
               <a:rPr lang="en-US" smtClean="0"/>
-              <a:t>23-04-2018</a:t>
+              <a:t>02-05-2018</a:t>
             </a:fld>
             <a:endParaRPr lang="en-US"/>
           </a:p>
@@ -5635,7 +5631,7 @@
           <a:p>
             <a:fld id="{A633F804-39DA-4C49-979B-E138C523399E}" type="datetimeFigureOut">
               <a:rPr lang="en-US" smtClean="0"/>
-              <a:t>23-04-2018</a:t>
+              <a:t>02-05-2018</a:t>
             </a:fld>
             <a:endParaRPr lang="en-US"/>
           </a:p>
@@ -6337,7 +6333,7 @@
           <a:p>
             <a:fld id="{A633F804-39DA-4C49-979B-E138C523399E}" type="datetimeFigureOut">
               <a:rPr lang="en-US" smtClean="0"/>
-              <a:t>23-04-2018</a:t>
+              <a:t>02-05-2018</a:t>
             </a:fld>
             <a:endParaRPr lang="en-US"/>
           </a:p>
@@ -7336,8 +7332,8 @@
         </p:blipFill>
         <p:spPr>
           <a:xfrm>
-            <a:off x="3054088" y="1401692"/>
-            <a:ext cx="4410741" cy="5290053"/>
+            <a:off x="3054088" y="1301994"/>
+            <a:ext cx="4493868" cy="5389752"/>
           </a:xfrm>
           <a:prstGeom prst="rect">
             <a:avLst/>
@@ -7462,13 +7458,13 @@
       </p:cxnSp>
       <p:pic>
         <p:nvPicPr>
-          <p:cNvPr id="2" name="Picture 1"/>
+          <p:cNvPr id="3" name="Picture 2"/>
           <p:cNvPicPr>
             <a:picLocks noChangeAspect="1"/>
           </p:cNvPicPr>
           <p:nvPr/>
         </p:nvPicPr>
-        <p:blipFill>
+        <p:blipFill rotWithShape="1">
           <a:blip r:embed="rId3">
             <a:extLst>
               <a:ext uri="{28A0092B-C50C-407E-A947-70E740481C1C}">
@@ -7476,14 +7472,13 @@
               </a:ext>
             </a:extLst>
           </a:blip>
-          <a:stretch>
-            <a:fillRect/>
-          </a:stretch>
+          <a:srcRect r="5089" b="12242"/>
+          <a:stretch/>
         </p:blipFill>
         <p:spPr>
           <a:xfrm>
-            <a:off x="1182278" y="1134402"/>
-            <a:ext cx="8201857" cy="5723598"/>
+            <a:off x="352697" y="1134402"/>
+            <a:ext cx="9306692" cy="5680656"/>
           </a:xfrm>
           <a:prstGeom prst="rect">
             <a:avLst/>
@@ -9837,6 +9832,469 @@
         </p:nvSpPr>
         <p:spPr>
           <a:xfrm>
+            <a:off x="228231" y="180443"/>
+            <a:ext cx="5511444" cy="646331"/>
+          </a:xfrm>
+          <a:prstGeom prst="rect">
+            <a:avLst/>
+          </a:prstGeom>
+          <a:noFill/>
+        </p:spPr>
+        <p:txBody>
+          <a:bodyPr wrap="none" lIns="91440" tIns="45720" rIns="91440" bIns="45720">
+            <a:spAutoFit/>
+          </a:bodyPr>
+          <a:lstStyle/>
+          <a:p>
+            <a:pPr algn="ctr"/>
+            <a:r>
+              <a:rPr lang="en-US" sz="3600" dirty="0" smtClean="0">
+                <a:ln w="0"/>
+                <a:solidFill>
+                  <a:srgbClr val="0070C0"/>
+                </a:solidFill>
+                <a:effectLst>
+                  <a:outerShdw blurRad="38100" dist="25400" dir="5400000" algn="ctr" rotWithShape="0">
+                    <a:srgbClr val="6E747A">
+                      <a:alpha val="43000"/>
+                    </a:srgbClr>
+                  </a:outerShdw>
+                </a:effectLst>
+              </a:rPr>
+              <a:t>Manage meeting schedule</a:t>
+            </a:r>
+            <a:endParaRPr lang="en-US" sz="3600" dirty="0">
+              <a:ln w="0"/>
+              <a:solidFill>
+                <a:srgbClr val="0070C0"/>
+              </a:solidFill>
+              <a:effectLst>
+                <a:outerShdw blurRad="38100" dist="25400" dir="5400000" algn="ctr" rotWithShape="0">
+                  <a:srgbClr val="6E747A">
+                    <a:alpha val="43000"/>
+                  </a:srgbClr>
+                </a:outerShdw>
+              </a:effectLst>
+            </a:endParaRPr>
+          </a:p>
+        </p:txBody>
+      </p:sp>
+      <p:pic>
+        <p:nvPicPr>
+          <p:cNvPr id="14" name="Picture 13"/>
+          <p:cNvPicPr>
+            <a:picLocks noChangeAspect="1"/>
+          </p:cNvPicPr>
+          <p:nvPr/>
+        </p:nvPicPr>
+        <p:blipFill>
+          <a:blip r:embed="rId3">
+            <a:extLst>
+              <a:ext uri="{28A0092B-C50C-407E-A947-70E740481C1C}">
+                <a14:useLocalDpi xmlns:a14="http://schemas.microsoft.com/office/drawing/2010/main" val="0"/>
+              </a:ext>
+            </a:extLst>
+          </a:blip>
+          <a:stretch>
+            <a:fillRect/>
+          </a:stretch>
+        </p:blipFill>
+        <p:spPr>
+          <a:xfrm>
+            <a:off x="874510" y="2498493"/>
+            <a:ext cx="1572901" cy="1490689"/>
+          </a:xfrm>
+          <a:prstGeom prst="rect">
+            <a:avLst/>
+          </a:prstGeom>
+        </p:spPr>
+      </p:pic>
+      <p:pic>
+        <p:nvPicPr>
+          <p:cNvPr id="15" name="Picture 14"/>
+          <p:cNvPicPr>
+            <a:picLocks noChangeAspect="1"/>
+          </p:cNvPicPr>
+          <p:nvPr/>
+        </p:nvPicPr>
+        <p:blipFill>
+          <a:blip r:embed="rId4" cstate="print">
+            <a:extLst>
+              <a:ext uri="{28A0092B-C50C-407E-A947-70E740481C1C}">
+                <a14:useLocalDpi xmlns:a14="http://schemas.microsoft.com/office/drawing/2010/main" val="0"/>
+              </a:ext>
+            </a:extLst>
+          </a:blip>
+          <a:stretch>
+            <a:fillRect/>
+          </a:stretch>
+        </p:blipFill>
+        <p:spPr>
+          <a:xfrm>
+            <a:off x="4339837" y="2363422"/>
+            <a:ext cx="1865210" cy="1777264"/>
+          </a:xfrm>
+          <a:prstGeom prst="rect">
+            <a:avLst/>
+          </a:prstGeom>
+        </p:spPr>
+      </p:pic>
+      <p:pic>
+        <p:nvPicPr>
+          <p:cNvPr id="16" name="Picture 15"/>
+          <p:cNvPicPr>
+            <a:picLocks noChangeAspect="1"/>
+          </p:cNvPicPr>
+          <p:nvPr/>
+        </p:nvPicPr>
+        <p:blipFill>
+          <a:blip r:embed="rId5" cstate="print">
+            <a:extLst>
+              <a:ext uri="{28A0092B-C50C-407E-A947-70E740481C1C}">
+                <a14:useLocalDpi xmlns:a14="http://schemas.microsoft.com/office/drawing/2010/main" val="0"/>
+              </a:ext>
+            </a:extLst>
+          </a:blip>
+          <a:stretch>
+            <a:fillRect/>
+          </a:stretch>
+        </p:blipFill>
+        <p:spPr>
+          <a:xfrm>
+            <a:off x="8004607" y="2376929"/>
+            <a:ext cx="1611180" cy="1745841"/>
+          </a:xfrm>
+          <a:prstGeom prst="rect">
+            <a:avLst/>
+          </a:prstGeom>
+        </p:spPr>
+      </p:pic>
+      <p:cxnSp>
+        <p:nvCxnSpPr>
+          <p:cNvPr id="17" name="Straight Arrow Connector 16"/>
+          <p:cNvCxnSpPr/>
+          <p:nvPr/>
+        </p:nvCxnSpPr>
+        <p:spPr>
+          <a:xfrm>
+            <a:off x="2607174" y="3106308"/>
+            <a:ext cx="1452266" cy="0"/>
+          </a:xfrm>
+          <a:prstGeom prst="straightConnector1">
+            <a:avLst/>
+          </a:prstGeom>
+          <a:ln>
+            <a:tailEnd type="triangle"/>
+          </a:ln>
+        </p:spPr>
+        <p:style>
+          <a:lnRef idx="1">
+            <a:schemeClr val="accent1"/>
+          </a:lnRef>
+          <a:fillRef idx="0">
+            <a:schemeClr val="accent1"/>
+          </a:fillRef>
+          <a:effectRef idx="0">
+            <a:schemeClr val="accent1"/>
+          </a:effectRef>
+          <a:fontRef idx="minor">
+            <a:schemeClr val="tx1"/>
+          </a:fontRef>
+        </p:style>
+      </p:cxnSp>
+      <p:cxnSp>
+        <p:nvCxnSpPr>
+          <p:cNvPr id="18" name="Straight Arrow Connector 17"/>
+          <p:cNvCxnSpPr/>
+          <p:nvPr/>
+        </p:nvCxnSpPr>
+        <p:spPr>
+          <a:xfrm>
+            <a:off x="6521248" y="3146830"/>
+            <a:ext cx="1453411" cy="0"/>
+          </a:xfrm>
+          <a:prstGeom prst="straightConnector1">
+            <a:avLst/>
+          </a:prstGeom>
+          <a:ln>
+            <a:tailEnd type="triangle"/>
+          </a:ln>
+        </p:spPr>
+        <p:style>
+          <a:lnRef idx="1">
+            <a:schemeClr val="accent1"/>
+          </a:lnRef>
+          <a:fillRef idx="0">
+            <a:schemeClr val="accent1"/>
+          </a:fillRef>
+          <a:effectRef idx="0">
+            <a:schemeClr val="accent1"/>
+          </a:effectRef>
+          <a:fontRef idx="minor">
+            <a:schemeClr val="tx1"/>
+          </a:fontRef>
+        </p:style>
+      </p:cxnSp>
+      <p:cxnSp>
+        <p:nvCxnSpPr>
+          <p:cNvPr id="19" name="Straight Arrow Connector 18"/>
+          <p:cNvCxnSpPr/>
+          <p:nvPr/>
+        </p:nvCxnSpPr>
+        <p:spPr>
+          <a:xfrm flipH="1">
+            <a:off x="6485444" y="3520966"/>
+            <a:ext cx="1489214" cy="5627"/>
+          </a:xfrm>
+          <a:prstGeom prst="straightConnector1">
+            <a:avLst/>
+          </a:prstGeom>
+          <a:ln>
+            <a:tailEnd type="triangle"/>
+          </a:ln>
+        </p:spPr>
+        <p:style>
+          <a:lnRef idx="1">
+            <a:schemeClr val="accent1"/>
+          </a:lnRef>
+          <a:fillRef idx="0">
+            <a:schemeClr val="accent1"/>
+          </a:fillRef>
+          <a:effectRef idx="0">
+            <a:schemeClr val="accent1"/>
+          </a:effectRef>
+          <a:fontRef idx="minor">
+            <a:schemeClr val="tx1"/>
+          </a:fontRef>
+        </p:style>
+      </p:cxnSp>
+      <p:cxnSp>
+        <p:nvCxnSpPr>
+          <p:cNvPr id="20" name="Straight Arrow Connector 19"/>
+          <p:cNvCxnSpPr/>
+          <p:nvPr/>
+        </p:nvCxnSpPr>
+        <p:spPr>
+          <a:xfrm>
+            <a:off x="5287193" y="4321943"/>
+            <a:ext cx="12465" cy="1215633"/>
+          </a:xfrm>
+          <a:prstGeom prst="straightConnector1">
+            <a:avLst/>
+          </a:prstGeom>
+          <a:ln>
+            <a:tailEnd type="triangle"/>
+          </a:ln>
+        </p:spPr>
+        <p:style>
+          <a:lnRef idx="1">
+            <a:schemeClr val="accent1"/>
+          </a:lnRef>
+          <a:fillRef idx="0">
+            <a:schemeClr val="accent1"/>
+          </a:fillRef>
+          <a:effectRef idx="0">
+            <a:schemeClr val="accent1"/>
+          </a:effectRef>
+          <a:fontRef idx="minor">
+            <a:schemeClr val="tx1"/>
+          </a:fontRef>
+        </p:style>
+      </p:cxnSp>
+      <p:pic>
+        <p:nvPicPr>
+          <p:cNvPr id="21" name="Picture 20"/>
+          <p:cNvPicPr>
+            <a:picLocks noChangeAspect="1"/>
+          </p:cNvPicPr>
+          <p:nvPr/>
+        </p:nvPicPr>
+        <p:blipFill rotWithShape="1">
+          <a:blip r:embed="rId6" cstate="print">
+            <a:extLst>
+              <a:ext uri="{28A0092B-C50C-407E-A947-70E740481C1C}">
+                <a14:useLocalDpi xmlns:a14="http://schemas.microsoft.com/office/drawing/2010/main" val="0"/>
+              </a:ext>
+            </a:extLst>
+          </a:blip>
+          <a:srcRect l="12907" t="33650" r="13175" b="19732"/>
+          <a:stretch/>
+        </p:blipFill>
+        <p:spPr>
+          <a:xfrm>
+            <a:off x="4676398" y="5672647"/>
+            <a:ext cx="1321190" cy="950220"/>
+          </a:xfrm>
+          <a:prstGeom prst="rect">
+            <a:avLst/>
+          </a:prstGeom>
+        </p:spPr>
+      </p:pic>
+      <p:pic>
+        <p:nvPicPr>
+          <p:cNvPr id="2" name="Picture 1"/>
+          <p:cNvPicPr>
+            <a:picLocks noChangeAspect="1"/>
+          </p:cNvPicPr>
+          <p:nvPr/>
+        </p:nvPicPr>
+        <p:blipFill>
+          <a:blip r:embed="rId7">
+            <a:extLst>
+              <a:ext uri="{28A0092B-C50C-407E-A947-70E740481C1C}">
+                <a14:useLocalDpi xmlns:a14="http://schemas.microsoft.com/office/drawing/2010/main" val="0"/>
+              </a:ext>
+            </a:extLst>
+          </a:blip>
+          <a:stretch>
+            <a:fillRect/>
+          </a:stretch>
+        </p:blipFill>
+        <p:spPr>
+          <a:xfrm>
+            <a:off x="4821789" y="1750482"/>
+            <a:ext cx="955738" cy="955738"/>
+          </a:xfrm>
+          <a:prstGeom prst="rect">
+            <a:avLst/>
+          </a:prstGeom>
+        </p:spPr>
+      </p:pic>
+      <p:sp>
+        <p:nvSpPr>
+          <p:cNvPr id="12" name="TextBox 11"/>
+          <p:cNvSpPr txBox="1"/>
+          <p:nvPr/>
+        </p:nvSpPr>
+        <p:spPr>
+          <a:xfrm>
+            <a:off x="1084978" y="3980068"/>
+            <a:ext cx="1952753" cy="369332"/>
+          </a:xfrm>
+          <a:prstGeom prst="rect">
+            <a:avLst/>
+          </a:prstGeom>
+          <a:noFill/>
+        </p:spPr>
+        <p:txBody>
+          <a:bodyPr wrap="square" rtlCol="0">
+            <a:spAutoFit/>
+          </a:bodyPr>
+          <a:lstStyle/>
+          <a:p>
+            <a:r>
+              <a:rPr lang="en-US" dirty="0" smtClean="0"/>
+              <a:t>Scheduler</a:t>
+            </a:r>
+            <a:endParaRPr lang="en-US" dirty="0"/>
+          </a:p>
+        </p:txBody>
+      </p:sp>
+      <p:sp>
+        <p:nvSpPr>
+          <p:cNvPr id="13" name="TextBox 12"/>
+          <p:cNvSpPr txBox="1"/>
+          <p:nvPr/>
+        </p:nvSpPr>
+        <p:spPr>
+          <a:xfrm>
+            <a:off x="8352911" y="3938104"/>
+            <a:ext cx="1232453" cy="369332"/>
+          </a:xfrm>
+          <a:prstGeom prst="rect">
+            <a:avLst/>
+          </a:prstGeom>
+          <a:noFill/>
+        </p:spPr>
+        <p:txBody>
+          <a:bodyPr wrap="square" rtlCol="0">
+            <a:spAutoFit/>
+          </a:bodyPr>
+          <a:lstStyle/>
+          <a:p>
+            <a:r>
+              <a:rPr lang="en-US" dirty="0" smtClean="0"/>
+              <a:t>Manager</a:t>
+            </a:r>
+            <a:endParaRPr lang="en-US" dirty="0"/>
+          </a:p>
+        </p:txBody>
+      </p:sp>
+      <p:sp>
+        <p:nvSpPr>
+          <p:cNvPr id="22" name="TextBox 21"/>
+          <p:cNvSpPr txBox="1"/>
+          <p:nvPr/>
+        </p:nvSpPr>
+        <p:spPr>
+          <a:xfrm>
+            <a:off x="6075866" y="6008187"/>
+            <a:ext cx="1751399" cy="369332"/>
+          </a:xfrm>
+          <a:prstGeom prst="rect">
+            <a:avLst/>
+          </a:prstGeom>
+          <a:noFill/>
+        </p:spPr>
+        <p:txBody>
+          <a:bodyPr wrap="square" rtlCol="0">
+            <a:spAutoFit/>
+          </a:bodyPr>
+          <a:lstStyle/>
+          <a:p>
+            <a:r>
+              <a:rPr lang="en-US" dirty="0" smtClean="0"/>
+              <a:t>User</a:t>
+            </a:r>
+            <a:endParaRPr lang="en-US" dirty="0"/>
+          </a:p>
+        </p:txBody>
+      </p:sp>
+    </p:spTree>
+    <p:extLst>
+      <p:ext uri="{BB962C8B-B14F-4D97-AF65-F5344CB8AC3E}">
+        <p14:creationId xmlns:p14="http://schemas.microsoft.com/office/powerpoint/2010/main" val="2682213829"/>
+      </p:ext>
+    </p:extLst>
+  </p:cSld>
+  <p:clrMapOvr>
+    <a:masterClrMapping/>
+  </p:clrMapOvr>
+  <p:timing>
+    <p:tnLst>
+      <p:par>
+        <p:cTn id="1" dur="indefinite" restart="never" nodeType="tmRoot"/>
+      </p:par>
+    </p:tnLst>
+  </p:timing>
+</p:sld>
+</file>
+
+<file path=ppt/slides/slide18.xml><?xml version="1.0" encoding="utf-8"?>
+<p:sld xmlns:a="http://schemas.openxmlformats.org/drawingml/2006/main" xmlns:r="http://schemas.openxmlformats.org/officeDocument/2006/relationships" xmlns:p="http://schemas.openxmlformats.org/presentationml/2006/main">
+  <p:cSld>
+    <p:spTree>
+      <p:nvGrpSpPr>
+        <p:cNvPr id="1" name=""/>
+        <p:cNvGrpSpPr/>
+        <p:nvPr/>
+      </p:nvGrpSpPr>
+      <p:grpSpPr>
+        <a:xfrm>
+          <a:off x="0" y="0"/>
+          <a:ext cx="0" cy="0"/>
+          <a:chOff x="0" y="0"/>
+          <a:chExt cx="0" cy="0"/>
+        </a:xfrm>
+      </p:grpSpPr>
+      <p:sp>
+        <p:nvSpPr>
+          <p:cNvPr id="4" name="Rectangle 3"/>
+          <p:cNvSpPr/>
+          <p:nvPr/>
+        </p:nvSpPr>
+        <p:spPr>
+          <a:xfrm>
             <a:off x="268544" y="209121"/>
             <a:ext cx="5347939" cy="646331"/>
           </a:xfrm>
@@ -10165,35 +10623,6 @@
           </a:prstGeom>
         </p:spPr>
       </p:pic>
-      <p:pic>
-        <p:nvPicPr>
-          <p:cNvPr id="3" name="Picture 2"/>
-          <p:cNvPicPr>
-            <a:picLocks noChangeAspect="1"/>
-          </p:cNvPicPr>
-          <p:nvPr/>
-        </p:nvPicPr>
-        <p:blipFill rotWithShape="1">
-          <a:blip r:embed="rId7" cstate="print">
-            <a:extLst>
-              <a:ext uri="{28A0092B-C50C-407E-A947-70E740481C1C}">
-                <a14:useLocalDpi xmlns:a14="http://schemas.microsoft.com/office/drawing/2010/main" val="0"/>
-              </a:ext>
-            </a:extLst>
-          </a:blip>
-          <a:srcRect b="8450"/>
-          <a:stretch/>
-        </p:blipFill>
-        <p:spPr>
-          <a:xfrm>
-            <a:off x="4323041" y="909559"/>
-            <a:ext cx="1898802" cy="1815611"/>
-          </a:xfrm>
-          <a:prstGeom prst="rect">
-            <a:avLst/>
-          </a:prstGeom>
-        </p:spPr>
-      </p:pic>
       <p:sp>
         <p:nvSpPr>
           <p:cNvPr id="8" name="Cross 7"/>
@@ -10326,6 +10755,36 @@
           </a:p>
         </p:txBody>
       </p:sp>
+      <p:pic>
+        <p:nvPicPr>
+          <p:cNvPr id="2" name="Picture 1"/>
+          <p:cNvPicPr>
+            <a:picLocks noChangeAspect="1"/>
+          </p:cNvPicPr>
+          <p:nvPr/>
+        </p:nvPicPr>
+        <p:blipFill>
+          <a:blip r:embed="rId7" cstate="print">
+            <a:extLst>
+              <a:ext uri="{28A0092B-C50C-407E-A947-70E740481C1C}">
+                <a14:useLocalDpi xmlns:a14="http://schemas.microsoft.com/office/drawing/2010/main" val="0"/>
+              </a:ext>
+            </a:extLst>
+          </a:blip>
+          <a:stretch>
+            <a:fillRect/>
+          </a:stretch>
+        </p:blipFill>
+        <p:spPr>
+          <a:xfrm>
+            <a:off x="4902095" y="1493627"/>
+            <a:ext cx="869795" cy="869795"/>
+          </a:xfrm>
+          <a:prstGeom prst="rect">
+            <a:avLst/>
+          </a:prstGeom>
+        </p:spPr>
+      </p:pic>
     </p:spTree>
     <p:extLst>
       <p:ext uri="{BB962C8B-B14F-4D97-AF65-F5344CB8AC3E}">
@@ -10468,469 +10927,6 @@
 </p:sld>
 </file>
 
-<file path=ppt/slides/slide18.xml><?xml version="1.0" encoding="utf-8"?>
-<p:sld xmlns:a="http://schemas.openxmlformats.org/drawingml/2006/main" xmlns:r="http://schemas.openxmlformats.org/officeDocument/2006/relationships" xmlns:p="http://schemas.openxmlformats.org/presentationml/2006/main">
-  <p:cSld>
-    <p:spTree>
-      <p:nvGrpSpPr>
-        <p:cNvPr id="1" name=""/>
-        <p:cNvGrpSpPr/>
-        <p:nvPr/>
-      </p:nvGrpSpPr>
-      <p:grpSpPr>
-        <a:xfrm>
-          <a:off x="0" y="0"/>
-          <a:ext cx="0" cy="0"/>
-          <a:chOff x="0" y="0"/>
-          <a:chExt cx="0" cy="0"/>
-        </a:xfrm>
-      </p:grpSpPr>
-      <p:sp>
-        <p:nvSpPr>
-          <p:cNvPr id="4" name="Rectangle 3"/>
-          <p:cNvSpPr/>
-          <p:nvPr/>
-        </p:nvSpPr>
-        <p:spPr>
-          <a:xfrm>
-            <a:off x="228231" y="180443"/>
-            <a:ext cx="5511444" cy="646331"/>
-          </a:xfrm>
-          <a:prstGeom prst="rect">
-            <a:avLst/>
-          </a:prstGeom>
-          <a:noFill/>
-        </p:spPr>
-        <p:txBody>
-          <a:bodyPr wrap="none" lIns="91440" tIns="45720" rIns="91440" bIns="45720">
-            <a:spAutoFit/>
-          </a:bodyPr>
-          <a:lstStyle/>
-          <a:p>
-            <a:pPr algn="ctr"/>
-            <a:r>
-              <a:rPr lang="en-US" sz="3600" dirty="0" smtClean="0">
-                <a:ln w="0"/>
-                <a:solidFill>
-                  <a:srgbClr val="0070C0"/>
-                </a:solidFill>
-                <a:effectLst>
-                  <a:outerShdw blurRad="38100" dist="25400" dir="5400000" algn="ctr" rotWithShape="0">
-                    <a:srgbClr val="6E747A">
-                      <a:alpha val="43000"/>
-                    </a:srgbClr>
-                  </a:outerShdw>
-                </a:effectLst>
-              </a:rPr>
-              <a:t>Manage meeting schedule</a:t>
-            </a:r>
-            <a:endParaRPr lang="en-US" sz="3600" dirty="0">
-              <a:ln w="0"/>
-              <a:solidFill>
-                <a:srgbClr val="0070C0"/>
-              </a:solidFill>
-              <a:effectLst>
-                <a:outerShdw blurRad="38100" dist="25400" dir="5400000" algn="ctr" rotWithShape="0">
-                  <a:srgbClr val="6E747A">
-                    <a:alpha val="43000"/>
-                  </a:srgbClr>
-                </a:outerShdw>
-              </a:effectLst>
-            </a:endParaRPr>
-          </a:p>
-        </p:txBody>
-      </p:sp>
-      <p:pic>
-        <p:nvPicPr>
-          <p:cNvPr id="14" name="Picture 13"/>
-          <p:cNvPicPr>
-            <a:picLocks noChangeAspect="1"/>
-          </p:cNvPicPr>
-          <p:nvPr/>
-        </p:nvPicPr>
-        <p:blipFill>
-          <a:blip r:embed="rId3">
-            <a:extLst>
-              <a:ext uri="{28A0092B-C50C-407E-A947-70E740481C1C}">
-                <a14:useLocalDpi xmlns:a14="http://schemas.microsoft.com/office/drawing/2010/main" val="0"/>
-              </a:ext>
-            </a:extLst>
-          </a:blip>
-          <a:stretch>
-            <a:fillRect/>
-          </a:stretch>
-        </p:blipFill>
-        <p:spPr>
-          <a:xfrm>
-            <a:off x="874510" y="2498493"/>
-            <a:ext cx="1572901" cy="1490689"/>
-          </a:xfrm>
-          <a:prstGeom prst="rect">
-            <a:avLst/>
-          </a:prstGeom>
-        </p:spPr>
-      </p:pic>
-      <p:pic>
-        <p:nvPicPr>
-          <p:cNvPr id="15" name="Picture 14"/>
-          <p:cNvPicPr>
-            <a:picLocks noChangeAspect="1"/>
-          </p:cNvPicPr>
-          <p:nvPr/>
-        </p:nvPicPr>
-        <p:blipFill>
-          <a:blip r:embed="rId4" cstate="print">
-            <a:extLst>
-              <a:ext uri="{28A0092B-C50C-407E-A947-70E740481C1C}">
-                <a14:useLocalDpi xmlns:a14="http://schemas.microsoft.com/office/drawing/2010/main" val="0"/>
-              </a:ext>
-            </a:extLst>
-          </a:blip>
-          <a:stretch>
-            <a:fillRect/>
-          </a:stretch>
-        </p:blipFill>
-        <p:spPr>
-          <a:xfrm>
-            <a:off x="4339837" y="2363422"/>
-            <a:ext cx="1865210" cy="1777264"/>
-          </a:xfrm>
-          <a:prstGeom prst="rect">
-            <a:avLst/>
-          </a:prstGeom>
-        </p:spPr>
-      </p:pic>
-      <p:pic>
-        <p:nvPicPr>
-          <p:cNvPr id="16" name="Picture 15"/>
-          <p:cNvPicPr>
-            <a:picLocks noChangeAspect="1"/>
-          </p:cNvPicPr>
-          <p:nvPr/>
-        </p:nvPicPr>
-        <p:blipFill>
-          <a:blip r:embed="rId5" cstate="print">
-            <a:extLst>
-              <a:ext uri="{28A0092B-C50C-407E-A947-70E740481C1C}">
-                <a14:useLocalDpi xmlns:a14="http://schemas.microsoft.com/office/drawing/2010/main" val="0"/>
-              </a:ext>
-            </a:extLst>
-          </a:blip>
-          <a:stretch>
-            <a:fillRect/>
-          </a:stretch>
-        </p:blipFill>
-        <p:spPr>
-          <a:xfrm>
-            <a:off x="8004607" y="2376929"/>
-            <a:ext cx="1611180" cy="1745841"/>
-          </a:xfrm>
-          <a:prstGeom prst="rect">
-            <a:avLst/>
-          </a:prstGeom>
-        </p:spPr>
-      </p:pic>
-      <p:cxnSp>
-        <p:nvCxnSpPr>
-          <p:cNvPr id="17" name="Straight Arrow Connector 16"/>
-          <p:cNvCxnSpPr/>
-          <p:nvPr/>
-        </p:nvCxnSpPr>
-        <p:spPr>
-          <a:xfrm>
-            <a:off x="2607174" y="3106308"/>
-            <a:ext cx="1452266" cy="0"/>
-          </a:xfrm>
-          <a:prstGeom prst="straightConnector1">
-            <a:avLst/>
-          </a:prstGeom>
-          <a:ln>
-            <a:tailEnd type="triangle"/>
-          </a:ln>
-        </p:spPr>
-        <p:style>
-          <a:lnRef idx="1">
-            <a:schemeClr val="accent1"/>
-          </a:lnRef>
-          <a:fillRef idx="0">
-            <a:schemeClr val="accent1"/>
-          </a:fillRef>
-          <a:effectRef idx="0">
-            <a:schemeClr val="accent1"/>
-          </a:effectRef>
-          <a:fontRef idx="minor">
-            <a:schemeClr val="tx1"/>
-          </a:fontRef>
-        </p:style>
-      </p:cxnSp>
-      <p:cxnSp>
-        <p:nvCxnSpPr>
-          <p:cNvPr id="18" name="Straight Arrow Connector 17"/>
-          <p:cNvCxnSpPr/>
-          <p:nvPr/>
-        </p:nvCxnSpPr>
-        <p:spPr>
-          <a:xfrm>
-            <a:off x="6521248" y="3146830"/>
-            <a:ext cx="1453411" cy="0"/>
-          </a:xfrm>
-          <a:prstGeom prst="straightConnector1">
-            <a:avLst/>
-          </a:prstGeom>
-          <a:ln>
-            <a:tailEnd type="triangle"/>
-          </a:ln>
-        </p:spPr>
-        <p:style>
-          <a:lnRef idx="1">
-            <a:schemeClr val="accent1"/>
-          </a:lnRef>
-          <a:fillRef idx="0">
-            <a:schemeClr val="accent1"/>
-          </a:fillRef>
-          <a:effectRef idx="0">
-            <a:schemeClr val="accent1"/>
-          </a:effectRef>
-          <a:fontRef idx="minor">
-            <a:schemeClr val="tx1"/>
-          </a:fontRef>
-        </p:style>
-      </p:cxnSp>
-      <p:cxnSp>
-        <p:nvCxnSpPr>
-          <p:cNvPr id="19" name="Straight Arrow Connector 18"/>
-          <p:cNvCxnSpPr/>
-          <p:nvPr/>
-        </p:nvCxnSpPr>
-        <p:spPr>
-          <a:xfrm flipH="1">
-            <a:off x="6485444" y="3520966"/>
-            <a:ext cx="1489214" cy="5627"/>
-          </a:xfrm>
-          <a:prstGeom prst="straightConnector1">
-            <a:avLst/>
-          </a:prstGeom>
-          <a:ln>
-            <a:tailEnd type="triangle"/>
-          </a:ln>
-        </p:spPr>
-        <p:style>
-          <a:lnRef idx="1">
-            <a:schemeClr val="accent1"/>
-          </a:lnRef>
-          <a:fillRef idx="0">
-            <a:schemeClr val="accent1"/>
-          </a:fillRef>
-          <a:effectRef idx="0">
-            <a:schemeClr val="accent1"/>
-          </a:effectRef>
-          <a:fontRef idx="minor">
-            <a:schemeClr val="tx1"/>
-          </a:fontRef>
-        </p:style>
-      </p:cxnSp>
-      <p:cxnSp>
-        <p:nvCxnSpPr>
-          <p:cNvPr id="20" name="Straight Arrow Connector 19"/>
-          <p:cNvCxnSpPr/>
-          <p:nvPr/>
-        </p:nvCxnSpPr>
-        <p:spPr>
-          <a:xfrm>
-            <a:off x="5287193" y="4321943"/>
-            <a:ext cx="12465" cy="1215633"/>
-          </a:xfrm>
-          <a:prstGeom prst="straightConnector1">
-            <a:avLst/>
-          </a:prstGeom>
-          <a:ln>
-            <a:tailEnd type="triangle"/>
-          </a:ln>
-        </p:spPr>
-        <p:style>
-          <a:lnRef idx="1">
-            <a:schemeClr val="accent1"/>
-          </a:lnRef>
-          <a:fillRef idx="0">
-            <a:schemeClr val="accent1"/>
-          </a:fillRef>
-          <a:effectRef idx="0">
-            <a:schemeClr val="accent1"/>
-          </a:effectRef>
-          <a:fontRef idx="minor">
-            <a:schemeClr val="tx1"/>
-          </a:fontRef>
-        </p:style>
-      </p:cxnSp>
-      <p:pic>
-        <p:nvPicPr>
-          <p:cNvPr id="21" name="Picture 20"/>
-          <p:cNvPicPr>
-            <a:picLocks noChangeAspect="1"/>
-          </p:cNvPicPr>
-          <p:nvPr/>
-        </p:nvPicPr>
-        <p:blipFill rotWithShape="1">
-          <a:blip r:embed="rId6" cstate="print">
-            <a:extLst>
-              <a:ext uri="{28A0092B-C50C-407E-A947-70E740481C1C}">
-                <a14:useLocalDpi xmlns:a14="http://schemas.microsoft.com/office/drawing/2010/main" val="0"/>
-              </a:ext>
-            </a:extLst>
-          </a:blip>
-          <a:srcRect l="12907" t="33650" r="13175" b="19732"/>
-          <a:stretch/>
-        </p:blipFill>
-        <p:spPr>
-          <a:xfrm>
-            <a:off x="4676398" y="5672647"/>
-            <a:ext cx="1321190" cy="950220"/>
-          </a:xfrm>
-          <a:prstGeom prst="rect">
-            <a:avLst/>
-          </a:prstGeom>
-        </p:spPr>
-      </p:pic>
-      <p:pic>
-        <p:nvPicPr>
-          <p:cNvPr id="2" name="Picture 1"/>
-          <p:cNvPicPr>
-            <a:picLocks noChangeAspect="1"/>
-          </p:cNvPicPr>
-          <p:nvPr/>
-        </p:nvPicPr>
-        <p:blipFill>
-          <a:blip r:embed="rId7">
-            <a:extLst>
-              <a:ext uri="{28A0092B-C50C-407E-A947-70E740481C1C}">
-                <a14:useLocalDpi xmlns:a14="http://schemas.microsoft.com/office/drawing/2010/main" val="0"/>
-              </a:ext>
-            </a:extLst>
-          </a:blip>
-          <a:stretch>
-            <a:fillRect/>
-          </a:stretch>
-        </p:blipFill>
-        <p:spPr>
-          <a:xfrm>
-            <a:off x="4647040" y="1506891"/>
-            <a:ext cx="1350548" cy="1350548"/>
-          </a:xfrm>
-          <a:prstGeom prst="rect">
-            <a:avLst/>
-          </a:prstGeom>
-        </p:spPr>
-      </p:pic>
-      <p:sp>
-        <p:nvSpPr>
-          <p:cNvPr id="12" name="TextBox 11"/>
-          <p:cNvSpPr txBox="1"/>
-          <p:nvPr/>
-        </p:nvSpPr>
-        <p:spPr>
-          <a:xfrm>
-            <a:off x="1084978" y="3980068"/>
-            <a:ext cx="1952753" cy="369332"/>
-          </a:xfrm>
-          <a:prstGeom prst="rect">
-            <a:avLst/>
-          </a:prstGeom>
-          <a:noFill/>
-        </p:spPr>
-        <p:txBody>
-          <a:bodyPr wrap="square" rtlCol="0">
-            <a:spAutoFit/>
-          </a:bodyPr>
-          <a:lstStyle/>
-          <a:p>
-            <a:r>
-              <a:rPr lang="en-US" dirty="0" smtClean="0"/>
-              <a:t>Scheduler</a:t>
-            </a:r>
-            <a:endParaRPr lang="en-US" dirty="0"/>
-          </a:p>
-        </p:txBody>
-      </p:sp>
-      <p:sp>
-        <p:nvSpPr>
-          <p:cNvPr id="13" name="TextBox 12"/>
-          <p:cNvSpPr txBox="1"/>
-          <p:nvPr/>
-        </p:nvSpPr>
-        <p:spPr>
-          <a:xfrm>
-            <a:off x="8352911" y="3938104"/>
-            <a:ext cx="1232453" cy="369332"/>
-          </a:xfrm>
-          <a:prstGeom prst="rect">
-            <a:avLst/>
-          </a:prstGeom>
-          <a:noFill/>
-        </p:spPr>
-        <p:txBody>
-          <a:bodyPr wrap="square" rtlCol="0">
-            <a:spAutoFit/>
-          </a:bodyPr>
-          <a:lstStyle/>
-          <a:p>
-            <a:r>
-              <a:rPr lang="en-US" dirty="0" smtClean="0"/>
-              <a:t>Manager</a:t>
-            </a:r>
-            <a:endParaRPr lang="en-US" dirty="0"/>
-          </a:p>
-        </p:txBody>
-      </p:sp>
-      <p:sp>
-        <p:nvSpPr>
-          <p:cNvPr id="22" name="TextBox 21"/>
-          <p:cNvSpPr txBox="1"/>
-          <p:nvPr/>
-        </p:nvSpPr>
-        <p:spPr>
-          <a:xfrm>
-            <a:off x="6075866" y="6008187"/>
-            <a:ext cx="1751399" cy="369332"/>
-          </a:xfrm>
-          <a:prstGeom prst="rect">
-            <a:avLst/>
-          </a:prstGeom>
-          <a:noFill/>
-        </p:spPr>
-        <p:txBody>
-          <a:bodyPr wrap="square" rtlCol="0">
-            <a:spAutoFit/>
-          </a:bodyPr>
-          <a:lstStyle/>
-          <a:p>
-            <a:r>
-              <a:rPr lang="en-US" dirty="0" smtClean="0"/>
-              <a:t>User</a:t>
-            </a:r>
-            <a:endParaRPr lang="en-US" dirty="0"/>
-          </a:p>
-        </p:txBody>
-      </p:sp>
-    </p:spTree>
-    <p:extLst>
-      <p:ext uri="{BB962C8B-B14F-4D97-AF65-F5344CB8AC3E}">
-        <p14:creationId xmlns:p14="http://schemas.microsoft.com/office/powerpoint/2010/main" val="2682213829"/>
-      </p:ext>
-    </p:extLst>
-  </p:cSld>
-  <p:clrMapOvr>
-    <a:masterClrMapping/>
-  </p:clrMapOvr>
-  <p:timing>
-    <p:tnLst>
-      <p:par>
-        <p:cTn id="1" dur="indefinite" restart="never" nodeType="tmRoot"/>
-      </p:par>
-    </p:tnLst>
-  </p:timing>
-</p:sld>
-</file>
-
 <file path=ppt/slides/slide19.xml><?xml version="1.0" encoding="utf-8"?>
 <p:sld xmlns:a="http://schemas.openxmlformats.org/drawingml/2006/main" xmlns:r="http://schemas.openxmlformats.org/officeDocument/2006/relationships" xmlns:p="http://schemas.openxmlformats.org/presentationml/2006/main">
   <p:cSld>
@@ -11005,14 +11001,14 @@
       </p:sp>
       <p:pic>
         <p:nvPicPr>
-          <p:cNvPr id="5" name="Picture 4"/>
+          <p:cNvPr id="6" name="Picture 5"/>
           <p:cNvPicPr>
             <a:picLocks noChangeAspect="1"/>
           </p:cNvPicPr>
           <p:nvPr/>
         </p:nvPicPr>
         <p:blipFill>
-          <a:blip r:embed="rId2">
+          <a:blip r:embed="rId2" cstate="print">
             <a:extLst>
               <a:ext uri="{28A0092B-C50C-407E-A947-70E740481C1C}">
                 <a14:useLocalDpi xmlns:a14="http://schemas.microsoft.com/office/drawing/2010/main" val="0"/>
@@ -11025,8 +11021,8 @@
         </p:blipFill>
         <p:spPr>
           <a:xfrm>
-            <a:off x="874510" y="2498493"/>
-            <a:ext cx="1572901" cy="1490689"/>
+            <a:off x="4583756" y="2347709"/>
+            <a:ext cx="1865210" cy="1777264"/>
           </a:xfrm>
           <a:prstGeom prst="rect">
             <a:avLst/>
@@ -11035,7 +11031,7 @@
       </p:pic>
       <p:pic>
         <p:nvPicPr>
-          <p:cNvPr id="6" name="Picture 5"/>
+          <p:cNvPr id="7" name="Picture 6"/>
           <p:cNvPicPr>
             <a:picLocks noChangeAspect="1"/>
           </p:cNvPicPr>
@@ -11055,153 +11051,27 @@
         </p:blipFill>
         <p:spPr>
           <a:xfrm>
-            <a:off x="4339837" y="2363422"/>
-            <a:ext cx="1865210" cy="1777264"/>
+            <a:off x="1156250" y="2363421"/>
+            <a:ext cx="1611180" cy="1745841"/>
           </a:xfrm>
           <a:prstGeom prst="rect">
             <a:avLst/>
           </a:prstGeom>
         </p:spPr>
       </p:pic>
-      <p:pic>
-        <p:nvPicPr>
-          <p:cNvPr id="7" name="Picture 6"/>
-          <p:cNvPicPr>
-            <a:picLocks noChangeAspect="1"/>
-          </p:cNvPicPr>
-          <p:nvPr/>
-        </p:nvPicPr>
-        <p:blipFill>
-          <a:blip r:embed="rId4" cstate="print">
-            <a:extLst>
-              <a:ext uri="{28A0092B-C50C-407E-A947-70E740481C1C}">
-                <a14:useLocalDpi xmlns:a14="http://schemas.microsoft.com/office/drawing/2010/main" val="0"/>
-              </a:ext>
-            </a:extLst>
-          </a:blip>
-          <a:stretch>
-            <a:fillRect/>
-          </a:stretch>
-        </p:blipFill>
-        <p:spPr>
-          <a:xfrm>
-            <a:off x="8004607" y="2376929"/>
-            <a:ext cx="1611180" cy="1745841"/>
-          </a:xfrm>
-          <a:prstGeom prst="rect">
-            <a:avLst/>
-          </a:prstGeom>
-        </p:spPr>
-      </p:pic>
-      <p:cxnSp>
-        <p:nvCxnSpPr>
-          <p:cNvPr id="8" name="Straight Arrow Connector 7"/>
-          <p:cNvCxnSpPr/>
-          <p:nvPr/>
-        </p:nvCxnSpPr>
-        <p:spPr>
-          <a:xfrm>
-            <a:off x="2607174" y="3106308"/>
-            <a:ext cx="1452266" cy="0"/>
-          </a:xfrm>
-          <a:prstGeom prst="straightConnector1">
-            <a:avLst/>
-          </a:prstGeom>
-          <a:ln>
-            <a:tailEnd type="triangle"/>
-          </a:ln>
-        </p:spPr>
-        <p:style>
-          <a:lnRef idx="1">
-            <a:schemeClr val="accent1"/>
-          </a:lnRef>
-          <a:fillRef idx="0">
-            <a:schemeClr val="accent1"/>
-          </a:fillRef>
-          <a:effectRef idx="0">
-            <a:schemeClr val="accent1"/>
-          </a:effectRef>
-          <a:fontRef idx="minor">
-            <a:schemeClr val="tx1"/>
-          </a:fontRef>
-        </p:style>
-      </p:cxnSp>
-      <p:cxnSp>
-        <p:nvCxnSpPr>
-          <p:cNvPr id="9" name="Straight Arrow Connector 8"/>
-          <p:cNvCxnSpPr/>
-          <p:nvPr/>
-        </p:nvCxnSpPr>
-        <p:spPr>
-          <a:xfrm>
-            <a:off x="6521248" y="3146830"/>
-            <a:ext cx="1453411" cy="0"/>
-          </a:xfrm>
-          <a:prstGeom prst="straightConnector1">
-            <a:avLst/>
-          </a:prstGeom>
-          <a:ln>
-            <a:tailEnd type="triangle"/>
-          </a:ln>
-        </p:spPr>
-        <p:style>
-          <a:lnRef idx="1">
-            <a:schemeClr val="accent1"/>
-          </a:lnRef>
-          <a:fillRef idx="0">
-            <a:schemeClr val="accent1"/>
-          </a:fillRef>
-          <a:effectRef idx="0">
-            <a:schemeClr val="accent1"/>
-          </a:effectRef>
-          <a:fontRef idx="minor">
-            <a:schemeClr val="tx1"/>
-          </a:fontRef>
-        </p:style>
-      </p:cxnSp>
-      <p:cxnSp>
-        <p:nvCxnSpPr>
-          <p:cNvPr id="10" name="Straight Arrow Connector 9"/>
-          <p:cNvCxnSpPr/>
-          <p:nvPr/>
-        </p:nvCxnSpPr>
-        <p:spPr>
-          <a:xfrm flipH="1">
-            <a:off x="6485444" y="3520966"/>
-            <a:ext cx="1489214" cy="5627"/>
-          </a:xfrm>
-          <a:prstGeom prst="straightConnector1">
-            <a:avLst/>
-          </a:prstGeom>
-          <a:ln>
-            <a:tailEnd type="triangle"/>
-          </a:ln>
-        </p:spPr>
-        <p:style>
-          <a:lnRef idx="1">
-            <a:schemeClr val="accent1"/>
-          </a:lnRef>
-          <a:fillRef idx="0">
-            <a:schemeClr val="accent1"/>
-          </a:fillRef>
-          <a:effectRef idx="0">
-            <a:schemeClr val="accent1"/>
-          </a:effectRef>
-          <a:fontRef idx="minor">
-            <a:schemeClr val="tx1"/>
-          </a:fontRef>
-        </p:style>
-      </p:cxnSp>
       <p:cxnSp>
         <p:nvCxnSpPr>
           <p:cNvPr id="11" name="Straight Arrow Connector 10"/>
-          <p:cNvCxnSpPr/>
+          <p:cNvCxnSpPr>
+            <a:stCxn id="6" idx="3"/>
+            <a:endCxn id="12" idx="1"/>
+          </p:cNvCxnSpPr>
           <p:nvPr/>
         </p:nvCxnSpPr>
         <p:spPr>
           <a:xfrm>
-            <a:off x="5287193" y="4321943"/>
-            <a:ext cx="12465" cy="1215633"/>
+            <a:off x="6448966" y="3236341"/>
+            <a:ext cx="1403802" cy="0"/>
           </a:xfrm>
           <a:prstGeom prst="straightConnector1">
             <a:avLst/>
@@ -11234,7 +11104,7 @@
           <p:nvPr/>
         </p:nvPicPr>
         <p:blipFill rotWithShape="1">
-          <a:blip r:embed="rId5" cstate="print">
+          <a:blip r:embed="rId4" cstate="print">
             <a:extLst>
               <a:ext uri="{28A0092B-C50C-407E-A947-70E740481C1C}">
                 <a14:useLocalDpi xmlns:a14="http://schemas.microsoft.com/office/drawing/2010/main" val="0"/>
@@ -11246,7 +11116,7 @@
         </p:blipFill>
         <p:spPr>
           <a:xfrm>
-            <a:off x="4676398" y="5672647"/>
+            <a:off x="7852768" y="2761231"/>
             <a:ext cx="1321190" cy="950220"/>
           </a:xfrm>
           <a:prstGeom prst="rect">
@@ -11263,7 +11133,7 @@
           <p:nvPr/>
         </p:nvPicPr>
         <p:blipFill>
-          <a:blip r:embed="rId6">
+          <a:blip r:embed="rId5" cstate="print">
             <a:extLst>
               <a:ext uri="{28A0092B-C50C-407E-A947-70E740481C1C}">
                 <a14:useLocalDpi xmlns:a14="http://schemas.microsoft.com/office/drawing/2010/main" val="0"/>
@@ -11276,8 +11146,8 @@
         </p:blipFill>
         <p:spPr>
           <a:xfrm>
-            <a:off x="4570771" y="1200319"/>
-            <a:ext cx="1532444" cy="1532444"/>
+            <a:off x="5120117" y="1409582"/>
+            <a:ext cx="953839" cy="953839"/>
           </a:xfrm>
           <a:prstGeom prst="rect">
             <a:avLst/>
@@ -11286,14 +11156,14 @@
       </p:pic>
       <p:sp>
         <p:nvSpPr>
-          <p:cNvPr id="13" name="TextBox 12"/>
+          <p:cNvPr id="15" name="TextBox 14"/>
           <p:cNvSpPr txBox="1"/>
           <p:nvPr/>
         </p:nvSpPr>
         <p:spPr>
           <a:xfrm>
-            <a:off x="1084978" y="3980068"/>
-            <a:ext cx="1952753" cy="369332"/>
+            <a:off x="1451886" y="4056307"/>
+            <a:ext cx="1232453" cy="369332"/>
           </a:xfrm>
           <a:prstGeom prst="rect">
             <a:avLst/>
@@ -11308,7 +11178,7 @@
           <a:p>
             <a:r>
               <a:rPr lang="en-US" dirty="0" smtClean="0"/>
-              <a:t>Scheduler</a:t>
+              <a:t>Manager</a:t>
             </a:r>
             <a:endParaRPr lang="en-US" dirty="0"/>
           </a:p>
@@ -11316,14 +11186,14 @@
       </p:sp>
       <p:sp>
         <p:nvSpPr>
-          <p:cNvPr id="15" name="TextBox 14"/>
+          <p:cNvPr id="16" name="TextBox 15"/>
           <p:cNvSpPr txBox="1"/>
           <p:nvPr/>
         </p:nvSpPr>
         <p:spPr>
           <a:xfrm>
-            <a:off x="8352911" y="3938104"/>
-            <a:ext cx="1232453" cy="369332"/>
+            <a:off x="8272755" y="3771353"/>
+            <a:ext cx="1751399" cy="369332"/>
           </a:xfrm>
           <a:prstGeom prst="rect">
             <a:avLst/>
@@ -11338,42 +11208,48 @@
           <a:p>
             <a:r>
               <a:rPr lang="en-US" dirty="0" smtClean="0"/>
-              <a:t>Manager</a:t>
+              <a:t>User</a:t>
             </a:r>
             <a:endParaRPr lang="en-US" dirty="0"/>
           </a:p>
         </p:txBody>
       </p:sp>
-      <p:sp>
-        <p:nvSpPr>
-          <p:cNvPr id="16" name="TextBox 15"/>
-          <p:cNvSpPr txBox="1"/>
+      <p:cxnSp>
+        <p:nvCxnSpPr>
+          <p:cNvPr id="3" name="Straight Arrow Connector 2"/>
+          <p:cNvCxnSpPr>
+            <a:stCxn id="7" idx="3"/>
+            <a:endCxn id="6" idx="1"/>
+          </p:cNvCxnSpPr>
           <p:nvPr/>
-        </p:nvSpPr>
-        <p:spPr>
-          <a:xfrm>
-            <a:off x="6075866" y="6008187"/>
-            <a:ext cx="1751399" cy="369332"/>
-          </a:xfrm>
-          <a:prstGeom prst="rect">
+        </p:nvCxnSpPr>
+        <p:spPr>
+          <a:xfrm flipV="1">
+            <a:off x="2767430" y="3236341"/>
+            <a:ext cx="1816326" cy="1"/>
+          </a:xfrm>
+          <a:prstGeom prst="straightConnector1">
             <a:avLst/>
           </a:prstGeom>
-          <a:noFill/>
-        </p:spPr>
-        <p:txBody>
-          <a:bodyPr wrap="square" rtlCol="0">
-            <a:spAutoFit/>
-          </a:bodyPr>
-          <a:lstStyle/>
-          <a:p>
-            <a:r>
-              <a:rPr lang="en-US" dirty="0" smtClean="0"/>
-              <a:t>User</a:t>
-            </a:r>
-            <a:endParaRPr lang="en-US" dirty="0"/>
-          </a:p>
-        </p:txBody>
-      </p:sp>
+          <a:ln>
+            <a:tailEnd type="triangle"/>
+          </a:ln>
+        </p:spPr>
+        <p:style>
+          <a:lnRef idx="1">
+            <a:schemeClr val="accent1"/>
+          </a:lnRef>
+          <a:fillRef idx="0">
+            <a:schemeClr val="accent1"/>
+          </a:fillRef>
+          <a:effectRef idx="0">
+            <a:schemeClr val="accent1"/>
+          </a:effectRef>
+          <a:fontRef idx="minor">
+            <a:schemeClr val="tx1"/>
+          </a:fontRef>
+        </p:style>
+      </p:cxnSp>
     </p:spTree>
     <p:extLst>
       <p:ext uri="{BB962C8B-B14F-4D97-AF65-F5344CB8AC3E}">

--- a/Hospital.pptx
+++ b/Hospital.pptx
@@ -225,7 +225,7 @@
           <a:p>
             <a:fld id="{CCE3AD31-3D96-47D2-AAC4-E324E5FFCB68}" type="datetimeFigureOut">
               <a:rPr lang="en-US" smtClean="0"/>
-              <a:t>02-05-2018</a:t>
+              <a:t>03-05-2018</a:t>
             </a:fld>
             <a:endParaRPr lang="en-US"/>
           </a:p>
@@ -577,6 +577,543 @@
 </p:notes>
 </file>
 
+<file path=ppt/notesSlides/notesSlide10.xml><?xml version="1.0" encoding="utf-8"?>
+<p:notes xmlns:a="http://schemas.openxmlformats.org/drawingml/2006/main" xmlns:r="http://schemas.openxmlformats.org/officeDocument/2006/relationships" xmlns:p="http://schemas.openxmlformats.org/presentationml/2006/main">
+  <p:cSld>
+    <p:spTree>
+      <p:nvGrpSpPr>
+        <p:cNvPr id="1" name=""/>
+        <p:cNvGrpSpPr/>
+        <p:nvPr/>
+      </p:nvGrpSpPr>
+      <p:grpSpPr>
+        <a:xfrm>
+          <a:off x="0" y="0"/>
+          <a:ext cx="0" cy="0"/>
+          <a:chOff x="0" y="0"/>
+          <a:chExt cx="0" cy="0"/>
+        </a:xfrm>
+      </p:grpSpPr>
+      <p:sp>
+        <p:nvSpPr>
+          <p:cNvPr id="2" name="Slide Image Placeholder 1"/>
+          <p:cNvSpPr>
+            <a:spLocks noGrp="1" noRot="1" noChangeAspect="1"/>
+          </p:cNvSpPr>
+          <p:nvPr>
+            <p:ph type="sldImg"/>
+          </p:nvPr>
+        </p:nvSpPr>
+        <p:spPr/>
+      </p:sp>
+      <p:sp>
+        <p:nvSpPr>
+          <p:cNvPr id="3" name="Notes Placeholder 2"/>
+          <p:cNvSpPr>
+            <a:spLocks noGrp="1"/>
+          </p:cNvSpPr>
+          <p:nvPr>
+            <p:ph type="body" idx="1"/>
+          </p:nvPr>
+        </p:nvSpPr>
+        <p:spPr/>
+        <p:txBody>
+          <a:bodyPr/>
+          <a:lstStyle/>
+          <a:p>
+            <a:endParaRPr lang="en-US" dirty="0"/>
+          </a:p>
+        </p:txBody>
+      </p:sp>
+      <p:sp>
+        <p:nvSpPr>
+          <p:cNvPr id="4" name="Slide Number Placeholder 3"/>
+          <p:cNvSpPr>
+            <a:spLocks noGrp="1"/>
+          </p:cNvSpPr>
+          <p:nvPr>
+            <p:ph type="sldNum" sz="quarter" idx="10"/>
+          </p:nvPr>
+        </p:nvSpPr>
+        <p:spPr/>
+        <p:txBody>
+          <a:bodyPr/>
+          <a:lstStyle/>
+          <a:p>
+            <a:fld id="{54650823-C9B1-4705-95A8-261A5EC2BEC4}" type="slidenum">
+              <a:rPr lang="en-US" smtClean="0"/>
+              <a:t>23</a:t>
+            </a:fld>
+            <a:endParaRPr lang="en-US"/>
+          </a:p>
+        </p:txBody>
+      </p:sp>
+    </p:spTree>
+    <p:extLst>
+      <p:ext uri="{BB962C8B-B14F-4D97-AF65-F5344CB8AC3E}">
+        <p14:creationId xmlns:p14="http://schemas.microsoft.com/office/powerpoint/2010/main" val="4179547674"/>
+      </p:ext>
+    </p:extLst>
+  </p:cSld>
+  <p:clrMapOvr>
+    <a:masterClrMapping/>
+  </p:clrMapOvr>
+</p:notes>
+</file>
+
+<file path=ppt/notesSlides/notesSlide11.xml><?xml version="1.0" encoding="utf-8"?>
+<p:notes xmlns:a="http://schemas.openxmlformats.org/drawingml/2006/main" xmlns:r="http://schemas.openxmlformats.org/officeDocument/2006/relationships" xmlns:p="http://schemas.openxmlformats.org/presentationml/2006/main">
+  <p:cSld>
+    <p:spTree>
+      <p:nvGrpSpPr>
+        <p:cNvPr id="1" name=""/>
+        <p:cNvGrpSpPr/>
+        <p:nvPr/>
+      </p:nvGrpSpPr>
+      <p:grpSpPr>
+        <a:xfrm>
+          <a:off x="0" y="0"/>
+          <a:ext cx="0" cy="0"/>
+          <a:chOff x="0" y="0"/>
+          <a:chExt cx="0" cy="0"/>
+        </a:xfrm>
+      </p:grpSpPr>
+      <p:sp>
+        <p:nvSpPr>
+          <p:cNvPr id="2" name="Slide Image Placeholder 1"/>
+          <p:cNvSpPr>
+            <a:spLocks noGrp="1" noRot="1" noChangeAspect="1"/>
+          </p:cNvSpPr>
+          <p:nvPr>
+            <p:ph type="sldImg"/>
+          </p:nvPr>
+        </p:nvSpPr>
+        <p:spPr/>
+      </p:sp>
+      <p:sp>
+        <p:nvSpPr>
+          <p:cNvPr id="3" name="Notes Placeholder 2"/>
+          <p:cNvSpPr>
+            <a:spLocks noGrp="1"/>
+          </p:cNvSpPr>
+          <p:nvPr>
+            <p:ph type="body" idx="1"/>
+          </p:nvPr>
+        </p:nvSpPr>
+        <p:spPr/>
+        <p:txBody>
+          <a:bodyPr/>
+          <a:lstStyle/>
+          <a:p>
+            <a:r>
+              <a:rPr lang="vi-VN" dirty="0" smtClean="0"/>
+              <a:t>Kết hợp thủ tục quản lý bệnh viện và cổng thông tin. Ứng dụng có thể được truy cập qua internet</a:t>
+            </a:r>
+          </a:p>
+          <a:p>
+            <a:r>
+              <a:rPr lang="vi-VN" dirty="0" smtClean="0"/>
+              <a:t>Độ chính xác và tức thời.</a:t>
+            </a:r>
+          </a:p>
+          <a:p>
+            <a:r>
+              <a:rPr lang="vi-VN" dirty="0" smtClean="0"/>
+              <a:t>Đồng bộ hóa và tự động hóa, giảm thủ tục hành chính và nguồn nhân lực.</a:t>
+            </a:r>
+            <a:endParaRPr lang="en-US" dirty="0" smtClean="0"/>
+          </a:p>
+          <a:p>
+            <a:r>
+              <a:rPr lang="en-US" dirty="0" smtClean="0"/>
+              <a:t>Web service +SMS</a:t>
+            </a:r>
+          </a:p>
+          <a:p>
+            <a:r>
+              <a:rPr lang="en-US" dirty="0" err="1" smtClean="0"/>
+              <a:t>Tren</a:t>
+            </a:r>
+            <a:r>
+              <a:rPr lang="en-US" baseline="0" dirty="0" smtClean="0"/>
+              <a:t> mobile</a:t>
+            </a:r>
+            <a:endParaRPr lang="en-US" dirty="0"/>
+          </a:p>
+        </p:txBody>
+      </p:sp>
+      <p:sp>
+        <p:nvSpPr>
+          <p:cNvPr id="4" name="Slide Number Placeholder 3"/>
+          <p:cNvSpPr>
+            <a:spLocks noGrp="1"/>
+          </p:cNvSpPr>
+          <p:nvPr>
+            <p:ph type="sldNum" sz="quarter" idx="10"/>
+          </p:nvPr>
+        </p:nvSpPr>
+        <p:spPr/>
+        <p:txBody>
+          <a:bodyPr/>
+          <a:lstStyle/>
+          <a:p>
+            <a:fld id="{54650823-C9B1-4705-95A8-261A5EC2BEC4}" type="slidenum">
+              <a:rPr lang="en-US" smtClean="0"/>
+              <a:t>24</a:t>
+            </a:fld>
+            <a:endParaRPr lang="en-US"/>
+          </a:p>
+        </p:txBody>
+      </p:sp>
+    </p:spTree>
+    <p:extLst>
+      <p:ext uri="{BB962C8B-B14F-4D97-AF65-F5344CB8AC3E}">
+        <p14:creationId xmlns:p14="http://schemas.microsoft.com/office/powerpoint/2010/main" val="998169022"/>
+      </p:ext>
+    </p:extLst>
+  </p:cSld>
+  <p:clrMapOvr>
+    <a:masterClrMapping/>
+  </p:clrMapOvr>
+</p:notes>
+</file>
+
+<file path=ppt/notesSlides/notesSlide12.xml><?xml version="1.0" encoding="utf-8"?>
+<p:notes xmlns:a="http://schemas.openxmlformats.org/drawingml/2006/main" xmlns:r="http://schemas.openxmlformats.org/officeDocument/2006/relationships" xmlns:p="http://schemas.openxmlformats.org/presentationml/2006/main">
+  <p:cSld>
+    <p:spTree>
+      <p:nvGrpSpPr>
+        <p:cNvPr id="1" name=""/>
+        <p:cNvGrpSpPr/>
+        <p:nvPr/>
+      </p:nvGrpSpPr>
+      <p:grpSpPr>
+        <a:xfrm>
+          <a:off x="0" y="0"/>
+          <a:ext cx="0" cy="0"/>
+          <a:chOff x="0" y="0"/>
+          <a:chExt cx="0" cy="0"/>
+        </a:xfrm>
+      </p:grpSpPr>
+      <p:sp>
+        <p:nvSpPr>
+          <p:cNvPr id="2" name="Slide Image Placeholder 1"/>
+          <p:cNvSpPr>
+            <a:spLocks noGrp="1" noRot="1" noChangeAspect="1"/>
+          </p:cNvSpPr>
+          <p:nvPr>
+            <p:ph type="sldImg"/>
+          </p:nvPr>
+        </p:nvSpPr>
+        <p:spPr/>
+      </p:sp>
+      <p:sp>
+        <p:nvSpPr>
+          <p:cNvPr id="3" name="Notes Placeholder 2"/>
+          <p:cNvSpPr>
+            <a:spLocks noGrp="1"/>
+          </p:cNvSpPr>
+          <p:nvPr>
+            <p:ph type="body" idx="1"/>
+          </p:nvPr>
+        </p:nvSpPr>
+        <p:spPr/>
+        <p:txBody>
+          <a:bodyPr/>
+          <a:lstStyle/>
+          <a:p>
+            <a:endParaRPr lang="en-US" dirty="0"/>
+          </a:p>
+        </p:txBody>
+      </p:sp>
+      <p:sp>
+        <p:nvSpPr>
+          <p:cNvPr id="4" name="Slide Number Placeholder 3"/>
+          <p:cNvSpPr>
+            <a:spLocks noGrp="1"/>
+          </p:cNvSpPr>
+          <p:nvPr>
+            <p:ph type="sldNum" sz="quarter" idx="10"/>
+          </p:nvPr>
+        </p:nvSpPr>
+        <p:spPr/>
+        <p:txBody>
+          <a:bodyPr/>
+          <a:lstStyle/>
+          <a:p>
+            <a:fld id="{54650823-C9B1-4705-95A8-261A5EC2BEC4}" type="slidenum">
+              <a:rPr lang="en-US" smtClean="0"/>
+              <a:t>26</a:t>
+            </a:fld>
+            <a:endParaRPr lang="en-US"/>
+          </a:p>
+        </p:txBody>
+      </p:sp>
+    </p:spTree>
+    <p:extLst>
+      <p:ext uri="{BB962C8B-B14F-4D97-AF65-F5344CB8AC3E}">
+        <p14:creationId xmlns:p14="http://schemas.microsoft.com/office/powerpoint/2010/main" val="1676921890"/>
+      </p:ext>
+    </p:extLst>
+  </p:cSld>
+  <p:clrMapOvr>
+    <a:masterClrMapping/>
+  </p:clrMapOvr>
+</p:notes>
+</file>
+
+<file path=ppt/notesSlides/notesSlide13.xml><?xml version="1.0" encoding="utf-8"?>
+<p:notes xmlns:a="http://schemas.openxmlformats.org/drawingml/2006/main" xmlns:r="http://schemas.openxmlformats.org/officeDocument/2006/relationships" xmlns:p="http://schemas.openxmlformats.org/presentationml/2006/main">
+  <p:cSld>
+    <p:spTree>
+      <p:nvGrpSpPr>
+        <p:cNvPr id="1" name=""/>
+        <p:cNvGrpSpPr/>
+        <p:nvPr/>
+      </p:nvGrpSpPr>
+      <p:grpSpPr>
+        <a:xfrm>
+          <a:off x="0" y="0"/>
+          <a:ext cx="0" cy="0"/>
+          <a:chOff x="0" y="0"/>
+          <a:chExt cx="0" cy="0"/>
+        </a:xfrm>
+      </p:grpSpPr>
+      <p:sp>
+        <p:nvSpPr>
+          <p:cNvPr id="2" name="Slide Image Placeholder 1"/>
+          <p:cNvSpPr>
+            <a:spLocks noGrp="1" noRot="1" noChangeAspect="1"/>
+          </p:cNvSpPr>
+          <p:nvPr>
+            <p:ph type="sldImg"/>
+          </p:nvPr>
+        </p:nvSpPr>
+        <p:spPr/>
+      </p:sp>
+      <p:sp>
+        <p:nvSpPr>
+          <p:cNvPr id="3" name="Notes Placeholder 2"/>
+          <p:cNvSpPr>
+            <a:spLocks noGrp="1"/>
+          </p:cNvSpPr>
+          <p:nvPr>
+            <p:ph type="body" idx="1"/>
+          </p:nvPr>
+        </p:nvSpPr>
+        <p:spPr/>
+        <p:txBody>
+          <a:bodyPr/>
+          <a:lstStyle/>
+          <a:p>
+            <a:endParaRPr lang="en-US" dirty="0"/>
+          </a:p>
+        </p:txBody>
+      </p:sp>
+      <p:sp>
+        <p:nvSpPr>
+          <p:cNvPr id="4" name="Slide Number Placeholder 3"/>
+          <p:cNvSpPr>
+            <a:spLocks noGrp="1"/>
+          </p:cNvSpPr>
+          <p:nvPr>
+            <p:ph type="sldNum" sz="quarter" idx="10"/>
+          </p:nvPr>
+        </p:nvSpPr>
+        <p:spPr/>
+        <p:txBody>
+          <a:bodyPr/>
+          <a:lstStyle/>
+          <a:p>
+            <a:fld id="{54650823-C9B1-4705-95A8-261A5EC2BEC4}" type="slidenum">
+              <a:rPr lang="en-US" smtClean="0"/>
+              <a:t>27</a:t>
+            </a:fld>
+            <a:endParaRPr lang="en-US"/>
+          </a:p>
+        </p:txBody>
+      </p:sp>
+    </p:spTree>
+    <p:extLst>
+      <p:ext uri="{BB962C8B-B14F-4D97-AF65-F5344CB8AC3E}">
+        <p14:creationId xmlns:p14="http://schemas.microsoft.com/office/powerpoint/2010/main" val="1391945150"/>
+      </p:ext>
+    </p:extLst>
+  </p:cSld>
+  <p:clrMapOvr>
+    <a:masterClrMapping/>
+  </p:clrMapOvr>
+</p:notes>
+</file>
+
+<file path=ppt/notesSlides/notesSlide14.xml><?xml version="1.0" encoding="utf-8"?>
+<p:notes xmlns:a="http://schemas.openxmlformats.org/drawingml/2006/main" xmlns:r="http://schemas.openxmlformats.org/officeDocument/2006/relationships" xmlns:p="http://schemas.openxmlformats.org/presentationml/2006/main">
+  <p:cSld>
+    <p:spTree>
+      <p:nvGrpSpPr>
+        <p:cNvPr id="1" name=""/>
+        <p:cNvGrpSpPr/>
+        <p:nvPr/>
+      </p:nvGrpSpPr>
+      <p:grpSpPr>
+        <a:xfrm>
+          <a:off x="0" y="0"/>
+          <a:ext cx="0" cy="0"/>
+          <a:chOff x="0" y="0"/>
+          <a:chExt cx="0" cy="0"/>
+        </a:xfrm>
+      </p:grpSpPr>
+      <p:sp>
+        <p:nvSpPr>
+          <p:cNvPr id="2" name="Slide Image Placeholder 1"/>
+          <p:cNvSpPr>
+            <a:spLocks noGrp="1" noRot="1" noChangeAspect="1"/>
+          </p:cNvSpPr>
+          <p:nvPr>
+            <p:ph type="sldImg"/>
+          </p:nvPr>
+        </p:nvSpPr>
+        <p:spPr/>
+      </p:sp>
+      <p:sp>
+        <p:nvSpPr>
+          <p:cNvPr id="3" name="Notes Placeholder 2"/>
+          <p:cNvSpPr>
+            <a:spLocks noGrp="1"/>
+          </p:cNvSpPr>
+          <p:nvPr>
+            <p:ph type="body" idx="1"/>
+          </p:nvPr>
+        </p:nvSpPr>
+        <p:spPr/>
+        <p:txBody>
+          <a:bodyPr/>
+          <a:lstStyle/>
+          <a:p>
+            <a:endParaRPr lang="en-US" dirty="0"/>
+          </a:p>
+        </p:txBody>
+      </p:sp>
+      <p:sp>
+        <p:nvSpPr>
+          <p:cNvPr id="4" name="Slide Number Placeholder 3"/>
+          <p:cNvSpPr>
+            <a:spLocks noGrp="1"/>
+          </p:cNvSpPr>
+          <p:nvPr>
+            <p:ph type="sldNum" sz="quarter" idx="10"/>
+          </p:nvPr>
+        </p:nvSpPr>
+        <p:spPr/>
+        <p:txBody>
+          <a:bodyPr/>
+          <a:lstStyle/>
+          <a:p>
+            <a:fld id="{54650823-C9B1-4705-95A8-261A5EC2BEC4}" type="slidenum">
+              <a:rPr lang="en-US" smtClean="0"/>
+              <a:t>28</a:t>
+            </a:fld>
+            <a:endParaRPr lang="en-US"/>
+          </a:p>
+        </p:txBody>
+      </p:sp>
+    </p:spTree>
+    <p:extLst>
+      <p:ext uri="{BB962C8B-B14F-4D97-AF65-F5344CB8AC3E}">
+        <p14:creationId xmlns:p14="http://schemas.microsoft.com/office/powerpoint/2010/main" val="3885272868"/>
+      </p:ext>
+    </p:extLst>
+  </p:cSld>
+  <p:clrMapOvr>
+    <a:masterClrMapping/>
+  </p:clrMapOvr>
+</p:notes>
+</file>
+
+<file path=ppt/notesSlides/notesSlide15.xml><?xml version="1.0" encoding="utf-8"?>
+<p:notes xmlns:a="http://schemas.openxmlformats.org/drawingml/2006/main" xmlns:r="http://schemas.openxmlformats.org/officeDocument/2006/relationships" xmlns:p="http://schemas.openxmlformats.org/presentationml/2006/main">
+  <p:cSld>
+    <p:spTree>
+      <p:nvGrpSpPr>
+        <p:cNvPr id="1" name=""/>
+        <p:cNvGrpSpPr/>
+        <p:nvPr/>
+      </p:nvGrpSpPr>
+      <p:grpSpPr>
+        <a:xfrm>
+          <a:off x="0" y="0"/>
+          <a:ext cx="0" cy="0"/>
+          <a:chOff x="0" y="0"/>
+          <a:chExt cx="0" cy="0"/>
+        </a:xfrm>
+      </p:grpSpPr>
+      <p:sp>
+        <p:nvSpPr>
+          <p:cNvPr id="2" name="Slide Image Placeholder 1"/>
+          <p:cNvSpPr>
+            <a:spLocks noGrp="1" noRot="1" noChangeAspect="1"/>
+          </p:cNvSpPr>
+          <p:nvPr>
+            <p:ph type="sldImg"/>
+          </p:nvPr>
+        </p:nvSpPr>
+        <p:spPr/>
+      </p:sp>
+      <p:sp>
+        <p:nvSpPr>
+          <p:cNvPr id="3" name="Notes Placeholder 2"/>
+          <p:cNvSpPr>
+            <a:spLocks noGrp="1"/>
+          </p:cNvSpPr>
+          <p:nvPr>
+            <p:ph type="body" idx="1"/>
+          </p:nvPr>
+        </p:nvSpPr>
+        <p:spPr/>
+        <p:txBody>
+          <a:bodyPr/>
+          <a:lstStyle/>
+          <a:p>
+            <a:endParaRPr lang="en-US" dirty="0"/>
+          </a:p>
+        </p:txBody>
+      </p:sp>
+      <p:sp>
+        <p:nvSpPr>
+          <p:cNvPr id="4" name="Slide Number Placeholder 3"/>
+          <p:cNvSpPr>
+            <a:spLocks noGrp="1"/>
+          </p:cNvSpPr>
+          <p:nvPr>
+            <p:ph type="sldNum" sz="quarter" idx="10"/>
+          </p:nvPr>
+        </p:nvSpPr>
+        <p:spPr/>
+        <p:txBody>
+          <a:bodyPr/>
+          <a:lstStyle/>
+          <a:p>
+            <a:fld id="{54650823-C9B1-4705-95A8-261A5EC2BEC4}" type="slidenum">
+              <a:rPr lang="en-US" smtClean="0"/>
+              <a:t>29</a:t>
+            </a:fld>
+            <a:endParaRPr lang="en-US"/>
+          </a:p>
+        </p:txBody>
+      </p:sp>
+    </p:spTree>
+    <p:extLst>
+      <p:ext uri="{BB962C8B-B14F-4D97-AF65-F5344CB8AC3E}">
+        <p14:creationId xmlns:p14="http://schemas.microsoft.com/office/powerpoint/2010/main" val="3683163909"/>
+      </p:ext>
+    </p:extLst>
+  </p:cSld>
+  <p:clrMapOvr>
+    <a:masterClrMapping/>
+  </p:clrMapOvr>
+</p:notes>
+</file>
+
 <file path=ppt/notesSlides/notesSlide2.xml><?xml version="1.0" encoding="utf-8"?>
 <p:notes xmlns:a="http://schemas.openxmlformats.org/drawingml/2006/main" xmlns:r="http://schemas.openxmlformats.org/officeDocument/2006/relationships" xmlns:p="http://schemas.openxmlformats.org/presentationml/2006/main">
   <p:cSld>
@@ -826,7 +1363,7 @@
           <a:p>
             <a:fld id="{54650823-C9B1-4705-95A8-261A5EC2BEC4}" type="slidenum">
               <a:rPr lang="en-US" smtClean="0"/>
-              <a:t>17</a:t>
+              <a:t>13</a:t>
             </a:fld>
             <a:endParaRPr lang="en-US"/>
           </a:p>
@@ -835,7 +1372,7 @@
     </p:spTree>
     <p:extLst>
       <p:ext uri="{BB962C8B-B14F-4D97-AF65-F5344CB8AC3E}">
-        <p14:creationId xmlns:p14="http://schemas.microsoft.com/office/powerpoint/2010/main" val="2501835"/>
+        <p14:creationId xmlns:p14="http://schemas.microsoft.com/office/powerpoint/2010/main" val="2740446460"/>
       </p:ext>
     </p:extLst>
   </p:cSld>
@@ -910,7 +1447,7 @@
           <a:p>
             <a:fld id="{54650823-C9B1-4705-95A8-261A5EC2BEC4}" type="slidenum">
               <a:rPr lang="en-US" smtClean="0"/>
-              <a:t>22</a:t>
+              <a:t>17</a:t>
             </a:fld>
             <a:endParaRPr lang="en-US"/>
           </a:p>
@@ -919,7 +1456,7 @@
     </p:spTree>
     <p:extLst>
       <p:ext uri="{BB962C8B-B14F-4D97-AF65-F5344CB8AC3E}">
-        <p14:creationId xmlns:p14="http://schemas.microsoft.com/office/powerpoint/2010/main" val="3445626111"/>
+        <p14:creationId xmlns:p14="http://schemas.microsoft.com/office/powerpoint/2010/main" val="2501835"/>
       </p:ext>
     </p:extLst>
   </p:cSld>
@@ -973,39 +1510,6 @@
           <a:bodyPr/>
           <a:lstStyle/>
           <a:p>
-            <a:r>
-              <a:rPr lang="vi-VN" dirty="0" smtClean="0"/>
-              <a:t>Kết hợp thủ tục quản lý bệnh viện và cổng thông tin. Ứng dụng có thể được truy cập qua internet</a:t>
-            </a:r>
-          </a:p>
-          <a:p>
-            <a:r>
-              <a:rPr lang="vi-VN" dirty="0" smtClean="0"/>
-              <a:t>Độ chính xác và tức thời.</a:t>
-            </a:r>
-          </a:p>
-          <a:p>
-            <a:r>
-              <a:rPr lang="vi-VN" dirty="0" smtClean="0"/>
-              <a:t>Đồng bộ hóa và tự động hóa, giảm thủ tục hành chính và nguồn nhân lực.</a:t>
-            </a:r>
-            <a:endParaRPr lang="en-US" dirty="0" smtClean="0"/>
-          </a:p>
-          <a:p>
-            <a:r>
-              <a:rPr lang="en-US" dirty="0" smtClean="0"/>
-              <a:t>Web service +SMS</a:t>
-            </a:r>
-          </a:p>
-          <a:p>
-            <a:r>
-              <a:rPr lang="en-US" dirty="0" err="1" smtClean="0"/>
-              <a:t>Tren</a:t>
-            </a:r>
-            <a:r>
-              <a:rPr lang="en-US" baseline="0" dirty="0" smtClean="0"/>
-              <a:t> mobile</a:t>
-            </a:r>
             <a:endParaRPr lang="en-US" dirty="0"/>
           </a:p>
         </p:txBody>
@@ -1027,7 +1531,7 @@
           <a:p>
             <a:fld id="{54650823-C9B1-4705-95A8-261A5EC2BEC4}" type="slidenum">
               <a:rPr lang="en-US" smtClean="0"/>
-              <a:t>24</a:t>
+              <a:t>19</a:t>
             </a:fld>
             <a:endParaRPr lang="en-US"/>
           </a:p>
@@ -1036,7 +1540,7 @@
     </p:spTree>
     <p:extLst>
       <p:ext uri="{BB962C8B-B14F-4D97-AF65-F5344CB8AC3E}">
-        <p14:creationId xmlns:p14="http://schemas.microsoft.com/office/powerpoint/2010/main" val="998169022"/>
+        <p14:creationId xmlns:p14="http://schemas.microsoft.com/office/powerpoint/2010/main" val="2691389620"/>
       </p:ext>
     </p:extLst>
   </p:cSld>
@@ -1111,7 +1615,7 @@
           <a:p>
             <a:fld id="{54650823-C9B1-4705-95A8-261A5EC2BEC4}" type="slidenum">
               <a:rPr lang="en-US" smtClean="0"/>
-              <a:t>29</a:t>
+              <a:t>20</a:t>
             </a:fld>
             <a:endParaRPr lang="en-US"/>
           </a:p>
@@ -1120,7 +1624,175 @@
     </p:spTree>
     <p:extLst>
       <p:ext uri="{BB962C8B-B14F-4D97-AF65-F5344CB8AC3E}">
-        <p14:creationId xmlns:p14="http://schemas.microsoft.com/office/powerpoint/2010/main" val="3683163909"/>
+        <p14:creationId xmlns:p14="http://schemas.microsoft.com/office/powerpoint/2010/main" val="1565526540"/>
+      </p:ext>
+    </p:extLst>
+  </p:cSld>
+  <p:clrMapOvr>
+    <a:masterClrMapping/>
+  </p:clrMapOvr>
+</p:notes>
+</file>
+
+<file path=ppt/notesSlides/notesSlide8.xml><?xml version="1.0" encoding="utf-8"?>
+<p:notes xmlns:a="http://schemas.openxmlformats.org/drawingml/2006/main" xmlns:r="http://schemas.openxmlformats.org/officeDocument/2006/relationships" xmlns:p="http://schemas.openxmlformats.org/presentationml/2006/main">
+  <p:cSld>
+    <p:spTree>
+      <p:nvGrpSpPr>
+        <p:cNvPr id="1" name=""/>
+        <p:cNvGrpSpPr/>
+        <p:nvPr/>
+      </p:nvGrpSpPr>
+      <p:grpSpPr>
+        <a:xfrm>
+          <a:off x="0" y="0"/>
+          <a:ext cx="0" cy="0"/>
+          <a:chOff x="0" y="0"/>
+          <a:chExt cx="0" cy="0"/>
+        </a:xfrm>
+      </p:grpSpPr>
+      <p:sp>
+        <p:nvSpPr>
+          <p:cNvPr id="2" name="Slide Image Placeholder 1"/>
+          <p:cNvSpPr>
+            <a:spLocks noGrp="1" noRot="1" noChangeAspect="1"/>
+          </p:cNvSpPr>
+          <p:nvPr>
+            <p:ph type="sldImg"/>
+          </p:nvPr>
+        </p:nvSpPr>
+        <p:spPr/>
+      </p:sp>
+      <p:sp>
+        <p:nvSpPr>
+          <p:cNvPr id="3" name="Notes Placeholder 2"/>
+          <p:cNvSpPr>
+            <a:spLocks noGrp="1"/>
+          </p:cNvSpPr>
+          <p:nvPr>
+            <p:ph type="body" idx="1"/>
+          </p:nvPr>
+        </p:nvSpPr>
+        <p:spPr/>
+        <p:txBody>
+          <a:bodyPr/>
+          <a:lstStyle/>
+          <a:p>
+            <a:endParaRPr lang="en-US" dirty="0"/>
+          </a:p>
+        </p:txBody>
+      </p:sp>
+      <p:sp>
+        <p:nvSpPr>
+          <p:cNvPr id="4" name="Slide Number Placeholder 3"/>
+          <p:cNvSpPr>
+            <a:spLocks noGrp="1"/>
+          </p:cNvSpPr>
+          <p:nvPr>
+            <p:ph type="sldNum" sz="quarter" idx="10"/>
+          </p:nvPr>
+        </p:nvSpPr>
+        <p:spPr/>
+        <p:txBody>
+          <a:bodyPr/>
+          <a:lstStyle/>
+          <a:p>
+            <a:fld id="{54650823-C9B1-4705-95A8-261A5EC2BEC4}" type="slidenum">
+              <a:rPr lang="en-US" smtClean="0"/>
+              <a:t>21</a:t>
+            </a:fld>
+            <a:endParaRPr lang="en-US"/>
+          </a:p>
+        </p:txBody>
+      </p:sp>
+    </p:spTree>
+    <p:extLst>
+      <p:ext uri="{BB962C8B-B14F-4D97-AF65-F5344CB8AC3E}">
+        <p14:creationId xmlns:p14="http://schemas.microsoft.com/office/powerpoint/2010/main" val="2442017491"/>
+      </p:ext>
+    </p:extLst>
+  </p:cSld>
+  <p:clrMapOvr>
+    <a:masterClrMapping/>
+  </p:clrMapOvr>
+</p:notes>
+</file>
+
+<file path=ppt/notesSlides/notesSlide9.xml><?xml version="1.0" encoding="utf-8"?>
+<p:notes xmlns:a="http://schemas.openxmlformats.org/drawingml/2006/main" xmlns:r="http://schemas.openxmlformats.org/officeDocument/2006/relationships" xmlns:p="http://schemas.openxmlformats.org/presentationml/2006/main">
+  <p:cSld>
+    <p:spTree>
+      <p:nvGrpSpPr>
+        <p:cNvPr id="1" name=""/>
+        <p:cNvGrpSpPr/>
+        <p:nvPr/>
+      </p:nvGrpSpPr>
+      <p:grpSpPr>
+        <a:xfrm>
+          <a:off x="0" y="0"/>
+          <a:ext cx="0" cy="0"/>
+          <a:chOff x="0" y="0"/>
+          <a:chExt cx="0" cy="0"/>
+        </a:xfrm>
+      </p:grpSpPr>
+      <p:sp>
+        <p:nvSpPr>
+          <p:cNvPr id="2" name="Slide Image Placeholder 1"/>
+          <p:cNvSpPr>
+            <a:spLocks noGrp="1" noRot="1" noChangeAspect="1"/>
+          </p:cNvSpPr>
+          <p:nvPr>
+            <p:ph type="sldImg"/>
+          </p:nvPr>
+        </p:nvSpPr>
+        <p:spPr/>
+      </p:sp>
+      <p:sp>
+        <p:nvSpPr>
+          <p:cNvPr id="3" name="Notes Placeholder 2"/>
+          <p:cNvSpPr>
+            <a:spLocks noGrp="1"/>
+          </p:cNvSpPr>
+          <p:nvPr>
+            <p:ph type="body" idx="1"/>
+          </p:nvPr>
+        </p:nvSpPr>
+        <p:spPr/>
+        <p:txBody>
+          <a:bodyPr/>
+          <a:lstStyle/>
+          <a:p>
+            <a:endParaRPr lang="en-US" dirty="0"/>
+          </a:p>
+        </p:txBody>
+      </p:sp>
+      <p:sp>
+        <p:nvSpPr>
+          <p:cNvPr id="4" name="Slide Number Placeholder 3"/>
+          <p:cNvSpPr>
+            <a:spLocks noGrp="1"/>
+          </p:cNvSpPr>
+          <p:nvPr>
+            <p:ph type="sldNum" sz="quarter" idx="10"/>
+          </p:nvPr>
+        </p:nvSpPr>
+        <p:spPr/>
+        <p:txBody>
+          <a:bodyPr/>
+          <a:lstStyle/>
+          <a:p>
+            <a:fld id="{54650823-C9B1-4705-95A8-261A5EC2BEC4}" type="slidenum">
+              <a:rPr lang="en-US" smtClean="0"/>
+              <a:t>22</a:t>
+            </a:fld>
+            <a:endParaRPr lang="en-US"/>
+          </a:p>
+        </p:txBody>
+      </p:sp>
+    </p:spTree>
+    <p:extLst>
+      <p:ext uri="{BB962C8B-B14F-4D97-AF65-F5344CB8AC3E}">
+        <p14:creationId xmlns:p14="http://schemas.microsoft.com/office/powerpoint/2010/main" val="3445626111"/>
       </p:ext>
     </p:extLst>
   </p:cSld>
@@ -1875,7 +2547,7 @@
           <a:p>
             <a:fld id="{A633F804-39DA-4C49-979B-E138C523399E}" type="datetimeFigureOut">
               <a:rPr lang="en-US" smtClean="0"/>
-              <a:t>02-05-2018</a:t>
+              <a:t>03-05-2018</a:t>
             </a:fld>
             <a:endParaRPr lang="en-US"/>
           </a:p>
@@ -2126,7 +2798,7 @@
           <a:p>
             <a:fld id="{A633F804-39DA-4C49-979B-E138C523399E}" type="datetimeFigureOut">
               <a:rPr lang="en-US" smtClean="0"/>
-              <a:t>02-05-2018</a:t>
+              <a:t>03-05-2018</a:t>
             </a:fld>
             <a:endParaRPr lang="en-US"/>
           </a:p>
@@ -2440,7 +3112,7 @@
           <a:p>
             <a:fld id="{A633F804-39DA-4C49-979B-E138C523399E}" type="datetimeFigureOut">
               <a:rPr lang="en-US" smtClean="0"/>
-              <a:t>02-05-2018</a:t>
+              <a:t>03-05-2018</a:t>
             </a:fld>
             <a:endParaRPr lang="en-US"/>
           </a:p>
@@ -2773,7 +3445,7 @@
           <a:p>
             <a:fld id="{A633F804-39DA-4C49-979B-E138C523399E}" type="datetimeFigureOut">
               <a:rPr lang="en-US" smtClean="0"/>
-              <a:t>02-05-2018</a:t>
+              <a:t>03-05-2018</a:t>
             </a:fld>
             <a:endParaRPr lang="en-US"/>
           </a:p>
@@ -3087,7 +3759,7 @@
           <a:p>
             <a:fld id="{A633F804-39DA-4C49-979B-E138C523399E}" type="datetimeFigureOut">
               <a:rPr lang="en-US" smtClean="0"/>
-              <a:t>02-05-2018</a:t>
+              <a:t>03-05-2018</a:t>
             </a:fld>
             <a:endParaRPr lang="en-US"/>
           </a:p>
@@ -3480,7 +4152,7 @@
           <a:p>
             <a:fld id="{A633F804-39DA-4C49-979B-E138C523399E}" type="datetimeFigureOut">
               <a:rPr lang="en-US" smtClean="0"/>
-              <a:t>02-05-2018</a:t>
+              <a:t>03-05-2018</a:t>
             </a:fld>
             <a:endParaRPr lang="en-US"/>
           </a:p>
@@ -3650,7 +4322,7 @@
           <a:p>
             <a:fld id="{A633F804-39DA-4C49-979B-E138C523399E}" type="datetimeFigureOut">
               <a:rPr lang="en-US" smtClean="0"/>
-              <a:t>02-05-2018</a:t>
+              <a:t>03-05-2018</a:t>
             </a:fld>
             <a:endParaRPr lang="en-US"/>
           </a:p>
@@ -3830,7 +4502,7 @@
           <a:p>
             <a:fld id="{A633F804-39DA-4C49-979B-E138C523399E}" type="datetimeFigureOut">
               <a:rPr lang="en-US" smtClean="0"/>
-              <a:t>02-05-2018</a:t>
+              <a:t>03-05-2018</a:t>
             </a:fld>
             <a:endParaRPr lang="en-US"/>
           </a:p>
@@ -4000,7 +4672,7 @@
           <a:p>
             <a:fld id="{A633F804-39DA-4C49-979B-E138C523399E}" type="datetimeFigureOut">
               <a:rPr lang="en-US" smtClean="0"/>
-              <a:t>02-05-2018</a:t>
+              <a:t>03-05-2018</a:t>
             </a:fld>
             <a:endParaRPr lang="en-US"/>
           </a:p>
@@ -4247,7 +4919,7 @@
           <a:p>
             <a:fld id="{A633F804-39DA-4C49-979B-E138C523399E}" type="datetimeFigureOut">
               <a:rPr lang="en-US" smtClean="0"/>
-              <a:t>02-05-2018</a:t>
+              <a:t>03-05-2018</a:t>
             </a:fld>
             <a:endParaRPr lang="en-US"/>
           </a:p>
@@ -4479,7 +5151,7 @@
           <a:p>
             <a:fld id="{A633F804-39DA-4C49-979B-E138C523399E}" type="datetimeFigureOut">
               <a:rPr lang="en-US" smtClean="0"/>
-              <a:t>02-05-2018</a:t>
+              <a:t>03-05-2018</a:t>
             </a:fld>
             <a:endParaRPr lang="en-US"/>
           </a:p>
@@ -4853,7 +5525,7 @@
           <a:p>
             <a:fld id="{A633F804-39DA-4C49-979B-E138C523399E}" type="datetimeFigureOut">
               <a:rPr lang="en-US" smtClean="0"/>
-              <a:t>02-05-2018</a:t>
+              <a:t>03-05-2018</a:t>
             </a:fld>
             <a:endParaRPr lang="en-US"/>
           </a:p>
@@ -4976,7 +5648,7 @@
           <a:p>
             <a:fld id="{A633F804-39DA-4C49-979B-E138C523399E}" type="datetimeFigureOut">
               <a:rPr lang="en-US" smtClean="0"/>
-              <a:t>02-05-2018</a:t>
+              <a:t>03-05-2018</a:t>
             </a:fld>
             <a:endParaRPr lang="en-US"/>
           </a:p>
@@ -5071,7 +5743,7 @@
           <a:p>
             <a:fld id="{A633F804-39DA-4C49-979B-E138C523399E}" type="datetimeFigureOut">
               <a:rPr lang="en-US" smtClean="0"/>
-              <a:t>02-05-2018</a:t>
+              <a:t>03-05-2018</a:t>
             </a:fld>
             <a:endParaRPr lang="en-US"/>
           </a:p>
@@ -5326,7 +5998,7 @@
           <a:p>
             <a:fld id="{A633F804-39DA-4C49-979B-E138C523399E}" type="datetimeFigureOut">
               <a:rPr lang="en-US" smtClean="0"/>
-              <a:t>02-05-2018</a:t>
+              <a:t>03-05-2018</a:t>
             </a:fld>
             <a:endParaRPr lang="en-US"/>
           </a:p>
@@ -5631,7 +6303,7 @@
           <a:p>
             <a:fld id="{A633F804-39DA-4C49-979B-E138C523399E}" type="datetimeFigureOut">
               <a:rPr lang="en-US" smtClean="0"/>
-              <a:t>02-05-2018</a:t>
+              <a:t>03-05-2018</a:t>
             </a:fld>
             <a:endParaRPr lang="en-US"/>
           </a:p>
@@ -6333,7 +7005,7 @@
           <a:p>
             <a:fld id="{A633F804-39DA-4C49-979B-E138C523399E}" type="datetimeFigureOut">
               <a:rPr lang="en-US" smtClean="0"/>
-              <a:t>02-05-2018</a:t>
+              <a:t>03-05-2018</a:t>
             </a:fld>
             <a:endParaRPr lang="en-US"/>
           </a:p>
@@ -7091,7 +7763,7 @@
         <p:spPr>
           <a:xfrm>
             <a:off x="5662750" y="4283381"/>
-            <a:ext cx="4241441" cy="1200329"/>
+            <a:ext cx="4462152" cy="1200329"/>
           </a:xfrm>
           <a:prstGeom prst="rect">
             <a:avLst/>
@@ -7188,7 +7860,11 @@
             </a:r>
             <a:r>
               <a:rPr lang="en-US" dirty="0" smtClean="0"/>
-              <a:t> – SE61590</a:t>
+              <a:t> – </a:t>
+            </a:r>
+            <a:r>
+              <a:rPr lang="en-US" dirty="0" smtClean="0"/>
+              <a:t>SE61590 (Not Defend)</a:t>
             </a:r>
             <a:endParaRPr lang="en-US" dirty="0"/>
           </a:p>
@@ -7663,7 +8339,7 @@
           <p:nvPr/>
         </p:nvPicPr>
         <p:blipFill>
-          <a:blip r:embed="rId2">
+          <a:blip r:embed="rId3">
             <a:extLst>
               <a:ext uri="{28A0092B-C50C-407E-A947-70E740481C1C}">
                 <a14:useLocalDpi xmlns:a14="http://schemas.microsoft.com/office/drawing/2010/main" val="0"/>
@@ -7693,7 +8369,7 @@
           <p:nvPr/>
         </p:nvPicPr>
         <p:blipFill>
-          <a:blip r:embed="rId3" cstate="print">
+          <a:blip r:embed="rId4" cstate="print">
             <a:extLst>
               <a:ext uri="{28A0092B-C50C-407E-A947-70E740481C1C}">
                 <a14:useLocalDpi xmlns:a14="http://schemas.microsoft.com/office/drawing/2010/main" val="0"/>
@@ -7717,34 +8393,6 @@
       <p:pic>
         <p:nvPicPr>
           <p:cNvPr id="6" name="Picture 5"/>
-          <p:cNvPicPr/>
-          <p:nvPr/>
-        </p:nvPicPr>
-        <p:blipFill>
-          <a:blip r:embed="rId4">
-            <a:extLst>
-              <a:ext uri="{28A0092B-C50C-407E-A947-70E740481C1C}">
-                <a14:useLocalDpi xmlns:a14="http://schemas.microsoft.com/office/drawing/2010/main" val="0"/>
-              </a:ext>
-            </a:extLst>
-          </a:blip>
-          <a:stretch>
-            <a:fillRect/>
-          </a:stretch>
-        </p:blipFill>
-        <p:spPr>
-          <a:xfrm>
-            <a:off x="2560592" y="3729978"/>
-            <a:ext cx="1739265" cy="1799479"/>
-          </a:xfrm>
-          <a:prstGeom prst="rect">
-            <a:avLst/>
-          </a:prstGeom>
-        </p:spPr>
-      </p:pic>
-      <p:pic>
-        <p:nvPicPr>
-          <p:cNvPr id="7" name="Picture 6"/>
           <p:cNvPicPr/>
           <p:nvPr/>
         </p:nvPicPr>
@@ -7762,6 +8410,34 @@
         </p:blipFill>
         <p:spPr>
           <a:xfrm>
+            <a:off x="2560592" y="3729978"/>
+            <a:ext cx="1739265" cy="1799479"/>
+          </a:xfrm>
+          <a:prstGeom prst="rect">
+            <a:avLst/>
+          </a:prstGeom>
+        </p:spPr>
+      </p:pic>
+      <p:pic>
+        <p:nvPicPr>
+          <p:cNvPr id="7" name="Picture 6"/>
+          <p:cNvPicPr/>
+          <p:nvPr/>
+        </p:nvPicPr>
+        <p:blipFill>
+          <a:blip r:embed="rId6">
+            <a:extLst>
+              <a:ext uri="{28A0092B-C50C-407E-A947-70E740481C1C}">
+                <a14:useLocalDpi xmlns:a14="http://schemas.microsoft.com/office/drawing/2010/main" val="0"/>
+              </a:ext>
+            </a:extLst>
+          </a:blip>
+          <a:stretch>
+            <a:fillRect/>
+          </a:stretch>
+        </p:blipFill>
+        <p:spPr>
+          <a:xfrm>
             <a:off x="4694644" y="3770335"/>
             <a:ext cx="1531803" cy="1588726"/>
           </a:xfrm>
@@ -7777,7 +8453,7 @@
           <p:nvPr/>
         </p:nvPicPr>
         <p:blipFill rotWithShape="1">
-          <a:blip r:embed="rId6" cstate="print">
+          <a:blip r:embed="rId7" cstate="print">
             <a:extLst>
               <a:ext uri="{28A0092B-C50C-407E-A947-70E740481C1C}">
                 <a14:useLocalDpi xmlns:a14="http://schemas.microsoft.com/office/drawing/2010/main" val="0"/>
@@ -11008,7 +11684,7 @@
           <p:nvPr/>
         </p:nvPicPr>
         <p:blipFill>
-          <a:blip r:embed="rId2" cstate="print">
+          <a:blip r:embed="rId3" cstate="print">
             <a:extLst>
               <a:ext uri="{28A0092B-C50C-407E-A947-70E740481C1C}">
                 <a14:useLocalDpi xmlns:a14="http://schemas.microsoft.com/office/drawing/2010/main" val="0"/>
@@ -11038,7 +11714,7 @@
           <p:nvPr/>
         </p:nvPicPr>
         <p:blipFill>
-          <a:blip r:embed="rId3" cstate="print">
+          <a:blip r:embed="rId4" cstate="print">
             <a:extLst>
               <a:ext uri="{28A0092B-C50C-407E-A947-70E740481C1C}">
                 <a14:useLocalDpi xmlns:a14="http://schemas.microsoft.com/office/drawing/2010/main" val="0"/>
@@ -11104,7 +11780,7 @@
           <p:nvPr/>
         </p:nvPicPr>
         <p:blipFill rotWithShape="1">
-          <a:blip r:embed="rId4" cstate="print">
+          <a:blip r:embed="rId5" cstate="print">
             <a:extLst>
               <a:ext uri="{28A0092B-C50C-407E-A947-70E740481C1C}">
                 <a14:useLocalDpi xmlns:a14="http://schemas.microsoft.com/office/drawing/2010/main" val="0"/>
@@ -11133,7 +11809,7 @@
           <p:nvPr/>
         </p:nvPicPr>
         <p:blipFill>
-          <a:blip r:embed="rId5" cstate="print">
+          <a:blip r:embed="rId6" cstate="print">
             <a:extLst>
               <a:ext uri="{28A0092B-C50C-407E-A947-70E740481C1C}">
                 <a14:useLocalDpi xmlns:a14="http://schemas.microsoft.com/office/drawing/2010/main" val="0"/>
@@ -11738,7 +12414,7 @@
           <p:nvPr/>
         </p:nvPicPr>
         <p:blipFill>
-          <a:blip r:embed="rId2">
+          <a:blip r:embed="rId3">
             <a:extLst>
               <a:ext uri="{28A0092B-C50C-407E-A947-70E740481C1C}">
                 <a14:useLocalDpi xmlns:a14="http://schemas.microsoft.com/office/drawing/2010/main" val="0"/>
@@ -11863,7 +12539,7 @@
           <p:nvPr/>
         </p:nvPicPr>
         <p:blipFill>
-          <a:blip r:embed="rId2">
+          <a:blip r:embed="rId3">
             <a:extLst>
               <a:ext uri="{28A0092B-C50C-407E-A947-70E740481C1C}">
                 <a14:useLocalDpi xmlns:a14="http://schemas.microsoft.com/office/drawing/2010/main" val="0"/>
@@ -11893,7 +12569,7 @@
           <p:nvPr/>
         </p:nvPicPr>
         <p:blipFill rotWithShape="1">
-          <a:blip r:embed="rId3" cstate="print">
+          <a:blip r:embed="rId4" cstate="print">
             <a:extLst>
               <a:ext uri="{28A0092B-C50C-407E-A947-70E740481C1C}">
                 <a14:useLocalDpi xmlns:a14="http://schemas.microsoft.com/office/drawing/2010/main" val="0"/>
@@ -12459,7 +13135,7 @@
           <p:nvPr/>
         </p:nvPicPr>
         <p:blipFill>
-          <a:blip r:embed="rId2">
+          <a:blip r:embed="rId3">
             <a:extLst>
               <a:ext uri="{28A0092B-C50C-407E-A947-70E740481C1C}">
                 <a14:useLocalDpi xmlns:a14="http://schemas.microsoft.com/office/drawing/2010/main" val="0"/>
@@ -12489,7 +13165,7 @@
           <p:nvPr/>
         </p:nvPicPr>
         <p:blipFill rotWithShape="1">
-          <a:blip r:embed="rId3" cstate="print">
+          <a:blip r:embed="rId4" cstate="print">
             <a:extLst>
               <a:ext uri="{28A0092B-C50C-407E-A947-70E740481C1C}">
                 <a14:useLocalDpi xmlns:a14="http://schemas.microsoft.com/office/drawing/2010/main" val="0"/>
@@ -12594,7 +13270,7 @@
         </p:nvCxnSpPr>
         <p:spPr>
           <a:xfrm>
-            <a:off x="5342708" y="1763486"/>
+            <a:off x="6214311" y="1519953"/>
             <a:ext cx="1" cy="4025147"/>
           </a:xfrm>
           <a:prstGeom prst="line">
@@ -12625,7 +13301,7 @@
         <p:spPr>
           <a:xfrm>
             <a:off x="346842" y="2090982"/>
-            <a:ext cx="4424855" cy="3087512"/>
+            <a:ext cx="5867469" cy="3962367"/>
           </a:xfrm>
           <a:prstGeom prst="rect">
             <a:avLst/>
@@ -12652,17 +13328,12 @@
             </a:pPr>
             <a:r>
               <a:rPr lang="en-US" dirty="0">
-                <a:latin typeface="Cambria" panose="02040503050406030204" pitchFamily="18" charset="0"/>
+                <a:latin typeface="Calibri" panose="020F0502020204030204" pitchFamily="34" charset="0"/>
                 <a:ea typeface="MS Mincho" panose="02020609040205080304" pitchFamily="49" charset="-128"/>
-                <a:cs typeface="Times New Roman" panose="02020603050405020304" pitchFamily="18" charset="0"/>
+                <a:cs typeface="Calibri" panose="020F0502020204030204" pitchFamily="34" charset="0"/>
               </a:rPr>
               <a:t>Incorporation of hospital management procedures and portals. The application can be accessed via the internet</a:t>
             </a:r>
-            <a:endParaRPr lang="en-US" dirty="0">
-              <a:latin typeface="Calibri" panose="020F0502020204030204" pitchFamily="34" charset="0"/>
-              <a:ea typeface="MS Mincho" panose="02020609040205080304" pitchFamily="49" charset="-128"/>
-              <a:cs typeface="Times New Roman" panose="02020603050405020304" pitchFamily="18" charset="0"/>
-            </a:endParaRPr>
           </a:p>
           <a:p>
             <a:pPr marL="342900" marR="0" lvl="0" indent="-342900">
@@ -12680,17 +13351,12 @@
             </a:pPr>
             <a:r>
               <a:rPr lang="en-US" dirty="0">
-                <a:latin typeface="Cambria" panose="02040503050406030204" pitchFamily="18" charset="0"/>
+                <a:latin typeface="Calibri" panose="020F0502020204030204" pitchFamily="34" charset="0"/>
                 <a:ea typeface="MS Mincho" panose="02020609040205080304" pitchFamily="49" charset="-128"/>
-                <a:cs typeface="Times New Roman" panose="02020603050405020304" pitchFamily="18" charset="0"/>
+                <a:cs typeface="Calibri" panose="020F0502020204030204" pitchFamily="34" charset="0"/>
               </a:rPr>
               <a:t>Accuracy and instantaneous.</a:t>
             </a:r>
-            <a:endParaRPr lang="en-US" dirty="0">
-              <a:latin typeface="Calibri" panose="020F0502020204030204" pitchFamily="34" charset="0"/>
-              <a:ea typeface="MS Mincho" panose="02020609040205080304" pitchFamily="49" charset="-128"/>
-              <a:cs typeface="Times New Roman" panose="02020603050405020304" pitchFamily="18" charset="0"/>
-            </a:endParaRPr>
           </a:p>
           <a:p>
             <a:pPr marL="342900" marR="0" lvl="0" indent="-342900">
@@ -12708,24 +13374,85 @@
             </a:pPr>
             <a:r>
               <a:rPr lang="en-US" dirty="0" smtClean="0">
-                <a:latin typeface="Cambria" panose="02040503050406030204" pitchFamily="18" charset="0"/>
+                <a:latin typeface="Calibri" panose="020F0502020204030204" pitchFamily="34" charset="0"/>
                 <a:ea typeface="MS Mincho" panose="02020609040205080304" pitchFamily="49" charset="-128"/>
-                <a:cs typeface="Times New Roman" panose="02020603050405020304" pitchFamily="18" charset="0"/>
+                <a:cs typeface="Calibri" panose="020F0502020204030204" pitchFamily="34" charset="0"/>
               </a:rPr>
               <a:t>Synchronization and </a:t>
             </a:r>
             <a:r>
               <a:rPr lang="en-US" dirty="0">
-                <a:latin typeface="Cambria" panose="02040503050406030204" pitchFamily="18" charset="0"/>
+                <a:latin typeface="Calibri" panose="020F0502020204030204" pitchFamily="34" charset="0"/>
                 <a:ea typeface="MS Mincho" panose="02020609040205080304" pitchFamily="49" charset="-128"/>
-                <a:cs typeface="Times New Roman" panose="02020603050405020304" pitchFamily="18" charset="0"/>
+                <a:cs typeface="Calibri" panose="020F0502020204030204" pitchFamily="34" charset="0"/>
               </a:rPr>
               <a:t>automation, reducing administrative procedures and human resources. </a:t>
             </a:r>
             <a:endParaRPr lang="en-US" dirty="0" smtClean="0">
-              <a:latin typeface="Cambria" panose="02040503050406030204" pitchFamily="18" charset="0"/>
+              <a:latin typeface="Calibri" panose="020F0502020204030204" pitchFamily="34" charset="0"/>
               <a:ea typeface="MS Mincho" panose="02020609040205080304" pitchFamily="49" charset="-128"/>
-              <a:cs typeface="Times New Roman" panose="02020603050405020304" pitchFamily="18" charset="0"/>
+              <a:cs typeface="Calibri" panose="020F0502020204030204" pitchFamily="34" charset="0"/>
+            </a:endParaRPr>
+          </a:p>
+          <a:p>
+            <a:pPr marL="342900" indent="-342900">
+              <a:lnSpc>
+                <a:spcPct val="115000"/>
+              </a:lnSpc>
+              <a:spcAft>
+                <a:spcPts val="1000"/>
+              </a:spcAft>
+              <a:buFont typeface="Calibri" panose="020F0502020204030204" pitchFamily="34" charset="0"/>
+              <a:buChar char="-"/>
+            </a:pPr>
+            <a:r>
+              <a:rPr lang="en-US" dirty="0" smtClean="0">
+                <a:latin typeface="Calibri" panose="020F0502020204030204" pitchFamily="34" charset="0"/>
+                <a:cs typeface="Calibri" panose="020F0502020204030204" pitchFamily="34" charset="0"/>
+              </a:rPr>
+              <a:t>Apply </a:t>
+            </a:r>
+            <a:r>
+              <a:rPr lang="en-US" dirty="0">
+                <a:latin typeface="Calibri" panose="020F0502020204030204" pitchFamily="34" charset="0"/>
+                <a:cs typeface="Calibri" panose="020F0502020204030204" pitchFamily="34" charset="0"/>
+              </a:rPr>
+              <a:t>web service: can use other technology to develop front-end side </a:t>
+            </a:r>
+            <a:r>
+              <a:rPr lang="en-US" dirty="0" smtClean="0">
+                <a:latin typeface="Calibri" panose="020F0502020204030204" pitchFamily="34" charset="0"/>
+                <a:cs typeface="Calibri" panose="020F0502020204030204" pitchFamily="34" charset="0"/>
+              </a:rPr>
+              <a:t>so </a:t>
+            </a:r>
+            <a:r>
+              <a:rPr lang="en-US" dirty="0" smtClean="0">
+                <a:latin typeface="Calibri" panose="020F0502020204030204" pitchFamily="34" charset="0"/>
+                <a:ea typeface="MS Mincho" panose="02020609040205080304" pitchFamily="49" charset="-128"/>
+                <a:cs typeface="Calibri" panose="020F0502020204030204" pitchFamily="34" charset="0"/>
+              </a:rPr>
+              <a:t>easy </a:t>
+            </a:r>
+            <a:r>
+              <a:rPr lang="en-US" dirty="0">
+                <a:latin typeface="Calibri" panose="020F0502020204030204" pitchFamily="34" charset="0"/>
+                <a:ea typeface="MS Mincho" panose="02020609040205080304" pitchFamily="49" charset="-128"/>
+                <a:cs typeface="Calibri" panose="020F0502020204030204" pitchFamily="34" charset="0"/>
+              </a:rPr>
+              <a:t>to extend and upgrade function of the </a:t>
+            </a:r>
+            <a:r>
+              <a:rPr lang="en-US" dirty="0" smtClean="0">
+                <a:latin typeface="Calibri" panose="020F0502020204030204" pitchFamily="34" charset="0"/>
+                <a:ea typeface="MS Mincho" panose="02020609040205080304" pitchFamily="49" charset="-128"/>
+                <a:cs typeface="Calibri" panose="020F0502020204030204" pitchFamily="34" charset="0"/>
+              </a:rPr>
+              <a:t>system</a:t>
+            </a:r>
+            <a:endParaRPr lang="en-US" dirty="0" smtClean="0">
+              <a:latin typeface="Calibri" panose="020F0502020204030204" pitchFamily="34" charset="0"/>
+              <a:cs typeface="Calibri" panose="020F0502020204030204" pitchFamily="34" charset="0"/>
             </a:endParaRPr>
           </a:p>
           <a:p>
@@ -12744,16 +13471,55 @@
             </a:pPr>
             <a:r>
               <a:rPr lang="en-US" dirty="0" smtClean="0">
-                <a:latin typeface="Cambria" panose="02040503050406030204" pitchFamily="18" charset="0"/>
-                <a:ea typeface="MS Mincho" panose="02020609040205080304" pitchFamily="49" charset="-128"/>
-                <a:cs typeface="Times New Roman" panose="02020603050405020304" pitchFamily="18" charset="0"/>
+                <a:latin typeface="Calibri" panose="020F0502020204030204" pitchFamily="34" charset="0"/>
+                <a:cs typeface="Calibri" panose="020F0502020204030204" pitchFamily="34" charset="0"/>
               </a:rPr>
-              <a:t>Easy to extend and upgrade function of the system</a:t>
+              <a:t>Combine </a:t>
+            </a:r>
+            <a:r>
+              <a:rPr lang="en-US" dirty="0">
+                <a:latin typeface="Calibri" panose="020F0502020204030204" pitchFamily="34" charset="0"/>
+                <a:cs typeface="Calibri" panose="020F0502020204030204" pitchFamily="34" charset="0"/>
+              </a:rPr>
+              <a:t>SMS: sent message immediately </a:t>
+            </a:r>
+            <a:endParaRPr lang="en-US" dirty="0" smtClean="0">
+              <a:latin typeface="Calibri" panose="020F0502020204030204" pitchFamily="34" charset="0"/>
+              <a:cs typeface="Calibri" panose="020F0502020204030204" pitchFamily="34" charset="0"/>
+            </a:endParaRPr>
+          </a:p>
+          <a:p>
+            <a:pPr marL="342900" marR="0" lvl="0" indent="-342900">
+              <a:lnSpc>
+                <a:spcPct val="115000"/>
+              </a:lnSpc>
+              <a:spcBef>
+                <a:spcPts val="0"/>
+              </a:spcBef>
+              <a:spcAft>
+                <a:spcPts val="1000"/>
+              </a:spcAft>
+              <a:buFont typeface="Calibri" panose="020F0502020204030204" pitchFamily="34" charset="0"/>
+              <a:buChar char="-"/>
+            </a:pPr>
+            <a:r>
+              <a:rPr lang="en-US" dirty="0" smtClean="0">
+                <a:latin typeface="Calibri" panose="020F0502020204030204" pitchFamily="34" charset="0"/>
+                <a:cs typeface="Calibri" panose="020F0502020204030204" pitchFamily="34" charset="0"/>
+              </a:rPr>
+              <a:t>Can </a:t>
+            </a:r>
+            <a:r>
+              <a:rPr lang="en-US" dirty="0">
+                <a:latin typeface="Calibri" panose="020F0502020204030204" pitchFamily="34" charset="0"/>
+                <a:cs typeface="Calibri" panose="020F0502020204030204" pitchFamily="34" charset="0"/>
+              </a:rPr>
+              <a:t>run on mobile, tablet and other device, support user even when they are outside the work environment</a:t>
             </a:r>
             <a:endParaRPr lang="en-US" dirty="0">
               <a:latin typeface="Calibri" panose="020F0502020204030204" pitchFamily="34" charset="0"/>
               <a:ea typeface="MS Mincho" panose="02020609040205080304" pitchFamily="49" charset="-128"/>
-              <a:cs typeface="Times New Roman" panose="02020603050405020304" pitchFamily="18" charset="0"/>
+              <a:cs typeface="Calibri" panose="020F0502020204030204" pitchFamily="34" charset="0"/>
             </a:endParaRPr>
           </a:p>
         </p:txBody>
@@ -12766,7 +13532,7 @@
         </p:nvSpPr>
         <p:spPr>
           <a:xfrm>
-            <a:off x="5507421" y="2090982"/>
+            <a:off x="6388571" y="2090982"/>
             <a:ext cx="4056993" cy="1494768"/>
           </a:xfrm>
           <a:prstGeom prst="rect">
@@ -12921,7 +13687,7 @@
         </p:nvSpPr>
         <p:spPr>
           <a:xfrm>
-            <a:off x="5913720" y="1000118"/>
+            <a:off x="6854523" y="1039306"/>
             <a:ext cx="3897222" cy="769441"/>
           </a:xfrm>
           <a:prstGeom prst="rect">
@@ -13164,7 +13930,7 @@
           </p:nvPr>
         </p:nvPicPr>
         <p:blipFill>
-          <a:blip r:embed="rId2">
+          <a:blip r:embed="rId3">
             <a:extLst>
               <a:ext uri="{28A0092B-C50C-407E-A947-70E740481C1C}">
                 <a14:useLocalDpi xmlns:a14="http://schemas.microsoft.com/office/drawing/2010/main" val="0"/>
@@ -13283,7 +14049,7 @@
           <p:nvPr/>
         </p:nvPicPr>
         <p:blipFill>
-          <a:blip r:embed="rId2">
+          <a:blip r:embed="rId3">
             <a:extLst>
               <a:ext uri="{28A0092B-C50C-407E-A947-70E740481C1C}">
                 <a14:useLocalDpi xmlns:a14="http://schemas.microsoft.com/office/drawing/2010/main" val="0"/>
@@ -13313,7 +14079,7 @@
           <p:nvPr/>
         </p:nvPicPr>
         <p:blipFill>
-          <a:blip r:embed="rId3" cstate="print">
+          <a:blip r:embed="rId4" cstate="print">
             <a:extLst>
               <a:ext uri="{28A0092B-C50C-407E-A947-70E740481C1C}">
                 <a14:useLocalDpi xmlns:a14="http://schemas.microsoft.com/office/drawing/2010/main" val="0"/>
@@ -13398,7 +14164,7 @@
           <p:nvPr/>
         </p:nvPicPr>
         <p:blipFill>
-          <a:blip r:embed="rId2">
+          <a:blip r:embed="rId3">
             <a:extLst>
               <a:ext uri="{28A0092B-C50C-407E-A947-70E740481C1C}">
                 <a14:useLocalDpi xmlns:a14="http://schemas.microsoft.com/office/drawing/2010/main" val="0"/>
@@ -13428,7 +14194,7 @@
           <p:nvPr/>
         </p:nvPicPr>
         <p:blipFill>
-          <a:blip r:embed="rId2">
+          <a:blip r:embed="rId3">
             <a:extLst>
               <a:ext uri="{28A0092B-C50C-407E-A947-70E740481C1C}">
                 <a14:useLocalDpi xmlns:a14="http://schemas.microsoft.com/office/drawing/2010/main" val="0"/>
@@ -13458,7 +14224,7 @@
           <p:nvPr/>
         </p:nvPicPr>
         <p:blipFill>
-          <a:blip r:embed="rId2">
+          <a:blip r:embed="rId3">
             <a:extLst>
               <a:ext uri="{28A0092B-C50C-407E-A947-70E740481C1C}">
                 <a14:useLocalDpi xmlns:a14="http://schemas.microsoft.com/office/drawing/2010/main" val="0"/>
@@ -13902,7 +14668,7 @@
           <p:nvPr/>
         </p:nvPicPr>
         <p:blipFill>
-          <a:blip r:embed="rId2" cstate="print">
+          <a:blip r:embed="rId3" cstate="print">
             <a:extLst>
               <a:ext uri="{28A0092B-C50C-407E-A947-70E740481C1C}">
                 <a14:useLocalDpi xmlns:a14="http://schemas.microsoft.com/office/drawing/2010/main" val="0"/>
@@ -14000,13 +14766,7 @@
               <a:rPr lang="en-US" sz="2800" dirty="0" smtClean="0"/>
               <a:t>schedule</a:t>
             </a:r>
-          </a:p>
-          <a:p>
-            <a:r>
-              <a:rPr lang="en-US" sz="2800" dirty="0" smtClean="0"/>
-              <a:t>Feed back</a:t>
-            </a:r>
-            <a:endParaRPr lang="en-US" sz="2800" dirty="0"/>
+            <a:endParaRPr lang="en-US" sz="2800" dirty="0" smtClean="0"/>
           </a:p>
         </p:txBody>
       </p:sp>
